--- a/aspnetcore3.0course/docs/aspnetcore3.0course.pptx
+++ b/aspnetcore3.0course/docs/aspnetcore3.0course.pptx
@@ -260,7 +260,7 @@
           <a:p>
             <a:fld id="{0CB35010-EDBB-44E1-81B6-E54FF20221CB}" type="datetimeFigureOut">
               <a:rPr lang="zh-CN" altLang="en-US" smtClean="0"/>
-              <a:t>2019/3/27</a:t>
+              <a:t>2019/3/28</a:t>
             </a:fld>
             <a:endParaRPr lang="zh-CN" altLang="en-US"/>
           </a:p>
@@ -458,7 +458,7 @@
           <a:p>
             <a:fld id="{0CB35010-EDBB-44E1-81B6-E54FF20221CB}" type="datetimeFigureOut">
               <a:rPr lang="zh-CN" altLang="en-US" smtClean="0"/>
-              <a:t>2019/3/27</a:t>
+              <a:t>2019/3/28</a:t>
             </a:fld>
             <a:endParaRPr lang="zh-CN" altLang="en-US"/>
           </a:p>
@@ -666,7 +666,7 @@
           <a:p>
             <a:fld id="{0CB35010-EDBB-44E1-81B6-E54FF20221CB}" type="datetimeFigureOut">
               <a:rPr lang="zh-CN" altLang="en-US" smtClean="0"/>
-              <a:t>2019/3/27</a:t>
+              <a:t>2019/3/28</a:t>
             </a:fld>
             <a:endParaRPr lang="zh-CN" altLang="en-US"/>
           </a:p>
@@ -864,7 +864,7 @@
           <a:p>
             <a:fld id="{0CB35010-EDBB-44E1-81B6-E54FF20221CB}" type="datetimeFigureOut">
               <a:rPr lang="zh-CN" altLang="en-US" smtClean="0"/>
-              <a:t>2019/3/27</a:t>
+              <a:t>2019/3/28</a:t>
             </a:fld>
             <a:endParaRPr lang="zh-CN" altLang="en-US"/>
           </a:p>
@@ -1139,7 +1139,7 @@
           <a:p>
             <a:fld id="{0CB35010-EDBB-44E1-81B6-E54FF20221CB}" type="datetimeFigureOut">
               <a:rPr lang="zh-CN" altLang="en-US" smtClean="0"/>
-              <a:t>2019/3/27</a:t>
+              <a:t>2019/3/28</a:t>
             </a:fld>
             <a:endParaRPr lang="zh-CN" altLang="en-US"/>
           </a:p>
@@ -1404,7 +1404,7 @@
           <a:p>
             <a:fld id="{0CB35010-EDBB-44E1-81B6-E54FF20221CB}" type="datetimeFigureOut">
               <a:rPr lang="zh-CN" altLang="en-US" smtClean="0"/>
-              <a:t>2019/3/27</a:t>
+              <a:t>2019/3/28</a:t>
             </a:fld>
             <a:endParaRPr lang="zh-CN" altLang="en-US"/>
           </a:p>
@@ -1816,7 +1816,7 @@
           <a:p>
             <a:fld id="{0CB35010-EDBB-44E1-81B6-E54FF20221CB}" type="datetimeFigureOut">
               <a:rPr lang="zh-CN" altLang="en-US" smtClean="0"/>
-              <a:t>2019/3/27</a:t>
+              <a:t>2019/3/28</a:t>
             </a:fld>
             <a:endParaRPr lang="zh-CN" altLang="en-US"/>
           </a:p>
@@ -1957,7 +1957,7 @@
           <a:p>
             <a:fld id="{0CB35010-EDBB-44E1-81B6-E54FF20221CB}" type="datetimeFigureOut">
               <a:rPr lang="zh-CN" altLang="en-US" smtClean="0"/>
-              <a:t>2019/3/27</a:t>
+              <a:t>2019/3/28</a:t>
             </a:fld>
             <a:endParaRPr lang="zh-CN" altLang="en-US"/>
           </a:p>
@@ -2070,7 +2070,7 @@
           <a:p>
             <a:fld id="{0CB35010-EDBB-44E1-81B6-E54FF20221CB}" type="datetimeFigureOut">
               <a:rPr lang="zh-CN" altLang="en-US" smtClean="0"/>
-              <a:t>2019/3/27</a:t>
+              <a:t>2019/3/28</a:t>
             </a:fld>
             <a:endParaRPr lang="zh-CN" altLang="en-US"/>
           </a:p>
@@ -2381,7 +2381,7 @@
           <a:p>
             <a:fld id="{0CB35010-EDBB-44E1-81B6-E54FF20221CB}" type="datetimeFigureOut">
               <a:rPr lang="zh-CN" altLang="en-US" smtClean="0"/>
-              <a:t>2019/3/27</a:t>
+              <a:t>2019/3/28</a:t>
             </a:fld>
             <a:endParaRPr lang="zh-CN" altLang="en-US"/>
           </a:p>
@@ -2669,7 +2669,7 @@
           <a:p>
             <a:fld id="{0CB35010-EDBB-44E1-81B6-E54FF20221CB}" type="datetimeFigureOut">
               <a:rPr lang="zh-CN" altLang="en-US" smtClean="0"/>
-              <a:t>2019/3/27</a:t>
+              <a:t>2019/3/28</a:t>
             </a:fld>
             <a:endParaRPr lang="zh-CN" altLang="en-US"/>
           </a:p>
@@ -2910,7 +2910,7 @@
           <a:p>
             <a:fld id="{0CB35010-EDBB-44E1-81B6-E54FF20221CB}" type="datetimeFigureOut">
               <a:rPr lang="zh-CN" altLang="en-US" smtClean="0"/>
-              <a:t>2019/3/27</a:t>
+              <a:t>2019/3/28</a:t>
             </a:fld>
             <a:endParaRPr lang="zh-CN" altLang="en-US"/>
           </a:p>
@@ -3446,32 +3446,12 @@
             <p:ph type="title"/>
           </p:nvPr>
         </p:nvSpPr>
-        <p:spPr/>
-        <p:txBody>
-          <a:bodyPr/>
-          <a:lstStyle/>
-          <a:p>
-            <a:endParaRPr lang="zh-CN" altLang="en-US"/>
-          </a:p>
-        </p:txBody>
-      </p:sp>
-      <p:sp>
-        <p:nvSpPr>
-          <p:cNvPr id="3" name="内容占位符 2">
-            <a:extLst>
-              <a:ext uri="{FF2B5EF4-FFF2-40B4-BE49-F238E27FC236}">
-                <a16:creationId xmlns:a16="http://schemas.microsoft.com/office/drawing/2014/main" id="{1310876F-B68A-4A1D-9B42-A5F4417B1A73}"/>
-              </a:ext>
-            </a:extLst>
-          </p:cNvPr>
-          <p:cNvSpPr>
-            <a:spLocks noGrp="1"/>
-          </p:cNvSpPr>
-          <p:nvPr>
-            <p:ph idx="1"/>
-          </p:nvPr>
-        </p:nvSpPr>
-        <p:spPr/>
+        <p:spPr>
+          <a:xfrm>
+            <a:off x="838200" y="365126"/>
+            <a:ext cx="10515600" cy="540396"/>
+          </a:xfrm>
+        </p:spPr>
         <p:txBody>
           <a:bodyPr>
             <a:normAutofit/>
@@ -3479,6 +3459,55 @@
           <a:lstStyle/>
           <a:p>
             <a:r>
+              <a:rPr lang="zh-CN" altLang="en-US" sz="2400" dirty="0"/>
+              <a:t>知识点</a:t>
+            </a:r>
+          </a:p>
+        </p:txBody>
+      </p:sp>
+      <p:sp>
+        <p:nvSpPr>
+          <p:cNvPr id="3" name="内容占位符 2">
+            <a:extLst>
+              <a:ext uri="{FF2B5EF4-FFF2-40B4-BE49-F238E27FC236}">
+                <a16:creationId xmlns:a16="http://schemas.microsoft.com/office/drawing/2014/main" id="{1310876F-B68A-4A1D-9B42-A5F4417B1A73}"/>
+              </a:ext>
+            </a:extLst>
+          </p:cNvPr>
+          <p:cNvSpPr>
+            <a:spLocks noGrp="1"/>
+          </p:cNvSpPr>
+          <p:nvPr>
+            <p:ph idx="1"/>
+          </p:nvPr>
+        </p:nvSpPr>
+        <p:spPr>
+          <a:xfrm>
+            <a:off x="838200" y="1003177"/>
+            <a:ext cx="10515600" cy="5575176"/>
+          </a:xfrm>
+        </p:spPr>
+        <p:txBody>
+          <a:bodyPr>
+            <a:normAutofit/>
+          </a:bodyPr>
+          <a:lstStyle/>
+          <a:p>
+            <a:r>
+              <a:rPr lang="zh-CN" altLang="en-US" sz="1400" dirty="0"/>
+              <a:t>中间件和依赖注入</a:t>
+            </a:r>
+            <a:endParaRPr lang="en-US" altLang="zh-CN" sz="1400" dirty="0"/>
+          </a:p>
+          <a:p>
+            <a:r>
+              <a:rPr lang="zh-CN" altLang="en-US" sz="1400"/>
+              <a:t>配置文件</a:t>
+            </a:r>
+            <a:endParaRPr lang="en-US" altLang="zh-CN" sz="1400" dirty="0"/>
+          </a:p>
+          <a:p>
+            <a:r>
               <a:rPr lang="zh-CN" altLang="en-US" sz="1400" dirty="0"/>
               <a:t>身份验证与授权</a:t>
             </a:r>
@@ -3600,8 +3629,28 @@
           </a:p>
           <a:p>
             <a:r>
-              <a:rPr lang="zh-CN" altLang="en-US" sz="1400"/>
+              <a:rPr lang="zh-CN" altLang="en-US" sz="1400" dirty="0"/>
               <a:t>持续集成和环境配置</a:t>
+            </a:r>
+            <a:endParaRPr lang="en-US" altLang="zh-CN" sz="1400" dirty="0"/>
+          </a:p>
+          <a:p>
+            <a:r>
+              <a:rPr lang="zh-CN" altLang="en-US" sz="1400" dirty="0"/>
+              <a:t>缓存</a:t>
+            </a:r>
+            <a:endParaRPr lang="en-US" altLang="zh-CN" sz="1400" dirty="0"/>
+          </a:p>
+          <a:p>
+            <a:r>
+              <a:rPr lang="en-US" altLang="zh-CN" sz="1400" dirty="0"/>
+              <a:t>Docker</a:t>
+            </a:r>
+          </a:p>
+          <a:p>
+            <a:r>
+              <a:rPr lang="en-US" altLang="zh-CN" sz="1400" dirty="0" err="1"/>
+              <a:t>kubernetes</a:t>
             </a:r>
             <a:endParaRPr lang="en-US" altLang="zh-CN" sz="1400" dirty="0"/>
           </a:p>

--- a/aspnetcore3.0course/docs/aspnetcore3.0course.pptx
+++ b/aspnetcore3.0course/docs/aspnetcore3.0course.pptx
@@ -7,6 +7,7 @@
   <p:sldIdLst>
     <p:sldId id="256" r:id="rId2"/>
     <p:sldId id="257" r:id="rId3"/>
+    <p:sldId id="258" r:id="rId4"/>
   </p:sldIdLst>
   <p:sldSz cx="12192000" cy="6858000"/>
   <p:notesSz cx="6858000" cy="9144000"/>
@@ -260,7 +261,7 @@
           <a:p>
             <a:fld id="{0CB35010-EDBB-44E1-81B6-E54FF20221CB}" type="datetimeFigureOut">
               <a:rPr lang="zh-CN" altLang="en-US" smtClean="0"/>
-              <a:t>2019/3/28</a:t>
+              <a:t>2019/4/1</a:t>
             </a:fld>
             <a:endParaRPr lang="zh-CN" altLang="en-US"/>
           </a:p>
@@ -458,7 +459,7 @@
           <a:p>
             <a:fld id="{0CB35010-EDBB-44E1-81B6-E54FF20221CB}" type="datetimeFigureOut">
               <a:rPr lang="zh-CN" altLang="en-US" smtClean="0"/>
-              <a:t>2019/3/28</a:t>
+              <a:t>2019/4/1</a:t>
             </a:fld>
             <a:endParaRPr lang="zh-CN" altLang="en-US"/>
           </a:p>
@@ -666,7 +667,7 @@
           <a:p>
             <a:fld id="{0CB35010-EDBB-44E1-81B6-E54FF20221CB}" type="datetimeFigureOut">
               <a:rPr lang="zh-CN" altLang="en-US" smtClean="0"/>
-              <a:t>2019/3/28</a:t>
+              <a:t>2019/4/1</a:t>
             </a:fld>
             <a:endParaRPr lang="zh-CN" altLang="en-US"/>
           </a:p>
@@ -864,7 +865,7 @@
           <a:p>
             <a:fld id="{0CB35010-EDBB-44E1-81B6-E54FF20221CB}" type="datetimeFigureOut">
               <a:rPr lang="zh-CN" altLang="en-US" smtClean="0"/>
-              <a:t>2019/3/28</a:t>
+              <a:t>2019/4/1</a:t>
             </a:fld>
             <a:endParaRPr lang="zh-CN" altLang="en-US"/>
           </a:p>
@@ -1139,7 +1140,7 @@
           <a:p>
             <a:fld id="{0CB35010-EDBB-44E1-81B6-E54FF20221CB}" type="datetimeFigureOut">
               <a:rPr lang="zh-CN" altLang="en-US" smtClean="0"/>
-              <a:t>2019/3/28</a:t>
+              <a:t>2019/4/1</a:t>
             </a:fld>
             <a:endParaRPr lang="zh-CN" altLang="en-US"/>
           </a:p>
@@ -1404,7 +1405,7 @@
           <a:p>
             <a:fld id="{0CB35010-EDBB-44E1-81B6-E54FF20221CB}" type="datetimeFigureOut">
               <a:rPr lang="zh-CN" altLang="en-US" smtClean="0"/>
-              <a:t>2019/3/28</a:t>
+              <a:t>2019/4/1</a:t>
             </a:fld>
             <a:endParaRPr lang="zh-CN" altLang="en-US"/>
           </a:p>
@@ -1816,7 +1817,7 @@
           <a:p>
             <a:fld id="{0CB35010-EDBB-44E1-81B6-E54FF20221CB}" type="datetimeFigureOut">
               <a:rPr lang="zh-CN" altLang="en-US" smtClean="0"/>
-              <a:t>2019/3/28</a:t>
+              <a:t>2019/4/1</a:t>
             </a:fld>
             <a:endParaRPr lang="zh-CN" altLang="en-US"/>
           </a:p>
@@ -1957,7 +1958,7 @@
           <a:p>
             <a:fld id="{0CB35010-EDBB-44E1-81B6-E54FF20221CB}" type="datetimeFigureOut">
               <a:rPr lang="zh-CN" altLang="en-US" smtClean="0"/>
-              <a:t>2019/3/28</a:t>
+              <a:t>2019/4/1</a:t>
             </a:fld>
             <a:endParaRPr lang="zh-CN" altLang="en-US"/>
           </a:p>
@@ -2070,7 +2071,7 @@
           <a:p>
             <a:fld id="{0CB35010-EDBB-44E1-81B6-E54FF20221CB}" type="datetimeFigureOut">
               <a:rPr lang="zh-CN" altLang="en-US" smtClean="0"/>
-              <a:t>2019/3/28</a:t>
+              <a:t>2019/4/1</a:t>
             </a:fld>
             <a:endParaRPr lang="zh-CN" altLang="en-US"/>
           </a:p>
@@ -2381,7 +2382,7 @@
           <a:p>
             <a:fld id="{0CB35010-EDBB-44E1-81B6-E54FF20221CB}" type="datetimeFigureOut">
               <a:rPr lang="zh-CN" altLang="en-US" smtClean="0"/>
-              <a:t>2019/3/28</a:t>
+              <a:t>2019/4/1</a:t>
             </a:fld>
             <a:endParaRPr lang="zh-CN" altLang="en-US"/>
           </a:p>
@@ -2669,7 +2670,7 @@
           <a:p>
             <a:fld id="{0CB35010-EDBB-44E1-81B6-E54FF20221CB}" type="datetimeFigureOut">
               <a:rPr lang="zh-CN" altLang="en-US" smtClean="0"/>
-              <a:t>2019/3/28</a:t>
+              <a:t>2019/4/1</a:t>
             </a:fld>
             <a:endParaRPr lang="zh-CN" altLang="en-US"/>
           </a:p>
@@ -2910,7 +2911,7 @@
           <a:p>
             <a:fld id="{0CB35010-EDBB-44E1-81B6-E54FF20221CB}" type="datetimeFigureOut">
               <a:rPr lang="zh-CN" altLang="en-US" smtClean="0"/>
-              <a:t>2019/3/28</a:t>
+              <a:t>2019/4/1</a:t>
             </a:fld>
             <a:endParaRPr lang="zh-CN" altLang="en-US"/>
           </a:p>
@@ -3672,6 +3673,897 @@
 </p:sld>
 </file>
 
+<file path=ppt/slides/slide3.xml><?xml version="1.0" encoding="utf-8"?>
+<p:sld xmlns:a="http://schemas.openxmlformats.org/drawingml/2006/main" xmlns:r="http://schemas.openxmlformats.org/officeDocument/2006/relationships" xmlns:p="http://schemas.openxmlformats.org/presentationml/2006/main">
+  <p:cSld>
+    <p:spTree>
+      <p:nvGrpSpPr>
+        <p:cNvPr id="1" name=""/>
+        <p:cNvGrpSpPr/>
+        <p:nvPr/>
+      </p:nvGrpSpPr>
+      <p:grpSpPr>
+        <a:xfrm>
+          <a:off x="0" y="0"/>
+          <a:ext cx="0" cy="0"/>
+          <a:chOff x="0" y="0"/>
+          <a:chExt cx="0" cy="0"/>
+        </a:xfrm>
+      </p:grpSpPr>
+      <p:sp>
+        <p:nvSpPr>
+          <p:cNvPr id="13" name="箭头: 右 12">
+            <a:extLst>
+              <a:ext uri="{FF2B5EF4-FFF2-40B4-BE49-F238E27FC236}">
+                <a16:creationId xmlns:a16="http://schemas.microsoft.com/office/drawing/2014/main" id="{C8D48E25-2419-450C-83D6-0434D7E90BEA}"/>
+              </a:ext>
+            </a:extLst>
+          </p:cNvPr>
+          <p:cNvSpPr/>
+          <p:nvPr/>
+        </p:nvSpPr>
+        <p:spPr>
+          <a:xfrm rot="10800000">
+            <a:off x="2351732" y="5905500"/>
+            <a:ext cx="3979560" cy="193118"/>
+          </a:xfrm>
+          <a:prstGeom prst="rightArrow">
+            <a:avLst>
+              <a:gd name="adj1" fmla="val 50000"/>
+              <a:gd name="adj2" fmla="val 96915"/>
+            </a:avLst>
+          </a:prstGeom>
+          <a:solidFill>
+            <a:srgbClr val="0070C0"/>
+          </a:solidFill>
+          <a:ln>
+            <a:noFill/>
+          </a:ln>
+        </p:spPr>
+        <p:style>
+          <a:lnRef idx="2">
+            <a:schemeClr val="accent1">
+              <a:shade val="50000"/>
+            </a:schemeClr>
+          </a:lnRef>
+          <a:fillRef idx="1">
+            <a:schemeClr val="accent1"/>
+          </a:fillRef>
+          <a:effectRef idx="0">
+            <a:schemeClr val="accent1"/>
+          </a:effectRef>
+          <a:fontRef idx="minor">
+            <a:schemeClr val="lt1"/>
+          </a:fontRef>
+        </p:style>
+        <p:txBody>
+          <a:bodyPr rtlCol="0" anchor="ctr"/>
+          <a:lstStyle/>
+          <a:p>
+            <a:pPr algn="ctr"/>
+            <a:endParaRPr lang="zh-CN" altLang="en-US" dirty="0">
+              <a:solidFill>
+                <a:srgbClr val="C00000"/>
+              </a:solidFill>
+            </a:endParaRPr>
+          </a:p>
+        </p:txBody>
+      </p:sp>
+      <p:sp>
+        <p:nvSpPr>
+          <p:cNvPr id="7" name="箭头: 右 6">
+            <a:extLst>
+              <a:ext uri="{FF2B5EF4-FFF2-40B4-BE49-F238E27FC236}">
+                <a16:creationId xmlns:a16="http://schemas.microsoft.com/office/drawing/2014/main" id="{CCE7041E-B4C1-451C-A577-FB582BBE13CB}"/>
+              </a:ext>
+            </a:extLst>
+          </p:cNvPr>
+          <p:cNvSpPr/>
+          <p:nvPr/>
+        </p:nvSpPr>
+        <p:spPr>
+          <a:xfrm>
+            <a:off x="2381250" y="1838325"/>
+            <a:ext cx="3979560" cy="193118"/>
+          </a:xfrm>
+          <a:prstGeom prst="rightArrow">
+            <a:avLst>
+              <a:gd name="adj1" fmla="val 50000"/>
+              <a:gd name="adj2" fmla="val 96915"/>
+            </a:avLst>
+          </a:prstGeom>
+          <a:solidFill>
+            <a:srgbClr val="FF0000"/>
+          </a:solidFill>
+          <a:ln>
+            <a:noFill/>
+          </a:ln>
+        </p:spPr>
+        <p:style>
+          <a:lnRef idx="2">
+            <a:schemeClr val="accent1">
+              <a:shade val="50000"/>
+            </a:schemeClr>
+          </a:lnRef>
+          <a:fillRef idx="1">
+            <a:schemeClr val="accent1"/>
+          </a:fillRef>
+          <a:effectRef idx="0">
+            <a:schemeClr val="accent1"/>
+          </a:effectRef>
+          <a:fontRef idx="minor">
+            <a:schemeClr val="lt1"/>
+          </a:fontRef>
+        </p:style>
+        <p:txBody>
+          <a:bodyPr rtlCol="0" anchor="ctr"/>
+          <a:lstStyle/>
+          <a:p>
+            <a:pPr algn="ctr"/>
+            <a:endParaRPr lang="zh-CN" altLang="en-US" dirty="0">
+              <a:solidFill>
+                <a:srgbClr val="C00000"/>
+              </a:solidFill>
+            </a:endParaRPr>
+          </a:p>
+        </p:txBody>
+      </p:sp>
+      <p:sp>
+        <p:nvSpPr>
+          <p:cNvPr id="2" name="标题 1">
+            <a:extLst>
+              <a:ext uri="{FF2B5EF4-FFF2-40B4-BE49-F238E27FC236}">
+                <a16:creationId xmlns:a16="http://schemas.microsoft.com/office/drawing/2014/main" id="{D93F5457-E33E-4DFB-A0C6-F3B921696286}"/>
+              </a:ext>
+            </a:extLst>
+          </p:cNvPr>
+          <p:cNvSpPr>
+            <a:spLocks noGrp="1"/>
+          </p:cNvSpPr>
+          <p:nvPr>
+            <p:ph type="title"/>
+          </p:nvPr>
+        </p:nvSpPr>
+        <p:spPr/>
+        <p:txBody>
+          <a:bodyPr/>
+          <a:lstStyle/>
+          <a:p>
+            <a:r>
+              <a:rPr lang="en-US" altLang="zh-CN" dirty="0" err="1"/>
+              <a:t>DependencyInjection</a:t>
+            </a:r>
+            <a:endParaRPr lang="zh-CN" altLang="en-US" dirty="0"/>
+          </a:p>
+        </p:txBody>
+      </p:sp>
+      <p:sp>
+        <p:nvSpPr>
+          <p:cNvPr id="9" name="矩形 8">
+            <a:extLst>
+              <a:ext uri="{FF2B5EF4-FFF2-40B4-BE49-F238E27FC236}">
+                <a16:creationId xmlns:a16="http://schemas.microsoft.com/office/drawing/2014/main" id="{6E9C79D0-1C59-4AAB-BE56-6C7F5396A8C2}"/>
+              </a:ext>
+            </a:extLst>
+          </p:cNvPr>
+          <p:cNvSpPr/>
+          <p:nvPr/>
+        </p:nvSpPr>
+        <p:spPr>
+          <a:xfrm>
+            <a:off x="4648198" y="1800224"/>
+            <a:ext cx="1363965" cy="4320000"/>
+          </a:xfrm>
+          <a:prstGeom prst="rect">
+            <a:avLst/>
+          </a:prstGeom>
+          <a:solidFill>
+            <a:srgbClr val="ED7D31">
+              <a:alpha val="80000"/>
+            </a:srgbClr>
+          </a:solidFill>
+          <a:ln w="9525" cap="flat" cmpd="sng" algn="ctr">
+            <a:noFill/>
+            <a:prstDash val="solid"/>
+            <a:round/>
+            <a:headEnd type="none" w="med" len="med"/>
+            <a:tailEnd type="none" w="med" len="med"/>
+          </a:ln>
+        </p:spPr>
+        <p:style>
+          <a:lnRef idx="0">
+            <a:scrgbClr r="0" g="0" b="0"/>
+          </a:lnRef>
+          <a:fillRef idx="0">
+            <a:scrgbClr r="0" g="0" b="0"/>
+          </a:fillRef>
+          <a:effectRef idx="0">
+            <a:scrgbClr r="0" g="0" b="0"/>
+          </a:effectRef>
+          <a:fontRef idx="minor">
+            <a:schemeClr val="accent2"/>
+          </a:fontRef>
+        </p:style>
+        <p:txBody>
+          <a:bodyPr rtlCol="0" anchor="t" anchorCtr="0"/>
+          <a:lstStyle/>
+          <a:p>
+            <a:pPr algn="ctr"/>
+            <a:r>
+              <a:rPr lang="zh-CN" altLang="en-US" dirty="0">
+                <a:solidFill>
+                  <a:schemeClr val="tx1"/>
+                </a:solidFill>
+              </a:rPr>
+              <a:t>中间件</a:t>
+            </a:r>
+            <a:endParaRPr lang="en-US" altLang="zh-CN" dirty="0">
+              <a:solidFill>
+                <a:schemeClr val="tx1"/>
+              </a:solidFill>
+            </a:endParaRPr>
+          </a:p>
+          <a:p>
+            <a:pPr algn="ctr"/>
+            <a:endParaRPr lang="en-US" altLang="zh-CN" dirty="0">
+              <a:solidFill>
+                <a:schemeClr val="tx1"/>
+              </a:solidFill>
+            </a:endParaRPr>
+          </a:p>
+          <a:p>
+            <a:pPr algn="ctr"/>
+            <a:endParaRPr lang="en-US" altLang="zh-CN" dirty="0">
+              <a:solidFill>
+                <a:schemeClr val="tx1"/>
+              </a:solidFill>
+            </a:endParaRPr>
+          </a:p>
+          <a:p>
+            <a:pPr algn="ctr"/>
+            <a:endParaRPr lang="en-US" altLang="zh-CN" dirty="0">
+              <a:solidFill>
+                <a:schemeClr val="tx1"/>
+              </a:solidFill>
+            </a:endParaRPr>
+          </a:p>
+          <a:p>
+            <a:pPr algn="ctr"/>
+            <a:r>
+              <a:rPr lang="en-US" altLang="zh-CN" dirty="0">
+                <a:solidFill>
+                  <a:schemeClr val="tx1"/>
+                </a:solidFill>
+              </a:rPr>
+              <a:t>Transient</a:t>
+            </a:r>
+          </a:p>
+          <a:p>
+            <a:pPr algn="ctr"/>
+            <a:r>
+              <a:rPr lang="en-US" altLang="zh-CN" sz="1400" dirty="0">
+                <a:solidFill>
+                  <a:schemeClr val="tx1"/>
+                </a:solidFill>
+              </a:rPr>
+              <a:t>(</a:t>
+            </a:r>
+            <a:r>
+              <a:rPr lang="zh-CN" altLang="en-US" sz="1400" dirty="0">
+                <a:solidFill>
+                  <a:schemeClr val="tx1"/>
+                </a:solidFill>
+              </a:rPr>
+              <a:t>仓储实例</a:t>
+            </a:r>
+            <a:r>
+              <a:rPr lang="en-US" altLang="zh-CN" sz="1400" dirty="0" err="1">
+                <a:solidFill>
+                  <a:schemeClr val="tx1"/>
+                </a:solidFill>
+              </a:rPr>
+              <a:t>t1</a:t>
+            </a:r>
+            <a:r>
+              <a:rPr lang="en-US" altLang="zh-CN" sz="1400" dirty="0">
+                <a:solidFill>
+                  <a:schemeClr val="tx1"/>
+                </a:solidFill>
+              </a:rPr>
+              <a:t>)</a:t>
+            </a:r>
+          </a:p>
+          <a:p>
+            <a:pPr algn="ctr"/>
+            <a:endParaRPr lang="en-US" altLang="zh-CN" dirty="0">
+              <a:solidFill>
+                <a:schemeClr val="tx1"/>
+              </a:solidFill>
+            </a:endParaRPr>
+          </a:p>
+          <a:p>
+            <a:pPr algn="ctr"/>
+            <a:r>
+              <a:rPr lang="en-US" altLang="zh-CN" dirty="0">
+                <a:solidFill>
+                  <a:schemeClr val="tx1"/>
+                </a:solidFill>
+              </a:rPr>
+              <a:t>Scoped</a:t>
+            </a:r>
+          </a:p>
+          <a:p>
+            <a:pPr algn="ctr"/>
+            <a:r>
+              <a:rPr lang="zh-CN" altLang="en-US" sz="1400" dirty="0">
+                <a:solidFill>
+                  <a:schemeClr val="tx1"/>
+                </a:solidFill>
+              </a:rPr>
+              <a:t>（仓储实例</a:t>
+            </a:r>
+            <a:r>
+              <a:rPr lang="en-US" altLang="zh-CN" sz="1400" dirty="0" err="1">
+                <a:solidFill>
+                  <a:schemeClr val="tx1"/>
+                </a:solidFill>
+              </a:rPr>
+              <a:t>s1</a:t>
+            </a:r>
+            <a:r>
+              <a:rPr lang="zh-CN" altLang="en-US" dirty="0">
+                <a:solidFill>
+                  <a:schemeClr val="tx1"/>
+                </a:solidFill>
+              </a:rPr>
+              <a:t>）</a:t>
+            </a:r>
+            <a:endParaRPr lang="en-US" altLang="zh-CN" dirty="0">
+              <a:solidFill>
+                <a:schemeClr val="tx1"/>
+              </a:solidFill>
+            </a:endParaRPr>
+          </a:p>
+          <a:p>
+            <a:pPr algn="ctr"/>
+            <a:endParaRPr lang="en-US" altLang="zh-CN" dirty="0">
+              <a:solidFill>
+                <a:schemeClr val="tx1"/>
+              </a:solidFill>
+            </a:endParaRPr>
+          </a:p>
+          <a:p>
+            <a:pPr algn="ctr"/>
+            <a:r>
+              <a:rPr lang="en-US" altLang="zh-CN" dirty="0">
+                <a:solidFill>
+                  <a:schemeClr val="tx1"/>
+                </a:solidFill>
+              </a:rPr>
+              <a:t>Singleton</a:t>
+            </a:r>
+          </a:p>
+          <a:p>
+            <a:pPr algn="ctr"/>
+            <a:r>
+              <a:rPr lang="zh-CN" altLang="en-US" sz="1400" dirty="0">
+                <a:solidFill>
+                  <a:schemeClr val="tx1"/>
+                </a:solidFill>
+              </a:rPr>
+              <a:t>（仓储实例</a:t>
+            </a:r>
+            <a:r>
+              <a:rPr lang="en-US" altLang="zh-CN" sz="1400" dirty="0" err="1">
+                <a:solidFill>
+                  <a:schemeClr val="tx1"/>
+                </a:solidFill>
+              </a:rPr>
+              <a:t>si1</a:t>
+            </a:r>
+            <a:r>
+              <a:rPr lang="zh-CN" altLang="en-US" sz="1400" dirty="0">
+                <a:solidFill>
+                  <a:schemeClr val="tx1"/>
+                </a:solidFill>
+              </a:rPr>
+              <a:t>）</a:t>
+            </a:r>
+            <a:endParaRPr lang="en-US" altLang="zh-CN" sz="1400" dirty="0">
+              <a:solidFill>
+                <a:schemeClr val="tx1"/>
+              </a:solidFill>
+            </a:endParaRPr>
+          </a:p>
+          <a:p>
+            <a:pPr algn="ctr"/>
+            <a:r>
+              <a:rPr lang="en-US" altLang="zh-CN" dirty="0">
+                <a:solidFill>
+                  <a:schemeClr val="tx1"/>
+                </a:solidFill>
+              </a:rPr>
+              <a:t>Singleton</a:t>
+            </a:r>
+          </a:p>
+          <a:p>
+            <a:pPr algn="ctr"/>
+            <a:r>
+              <a:rPr lang="zh-CN" altLang="en-US" sz="1100" dirty="0">
+                <a:solidFill>
+                  <a:schemeClr val="tx1"/>
+                </a:solidFill>
+              </a:rPr>
+              <a:t>（仓储实例</a:t>
+            </a:r>
+            <a:r>
+              <a:rPr lang="en-US" altLang="zh-CN" sz="1100" dirty="0" err="1">
+                <a:solidFill>
+                  <a:schemeClr val="tx1"/>
+                </a:solidFill>
+              </a:rPr>
+              <a:t>si1</a:t>
+            </a:r>
+            <a:r>
+              <a:rPr lang="zh-CN" altLang="en-US" sz="1100" dirty="0">
+                <a:solidFill>
+                  <a:schemeClr val="tx1"/>
+                </a:solidFill>
+              </a:rPr>
+              <a:t>）</a:t>
+            </a:r>
+          </a:p>
+          <a:p>
+            <a:pPr algn="ctr"/>
+            <a:endParaRPr lang="zh-CN" altLang="en-US" sz="1400" dirty="0">
+              <a:solidFill>
+                <a:schemeClr val="tx1"/>
+              </a:solidFill>
+            </a:endParaRPr>
+          </a:p>
+        </p:txBody>
+      </p:sp>
+      <p:sp>
+        <p:nvSpPr>
+          <p:cNvPr id="10" name="文本框 9">
+            <a:extLst>
+              <a:ext uri="{FF2B5EF4-FFF2-40B4-BE49-F238E27FC236}">
+                <a16:creationId xmlns:a16="http://schemas.microsoft.com/office/drawing/2014/main" id="{8AAE0FDA-1C7C-48FD-ACF1-EFD36773D730}"/>
+              </a:ext>
+            </a:extLst>
+          </p:cNvPr>
+          <p:cNvSpPr txBox="1"/>
+          <p:nvPr/>
+        </p:nvSpPr>
+        <p:spPr>
+          <a:xfrm>
+            <a:off x="1383530" y="1690688"/>
+            <a:ext cx="982961" cy="369332"/>
+          </a:xfrm>
+          <a:prstGeom prst="rect">
+            <a:avLst/>
+          </a:prstGeom>
+          <a:noFill/>
+        </p:spPr>
+        <p:txBody>
+          <a:bodyPr wrap="none" rtlCol="0">
+            <a:spAutoFit/>
+          </a:bodyPr>
+          <a:lstStyle/>
+          <a:p>
+            <a:r>
+              <a:rPr lang="en-US" altLang="zh-CN" dirty="0"/>
+              <a:t>Request</a:t>
+            </a:r>
+            <a:endParaRPr lang="zh-CN" altLang="en-US" dirty="0"/>
+          </a:p>
+        </p:txBody>
+      </p:sp>
+      <p:sp>
+        <p:nvSpPr>
+          <p:cNvPr id="11" name="矩形 10">
+            <a:extLst>
+              <a:ext uri="{FF2B5EF4-FFF2-40B4-BE49-F238E27FC236}">
+                <a16:creationId xmlns:a16="http://schemas.microsoft.com/office/drawing/2014/main" id="{DD3D4C63-56B2-4C63-842A-C26FCBAC3A7B}"/>
+              </a:ext>
+            </a:extLst>
+          </p:cNvPr>
+          <p:cNvSpPr/>
+          <p:nvPr/>
+        </p:nvSpPr>
+        <p:spPr>
+          <a:xfrm>
+            <a:off x="2942279" y="1800224"/>
+            <a:ext cx="1363965" cy="4320000"/>
+          </a:xfrm>
+          <a:prstGeom prst="rect">
+            <a:avLst/>
+          </a:prstGeom>
+          <a:solidFill>
+            <a:schemeClr val="accent1">
+              <a:alpha val="80000"/>
+            </a:schemeClr>
+          </a:solidFill>
+          <a:ln w="9525" cap="flat" cmpd="sng" algn="ctr">
+            <a:noFill/>
+            <a:prstDash val="solid"/>
+            <a:round/>
+            <a:headEnd type="none" w="med" len="med"/>
+            <a:tailEnd type="none" w="med" len="med"/>
+          </a:ln>
+          <a:effectLst>
+            <a:glow rad="38100">
+              <a:schemeClr val="accent1">
+                <a:alpha val="40000"/>
+              </a:schemeClr>
+            </a:glow>
+          </a:effectLst>
+        </p:spPr>
+        <p:style>
+          <a:lnRef idx="0">
+            <a:scrgbClr r="0" g="0" b="0"/>
+          </a:lnRef>
+          <a:fillRef idx="0">
+            <a:scrgbClr r="0" g="0" b="0"/>
+          </a:fillRef>
+          <a:effectRef idx="0">
+            <a:scrgbClr r="0" g="0" b="0"/>
+          </a:effectRef>
+          <a:fontRef idx="minor">
+            <a:schemeClr val="accent1"/>
+          </a:fontRef>
+        </p:style>
+        <p:txBody>
+          <a:bodyPr rtlCol="0" anchor="ctr"/>
+          <a:lstStyle/>
+          <a:p>
+            <a:pPr algn="ctr"/>
+            <a:r>
+              <a:rPr lang="zh-CN" altLang="en-US" dirty="0">
+                <a:solidFill>
+                  <a:schemeClr val="tx1"/>
+                </a:solidFill>
+              </a:rPr>
+              <a:t>仓储</a:t>
+            </a:r>
+          </a:p>
+        </p:txBody>
+      </p:sp>
+      <p:sp>
+        <p:nvSpPr>
+          <p:cNvPr id="12" name="矩形 11">
+            <a:extLst>
+              <a:ext uri="{FF2B5EF4-FFF2-40B4-BE49-F238E27FC236}">
+                <a16:creationId xmlns:a16="http://schemas.microsoft.com/office/drawing/2014/main" id="{CB68B46A-FE10-4086-B092-7E7A4EFD47B4}"/>
+              </a:ext>
+            </a:extLst>
+          </p:cNvPr>
+          <p:cNvSpPr/>
+          <p:nvPr/>
+        </p:nvSpPr>
+        <p:spPr>
+          <a:xfrm>
+            <a:off x="6360809" y="1800223"/>
+            <a:ext cx="1363965" cy="4320000"/>
+          </a:xfrm>
+          <a:prstGeom prst="rect">
+            <a:avLst/>
+          </a:prstGeom>
+          <a:solidFill>
+            <a:schemeClr val="accent6">
+              <a:alpha val="80000"/>
+            </a:schemeClr>
+          </a:solidFill>
+          <a:ln w="9525" cap="flat" cmpd="sng" algn="ctr">
+            <a:noFill/>
+            <a:prstDash val="solid"/>
+            <a:round/>
+            <a:headEnd type="none" w="med" len="med"/>
+            <a:tailEnd type="none" w="med" len="med"/>
+          </a:ln>
+        </p:spPr>
+        <p:style>
+          <a:lnRef idx="0">
+            <a:scrgbClr r="0" g="0" b="0"/>
+          </a:lnRef>
+          <a:fillRef idx="0">
+            <a:scrgbClr r="0" g="0" b="0"/>
+          </a:fillRef>
+          <a:effectRef idx="0">
+            <a:scrgbClr r="0" g="0" b="0"/>
+          </a:effectRef>
+          <a:fontRef idx="minor">
+            <a:schemeClr val="accent6"/>
+          </a:fontRef>
+        </p:style>
+        <p:txBody>
+          <a:bodyPr rtlCol="0" anchor="t" anchorCtr="0"/>
+          <a:lstStyle/>
+          <a:p>
+            <a:pPr algn="ctr"/>
+            <a:r>
+              <a:rPr lang="en-US" altLang="zh-CN" dirty="0">
+                <a:solidFill>
+                  <a:schemeClr val="tx1"/>
+                </a:solidFill>
+              </a:rPr>
+              <a:t>Controller</a:t>
+            </a:r>
+          </a:p>
+          <a:p>
+            <a:pPr algn="ctr"/>
+            <a:endParaRPr lang="en-US" altLang="zh-CN" dirty="0">
+              <a:solidFill>
+                <a:schemeClr val="tx1"/>
+              </a:solidFill>
+            </a:endParaRPr>
+          </a:p>
+          <a:p>
+            <a:pPr algn="ctr"/>
+            <a:endParaRPr lang="en-US" altLang="zh-CN" dirty="0">
+              <a:solidFill>
+                <a:schemeClr val="tx1"/>
+              </a:solidFill>
+            </a:endParaRPr>
+          </a:p>
+          <a:p>
+            <a:pPr algn="ctr"/>
+            <a:endParaRPr lang="en-US" altLang="zh-CN" dirty="0">
+              <a:solidFill>
+                <a:schemeClr val="tx1"/>
+              </a:solidFill>
+            </a:endParaRPr>
+          </a:p>
+          <a:p>
+            <a:pPr algn="ctr"/>
+            <a:r>
+              <a:rPr lang="en-US" altLang="zh-CN" dirty="0">
+                <a:solidFill>
+                  <a:schemeClr val="tx1"/>
+                </a:solidFill>
+              </a:rPr>
+              <a:t>Transient</a:t>
+            </a:r>
+          </a:p>
+          <a:p>
+            <a:pPr algn="ctr"/>
+            <a:r>
+              <a:rPr lang="en-US" altLang="zh-CN" sz="1400" dirty="0">
+                <a:solidFill>
+                  <a:schemeClr val="tx1"/>
+                </a:solidFill>
+              </a:rPr>
+              <a:t>(</a:t>
+            </a:r>
+            <a:r>
+              <a:rPr lang="zh-CN" altLang="en-US" sz="1400" dirty="0">
+                <a:solidFill>
+                  <a:schemeClr val="tx1"/>
+                </a:solidFill>
+              </a:rPr>
+              <a:t>仓储实例</a:t>
+            </a:r>
+            <a:r>
+              <a:rPr lang="en-US" altLang="zh-CN" sz="1400" dirty="0" err="1">
+                <a:solidFill>
+                  <a:schemeClr val="tx1"/>
+                </a:solidFill>
+              </a:rPr>
+              <a:t>t2</a:t>
+            </a:r>
+            <a:r>
+              <a:rPr lang="en-US" altLang="zh-CN" sz="1400" dirty="0">
+                <a:solidFill>
+                  <a:schemeClr val="tx1"/>
+                </a:solidFill>
+              </a:rPr>
+              <a:t>)</a:t>
+            </a:r>
+          </a:p>
+          <a:p>
+            <a:pPr algn="ctr"/>
+            <a:endParaRPr lang="en-US" altLang="zh-CN" dirty="0">
+              <a:solidFill>
+                <a:schemeClr val="tx1"/>
+              </a:solidFill>
+            </a:endParaRPr>
+          </a:p>
+          <a:p>
+            <a:pPr algn="ctr"/>
+            <a:r>
+              <a:rPr lang="en-US" altLang="zh-CN" dirty="0">
+                <a:solidFill>
+                  <a:schemeClr val="tx1"/>
+                </a:solidFill>
+              </a:rPr>
+              <a:t>Scoped</a:t>
+            </a:r>
+          </a:p>
+          <a:p>
+            <a:pPr algn="ctr"/>
+            <a:r>
+              <a:rPr lang="zh-CN" altLang="en-US" sz="1400" dirty="0">
+                <a:solidFill>
+                  <a:schemeClr val="tx1"/>
+                </a:solidFill>
+              </a:rPr>
+              <a:t>（仓储实例</a:t>
+            </a:r>
+            <a:r>
+              <a:rPr lang="en-US" altLang="zh-CN" sz="1400" dirty="0" err="1">
+                <a:solidFill>
+                  <a:schemeClr val="tx1"/>
+                </a:solidFill>
+              </a:rPr>
+              <a:t>s1</a:t>
+            </a:r>
+            <a:r>
+              <a:rPr lang="zh-CN" altLang="en-US" dirty="0">
+                <a:solidFill>
+                  <a:schemeClr val="tx1"/>
+                </a:solidFill>
+              </a:rPr>
+              <a:t>）</a:t>
+            </a:r>
+            <a:endParaRPr lang="en-US" altLang="zh-CN" dirty="0">
+              <a:solidFill>
+                <a:schemeClr val="tx1"/>
+              </a:solidFill>
+            </a:endParaRPr>
+          </a:p>
+          <a:p>
+            <a:pPr algn="ctr"/>
+            <a:endParaRPr lang="en-US" altLang="zh-CN" dirty="0">
+              <a:solidFill>
+                <a:schemeClr val="tx1"/>
+              </a:solidFill>
+            </a:endParaRPr>
+          </a:p>
+          <a:p>
+            <a:pPr algn="ctr"/>
+            <a:r>
+              <a:rPr lang="en-US" altLang="zh-CN" dirty="0">
+                <a:solidFill>
+                  <a:schemeClr val="tx1"/>
+                </a:solidFill>
+              </a:rPr>
+              <a:t>Singleton</a:t>
+            </a:r>
+          </a:p>
+          <a:p>
+            <a:pPr algn="ctr"/>
+            <a:r>
+              <a:rPr lang="zh-CN" altLang="en-US" sz="1400" dirty="0">
+                <a:solidFill>
+                  <a:schemeClr val="tx1"/>
+                </a:solidFill>
+              </a:rPr>
+              <a:t>（仓储实例</a:t>
+            </a:r>
+            <a:r>
+              <a:rPr lang="en-US" altLang="zh-CN" sz="1400" dirty="0" err="1">
+                <a:solidFill>
+                  <a:schemeClr val="tx1"/>
+                </a:solidFill>
+              </a:rPr>
+              <a:t>si1</a:t>
+            </a:r>
+            <a:r>
+              <a:rPr lang="zh-CN" altLang="en-US" sz="1400" dirty="0">
+                <a:solidFill>
+                  <a:schemeClr val="tx1"/>
+                </a:solidFill>
+              </a:rPr>
+              <a:t>）</a:t>
+            </a:r>
+            <a:endParaRPr lang="en-US" altLang="zh-CN" sz="1400" dirty="0">
+              <a:solidFill>
+                <a:schemeClr val="tx1"/>
+              </a:solidFill>
+            </a:endParaRPr>
+          </a:p>
+          <a:p>
+            <a:pPr algn="ctr"/>
+            <a:r>
+              <a:rPr lang="en-US" altLang="zh-CN" dirty="0">
+                <a:solidFill>
+                  <a:schemeClr val="tx1"/>
+                </a:solidFill>
+              </a:rPr>
+              <a:t>Singleton</a:t>
+            </a:r>
+          </a:p>
+          <a:p>
+            <a:pPr algn="ctr"/>
+            <a:r>
+              <a:rPr lang="zh-CN" altLang="en-US" sz="1400" dirty="0">
+                <a:solidFill>
+                  <a:schemeClr val="tx1"/>
+                </a:solidFill>
+              </a:rPr>
+              <a:t>（仓储实例</a:t>
+            </a:r>
+            <a:r>
+              <a:rPr lang="en-US" altLang="zh-CN" sz="1400" dirty="0" err="1">
+                <a:solidFill>
+                  <a:schemeClr val="tx1"/>
+                </a:solidFill>
+              </a:rPr>
+              <a:t>si1</a:t>
+            </a:r>
+            <a:r>
+              <a:rPr lang="zh-CN" altLang="en-US" sz="1400" dirty="0">
+                <a:solidFill>
+                  <a:schemeClr val="tx1"/>
+                </a:solidFill>
+              </a:rPr>
+              <a:t>）</a:t>
+            </a:r>
+            <a:endParaRPr lang="zh-CN" altLang="en-US" dirty="0">
+              <a:solidFill>
+                <a:schemeClr val="tx1"/>
+              </a:solidFill>
+            </a:endParaRPr>
+          </a:p>
+          <a:p>
+            <a:pPr algn="ctr"/>
+            <a:endParaRPr lang="zh-CN" altLang="en-US" dirty="0">
+              <a:solidFill>
+                <a:schemeClr val="tx1"/>
+              </a:solidFill>
+            </a:endParaRPr>
+          </a:p>
+        </p:txBody>
+      </p:sp>
+      <p:sp>
+        <p:nvSpPr>
+          <p:cNvPr id="14" name="文本框 13">
+            <a:extLst>
+              <a:ext uri="{FF2B5EF4-FFF2-40B4-BE49-F238E27FC236}">
+                <a16:creationId xmlns:a16="http://schemas.microsoft.com/office/drawing/2014/main" id="{23E89E53-E5B6-4B75-B561-F6EA56F396EE}"/>
+              </a:ext>
+            </a:extLst>
+          </p:cNvPr>
+          <p:cNvSpPr txBox="1"/>
+          <p:nvPr/>
+        </p:nvSpPr>
+        <p:spPr>
+          <a:xfrm>
+            <a:off x="1146522" y="5817393"/>
+            <a:ext cx="1136850" cy="369332"/>
+          </a:xfrm>
+          <a:prstGeom prst="rect">
+            <a:avLst/>
+          </a:prstGeom>
+          <a:noFill/>
+        </p:spPr>
+        <p:txBody>
+          <a:bodyPr wrap="none" rtlCol="0">
+            <a:spAutoFit/>
+          </a:bodyPr>
+          <a:lstStyle/>
+          <a:p>
+            <a:r>
+              <a:rPr lang="en-US" altLang="zh-CN" dirty="0"/>
+              <a:t>Response</a:t>
+            </a:r>
+            <a:endParaRPr lang="zh-CN" altLang="en-US" dirty="0"/>
+          </a:p>
+        </p:txBody>
+      </p:sp>
+    </p:spTree>
+    <p:extLst>
+      <p:ext uri="{BB962C8B-B14F-4D97-AF65-F5344CB8AC3E}">
+        <p14:creationId xmlns:p14="http://schemas.microsoft.com/office/powerpoint/2010/main" val="62530445"/>
+      </p:ext>
+    </p:extLst>
+  </p:cSld>
+  <p:clrMapOvr>
+    <a:masterClrMapping/>
+  </p:clrMapOvr>
+</p:sld>
+</file>
+
 <file path=ppt/theme/theme1.xml><?xml version="1.0" encoding="utf-8"?>
 <a:theme xmlns:a="http://schemas.openxmlformats.org/drawingml/2006/main" name="Office 主题​​">
   <a:themeElements>

--- a/aspnetcore3.0course/docs/aspnetcore3.0course.pptx
+++ b/aspnetcore3.0course/docs/aspnetcore3.0course.pptx
@@ -261,7 +261,7 @@
           <a:p>
             <a:fld id="{0CB35010-EDBB-44E1-81B6-E54FF20221CB}" type="datetimeFigureOut">
               <a:rPr lang="zh-CN" altLang="en-US" smtClean="0"/>
-              <a:t>2019/4/1</a:t>
+              <a:t>2019/4/2</a:t>
             </a:fld>
             <a:endParaRPr lang="zh-CN" altLang="en-US"/>
           </a:p>
@@ -459,7 +459,7 @@
           <a:p>
             <a:fld id="{0CB35010-EDBB-44E1-81B6-E54FF20221CB}" type="datetimeFigureOut">
               <a:rPr lang="zh-CN" altLang="en-US" smtClean="0"/>
-              <a:t>2019/4/1</a:t>
+              <a:t>2019/4/2</a:t>
             </a:fld>
             <a:endParaRPr lang="zh-CN" altLang="en-US"/>
           </a:p>
@@ -667,7 +667,7 @@
           <a:p>
             <a:fld id="{0CB35010-EDBB-44E1-81B6-E54FF20221CB}" type="datetimeFigureOut">
               <a:rPr lang="zh-CN" altLang="en-US" smtClean="0"/>
-              <a:t>2019/4/1</a:t>
+              <a:t>2019/4/2</a:t>
             </a:fld>
             <a:endParaRPr lang="zh-CN" altLang="en-US"/>
           </a:p>
@@ -865,7 +865,7 @@
           <a:p>
             <a:fld id="{0CB35010-EDBB-44E1-81B6-E54FF20221CB}" type="datetimeFigureOut">
               <a:rPr lang="zh-CN" altLang="en-US" smtClean="0"/>
-              <a:t>2019/4/1</a:t>
+              <a:t>2019/4/2</a:t>
             </a:fld>
             <a:endParaRPr lang="zh-CN" altLang="en-US"/>
           </a:p>
@@ -1140,7 +1140,7 @@
           <a:p>
             <a:fld id="{0CB35010-EDBB-44E1-81B6-E54FF20221CB}" type="datetimeFigureOut">
               <a:rPr lang="zh-CN" altLang="en-US" smtClean="0"/>
-              <a:t>2019/4/1</a:t>
+              <a:t>2019/4/2</a:t>
             </a:fld>
             <a:endParaRPr lang="zh-CN" altLang="en-US"/>
           </a:p>
@@ -1405,7 +1405,7 @@
           <a:p>
             <a:fld id="{0CB35010-EDBB-44E1-81B6-E54FF20221CB}" type="datetimeFigureOut">
               <a:rPr lang="zh-CN" altLang="en-US" smtClean="0"/>
-              <a:t>2019/4/1</a:t>
+              <a:t>2019/4/2</a:t>
             </a:fld>
             <a:endParaRPr lang="zh-CN" altLang="en-US"/>
           </a:p>
@@ -1817,7 +1817,7 @@
           <a:p>
             <a:fld id="{0CB35010-EDBB-44E1-81B6-E54FF20221CB}" type="datetimeFigureOut">
               <a:rPr lang="zh-CN" altLang="en-US" smtClean="0"/>
-              <a:t>2019/4/1</a:t>
+              <a:t>2019/4/2</a:t>
             </a:fld>
             <a:endParaRPr lang="zh-CN" altLang="en-US"/>
           </a:p>
@@ -1958,7 +1958,7 @@
           <a:p>
             <a:fld id="{0CB35010-EDBB-44E1-81B6-E54FF20221CB}" type="datetimeFigureOut">
               <a:rPr lang="zh-CN" altLang="en-US" smtClean="0"/>
-              <a:t>2019/4/1</a:t>
+              <a:t>2019/4/2</a:t>
             </a:fld>
             <a:endParaRPr lang="zh-CN" altLang="en-US"/>
           </a:p>
@@ -2071,7 +2071,7 @@
           <a:p>
             <a:fld id="{0CB35010-EDBB-44E1-81B6-E54FF20221CB}" type="datetimeFigureOut">
               <a:rPr lang="zh-CN" altLang="en-US" smtClean="0"/>
-              <a:t>2019/4/1</a:t>
+              <a:t>2019/4/2</a:t>
             </a:fld>
             <a:endParaRPr lang="zh-CN" altLang="en-US"/>
           </a:p>
@@ -2382,7 +2382,7 @@
           <a:p>
             <a:fld id="{0CB35010-EDBB-44E1-81B6-E54FF20221CB}" type="datetimeFigureOut">
               <a:rPr lang="zh-CN" altLang="en-US" smtClean="0"/>
-              <a:t>2019/4/1</a:t>
+              <a:t>2019/4/2</a:t>
             </a:fld>
             <a:endParaRPr lang="zh-CN" altLang="en-US"/>
           </a:p>
@@ -2670,7 +2670,7 @@
           <a:p>
             <a:fld id="{0CB35010-EDBB-44E1-81B6-E54FF20221CB}" type="datetimeFigureOut">
               <a:rPr lang="zh-CN" altLang="en-US" smtClean="0"/>
-              <a:t>2019/4/1</a:t>
+              <a:t>2019/4/2</a:t>
             </a:fld>
             <a:endParaRPr lang="zh-CN" altLang="en-US"/>
           </a:p>
@@ -2911,7 +2911,7 @@
           <a:p>
             <a:fld id="{0CB35010-EDBB-44E1-81B6-E54FF20221CB}" type="datetimeFigureOut">
               <a:rPr lang="zh-CN" altLang="en-US" smtClean="0"/>
-              <a:t>2019/4/1</a:t>
+              <a:t>2019/4/2</a:t>
             </a:fld>
             <a:endParaRPr lang="zh-CN" altLang="en-US"/>
           </a:p>
@@ -3704,7 +3704,7 @@
         </p:nvSpPr>
         <p:spPr>
           <a:xfrm rot="10800000">
-            <a:off x="2351732" y="5905500"/>
+            <a:off x="3744306" y="5435716"/>
             <a:ext cx="3979560" cy="193118"/>
           </a:xfrm>
           <a:prstGeom prst="rightArrow">
@@ -3763,7 +3763,7 @@
         </p:nvSpPr>
         <p:spPr>
           <a:xfrm>
-            <a:off x="2381250" y="1838325"/>
+            <a:off x="3773824" y="2475889"/>
             <a:ext cx="3979560" cy="193118"/>
           </a:xfrm>
           <a:prstGeom prst="rightArrow">
@@ -3839,7 +3839,7 @@
       </p:sp>
       <p:sp>
         <p:nvSpPr>
-          <p:cNvPr id="9" name="矩形 8">
+          <p:cNvPr id="9" name="矩形: 圆角 8">
             <a:extLst>
               <a:ext uri="{FF2B5EF4-FFF2-40B4-BE49-F238E27FC236}">
                 <a16:creationId xmlns:a16="http://schemas.microsoft.com/office/drawing/2014/main" id="{6E9C79D0-1C59-4AAB-BE56-6C7F5396A8C2}"/>
@@ -3851,10 +3851,10 @@
         </p:nvSpPr>
         <p:spPr>
           <a:xfrm>
-            <a:off x="4648198" y="1800224"/>
-            <a:ext cx="1363965" cy="4320000"/>
+            <a:off x="6040772" y="1800224"/>
+            <a:ext cx="1524949" cy="4320000"/>
           </a:xfrm>
-          <a:prstGeom prst="rect">
+          <a:prstGeom prst="roundRect">
             <a:avLst/>
           </a:prstGeom>
           <a:solidFill>
@@ -3921,14 +3921,6 @@
           </a:p>
           <a:p>
             <a:pPr algn="ctr"/>
-            <a:endParaRPr lang="en-US" altLang="zh-CN" dirty="0">
-              <a:solidFill>
-                <a:schemeClr val="tx1"/>
-              </a:solidFill>
-            </a:endParaRPr>
-          </a:p>
-          <a:p>
-            <a:pPr algn="ctr"/>
             <a:r>
               <a:rPr lang="en-US" altLang="zh-CN" dirty="0">
                 <a:solidFill>
@@ -4137,7 +4129,7 @@
         </p:nvSpPr>
         <p:spPr>
           <a:xfrm>
-            <a:off x="1383530" y="1690688"/>
+            <a:off x="2692985" y="2387782"/>
             <a:ext cx="982961" cy="369332"/>
           </a:xfrm>
           <a:prstGeom prst="rect">
@@ -4161,7 +4153,7 @@
       </p:sp>
       <p:sp>
         <p:nvSpPr>
-          <p:cNvPr id="11" name="矩形 10">
+          <p:cNvPr id="11" name="矩形: 圆角 10">
             <a:extLst>
               <a:ext uri="{FF2B5EF4-FFF2-40B4-BE49-F238E27FC236}">
                 <a16:creationId xmlns:a16="http://schemas.microsoft.com/office/drawing/2014/main" id="{DD3D4C63-56B2-4C63-842A-C26FCBAC3A7B}"/>
@@ -4173,10 +4165,10 @@
         </p:nvSpPr>
         <p:spPr>
           <a:xfrm>
-            <a:off x="2942279" y="1800224"/>
-            <a:ext cx="1363965" cy="4320000"/>
+            <a:off x="4334853" y="1800224"/>
+            <a:ext cx="1518257" cy="4320000"/>
           </a:xfrm>
-          <a:prstGeom prst="rect">
+          <a:prstGeom prst="roundRect">
             <a:avLst/>
           </a:prstGeom>
           <a:solidFill>
@@ -4231,7 +4223,7 @@
       </p:sp>
       <p:sp>
         <p:nvSpPr>
-          <p:cNvPr id="12" name="矩形 11">
+          <p:cNvPr id="12" name="矩形: 圆角 11">
             <a:extLst>
               <a:ext uri="{FF2B5EF4-FFF2-40B4-BE49-F238E27FC236}">
                 <a16:creationId xmlns:a16="http://schemas.microsoft.com/office/drawing/2014/main" id="{CB68B46A-FE10-4086-B092-7E7A4EFD47B4}"/>
@@ -4243,10 +4235,10 @@
         </p:nvSpPr>
         <p:spPr>
           <a:xfrm>
-            <a:off x="6360809" y="1800223"/>
-            <a:ext cx="1363965" cy="4320000"/>
+            <a:off x="7753383" y="1800223"/>
+            <a:ext cx="1524949" cy="4320000"/>
           </a:xfrm>
-          <a:prstGeom prst="rect">
+          <a:prstGeom prst="roundRect">
             <a:avLst/>
           </a:prstGeom>
           <a:solidFill>
@@ -4308,14 +4300,6 @@
           </a:p>
           <a:p>
             <a:pPr algn="ctr"/>
-            <a:endParaRPr lang="en-US" altLang="zh-CN" dirty="0">
-              <a:solidFill>
-                <a:schemeClr val="tx1"/>
-              </a:solidFill>
-            </a:endParaRPr>
-          </a:p>
-          <a:p>
-            <a:pPr algn="ctr"/>
             <a:r>
               <a:rPr lang="en-US" altLang="zh-CN" dirty="0">
                 <a:solidFill>
@@ -4529,7 +4513,7 @@
         </p:nvSpPr>
         <p:spPr>
           <a:xfrm>
-            <a:off x="1146522" y="5817393"/>
+            <a:off x="2539096" y="5330831"/>
             <a:ext cx="1136850" cy="369332"/>
           </a:xfrm>
           <a:prstGeom prst="rect">

--- a/aspnetcore3.0course/docs/aspnetcore3.0course.pptx
+++ b/aspnetcore3.0course/docs/aspnetcore3.0course.pptx
@@ -8,6 +8,7 @@
     <p:sldId id="256" r:id="rId2"/>
     <p:sldId id="257" r:id="rId3"/>
     <p:sldId id="258" r:id="rId4"/>
+    <p:sldId id="259" r:id="rId5"/>
   </p:sldIdLst>
   <p:sldSz cx="12192000" cy="6858000"/>
   <p:notesSz cx="6858000" cy="9144000"/>
@@ -3502,7 +3503,7 @@
           </a:p>
           <a:p>
             <a:r>
-              <a:rPr lang="zh-CN" altLang="en-US" sz="1400"/>
+              <a:rPr lang="zh-CN" altLang="en-US" sz="1400" dirty="0"/>
               <a:t>配置文件</a:t>
             </a:r>
             <a:endParaRPr lang="en-US" altLang="zh-CN" sz="1400" dirty="0"/>
@@ -4539,6 +4540,114 @@
     <p:extLst>
       <p:ext uri="{BB962C8B-B14F-4D97-AF65-F5344CB8AC3E}">
         <p14:creationId xmlns:p14="http://schemas.microsoft.com/office/powerpoint/2010/main" val="62530445"/>
+      </p:ext>
+    </p:extLst>
+  </p:cSld>
+  <p:clrMapOvr>
+    <a:masterClrMapping/>
+  </p:clrMapOvr>
+</p:sld>
+</file>
+
+<file path=ppt/slides/slide4.xml><?xml version="1.0" encoding="utf-8"?>
+<p:sld xmlns:a="http://schemas.openxmlformats.org/drawingml/2006/main" xmlns:r="http://schemas.openxmlformats.org/officeDocument/2006/relationships" xmlns:p="http://schemas.openxmlformats.org/presentationml/2006/main">
+  <p:cSld>
+    <p:spTree>
+      <p:nvGrpSpPr>
+        <p:cNvPr id="1" name=""/>
+        <p:cNvGrpSpPr/>
+        <p:nvPr/>
+      </p:nvGrpSpPr>
+      <p:grpSpPr>
+        <a:xfrm>
+          <a:off x="0" y="0"/>
+          <a:ext cx="0" cy="0"/>
+          <a:chOff x="0" y="0"/>
+          <a:chExt cx="0" cy="0"/>
+        </a:xfrm>
+      </p:grpSpPr>
+      <p:sp>
+        <p:nvSpPr>
+          <p:cNvPr id="2" name="标题 1">
+            <a:extLst>
+              <a:ext uri="{FF2B5EF4-FFF2-40B4-BE49-F238E27FC236}">
+                <a16:creationId xmlns:a16="http://schemas.microsoft.com/office/drawing/2014/main" id="{D93F5457-E33E-4DFB-A0C6-F3B921696286}"/>
+              </a:ext>
+            </a:extLst>
+          </p:cNvPr>
+          <p:cNvSpPr>
+            <a:spLocks noGrp="1"/>
+          </p:cNvSpPr>
+          <p:nvPr>
+            <p:ph type="title"/>
+          </p:nvPr>
+        </p:nvSpPr>
+        <p:spPr/>
+        <p:txBody>
+          <a:bodyPr/>
+          <a:lstStyle/>
+          <a:p>
+            <a:r>
+              <a:rPr lang="en-US" altLang="zh-CN" dirty="0" err="1"/>
+              <a:t>Configration</a:t>
+            </a:r>
+            <a:endParaRPr lang="zh-CN" altLang="en-US" dirty="0"/>
+          </a:p>
+        </p:txBody>
+      </p:sp>
+      <p:sp>
+        <p:nvSpPr>
+          <p:cNvPr id="15" name="内容占位符 2">
+            <a:extLst>
+              <a:ext uri="{FF2B5EF4-FFF2-40B4-BE49-F238E27FC236}">
+                <a16:creationId xmlns:a16="http://schemas.microsoft.com/office/drawing/2014/main" id="{00DFF36C-FF32-4635-B471-3925665516F8}"/>
+              </a:ext>
+            </a:extLst>
+          </p:cNvPr>
+          <p:cNvSpPr>
+            <a:spLocks noGrp="1"/>
+          </p:cNvSpPr>
+          <p:nvPr>
+            <p:ph idx="1"/>
+          </p:nvPr>
+        </p:nvSpPr>
+        <p:spPr>
+          <a:xfrm>
+            <a:off x="838200" y="1690687"/>
+            <a:ext cx="10515600" cy="4887665"/>
+          </a:xfrm>
+        </p:spPr>
+        <p:txBody>
+          <a:bodyPr>
+            <a:normAutofit/>
+          </a:bodyPr>
+          <a:lstStyle/>
+          <a:p>
+            <a:r>
+              <a:rPr lang="zh-CN" altLang="en-US" sz="1400" dirty="0"/>
+              <a:t>机密文件</a:t>
+            </a:r>
+            <a:endParaRPr lang="en-US" altLang="zh-CN" sz="1400" dirty="0"/>
+          </a:p>
+          <a:p>
+            <a:r>
+              <a:rPr lang="zh-CN" altLang="en-US" sz="1400" dirty="0"/>
+              <a:t>配置文件</a:t>
+            </a:r>
+            <a:endParaRPr lang="en-US" altLang="zh-CN" sz="1400" dirty="0"/>
+          </a:p>
+          <a:p>
+            <a:r>
+              <a:rPr lang="zh-CN" altLang="en-US" sz="1400" dirty="0"/>
+              <a:t>热更新</a:t>
+            </a:r>
+          </a:p>
+        </p:txBody>
+      </p:sp>
+    </p:spTree>
+    <p:extLst>
+      <p:ext uri="{BB962C8B-B14F-4D97-AF65-F5344CB8AC3E}">
+        <p14:creationId xmlns:p14="http://schemas.microsoft.com/office/powerpoint/2010/main" val="731180852"/>
       </p:ext>
     </p:extLst>
   </p:cSld>

--- a/aspnetcore3.0course/docs/aspnetcore3.0course.pptx
+++ b/aspnetcore3.0course/docs/aspnetcore3.0course.pptx
@@ -9,6 +9,7 @@
     <p:sldId id="257" r:id="rId3"/>
     <p:sldId id="258" r:id="rId4"/>
     <p:sldId id="259" r:id="rId5"/>
+    <p:sldId id="260" r:id="rId6"/>
   </p:sldIdLst>
   <p:sldSz cx="12192000" cy="6858000"/>
   <p:notesSz cx="6858000" cy="9144000"/>
@@ -4591,6 +4592,14 @@
               <a:rPr lang="en-US" altLang="zh-CN" dirty="0" err="1"/>
               <a:t>Configration</a:t>
             </a:r>
+            <a:r>
+              <a:rPr lang="en-US" altLang="zh-CN" dirty="0"/>
+              <a:t>-</a:t>
+            </a:r>
+            <a:r>
+              <a:rPr lang="zh-CN" altLang="en-US"/>
+              <a:t>机密文件</a:t>
+            </a:r>
             <a:endParaRPr lang="zh-CN" altLang="en-US" dirty="0"/>
           </a:p>
         </p:txBody>
@@ -4623,24 +4632,307 @@
           </a:bodyPr>
           <a:lstStyle/>
           <a:p>
+            <a:pPr marL="0" indent="0">
+              <a:buNone/>
+            </a:pPr>
+            <a:r>
+              <a:rPr lang="en-US" altLang="zh-CN" sz="1400" dirty="0"/>
+              <a:t>1</a:t>
+            </a:r>
             <a:r>
               <a:rPr lang="zh-CN" altLang="en-US" sz="1400" dirty="0"/>
-              <a:t>机密文件</a:t>
-            </a:r>
-            <a:endParaRPr lang="en-US" altLang="zh-CN" sz="1400" dirty="0"/>
-          </a:p>
-          <a:p>
+              <a:t>、</a:t>
+            </a:r>
+            <a:r>
+              <a:rPr lang="en-US" altLang="zh-CN" sz="1400" dirty="0"/>
+              <a:t>.</a:t>
+            </a:r>
+            <a:r>
+              <a:rPr lang="en-US" altLang="zh-CN" sz="1400" dirty="0" err="1"/>
+              <a:t>csproj</a:t>
+            </a:r>
             <a:r>
               <a:rPr lang="zh-CN" altLang="en-US" sz="1400" dirty="0"/>
-              <a:t>配置文件</a:t>
-            </a:r>
-            <a:endParaRPr lang="en-US" altLang="zh-CN" sz="1400" dirty="0"/>
-          </a:p>
-          <a:p>
+              <a:t>文件的</a:t>
+            </a:r>
+            <a:r>
+              <a:rPr lang="en-US" altLang="zh-CN" sz="1400" dirty="0"/>
+              <a:t>&lt;</a:t>
+            </a:r>
+            <a:r>
+              <a:rPr lang="en-US" altLang="zh-CN" sz="1400" dirty="0" err="1"/>
+              <a:t>PropertyGroup</a:t>
+            </a:r>
+            <a:r>
+              <a:rPr lang="en-US" altLang="zh-CN" sz="1400" dirty="0"/>
+              <a:t>&gt;&lt;/</a:t>
+            </a:r>
+            <a:r>
+              <a:rPr lang="en-US" altLang="zh-CN" sz="1400" dirty="0" err="1"/>
+              <a:t>PropertyGroup</a:t>
+            </a:r>
+            <a:r>
+              <a:rPr lang="en-US" altLang="zh-CN" sz="1400" dirty="0"/>
+              <a:t>&gt;</a:t>
+            </a:r>
             <a:r>
               <a:rPr lang="zh-CN" altLang="en-US" sz="1400" dirty="0"/>
-              <a:t>热更新</a:t>
-            </a:r>
+              <a:t>节点中添加</a:t>
+            </a:r>
+          </a:p>
+          <a:p>
+            <a:pPr marL="0" indent="0">
+              <a:buNone/>
+            </a:pPr>
+            <a:r>
+              <a:rPr lang="en-US" altLang="zh-CN" sz="1400" dirty="0"/>
+              <a:t>  &lt;</a:t>
+            </a:r>
+            <a:r>
+              <a:rPr lang="en-US" altLang="zh-CN" sz="1400" dirty="0" err="1"/>
+              <a:t>UserSecretsId</a:t>
+            </a:r>
+            <a:r>
+              <a:rPr lang="en-US" altLang="zh-CN" sz="1400" dirty="0"/>
+              <a:t>&gt;</a:t>
+            </a:r>
+            <a:r>
+              <a:rPr lang="en-US" altLang="zh-CN" sz="1400" dirty="0" err="1"/>
+              <a:t>d7a40274-87df-43ba-999b-d8719940b7a7</a:t>
+            </a:r>
+            <a:r>
+              <a:rPr lang="en-US" altLang="zh-CN" sz="1400" dirty="0"/>
+              <a:t>&lt;/</a:t>
+            </a:r>
+            <a:r>
+              <a:rPr lang="en-US" altLang="zh-CN" sz="1400" dirty="0" err="1"/>
+              <a:t>UserSecretsId</a:t>
+            </a:r>
+            <a:r>
+              <a:rPr lang="en-US" altLang="zh-CN" sz="1400" dirty="0"/>
+              <a:t>&gt;</a:t>
+            </a:r>
+          </a:p>
+          <a:p>
+            <a:pPr marL="0" indent="0">
+              <a:buNone/>
+            </a:pPr>
+            <a:r>
+              <a:rPr lang="en-US" altLang="zh-CN" sz="1400" dirty="0"/>
+              <a:t>2</a:t>
+            </a:r>
+            <a:r>
+              <a:rPr lang="zh-CN" altLang="en-US" sz="1400" dirty="0"/>
+              <a:t>、操作机密文件</a:t>
+            </a:r>
+          </a:p>
+          <a:p>
+            <a:pPr marL="0" indent="0">
+              <a:buNone/>
+            </a:pPr>
+            <a:r>
+              <a:rPr lang="en-US" altLang="zh-CN" sz="1400" dirty="0"/>
+              <a:t>   a</a:t>
+            </a:r>
+            <a:r>
+              <a:rPr lang="zh-CN" altLang="en-US" sz="1400" dirty="0"/>
+              <a:t>、设置机密文件  </a:t>
+            </a:r>
+            <a:r>
+              <a:rPr lang="en-US" altLang="zh-CN" sz="1400" dirty="0"/>
+              <a:t>dotnet user-secrets set "</a:t>
+            </a:r>
+            <a:r>
+              <a:rPr lang="en-US" altLang="zh-CN" sz="1400" dirty="0" err="1"/>
+              <a:t>dbpassword</a:t>
+            </a:r>
+            <a:r>
+              <a:rPr lang="en-US" altLang="zh-CN" sz="1400" dirty="0"/>
+              <a:t>" "123456" --project ".</a:t>
+            </a:r>
+            <a:r>
+              <a:rPr lang="en-US" altLang="zh-CN" sz="1400" dirty="0" err="1"/>
+              <a:t>csproj</a:t>
+            </a:r>
+            <a:r>
+              <a:rPr lang="zh-CN" altLang="en-US" sz="1400" dirty="0"/>
+              <a:t>所在目录</a:t>
+            </a:r>
+            <a:r>
+              <a:rPr lang="en-US" altLang="zh-CN" sz="1400" dirty="0"/>
+              <a:t>"</a:t>
+            </a:r>
+          </a:p>
+          <a:p>
+            <a:pPr marL="0" indent="0">
+              <a:buNone/>
+            </a:pPr>
+            <a:r>
+              <a:rPr lang="en-US" altLang="zh-CN" sz="1400" dirty="0"/>
+              <a:t>   b</a:t>
+            </a:r>
+            <a:r>
+              <a:rPr lang="zh-CN" altLang="en-US" sz="1400" dirty="0"/>
+              <a:t>、设置多个机密文件  </a:t>
+            </a:r>
+            <a:r>
+              <a:rPr lang="en-US" altLang="zh-CN" sz="1400" dirty="0"/>
+              <a:t>type .\</a:t>
+            </a:r>
+            <a:r>
+              <a:rPr lang="en-US" altLang="zh-CN" sz="1400" dirty="0" err="1"/>
+              <a:t>input.json</a:t>
+            </a:r>
+            <a:r>
+              <a:rPr lang="en-US" altLang="zh-CN" sz="1400" dirty="0"/>
+              <a:t> | dotnet user-secrets set --project ".</a:t>
+            </a:r>
+            <a:r>
+              <a:rPr lang="en-US" altLang="zh-CN" sz="1400" dirty="0" err="1"/>
+              <a:t>csproj</a:t>
+            </a:r>
+            <a:r>
+              <a:rPr lang="zh-CN" altLang="en-US" sz="1400" dirty="0"/>
+              <a:t>所在目录</a:t>
+            </a:r>
+            <a:r>
+              <a:rPr lang="en-US" altLang="zh-CN" sz="1400" dirty="0"/>
+              <a:t>"</a:t>
+            </a:r>
+          </a:p>
+          <a:p>
+            <a:pPr marL="0" indent="0">
+              <a:buNone/>
+            </a:pPr>
+            <a:r>
+              <a:rPr lang="en-US" altLang="zh-CN" sz="1400" dirty="0"/>
+              <a:t>   c</a:t>
+            </a:r>
+            <a:r>
+              <a:rPr lang="zh-CN" altLang="en-US" sz="1400" dirty="0"/>
+              <a:t>、查看机密文件  </a:t>
+            </a:r>
+            <a:r>
+              <a:rPr lang="en-US" altLang="zh-CN" sz="1400" dirty="0"/>
+              <a:t>dotnet user-secrets list --project ".</a:t>
+            </a:r>
+            <a:r>
+              <a:rPr lang="en-US" altLang="zh-CN" sz="1400" dirty="0" err="1"/>
+              <a:t>csproj</a:t>
+            </a:r>
+            <a:r>
+              <a:rPr lang="zh-CN" altLang="en-US" sz="1400" dirty="0"/>
+              <a:t>所在目录</a:t>
+            </a:r>
+            <a:r>
+              <a:rPr lang="en-US" altLang="zh-CN" sz="1400" dirty="0"/>
+              <a:t>"</a:t>
+            </a:r>
+          </a:p>
+          <a:p>
+            <a:pPr marL="0" indent="0">
+              <a:buNone/>
+            </a:pPr>
+            <a:r>
+              <a:rPr lang="en-US" altLang="zh-CN" sz="1400" dirty="0"/>
+              <a:t>   d</a:t>
+            </a:r>
+            <a:r>
+              <a:rPr lang="zh-CN" altLang="en-US" sz="1400" dirty="0"/>
+              <a:t>、删除机密文件  </a:t>
+            </a:r>
+            <a:r>
+              <a:rPr lang="en-US" altLang="zh-CN" sz="1400" dirty="0"/>
+              <a:t>dotnet user-secrets remove "</a:t>
+            </a:r>
+            <a:r>
+              <a:rPr lang="en-US" altLang="zh-CN" sz="1400" dirty="0" err="1"/>
+              <a:t>dbpassword</a:t>
+            </a:r>
+            <a:r>
+              <a:rPr lang="en-US" altLang="zh-CN" sz="1400" dirty="0"/>
+              <a:t>"  --project ".</a:t>
+            </a:r>
+            <a:r>
+              <a:rPr lang="en-US" altLang="zh-CN" sz="1400" dirty="0" err="1"/>
+              <a:t>csproj</a:t>
+            </a:r>
+            <a:r>
+              <a:rPr lang="zh-CN" altLang="en-US" sz="1400" dirty="0"/>
+              <a:t>所在目录</a:t>
+            </a:r>
+            <a:r>
+              <a:rPr lang="en-US" altLang="zh-CN" sz="1400" dirty="0"/>
+              <a:t>"</a:t>
+            </a:r>
+          </a:p>
+          <a:p>
+            <a:pPr marL="0" indent="0">
+              <a:buNone/>
+            </a:pPr>
+            <a:r>
+              <a:rPr lang="en-US" altLang="zh-CN" sz="1400" dirty="0"/>
+              <a:t>   e</a:t>
+            </a:r>
+            <a:r>
+              <a:rPr lang="zh-CN" altLang="en-US" sz="1400" dirty="0"/>
+              <a:t>、删除所有机密文件 </a:t>
+            </a:r>
+            <a:r>
+              <a:rPr lang="en-US" altLang="zh-CN" sz="1400" dirty="0"/>
+              <a:t>dotnet user-secrets clear --project ".</a:t>
+            </a:r>
+            <a:r>
+              <a:rPr lang="en-US" altLang="zh-CN" sz="1400" dirty="0" err="1"/>
+              <a:t>csproj</a:t>
+            </a:r>
+            <a:r>
+              <a:rPr lang="zh-CN" altLang="en-US" sz="1400" dirty="0"/>
+              <a:t>所在目录</a:t>
+            </a:r>
+            <a:r>
+              <a:rPr lang="en-US" altLang="zh-CN" sz="1400" dirty="0"/>
+              <a:t>"</a:t>
+            </a:r>
+          </a:p>
+          <a:p>
+            <a:pPr marL="0" indent="0">
+              <a:buNone/>
+            </a:pPr>
+            <a:r>
+              <a:rPr lang="en-US" altLang="zh-CN" sz="1400" dirty="0"/>
+              <a:t>3</a:t>
+            </a:r>
+            <a:r>
+              <a:rPr lang="zh-CN" altLang="en-US" sz="1400" dirty="0"/>
+              <a:t>、</a:t>
+            </a:r>
+            <a:r>
+              <a:rPr lang="en-US" altLang="zh-CN" sz="1400" dirty="0" err="1"/>
+              <a:t>ConfigureServices</a:t>
+            </a:r>
+            <a:r>
+              <a:rPr lang="zh-CN" altLang="en-US" sz="1400" dirty="0"/>
+              <a:t>中读取</a:t>
+            </a:r>
+          </a:p>
+          <a:p>
+            <a:pPr marL="0" indent="0">
+              <a:buNone/>
+            </a:pPr>
+            <a:r>
+              <a:rPr lang="en-US" altLang="zh-CN" sz="1400" dirty="0"/>
+              <a:t>   var password = Configuration["</a:t>
+            </a:r>
+            <a:r>
+              <a:rPr lang="en-US" altLang="zh-CN" sz="1400" dirty="0" err="1"/>
+              <a:t>dbpassword</a:t>
+            </a:r>
+            <a:r>
+              <a:rPr lang="en-US" altLang="zh-CN" sz="1400" dirty="0"/>
+              <a:t>"];</a:t>
+            </a:r>
+            <a:endParaRPr lang="zh-CN" altLang="en-US" sz="1400" dirty="0"/>
           </a:p>
         </p:txBody>
       </p:sp>
@@ -4648,6 +4940,114 @@
     <p:extLst>
       <p:ext uri="{BB962C8B-B14F-4D97-AF65-F5344CB8AC3E}">
         <p14:creationId xmlns:p14="http://schemas.microsoft.com/office/powerpoint/2010/main" val="731180852"/>
+      </p:ext>
+    </p:extLst>
+  </p:cSld>
+  <p:clrMapOvr>
+    <a:masterClrMapping/>
+  </p:clrMapOvr>
+</p:sld>
+</file>
+
+<file path=ppt/slides/slide5.xml><?xml version="1.0" encoding="utf-8"?>
+<p:sld xmlns:a="http://schemas.openxmlformats.org/drawingml/2006/main" xmlns:r="http://schemas.openxmlformats.org/officeDocument/2006/relationships" xmlns:p="http://schemas.openxmlformats.org/presentationml/2006/main">
+  <p:cSld>
+    <p:spTree>
+      <p:nvGrpSpPr>
+        <p:cNvPr id="1" name=""/>
+        <p:cNvGrpSpPr/>
+        <p:nvPr/>
+      </p:nvGrpSpPr>
+      <p:grpSpPr>
+        <a:xfrm>
+          <a:off x="0" y="0"/>
+          <a:ext cx="0" cy="0"/>
+          <a:chOff x="0" y="0"/>
+          <a:chExt cx="0" cy="0"/>
+        </a:xfrm>
+      </p:grpSpPr>
+      <p:sp>
+        <p:nvSpPr>
+          <p:cNvPr id="2" name="标题 1">
+            <a:extLst>
+              <a:ext uri="{FF2B5EF4-FFF2-40B4-BE49-F238E27FC236}">
+                <a16:creationId xmlns:a16="http://schemas.microsoft.com/office/drawing/2014/main" id="{D93F5457-E33E-4DFB-A0C6-F3B921696286}"/>
+              </a:ext>
+            </a:extLst>
+          </p:cNvPr>
+          <p:cNvSpPr>
+            <a:spLocks noGrp="1"/>
+          </p:cNvSpPr>
+          <p:nvPr>
+            <p:ph type="title"/>
+          </p:nvPr>
+        </p:nvSpPr>
+        <p:spPr/>
+        <p:txBody>
+          <a:bodyPr/>
+          <a:lstStyle/>
+          <a:p>
+            <a:r>
+              <a:rPr lang="en-US" altLang="zh-CN" dirty="0" err="1"/>
+              <a:t>Configration</a:t>
+            </a:r>
+            <a:endParaRPr lang="zh-CN" altLang="en-US" dirty="0"/>
+          </a:p>
+        </p:txBody>
+      </p:sp>
+      <p:sp>
+        <p:nvSpPr>
+          <p:cNvPr id="15" name="内容占位符 2">
+            <a:extLst>
+              <a:ext uri="{FF2B5EF4-FFF2-40B4-BE49-F238E27FC236}">
+                <a16:creationId xmlns:a16="http://schemas.microsoft.com/office/drawing/2014/main" id="{00DFF36C-FF32-4635-B471-3925665516F8}"/>
+              </a:ext>
+            </a:extLst>
+          </p:cNvPr>
+          <p:cNvSpPr>
+            <a:spLocks noGrp="1"/>
+          </p:cNvSpPr>
+          <p:nvPr>
+            <p:ph idx="1"/>
+          </p:nvPr>
+        </p:nvSpPr>
+        <p:spPr>
+          <a:xfrm>
+            <a:off x="838200" y="1690687"/>
+            <a:ext cx="10515600" cy="4887665"/>
+          </a:xfrm>
+        </p:spPr>
+        <p:txBody>
+          <a:bodyPr>
+            <a:normAutofit/>
+          </a:bodyPr>
+          <a:lstStyle/>
+          <a:p>
+            <a:r>
+              <a:rPr lang="zh-CN" altLang="en-US" sz="1400" dirty="0"/>
+              <a:t>机密文件</a:t>
+            </a:r>
+            <a:endParaRPr lang="en-US" altLang="zh-CN" sz="1400" dirty="0"/>
+          </a:p>
+          <a:p>
+            <a:r>
+              <a:rPr lang="zh-CN" altLang="en-US" sz="1400" dirty="0"/>
+              <a:t>配置文件</a:t>
+            </a:r>
+            <a:endParaRPr lang="en-US" altLang="zh-CN" sz="1400" dirty="0"/>
+          </a:p>
+          <a:p>
+            <a:r>
+              <a:rPr lang="zh-CN" altLang="en-US" sz="1400" dirty="0"/>
+              <a:t>热更新</a:t>
+            </a:r>
+          </a:p>
+        </p:txBody>
+      </p:sp>
+    </p:spTree>
+    <p:extLst>
+      <p:ext uri="{BB962C8B-B14F-4D97-AF65-F5344CB8AC3E}">
+        <p14:creationId xmlns:p14="http://schemas.microsoft.com/office/powerpoint/2010/main" val="1183203262"/>
       </p:ext>
     </p:extLst>
   </p:cSld>

--- a/aspnetcore3.0course/docs/aspnetcore3.0course.pptx
+++ b/aspnetcore3.0course/docs/aspnetcore3.0course.pptx
@@ -8,8 +8,9 @@
     <p:sldId id="256" r:id="rId2"/>
     <p:sldId id="257" r:id="rId3"/>
     <p:sldId id="258" r:id="rId4"/>
-    <p:sldId id="259" r:id="rId5"/>
-    <p:sldId id="260" r:id="rId6"/>
+    <p:sldId id="260" r:id="rId5"/>
+    <p:sldId id="259" r:id="rId6"/>
+    <p:sldId id="261" r:id="rId7"/>
   </p:sldIdLst>
   <p:sldSz cx="12192000" cy="6858000"/>
   <p:notesSz cx="6858000" cy="9144000"/>
@@ -4592,14 +4593,6 @@
               <a:rPr lang="en-US" altLang="zh-CN" dirty="0" err="1"/>
               <a:t>Configration</a:t>
             </a:r>
-            <a:r>
-              <a:rPr lang="en-US" altLang="zh-CN" dirty="0"/>
-              <a:t>-</a:t>
-            </a:r>
-            <a:r>
-              <a:rPr lang="zh-CN" altLang="en-US"/>
-              <a:t>机密文件</a:t>
-            </a:r>
             <a:endParaRPr lang="zh-CN" altLang="en-US" dirty="0"/>
           </a:p>
         </p:txBody>
@@ -4632,314 +4625,36 @@
           </a:bodyPr>
           <a:lstStyle/>
           <a:p>
-            <a:pPr marL="0" indent="0">
-              <a:buNone/>
-            </a:pPr>
+            <a:r>
+              <a:rPr lang="zh-CN" altLang="en-US" sz="1400" dirty="0"/>
+              <a:t>配置文件</a:t>
+            </a:r>
+            <a:endParaRPr lang="en-US" altLang="zh-CN" sz="1400" dirty="0"/>
+          </a:p>
+          <a:p>
+            <a:r>
+              <a:rPr lang="zh-CN" altLang="en-US" sz="1400" dirty="0"/>
+              <a:t>热更新</a:t>
+            </a:r>
             <a:r>
               <a:rPr lang="en-US" altLang="zh-CN" sz="1400" dirty="0"/>
-              <a:t>1</a:t>
-            </a:r>
-            <a:r>
-              <a:rPr lang="zh-CN" altLang="en-US" sz="1400" dirty="0"/>
-              <a:t>、</a:t>
+              <a:t>(</a:t>
+            </a:r>
+            <a:r>
+              <a:rPr lang="zh-CN" altLang="en-US" sz="1400" dirty="0"/>
+              <a:t>内存会增加</a:t>
             </a:r>
             <a:r>
               <a:rPr lang="en-US" altLang="zh-CN" sz="1400" dirty="0"/>
-              <a:t>.</a:t>
-            </a:r>
-            <a:r>
-              <a:rPr lang="en-US" altLang="zh-CN" sz="1400" dirty="0" err="1"/>
-              <a:t>csproj</a:t>
-            </a:r>
-            <a:r>
-              <a:rPr lang="zh-CN" altLang="en-US" sz="1400" dirty="0"/>
-              <a:t>文件的</a:t>
-            </a:r>
-            <a:r>
-              <a:rPr lang="en-US" altLang="zh-CN" sz="1400" dirty="0"/>
-              <a:t>&lt;</a:t>
-            </a:r>
-            <a:r>
-              <a:rPr lang="en-US" altLang="zh-CN" sz="1400" dirty="0" err="1"/>
-              <a:t>PropertyGroup</a:t>
-            </a:r>
-            <a:r>
-              <a:rPr lang="en-US" altLang="zh-CN" sz="1400" dirty="0"/>
-              <a:t>&gt;&lt;/</a:t>
-            </a:r>
-            <a:r>
-              <a:rPr lang="en-US" altLang="zh-CN" sz="1400" dirty="0" err="1"/>
-              <a:t>PropertyGroup</a:t>
-            </a:r>
-            <a:r>
-              <a:rPr lang="en-US" altLang="zh-CN" sz="1400" dirty="0"/>
-              <a:t>&gt;</a:t>
-            </a:r>
-            <a:r>
-              <a:rPr lang="zh-CN" altLang="en-US" sz="1400" dirty="0"/>
-              <a:t>节点中添加</a:t>
-            </a:r>
-          </a:p>
-          <a:p>
-            <a:pPr marL="0" indent="0">
-              <a:buNone/>
-            </a:pPr>
-            <a:r>
-              <a:rPr lang="en-US" altLang="zh-CN" sz="1400" dirty="0"/>
-              <a:t>  &lt;</a:t>
-            </a:r>
-            <a:r>
-              <a:rPr lang="en-US" altLang="zh-CN" sz="1400" dirty="0" err="1"/>
-              <a:t>UserSecretsId</a:t>
-            </a:r>
-            <a:r>
-              <a:rPr lang="en-US" altLang="zh-CN" sz="1400" dirty="0"/>
-              <a:t>&gt;</a:t>
-            </a:r>
-            <a:r>
-              <a:rPr lang="en-US" altLang="zh-CN" sz="1400" dirty="0" err="1"/>
-              <a:t>d7a40274-87df-43ba-999b-d8719940b7a7</a:t>
-            </a:r>
-            <a:r>
-              <a:rPr lang="en-US" altLang="zh-CN" sz="1400" dirty="0"/>
-              <a:t>&lt;/</a:t>
-            </a:r>
-            <a:r>
-              <a:rPr lang="en-US" altLang="zh-CN" sz="1400" dirty="0" err="1"/>
-              <a:t>UserSecretsId</a:t>
-            </a:r>
-            <a:r>
-              <a:rPr lang="en-US" altLang="zh-CN" sz="1400" dirty="0"/>
-              <a:t>&gt;</a:t>
-            </a:r>
-          </a:p>
-          <a:p>
-            <a:pPr marL="0" indent="0">
-              <a:buNone/>
-            </a:pPr>
-            <a:r>
-              <a:rPr lang="en-US" altLang="zh-CN" sz="1400" dirty="0"/>
-              <a:t>2</a:t>
-            </a:r>
-            <a:r>
-              <a:rPr lang="zh-CN" altLang="en-US" sz="1400" dirty="0"/>
-              <a:t>、操作机密文件</a:t>
-            </a:r>
-          </a:p>
-          <a:p>
-            <a:pPr marL="0" indent="0">
-              <a:buNone/>
-            </a:pPr>
-            <a:r>
-              <a:rPr lang="en-US" altLang="zh-CN" sz="1400" dirty="0"/>
-              <a:t>   a</a:t>
-            </a:r>
-            <a:r>
-              <a:rPr lang="zh-CN" altLang="en-US" sz="1400" dirty="0"/>
-              <a:t>、设置机密文件  </a:t>
-            </a:r>
-            <a:r>
-              <a:rPr lang="en-US" altLang="zh-CN" sz="1400" dirty="0"/>
-              <a:t>dotnet user-secrets set "</a:t>
-            </a:r>
-            <a:r>
-              <a:rPr lang="en-US" altLang="zh-CN" sz="1400" dirty="0" err="1"/>
-              <a:t>dbpassword</a:t>
-            </a:r>
-            <a:r>
-              <a:rPr lang="en-US" altLang="zh-CN" sz="1400" dirty="0"/>
-              <a:t>" "123456" --project ".</a:t>
-            </a:r>
-            <a:r>
-              <a:rPr lang="en-US" altLang="zh-CN" sz="1400" dirty="0" err="1"/>
-              <a:t>csproj</a:t>
-            </a:r>
-            <a:r>
-              <a:rPr lang="zh-CN" altLang="en-US" sz="1400" dirty="0"/>
-              <a:t>所在目录</a:t>
-            </a:r>
-            <a:r>
-              <a:rPr lang="en-US" altLang="zh-CN" sz="1400" dirty="0"/>
-              <a:t>"</a:t>
-            </a:r>
-          </a:p>
-          <a:p>
-            <a:pPr marL="0" indent="0">
-              <a:buNone/>
-            </a:pPr>
-            <a:r>
-              <a:rPr lang="en-US" altLang="zh-CN" sz="1400" dirty="0"/>
-              <a:t>   b</a:t>
-            </a:r>
-            <a:r>
-              <a:rPr lang="zh-CN" altLang="en-US" sz="1400" dirty="0"/>
-              <a:t>、设置多个机密文件  </a:t>
-            </a:r>
-            <a:r>
-              <a:rPr lang="en-US" altLang="zh-CN" sz="1400" dirty="0"/>
-              <a:t>type .\</a:t>
-            </a:r>
-            <a:r>
-              <a:rPr lang="en-US" altLang="zh-CN" sz="1400" dirty="0" err="1"/>
-              <a:t>input.json</a:t>
-            </a:r>
-            <a:r>
-              <a:rPr lang="en-US" altLang="zh-CN" sz="1400" dirty="0"/>
-              <a:t> | dotnet user-secrets set --project ".</a:t>
-            </a:r>
-            <a:r>
-              <a:rPr lang="en-US" altLang="zh-CN" sz="1400" dirty="0" err="1"/>
-              <a:t>csproj</a:t>
-            </a:r>
-            <a:r>
-              <a:rPr lang="zh-CN" altLang="en-US" sz="1400" dirty="0"/>
-              <a:t>所在目录</a:t>
-            </a:r>
-            <a:r>
-              <a:rPr lang="en-US" altLang="zh-CN" sz="1400" dirty="0"/>
-              <a:t>"</a:t>
-            </a:r>
-          </a:p>
-          <a:p>
-            <a:pPr marL="0" indent="0">
-              <a:buNone/>
-            </a:pPr>
-            <a:r>
-              <a:rPr lang="en-US" altLang="zh-CN" sz="1400" dirty="0"/>
-              <a:t>   c</a:t>
-            </a:r>
-            <a:r>
-              <a:rPr lang="zh-CN" altLang="en-US" sz="1400" dirty="0"/>
-              <a:t>、查看机密文件  </a:t>
-            </a:r>
-            <a:r>
-              <a:rPr lang="en-US" altLang="zh-CN" sz="1400" dirty="0"/>
-              <a:t>dotnet user-secrets list --project ".</a:t>
-            </a:r>
-            <a:r>
-              <a:rPr lang="en-US" altLang="zh-CN" sz="1400" dirty="0" err="1"/>
-              <a:t>csproj</a:t>
-            </a:r>
-            <a:r>
-              <a:rPr lang="zh-CN" altLang="en-US" sz="1400" dirty="0"/>
-              <a:t>所在目录</a:t>
-            </a:r>
-            <a:r>
-              <a:rPr lang="en-US" altLang="zh-CN" sz="1400" dirty="0"/>
-              <a:t>"</a:t>
-            </a:r>
-          </a:p>
-          <a:p>
-            <a:pPr marL="0" indent="0">
-              <a:buNone/>
-            </a:pPr>
-            <a:r>
-              <a:rPr lang="en-US" altLang="zh-CN" sz="1400" dirty="0"/>
-              <a:t>   d</a:t>
-            </a:r>
-            <a:r>
-              <a:rPr lang="zh-CN" altLang="en-US" sz="1400" dirty="0"/>
-              <a:t>、删除机密文件  </a:t>
-            </a:r>
-            <a:r>
-              <a:rPr lang="en-US" altLang="zh-CN" sz="1400" dirty="0"/>
-              <a:t>dotnet user-secrets remove "</a:t>
-            </a:r>
-            <a:r>
-              <a:rPr lang="en-US" altLang="zh-CN" sz="1400" dirty="0" err="1"/>
-              <a:t>dbpassword</a:t>
-            </a:r>
-            <a:r>
-              <a:rPr lang="en-US" altLang="zh-CN" sz="1400" dirty="0"/>
-              <a:t>"  --project ".</a:t>
-            </a:r>
-            <a:r>
-              <a:rPr lang="en-US" altLang="zh-CN" sz="1400" dirty="0" err="1"/>
-              <a:t>csproj</a:t>
-            </a:r>
-            <a:r>
-              <a:rPr lang="zh-CN" altLang="en-US" sz="1400" dirty="0"/>
-              <a:t>所在目录</a:t>
-            </a:r>
-            <a:r>
-              <a:rPr lang="en-US" altLang="zh-CN" sz="1400" dirty="0"/>
-              <a:t>"</a:t>
-            </a:r>
-          </a:p>
-          <a:p>
-            <a:pPr marL="0" indent="0">
-              <a:buNone/>
-            </a:pPr>
-            <a:r>
-              <a:rPr lang="en-US" altLang="zh-CN" sz="1400" dirty="0"/>
-              <a:t>   e</a:t>
-            </a:r>
-            <a:r>
-              <a:rPr lang="zh-CN" altLang="en-US" sz="1400" dirty="0"/>
-              <a:t>、删除所有机密文件 </a:t>
-            </a:r>
-            <a:r>
-              <a:rPr lang="en-US" altLang="zh-CN" sz="1400" dirty="0"/>
-              <a:t>dotnet user-secrets clear --project ".</a:t>
-            </a:r>
-            <a:r>
-              <a:rPr lang="en-US" altLang="zh-CN" sz="1400" dirty="0" err="1"/>
-              <a:t>csproj</a:t>
-            </a:r>
-            <a:r>
-              <a:rPr lang="zh-CN" altLang="en-US" sz="1400" dirty="0"/>
-              <a:t>所在目录</a:t>
-            </a:r>
-            <a:r>
-              <a:rPr lang="en-US" altLang="zh-CN" sz="1400" dirty="0"/>
-              <a:t>"</a:t>
-            </a:r>
-          </a:p>
-          <a:p>
-            <a:pPr marL="0" indent="0">
-              <a:buNone/>
-            </a:pPr>
-            <a:r>
-              <a:rPr lang="en-US" altLang="zh-CN" sz="1400" dirty="0"/>
-              <a:t>3</a:t>
-            </a:r>
-            <a:r>
-              <a:rPr lang="zh-CN" altLang="en-US" sz="1400" dirty="0"/>
-              <a:t>、</a:t>
-            </a:r>
-            <a:r>
-              <a:rPr lang="en-US" altLang="zh-CN" sz="1400" dirty="0" err="1"/>
-              <a:t>ConfigureServices</a:t>
-            </a:r>
-            <a:r>
-              <a:rPr lang="zh-CN" altLang="en-US" sz="1400" dirty="0"/>
-              <a:t>中读取</a:t>
-            </a:r>
-          </a:p>
-          <a:p>
-            <a:pPr marL="0" indent="0">
-              <a:buNone/>
-            </a:pPr>
-            <a:r>
-              <a:rPr lang="en-US" altLang="zh-CN" sz="1400" dirty="0"/>
-              <a:t>   var password = Configuration["</a:t>
-            </a:r>
-            <a:r>
-              <a:rPr lang="en-US" altLang="zh-CN" sz="1400" dirty="0" err="1"/>
-              <a:t>dbpassword</a:t>
-            </a:r>
-            <a:r>
-              <a:rPr lang="en-US" altLang="zh-CN" sz="1400" dirty="0"/>
-              <a:t>"];</a:t>
-            </a:r>
-            <a:endParaRPr lang="zh-CN" altLang="en-US" sz="1400" dirty="0"/>
+              <a:t>)</a:t>
+            </a:r>
           </a:p>
         </p:txBody>
       </p:sp>
     </p:spTree>
     <p:extLst>
       <p:ext uri="{BB962C8B-B14F-4D97-AF65-F5344CB8AC3E}">
-        <p14:creationId xmlns:p14="http://schemas.microsoft.com/office/powerpoint/2010/main" val="731180852"/>
+        <p14:creationId xmlns:p14="http://schemas.microsoft.com/office/powerpoint/2010/main" val="1183203262"/>
       </p:ext>
     </p:extLst>
   </p:cSld>
@@ -4991,7 +4706,14 @@
               <a:rPr lang="en-US" altLang="zh-CN" dirty="0" err="1"/>
               <a:t>Configration</a:t>
             </a:r>
-            <a:endParaRPr lang="zh-CN" altLang="en-US" dirty="0"/>
+            <a:r>
+              <a:rPr lang="en-US" altLang="zh-CN" dirty="0"/>
+              <a:t>-</a:t>
+            </a:r>
+            <a:r>
+              <a:rPr lang="zh-CN" altLang="en-US" dirty="0"/>
+              <a:t>机密文件</a:t>
+            </a:r>
           </a:p>
         </p:txBody>
       </p:sp>
@@ -5023,31 +4745,655 @@
           </a:bodyPr>
           <a:lstStyle/>
           <a:p>
-            <a:r>
-              <a:rPr lang="zh-CN" altLang="en-US" sz="1400" dirty="0"/>
-              <a:t>机密文件</a:t>
-            </a:r>
-            <a:endParaRPr lang="en-US" altLang="zh-CN" sz="1400" dirty="0"/>
-          </a:p>
-          <a:p>
-            <a:r>
-              <a:rPr lang="zh-CN" altLang="en-US" sz="1400" dirty="0"/>
-              <a:t>配置文件</a:t>
-            </a:r>
-            <a:endParaRPr lang="en-US" altLang="zh-CN" sz="1400" dirty="0"/>
-          </a:p>
-          <a:p>
-            <a:r>
-              <a:rPr lang="zh-CN" altLang="en-US" sz="1400" dirty="0"/>
-              <a:t>热更新</a:t>
-            </a:r>
+            <a:pPr marL="0" indent="0">
+              <a:buNone/>
+            </a:pPr>
+            <a:r>
+              <a:rPr lang="en-US" altLang="zh-CN" sz="1400" dirty="0"/>
+              <a:t>1</a:t>
+            </a:r>
+            <a:r>
+              <a:rPr lang="zh-CN" altLang="en-US" sz="1400" dirty="0"/>
+              <a:t>、</a:t>
+            </a:r>
+            <a:r>
+              <a:rPr lang="en-US" altLang="zh-CN" sz="1400" dirty="0"/>
+              <a:t>.</a:t>
+            </a:r>
+            <a:r>
+              <a:rPr lang="en-US" altLang="zh-CN" sz="1400" dirty="0" err="1"/>
+              <a:t>csproj</a:t>
+            </a:r>
+            <a:r>
+              <a:rPr lang="zh-CN" altLang="en-US" sz="1400" dirty="0"/>
+              <a:t>文件的</a:t>
+            </a:r>
+            <a:r>
+              <a:rPr lang="en-US" altLang="zh-CN" sz="1400" dirty="0"/>
+              <a:t>&lt;</a:t>
+            </a:r>
+            <a:r>
+              <a:rPr lang="en-US" altLang="zh-CN" sz="1400" dirty="0" err="1"/>
+              <a:t>PropertyGroup</a:t>
+            </a:r>
+            <a:r>
+              <a:rPr lang="en-US" altLang="zh-CN" sz="1400" dirty="0"/>
+              <a:t>&gt;&lt;/</a:t>
+            </a:r>
+            <a:r>
+              <a:rPr lang="en-US" altLang="zh-CN" sz="1400" dirty="0" err="1"/>
+              <a:t>PropertyGroup</a:t>
+            </a:r>
+            <a:r>
+              <a:rPr lang="en-US" altLang="zh-CN" sz="1400" dirty="0"/>
+              <a:t>&gt;</a:t>
+            </a:r>
+            <a:r>
+              <a:rPr lang="zh-CN" altLang="en-US" sz="1400" dirty="0"/>
+              <a:t>节点中添加</a:t>
+            </a:r>
+          </a:p>
+          <a:p>
+            <a:pPr marL="0" indent="0">
+              <a:buNone/>
+            </a:pPr>
+            <a:r>
+              <a:rPr lang="en-US" altLang="zh-CN" sz="1400" dirty="0"/>
+              <a:t>  &lt;</a:t>
+            </a:r>
+            <a:r>
+              <a:rPr lang="en-US" altLang="zh-CN" sz="1400" dirty="0" err="1"/>
+              <a:t>UserSecretsId</a:t>
+            </a:r>
+            <a:r>
+              <a:rPr lang="en-US" altLang="zh-CN" sz="1400" dirty="0"/>
+              <a:t>&gt;</a:t>
+            </a:r>
+            <a:r>
+              <a:rPr lang="en-US" altLang="zh-CN" sz="1400" dirty="0" err="1"/>
+              <a:t>d7a40274-87df-43ba-999b-d8719940b7a7</a:t>
+            </a:r>
+            <a:r>
+              <a:rPr lang="en-US" altLang="zh-CN" sz="1400" dirty="0"/>
+              <a:t>&lt;/</a:t>
+            </a:r>
+            <a:r>
+              <a:rPr lang="en-US" altLang="zh-CN" sz="1400" dirty="0" err="1"/>
+              <a:t>UserSecretsId</a:t>
+            </a:r>
+            <a:r>
+              <a:rPr lang="en-US" altLang="zh-CN" sz="1400" dirty="0"/>
+              <a:t>&gt;</a:t>
+            </a:r>
+          </a:p>
+          <a:p>
+            <a:pPr marL="0" indent="0">
+              <a:buNone/>
+            </a:pPr>
+            <a:r>
+              <a:rPr lang="en-US" altLang="zh-CN" sz="1400" dirty="0"/>
+              <a:t>2</a:t>
+            </a:r>
+            <a:r>
+              <a:rPr lang="zh-CN" altLang="en-US" sz="1400" dirty="0"/>
+              <a:t>、操作机密文件</a:t>
+            </a:r>
+          </a:p>
+          <a:p>
+            <a:pPr marL="0" indent="0">
+              <a:buNone/>
+            </a:pPr>
+            <a:r>
+              <a:rPr lang="en-US" altLang="zh-CN" sz="1400" dirty="0"/>
+              <a:t>   a</a:t>
+            </a:r>
+            <a:r>
+              <a:rPr lang="zh-CN" altLang="en-US" sz="1400" dirty="0"/>
+              <a:t>、设置机密文件  </a:t>
+            </a:r>
+            <a:r>
+              <a:rPr lang="en-US" altLang="zh-CN" sz="1400" dirty="0"/>
+              <a:t>dotnet user-secrets set "</a:t>
+            </a:r>
+            <a:r>
+              <a:rPr lang="en-US" altLang="zh-CN" sz="1400" dirty="0" err="1"/>
+              <a:t>dbpassword</a:t>
+            </a:r>
+            <a:r>
+              <a:rPr lang="en-US" altLang="zh-CN" sz="1400" dirty="0"/>
+              <a:t>" "123456" --project ".</a:t>
+            </a:r>
+            <a:r>
+              <a:rPr lang="en-US" altLang="zh-CN" sz="1400" dirty="0" err="1"/>
+              <a:t>csproj</a:t>
+            </a:r>
+            <a:r>
+              <a:rPr lang="zh-CN" altLang="en-US" sz="1400" dirty="0"/>
+              <a:t>所在目录</a:t>
+            </a:r>
+            <a:r>
+              <a:rPr lang="en-US" altLang="zh-CN" sz="1400" dirty="0"/>
+              <a:t>"</a:t>
+            </a:r>
+          </a:p>
+          <a:p>
+            <a:pPr marL="0" indent="0">
+              <a:buNone/>
+            </a:pPr>
+            <a:r>
+              <a:rPr lang="en-US" altLang="zh-CN" sz="1400" dirty="0"/>
+              <a:t>   b</a:t>
+            </a:r>
+            <a:r>
+              <a:rPr lang="zh-CN" altLang="en-US" sz="1400" dirty="0"/>
+              <a:t>、设置多个机密文件  </a:t>
+            </a:r>
+            <a:r>
+              <a:rPr lang="en-US" altLang="zh-CN" sz="1400" dirty="0"/>
+              <a:t>type .\</a:t>
+            </a:r>
+            <a:r>
+              <a:rPr lang="en-US" altLang="zh-CN" sz="1400" dirty="0" err="1"/>
+              <a:t>input.json</a:t>
+            </a:r>
+            <a:r>
+              <a:rPr lang="en-US" altLang="zh-CN" sz="1400" dirty="0"/>
+              <a:t> | dotnet user-secrets set --project ".</a:t>
+            </a:r>
+            <a:r>
+              <a:rPr lang="en-US" altLang="zh-CN" sz="1400" dirty="0" err="1"/>
+              <a:t>csproj</a:t>
+            </a:r>
+            <a:r>
+              <a:rPr lang="zh-CN" altLang="en-US" sz="1400" dirty="0"/>
+              <a:t>所在目录</a:t>
+            </a:r>
+            <a:r>
+              <a:rPr lang="en-US" altLang="zh-CN" sz="1400" dirty="0"/>
+              <a:t>"</a:t>
+            </a:r>
+          </a:p>
+          <a:p>
+            <a:pPr marL="0" indent="0">
+              <a:buNone/>
+            </a:pPr>
+            <a:r>
+              <a:rPr lang="en-US" altLang="zh-CN" sz="1400" dirty="0"/>
+              <a:t>   c</a:t>
+            </a:r>
+            <a:r>
+              <a:rPr lang="zh-CN" altLang="en-US" sz="1400" dirty="0"/>
+              <a:t>、查看机密文件  </a:t>
+            </a:r>
+            <a:r>
+              <a:rPr lang="en-US" altLang="zh-CN" sz="1400" dirty="0"/>
+              <a:t>dotnet user-secrets list --project ".</a:t>
+            </a:r>
+            <a:r>
+              <a:rPr lang="en-US" altLang="zh-CN" sz="1400" dirty="0" err="1"/>
+              <a:t>csproj</a:t>
+            </a:r>
+            <a:r>
+              <a:rPr lang="zh-CN" altLang="en-US" sz="1400" dirty="0"/>
+              <a:t>所在目录</a:t>
+            </a:r>
+            <a:r>
+              <a:rPr lang="en-US" altLang="zh-CN" sz="1400" dirty="0"/>
+              <a:t>"</a:t>
+            </a:r>
+          </a:p>
+          <a:p>
+            <a:pPr marL="0" indent="0">
+              <a:buNone/>
+            </a:pPr>
+            <a:r>
+              <a:rPr lang="en-US" altLang="zh-CN" sz="1400" dirty="0"/>
+              <a:t>   d</a:t>
+            </a:r>
+            <a:r>
+              <a:rPr lang="zh-CN" altLang="en-US" sz="1400" dirty="0"/>
+              <a:t>、删除机密文件  </a:t>
+            </a:r>
+            <a:r>
+              <a:rPr lang="en-US" altLang="zh-CN" sz="1400" dirty="0"/>
+              <a:t>dotnet user-secrets remove "</a:t>
+            </a:r>
+            <a:r>
+              <a:rPr lang="en-US" altLang="zh-CN" sz="1400" dirty="0" err="1"/>
+              <a:t>dbpassword</a:t>
+            </a:r>
+            <a:r>
+              <a:rPr lang="en-US" altLang="zh-CN" sz="1400" dirty="0"/>
+              <a:t>"  --project ".</a:t>
+            </a:r>
+            <a:r>
+              <a:rPr lang="en-US" altLang="zh-CN" sz="1400" dirty="0" err="1"/>
+              <a:t>csproj</a:t>
+            </a:r>
+            <a:r>
+              <a:rPr lang="zh-CN" altLang="en-US" sz="1400" dirty="0"/>
+              <a:t>所在目录</a:t>
+            </a:r>
+            <a:r>
+              <a:rPr lang="en-US" altLang="zh-CN" sz="1400" dirty="0"/>
+              <a:t>"</a:t>
+            </a:r>
+          </a:p>
+          <a:p>
+            <a:pPr marL="0" indent="0">
+              <a:buNone/>
+            </a:pPr>
+            <a:r>
+              <a:rPr lang="en-US" altLang="zh-CN" sz="1400" dirty="0"/>
+              <a:t>   e</a:t>
+            </a:r>
+            <a:r>
+              <a:rPr lang="zh-CN" altLang="en-US" sz="1400" dirty="0"/>
+              <a:t>、删除所有机密文件 </a:t>
+            </a:r>
+            <a:r>
+              <a:rPr lang="en-US" altLang="zh-CN" sz="1400" dirty="0"/>
+              <a:t>dotnet user-secrets clear --project ".</a:t>
+            </a:r>
+            <a:r>
+              <a:rPr lang="en-US" altLang="zh-CN" sz="1400" dirty="0" err="1"/>
+              <a:t>csproj</a:t>
+            </a:r>
+            <a:r>
+              <a:rPr lang="zh-CN" altLang="en-US" sz="1400" dirty="0"/>
+              <a:t>所在目录</a:t>
+            </a:r>
+            <a:r>
+              <a:rPr lang="en-US" altLang="zh-CN" sz="1400" dirty="0"/>
+              <a:t>"</a:t>
+            </a:r>
+          </a:p>
+          <a:p>
+            <a:pPr marL="0" indent="0">
+              <a:buNone/>
+            </a:pPr>
+            <a:r>
+              <a:rPr lang="en-US" altLang="zh-CN" sz="1400" dirty="0"/>
+              <a:t>3</a:t>
+            </a:r>
+            <a:r>
+              <a:rPr lang="zh-CN" altLang="en-US" sz="1400" dirty="0"/>
+              <a:t>、</a:t>
+            </a:r>
+            <a:r>
+              <a:rPr lang="en-US" altLang="zh-CN" sz="1400" dirty="0" err="1"/>
+              <a:t>ConfigureServices</a:t>
+            </a:r>
+            <a:r>
+              <a:rPr lang="zh-CN" altLang="en-US" sz="1400" dirty="0"/>
+              <a:t>中读取</a:t>
+            </a:r>
+          </a:p>
+          <a:p>
+            <a:pPr marL="0" indent="0">
+              <a:buNone/>
+            </a:pPr>
+            <a:r>
+              <a:rPr lang="en-US" altLang="zh-CN" sz="1400" dirty="0"/>
+              <a:t>   var password = Configuration["</a:t>
+            </a:r>
+            <a:r>
+              <a:rPr lang="en-US" altLang="zh-CN" sz="1400" dirty="0" err="1"/>
+              <a:t>dbpassword</a:t>
+            </a:r>
+            <a:r>
+              <a:rPr lang="en-US" altLang="zh-CN" sz="1400" dirty="0"/>
+              <a:t>"];</a:t>
+            </a:r>
+            <a:endParaRPr lang="zh-CN" altLang="en-US" sz="1400" dirty="0"/>
           </a:p>
         </p:txBody>
       </p:sp>
     </p:spTree>
     <p:extLst>
       <p:ext uri="{BB962C8B-B14F-4D97-AF65-F5344CB8AC3E}">
-        <p14:creationId xmlns:p14="http://schemas.microsoft.com/office/powerpoint/2010/main" val="1183203262"/>
+        <p14:creationId xmlns:p14="http://schemas.microsoft.com/office/powerpoint/2010/main" val="731180852"/>
+      </p:ext>
+    </p:extLst>
+  </p:cSld>
+  <p:clrMapOvr>
+    <a:masterClrMapping/>
+  </p:clrMapOvr>
+</p:sld>
+</file>
+
+<file path=ppt/slides/slide6.xml><?xml version="1.0" encoding="utf-8"?>
+<p:sld xmlns:a="http://schemas.openxmlformats.org/drawingml/2006/main" xmlns:r="http://schemas.openxmlformats.org/officeDocument/2006/relationships" xmlns:p="http://schemas.openxmlformats.org/presentationml/2006/main">
+  <p:cSld>
+    <p:spTree>
+      <p:nvGrpSpPr>
+        <p:cNvPr id="1" name=""/>
+        <p:cNvGrpSpPr/>
+        <p:nvPr/>
+      </p:nvGrpSpPr>
+      <p:grpSpPr>
+        <a:xfrm>
+          <a:off x="0" y="0"/>
+          <a:ext cx="0" cy="0"/>
+          <a:chOff x="0" y="0"/>
+          <a:chExt cx="0" cy="0"/>
+        </a:xfrm>
+      </p:grpSpPr>
+      <p:sp>
+        <p:nvSpPr>
+          <p:cNvPr id="2" name="标题 1">
+            <a:extLst>
+              <a:ext uri="{FF2B5EF4-FFF2-40B4-BE49-F238E27FC236}">
+                <a16:creationId xmlns:a16="http://schemas.microsoft.com/office/drawing/2014/main" id="{D93F5457-E33E-4DFB-A0C6-F3B921696286}"/>
+              </a:ext>
+            </a:extLst>
+          </p:cNvPr>
+          <p:cNvSpPr>
+            <a:spLocks noGrp="1"/>
+          </p:cNvSpPr>
+          <p:nvPr>
+            <p:ph type="title"/>
+          </p:nvPr>
+        </p:nvSpPr>
+        <p:spPr/>
+        <p:txBody>
+          <a:bodyPr/>
+          <a:lstStyle/>
+          <a:p>
+            <a:r>
+              <a:rPr lang="en-US" altLang="zh-CN" dirty="0" err="1"/>
+              <a:t>Configration</a:t>
+            </a:r>
+            <a:r>
+              <a:rPr lang="en-US" altLang="zh-CN" dirty="0"/>
+              <a:t>-</a:t>
+            </a:r>
+            <a:r>
+              <a:rPr lang="zh-CN" altLang="en-US" dirty="0"/>
+              <a:t>自定义</a:t>
+            </a:r>
+          </a:p>
+        </p:txBody>
+      </p:sp>
+      <p:sp>
+        <p:nvSpPr>
+          <p:cNvPr id="15" name="内容占位符 2">
+            <a:extLst>
+              <a:ext uri="{FF2B5EF4-FFF2-40B4-BE49-F238E27FC236}">
+                <a16:creationId xmlns:a16="http://schemas.microsoft.com/office/drawing/2014/main" id="{00DFF36C-FF32-4635-B471-3925665516F8}"/>
+              </a:ext>
+            </a:extLst>
+          </p:cNvPr>
+          <p:cNvSpPr>
+            <a:spLocks noGrp="1"/>
+          </p:cNvSpPr>
+          <p:nvPr>
+            <p:ph idx="1"/>
+          </p:nvPr>
+        </p:nvSpPr>
+        <p:spPr>
+          <a:xfrm>
+            <a:off x="838200" y="1690687"/>
+            <a:ext cx="10515600" cy="4887665"/>
+          </a:xfrm>
+        </p:spPr>
+        <p:txBody>
+          <a:bodyPr>
+            <a:normAutofit/>
+          </a:bodyPr>
+          <a:lstStyle/>
+          <a:p>
+            <a:pPr marL="0" indent="0">
+              <a:buNone/>
+            </a:pPr>
+            <a:r>
+              <a:rPr lang="en-US" altLang="zh-CN" sz="1400" dirty="0" err="1"/>
+              <a:t>Asp.net</a:t>
+            </a:r>
+            <a:r>
+              <a:rPr lang="zh-CN" altLang="en-US" sz="1400" dirty="0"/>
+              <a:t> </a:t>
+            </a:r>
+            <a:r>
+              <a:rPr lang="en-US" altLang="zh-CN" sz="1400" dirty="0"/>
+              <a:t>core</a:t>
+            </a:r>
+            <a:r>
+              <a:rPr lang="zh-CN" altLang="en-US" sz="1400" dirty="0"/>
+              <a:t>中的配置文件是基于生成器模式（</a:t>
+            </a:r>
+            <a:r>
+              <a:rPr lang="zh-CN" altLang="en-US" sz="1400" i="1" u="sng" dirty="0"/>
+              <a:t>将复杂对象的建造过程抽象出来（抽象类别），使这个抽象过程的不同实现方法可以构造出不同表现（属性）的对象</a:t>
+            </a:r>
+            <a:r>
+              <a:rPr lang="zh-CN" altLang="en-US" sz="1400" dirty="0"/>
+              <a:t>）</a:t>
+            </a:r>
+            <a:r>
+              <a:rPr lang="en-US" altLang="zh-CN" sz="1400" dirty="0"/>
+              <a:t>,</a:t>
+            </a:r>
+            <a:r>
+              <a:rPr lang="en-US" altLang="zh-CN" sz="1400" dirty="0" err="1"/>
+              <a:t>asp.net</a:t>
+            </a:r>
+            <a:r>
+              <a:rPr lang="en-US" altLang="zh-CN" sz="1400" dirty="0"/>
+              <a:t> core</a:t>
+            </a:r>
+            <a:r>
+              <a:rPr lang="zh-CN" altLang="en-US" sz="1400" dirty="0"/>
+              <a:t>中有两个生成器，一个是主机</a:t>
+            </a:r>
+            <a:r>
+              <a:rPr lang="en-US" altLang="zh-CN" sz="1400" dirty="0"/>
+              <a:t>(host)</a:t>
+            </a:r>
+            <a:r>
+              <a:rPr lang="zh-CN" altLang="en-US" sz="1400" dirty="0"/>
+              <a:t>的，一个应用程序</a:t>
+            </a:r>
+            <a:r>
+              <a:rPr lang="en-US" altLang="zh-CN" sz="1400" dirty="0"/>
+              <a:t>(application)</a:t>
+            </a:r>
+            <a:r>
+              <a:rPr lang="zh-CN" altLang="en-US" sz="1400" dirty="0"/>
+              <a:t>的</a:t>
+            </a:r>
+            <a:endParaRPr lang="en-US" altLang="zh-CN" sz="1400" dirty="0"/>
+          </a:p>
+          <a:p>
+            <a:pPr marL="0" indent="0">
+              <a:buNone/>
+            </a:pPr>
+            <a:endParaRPr lang="en-US" altLang="zh-CN" sz="1400" dirty="0"/>
+          </a:p>
+          <a:p>
+            <a:r>
+              <a:rPr lang="en-US" altLang="zh-CN" sz="1400" dirty="0" err="1"/>
+              <a:t>ConfigurationSource</a:t>
+            </a:r>
+            <a:endParaRPr lang="en-US" altLang="zh-CN" sz="1400" dirty="0"/>
+          </a:p>
+          <a:p>
+            <a:pPr marL="0" indent="0">
+              <a:buNone/>
+            </a:pPr>
+            <a:r>
+              <a:rPr lang="en-US" altLang="zh-CN" sz="1400" dirty="0"/>
+              <a:t>     </a:t>
+            </a:r>
+            <a:r>
+              <a:rPr lang="zh-CN" altLang="en-US" sz="1400" dirty="0"/>
+              <a:t>在建造过程中需要各种参数信息，</a:t>
+            </a:r>
+            <a:r>
+              <a:rPr lang="en-US" altLang="zh-CN" sz="1400" dirty="0" err="1"/>
+              <a:t>ConfigurationSource</a:t>
+            </a:r>
+            <a:r>
+              <a:rPr lang="zh-CN" altLang="en-US" sz="1400" dirty="0"/>
+              <a:t>是为获取这些参数而提供来源，比如文件源，内存源等</a:t>
+            </a:r>
+            <a:endParaRPr lang="en-US" altLang="zh-CN" sz="1400" dirty="0"/>
+          </a:p>
+          <a:p>
+            <a:endParaRPr lang="en-US" altLang="zh-CN" sz="1400" dirty="0"/>
+          </a:p>
+          <a:p>
+            <a:r>
+              <a:rPr lang="en-US" altLang="zh-CN" sz="1400" dirty="0" err="1"/>
+              <a:t>ConfigurationProvider</a:t>
+            </a:r>
+            <a:endParaRPr lang="en-US" altLang="zh-CN" sz="1400" dirty="0"/>
+          </a:p>
+          <a:p>
+            <a:pPr marL="0" indent="0">
+              <a:buNone/>
+            </a:pPr>
+            <a:r>
+              <a:rPr lang="en-US" altLang="zh-CN" sz="1400" dirty="0"/>
+              <a:t>     </a:t>
+            </a:r>
+            <a:r>
+              <a:rPr lang="zh-CN" altLang="en-US" sz="1400" dirty="0"/>
+              <a:t>建造所需参数的提供者，依据</a:t>
+            </a:r>
+            <a:r>
+              <a:rPr lang="en-US" altLang="zh-CN" sz="1400" dirty="0" err="1"/>
+              <a:t>ConfigurationSource</a:t>
+            </a:r>
+            <a:r>
+              <a:rPr lang="zh-CN" altLang="en-US" sz="1400" dirty="0"/>
+              <a:t>来完成提供</a:t>
+            </a:r>
+            <a:endParaRPr lang="en-US" altLang="zh-CN" sz="1400" dirty="0"/>
+          </a:p>
+          <a:p>
+            <a:endParaRPr lang="en-US" altLang="zh-CN" sz="1400" dirty="0"/>
+          </a:p>
+          <a:p>
+            <a:r>
+              <a:rPr lang="zh-CN" altLang="en-US" sz="1400" dirty="0"/>
+              <a:t>需要把</a:t>
+            </a:r>
+            <a:r>
+              <a:rPr lang="en-US" altLang="zh-CN" sz="1400" dirty="0" err="1"/>
+              <a:t>ConfigurationSource</a:t>
+            </a:r>
+            <a:r>
+              <a:rPr lang="zh-CN" altLang="en-US" sz="1400" dirty="0"/>
+              <a:t>或</a:t>
+            </a:r>
+            <a:r>
+              <a:rPr lang="en-US" altLang="zh-CN" sz="1400" dirty="0"/>
+              <a:t>Action&lt;</a:t>
+            </a:r>
+            <a:r>
+              <a:rPr lang="en-US" altLang="zh-CN" sz="1400" dirty="0" err="1"/>
+              <a:t>ConfigurationSource</a:t>
+            </a:r>
+            <a:r>
+              <a:rPr lang="en-US" altLang="zh-CN" sz="1400" dirty="0"/>
+              <a:t>&gt;</a:t>
+            </a:r>
+            <a:r>
+              <a:rPr lang="zh-CN" altLang="en-US" sz="1400" dirty="0"/>
+              <a:t>添加到</a:t>
+            </a:r>
+            <a:r>
+              <a:rPr lang="zh-CN" altLang="en-US" sz="1400" b="1" dirty="0"/>
+              <a:t>应用配置</a:t>
+            </a:r>
+            <a:r>
+              <a:rPr lang="zh-CN" altLang="en-US" sz="1400" dirty="0"/>
+              <a:t>构建对象中，在</a:t>
+            </a:r>
+            <a:r>
+              <a:rPr lang="zh-CN" altLang="en-US" sz="1400" b="1" dirty="0"/>
+              <a:t>主机构建时</a:t>
+            </a:r>
+            <a:r>
+              <a:rPr lang="zh-CN" altLang="en-US" sz="1400" dirty="0"/>
+              <a:t>会调用</a:t>
+            </a:r>
+            <a:r>
+              <a:rPr lang="en-US" altLang="zh-CN" sz="1400" dirty="0"/>
+              <a:t>Configuration</a:t>
+            </a:r>
+            <a:r>
+              <a:rPr lang="zh-CN" altLang="en-US" sz="1400" dirty="0"/>
+              <a:t>的</a:t>
+            </a:r>
+            <a:r>
+              <a:rPr lang="en-US" altLang="zh-CN" sz="1400" dirty="0"/>
+              <a:t>Build</a:t>
+            </a:r>
+            <a:r>
+              <a:rPr lang="zh-CN" altLang="en-US" sz="1400" dirty="0"/>
+              <a:t>，然后调用</a:t>
+            </a:r>
+            <a:r>
+              <a:rPr lang="en-US" altLang="zh-CN" sz="1400" dirty="0" err="1"/>
+              <a:t>ConfigurationSource</a:t>
+            </a:r>
+            <a:r>
+              <a:rPr lang="zh-CN" altLang="en-US" sz="1400" dirty="0"/>
+              <a:t>的</a:t>
+            </a:r>
+            <a:r>
+              <a:rPr lang="en-US" altLang="zh-CN" sz="1400" dirty="0"/>
+              <a:t>Build</a:t>
+            </a:r>
+            <a:r>
+              <a:rPr lang="zh-CN" altLang="en-US" sz="1400" dirty="0"/>
+              <a:t>，然后调用</a:t>
+            </a:r>
+            <a:r>
+              <a:rPr lang="en-US" altLang="zh-CN" sz="1400" dirty="0" err="1"/>
+              <a:t>ConfigurationProvider</a:t>
+            </a:r>
+            <a:r>
+              <a:rPr lang="zh-CN" altLang="en-US" sz="1400" dirty="0"/>
+              <a:t>的</a:t>
+            </a:r>
+            <a:r>
+              <a:rPr lang="en-US" altLang="zh-CN" sz="1400" dirty="0"/>
+              <a:t>Load</a:t>
+            </a:r>
+            <a:r>
+              <a:rPr lang="zh-CN" altLang="en-US" sz="1400" dirty="0"/>
+              <a:t>，来填充</a:t>
+            </a:r>
+            <a:r>
+              <a:rPr lang="en-US" altLang="zh-CN" sz="1400" dirty="0" err="1"/>
+              <a:t>ConfigurationProvider</a:t>
+            </a:r>
+            <a:r>
+              <a:rPr lang="zh-CN" altLang="en-US" sz="1400" dirty="0"/>
+              <a:t>中的</a:t>
+            </a:r>
+            <a:r>
+              <a:rPr lang="en-US" altLang="zh-CN" sz="1400" dirty="0"/>
+              <a:t>Data</a:t>
+            </a:r>
+            <a:r>
+              <a:rPr lang="zh-CN" altLang="en-US" sz="1400" dirty="0"/>
+              <a:t>字典。</a:t>
+            </a:r>
+            <a:endParaRPr lang="en-US" altLang="zh-CN" sz="1400" dirty="0"/>
+          </a:p>
+          <a:p>
+            <a:endParaRPr lang="zh-CN" altLang="en-US" sz="1400" dirty="0"/>
+          </a:p>
+        </p:txBody>
+      </p:sp>
+    </p:spTree>
+    <p:extLst>
+      <p:ext uri="{BB962C8B-B14F-4D97-AF65-F5344CB8AC3E}">
+        <p14:creationId xmlns:p14="http://schemas.microsoft.com/office/powerpoint/2010/main" val="4209516520"/>
       </p:ext>
     </p:extLst>
   </p:cSld>

--- a/aspnetcore3.0course/docs/aspnetcore3.0course.pptx
+++ b/aspnetcore3.0course/docs/aspnetcore3.0course.pptx
@@ -7,10 +7,12 @@
   <p:sldIdLst>
     <p:sldId id="256" r:id="rId2"/>
     <p:sldId id="257" r:id="rId3"/>
-    <p:sldId id="258" r:id="rId4"/>
-    <p:sldId id="260" r:id="rId5"/>
-    <p:sldId id="259" r:id="rId6"/>
-    <p:sldId id="261" r:id="rId7"/>
+    <p:sldId id="262" r:id="rId4"/>
+    <p:sldId id="258" r:id="rId5"/>
+    <p:sldId id="260" r:id="rId6"/>
+    <p:sldId id="259" r:id="rId7"/>
+    <p:sldId id="261" r:id="rId8"/>
+    <p:sldId id="263" r:id="rId9"/>
   </p:sldIdLst>
   <p:sldSz cx="12192000" cy="6858000"/>
   <p:notesSz cx="6858000" cy="9144000"/>
@@ -264,7 +266,7 @@
           <a:p>
             <a:fld id="{0CB35010-EDBB-44E1-81B6-E54FF20221CB}" type="datetimeFigureOut">
               <a:rPr lang="zh-CN" altLang="en-US" smtClean="0"/>
-              <a:t>2019/4/2</a:t>
+              <a:t>2019/4/5</a:t>
             </a:fld>
             <a:endParaRPr lang="zh-CN" altLang="en-US"/>
           </a:p>
@@ -462,7 +464,7 @@
           <a:p>
             <a:fld id="{0CB35010-EDBB-44E1-81B6-E54FF20221CB}" type="datetimeFigureOut">
               <a:rPr lang="zh-CN" altLang="en-US" smtClean="0"/>
-              <a:t>2019/4/2</a:t>
+              <a:t>2019/4/5</a:t>
             </a:fld>
             <a:endParaRPr lang="zh-CN" altLang="en-US"/>
           </a:p>
@@ -670,7 +672,7 @@
           <a:p>
             <a:fld id="{0CB35010-EDBB-44E1-81B6-E54FF20221CB}" type="datetimeFigureOut">
               <a:rPr lang="zh-CN" altLang="en-US" smtClean="0"/>
-              <a:t>2019/4/2</a:t>
+              <a:t>2019/4/5</a:t>
             </a:fld>
             <a:endParaRPr lang="zh-CN" altLang="en-US"/>
           </a:p>
@@ -868,7 +870,7 @@
           <a:p>
             <a:fld id="{0CB35010-EDBB-44E1-81B6-E54FF20221CB}" type="datetimeFigureOut">
               <a:rPr lang="zh-CN" altLang="en-US" smtClean="0"/>
-              <a:t>2019/4/2</a:t>
+              <a:t>2019/4/5</a:t>
             </a:fld>
             <a:endParaRPr lang="zh-CN" altLang="en-US"/>
           </a:p>
@@ -1143,7 +1145,7 @@
           <a:p>
             <a:fld id="{0CB35010-EDBB-44E1-81B6-E54FF20221CB}" type="datetimeFigureOut">
               <a:rPr lang="zh-CN" altLang="en-US" smtClean="0"/>
-              <a:t>2019/4/2</a:t>
+              <a:t>2019/4/5</a:t>
             </a:fld>
             <a:endParaRPr lang="zh-CN" altLang="en-US"/>
           </a:p>
@@ -1408,7 +1410,7 @@
           <a:p>
             <a:fld id="{0CB35010-EDBB-44E1-81B6-E54FF20221CB}" type="datetimeFigureOut">
               <a:rPr lang="zh-CN" altLang="en-US" smtClean="0"/>
-              <a:t>2019/4/2</a:t>
+              <a:t>2019/4/5</a:t>
             </a:fld>
             <a:endParaRPr lang="zh-CN" altLang="en-US"/>
           </a:p>
@@ -1820,7 +1822,7 @@
           <a:p>
             <a:fld id="{0CB35010-EDBB-44E1-81B6-E54FF20221CB}" type="datetimeFigureOut">
               <a:rPr lang="zh-CN" altLang="en-US" smtClean="0"/>
-              <a:t>2019/4/2</a:t>
+              <a:t>2019/4/5</a:t>
             </a:fld>
             <a:endParaRPr lang="zh-CN" altLang="en-US"/>
           </a:p>
@@ -1961,7 +1963,7 @@
           <a:p>
             <a:fld id="{0CB35010-EDBB-44E1-81B6-E54FF20221CB}" type="datetimeFigureOut">
               <a:rPr lang="zh-CN" altLang="en-US" smtClean="0"/>
-              <a:t>2019/4/2</a:t>
+              <a:t>2019/4/5</a:t>
             </a:fld>
             <a:endParaRPr lang="zh-CN" altLang="en-US"/>
           </a:p>
@@ -2074,7 +2076,7 @@
           <a:p>
             <a:fld id="{0CB35010-EDBB-44E1-81B6-E54FF20221CB}" type="datetimeFigureOut">
               <a:rPr lang="zh-CN" altLang="en-US" smtClean="0"/>
-              <a:t>2019/4/2</a:t>
+              <a:t>2019/4/5</a:t>
             </a:fld>
             <a:endParaRPr lang="zh-CN" altLang="en-US"/>
           </a:p>
@@ -2385,7 +2387,7 @@
           <a:p>
             <a:fld id="{0CB35010-EDBB-44E1-81B6-E54FF20221CB}" type="datetimeFigureOut">
               <a:rPr lang="zh-CN" altLang="en-US" smtClean="0"/>
-              <a:t>2019/4/2</a:t>
+              <a:t>2019/4/5</a:t>
             </a:fld>
             <a:endParaRPr lang="zh-CN" altLang="en-US"/>
           </a:p>
@@ -2673,7 +2675,7 @@
           <a:p>
             <a:fld id="{0CB35010-EDBB-44E1-81B6-E54FF20221CB}" type="datetimeFigureOut">
               <a:rPr lang="zh-CN" altLang="en-US" smtClean="0"/>
-              <a:t>2019/4/2</a:t>
+              <a:t>2019/4/5</a:t>
             </a:fld>
             <a:endParaRPr lang="zh-CN" altLang="en-US"/>
           </a:p>
@@ -2914,7 +2916,7 @@
           <a:p>
             <a:fld id="{0CB35010-EDBB-44E1-81B6-E54FF20221CB}" type="datetimeFigureOut">
               <a:rPr lang="zh-CN" altLang="en-US" smtClean="0"/>
-              <a:t>2019/4/2</a:t>
+              <a:t>2019/4/5</a:t>
             </a:fld>
             <a:endParaRPr lang="zh-CN" altLang="en-US"/>
           </a:p>
@@ -3695,6 +3697,103 @@
       </p:grpSpPr>
       <p:sp>
         <p:nvSpPr>
+          <p:cNvPr id="2" name="标题 1">
+            <a:extLst>
+              <a:ext uri="{FF2B5EF4-FFF2-40B4-BE49-F238E27FC236}">
+                <a16:creationId xmlns:a16="http://schemas.microsoft.com/office/drawing/2014/main" id="{D93F5457-E33E-4DFB-A0C6-F3B921696286}"/>
+              </a:ext>
+            </a:extLst>
+          </p:cNvPr>
+          <p:cNvSpPr>
+            <a:spLocks noGrp="1"/>
+          </p:cNvSpPr>
+          <p:nvPr>
+            <p:ph type="title"/>
+          </p:nvPr>
+        </p:nvSpPr>
+        <p:spPr/>
+        <p:txBody>
+          <a:bodyPr/>
+          <a:lstStyle/>
+          <a:p>
+            <a:r>
+              <a:rPr lang="en-US" altLang="zh-CN" dirty="0"/>
+              <a:t>Middleware</a:t>
+            </a:r>
+            <a:endParaRPr lang="zh-CN" altLang="en-US" dirty="0"/>
+          </a:p>
+        </p:txBody>
+      </p:sp>
+      <p:sp>
+        <p:nvSpPr>
+          <p:cNvPr id="15" name="内容占位符 2">
+            <a:extLst>
+              <a:ext uri="{FF2B5EF4-FFF2-40B4-BE49-F238E27FC236}">
+                <a16:creationId xmlns:a16="http://schemas.microsoft.com/office/drawing/2014/main" id="{00DFF36C-FF32-4635-B471-3925665516F8}"/>
+              </a:ext>
+            </a:extLst>
+          </p:cNvPr>
+          <p:cNvSpPr>
+            <a:spLocks noGrp="1"/>
+          </p:cNvSpPr>
+          <p:nvPr>
+            <p:ph idx="1"/>
+          </p:nvPr>
+        </p:nvSpPr>
+        <p:spPr>
+          <a:xfrm>
+            <a:off x="838200" y="1690687"/>
+            <a:ext cx="10515600" cy="4887665"/>
+          </a:xfrm>
+        </p:spPr>
+        <p:txBody>
+          <a:bodyPr>
+            <a:normAutofit/>
+          </a:bodyPr>
+          <a:lstStyle/>
+          <a:p>
+            <a:r>
+              <a:rPr lang="en-US" altLang="zh-CN" sz="1400" dirty="0"/>
+              <a:t>Demo</a:t>
+            </a:r>
+          </a:p>
+          <a:p>
+            <a:endParaRPr lang="en-US" altLang="zh-CN" sz="1400" dirty="0"/>
+          </a:p>
+        </p:txBody>
+      </p:sp>
+    </p:spTree>
+    <p:extLst>
+      <p:ext uri="{BB962C8B-B14F-4D97-AF65-F5344CB8AC3E}">
+        <p14:creationId xmlns:p14="http://schemas.microsoft.com/office/powerpoint/2010/main" val="1431514831"/>
+      </p:ext>
+    </p:extLst>
+  </p:cSld>
+  <p:clrMapOvr>
+    <a:masterClrMapping/>
+  </p:clrMapOvr>
+</p:sld>
+</file>
+
+<file path=ppt/slides/slide4.xml><?xml version="1.0" encoding="utf-8"?>
+<p:sld xmlns:a="http://schemas.openxmlformats.org/drawingml/2006/main" xmlns:r="http://schemas.openxmlformats.org/officeDocument/2006/relationships" xmlns:p="http://schemas.openxmlformats.org/presentationml/2006/main">
+  <p:cSld>
+    <p:spTree>
+      <p:nvGrpSpPr>
+        <p:cNvPr id="1" name=""/>
+        <p:cNvGrpSpPr/>
+        <p:nvPr/>
+      </p:nvGrpSpPr>
+      <p:grpSpPr>
+        <a:xfrm>
+          <a:off x="0" y="0"/>
+          <a:ext cx="0" cy="0"/>
+          <a:chOff x="0" y="0"/>
+          <a:chExt cx="0" cy="0"/>
+        </a:xfrm>
+      </p:grpSpPr>
+      <p:sp>
+        <p:nvSpPr>
           <p:cNvPr id="13" name="箭头: 右 12">
             <a:extLst>
               <a:ext uri="{FF2B5EF4-FFF2-40B4-BE49-F238E27FC236}">
@@ -4551,119 +4650,6 @@
 </p:sld>
 </file>
 
-<file path=ppt/slides/slide4.xml><?xml version="1.0" encoding="utf-8"?>
-<p:sld xmlns:a="http://schemas.openxmlformats.org/drawingml/2006/main" xmlns:r="http://schemas.openxmlformats.org/officeDocument/2006/relationships" xmlns:p="http://schemas.openxmlformats.org/presentationml/2006/main">
-  <p:cSld>
-    <p:spTree>
-      <p:nvGrpSpPr>
-        <p:cNvPr id="1" name=""/>
-        <p:cNvGrpSpPr/>
-        <p:nvPr/>
-      </p:nvGrpSpPr>
-      <p:grpSpPr>
-        <a:xfrm>
-          <a:off x="0" y="0"/>
-          <a:ext cx="0" cy="0"/>
-          <a:chOff x="0" y="0"/>
-          <a:chExt cx="0" cy="0"/>
-        </a:xfrm>
-      </p:grpSpPr>
-      <p:sp>
-        <p:nvSpPr>
-          <p:cNvPr id="2" name="标题 1">
-            <a:extLst>
-              <a:ext uri="{FF2B5EF4-FFF2-40B4-BE49-F238E27FC236}">
-                <a16:creationId xmlns:a16="http://schemas.microsoft.com/office/drawing/2014/main" id="{D93F5457-E33E-4DFB-A0C6-F3B921696286}"/>
-              </a:ext>
-            </a:extLst>
-          </p:cNvPr>
-          <p:cNvSpPr>
-            <a:spLocks noGrp="1"/>
-          </p:cNvSpPr>
-          <p:nvPr>
-            <p:ph type="title"/>
-          </p:nvPr>
-        </p:nvSpPr>
-        <p:spPr/>
-        <p:txBody>
-          <a:bodyPr/>
-          <a:lstStyle/>
-          <a:p>
-            <a:r>
-              <a:rPr lang="en-US" altLang="zh-CN" dirty="0" err="1"/>
-              <a:t>Configration</a:t>
-            </a:r>
-            <a:endParaRPr lang="zh-CN" altLang="en-US" dirty="0"/>
-          </a:p>
-        </p:txBody>
-      </p:sp>
-      <p:sp>
-        <p:nvSpPr>
-          <p:cNvPr id="15" name="内容占位符 2">
-            <a:extLst>
-              <a:ext uri="{FF2B5EF4-FFF2-40B4-BE49-F238E27FC236}">
-                <a16:creationId xmlns:a16="http://schemas.microsoft.com/office/drawing/2014/main" id="{00DFF36C-FF32-4635-B471-3925665516F8}"/>
-              </a:ext>
-            </a:extLst>
-          </p:cNvPr>
-          <p:cNvSpPr>
-            <a:spLocks noGrp="1"/>
-          </p:cNvSpPr>
-          <p:nvPr>
-            <p:ph idx="1"/>
-          </p:nvPr>
-        </p:nvSpPr>
-        <p:spPr>
-          <a:xfrm>
-            <a:off x="838200" y="1690687"/>
-            <a:ext cx="10515600" cy="4887665"/>
-          </a:xfrm>
-        </p:spPr>
-        <p:txBody>
-          <a:bodyPr>
-            <a:normAutofit/>
-          </a:bodyPr>
-          <a:lstStyle/>
-          <a:p>
-            <a:r>
-              <a:rPr lang="zh-CN" altLang="en-US" sz="1400" dirty="0"/>
-              <a:t>配置文件</a:t>
-            </a:r>
-            <a:endParaRPr lang="en-US" altLang="zh-CN" sz="1400" dirty="0"/>
-          </a:p>
-          <a:p>
-            <a:r>
-              <a:rPr lang="zh-CN" altLang="en-US" sz="1400" dirty="0"/>
-              <a:t>热更新</a:t>
-            </a:r>
-            <a:r>
-              <a:rPr lang="en-US" altLang="zh-CN" sz="1400" dirty="0"/>
-              <a:t>(</a:t>
-            </a:r>
-            <a:r>
-              <a:rPr lang="zh-CN" altLang="en-US" sz="1400" dirty="0"/>
-              <a:t>内存会增加</a:t>
-            </a:r>
-            <a:r>
-              <a:rPr lang="en-US" altLang="zh-CN" sz="1400" dirty="0"/>
-              <a:t>)</a:t>
-            </a:r>
-          </a:p>
-        </p:txBody>
-      </p:sp>
-    </p:spTree>
-    <p:extLst>
-      <p:ext uri="{BB962C8B-B14F-4D97-AF65-F5344CB8AC3E}">
-        <p14:creationId xmlns:p14="http://schemas.microsoft.com/office/powerpoint/2010/main" val="1183203262"/>
-      </p:ext>
-    </p:extLst>
-  </p:cSld>
-  <p:clrMapOvr>
-    <a:masterClrMapping/>
-  </p:clrMapOvr>
-</p:sld>
-</file>
-
 <file path=ppt/slides/slide5.xml><?xml version="1.0" encoding="utf-8"?>
 <p:sld xmlns:a="http://schemas.openxmlformats.org/drawingml/2006/main" xmlns:r="http://schemas.openxmlformats.org/officeDocument/2006/relationships" xmlns:p="http://schemas.openxmlformats.org/presentationml/2006/main">
   <p:cSld>
@@ -4706,14 +4692,7 @@
               <a:rPr lang="en-US" altLang="zh-CN" dirty="0" err="1"/>
               <a:t>Configration</a:t>
             </a:r>
-            <a:r>
-              <a:rPr lang="en-US" altLang="zh-CN" dirty="0"/>
-              <a:t>-</a:t>
-            </a:r>
-            <a:r>
-              <a:rPr lang="zh-CN" altLang="en-US" dirty="0"/>
-              <a:t>机密文件</a:t>
-            </a:r>
+            <a:endParaRPr lang="zh-CN" altLang="en-US" dirty="0"/>
           </a:p>
         </p:txBody>
       </p:sp>
@@ -4745,314 +4724,36 @@
           </a:bodyPr>
           <a:lstStyle/>
           <a:p>
-            <a:pPr marL="0" indent="0">
-              <a:buNone/>
-            </a:pPr>
+            <a:r>
+              <a:rPr lang="zh-CN" altLang="en-US" sz="1400" dirty="0"/>
+              <a:t>配置文件</a:t>
+            </a:r>
+            <a:endParaRPr lang="en-US" altLang="zh-CN" sz="1400" dirty="0"/>
+          </a:p>
+          <a:p>
+            <a:r>
+              <a:rPr lang="zh-CN" altLang="en-US" sz="1400" dirty="0"/>
+              <a:t>热更新</a:t>
+            </a:r>
             <a:r>
               <a:rPr lang="en-US" altLang="zh-CN" sz="1400" dirty="0"/>
-              <a:t>1</a:t>
-            </a:r>
-            <a:r>
-              <a:rPr lang="zh-CN" altLang="en-US" sz="1400" dirty="0"/>
-              <a:t>、</a:t>
+              <a:t>(</a:t>
+            </a:r>
+            <a:r>
+              <a:rPr lang="zh-CN" altLang="en-US" sz="1400" dirty="0"/>
+              <a:t>内存会增加</a:t>
             </a:r>
             <a:r>
               <a:rPr lang="en-US" altLang="zh-CN" sz="1400" dirty="0"/>
-              <a:t>.</a:t>
-            </a:r>
-            <a:r>
-              <a:rPr lang="en-US" altLang="zh-CN" sz="1400" dirty="0" err="1"/>
-              <a:t>csproj</a:t>
-            </a:r>
-            <a:r>
-              <a:rPr lang="zh-CN" altLang="en-US" sz="1400" dirty="0"/>
-              <a:t>文件的</a:t>
-            </a:r>
-            <a:r>
-              <a:rPr lang="en-US" altLang="zh-CN" sz="1400" dirty="0"/>
-              <a:t>&lt;</a:t>
-            </a:r>
-            <a:r>
-              <a:rPr lang="en-US" altLang="zh-CN" sz="1400" dirty="0" err="1"/>
-              <a:t>PropertyGroup</a:t>
-            </a:r>
-            <a:r>
-              <a:rPr lang="en-US" altLang="zh-CN" sz="1400" dirty="0"/>
-              <a:t>&gt;&lt;/</a:t>
-            </a:r>
-            <a:r>
-              <a:rPr lang="en-US" altLang="zh-CN" sz="1400" dirty="0" err="1"/>
-              <a:t>PropertyGroup</a:t>
-            </a:r>
-            <a:r>
-              <a:rPr lang="en-US" altLang="zh-CN" sz="1400" dirty="0"/>
-              <a:t>&gt;</a:t>
-            </a:r>
-            <a:r>
-              <a:rPr lang="zh-CN" altLang="en-US" sz="1400" dirty="0"/>
-              <a:t>节点中添加</a:t>
-            </a:r>
-          </a:p>
-          <a:p>
-            <a:pPr marL="0" indent="0">
-              <a:buNone/>
-            </a:pPr>
-            <a:r>
-              <a:rPr lang="en-US" altLang="zh-CN" sz="1400" dirty="0"/>
-              <a:t>  &lt;</a:t>
-            </a:r>
-            <a:r>
-              <a:rPr lang="en-US" altLang="zh-CN" sz="1400" dirty="0" err="1"/>
-              <a:t>UserSecretsId</a:t>
-            </a:r>
-            <a:r>
-              <a:rPr lang="en-US" altLang="zh-CN" sz="1400" dirty="0"/>
-              <a:t>&gt;</a:t>
-            </a:r>
-            <a:r>
-              <a:rPr lang="en-US" altLang="zh-CN" sz="1400" dirty="0" err="1"/>
-              <a:t>d7a40274-87df-43ba-999b-d8719940b7a7</a:t>
-            </a:r>
-            <a:r>
-              <a:rPr lang="en-US" altLang="zh-CN" sz="1400" dirty="0"/>
-              <a:t>&lt;/</a:t>
-            </a:r>
-            <a:r>
-              <a:rPr lang="en-US" altLang="zh-CN" sz="1400" dirty="0" err="1"/>
-              <a:t>UserSecretsId</a:t>
-            </a:r>
-            <a:r>
-              <a:rPr lang="en-US" altLang="zh-CN" sz="1400" dirty="0"/>
-              <a:t>&gt;</a:t>
-            </a:r>
-          </a:p>
-          <a:p>
-            <a:pPr marL="0" indent="0">
-              <a:buNone/>
-            </a:pPr>
-            <a:r>
-              <a:rPr lang="en-US" altLang="zh-CN" sz="1400" dirty="0"/>
-              <a:t>2</a:t>
-            </a:r>
-            <a:r>
-              <a:rPr lang="zh-CN" altLang="en-US" sz="1400" dirty="0"/>
-              <a:t>、操作机密文件</a:t>
-            </a:r>
-          </a:p>
-          <a:p>
-            <a:pPr marL="0" indent="0">
-              <a:buNone/>
-            </a:pPr>
-            <a:r>
-              <a:rPr lang="en-US" altLang="zh-CN" sz="1400" dirty="0"/>
-              <a:t>   a</a:t>
-            </a:r>
-            <a:r>
-              <a:rPr lang="zh-CN" altLang="en-US" sz="1400" dirty="0"/>
-              <a:t>、设置机密文件  </a:t>
-            </a:r>
-            <a:r>
-              <a:rPr lang="en-US" altLang="zh-CN" sz="1400" dirty="0"/>
-              <a:t>dotnet user-secrets set "</a:t>
-            </a:r>
-            <a:r>
-              <a:rPr lang="en-US" altLang="zh-CN" sz="1400" dirty="0" err="1"/>
-              <a:t>dbpassword</a:t>
-            </a:r>
-            <a:r>
-              <a:rPr lang="en-US" altLang="zh-CN" sz="1400" dirty="0"/>
-              <a:t>" "123456" --project ".</a:t>
-            </a:r>
-            <a:r>
-              <a:rPr lang="en-US" altLang="zh-CN" sz="1400" dirty="0" err="1"/>
-              <a:t>csproj</a:t>
-            </a:r>
-            <a:r>
-              <a:rPr lang="zh-CN" altLang="en-US" sz="1400" dirty="0"/>
-              <a:t>所在目录</a:t>
-            </a:r>
-            <a:r>
-              <a:rPr lang="en-US" altLang="zh-CN" sz="1400" dirty="0"/>
-              <a:t>"</a:t>
-            </a:r>
-          </a:p>
-          <a:p>
-            <a:pPr marL="0" indent="0">
-              <a:buNone/>
-            </a:pPr>
-            <a:r>
-              <a:rPr lang="en-US" altLang="zh-CN" sz="1400" dirty="0"/>
-              <a:t>   b</a:t>
-            </a:r>
-            <a:r>
-              <a:rPr lang="zh-CN" altLang="en-US" sz="1400" dirty="0"/>
-              <a:t>、设置多个机密文件  </a:t>
-            </a:r>
-            <a:r>
-              <a:rPr lang="en-US" altLang="zh-CN" sz="1400" dirty="0"/>
-              <a:t>type .\</a:t>
-            </a:r>
-            <a:r>
-              <a:rPr lang="en-US" altLang="zh-CN" sz="1400" dirty="0" err="1"/>
-              <a:t>input.json</a:t>
-            </a:r>
-            <a:r>
-              <a:rPr lang="en-US" altLang="zh-CN" sz="1400" dirty="0"/>
-              <a:t> | dotnet user-secrets set --project ".</a:t>
-            </a:r>
-            <a:r>
-              <a:rPr lang="en-US" altLang="zh-CN" sz="1400" dirty="0" err="1"/>
-              <a:t>csproj</a:t>
-            </a:r>
-            <a:r>
-              <a:rPr lang="zh-CN" altLang="en-US" sz="1400" dirty="0"/>
-              <a:t>所在目录</a:t>
-            </a:r>
-            <a:r>
-              <a:rPr lang="en-US" altLang="zh-CN" sz="1400" dirty="0"/>
-              <a:t>"</a:t>
-            </a:r>
-          </a:p>
-          <a:p>
-            <a:pPr marL="0" indent="0">
-              <a:buNone/>
-            </a:pPr>
-            <a:r>
-              <a:rPr lang="en-US" altLang="zh-CN" sz="1400" dirty="0"/>
-              <a:t>   c</a:t>
-            </a:r>
-            <a:r>
-              <a:rPr lang="zh-CN" altLang="en-US" sz="1400" dirty="0"/>
-              <a:t>、查看机密文件  </a:t>
-            </a:r>
-            <a:r>
-              <a:rPr lang="en-US" altLang="zh-CN" sz="1400" dirty="0"/>
-              <a:t>dotnet user-secrets list --project ".</a:t>
-            </a:r>
-            <a:r>
-              <a:rPr lang="en-US" altLang="zh-CN" sz="1400" dirty="0" err="1"/>
-              <a:t>csproj</a:t>
-            </a:r>
-            <a:r>
-              <a:rPr lang="zh-CN" altLang="en-US" sz="1400" dirty="0"/>
-              <a:t>所在目录</a:t>
-            </a:r>
-            <a:r>
-              <a:rPr lang="en-US" altLang="zh-CN" sz="1400" dirty="0"/>
-              <a:t>"</a:t>
-            </a:r>
-          </a:p>
-          <a:p>
-            <a:pPr marL="0" indent="0">
-              <a:buNone/>
-            </a:pPr>
-            <a:r>
-              <a:rPr lang="en-US" altLang="zh-CN" sz="1400" dirty="0"/>
-              <a:t>   d</a:t>
-            </a:r>
-            <a:r>
-              <a:rPr lang="zh-CN" altLang="en-US" sz="1400" dirty="0"/>
-              <a:t>、删除机密文件  </a:t>
-            </a:r>
-            <a:r>
-              <a:rPr lang="en-US" altLang="zh-CN" sz="1400" dirty="0"/>
-              <a:t>dotnet user-secrets remove "</a:t>
-            </a:r>
-            <a:r>
-              <a:rPr lang="en-US" altLang="zh-CN" sz="1400" dirty="0" err="1"/>
-              <a:t>dbpassword</a:t>
-            </a:r>
-            <a:r>
-              <a:rPr lang="en-US" altLang="zh-CN" sz="1400" dirty="0"/>
-              <a:t>"  --project ".</a:t>
-            </a:r>
-            <a:r>
-              <a:rPr lang="en-US" altLang="zh-CN" sz="1400" dirty="0" err="1"/>
-              <a:t>csproj</a:t>
-            </a:r>
-            <a:r>
-              <a:rPr lang="zh-CN" altLang="en-US" sz="1400" dirty="0"/>
-              <a:t>所在目录</a:t>
-            </a:r>
-            <a:r>
-              <a:rPr lang="en-US" altLang="zh-CN" sz="1400" dirty="0"/>
-              <a:t>"</a:t>
-            </a:r>
-          </a:p>
-          <a:p>
-            <a:pPr marL="0" indent="0">
-              <a:buNone/>
-            </a:pPr>
-            <a:r>
-              <a:rPr lang="en-US" altLang="zh-CN" sz="1400" dirty="0"/>
-              <a:t>   e</a:t>
-            </a:r>
-            <a:r>
-              <a:rPr lang="zh-CN" altLang="en-US" sz="1400" dirty="0"/>
-              <a:t>、删除所有机密文件 </a:t>
-            </a:r>
-            <a:r>
-              <a:rPr lang="en-US" altLang="zh-CN" sz="1400" dirty="0"/>
-              <a:t>dotnet user-secrets clear --project ".</a:t>
-            </a:r>
-            <a:r>
-              <a:rPr lang="en-US" altLang="zh-CN" sz="1400" dirty="0" err="1"/>
-              <a:t>csproj</a:t>
-            </a:r>
-            <a:r>
-              <a:rPr lang="zh-CN" altLang="en-US" sz="1400" dirty="0"/>
-              <a:t>所在目录</a:t>
-            </a:r>
-            <a:r>
-              <a:rPr lang="en-US" altLang="zh-CN" sz="1400" dirty="0"/>
-              <a:t>"</a:t>
-            </a:r>
-          </a:p>
-          <a:p>
-            <a:pPr marL="0" indent="0">
-              <a:buNone/>
-            </a:pPr>
-            <a:r>
-              <a:rPr lang="en-US" altLang="zh-CN" sz="1400" dirty="0"/>
-              <a:t>3</a:t>
-            </a:r>
-            <a:r>
-              <a:rPr lang="zh-CN" altLang="en-US" sz="1400" dirty="0"/>
-              <a:t>、</a:t>
-            </a:r>
-            <a:r>
-              <a:rPr lang="en-US" altLang="zh-CN" sz="1400" dirty="0" err="1"/>
-              <a:t>ConfigureServices</a:t>
-            </a:r>
-            <a:r>
-              <a:rPr lang="zh-CN" altLang="en-US" sz="1400" dirty="0"/>
-              <a:t>中读取</a:t>
-            </a:r>
-          </a:p>
-          <a:p>
-            <a:pPr marL="0" indent="0">
-              <a:buNone/>
-            </a:pPr>
-            <a:r>
-              <a:rPr lang="en-US" altLang="zh-CN" sz="1400" dirty="0"/>
-              <a:t>   var password = Configuration["</a:t>
-            </a:r>
-            <a:r>
-              <a:rPr lang="en-US" altLang="zh-CN" sz="1400" dirty="0" err="1"/>
-              <a:t>dbpassword</a:t>
-            </a:r>
-            <a:r>
-              <a:rPr lang="en-US" altLang="zh-CN" sz="1400" dirty="0"/>
-              <a:t>"];</a:t>
-            </a:r>
-            <a:endParaRPr lang="zh-CN" altLang="en-US" sz="1400" dirty="0"/>
+              <a:t>)</a:t>
+            </a:r>
           </a:p>
         </p:txBody>
       </p:sp>
     </p:spTree>
     <p:extLst>
       <p:ext uri="{BB962C8B-B14F-4D97-AF65-F5344CB8AC3E}">
-        <p14:creationId xmlns:p14="http://schemas.microsoft.com/office/powerpoint/2010/main" val="731180852"/>
+        <p14:creationId xmlns:p14="http://schemas.microsoft.com/office/powerpoint/2010/main" val="1183203262"/>
       </p:ext>
     </p:extLst>
   </p:cSld>
@@ -5110,7 +4811,7 @@
             </a:r>
             <a:r>
               <a:rPr lang="zh-CN" altLang="en-US" dirty="0"/>
-              <a:t>自定义</a:t>
+              <a:t>机密文件</a:t>
             </a:r>
           </a:p>
         </p:txBody>
@@ -5147,6 +4848,404 @@
               <a:buNone/>
             </a:pPr>
             <a:r>
+              <a:rPr lang="en-US" altLang="zh-CN" sz="1400" dirty="0"/>
+              <a:t>1</a:t>
+            </a:r>
+            <a:r>
+              <a:rPr lang="zh-CN" altLang="en-US" sz="1400" dirty="0"/>
+              <a:t>、</a:t>
+            </a:r>
+            <a:r>
+              <a:rPr lang="en-US" altLang="zh-CN" sz="1400" dirty="0"/>
+              <a:t>.</a:t>
+            </a:r>
+            <a:r>
+              <a:rPr lang="en-US" altLang="zh-CN" sz="1400" dirty="0" err="1"/>
+              <a:t>csproj</a:t>
+            </a:r>
+            <a:r>
+              <a:rPr lang="zh-CN" altLang="en-US" sz="1400" dirty="0"/>
+              <a:t>文件的</a:t>
+            </a:r>
+            <a:r>
+              <a:rPr lang="en-US" altLang="zh-CN" sz="1400" dirty="0"/>
+              <a:t>&lt;</a:t>
+            </a:r>
+            <a:r>
+              <a:rPr lang="en-US" altLang="zh-CN" sz="1400" dirty="0" err="1"/>
+              <a:t>PropertyGroup</a:t>
+            </a:r>
+            <a:r>
+              <a:rPr lang="en-US" altLang="zh-CN" sz="1400" dirty="0"/>
+              <a:t>&gt;&lt;/</a:t>
+            </a:r>
+            <a:r>
+              <a:rPr lang="en-US" altLang="zh-CN" sz="1400" dirty="0" err="1"/>
+              <a:t>PropertyGroup</a:t>
+            </a:r>
+            <a:r>
+              <a:rPr lang="en-US" altLang="zh-CN" sz="1400" dirty="0"/>
+              <a:t>&gt;</a:t>
+            </a:r>
+            <a:r>
+              <a:rPr lang="zh-CN" altLang="en-US" sz="1400" dirty="0"/>
+              <a:t>节点中添加</a:t>
+            </a:r>
+          </a:p>
+          <a:p>
+            <a:pPr marL="0" indent="0">
+              <a:buNone/>
+            </a:pPr>
+            <a:r>
+              <a:rPr lang="en-US" altLang="zh-CN" sz="1400" dirty="0"/>
+              <a:t>  &lt;</a:t>
+            </a:r>
+            <a:r>
+              <a:rPr lang="en-US" altLang="zh-CN" sz="1400" dirty="0" err="1"/>
+              <a:t>UserSecretsId</a:t>
+            </a:r>
+            <a:r>
+              <a:rPr lang="en-US" altLang="zh-CN" sz="1400" dirty="0"/>
+              <a:t>&gt;</a:t>
+            </a:r>
+            <a:r>
+              <a:rPr lang="en-US" altLang="zh-CN" sz="1400" dirty="0" err="1"/>
+              <a:t>d7a40274-87df-43ba-999b-d8719940b7a7</a:t>
+            </a:r>
+            <a:r>
+              <a:rPr lang="en-US" altLang="zh-CN" sz="1400" dirty="0"/>
+              <a:t>&lt;/</a:t>
+            </a:r>
+            <a:r>
+              <a:rPr lang="en-US" altLang="zh-CN" sz="1400" dirty="0" err="1"/>
+              <a:t>UserSecretsId</a:t>
+            </a:r>
+            <a:r>
+              <a:rPr lang="en-US" altLang="zh-CN" sz="1400" dirty="0"/>
+              <a:t>&gt;</a:t>
+            </a:r>
+          </a:p>
+          <a:p>
+            <a:pPr marL="0" indent="0">
+              <a:buNone/>
+            </a:pPr>
+            <a:r>
+              <a:rPr lang="en-US" altLang="zh-CN" sz="1400" dirty="0"/>
+              <a:t>2</a:t>
+            </a:r>
+            <a:r>
+              <a:rPr lang="zh-CN" altLang="en-US" sz="1400" dirty="0"/>
+              <a:t>、操作机密文件</a:t>
+            </a:r>
+          </a:p>
+          <a:p>
+            <a:pPr marL="0" indent="0">
+              <a:buNone/>
+            </a:pPr>
+            <a:r>
+              <a:rPr lang="en-US" altLang="zh-CN" sz="1400" dirty="0"/>
+              <a:t>   a</a:t>
+            </a:r>
+            <a:r>
+              <a:rPr lang="zh-CN" altLang="en-US" sz="1400" dirty="0"/>
+              <a:t>、设置机密文件  </a:t>
+            </a:r>
+            <a:r>
+              <a:rPr lang="en-US" altLang="zh-CN" sz="1400" dirty="0"/>
+              <a:t>dotnet user-secrets set "</a:t>
+            </a:r>
+            <a:r>
+              <a:rPr lang="en-US" altLang="zh-CN" sz="1400" dirty="0" err="1"/>
+              <a:t>dbpassword</a:t>
+            </a:r>
+            <a:r>
+              <a:rPr lang="en-US" altLang="zh-CN" sz="1400" dirty="0"/>
+              <a:t>" "123456" --project ".</a:t>
+            </a:r>
+            <a:r>
+              <a:rPr lang="en-US" altLang="zh-CN" sz="1400" dirty="0" err="1"/>
+              <a:t>csproj</a:t>
+            </a:r>
+            <a:r>
+              <a:rPr lang="zh-CN" altLang="en-US" sz="1400" dirty="0"/>
+              <a:t>所在目录</a:t>
+            </a:r>
+            <a:r>
+              <a:rPr lang="en-US" altLang="zh-CN" sz="1400" dirty="0"/>
+              <a:t>"</a:t>
+            </a:r>
+          </a:p>
+          <a:p>
+            <a:pPr marL="0" indent="0">
+              <a:buNone/>
+            </a:pPr>
+            <a:r>
+              <a:rPr lang="en-US" altLang="zh-CN" sz="1400" dirty="0"/>
+              <a:t>   b</a:t>
+            </a:r>
+            <a:r>
+              <a:rPr lang="zh-CN" altLang="en-US" sz="1400" dirty="0"/>
+              <a:t>、设置多个机密文件  </a:t>
+            </a:r>
+            <a:r>
+              <a:rPr lang="en-US" altLang="zh-CN" sz="1400" dirty="0"/>
+              <a:t>type .\</a:t>
+            </a:r>
+            <a:r>
+              <a:rPr lang="en-US" altLang="zh-CN" sz="1400" dirty="0" err="1"/>
+              <a:t>input.json</a:t>
+            </a:r>
+            <a:r>
+              <a:rPr lang="en-US" altLang="zh-CN" sz="1400" dirty="0"/>
+              <a:t> | dotnet user-secrets set --project ".</a:t>
+            </a:r>
+            <a:r>
+              <a:rPr lang="en-US" altLang="zh-CN" sz="1400" dirty="0" err="1"/>
+              <a:t>csproj</a:t>
+            </a:r>
+            <a:r>
+              <a:rPr lang="zh-CN" altLang="en-US" sz="1400" dirty="0"/>
+              <a:t>所在目录</a:t>
+            </a:r>
+            <a:r>
+              <a:rPr lang="en-US" altLang="zh-CN" sz="1400" dirty="0"/>
+              <a:t>"</a:t>
+            </a:r>
+          </a:p>
+          <a:p>
+            <a:pPr marL="0" indent="0">
+              <a:buNone/>
+            </a:pPr>
+            <a:r>
+              <a:rPr lang="en-US" altLang="zh-CN" sz="1400" dirty="0"/>
+              <a:t>   c</a:t>
+            </a:r>
+            <a:r>
+              <a:rPr lang="zh-CN" altLang="en-US" sz="1400" dirty="0"/>
+              <a:t>、查看机密文件  </a:t>
+            </a:r>
+            <a:r>
+              <a:rPr lang="en-US" altLang="zh-CN" sz="1400" dirty="0"/>
+              <a:t>dotnet user-secrets list --project ".</a:t>
+            </a:r>
+            <a:r>
+              <a:rPr lang="en-US" altLang="zh-CN" sz="1400" dirty="0" err="1"/>
+              <a:t>csproj</a:t>
+            </a:r>
+            <a:r>
+              <a:rPr lang="zh-CN" altLang="en-US" sz="1400" dirty="0"/>
+              <a:t>所在目录</a:t>
+            </a:r>
+            <a:r>
+              <a:rPr lang="en-US" altLang="zh-CN" sz="1400" dirty="0"/>
+              <a:t>"</a:t>
+            </a:r>
+          </a:p>
+          <a:p>
+            <a:pPr marL="0" indent="0">
+              <a:buNone/>
+            </a:pPr>
+            <a:r>
+              <a:rPr lang="en-US" altLang="zh-CN" sz="1400" dirty="0"/>
+              <a:t>   d</a:t>
+            </a:r>
+            <a:r>
+              <a:rPr lang="zh-CN" altLang="en-US" sz="1400" dirty="0"/>
+              <a:t>、删除机密文件  </a:t>
+            </a:r>
+            <a:r>
+              <a:rPr lang="en-US" altLang="zh-CN" sz="1400" dirty="0"/>
+              <a:t>dotnet user-secrets remove "</a:t>
+            </a:r>
+            <a:r>
+              <a:rPr lang="en-US" altLang="zh-CN" sz="1400" dirty="0" err="1"/>
+              <a:t>dbpassword</a:t>
+            </a:r>
+            <a:r>
+              <a:rPr lang="en-US" altLang="zh-CN" sz="1400" dirty="0"/>
+              <a:t>"  --project ".</a:t>
+            </a:r>
+            <a:r>
+              <a:rPr lang="en-US" altLang="zh-CN" sz="1400" dirty="0" err="1"/>
+              <a:t>csproj</a:t>
+            </a:r>
+            <a:r>
+              <a:rPr lang="zh-CN" altLang="en-US" sz="1400" dirty="0"/>
+              <a:t>所在目录</a:t>
+            </a:r>
+            <a:r>
+              <a:rPr lang="en-US" altLang="zh-CN" sz="1400" dirty="0"/>
+              <a:t>"</a:t>
+            </a:r>
+          </a:p>
+          <a:p>
+            <a:pPr marL="0" indent="0">
+              <a:buNone/>
+            </a:pPr>
+            <a:r>
+              <a:rPr lang="en-US" altLang="zh-CN" sz="1400" dirty="0"/>
+              <a:t>   e</a:t>
+            </a:r>
+            <a:r>
+              <a:rPr lang="zh-CN" altLang="en-US" sz="1400" dirty="0"/>
+              <a:t>、删除所有机密文件 </a:t>
+            </a:r>
+            <a:r>
+              <a:rPr lang="en-US" altLang="zh-CN" sz="1400" dirty="0"/>
+              <a:t>dotnet user-secrets clear --project ".</a:t>
+            </a:r>
+            <a:r>
+              <a:rPr lang="en-US" altLang="zh-CN" sz="1400" dirty="0" err="1"/>
+              <a:t>csproj</a:t>
+            </a:r>
+            <a:r>
+              <a:rPr lang="zh-CN" altLang="en-US" sz="1400" dirty="0"/>
+              <a:t>所在目录</a:t>
+            </a:r>
+            <a:r>
+              <a:rPr lang="en-US" altLang="zh-CN" sz="1400" dirty="0"/>
+              <a:t>"</a:t>
+            </a:r>
+          </a:p>
+          <a:p>
+            <a:pPr marL="0" indent="0">
+              <a:buNone/>
+            </a:pPr>
+            <a:r>
+              <a:rPr lang="en-US" altLang="zh-CN" sz="1400" dirty="0"/>
+              <a:t>3</a:t>
+            </a:r>
+            <a:r>
+              <a:rPr lang="zh-CN" altLang="en-US" sz="1400" dirty="0"/>
+              <a:t>、</a:t>
+            </a:r>
+            <a:r>
+              <a:rPr lang="en-US" altLang="zh-CN" sz="1400" dirty="0" err="1"/>
+              <a:t>ConfigureServices</a:t>
+            </a:r>
+            <a:r>
+              <a:rPr lang="zh-CN" altLang="en-US" sz="1400" dirty="0"/>
+              <a:t>中读取</a:t>
+            </a:r>
+          </a:p>
+          <a:p>
+            <a:pPr marL="0" indent="0">
+              <a:buNone/>
+            </a:pPr>
+            <a:r>
+              <a:rPr lang="en-US" altLang="zh-CN" sz="1400" dirty="0"/>
+              <a:t>   var password = Configuration["</a:t>
+            </a:r>
+            <a:r>
+              <a:rPr lang="en-US" altLang="zh-CN" sz="1400" dirty="0" err="1"/>
+              <a:t>dbpassword</a:t>
+            </a:r>
+            <a:r>
+              <a:rPr lang="en-US" altLang="zh-CN" sz="1400" dirty="0"/>
+              <a:t>"];</a:t>
+            </a:r>
+            <a:endParaRPr lang="zh-CN" altLang="en-US" sz="1400" dirty="0"/>
+          </a:p>
+        </p:txBody>
+      </p:sp>
+    </p:spTree>
+    <p:extLst>
+      <p:ext uri="{BB962C8B-B14F-4D97-AF65-F5344CB8AC3E}">
+        <p14:creationId xmlns:p14="http://schemas.microsoft.com/office/powerpoint/2010/main" val="731180852"/>
+      </p:ext>
+    </p:extLst>
+  </p:cSld>
+  <p:clrMapOvr>
+    <a:masterClrMapping/>
+  </p:clrMapOvr>
+</p:sld>
+</file>
+
+<file path=ppt/slides/slide7.xml><?xml version="1.0" encoding="utf-8"?>
+<p:sld xmlns:a="http://schemas.openxmlformats.org/drawingml/2006/main" xmlns:r="http://schemas.openxmlformats.org/officeDocument/2006/relationships" xmlns:p="http://schemas.openxmlformats.org/presentationml/2006/main">
+  <p:cSld>
+    <p:spTree>
+      <p:nvGrpSpPr>
+        <p:cNvPr id="1" name=""/>
+        <p:cNvGrpSpPr/>
+        <p:nvPr/>
+      </p:nvGrpSpPr>
+      <p:grpSpPr>
+        <a:xfrm>
+          <a:off x="0" y="0"/>
+          <a:ext cx="0" cy="0"/>
+          <a:chOff x="0" y="0"/>
+          <a:chExt cx="0" cy="0"/>
+        </a:xfrm>
+      </p:grpSpPr>
+      <p:sp>
+        <p:nvSpPr>
+          <p:cNvPr id="2" name="标题 1">
+            <a:extLst>
+              <a:ext uri="{FF2B5EF4-FFF2-40B4-BE49-F238E27FC236}">
+                <a16:creationId xmlns:a16="http://schemas.microsoft.com/office/drawing/2014/main" id="{D93F5457-E33E-4DFB-A0C6-F3B921696286}"/>
+              </a:ext>
+            </a:extLst>
+          </p:cNvPr>
+          <p:cNvSpPr>
+            <a:spLocks noGrp="1"/>
+          </p:cNvSpPr>
+          <p:nvPr>
+            <p:ph type="title"/>
+          </p:nvPr>
+        </p:nvSpPr>
+        <p:spPr/>
+        <p:txBody>
+          <a:bodyPr/>
+          <a:lstStyle/>
+          <a:p>
+            <a:r>
+              <a:rPr lang="en-US" altLang="zh-CN" dirty="0" err="1"/>
+              <a:t>Configration</a:t>
+            </a:r>
+            <a:r>
+              <a:rPr lang="en-US" altLang="zh-CN" dirty="0"/>
+              <a:t>-</a:t>
+            </a:r>
+            <a:r>
+              <a:rPr lang="zh-CN" altLang="en-US" dirty="0"/>
+              <a:t>自定义</a:t>
+            </a:r>
+          </a:p>
+        </p:txBody>
+      </p:sp>
+      <p:sp>
+        <p:nvSpPr>
+          <p:cNvPr id="15" name="内容占位符 2">
+            <a:extLst>
+              <a:ext uri="{FF2B5EF4-FFF2-40B4-BE49-F238E27FC236}">
+                <a16:creationId xmlns:a16="http://schemas.microsoft.com/office/drawing/2014/main" id="{00DFF36C-FF32-4635-B471-3925665516F8}"/>
+              </a:ext>
+            </a:extLst>
+          </p:cNvPr>
+          <p:cNvSpPr>
+            <a:spLocks noGrp="1"/>
+          </p:cNvSpPr>
+          <p:nvPr>
+            <p:ph idx="1"/>
+          </p:nvPr>
+        </p:nvSpPr>
+        <p:spPr>
+          <a:xfrm>
+            <a:off x="838200" y="1690687"/>
+            <a:ext cx="10515600" cy="4887665"/>
+          </a:xfrm>
+        </p:spPr>
+        <p:txBody>
+          <a:bodyPr>
+            <a:normAutofit/>
+          </a:bodyPr>
+          <a:lstStyle/>
+          <a:p>
+            <a:pPr marL="0" indent="0">
+              <a:buNone/>
+            </a:pPr>
+            <a:r>
               <a:rPr lang="en-US" altLang="zh-CN" sz="1400" dirty="0" err="1"/>
               <a:t>Asp.net</a:t>
             </a:r>
@@ -5394,6 +5493,119 @@
     <p:extLst>
       <p:ext uri="{BB962C8B-B14F-4D97-AF65-F5344CB8AC3E}">
         <p14:creationId xmlns:p14="http://schemas.microsoft.com/office/powerpoint/2010/main" val="4209516520"/>
+      </p:ext>
+    </p:extLst>
+  </p:cSld>
+  <p:clrMapOvr>
+    <a:masterClrMapping/>
+  </p:clrMapOvr>
+</p:sld>
+</file>
+
+<file path=ppt/slides/slide8.xml><?xml version="1.0" encoding="utf-8"?>
+<p:sld xmlns:a="http://schemas.openxmlformats.org/drawingml/2006/main" xmlns:r="http://schemas.openxmlformats.org/officeDocument/2006/relationships" xmlns:p="http://schemas.openxmlformats.org/presentationml/2006/main">
+  <p:cSld>
+    <p:spTree>
+      <p:nvGrpSpPr>
+        <p:cNvPr id="1" name=""/>
+        <p:cNvGrpSpPr/>
+        <p:nvPr/>
+      </p:nvGrpSpPr>
+      <p:grpSpPr>
+        <a:xfrm>
+          <a:off x="0" y="0"/>
+          <a:ext cx="0" cy="0"/>
+          <a:chOff x="0" y="0"/>
+          <a:chExt cx="0" cy="0"/>
+        </a:xfrm>
+      </p:grpSpPr>
+      <p:sp>
+        <p:nvSpPr>
+          <p:cNvPr id="2" name="标题 1">
+            <a:extLst>
+              <a:ext uri="{FF2B5EF4-FFF2-40B4-BE49-F238E27FC236}">
+                <a16:creationId xmlns:a16="http://schemas.microsoft.com/office/drawing/2014/main" id="{D93F5457-E33E-4DFB-A0C6-F3B921696286}"/>
+              </a:ext>
+            </a:extLst>
+          </p:cNvPr>
+          <p:cNvSpPr>
+            <a:spLocks noGrp="1"/>
+          </p:cNvSpPr>
+          <p:nvPr>
+            <p:ph type="title"/>
+          </p:nvPr>
+        </p:nvSpPr>
+        <p:spPr/>
+        <p:txBody>
+          <a:bodyPr/>
+          <a:lstStyle/>
+          <a:p>
+            <a:r>
+              <a:rPr lang="en-US" altLang="zh-CN" dirty="0" err="1"/>
+              <a:t>Authentication&amp;Authorization</a:t>
+            </a:r>
+            <a:endParaRPr lang="zh-CN" altLang="en-US" dirty="0"/>
+          </a:p>
+        </p:txBody>
+      </p:sp>
+      <p:sp>
+        <p:nvSpPr>
+          <p:cNvPr id="15" name="内容占位符 2">
+            <a:extLst>
+              <a:ext uri="{FF2B5EF4-FFF2-40B4-BE49-F238E27FC236}">
+                <a16:creationId xmlns:a16="http://schemas.microsoft.com/office/drawing/2014/main" id="{00DFF36C-FF32-4635-B471-3925665516F8}"/>
+              </a:ext>
+            </a:extLst>
+          </p:cNvPr>
+          <p:cNvSpPr>
+            <a:spLocks noGrp="1"/>
+          </p:cNvSpPr>
+          <p:nvPr>
+            <p:ph idx="1"/>
+          </p:nvPr>
+        </p:nvSpPr>
+        <p:spPr>
+          <a:xfrm>
+            <a:off x="838200" y="1690687"/>
+            <a:ext cx="10515600" cy="4887665"/>
+          </a:xfrm>
+        </p:spPr>
+        <p:txBody>
+          <a:bodyPr>
+            <a:normAutofit/>
+          </a:bodyPr>
+          <a:lstStyle/>
+          <a:p>
+            <a:r>
+              <a:rPr lang="zh-CN" altLang="en-US" sz="1400" dirty="0"/>
+              <a:t>配置文件</a:t>
+            </a:r>
+            <a:endParaRPr lang="en-US" altLang="zh-CN" sz="1400" dirty="0"/>
+          </a:p>
+          <a:p>
+            <a:r>
+              <a:rPr lang="zh-CN" altLang="en-US" sz="1400" dirty="0"/>
+              <a:t>热更新</a:t>
+            </a:r>
+            <a:r>
+              <a:rPr lang="en-US" altLang="zh-CN" sz="1400" dirty="0"/>
+              <a:t>(</a:t>
+            </a:r>
+            <a:r>
+              <a:rPr lang="zh-CN" altLang="en-US" sz="1400" dirty="0"/>
+              <a:t>内存会增加</a:t>
+            </a:r>
+            <a:r>
+              <a:rPr lang="en-US" altLang="zh-CN" sz="1400" dirty="0"/>
+              <a:t>)</a:t>
+            </a:r>
+          </a:p>
+        </p:txBody>
+      </p:sp>
+    </p:spTree>
+    <p:extLst>
+      <p:ext uri="{BB962C8B-B14F-4D97-AF65-F5344CB8AC3E}">
+        <p14:creationId xmlns:p14="http://schemas.microsoft.com/office/powerpoint/2010/main" val="3489913332"/>
       </p:ext>
     </p:extLst>
   </p:cSld>

--- a/aspnetcore3.0course/docs/aspnetcore3.0course.pptx
+++ b/aspnetcore3.0course/docs/aspnetcore3.0course.pptx
@@ -13,6 +13,7 @@
     <p:sldId id="259" r:id="rId7"/>
     <p:sldId id="261" r:id="rId8"/>
     <p:sldId id="263" r:id="rId9"/>
+    <p:sldId id="264" r:id="rId10"/>
   </p:sldIdLst>
   <p:sldSz cx="12192000" cy="6858000"/>
   <p:notesSz cx="6858000" cy="9144000"/>
@@ -266,7 +267,7 @@
           <a:p>
             <a:fld id="{0CB35010-EDBB-44E1-81B6-E54FF20221CB}" type="datetimeFigureOut">
               <a:rPr lang="zh-CN" altLang="en-US" smtClean="0"/>
-              <a:t>2019/4/5</a:t>
+              <a:t>2019/4/8</a:t>
             </a:fld>
             <a:endParaRPr lang="zh-CN" altLang="en-US"/>
           </a:p>
@@ -464,7 +465,7 @@
           <a:p>
             <a:fld id="{0CB35010-EDBB-44E1-81B6-E54FF20221CB}" type="datetimeFigureOut">
               <a:rPr lang="zh-CN" altLang="en-US" smtClean="0"/>
-              <a:t>2019/4/5</a:t>
+              <a:t>2019/4/8</a:t>
             </a:fld>
             <a:endParaRPr lang="zh-CN" altLang="en-US"/>
           </a:p>
@@ -672,7 +673,7 @@
           <a:p>
             <a:fld id="{0CB35010-EDBB-44E1-81B6-E54FF20221CB}" type="datetimeFigureOut">
               <a:rPr lang="zh-CN" altLang="en-US" smtClean="0"/>
-              <a:t>2019/4/5</a:t>
+              <a:t>2019/4/8</a:t>
             </a:fld>
             <a:endParaRPr lang="zh-CN" altLang="en-US"/>
           </a:p>
@@ -870,7 +871,7 @@
           <a:p>
             <a:fld id="{0CB35010-EDBB-44E1-81B6-E54FF20221CB}" type="datetimeFigureOut">
               <a:rPr lang="zh-CN" altLang="en-US" smtClean="0"/>
-              <a:t>2019/4/5</a:t>
+              <a:t>2019/4/8</a:t>
             </a:fld>
             <a:endParaRPr lang="zh-CN" altLang="en-US"/>
           </a:p>
@@ -1145,7 +1146,7 @@
           <a:p>
             <a:fld id="{0CB35010-EDBB-44E1-81B6-E54FF20221CB}" type="datetimeFigureOut">
               <a:rPr lang="zh-CN" altLang="en-US" smtClean="0"/>
-              <a:t>2019/4/5</a:t>
+              <a:t>2019/4/8</a:t>
             </a:fld>
             <a:endParaRPr lang="zh-CN" altLang="en-US"/>
           </a:p>
@@ -1410,7 +1411,7 @@
           <a:p>
             <a:fld id="{0CB35010-EDBB-44E1-81B6-E54FF20221CB}" type="datetimeFigureOut">
               <a:rPr lang="zh-CN" altLang="en-US" smtClean="0"/>
-              <a:t>2019/4/5</a:t>
+              <a:t>2019/4/8</a:t>
             </a:fld>
             <a:endParaRPr lang="zh-CN" altLang="en-US"/>
           </a:p>
@@ -1822,7 +1823,7 @@
           <a:p>
             <a:fld id="{0CB35010-EDBB-44E1-81B6-E54FF20221CB}" type="datetimeFigureOut">
               <a:rPr lang="zh-CN" altLang="en-US" smtClean="0"/>
-              <a:t>2019/4/5</a:t>
+              <a:t>2019/4/8</a:t>
             </a:fld>
             <a:endParaRPr lang="zh-CN" altLang="en-US"/>
           </a:p>
@@ -1963,7 +1964,7 @@
           <a:p>
             <a:fld id="{0CB35010-EDBB-44E1-81B6-E54FF20221CB}" type="datetimeFigureOut">
               <a:rPr lang="zh-CN" altLang="en-US" smtClean="0"/>
-              <a:t>2019/4/5</a:t>
+              <a:t>2019/4/8</a:t>
             </a:fld>
             <a:endParaRPr lang="zh-CN" altLang="en-US"/>
           </a:p>
@@ -2076,7 +2077,7 @@
           <a:p>
             <a:fld id="{0CB35010-EDBB-44E1-81B6-E54FF20221CB}" type="datetimeFigureOut">
               <a:rPr lang="zh-CN" altLang="en-US" smtClean="0"/>
-              <a:t>2019/4/5</a:t>
+              <a:t>2019/4/8</a:t>
             </a:fld>
             <a:endParaRPr lang="zh-CN" altLang="en-US"/>
           </a:p>
@@ -2387,7 +2388,7 @@
           <a:p>
             <a:fld id="{0CB35010-EDBB-44E1-81B6-E54FF20221CB}" type="datetimeFigureOut">
               <a:rPr lang="zh-CN" altLang="en-US" smtClean="0"/>
-              <a:t>2019/4/5</a:t>
+              <a:t>2019/4/8</a:t>
             </a:fld>
             <a:endParaRPr lang="zh-CN" altLang="en-US"/>
           </a:p>
@@ -2675,7 +2676,7 @@
           <a:p>
             <a:fld id="{0CB35010-EDBB-44E1-81B6-E54FF20221CB}" type="datetimeFigureOut">
               <a:rPr lang="zh-CN" altLang="en-US" smtClean="0"/>
-              <a:t>2019/4/5</a:t>
+              <a:t>2019/4/8</a:t>
             </a:fld>
             <a:endParaRPr lang="zh-CN" altLang="en-US"/>
           </a:p>
@@ -2916,7 +2917,7 @@
           <a:p>
             <a:fld id="{0CB35010-EDBB-44E1-81B6-E54FF20221CB}" type="datetimeFigureOut">
               <a:rPr lang="zh-CN" altLang="en-US" smtClean="0"/>
-              <a:t>2019/4/5</a:t>
+              <a:t>2019/4/8</a:t>
             </a:fld>
             <a:endParaRPr lang="zh-CN" altLang="en-US"/>
           </a:p>
@@ -3534,6 +3535,13 @@
           </a:p>
           <a:p>
             <a:r>
+              <a:rPr lang="en-US" altLang="zh-CN" sz="1400" dirty="0" err="1"/>
+              <a:t>httpclient</a:t>
+            </a:r>
+            <a:endParaRPr lang="en-US" altLang="zh-CN" sz="1400" dirty="0"/>
+          </a:p>
+          <a:p>
+            <a:r>
               <a:rPr lang="zh-CN" altLang="en-US" sz="1400" dirty="0"/>
               <a:t>日志和监控（</a:t>
             </a:r>
@@ -5578,27 +5586,47 @@
           <a:p>
             <a:r>
               <a:rPr lang="zh-CN" altLang="en-US" sz="1400" dirty="0"/>
-              <a:t>配置文件</a:t>
+              <a:t>基于</a:t>
+            </a:r>
+            <a:r>
+              <a:rPr lang="en-US" altLang="zh-CN" sz="1400" dirty="0"/>
+              <a:t>cookie</a:t>
+            </a:r>
+            <a:r>
+              <a:rPr lang="zh-CN" altLang="en-US" sz="1400" dirty="0"/>
+              <a:t>固定角度授权验证</a:t>
             </a:r>
             <a:endParaRPr lang="en-US" altLang="zh-CN" sz="1400" dirty="0"/>
           </a:p>
           <a:p>
             <a:r>
               <a:rPr lang="zh-CN" altLang="en-US" sz="1400" dirty="0"/>
-              <a:t>热更新</a:t>
+              <a:t>基于</a:t>
             </a:r>
             <a:r>
               <a:rPr lang="en-US" altLang="zh-CN" sz="1400" dirty="0"/>
-              <a:t>(</a:t>
-            </a:r>
-            <a:r>
-              <a:rPr lang="zh-CN" altLang="en-US" sz="1400" dirty="0"/>
-              <a:t>内存会增加</a:t>
-            </a:r>
-            <a:r>
-              <a:rPr lang="en-US" altLang="zh-CN" sz="1400" dirty="0"/>
-              <a:t>)</a:t>
-            </a:r>
+              <a:t>cookie</a:t>
+            </a:r>
+            <a:r>
+              <a:rPr lang="zh-CN" altLang="en-US" sz="1400" dirty="0"/>
+              <a:t>自定义策略授权验证</a:t>
+            </a:r>
+            <a:endParaRPr lang="en-US" altLang="zh-CN" sz="1400" dirty="0"/>
+          </a:p>
+          <a:p>
+            <a:r>
+              <a:rPr lang="zh-CN" altLang="en-US" sz="1400" dirty="0"/>
+              <a:t>基于</a:t>
+            </a:r>
+            <a:r>
+              <a:rPr lang="en-US" altLang="zh-CN" sz="1400" dirty="0" err="1"/>
+              <a:t>jwt</a:t>
+            </a:r>
+            <a:r>
+              <a:rPr lang="zh-CN" altLang="en-US" sz="1400" dirty="0"/>
+              <a:t>自定义策略授权验证</a:t>
+            </a:r>
+            <a:endParaRPr lang="en-US" altLang="zh-CN" sz="1400" dirty="0"/>
           </a:p>
         </p:txBody>
       </p:sp>
@@ -5606,6 +5634,104 @@
     <p:extLst>
       <p:ext uri="{BB962C8B-B14F-4D97-AF65-F5344CB8AC3E}">
         <p14:creationId xmlns:p14="http://schemas.microsoft.com/office/powerpoint/2010/main" val="3489913332"/>
+      </p:ext>
+    </p:extLst>
+  </p:cSld>
+  <p:clrMapOvr>
+    <a:masterClrMapping/>
+  </p:clrMapOvr>
+</p:sld>
+</file>
+
+<file path=ppt/slides/slide9.xml><?xml version="1.0" encoding="utf-8"?>
+<p:sld xmlns:a="http://schemas.openxmlformats.org/drawingml/2006/main" xmlns:r="http://schemas.openxmlformats.org/officeDocument/2006/relationships" xmlns:p="http://schemas.openxmlformats.org/presentationml/2006/main">
+  <p:cSld>
+    <p:spTree>
+      <p:nvGrpSpPr>
+        <p:cNvPr id="1" name=""/>
+        <p:cNvGrpSpPr/>
+        <p:nvPr/>
+      </p:nvGrpSpPr>
+      <p:grpSpPr>
+        <a:xfrm>
+          <a:off x="0" y="0"/>
+          <a:ext cx="0" cy="0"/>
+          <a:chOff x="0" y="0"/>
+          <a:chExt cx="0" cy="0"/>
+        </a:xfrm>
+      </p:grpSpPr>
+      <p:sp>
+        <p:nvSpPr>
+          <p:cNvPr id="2" name="标题 1">
+            <a:extLst>
+              <a:ext uri="{FF2B5EF4-FFF2-40B4-BE49-F238E27FC236}">
+                <a16:creationId xmlns:a16="http://schemas.microsoft.com/office/drawing/2014/main" id="{D93F5457-E33E-4DFB-A0C6-F3B921696286}"/>
+              </a:ext>
+            </a:extLst>
+          </p:cNvPr>
+          <p:cNvSpPr>
+            <a:spLocks noGrp="1"/>
+          </p:cNvSpPr>
+          <p:nvPr>
+            <p:ph type="title"/>
+          </p:nvPr>
+        </p:nvSpPr>
+        <p:spPr/>
+        <p:txBody>
+          <a:bodyPr/>
+          <a:lstStyle/>
+          <a:p>
+            <a:r>
+              <a:rPr lang="en-US" altLang="zh-CN" dirty="0"/>
+              <a:t>Dapper</a:t>
+            </a:r>
+            <a:endParaRPr lang="zh-CN" altLang="en-US" dirty="0"/>
+          </a:p>
+        </p:txBody>
+      </p:sp>
+      <p:sp>
+        <p:nvSpPr>
+          <p:cNvPr id="15" name="内容占位符 2">
+            <a:extLst>
+              <a:ext uri="{FF2B5EF4-FFF2-40B4-BE49-F238E27FC236}">
+                <a16:creationId xmlns:a16="http://schemas.microsoft.com/office/drawing/2014/main" id="{00DFF36C-FF32-4635-B471-3925665516F8}"/>
+              </a:ext>
+            </a:extLst>
+          </p:cNvPr>
+          <p:cNvSpPr>
+            <a:spLocks noGrp="1"/>
+          </p:cNvSpPr>
+          <p:nvPr>
+            <p:ph idx="1"/>
+          </p:nvPr>
+        </p:nvSpPr>
+        <p:spPr>
+          <a:xfrm>
+            <a:off x="838200" y="1690687"/>
+            <a:ext cx="10515600" cy="4887665"/>
+          </a:xfrm>
+        </p:spPr>
+        <p:txBody>
+          <a:bodyPr>
+            <a:normAutofit/>
+          </a:bodyPr>
+          <a:lstStyle/>
+          <a:p>
+            <a:r>
+              <a:rPr lang="zh-CN" altLang="en-US" sz="1400" dirty="0"/>
+              <a:t>实现接口</a:t>
+            </a:r>
+            <a:r>
+              <a:rPr lang="en-US" altLang="zh-CN" sz="1400" dirty="0"/>
+              <a:t>Dapper</a:t>
+            </a:r>
+          </a:p>
+        </p:txBody>
+      </p:sp>
+    </p:spTree>
+    <p:extLst>
+      <p:ext uri="{BB962C8B-B14F-4D97-AF65-F5344CB8AC3E}">
+        <p14:creationId xmlns:p14="http://schemas.microsoft.com/office/powerpoint/2010/main" val="3093372791"/>
       </p:ext>
     </p:extLst>
   </p:cSld>

--- a/aspnetcore3.0course/docs/aspnetcore3.0course.pptx
+++ b/aspnetcore3.0course/docs/aspnetcore3.0course.pptx
@@ -14,6 +14,7 @@
     <p:sldId id="261" r:id="rId8"/>
     <p:sldId id="263" r:id="rId9"/>
     <p:sldId id="264" r:id="rId10"/>
+    <p:sldId id="265" r:id="rId11"/>
   </p:sldIdLst>
   <p:sldSz cx="12192000" cy="6858000"/>
   <p:notesSz cx="6858000" cy="9144000"/>
@@ -3420,6 +3421,104 @@
 </p:sld>
 </file>
 
+<file path=ppt/slides/slide10.xml><?xml version="1.0" encoding="utf-8"?>
+<p:sld xmlns:a="http://schemas.openxmlformats.org/drawingml/2006/main" xmlns:r="http://schemas.openxmlformats.org/officeDocument/2006/relationships" xmlns:p="http://schemas.openxmlformats.org/presentationml/2006/main">
+  <p:cSld>
+    <p:spTree>
+      <p:nvGrpSpPr>
+        <p:cNvPr id="1" name=""/>
+        <p:cNvGrpSpPr/>
+        <p:nvPr/>
+      </p:nvGrpSpPr>
+      <p:grpSpPr>
+        <a:xfrm>
+          <a:off x="0" y="0"/>
+          <a:ext cx="0" cy="0"/>
+          <a:chOff x="0" y="0"/>
+          <a:chExt cx="0" cy="0"/>
+        </a:xfrm>
+      </p:grpSpPr>
+      <p:sp>
+        <p:nvSpPr>
+          <p:cNvPr id="2" name="标题 1">
+            <a:extLst>
+              <a:ext uri="{FF2B5EF4-FFF2-40B4-BE49-F238E27FC236}">
+                <a16:creationId xmlns:a16="http://schemas.microsoft.com/office/drawing/2014/main" id="{D93F5457-E33E-4DFB-A0C6-F3B921696286}"/>
+              </a:ext>
+            </a:extLst>
+          </p:cNvPr>
+          <p:cNvSpPr>
+            <a:spLocks noGrp="1"/>
+          </p:cNvSpPr>
+          <p:nvPr>
+            <p:ph type="title"/>
+          </p:nvPr>
+        </p:nvSpPr>
+        <p:spPr/>
+        <p:txBody>
+          <a:bodyPr/>
+          <a:lstStyle/>
+          <a:p>
+            <a:r>
+              <a:rPr lang="en-US" altLang="zh-CN" dirty="0" err="1"/>
+              <a:t>HttpClient</a:t>
+            </a:r>
+            <a:endParaRPr lang="zh-CN" altLang="en-US" dirty="0"/>
+          </a:p>
+        </p:txBody>
+      </p:sp>
+      <p:sp>
+        <p:nvSpPr>
+          <p:cNvPr id="15" name="内容占位符 2">
+            <a:extLst>
+              <a:ext uri="{FF2B5EF4-FFF2-40B4-BE49-F238E27FC236}">
+                <a16:creationId xmlns:a16="http://schemas.microsoft.com/office/drawing/2014/main" id="{00DFF36C-FF32-4635-B471-3925665516F8}"/>
+              </a:ext>
+            </a:extLst>
+          </p:cNvPr>
+          <p:cNvSpPr>
+            <a:spLocks noGrp="1"/>
+          </p:cNvSpPr>
+          <p:nvPr>
+            <p:ph idx="1"/>
+          </p:nvPr>
+        </p:nvSpPr>
+        <p:spPr>
+          <a:xfrm>
+            <a:off x="838200" y="1690687"/>
+            <a:ext cx="10515600" cy="4887665"/>
+          </a:xfrm>
+        </p:spPr>
+        <p:txBody>
+          <a:bodyPr>
+            <a:normAutofit/>
+          </a:bodyPr>
+          <a:lstStyle/>
+          <a:p>
+            <a:r>
+              <a:rPr lang="zh-CN" altLang="en-US" sz="1400" dirty="0"/>
+              <a:t>实现接口</a:t>
+            </a:r>
+            <a:r>
+              <a:rPr lang="en-US" altLang="zh-CN" sz="1400" dirty="0"/>
+              <a:t>Dapper</a:t>
+            </a:r>
+          </a:p>
+        </p:txBody>
+      </p:sp>
+    </p:spTree>
+    <p:extLst>
+      <p:ext uri="{BB962C8B-B14F-4D97-AF65-F5344CB8AC3E}">
+        <p14:creationId xmlns:p14="http://schemas.microsoft.com/office/powerpoint/2010/main" val="814465082"/>
+      </p:ext>
+    </p:extLst>
+  </p:cSld>
+  <p:clrMapOvr>
+    <a:masterClrMapping/>
+  </p:clrMapOvr>
+</p:sld>
+</file>
+
 <file path=ppt/slides/slide2.xml><?xml version="1.0" encoding="utf-8"?>
 <p:sld xmlns:a="http://schemas.openxmlformats.org/drawingml/2006/main" xmlns:r="http://schemas.openxmlformats.org/officeDocument/2006/relationships" xmlns:p="http://schemas.openxmlformats.org/presentationml/2006/main">
   <p:cSld>
@@ -5719,12 +5818,42 @@
           <a:p>
             <a:r>
               <a:rPr lang="zh-CN" altLang="en-US" sz="1400" dirty="0"/>
-              <a:t>实现接口</a:t>
-            </a:r>
-            <a:r>
-              <a:rPr lang="en-US" altLang="zh-CN" sz="1400" dirty="0"/>
-              <a:t>Dapper</a:t>
-            </a:r>
+              <a:t>基本用法</a:t>
+            </a:r>
+            <a:endParaRPr lang="en-US" altLang="zh-CN" sz="1400" dirty="0"/>
+          </a:p>
+          <a:p>
+            <a:r>
+              <a:rPr lang="zh-CN" altLang="en-US" sz="1400" dirty="0"/>
+              <a:t>命名</a:t>
+            </a:r>
+            <a:r>
+              <a:rPr lang="en-US" altLang="zh-CN" sz="1400" dirty="0" err="1"/>
+              <a:t>HttpClient</a:t>
+            </a:r>
+            <a:endParaRPr lang="en-US" altLang="zh-CN" sz="1400" dirty="0"/>
+          </a:p>
+          <a:p>
+            <a:r>
+              <a:rPr lang="zh-CN" altLang="en-US" sz="1400" dirty="0"/>
+              <a:t>类型化</a:t>
+            </a:r>
+            <a:r>
+              <a:rPr lang="en-US" altLang="zh-CN" sz="1400" dirty="0" err="1"/>
+              <a:t>HttpClient</a:t>
+            </a:r>
+            <a:endParaRPr lang="en-US" altLang="zh-CN" sz="1400" dirty="0"/>
+          </a:p>
+          <a:p>
+            <a:r>
+              <a:rPr lang="zh-CN" altLang="en-US" sz="1400" dirty="0"/>
+              <a:t>容错</a:t>
+            </a:r>
+            <a:r>
+              <a:rPr lang="en-US" altLang="zh-CN" sz="1400"/>
+              <a:t>HttpClient</a:t>
+            </a:r>
+            <a:endParaRPr lang="en-US" altLang="zh-CN" sz="1400" dirty="0"/>
           </a:p>
         </p:txBody>
       </p:sp>

--- a/aspnetcore3.0course/docs/aspnetcore3.0course.pptx
+++ b/aspnetcore3.0course/docs/aspnetcore3.0course.pptx
@@ -15,6 +15,7 @@
     <p:sldId id="263" r:id="rId9"/>
     <p:sldId id="264" r:id="rId10"/>
     <p:sldId id="265" r:id="rId11"/>
+    <p:sldId id="266" r:id="rId12"/>
   </p:sldIdLst>
   <p:sldSz cx="12192000" cy="6858000"/>
   <p:notesSz cx="6858000" cy="9144000"/>
@@ -3519,6 +3520,123 @@
 </p:sld>
 </file>
 
+<file path=ppt/slides/slide11.xml><?xml version="1.0" encoding="utf-8"?>
+<p:sld xmlns:a="http://schemas.openxmlformats.org/drawingml/2006/main" xmlns:r="http://schemas.openxmlformats.org/officeDocument/2006/relationships" xmlns:p="http://schemas.openxmlformats.org/presentationml/2006/main">
+  <p:cSld>
+    <p:spTree>
+      <p:nvGrpSpPr>
+        <p:cNvPr id="1" name=""/>
+        <p:cNvGrpSpPr/>
+        <p:nvPr/>
+      </p:nvGrpSpPr>
+      <p:grpSpPr>
+        <a:xfrm>
+          <a:off x="0" y="0"/>
+          <a:ext cx="0" cy="0"/>
+          <a:chOff x="0" y="0"/>
+          <a:chExt cx="0" cy="0"/>
+        </a:xfrm>
+      </p:grpSpPr>
+      <p:sp>
+        <p:nvSpPr>
+          <p:cNvPr id="2" name="标题 1">
+            <a:extLst>
+              <a:ext uri="{FF2B5EF4-FFF2-40B4-BE49-F238E27FC236}">
+                <a16:creationId xmlns:a16="http://schemas.microsoft.com/office/drawing/2014/main" id="{D93F5457-E33E-4DFB-A0C6-F3B921696286}"/>
+              </a:ext>
+            </a:extLst>
+          </p:cNvPr>
+          <p:cNvSpPr>
+            <a:spLocks noGrp="1"/>
+          </p:cNvSpPr>
+          <p:nvPr>
+            <p:ph type="title"/>
+          </p:nvPr>
+        </p:nvSpPr>
+        <p:spPr/>
+        <p:txBody>
+          <a:bodyPr/>
+          <a:lstStyle/>
+          <a:p>
+            <a:r>
+              <a:rPr lang="en-US" altLang="zh-CN" dirty="0" err="1"/>
+              <a:t>GlobalizationLocalization</a:t>
+            </a:r>
+            <a:endParaRPr lang="zh-CN" altLang="en-US" dirty="0"/>
+          </a:p>
+        </p:txBody>
+      </p:sp>
+      <p:sp>
+        <p:nvSpPr>
+          <p:cNvPr id="15" name="内容占位符 2">
+            <a:extLst>
+              <a:ext uri="{FF2B5EF4-FFF2-40B4-BE49-F238E27FC236}">
+                <a16:creationId xmlns:a16="http://schemas.microsoft.com/office/drawing/2014/main" id="{00DFF36C-FF32-4635-B471-3925665516F8}"/>
+              </a:ext>
+            </a:extLst>
+          </p:cNvPr>
+          <p:cNvSpPr>
+            <a:spLocks noGrp="1"/>
+          </p:cNvSpPr>
+          <p:nvPr>
+            <p:ph idx="1"/>
+          </p:nvPr>
+        </p:nvSpPr>
+        <p:spPr>
+          <a:xfrm>
+            <a:off x="838200" y="1690687"/>
+            <a:ext cx="10515600" cy="4887665"/>
+          </a:xfrm>
+        </p:spPr>
+        <p:txBody>
+          <a:bodyPr>
+            <a:normAutofit/>
+          </a:bodyPr>
+          <a:lstStyle/>
+          <a:p>
+            <a:r>
+              <a:rPr lang="zh-CN" altLang="en-US" sz="1400" dirty="0"/>
+              <a:t>全局资源</a:t>
+            </a:r>
+            <a:endParaRPr lang="en-US" altLang="zh-CN" sz="1400" dirty="0"/>
+          </a:p>
+          <a:p>
+            <a:r>
+              <a:rPr lang="en-US" altLang="zh-CN" sz="1400" dirty="0"/>
+              <a:t>Controller</a:t>
+            </a:r>
+            <a:r>
+              <a:rPr lang="zh-CN" altLang="en-US" sz="1400" dirty="0"/>
+              <a:t>资源</a:t>
+            </a:r>
+            <a:endParaRPr lang="en-US" altLang="zh-CN" sz="1400" dirty="0"/>
+          </a:p>
+          <a:p>
+            <a:r>
+              <a:rPr lang="en-US" altLang="zh-CN" sz="1400" dirty="0"/>
+              <a:t>View</a:t>
+            </a:r>
+            <a:r>
+              <a:rPr lang="zh-CN" altLang="en-US" sz="1400"/>
+              <a:t>资源</a:t>
+            </a:r>
+            <a:endParaRPr lang="en-US" altLang="zh-CN" sz="1400" dirty="0"/>
+          </a:p>
+        </p:txBody>
+      </p:sp>
+    </p:spTree>
+    <p:extLst>
+      <p:ext uri="{BB962C8B-B14F-4D97-AF65-F5344CB8AC3E}">
+        <p14:creationId xmlns:p14="http://schemas.microsoft.com/office/powerpoint/2010/main" val="4071945648"/>
+      </p:ext>
+    </p:extLst>
+  </p:cSld>
+  <p:clrMapOvr>
+    <a:masterClrMapping/>
+  </p:clrMapOvr>
+</p:sld>
+</file>
+
 <file path=ppt/slides/slide2.xml><?xml version="1.0" encoding="utf-8"?>
 <p:sld xmlns:a="http://schemas.openxmlformats.org/drawingml/2006/main" xmlns:r="http://schemas.openxmlformats.org/officeDocument/2006/relationships" xmlns:p="http://schemas.openxmlformats.org/presentationml/2006/main">
   <p:cSld>
@@ -5850,7 +5968,7 @@
               <a:t>容错</a:t>
             </a:r>
             <a:r>
-              <a:rPr lang="en-US" altLang="zh-CN" sz="1400"/>
+              <a:rPr lang="en-US" altLang="zh-CN" sz="1400" dirty="0" err="1"/>
               <a:t>HttpClient</a:t>
             </a:r>
             <a:endParaRPr lang="en-US" altLang="zh-CN" sz="1400" dirty="0"/>

--- a/aspnetcore3.0course/docs/aspnetcore3.0course.pptx
+++ b/aspnetcore3.0course/docs/aspnetcore3.0course.pptx
@@ -7,15 +7,16 @@
   <p:sldIdLst>
     <p:sldId id="256" r:id="rId2"/>
     <p:sldId id="257" r:id="rId3"/>
-    <p:sldId id="262" r:id="rId4"/>
-    <p:sldId id="258" r:id="rId5"/>
-    <p:sldId id="260" r:id="rId6"/>
-    <p:sldId id="259" r:id="rId7"/>
-    <p:sldId id="261" r:id="rId8"/>
-    <p:sldId id="263" r:id="rId9"/>
-    <p:sldId id="264" r:id="rId10"/>
+    <p:sldId id="267" r:id="rId4"/>
+    <p:sldId id="262" r:id="rId5"/>
+    <p:sldId id="258" r:id="rId6"/>
+    <p:sldId id="260" r:id="rId7"/>
+    <p:sldId id="259" r:id="rId8"/>
+    <p:sldId id="261" r:id="rId9"/>
+    <p:sldId id="263" r:id="rId10"/>
     <p:sldId id="265" r:id="rId11"/>
     <p:sldId id="266" r:id="rId12"/>
+    <p:sldId id="264" r:id="rId13"/>
   </p:sldIdLst>
   <p:sldSz cx="12192000" cy="6858000"/>
   <p:notesSz cx="6858000" cy="9144000"/>
@@ -269,7 +270,7 @@
           <a:p>
             <a:fld id="{0CB35010-EDBB-44E1-81B6-E54FF20221CB}" type="datetimeFigureOut">
               <a:rPr lang="zh-CN" altLang="en-US" smtClean="0"/>
-              <a:t>2019/4/8</a:t>
+              <a:t>2019/4/9</a:t>
             </a:fld>
             <a:endParaRPr lang="zh-CN" altLang="en-US"/>
           </a:p>
@@ -467,7 +468,7 @@
           <a:p>
             <a:fld id="{0CB35010-EDBB-44E1-81B6-E54FF20221CB}" type="datetimeFigureOut">
               <a:rPr lang="zh-CN" altLang="en-US" smtClean="0"/>
-              <a:t>2019/4/8</a:t>
+              <a:t>2019/4/9</a:t>
             </a:fld>
             <a:endParaRPr lang="zh-CN" altLang="en-US"/>
           </a:p>
@@ -675,7 +676,7 @@
           <a:p>
             <a:fld id="{0CB35010-EDBB-44E1-81B6-E54FF20221CB}" type="datetimeFigureOut">
               <a:rPr lang="zh-CN" altLang="en-US" smtClean="0"/>
-              <a:t>2019/4/8</a:t>
+              <a:t>2019/4/9</a:t>
             </a:fld>
             <a:endParaRPr lang="zh-CN" altLang="en-US"/>
           </a:p>
@@ -873,7 +874,7 @@
           <a:p>
             <a:fld id="{0CB35010-EDBB-44E1-81B6-E54FF20221CB}" type="datetimeFigureOut">
               <a:rPr lang="zh-CN" altLang="en-US" smtClean="0"/>
-              <a:t>2019/4/8</a:t>
+              <a:t>2019/4/9</a:t>
             </a:fld>
             <a:endParaRPr lang="zh-CN" altLang="en-US"/>
           </a:p>
@@ -1148,7 +1149,7 @@
           <a:p>
             <a:fld id="{0CB35010-EDBB-44E1-81B6-E54FF20221CB}" type="datetimeFigureOut">
               <a:rPr lang="zh-CN" altLang="en-US" smtClean="0"/>
-              <a:t>2019/4/8</a:t>
+              <a:t>2019/4/9</a:t>
             </a:fld>
             <a:endParaRPr lang="zh-CN" altLang="en-US"/>
           </a:p>
@@ -1413,7 +1414,7 @@
           <a:p>
             <a:fld id="{0CB35010-EDBB-44E1-81B6-E54FF20221CB}" type="datetimeFigureOut">
               <a:rPr lang="zh-CN" altLang="en-US" smtClean="0"/>
-              <a:t>2019/4/8</a:t>
+              <a:t>2019/4/9</a:t>
             </a:fld>
             <a:endParaRPr lang="zh-CN" altLang="en-US"/>
           </a:p>
@@ -1825,7 +1826,7 @@
           <a:p>
             <a:fld id="{0CB35010-EDBB-44E1-81B6-E54FF20221CB}" type="datetimeFigureOut">
               <a:rPr lang="zh-CN" altLang="en-US" smtClean="0"/>
-              <a:t>2019/4/8</a:t>
+              <a:t>2019/4/9</a:t>
             </a:fld>
             <a:endParaRPr lang="zh-CN" altLang="en-US"/>
           </a:p>
@@ -1966,7 +1967,7 @@
           <a:p>
             <a:fld id="{0CB35010-EDBB-44E1-81B6-E54FF20221CB}" type="datetimeFigureOut">
               <a:rPr lang="zh-CN" altLang="en-US" smtClean="0"/>
-              <a:t>2019/4/8</a:t>
+              <a:t>2019/4/9</a:t>
             </a:fld>
             <a:endParaRPr lang="zh-CN" altLang="en-US"/>
           </a:p>
@@ -2079,7 +2080,7 @@
           <a:p>
             <a:fld id="{0CB35010-EDBB-44E1-81B6-E54FF20221CB}" type="datetimeFigureOut">
               <a:rPr lang="zh-CN" altLang="en-US" smtClean="0"/>
-              <a:t>2019/4/8</a:t>
+              <a:t>2019/4/9</a:t>
             </a:fld>
             <a:endParaRPr lang="zh-CN" altLang="en-US"/>
           </a:p>
@@ -2390,7 +2391,7 @@
           <a:p>
             <a:fld id="{0CB35010-EDBB-44E1-81B6-E54FF20221CB}" type="datetimeFigureOut">
               <a:rPr lang="zh-CN" altLang="en-US" smtClean="0"/>
-              <a:t>2019/4/8</a:t>
+              <a:t>2019/4/9</a:t>
             </a:fld>
             <a:endParaRPr lang="zh-CN" altLang="en-US"/>
           </a:p>
@@ -2678,7 +2679,7 @@
           <a:p>
             <a:fld id="{0CB35010-EDBB-44E1-81B6-E54FF20221CB}" type="datetimeFigureOut">
               <a:rPr lang="zh-CN" altLang="en-US" smtClean="0"/>
-              <a:t>2019/4/8</a:t>
+              <a:t>2019/4/9</a:t>
             </a:fld>
             <a:endParaRPr lang="zh-CN" altLang="en-US"/>
           </a:p>
@@ -2919,7 +2920,7 @@
           <a:p>
             <a:fld id="{0CB35010-EDBB-44E1-81B6-E54FF20221CB}" type="datetimeFigureOut">
               <a:rPr lang="zh-CN" altLang="en-US" smtClean="0"/>
-              <a:t>2019/4/8</a:t>
+              <a:t>2019/4/9</a:t>
             </a:fld>
             <a:endParaRPr lang="zh-CN" altLang="en-US"/>
           </a:p>
@@ -3498,12 +3499,42 @@
           <a:p>
             <a:r>
               <a:rPr lang="zh-CN" altLang="en-US" sz="1400" dirty="0"/>
-              <a:t>实现接口</a:t>
-            </a:r>
-            <a:r>
-              <a:rPr lang="en-US" altLang="zh-CN" sz="1400" dirty="0"/>
-              <a:t>Dapper</a:t>
-            </a:r>
+              <a:t>基本用法</a:t>
+            </a:r>
+            <a:endParaRPr lang="en-US" altLang="zh-CN" sz="1400" dirty="0"/>
+          </a:p>
+          <a:p>
+            <a:r>
+              <a:rPr lang="zh-CN" altLang="en-US" sz="1400" dirty="0"/>
+              <a:t>命名</a:t>
+            </a:r>
+            <a:r>
+              <a:rPr lang="en-US" altLang="zh-CN" sz="1400" dirty="0" err="1"/>
+              <a:t>HttpClient</a:t>
+            </a:r>
+            <a:endParaRPr lang="en-US" altLang="zh-CN" sz="1400" dirty="0"/>
+          </a:p>
+          <a:p>
+            <a:r>
+              <a:rPr lang="zh-CN" altLang="en-US" sz="1400" dirty="0"/>
+              <a:t>类型化</a:t>
+            </a:r>
+            <a:r>
+              <a:rPr lang="en-US" altLang="zh-CN" sz="1400" dirty="0" err="1"/>
+              <a:t>HttpClient</a:t>
+            </a:r>
+            <a:endParaRPr lang="en-US" altLang="zh-CN" sz="1400" dirty="0"/>
+          </a:p>
+          <a:p>
+            <a:r>
+              <a:rPr lang="zh-CN" altLang="en-US" sz="1400" dirty="0"/>
+              <a:t>容错</a:t>
+            </a:r>
+            <a:r>
+              <a:rPr lang="en-US" altLang="zh-CN" sz="1400" dirty="0" err="1"/>
+              <a:t>HttpClient</a:t>
+            </a:r>
+            <a:endParaRPr lang="en-US" altLang="zh-CN" sz="1400" dirty="0"/>
           </a:p>
         </p:txBody>
       </p:sp>
@@ -3617,8 +3648,19 @@
               <a:t>View</a:t>
             </a:r>
             <a:r>
-              <a:rPr lang="zh-CN" altLang="en-US" sz="1400"/>
+              <a:rPr lang="zh-CN" altLang="en-US" sz="1400" dirty="0"/>
               <a:t>资源</a:t>
+            </a:r>
+            <a:endParaRPr lang="en-US" altLang="zh-CN" sz="1400" dirty="0"/>
+          </a:p>
+          <a:p>
+            <a:r>
+              <a:rPr lang="en-US" altLang="zh-CN" sz="1400" dirty="0"/>
+              <a:t>Data Annotations</a:t>
+            </a:r>
+            <a:r>
+              <a:rPr lang="zh-CN" altLang="en-US" sz="1400" dirty="0"/>
+              <a:t>（数据注释）</a:t>
             </a:r>
             <a:endParaRPr lang="en-US" altLang="zh-CN" sz="1400" dirty="0"/>
           </a:p>
@@ -3628,6 +3670,97 @@
     <p:extLst>
       <p:ext uri="{BB962C8B-B14F-4D97-AF65-F5344CB8AC3E}">
         <p14:creationId xmlns:p14="http://schemas.microsoft.com/office/powerpoint/2010/main" val="4071945648"/>
+      </p:ext>
+    </p:extLst>
+  </p:cSld>
+  <p:clrMapOvr>
+    <a:masterClrMapping/>
+  </p:clrMapOvr>
+</p:sld>
+</file>
+
+<file path=ppt/slides/slide12.xml><?xml version="1.0" encoding="utf-8"?>
+<p:sld xmlns:a="http://schemas.openxmlformats.org/drawingml/2006/main" xmlns:r="http://schemas.openxmlformats.org/officeDocument/2006/relationships" xmlns:p="http://schemas.openxmlformats.org/presentationml/2006/main">
+  <p:cSld>
+    <p:spTree>
+      <p:nvGrpSpPr>
+        <p:cNvPr id="1" name=""/>
+        <p:cNvGrpSpPr/>
+        <p:nvPr/>
+      </p:nvGrpSpPr>
+      <p:grpSpPr>
+        <a:xfrm>
+          <a:off x="0" y="0"/>
+          <a:ext cx="0" cy="0"/>
+          <a:chOff x="0" y="0"/>
+          <a:chExt cx="0" cy="0"/>
+        </a:xfrm>
+      </p:grpSpPr>
+      <p:sp>
+        <p:nvSpPr>
+          <p:cNvPr id="2" name="标题 1">
+            <a:extLst>
+              <a:ext uri="{FF2B5EF4-FFF2-40B4-BE49-F238E27FC236}">
+                <a16:creationId xmlns:a16="http://schemas.microsoft.com/office/drawing/2014/main" id="{D93F5457-E33E-4DFB-A0C6-F3B921696286}"/>
+              </a:ext>
+            </a:extLst>
+          </p:cNvPr>
+          <p:cNvSpPr>
+            <a:spLocks noGrp="1"/>
+          </p:cNvSpPr>
+          <p:nvPr>
+            <p:ph type="title"/>
+          </p:nvPr>
+        </p:nvSpPr>
+        <p:spPr/>
+        <p:txBody>
+          <a:bodyPr/>
+          <a:lstStyle/>
+          <a:p>
+            <a:r>
+              <a:rPr lang="en-US" altLang="zh-CN" dirty="0"/>
+              <a:t>Dapper</a:t>
+            </a:r>
+            <a:endParaRPr lang="zh-CN" altLang="en-US" dirty="0"/>
+          </a:p>
+        </p:txBody>
+      </p:sp>
+      <p:sp>
+        <p:nvSpPr>
+          <p:cNvPr id="15" name="内容占位符 2">
+            <a:extLst>
+              <a:ext uri="{FF2B5EF4-FFF2-40B4-BE49-F238E27FC236}">
+                <a16:creationId xmlns:a16="http://schemas.microsoft.com/office/drawing/2014/main" id="{00DFF36C-FF32-4635-B471-3925665516F8}"/>
+              </a:ext>
+            </a:extLst>
+          </p:cNvPr>
+          <p:cNvSpPr>
+            <a:spLocks noGrp="1"/>
+          </p:cNvSpPr>
+          <p:nvPr>
+            <p:ph idx="1"/>
+          </p:nvPr>
+        </p:nvSpPr>
+        <p:spPr>
+          <a:xfrm>
+            <a:off x="838200" y="1690687"/>
+            <a:ext cx="10515600" cy="4887665"/>
+          </a:xfrm>
+        </p:spPr>
+        <p:txBody>
+          <a:bodyPr>
+            <a:normAutofit/>
+          </a:bodyPr>
+          <a:lstStyle/>
+          <a:p>
+            <a:endParaRPr lang="en-US" altLang="zh-CN" sz="1400" dirty="0"/>
+          </a:p>
+        </p:txBody>
+      </p:sp>
+    </p:spTree>
+    <p:extLst>
+      <p:ext uri="{BB962C8B-B14F-4D97-AF65-F5344CB8AC3E}">
+        <p14:creationId xmlns:p14="http://schemas.microsoft.com/office/powerpoint/2010/main" val="3093372791"/>
       </p:ext>
     </p:extLst>
   </p:cSld>
@@ -3739,23 +3872,23 @@
           </a:p>
           <a:p>
             <a:r>
+              <a:rPr lang="zh-CN" altLang="en-US" sz="1400" dirty="0"/>
+              <a:t>全球化与本地化</a:t>
+            </a:r>
+            <a:endParaRPr lang="en-US" altLang="zh-CN" sz="1400" dirty="0"/>
+          </a:p>
+          <a:p>
+            <a:r>
+              <a:rPr lang="en-US" altLang="zh-CN" sz="1400" dirty="0" err="1"/>
+              <a:t>Httpclient</a:t>
+            </a:r>
+            <a:endParaRPr lang="en-US" altLang="zh-CN" sz="1400" dirty="0"/>
+          </a:p>
+          <a:p>
+            <a:r>
               <a:rPr lang="en-US" altLang="zh-CN" sz="1400" dirty="0"/>
               <a:t>Dapper</a:t>
             </a:r>
-          </a:p>
-          <a:p>
-            <a:r>
-              <a:rPr lang="zh-CN" altLang="en-US" sz="1400" dirty="0"/>
-              <a:t>全球化与本地化</a:t>
-            </a:r>
-            <a:endParaRPr lang="en-US" altLang="zh-CN" sz="1400" dirty="0"/>
-          </a:p>
-          <a:p>
-            <a:r>
-              <a:rPr lang="en-US" altLang="zh-CN" sz="1400" dirty="0" err="1"/>
-              <a:t>httpclient</a:t>
-            </a:r>
-            <a:endParaRPr lang="en-US" altLang="zh-CN" sz="1400" dirty="0"/>
           </a:p>
           <a:p>
             <a:r>
@@ -3922,6 +4055,276 @@
       </p:grpSpPr>
       <p:sp>
         <p:nvSpPr>
+          <p:cNvPr id="2" name="内容占位符 2">
+            <a:extLst>
+              <a:ext uri="{FF2B5EF4-FFF2-40B4-BE49-F238E27FC236}">
+                <a16:creationId xmlns:a16="http://schemas.microsoft.com/office/drawing/2014/main" id="{CAB87FA1-01A2-45EB-B868-7A5C48E2BB63}"/>
+              </a:ext>
+            </a:extLst>
+          </p:cNvPr>
+          <p:cNvSpPr txBox="1">
+            <a:spLocks/>
+          </p:cNvSpPr>
+          <p:nvPr/>
+        </p:nvSpPr>
+        <p:spPr>
+          <a:xfrm>
+            <a:off x="838200" y="1690687"/>
+            <a:ext cx="10515600" cy="4887665"/>
+          </a:xfrm>
+          <a:prstGeom prst="rect">
+            <a:avLst/>
+          </a:prstGeom>
+        </p:spPr>
+        <p:txBody>
+          <a:bodyPr>
+            <a:normAutofit/>
+          </a:bodyPr>
+          <a:lstStyle>
+            <a:lvl1pPr marL="228600" indent="-228600" algn="l" defTabSz="914400" rtl="0" eaLnBrk="1" latinLnBrk="0" hangingPunct="1">
+              <a:lnSpc>
+                <a:spcPct val="90000"/>
+              </a:lnSpc>
+              <a:spcBef>
+                <a:spcPts val="1000"/>
+              </a:spcBef>
+              <a:buFont typeface="Arial" panose="020B0604020202020204" pitchFamily="34" charset="0"/>
+              <a:buChar char="•"/>
+              <a:defRPr sz="2800" kern="1200">
+                <a:solidFill>
+                  <a:schemeClr val="tx1"/>
+                </a:solidFill>
+                <a:latin typeface="+mn-lt"/>
+                <a:ea typeface="+mn-ea"/>
+                <a:cs typeface="+mn-cs"/>
+              </a:defRPr>
+            </a:lvl1pPr>
+            <a:lvl2pPr marL="685800" indent="-228600" algn="l" defTabSz="914400" rtl="0" eaLnBrk="1" latinLnBrk="0" hangingPunct="1">
+              <a:lnSpc>
+                <a:spcPct val="90000"/>
+              </a:lnSpc>
+              <a:spcBef>
+                <a:spcPts val="500"/>
+              </a:spcBef>
+              <a:buFont typeface="Arial" panose="020B0604020202020204" pitchFamily="34" charset="0"/>
+              <a:buChar char="•"/>
+              <a:defRPr sz="2400" kern="1200">
+                <a:solidFill>
+                  <a:schemeClr val="tx1"/>
+                </a:solidFill>
+                <a:latin typeface="+mn-lt"/>
+                <a:ea typeface="+mn-ea"/>
+                <a:cs typeface="+mn-cs"/>
+              </a:defRPr>
+            </a:lvl2pPr>
+            <a:lvl3pPr marL="1143000" indent="-228600" algn="l" defTabSz="914400" rtl="0" eaLnBrk="1" latinLnBrk="0" hangingPunct="1">
+              <a:lnSpc>
+                <a:spcPct val="90000"/>
+              </a:lnSpc>
+              <a:spcBef>
+                <a:spcPts val="500"/>
+              </a:spcBef>
+              <a:buFont typeface="Arial" panose="020B0604020202020204" pitchFamily="34" charset="0"/>
+              <a:buChar char="•"/>
+              <a:defRPr sz="2000" kern="1200">
+                <a:solidFill>
+                  <a:schemeClr val="tx1"/>
+                </a:solidFill>
+                <a:latin typeface="+mn-lt"/>
+                <a:ea typeface="+mn-ea"/>
+                <a:cs typeface="+mn-cs"/>
+              </a:defRPr>
+            </a:lvl3pPr>
+            <a:lvl4pPr marL="1600200" indent="-228600" algn="l" defTabSz="914400" rtl="0" eaLnBrk="1" latinLnBrk="0" hangingPunct="1">
+              <a:lnSpc>
+                <a:spcPct val="90000"/>
+              </a:lnSpc>
+              <a:spcBef>
+                <a:spcPts val="500"/>
+              </a:spcBef>
+              <a:buFont typeface="Arial" panose="020B0604020202020204" pitchFamily="34" charset="0"/>
+              <a:buChar char="•"/>
+              <a:defRPr sz="1800" kern="1200">
+                <a:solidFill>
+                  <a:schemeClr val="tx1"/>
+                </a:solidFill>
+                <a:latin typeface="+mn-lt"/>
+                <a:ea typeface="+mn-ea"/>
+                <a:cs typeface="+mn-cs"/>
+              </a:defRPr>
+            </a:lvl4pPr>
+            <a:lvl5pPr marL="2057400" indent="-228600" algn="l" defTabSz="914400" rtl="0" eaLnBrk="1" latinLnBrk="0" hangingPunct="1">
+              <a:lnSpc>
+                <a:spcPct val="90000"/>
+              </a:lnSpc>
+              <a:spcBef>
+                <a:spcPts val="500"/>
+              </a:spcBef>
+              <a:buFont typeface="Arial" panose="020B0604020202020204" pitchFamily="34" charset="0"/>
+              <a:buChar char="•"/>
+              <a:defRPr sz="1800" kern="1200">
+                <a:solidFill>
+                  <a:schemeClr val="tx1"/>
+                </a:solidFill>
+                <a:latin typeface="+mn-lt"/>
+                <a:ea typeface="+mn-ea"/>
+                <a:cs typeface="+mn-cs"/>
+              </a:defRPr>
+            </a:lvl5pPr>
+            <a:lvl6pPr marL="2514600" indent="-228600" algn="l" defTabSz="914400" rtl="0" eaLnBrk="1" latinLnBrk="0" hangingPunct="1">
+              <a:lnSpc>
+                <a:spcPct val="90000"/>
+              </a:lnSpc>
+              <a:spcBef>
+                <a:spcPts val="500"/>
+              </a:spcBef>
+              <a:buFont typeface="Arial" panose="020B0604020202020204" pitchFamily="34" charset="0"/>
+              <a:buChar char="•"/>
+              <a:defRPr sz="1800" kern="1200">
+                <a:solidFill>
+                  <a:schemeClr val="tx1"/>
+                </a:solidFill>
+                <a:latin typeface="+mn-lt"/>
+                <a:ea typeface="+mn-ea"/>
+                <a:cs typeface="+mn-cs"/>
+              </a:defRPr>
+            </a:lvl6pPr>
+            <a:lvl7pPr marL="2971800" indent="-228600" algn="l" defTabSz="914400" rtl="0" eaLnBrk="1" latinLnBrk="0" hangingPunct="1">
+              <a:lnSpc>
+                <a:spcPct val="90000"/>
+              </a:lnSpc>
+              <a:spcBef>
+                <a:spcPts val="500"/>
+              </a:spcBef>
+              <a:buFont typeface="Arial" panose="020B0604020202020204" pitchFamily="34" charset="0"/>
+              <a:buChar char="•"/>
+              <a:defRPr sz="1800" kern="1200">
+                <a:solidFill>
+                  <a:schemeClr val="tx1"/>
+                </a:solidFill>
+                <a:latin typeface="+mn-lt"/>
+                <a:ea typeface="+mn-ea"/>
+                <a:cs typeface="+mn-cs"/>
+              </a:defRPr>
+            </a:lvl7pPr>
+            <a:lvl8pPr marL="3429000" indent="-228600" algn="l" defTabSz="914400" rtl="0" eaLnBrk="1" latinLnBrk="0" hangingPunct="1">
+              <a:lnSpc>
+                <a:spcPct val="90000"/>
+              </a:lnSpc>
+              <a:spcBef>
+                <a:spcPts val="500"/>
+              </a:spcBef>
+              <a:buFont typeface="Arial" panose="020B0604020202020204" pitchFamily="34" charset="0"/>
+              <a:buChar char="•"/>
+              <a:defRPr sz="1800" kern="1200">
+                <a:solidFill>
+                  <a:schemeClr val="tx1"/>
+                </a:solidFill>
+                <a:latin typeface="+mn-lt"/>
+                <a:ea typeface="+mn-ea"/>
+                <a:cs typeface="+mn-cs"/>
+              </a:defRPr>
+            </a:lvl8pPr>
+            <a:lvl9pPr marL="3886200" indent="-228600" algn="l" defTabSz="914400" rtl="0" eaLnBrk="1" latinLnBrk="0" hangingPunct="1">
+              <a:lnSpc>
+                <a:spcPct val="90000"/>
+              </a:lnSpc>
+              <a:spcBef>
+                <a:spcPts val="500"/>
+              </a:spcBef>
+              <a:buFont typeface="Arial" panose="020B0604020202020204" pitchFamily="34" charset="0"/>
+              <a:buChar char="•"/>
+              <a:defRPr sz="1800" kern="1200">
+                <a:solidFill>
+                  <a:schemeClr val="tx1"/>
+                </a:solidFill>
+                <a:latin typeface="+mn-lt"/>
+                <a:ea typeface="+mn-ea"/>
+                <a:cs typeface="+mn-cs"/>
+              </a:defRPr>
+            </a:lvl9pPr>
+          </a:lstStyle>
+          <a:p>
+            <a:r>
+              <a:rPr lang="zh-CN" altLang="en-US" sz="1400" dirty="0"/>
+              <a:t>对</a:t>
+            </a:r>
+            <a:r>
+              <a:rPr lang="en-US" altLang="zh-CN" sz="1400" dirty="0"/>
+              <a:t>docker</a:t>
+            </a:r>
+            <a:r>
+              <a:rPr lang="zh-CN" altLang="en-US" sz="1400" dirty="0"/>
+              <a:t>的友好支持</a:t>
+            </a:r>
+            <a:endParaRPr lang="en-US" altLang="zh-CN" sz="1400" dirty="0"/>
+          </a:p>
+          <a:p>
+            <a:r>
+              <a:rPr lang="zh-CN" altLang="en-US" sz="1400" dirty="0"/>
+              <a:t>依赖注入的模式，对接口编程</a:t>
+            </a:r>
+            <a:endParaRPr lang="en-US" altLang="zh-CN" sz="1400" dirty="0"/>
+          </a:p>
+          <a:p>
+            <a:r>
+              <a:rPr lang="zh-CN" altLang="en-US" sz="1400" dirty="0"/>
+              <a:t>配置文件</a:t>
+            </a:r>
+            <a:endParaRPr lang="en-US" altLang="zh-CN" sz="1400" dirty="0"/>
+          </a:p>
+          <a:p>
+            <a:r>
+              <a:rPr lang="zh-CN" altLang="en-US" sz="1400" dirty="0"/>
+              <a:t>分布式缓存</a:t>
+            </a:r>
+            <a:endParaRPr lang="en-US" altLang="zh-CN" sz="1400" dirty="0"/>
+          </a:p>
+          <a:p>
+            <a:r>
+              <a:rPr lang="en-US" altLang="zh-CN" sz="1400" dirty="0" err="1"/>
+              <a:t>HttpClient</a:t>
+            </a:r>
+            <a:r>
+              <a:rPr lang="zh-CN" altLang="en-US" sz="1400" dirty="0"/>
+              <a:t>重试熔断机制</a:t>
+            </a:r>
+            <a:endParaRPr lang="en-US" altLang="zh-CN" sz="1400" dirty="0"/>
+          </a:p>
+        </p:txBody>
+      </p:sp>
+    </p:spTree>
+    <p:extLst>
+      <p:ext uri="{BB962C8B-B14F-4D97-AF65-F5344CB8AC3E}">
+        <p14:creationId xmlns:p14="http://schemas.microsoft.com/office/powerpoint/2010/main" val="3076961392"/>
+      </p:ext>
+    </p:extLst>
+  </p:cSld>
+  <p:clrMapOvr>
+    <a:masterClrMapping/>
+  </p:clrMapOvr>
+</p:sld>
+</file>
+
+<file path=ppt/slides/slide4.xml><?xml version="1.0" encoding="utf-8"?>
+<p:sld xmlns:a="http://schemas.openxmlformats.org/drawingml/2006/main" xmlns:r="http://schemas.openxmlformats.org/officeDocument/2006/relationships" xmlns:p="http://schemas.openxmlformats.org/presentationml/2006/main">
+  <p:cSld>
+    <p:spTree>
+      <p:nvGrpSpPr>
+        <p:cNvPr id="1" name=""/>
+        <p:cNvGrpSpPr/>
+        <p:nvPr/>
+      </p:nvGrpSpPr>
+      <p:grpSpPr>
+        <a:xfrm>
+          <a:off x="0" y="0"/>
+          <a:ext cx="0" cy="0"/>
+          <a:chOff x="0" y="0"/>
+          <a:chExt cx="0" cy="0"/>
+        </a:xfrm>
+      </p:grpSpPr>
+      <p:sp>
+        <p:nvSpPr>
           <p:cNvPr id="2" name="标题 1">
             <a:extLst>
               <a:ext uri="{FF2B5EF4-FFF2-40B4-BE49-F238E27FC236}">
@@ -4000,7 +4403,7 @@
 </p:sld>
 </file>
 
-<file path=ppt/slides/slide4.xml><?xml version="1.0" encoding="utf-8"?>
+<file path=ppt/slides/slide5.xml><?xml version="1.0" encoding="utf-8"?>
 <p:sld xmlns:a="http://schemas.openxmlformats.org/drawingml/2006/main" xmlns:r="http://schemas.openxmlformats.org/officeDocument/2006/relationships" xmlns:p="http://schemas.openxmlformats.org/presentationml/2006/main">
   <p:cSld>
     <p:spTree>
@@ -4875,119 +5278,6 @@
 </p:sld>
 </file>
 
-<file path=ppt/slides/slide5.xml><?xml version="1.0" encoding="utf-8"?>
-<p:sld xmlns:a="http://schemas.openxmlformats.org/drawingml/2006/main" xmlns:r="http://schemas.openxmlformats.org/officeDocument/2006/relationships" xmlns:p="http://schemas.openxmlformats.org/presentationml/2006/main">
-  <p:cSld>
-    <p:spTree>
-      <p:nvGrpSpPr>
-        <p:cNvPr id="1" name=""/>
-        <p:cNvGrpSpPr/>
-        <p:nvPr/>
-      </p:nvGrpSpPr>
-      <p:grpSpPr>
-        <a:xfrm>
-          <a:off x="0" y="0"/>
-          <a:ext cx="0" cy="0"/>
-          <a:chOff x="0" y="0"/>
-          <a:chExt cx="0" cy="0"/>
-        </a:xfrm>
-      </p:grpSpPr>
-      <p:sp>
-        <p:nvSpPr>
-          <p:cNvPr id="2" name="标题 1">
-            <a:extLst>
-              <a:ext uri="{FF2B5EF4-FFF2-40B4-BE49-F238E27FC236}">
-                <a16:creationId xmlns:a16="http://schemas.microsoft.com/office/drawing/2014/main" id="{D93F5457-E33E-4DFB-A0C6-F3B921696286}"/>
-              </a:ext>
-            </a:extLst>
-          </p:cNvPr>
-          <p:cNvSpPr>
-            <a:spLocks noGrp="1"/>
-          </p:cNvSpPr>
-          <p:nvPr>
-            <p:ph type="title"/>
-          </p:nvPr>
-        </p:nvSpPr>
-        <p:spPr/>
-        <p:txBody>
-          <a:bodyPr/>
-          <a:lstStyle/>
-          <a:p>
-            <a:r>
-              <a:rPr lang="en-US" altLang="zh-CN" dirty="0" err="1"/>
-              <a:t>Configration</a:t>
-            </a:r>
-            <a:endParaRPr lang="zh-CN" altLang="en-US" dirty="0"/>
-          </a:p>
-        </p:txBody>
-      </p:sp>
-      <p:sp>
-        <p:nvSpPr>
-          <p:cNvPr id="15" name="内容占位符 2">
-            <a:extLst>
-              <a:ext uri="{FF2B5EF4-FFF2-40B4-BE49-F238E27FC236}">
-                <a16:creationId xmlns:a16="http://schemas.microsoft.com/office/drawing/2014/main" id="{00DFF36C-FF32-4635-B471-3925665516F8}"/>
-              </a:ext>
-            </a:extLst>
-          </p:cNvPr>
-          <p:cNvSpPr>
-            <a:spLocks noGrp="1"/>
-          </p:cNvSpPr>
-          <p:nvPr>
-            <p:ph idx="1"/>
-          </p:nvPr>
-        </p:nvSpPr>
-        <p:spPr>
-          <a:xfrm>
-            <a:off x="838200" y="1690687"/>
-            <a:ext cx="10515600" cy="4887665"/>
-          </a:xfrm>
-        </p:spPr>
-        <p:txBody>
-          <a:bodyPr>
-            <a:normAutofit/>
-          </a:bodyPr>
-          <a:lstStyle/>
-          <a:p>
-            <a:r>
-              <a:rPr lang="zh-CN" altLang="en-US" sz="1400" dirty="0"/>
-              <a:t>配置文件</a:t>
-            </a:r>
-            <a:endParaRPr lang="en-US" altLang="zh-CN" sz="1400" dirty="0"/>
-          </a:p>
-          <a:p>
-            <a:r>
-              <a:rPr lang="zh-CN" altLang="en-US" sz="1400" dirty="0"/>
-              <a:t>热更新</a:t>
-            </a:r>
-            <a:r>
-              <a:rPr lang="en-US" altLang="zh-CN" sz="1400" dirty="0"/>
-              <a:t>(</a:t>
-            </a:r>
-            <a:r>
-              <a:rPr lang="zh-CN" altLang="en-US" sz="1400" dirty="0"/>
-              <a:t>内存会增加</a:t>
-            </a:r>
-            <a:r>
-              <a:rPr lang="en-US" altLang="zh-CN" sz="1400" dirty="0"/>
-              <a:t>)</a:t>
-            </a:r>
-          </a:p>
-        </p:txBody>
-      </p:sp>
-    </p:spTree>
-    <p:extLst>
-      <p:ext uri="{BB962C8B-B14F-4D97-AF65-F5344CB8AC3E}">
-        <p14:creationId xmlns:p14="http://schemas.microsoft.com/office/powerpoint/2010/main" val="1183203262"/>
-      </p:ext>
-    </p:extLst>
-  </p:cSld>
-  <p:clrMapOvr>
-    <a:masterClrMapping/>
-  </p:clrMapOvr>
-</p:sld>
-</file>
-
 <file path=ppt/slides/slide6.xml><?xml version="1.0" encoding="utf-8"?>
 <p:sld xmlns:a="http://schemas.openxmlformats.org/drawingml/2006/main" xmlns:r="http://schemas.openxmlformats.org/officeDocument/2006/relationships" xmlns:p="http://schemas.openxmlformats.org/presentationml/2006/main">
   <p:cSld>
@@ -5030,14 +5320,7 @@
               <a:rPr lang="en-US" altLang="zh-CN" dirty="0" err="1"/>
               <a:t>Configration</a:t>
             </a:r>
-            <a:r>
-              <a:rPr lang="en-US" altLang="zh-CN" dirty="0"/>
-              <a:t>-</a:t>
-            </a:r>
-            <a:r>
-              <a:rPr lang="zh-CN" altLang="en-US" dirty="0"/>
-              <a:t>机密文件</a:t>
-            </a:r>
+            <a:endParaRPr lang="zh-CN" altLang="en-US" dirty="0"/>
           </a:p>
         </p:txBody>
       </p:sp>
@@ -5069,314 +5352,36 @@
           </a:bodyPr>
           <a:lstStyle/>
           <a:p>
-            <a:pPr marL="0" indent="0">
-              <a:buNone/>
-            </a:pPr>
+            <a:r>
+              <a:rPr lang="zh-CN" altLang="en-US" sz="1400" dirty="0"/>
+              <a:t>配置文件</a:t>
+            </a:r>
+            <a:endParaRPr lang="en-US" altLang="zh-CN" sz="1400" dirty="0"/>
+          </a:p>
+          <a:p>
+            <a:r>
+              <a:rPr lang="zh-CN" altLang="en-US" sz="1400" dirty="0"/>
+              <a:t>热更新</a:t>
+            </a:r>
             <a:r>
               <a:rPr lang="en-US" altLang="zh-CN" sz="1400" dirty="0"/>
-              <a:t>1</a:t>
-            </a:r>
-            <a:r>
-              <a:rPr lang="zh-CN" altLang="en-US" sz="1400" dirty="0"/>
-              <a:t>、</a:t>
+              <a:t>(</a:t>
+            </a:r>
+            <a:r>
+              <a:rPr lang="zh-CN" altLang="en-US" sz="1400" dirty="0"/>
+              <a:t>内存会增加</a:t>
             </a:r>
             <a:r>
               <a:rPr lang="en-US" altLang="zh-CN" sz="1400" dirty="0"/>
-              <a:t>.</a:t>
-            </a:r>
-            <a:r>
-              <a:rPr lang="en-US" altLang="zh-CN" sz="1400" dirty="0" err="1"/>
-              <a:t>csproj</a:t>
-            </a:r>
-            <a:r>
-              <a:rPr lang="zh-CN" altLang="en-US" sz="1400" dirty="0"/>
-              <a:t>文件的</a:t>
-            </a:r>
-            <a:r>
-              <a:rPr lang="en-US" altLang="zh-CN" sz="1400" dirty="0"/>
-              <a:t>&lt;</a:t>
-            </a:r>
-            <a:r>
-              <a:rPr lang="en-US" altLang="zh-CN" sz="1400" dirty="0" err="1"/>
-              <a:t>PropertyGroup</a:t>
-            </a:r>
-            <a:r>
-              <a:rPr lang="en-US" altLang="zh-CN" sz="1400" dirty="0"/>
-              <a:t>&gt;&lt;/</a:t>
-            </a:r>
-            <a:r>
-              <a:rPr lang="en-US" altLang="zh-CN" sz="1400" dirty="0" err="1"/>
-              <a:t>PropertyGroup</a:t>
-            </a:r>
-            <a:r>
-              <a:rPr lang="en-US" altLang="zh-CN" sz="1400" dirty="0"/>
-              <a:t>&gt;</a:t>
-            </a:r>
-            <a:r>
-              <a:rPr lang="zh-CN" altLang="en-US" sz="1400" dirty="0"/>
-              <a:t>节点中添加</a:t>
-            </a:r>
-          </a:p>
-          <a:p>
-            <a:pPr marL="0" indent="0">
-              <a:buNone/>
-            </a:pPr>
-            <a:r>
-              <a:rPr lang="en-US" altLang="zh-CN" sz="1400" dirty="0"/>
-              <a:t>  &lt;</a:t>
-            </a:r>
-            <a:r>
-              <a:rPr lang="en-US" altLang="zh-CN" sz="1400" dirty="0" err="1"/>
-              <a:t>UserSecretsId</a:t>
-            </a:r>
-            <a:r>
-              <a:rPr lang="en-US" altLang="zh-CN" sz="1400" dirty="0"/>
-              <a:t>&gt;</a:t>
-            </a:r>
-            <a:r>
-              <a:rPr lang="en-US" altLang="zh-CN" sz="1400" dirty="0" err="1"/>
-              <a:t>d7a40274-87df-43ba-999b-d8719940b7a7</a:t>
-            </a:r>
-            <a:r>
-              <a:rPr lang="en-US" altLang="zh-CN" sz="1400" dirty="0"/>
-              <a:t>&lt;/</a:t>
-            </a:r>
-            <a:r>
-              <a:rPr lang="en-US" altLang="zh-CN" sz="1400" dirty="0" err="1"/>
-              <a:t>UserSecretsId</a:t>
-            </a:r>
-            <a:r>
-              <a:rPr lang="en-US" altLang="zh-CN" sz="1400" dirty="0"/>
-              <a:t>&gt;</a:t>
-            </a:r>
-          </a:p>
-          <a:p>
-            <a:pPr marL="0" indent="0">
-              <a:buNone/>
-            </a:pPr>
-            <a:r>
-              <a:rPr lang="en-US" altLang="zh-CN" sz="1400" dirty="0"/>
-              <a:t>2</a:t>
-            </a:r>
-            <a:r>
-              <a:rPr lang="zh-CN" altLang="en-US" sz="1400" dirty="0"/>
-              <a:t>、操作机密文件</a:t>
-            </a:r>
-          </a:p>
-          <a:p>
-            <a:pPr marL="0" indent="0">
-              <a:buNone/>
-            </a:pPr>
-            <a:r>
-              <a:rPr lang="en-US" altLang="zh-CN" sz="1400" dirty="0"/>
-              <a:t>   a</a:t>
-            </a:r>
-            <a:r>
-              <a:rPr lang="zh-CN" altLang="en-US" sz="1400" dirty="0"/>
-              <a:t>、设置机密文件  </a:t>
-            </a:r>
-            <a:r>
-              <a:rPr lang="en-US" altLang="zh-CN" sz="1400" dirty="0"/>
-              <a:t>dotnet user-secrets set "</a:t>
-            </a:r>
-            <a:r>
-              <a:rPr lang="en-US" altLang="zh-CN" sz="1400" dirty="0" err="1"/>
-              <a:t>dbpassword</a:t>
-            </a:r>
-            <a:r>
-              <a:rPr lang="en-US" altLang="zh-CN" sz="1400" dirty="0"/>
-              <a:t>" "123456" --project ".</a:t>
-            </a:r>
-            <a:r>
-              <a:rPr lang="en-US" altLang="zh-CN" sz="1400" dirty="0" err="1"/>
-              <a:t>csproj</a:t>
-            </a:r>
-            <a:r>
-              <a:rPr lang="zh-CN" altLang="en-US" sz="1400" dirty="0"/>
-              <a:t>所在目录</a:t>
-            </a:r>
-            <a:r>
-              <a:rPr lang="en-US" altLang="zh-CN" sz="1400" dirty="0"/>
-              <a:t>"</a:t>
-            </a:r>
-          </a:p>
-          <a:p>
-            <a:pPr marL="0" indent="0">
-              <a:buNone/>
-            </a:pPr>
-            <a:r>
-              <a:rPr lang="en-US" altLang="zh-CN" sz="1400" dirty="0"/>
-              <a:t>   b</a:t>
-            </a:r>
-            <a:r>
-              <a:rPr lang="zh-CN" altLang="en-US" sz="1400" dirty="0"/>
-              <a:t>、设置多个机密文件  </a:t>
-            </a:r>
-            <a:r>
-              <a:rPr lang="en-US" altLang="zh-CN" sz="1400" dirty="0"/>
-              <a:t>type .\</a:t>
-            </a:r>
-            <a:r>
-              <a:rPr lang="en-US" altLang="zh-CN" sz="1400" dirty="0" err="1"/>
-              <a:t>input.json</a:t>
-            </a:r>
-            <a:r>
-              <a:rPr lang="en-US" altLang="zh-CN" sz="1400" dirty="0"/>
-              <a:t> | dotnet user-secrets set --project ".</a:t>
-            </a:r>
-            <a:r>
-              <a:rPr lang="en-US" altLang="zh-CN" sz="1400" dirty="0" err="1"/>
-              <a:t>csproj</a:t>
-            </a:r>
-            <a:r>
-              <a:rPr lang="zh-CN" altLang="en-US" sz="1400" dirty="0"/>
-              <a:t>所在目录</a:t>
-            </a:r>
-            <a:r>
-              <a:rPr lang="en-US" altLang="zh-CN" sz="1400" dirty="0"/>
-              <a:t>"</a:t>
-            </a:r>
-          </a:p>
-          <a:p>
-            <a:pPr marL="0" indent="0">
-              <a:buNone/>
-            </a:pPr>
-            <a:r>
-              <a:rPr lang="en-US" altLang="zh-CN" sz="1400" dirty="0"/>
-              <a:t>   c</a:t>
-            </a:r>
-            <a:r>
-              <a:rPr lang="zh-CN" altLang="en-US" sz="1400" dirty="0"/>
-              <a:t>、查看机密文件  </a:t>
-            </a:r>
-            <a:r>
-              <a:rPr lang="en-US" altLang="zh-CN" sz="1400" dirty="0"/>
-              <a:t>dotnet user-secrets list --project ".</a:t>
-            </a:r>
-            <a:r>
-              <a:rPr lang="en-US" altLang="zh-CN" sz="1400" dirty="0" err="1"/>
-              <a:t>csproj</a:t>
-            </a:r>
-            <a:r>
-              <a:rPr lang="zh-CN" altLang="en-US" sz="1400" dirty="0"/>
-              <a:t>所在目录</a:t>
-            </a:r>
-            <a:r>
-              <a:rPr lang="en-US" altLang="zh-CN" sz="1400" dirty="0"/>
-              <a:t>"</a:t>
-            </a:r>
-          </a:p>
-          <a:p>
-            <a:pPr marL="0" indent="0">
-              <a:buNone/>
-            </a:pPr>
-            <a:r>
-              <a:rPr lang="en-US" altLang="zh-CN" sz="1400" dirty="0"/>
-              <a:t>   d</a:t>
-            </a:r>
-            <a:r>
-              <a:rPr lang="zh-CN" altLang="en-US" sz="1400" dirty="0"/>
-              <a:t>、删除机密文件  </a:t>
-            </a:r>
-            <a:r>
-              <a:rPr lang="en-US" altLang="zh-CN" sz="1400" dirty="0"/>
-              <a:t>dotnet user-secrets remove "</a:t>
-            </a:r>
-            <a:r>
-              <a:rPr lang="en-US" altLang="zh-CN" sz="1400" dirty="0" err="1"/>
-              <a:t>dbpassword</a:t>
-            </a:r>
-            <a:r>
-              <a:rPr lang="en-US" altLang="zh-CN" sz="1400" dirty="0"/>
-              <a:t>"  --project ".</a:t>
-            </a:r>
-            <a:r>
-              <a:rPr lang="en-US" altLang="zh-CN" sz="1400" dirty="0" err="1"/>
-              <a:t>csproj</a:t>
-            </a:r>
-            <a:r>
-              <a:rPr lang="zh-CN" altLang="en-US" sz="1400" dirty="0"/>
-              <a:t>所在目录</a:t>
-            </a:r>
-            <a:r>
-              <a:rPr lang="en-US" altLang="zh-CN" sz="1400" dirty="0"/>
-              <a:t>"</a:t>
-            </a:r>
-          </a:p>
-          <a:p>
-            <a:pPr marL="0" indent="0">
-              <a:buNone/>
-            </a:pPr>
-            <a:r>
-              <a:rPr lang="en-US" altLang="zh-CN" sz="1400" dirty="0"/>
-              <a:t>   e</a:t>
-            </a:r>
-            <a:r>
-              <a:rPr lang="zh-CN" altLang="en-US" sz="1400" dirty="0"/>
-              <a:t>、删除所有机密文件 </a:t>
-            </a:r>
-            <a:r>
-              <a:rPr lang="en-US" altLang="zh-CN" sz="1400" dirty="0"/>
-              <a:t>dotnet user-secrets clear --project ".</a:t>
-            </a:r>
-            <a:r>
-              <a:rPr lang="en-US" altLang="zh-CN" sz="1400" dirty="0" err="1"/>
-              <a:t>csproj</a:t>
-            </a:r>
-            <a:r>
-              <a:rPr lang="zh-CN" altLang="en-US" sz="1400" dirty="0"/>
-              <a:t>所在目录</a:t>
-            </a:r>
-            <a:r>
-              <a:rPr lang="en-US" altLang="zh-CN" sz="1400" dirty="0"/>
-              <a:t>"</a:t>
-            </a:r>
-          </a:p>
-          <a:p>
-            <a:pPr marL="0" indent="0">
-              <a:buNone/>
-            </a:pPr>
-            <a:r>
-              <a:rPr lang="en-US" altLang="zh-CN" sz="1400" dirty="0"/>
-              <a:t>3</a:t>
-            </a:r>
-            <a:r>
-              <a:rPr lang="zh-CN" altLang="en-US" sz="1400" dirty="0"/>
-              <a:t>、</a:t>
-            </a:r>
-            <a:r>
-              <a:rPr lang="en-US" altLang="zh-CN" sz="1400" dirty="0" err="1"/>
-              <a:t>ConfigureServices</a:t>
-            </a:r>
-            <a:r>
-              <a:rPr lang="zh-CN" altLang="en-US" sz="1400" dirty="0"/>
-              <a:t>中读取</a:t>
-            </a:r>
-          </a:p>
-          <a:p>
-            <a:pPr marL="0" indent="0">
-              <a:buNone/>
-            </a:pPr>
-            <a:r>
-              <a:rPr lang="en-US" altLang="zh-CN" sz="1400" dirty="0"/>
-              <a:t>   var password = Configuration["</a:t>
-            </a:r>
-            <a:r>
-              <a:rPr lang="en-US" altLang="zh-CN" sz="1400" dirty="0" err="1"/>
-              <a:t>dbpassword</a:t>
-            </a:r>
-            <a:r>
-              <a:rPr lang="en-US" altLang="zh-CN" sz="1400" dirty="0"/>
-              <a:t>"];</a:t>
-            </a:r>
-            <a:endParaRPr lang="zh-CN" altLang="en-US" sz="1400" dirty="0"/>
+              <a:t>)</a:t>
+            </a:r>
           </a:p>
         </p:txBody>
       </p:sp>
     </p:spTree>
     <p:extLst>
       <p:ext uri="{BB962C8B-B14F-4D97-AF65-F5344CB8AC3E}">
-        <p14:creationId xmlns:p14="http://schemas.microsoft.com/office/powerpoint/2010/main" val="731180852"/>
+        <p14:creationId xmlns:p14="http://schemas.microsoft.com/office/powerpoint/2010/main" val="1183203262"/>
       </p:ext>
     </p:extLst>
   </p:cSld>
@@ -5434,7 +5439,7 @@
             </a:r>
             <a:r>
               <a:rPr lang="zh-CN" altLang="en-US" dirty="0"/>
-              <a:t>自定义</a:t>
+              <a:t>机密文件</a:t>
             </a:r>
           </a:p>
         </p:txBody>
@@ -5471,153 +5476,40 @@
               <a:buNone/>
             </a:pPr>
             <a:r>
+              <a:rPr lang="en-US" altLang="zh-CN" sz="1400" dirty="0"/>
+              <a:t>1</a:t>
+            </a:r>
+            <a:r>
+              <a:rPr lang="zh-CN" altLang="en-US" sz="1400" dirty="0"/>
+              <a:t>、</a:t>
+            </a:r>
+            <a:r>
+              <a:rPr lang="en-US" altLang="zh-CN" sz="1400" dirty="0"/>
+              <a:t>.</a:t>
+            </a:r>
+            <a:r>
               <a:rPr lang="en-US" altLang="zh-CN" sz="1400" dirty="0" err="1"/>
-              <a:t>Asp.net</a:t>
-            </a:r>
-            <a:r>
-              <a:rPr lang="zh-CN" altLang="en-US" sz="1400" dirty="0"/>
-              <a:t> </a:t>
+              <a:t>csproj</a:t>
+            </a:r>
+            <a:r>
+              <a:rPr lang="zh-CN" altLang="en-US" sz="1400" dirty="0"/>
+              <a:t>文件的</a:t>
             </a:r>
             <a:r>
               <a:rPr lang="en-US" altLang="zh-CN" sz="1400" dirty="0"/>
-              <a:t>core</a:t>
-            </a:r>
-            <a:r>
-              <a:rPr lang="zh-CN" altLang="en-US" sz="1400" dirty="0"/>
-              <a:t>中的配置文件是基于生成器模式（</a:t>
-            </a:r>
-            <a:r>
-              <a:rPr lang="zh-CN" altLang="en-US" sz="1400" i="1" u="sng" dirty="0"/>
-              <a:t>将复杂对象的建造过程抽象出来（抽象类别），使这个抽象过程的不同实现方法可以构造出不同表现（属性）的对象</a:t>
-            </a:r>
-            <a:r>
-              <a:rPr lang="zh-CN" altLang="en-US" sz="1400" dirty="0"/>
-              <a:t>）</a:t>
+              <a:t>&lt;</a:t>
+            </a:r>
+            <a:r>
+              <a:rPr lang="en-US" altLang="zh-CN" sz="1400" dirty="0" err="1"/>
+              <a:t>PropertyGroup</a:t>
             </a:r>
             <a:r>
               <a:rPr lang="en-US" altLang="zh-CN" sz="1400" dirty="0"/>
-              <a:t>,</a:t>
+              <a:t>&gt;&lt;/</a:t>
             </a:r>
             <a:r>
               <a:rPr lang="en-US" altLang="zh-CN" sz="1400" dirty="0" err="1"/>
-              <a:t>asp.net</a:t>
-            </a:r>
-            <a:r>
-              <a:rPr lang="en-US" altLang="zh-CN" sz="1400" dirty="0"/>
-              <a:t> core</a:t>
-            </a:r>
-            <a:r>
-              <a:rPr lang="zh-CN" altLang="en-US" sz="1400" dirty="0"/>
-              <a:t>中有两个生成器，一个是主机</a:t>
-            </a:r>
-            <a:r>
-              <a:rPr lang="en-US" altLang="zh-CN" sz="1400" dirty="0"/>
-              <a:t>(host)</a:t>
-            </a:r>
-            <a:r>
-              <a:rPr lang="zh-CN" altLang="en-US" sz="1400" dirty="0"/>
-              <a:t>的，一个应用程序</a:t>
-            </a:r>
-            <a:r>
-              <a:rPr lang="en-US" altLang="zh-CN" sz="1400" dirty="0"/>
-              <a:t>(application)</a:t>
-            </a:r>
-            <a:r>
-              <a:rPr lang="zh-CN" altLang="en-US" sz="1400" dirty="0"/>
-              <a:t>的</a:t>
-            </a:r>
-            <a:endParaRPr lang="en-US" altLang="zh-CN" sz="1400" dirty="0"/>
-          </a:p>
-          <a:p>
-            <a:pPr marL="0" indent="0">
-              <a:buNone/>
-            </a:pPr>
-            <a:endParaRPr lang="en-US" altLang="zh-CN" sz="1400" dirty="0"/>
-          </a:p>
-          <a:p>
-            <a:r>
-              <a:rPr lang="en-US" altLang="zh-CN" sz="1400" dirty="0" err="1"/>
-              <a:t>ConfigurationSource</a:t>
-            </a:r>
-            <a:endParaRPr lang="en-US" altLang="zh-CN" sz="1400" dirty="0"/>
-          </a:p>
-          <a:p>
-            <a:pPr marL="0" indent="0">
-              <a:buNone/>
-            </a:pPr>
-            <a:r>
-              <a:rPr lang="en-US" altLang="zh-CN" sz="1400" dirty="0"/>
-              <a:t>     </a:t>
-            </a:r>
-            <a:r>
-              <a:rPr lang="zh-CN" altLang="en-US" sz="1400" dirty="0"/>
-              <a:t>在建造过程中需要各种参数信息，</a:t>
-            </a:r>
-            <a:r>
-              <a:rPr lang="en-US" altLang="zh-CN" sz="1400" dirty="0" err="1"/>
-              <a:t>ConfigurationSource</a:t>
-            </a:r>
-            <a:r>
-              <a:rPr lang="zh-CN" altLang="en-US" sz="1400" dirty="0"/>
-              <a:t>是为获取这些参数而提供来源，比如文件源，内存源等</a:t>
-            </a:r>
-            <a:endParaRPr lang="en-US" altLang="zh-CN" sz="1400" dirty="0"/>
-          </a:p>
-          <a:p>
-            <a:endParaRPr lang="en-US" altLang="zh-CN" sz="1400" dirty="0"/>
-          </a:p>
-          <a:p>
-            <a:r>
-              <a:rPr lang="en-US" altLang="zh-CN" sz="1400" dirty="0" err="1"/>
-              <a:t>ConfigurationProvider</a:t>
-            </a:r>
-            <a:endParaRPr lang="en-US" altLang="zh-CN" sz="1400" dirty="0"/>
-          </a:p>
-          <a:p>
-            <a:pPr marL="0" indent="0">
-              <a:buNone/>
-            </a:pPr>
-            <a:r>
-              <a:rPr lang="en-US" altLang="zh-CN" sz="1400" dirty="0"/>
-              <a:t>     </a:t>
-            </a:r>
-            <a:r>
-              <a:rPr lang="zh-CN" altLang="en-US" sz="1400" dirty="0"/>
-              <a:t>建造所需参数的提供者，依据</a:t>
-            </a:r>
-            <a:r>
-              <a:rPr lang="en-US" altLang="zh-CN" sz="1400" dirty="0" err="1"/>
-              <a:t>ConfigurationSource</a:t>
-            </a:r>
-            <a:r>
-              <a:rPr lang="zh-CN" altLang="en-US" sz="1400" dirty="0"/>
-              <a:t>来完成提供</a:t>
-            </a:r>
-            <a:endParaRPr lang="en-US" altLang="zh-CN" sz="1400" dirty="0"/>
-          </a:p>
-          <a:p>
-            <a:endParaRPr lang="en-US" altLang="zh-CN" sz="1400" dirty="0"/>
-          </a:p>
-          <a:p>
-            <a:r>
-              <a:rPr lang="zh-CN" altLang="en-US" sz="1400" dirty="0"/>
-              <a:t>需要把</a:t>
-            </a:r>
-            <a:r>
-              <a:rPr lang="en-US" altLang="zh-CN" sz="1400" dirty="0" err="1"/>
-              <a:t>ConfigurationSource</a:t>
-            </a:r>
-            <a:r>
-              <a:rPr lang="zh-CN" altLang="en-US" sz="1400" dirty="0"/>
-              <a:t>或</a:t>
-            </a:r>
-            <a:r>
-              <a:rPr lang="en-US" altLang="zh-CN" sz="1400" dirty="0"/>
-              <a:t>Action&lt;</a:t>
-            </a:r>
-            <a:r>
-              <a:rPr lang="en-US" altLang="zh-CN" sz="1400" dirty="0" err="1"/>
-              <a:t>ConfigurationSource</a:t>
+              <a:t>PropertyGroup</a:t>
             </a:r>
             <a:r>
               <a:rPr lang="en-US" altLang="zh-CN" sz="1400" dirty="0"/>
@@ -5625,91 +5517,261 @@
             </a:r>
             <a:r>
               <a:rPr lang="zh-CN" altLang="en-US" sz="1400" dirty="0"/>
-              <a:t>添加到</a:t>
-            </a:r>
-            <a:r>
-              <a:rPr lang="zh-CN" altLang="en-US" sz="1400" b="1" dirty="0"/>
-              <a:t>应用配置</a:t>
-            </a:r>
-            <a:r>
-              <a:rPr lang="zh-CN" altLang="en-US" sz="1400" dirty="0"/>
-              <a:t>构建对象中，在</a:t>
-            </a:r>
-            <a:r>
-              <a:rPr lang="zh-CN" altLang="en-US" sz="1400" b="1" dirty="0"/>
-              <a:t>主机构建时</a:t>
-            </a:r>
-            <a:r>
-              <a:rPr lang="zh-CN" altLang="en-US" sz="1400" dirty="0"/>
-              <a:t>会调用</a:t>
-            </a:r>
+              <a:t>节点中添加</a:t>
+            </a:r>
+          </a:p>
+          <a:p>
+            <a:pPr marL="0" indent="0">
+              <a:buNone/>
+            </a:pPr>
             <a:r>
               <a:rPr lang="en-US" altLang="zh-CN" sz="1400" dirty="0"/>
-              <a:t>Configuration</a:t>
-            </a:r>
-            <a:r>
-              <a:rPr lang="zh-CN" altLang="en-US" sz="1400" dirty="0"/>
-              <a:t>的</a:t>
+              <a:t>  &lt;</a:t>
+            </a:r>
+            <a:r>
+              <a:rPr lang="en-US" altLang="zh-CN" sz="1400" dirty="0" err="1"/>
+              <a:t>UserSecretsId</a:t>
             </a:r>
             <a:r>
               <a:rPr lang="en-US" altLang="zh-CN" sz="1400" dirty="0"/>
-              <a:t>Build</a:t>
-            </a:r>
-            <a:r>
-              <a:rPr lang="zh-CN" altLang="en-US" sz="1400" dirty="0"/>
-              <a:t>，然后调用</a:t>
+              <a:t>&gt;</a:t>
             </a:r>
             <a:r>
               <a:rPr lang="en-US" altLang="zh-CN" sz="1400" dirty="0" err="1"/>
-              <a:t>ConfigurationSource</a:t>
-            </a:r>
-            <a:r>
-              <a:rPr lang="zh-CN" altLang="en-US" sz="1400" dirty="0"/>
-              <a:t>的</a:t>
+              <a:t>d7a40274-87df-43ba-999b-d8719940b7a7</a:t>
             </a:r>
             <a:r>
               <a:rPr lang="en-US" altLang="zh-CN" sz="1400" dirty="0"/>
-              <a:t>Build</a:t>
-            </a:r>
-            <a:r>
-              <a:rPr lang="zh-CN" altLang="en-US" sz="1400" dirty="0"/>
-              <a:t>，然后调用</a:t>
+              <a:t>&lt;/</a:t>
             </a:r>
             <a:r>
               <a:rPr lang="en-US" altLang="zh-CN" sz="1400" dirty="0" err="1"/>
-              <a:t>ConfigurationProvider</a:t>
-            </a:r>
-            <a:r>
-              <a:rPr lang="zh-CN" altLang="en-US" sz="1400" dirty="0"/>
-              <a:t>的</a:t>
+              <a:t>UserSecretsId</a:t>
             </a:r>
             <a:r>
               <a:rPr lang="en-US" altLang="zh-CN" sz="1400" dirty="0"/>
-              <a:t>Load</a:t>
-            </a:r>
-            <a:r>
-              <a:rPr lang="zh-CN" altLang="en-US" sz="1400" dirty="0"/>
-              <a:t>，来填充</a:t>
+              <a:t>&gt;</a:t>
+            </a:r>
+          </a:p>
+          <a:p>
+            <a:pPr marL="0" indent="0">
+              <a:buNone/>
+            </a:pPr>
+            <a:r>
+              <a:rPr lang="en-US" altLang="zh-CN" sz="1400" dirty="0"/>
+              <a:t>2</a:t>
+            </a:r>
+            <a:r>
+              <a:rPr lang="zh-CN" altLang="en-US" sz="1400" dirty="0"/>
+              <a:t>、操作机密文件</a:t>
+            </a:r>
+          </a:p>
+          <a:p>
+            <a:pPr marL="0" indent="0">
+              <a:buNone/>
+            </a:pPr>
+            <a:r>
+              <a:rPr lang="en-US" altLang="zh-CN" sz="1400" dirty="0"/>
+              <a:t>   a</a:t>
+            </a:r>
+            <a:r>
+              <a:rPr lang="zh-CN" altLang="en-US" sz="1400" dirty="0"/>
+              <a:t>、设置机密文件  </a:t>
+            </a:r>
+            <a:r>
+              <a:rPr lang="en-US" altLang="zh-CN" sz="1400" dirty="0"/>
+              <a:t>dotnet user-secrets set "</a:t>
             </a:r>
             <a:r>
               <a:rPr lang="en-US" altLang="zh-CN" sz="1400" dirty="0" err="1"/>
-              <a:t>ConfigurationProvider</a:t>
-            </a:r>
-            <a:r>
-              <a:rPr lang="zh-CN" altLang="en-US" sz="1400" dirty="0"/>
-              <a:t>中的</a:t>
+              <a:t>dbpassword</a:t>
             </a:r>
             <a:r>
               <a:rPr lang="en-US" altLang="zh-CN" sz="1400" dirty="0"/>
-              <a:t>Data</a:t>
-            </a:r>
-            <a:r>
-              <a:rPr lang="zh-CN" altLang="en-US" sz="1400" dirty="0"/>
-              <a:t>字典。</a:t>
-            </a:r>
-            <a:endParaRPr lang="en-US" altLang="zh-CN" sz="1400" dirty="0"/>
-          </a:p>
-          <a:p>
+              <a:t>" "123456" --project ".</a:t>
+            </a:r>
+            <a:r>
+              <a:rPr lang="en-US" altLang="zh-CN" sz="1400" dirty="0" err="1"/>
+              <a:t>csproj</a:t>
+            </a:r>
+            <a:r>
+              <a:rPr lang="zh-CN" altLang="en-US" sz="1400" dirty="0"/>
+              <a:t>所在目录</a:t>
+            </a:r>
+            <a:r>
+              <a:rPr lang="en-US" altLang="zh-CN" sz="1400" dirty="0"/>
+              <a:t>"</a:t>
+            </a:r>
+          </a:p>
+          <a:p>
+            <a:pPr marL="0" indent="0">
+              <a:buNone/>
+            </a:pPr>
+            <a:r>
+              <a:rPr lang="en-US" altLang="zh-CN" sz="1400" dirty="0"/>
+              <a:t>   b</a:t>
+            </a:r>
+            <a:r>
+              <a:rPr lang="zh-CN" altLang="en-US" sz="1400" dirty="0"/>
+              <a:t>、设置多个机密文件  </a:t>
+            </a:r>
+            <a:r>
+              <a:rPr lang="en-US" altLang="zh-CN" sz="1400" dirty="0"/>
+              <a:t>type .\</a:t>
+            </a:r>
+            <a:r>
+              <a:rPr lang="en-US" altLang="zh-CN" sz="1400" dirty="0" err="1"/>
+              <a:t>input.json</a:t>
+            </a:r>
+            <a:r>
+              <a:rPr lang="en-US" altLang="zh-CN" sz="1400" dirty="0"/>
+              <a:t> | dotnet user-secrets set --project ".</a:t>
+            </a:r>
+            <a:r>
+              <a:rPr lang="en-US" altLang="zh-CN" sz="1400" dirty="0" err="1"/>
+              <a:t>csproj</a:t>
+            </a:r>
+            <a:r>
+              <a:rPr lang="zh-CN" altLang="en-US" sz="1400" dirty="0"/>
+              <a:t>所在目录</a:t>
+            </a:r>
+            <a:r>
+              <a:rPr lang="en-US" altLang="zh-CN" sz="1400" dirty="0"/>
+              <a:t>"</a:t>
+            </a:r>
+          </a:p>
+          <a:p>
+            <a:pPr marL="0" indent="0">
+              <a:buNone/>
+            </a:pPr>
+            <a:r>
+              <a:rPr lang="en-US" altLang="zh-CN" sz="1400" dirty="0"/>
+              <a:t>   c</a:t>
+            </a:r>
+            <a:r>
+              <a:rPr lang="zh-CN" altLang="en-US" sz="1400" dirty="0"/>
+              <a:t>、查看机密文件  </a:t>
+            </a:r>
+            <a:r>
+              <a:rPr lang="en-US" altLang="zh-CN" sz="1400" dirty="0"/>
+              <a:t>dotnet user-secrets list --project ".</a:t>
+            </a:r>
+            <a:r>
+              <a:rPr lang="en-US" altLang="zh-CN" sz="1400" dirty="0" err="1"/>
+              <a:t>csproj</a:t>
+            </a:r>
+            <a:r>
+              <a:rPr lang="zh-CN" altLang="en-US" sz="1400" dirty="0"/>
+              <a:t>所在目录</a:t>
+            </a:r>
+            <a:r>
+              <a:rPr lang="en-US" altLang="zh-CN" sz="1400" dirty="0"/>
+              <a:t>"</a:t>
+            </a:r>
+          </a:p>
+          <a:p>
+            <a:pPr marL="0" indent="0">
+              <a:buNone/>
+            </a:pPr>
+            <a:r>
+              <a:rPr lang="en-US" altLang="zh-CN" sz="1400" dirty="0"/>
+              <a:t>   d</a:t>
+            </a:r>
+            <a:r>
+              <a:rPr lang="zh-CN" altLang="en-US" sz="1400" dirty="0"/>
+              <a:t>、删除机密文件  </a:t>
+            </a:r>
+            <a:r>
+              <a:rPr lang="en-US" altLang="zh-CN" sz="1400" dirty="0"/>
+              <a:t>dotnet user-secrets remove "</a:t>
+            </a:r>
+            <a:r>
+              <a:rPr lang="en-US" altLang="zh-CN" sz="1400" dirty="0" err="1"/>
+              <a:t>dbpassword</a:t>
+            </a:r>
+            <a:r>
+              <a:rPr lang="en-US" altLang="zh-CN" sz="1400" dirty="0"/>
+              <a:t>"  --project ".</a:t>
+            </a:r>
+            <a:r>
+              <a:rPr lang="en-US" altLang="zh-CN" sz="1400" dirty="0" err="1"/>
+              <a:t>csproj</a:t>
+            </a:r>
+            <a:r>
+              <a:rPr lang="zh-CN" altLang="en-US" sz="1400" dirty="0"/>
+              <a:t>所在目录</a:t>
+            </a:r>
+            <a:r>
+              <a:rPr lang="en-US" altLang="zh-CN" sz="1400" dirty="0"/>
+              <a:t>"</a:t>
+            </a:r>
+          </a:p>
+          <a:p>
+            <a:pPr marL="0" indent="0">
+              <a:buNone/>
+            </a:pPr>
+            <a:r>
+              <a:rPr lang="en-US" altLang="zh-CN" sz="1400" dirty="0"/>
+              <a:t>   e</a:t>
+            </a:r>
+            <a:r>
+              <a:rPr lang="zh-CN" altLang="en-US" sz="1400" dirty="0"/>
+              <a:t>、删除所有机密文件 </a:t>
+            </a:r>
+            <a:r>
+              <a:rPr lang="en-US" altLang="zh-CN" sz="1400" dirty="0"/>
+              <a:t>dotnet user-secrets clear --project ".</a:t>
+            </a:r>
+            <a:r>
+              <a:rPr lang="en-US" altLang="zh-CN" sz="1400" dirty="0" err="1"/>
+              <a:t>csproj</a:t>
+            </a:r>
+            <a:r>
+              <a:rPr lang="zh-CN" altLang="en-US" sz="1400" dirty="0"/>
+              <a:t>所在目录</a:t>
+            </a:r>
+            <a:r>
+              <a:rPr lang="en-US" altLang="zh-CN" sz="1400" dirty="0"/>
+              <a:t>"</a:t>
+            </a:r>
+          </a:p>
+          <a:p>
+            <a:pPr marL="0" indent="0">
+              <a:buNone/>
+            </a:pPr>
+            <a:r>
+              <a:rPr lang="en-US" altLang="zh-CN" sz="1400" dirty="0"/>
+              <a:t>3</a:t>
+            </a:r>
+            <a:r>
+              <a:rPr lang="zh-CN" altLang="en-US" sz="1400" dirty="0"/>
+              <a:t>、</a:t>
+            </a:r>
+            <a:r>
+              <a:rPr lang="en-US" altLang="zh-CN" sz="1400" dirty="0" err="1"/>
+              <a:t>ConfigureServices</a:t>
+            </a:r>
+            <a:r>
+              <a:rPr lang="zh-CN" altLang="en-US" sz="1400" dirty="0"/>
+              <a:t>中读取</a:t>
+            </a:r>
+          </a:p>
+          <a:p>
+            <a:pPr marL="0" indent="0">
+              <a:buNone/>
+            </a:pPr>
+            <a:r>
+              <a:rPr lang="en-US" altLang="zh-CN" sz="1400" dirty="0"/>
+              <a:t>   var password = Configuration["</a:t>
+            </a:r>
+            <a:r>
+              <a:rPr lang="en-US" altLang="zh-CN" sz="1400" dirty="0" err="1"/>
+              <a:t>dbpassword</a:t>
+            </a:r>
+            <a:r>
+              <a:rPr lang="en-US" altLang="zh-CN" sz="1400" dirty="0"/>
+              <a:t>"];</a:t>
+            </a:r>
             <a:endParaRPr lang="zh-CN" altLang="en-US" sz="1400" dirty="0"/>
           </a:p>
         </p:txBody>
@@ -5717,7 +5779,7 @@
     </p:spTree>
     <p:extLst>
       <p:ext uri="{BB962C8B-B14F-4D97-AF65-F5344CB8AC3E}">
-        <p14:creationId xmlns:p14="http://schemas.microsoft.com/office/powerpoint/2010/main" val="4209516520"/>
+        <p14:creationId xmlns:p14="http://schemas.microsoft.com/office/powerpoint/2010/main" val="731180852"/>
       </p:ext>
     </p:extLst>
   </p:cSld>
@@ -5767,9 +5829,16 @@
           <a:p>
             <a:r>
               <a:rPr lang="en-US" altLang="zh-CN" dirty="0" err="1"/>
-              <a:t>Authentication&amp;Authorization</a:t>
-            </a:r>
-            <a:endParaRPr lang="zh-CN" altLang="en-US" dirty="0"/>
+              <a:t>Configration</a:t>
+            </a:r>
+            <a:r>
+              <a:rPr lang="en-US" altLang="zh-CN" dirty="0"/>
+              <a:t>-</a:t>
+            </a:r>
+            <a:r>
+              <a:rPr lang="zh-CN" altLang="en-US" dirty="0"/>
+              <a:t>自定义</a:t>
+            </a:r>
           </a:p>
         </p:txBody>
       </p:sp>
@@ -5801,56 +5870,257 @@
           </a:bodyPr>
           <a:lstStyle/>
           <a:p>
-            <a:r>
-              <a:rPr lang="zh-CN" altLang="en-US" sz="1400" dirty="0"/>
-              <a:t>基于</a:t>
+            <a:pPr marL="0" indent="0">
+              <a:buNone/>
+            </a:pPr>
+            <a:r>
+              <a:rPr lang="en-US" altLang="zh-CN" sz="1400" dirty="0" err="1"/>
+              <a:t>Asp.net</a:t>
+            </a:r>
+            <a:r>
+              <a:rPr lang="zh-CN" altLang="en-US" sz="1400" dirty="0"/>
+              <a:t> </a:t>
             </a:r>
             <a:r>
               <a:rPr lang="en-US" altLang="zh-CN" sz="1400" dirty="0"/>
-              <a:t>cookie</a:t>
-            </a:r>
-            <a:r>
-              <a:rPr lang="zh-CN" altLang="en-US" sz="1400" dirty="0"/>
-              <a:t>固定角度授权验证</a:t>
+              <a:t>core</a:t>
+            </a:r>
+            <a:r>
+              <a:rPr lang="zh-CN" altLang="en-US" sz="1400" dirty="0"/>
+              <a:t>中的配置文件是基于生成器模式（</a:t>
+            </a:r>
+            <a:r>
+              <a:rPr lang="zh-CN" altLang="en-US" sz="1400" i="1" u="sng" dirty="0"/>
+              <a:t>将复杂对象的建造过程抽象出来（抽象类别），使这个抽象过程的不同实现方法可以构造出不同表现（属性）的对象</a:t>
+            </a:r>
+            <a:r>
+              <a:rPr lang="zh-CN" altLang="en-US" sz="1400" dirty="0"/>
+              <a:t>）</a:t>
+            </a:r>
+            <a:r>
+              <a:rPr lang="en-US" altLang="zh-CN" sz="1400" dirty="0"/>
+              <a:t>,</a:t>
+            </a:r>
+            <a:r>
+              <a:rPr lang="en-US" altLang="zh-CN" sz="1400" dirty="0" err="1"/>
+              <a:t>asp.net</a:t>
+            </a:r>
+            <a:r>
+              <a:rPr lang="en-US" altLang="zh-CN" sz="1400" dirty="0"/>
+              <a:t> core</a:t>
+            </a:r>
+            <a:r>
+              <a:rPr lang="zh-CN" altLang="en-US" sz="1400" dirty="0"/>
+              <a:t>中有两个生成器，一个是主机</a:t>
+            </a:r>
+            <a:r>
+              <a:rPr lang="en-US" altLang="zh-CN" sz="1400" dirty="0"/>
+              <a:t>(host)</a:t>
+            </a:r>
+            <a:r>
+              <a:rPr lang="zh-CN" altLang="en-US" sz="1400" dirty="0"/>
+              <a:t>的，一个应用程序</a:t>
+            </a:r>
+            <a:r>
+              <a:rPr lang="en-US" altLang="zh-CN" sz="1400" dirty="0"/>
+              <a:t>(application)</a:t>
+            </a:r>
+            <a:r>
+              <a:rPr lang="zh-CN" altLang="en-US" sz="1400" dirty="0"/>
+              <a:t>的</a:t>
             </a:r>
             <a:endParaRPr lang="en-US" altLang="zh-CN" sz="1400" dirty="0"/>
           </a:p>
           <a:p>
-            <a:r>
-              <a:rPr lang="zh-CN" altLang="en-US" sz="1400" dirty="0"/>
-              <a:t>基于</a:t>
-            </a:r>
+            <a:pPr marL="0" indent="0">
+              <a:buNone/>
+            </a:pPr>
+            <a:endParaRPr lang="en-US" altLang="zh-CN" sz="1400" dirty="0"/>
+          </a:p>
+          <a:p>
+            <a:r>
+              <a:rPr lang="en-US" altLang="zh-CN" sz="1400" dirty="0" err="1"/>
+              <a:t>ConfigurationSource</a:t>
+            </a:r>
+            <a:endParaRPr lang="en-US" altLang="zh-CN" sz="1400" dirty="0"/>
+          </a:p>
+          <a:p>
+            <a:pPr marL="0" indent="0">
+              <a:buNone/>
+            </a:pPr>
             <a:r>
               <a:rPr lang="en-US" altLang="zh-CN" sz="1400" dirty="0"/>
-              <a:t>cookie</a:t>
-            </a:r>
-            <a:r>
-              <a:rPr lang="zh-CN" altLang="en-US" sz="1400" dirty="0"/>
-              <a:t>自定义策略授权验证</a:t>
+              <a:t>     </a:t>
+            </a:r>
+            <a:r>
+              <a:rPr lang="zh-CN" altLang="en-US" sz="1400" dirty="0"/>
+              <a:t>在建造过程中需要各种参数信息，</a:t>
+            </a:r>
+            <a:r>
+              <a:rPr lang="en-US" altLang="zh-CN" sz="1400" dirty="0" err="1"/>
+              <a:t>ConfigurationSource</a:t>
+            </a:r>
+            <a:r>
+              <a:rPr lang="zh-CN" altLang="en-US" sz="1400" dirty="0"/>
+              <a:t>是为获取这些参数而提供来源，比如文件源，内存源等</a:t>
             </a:r>
             <a:endParaRPr lang="en-US" altLang="zh-CN" sz="1400" dirty="0"/>
           </a:p>
           <a:p>
-            <a:r>
-              <a:rPr lang="zh-CN" altLang="en-US" sz="1400" dirty="0"/>
-              <a:t>基于</a:t>
-            </a:r>
+            <a:endParaRPr lang="en-US" altLang="zh-CN" sz="1400" dirty="0"/>
+          </a:p>
+          <a:p>
             <a:r>
               <a:rPr lang="en-US" altLang="zh-CN" sz="1400" dirty="0" err="1"/>
-              <a:t>jwt</a:t>
-            </a:r>
-            <a:r>
-              <a:rPr lang="zh-CN" altLang="en-US" sz="1400" dirty="0"/>
-              <a:t>自定义策略授权验证</a:t>
+              <a:t>ConfigurationProvider</a:t>
             </a:r>
             <a:endParaRPr lang="en-US" altLang="zh-CN" sz="1400" dirty="0"/>
+          </a:p>
+          <a:p>
+            <a:pPr marL="0" indent="0">
+              <a:buNone/>
+            </a:pPr>
+            <a:r>
+              <a:rPr lang="en-US" altLang="zh-CN" sz="1400" dirty="0"/>
+              <a:t>     </a:t>
+            </a:r>
+            <a:r>
+              <a:rPr lang="zh-CN" altLang="en-US" sz="1400" dirty="0"/>
+              <a:t>建造所需参数的提供者，依据</a:t>
+            </a:r>
+            <a:r>
+              <a:rPr lang="en-US" altLang="zh-CN" sz="1400" dirty="0" err="1"/>
+              <a:t>ConfigurationSource</a:t>
+            </a:r>
+            <a:r>
+              <a:rPr lang="zh-CN" altLang="en-US" sz="1400" dirty="0"/>
+              <a:t>来完成提供</a:t>
+            </a:r>
+            <a:endParaRPr lang="en-US" altLang="zh-CN" sz="1400" dirty="0"/>
+          </a:p>
+          <a:p>
+            <a:endParaRPr lang="en-US" altLang="zh-CN" sz="1400" dirty="0"/>
+          </a:p>
+          <a:p>
+            <a:r>
+              <a:rPr lang="zh-CN" altLang="en-US" sz="1400" dirty="0"/>
+              <a:t>需要把</a:t>
+            </a:r>
+            <a:r>
+              <a:rPr lang="en-US" altLang="zh-CN" sz="1400" dirty="0" err="1"/>
+              <a:t>ConfigurationSource</a:t>
+            </a:r>
+            <a:r>
+              <a:rPr lang="zh-CN" altLang="en-US" sz="1400" dirty="0"/>
+              <a:t>或</a:t>
+            </a:r>
+            <a:r>
+              <a:rPr lang="en-US" altLang="zh-CN" sz="1400" dirty="0"/>
+              <a:t>Action&lt;</a:t>
+            </a:r>
+            <a:r>
+              <a:rPr lang="en-US" altLang="zh-CN" sz="1400" dirty="0" err="1"/>
+              <a:t>ConfigurationSource</a:t>
+            </a:r>
+            <a:r>
+              <a:rPr lang="en-US" altLang="zh-CN" sz="1400" dirty="0"/>
+              <a:t>&gt;</a:t>
+            </a:r>
+            <a:r>
+              <a:rPr lang="zh-CN" altLang="en-US" sz="1400" dirty="0"/>
+              <a:t>添加到</a:t>
+            </a:r>
+            <a:r>
+              <a:rPr lang="zh-CN" altLang="en-US" sz="1400" b="1" dirty="0"/>
+              <a:t>应用配置</a:t>
+            </a:r>
+            <a:r>
+              <a:rPr lang="zh-CN" altLang="en-US" sz="1400" dirty="0"/>
+              <a:t>构建对象中，在</a:t>
+            </a:r>
+            <a:r>
+              <a:rPr lang="zh-CN" altLang="en-US" sz="1400" b="1" dirty="0"/>
+              <a:t>主机构建时</a:t>
+            </a:r>
+            <a:r>
+              <a:rPr lang="zh-CN" altLang="en-US" sz="1400" dirty="0"/>
+              <a:t>会调用</a:t>
+            </a:r>
+            <a:r>
+              <a:rPr lang="en-US" altLang="zh-CN" sz="1400" dirty="0"/>
+              <a:t>Configuration</a:t>
+            </a:r>
+            <a:r>
+              <a:rPr lang="zh-CN" altLang="en-US" sz="1400" dirty="0"/>
+              <a:t>的</a:t>
+            </a:r>
+            <a:r>
+              <a:rPr lang="en-US" altLang="zh-CN" sz="1400" dirty="0"/>
+              <a:t>Build</a:t>
+            </a:r>
+            <a:r>
+              <a:rPr lang="zh-CN" altLang="en-US" sz="1400" dirty="0"/>
+              <a:t>，然后调用</a:t>
+            </a:r>
+            <a:r>
+              <a:rPr lang="en-US" altLang="zh-CN" sz="1400" dirty="0" err="1"/>
+              <a:t>ConfigurationSource</a:t>
+            </a:r>
+            <a:r>
+              <a:rPr lang="zh-CN" altLang="en-US" sz="1400" dirty="0"/>
+              <a:t>的</a:t>
+            </a:r>
+            <a:r>
+              <a:rPr lang="en-US" altLang="zh-CN" sz="1400" dirty="0"/>
+              <a:t>Build</a:t>
+            </a:r>
+            <a:r>
+              <a:rPr lang="zh-CN" altLang="en-US" sz="1400" dirty="0"/>
+              <a:t>，然后调用</a:t>
+            </a:r>
+            <a:r>
+              <a:rPr lang="en-US" altLang="zh-CN" sz="1400" dirty="0" err="1"/>
+              <a:t>ConfigurationProvider</a:t>
+            </a:r>
+            <a:r>
+              <a:rPr lang="zh-CN" altLang="en-US" sz="1400" dirty="0"/>
+              <a:t>的</a:t>
+            </a:r>
+            <a:r>
+              <a:rPr lang="en-US" altLang="zh-CN" sz="1400" dirty="0"/>
+              <a:t>Load</a:t>
+            </a:r>
+            <a:r>
+              <a:rPr lang="zh-CN" altLang="en-US" sz="1400" dirty="0"/>
+              <a:t>，来填充</a:t>
+            </a:r>
+            <a:r>
+              <a:rPr lang="en-US" altLang="zh-CN" sz="1400" dirty="0" err="1"/>
+              <a:t>ConfigurationProvider</a:t>
+            </a:r>
+            <a:r>
+              <a:rPr lang="zh-CN" altLang="en-US" sz="1400" dirty="0"/>
+              <a:t>中的</a:t>
+            </a:r>
+            <a:r>
+              <a:rPr lang="en-US" altLang="zh-CN" sz="1400" dirty="0"/>
+              <a:t>Data</a:t>
+            </a:r>
+            <a:r>
+              <a:rPr lang="zh-CN" altLang="en-US" sz="1400" dirty="0"/>
+              <a:t>字典。</a:t>
+            </a:r>
+            <a:endParaRPr lang="en-US" altLang="zh-CN" sz="1400" dirty="0"/>
+          </a:p>
+          <a:p>
+            <a:endParaRPr lang="zh-CN" altLang="en-US" sz="1400" dirty="0"/>
           </a:p>
         </p:txBody>
       </p:sp>
     </p:spTree>
     <p:extLst>
       <p:ext uri="{BB962C8B-B14F-4D97-AF65-F5344CB8AC3E}">
-        <p14:creationId xmlns:p14="http://schemas.microsoft.com/office/powerpoint/2010/main" val="3489913332"/>
+        <p14:creationId xmlns:p14="http://schemas.microsoft.com/office/powerpoint/2010/main" val="4209516520"/>
       </p:ext>
     </p:extLst>
   </p:cSld>
@@ -5899,8 +6169,8 @@
           <a:lstStyle/>
           <a:p>
             <a:r>
-              <a:rPr lang="en-US" altLang="zh-CN" dirty="0"/>
-              <a:t>Dapper</a:t>
+              <a:rPr lang="en-US" altLang="zh-CN" dirty="0" err="1"/>
+              <a:t>Authentication&amp;Authorization</a:t>
             </a:r>
             <a:endParaRPr lang="zh-CN" altLang="en-US" dirty="0"/>
           </a:p>
@@ -5936,40 +6206,45 @@
           <a:p>
             <a:r>
               <a:rPr lang="zh-CN" altLang="en-US" sz="1400" dirty="0"/>
-              <a:t>基本用法</a:t>
+              <a:t>基于</a:t>
+            </a:r>
+            <a:r>
+              <a:rPr lang="en-US" altLang="zh-CN" sz="1400" dirty="0"/>
+              <a:t>cookie</a:t>
+            </a:r>
+            <a:r>
+              <a:rPr lang="zh-CN" altLang="en-US" sz="1400" dirty="0"/>
+              <a:t>固定角度授权验证</a:t>
             </a:r>
             <a:endParaRPr lang="en-US" altLang="zh-CN" sz="1400" dirty="0"/>
           </a:p>
           <a:p>
             <a:r>
               <a:rPr lang="zh-CN" altLang="en-US" sz="1400" dirty="0"/>
-              <a:t>命名</a:t>
+              <a:t>基于</a:t>
+            </a:r>
+            <a:r>
+              <a:rPr lang="en-US" altLang="zh-CN" sz="1400" dirty="0"/>
+              <a:t>cookie</a:t>
+            </a:r>
+            <a:r>
+              <a:rPr lang="zh-CN" altLang="en-US" sz="1400" dirty="0"/>
+              <a:t>自定义策略授权验证</a:t>
+            </a:r>
+            <a:endParaRPr lang="en-US" altLang="zh-CN" sz="1400" dirty="0"/>
+          </a:p>
+          <a:p>
+            <a:r>
+              <a:rPr lang="zh-CN" altLang="en-US" sz="1400" dirty="0"/>
+              <a:t>基于</a:t>
             </a:r>
             <a:r>
               <a:rPr lang="en-US" altLang="zh-CN" sz="1400" dirty="0" err="1"/>
-              <a:t>HttpClient</a:t>
-            </a:r>
-            <a:endParaRPr lang="en-US" altLang="zh-CN" sz="1400" dirty="0"/>
-          </a:p>
-          <a:p>
-            <a:r>
-              <a:rPr lang="zh-CN" altLang="en-US" sz="1400" dirty="0"/>
-              <a:t>类型化</a:t>
-            </a:r>
-            <a:r>
-              <a:rPr lang="en-US" altLang="zh-CN" sz="1400" dirty="0" err="1"/>
-              <a:t>HttpClient</a:t>
-            </a:r>
-            <a:endParaRPr lang="en-US" altLang="zh-CN" sz="1400" dirty="0"/>
-          </a:p>
-          <a:p>
-            <a:r>
-              <a:rPr lang="zh-CN" altLang="en-US" sz="1400" dirty="0"/>
-              <a:t>容错</a:t>
-            </a:r>
-            <a:r>
-              <a:rPr lang="en-US" altLang="zh-CN" sz="1400" dirty="0" err="1"/>
-              <a:t>HttpClient</a:t>
+              <a:t>jwt</a:t>
+            </a:r>
+            <a:r>
+              <a:rPr lang="zh-CN" altLang="en-US" sz="1400" dirty="0"/>
+              <a:t>自定义策略授权验证</a:t>
             </a:r>
             <a:endParaRPr lang="en-US" altLang="zh-CN" sz="1400" dirty="0"/>
           </a:p>
@@ -5978,7 +6253,7 @@
     </p:spTree>
     <p:extLst>
       <p:ext uri="{BB962C8B-B14F-4D97-AF65-F5344CB8AC3E}">
-        <p14:creationId xmlns:p14="http://schemas.microsoft.com/office/powerpoint/2010/main" val="3093372791"/>
+        <p14:creationId xmlns:p14="http://schemas.microsoft.com/office/powerpoint/2010/main" val="3489913332"/>
       </p:ext>
     </p:extLst>
   </p:cSld>

--- a/aspnetcore3.0course/docs/aspnetcore3.0course.pptx
+++ b/aspnetcore3.0course/docs/aspnetcore3.0course.pptx
@@ -270,7 +270,7 @@
           <a:p>
             <a:fld id="{0CB35010-EDBB-44E1-81B6-E54FF20221CB}" type="datetimeFigureOut">
               <a:rPr lang="zh-CN" altLang="en-US" smtClean="0"/>
-              <a:t>2019/4/9</a:t>
+              <a:t>2019/4/10</a:t>
             </a:fld>
             <a:endParaRPr lang="zh-CN" altLang="en-US"/>
           </a:p>
@@ -468,7 +468,7 @@
           <a:p>
             <a:fld id="{0CB35010-EDBB-44E1-81B6-E54FF20221CB}" type="datetimeFigureOut">
               <a:rPr lang="zh-CN" altLang="en-US" smtClean="0"/>
-              <a:t>2019/4/9</a:t>
+              <a:t>2019/4/10</a:t>
             </a:fld>
             <a:endParaRPr lang="zh-CN" altLang="en-US"/>
           </a:p>
@@ -676,7 +676,7 @@
           <a:p>
             <a:fld id="{0CB35010-EDBB-44E1-81B6-E54FF20221CB}" type="datetimeFigureOut">
               <a:rPr lang="zh-CN" altLang="en-US" smtClean="0"/>
-              <a:t>2019/4/9</a:t>
+              <a:t>2019/4/10</a:t>
             </a:fld>
             <a:endParaRPr lang="zh-CN" altLang="en-US"/>
           </a:p>
@@ -874,7 +874,7 @@
           <a:p>
             <a:fld id="{0CB35010-EDBB-44E1-81B6-E54FF20221CB}" type="datetimeFigureOut">
               <a:rPr lang="zh-CN" altLang="en-US" smtClean="0"/>
-              <a:t>2019/4/9</a:t>
+              <a:t>2019/4/10</a:t>
             </a:fld>
             <a:endParaRPr lang="zh-CN" altLang="en-US"/>
           </a:p>
@@ -1149,7 +1149,7 @@
           <a:p>
             <a:fld id="{0CB35010-EDBB-44E1-81B6-E54FF20221CB}" type="datetimeFigureOut">
               <a:rPr lang="zh-CN" altLang="en-US" smtClean="0"/>
-              <a:t>2019/4/9</a:t>
+              <a:t>2019/4/10</a:t>
             </a:fld>
             <a:endParaRPr lang="zh-CN" altLang="en-US"/>
           </a:p>
@@ -1414,7 +1414,7 @@
           <a:p>
             <a:fld id="{0CB35010-EDBB-44E1-81B6-E54FF20221CB}" type="datetimeFigureOut">
               <a:rPr lang="zh-CN" altLang="en-US" smtClean="0"/>
-              <a:t>2019/4/9</a:t>
+              <a:t>2019/4/10</a:t>
             </a:fld>
             <a:endParaRPr lang="zh-CN" altLang="en-US"/>
           </a:p>
@@ -1826,7 +1826,7 @@
           <a:p>
             <a:fld id="{0CB35010-EDBB-44E1-81B6-E54FF20221CB}" type="datetimeFigureOut">
               <a:rPr lang="zh-CN" altLang="en-US" smtClean="0"/>
-              <a:t>2019/4/9</a:t>
+              <a:t>2019/4/10</a:t>
             </a:fld>
             <a:endParaRPr lang="zh-CN" altLang="en-US"/>
           </a:p>
@@ -1967,7 +1967,7 @@
           <a:p>
             <a:fld id="{0CB35010-EDBB-44E1-81B6-E54FF20221CB}" type="datetimeFigureOut">
               <a:rPr lang="zh-CN" altLang="en-US" smtClean="0"/>
-              <a:t>2019/4/9</a:t>
+              <a:t>2019/4/10</a:t>
             </a:fld>
             <a:endParaRPr lang="zh-CN" altLang="en-US"/>
           </a:p>
@@ -2080,7 +2080,7 @@
           <a:p>
             <a:fld id="{0CB35010-EDBB-44E1-81B6-E54FF20221CB}" type="datetimeFigureOut">
               <a:rPr lang="zh-CN" altLang="en-US" smtClean="0"/>
-              <a:t>2019/4/9</a:t>
+              <a:t>2019/4/10</a:t>
             </a:fld>
             <a:endParaRPr lang="zh-CN" altLang="en-US"/>
           </a:p>
@@ -2391,7 +2391,7 @@
           <a:p>
             <a:fld id="{0CB35010-EDBB-44E1-81B6-E54FF20221CB}" type="datetimeFigureOut">
               <a:rPr lang="zh-CN" altLang="en-US" smtClean="0"/>
-              <a:t>2019/4/9</a:t>
+              <a:t>2019/4/10</a:t>
             </a:fld>
             <a:endParaRPr lang="zh-CN" altLang="en-US"/>
           </a:p>
@@ -2679,7 +2679,7 @@
           <a:p>
             <a:fld id="{0CB35010-EDBB-44E1-81B6-E54FF20221CB}" type="datetimeFigureOut">
               <a:rPr lang="zh-CN" altLang="en-US" smtClean="0"/>
-              <a:t>2019/4/9</a:t>
+              <a:t>2019/4/10</a:t>
             </a:fld>
             <a:endParaRPr lang="zh-CN" altLang="en-US"/>
           </a:p>
@@ -2920,7 +2920,7 @@
           <a:p>
             <a:fld id="{0CB35010-EDBB-44E1-81B6-E54FF20221CB}" type="datetimeFigureOut">
               <a:rPr lang="zh-CN" altLang="en-US" smtClean="0"/>
-              <a:t>2019/4/9</a:t>
+              <a:t>2019/4/10</a:t>
             </a:fld>
             <a:endParaRPr lang="zh-CN" altLang="en-US"/>
           </a:p>
@@ -5317,8 +5317,8 @@
           <a:lstStyle/>
           <a:p>
             <a:r>
-              <a:rPr lang="en-US" altLang="zh-CN" dirty="0" err="1"/>
-              <a:t>Configration</a:t>
+              <a:rPr lang="en-US" altLang="zh-CN" dirty="0"/>
+              <a:t>Configuration</a:t>
             </a:r>
             <a:endParaRPr lang="zh-CN" altLang="en-US" dirty="0"/>
           </a:p>
@@ -5430,12 +5430,8 @@
           <a:lstStyle/>
           <a:p>
             <a:r>
-              <a:rPr lang="en-US" altLang="zh-CN" dirty="0" err="1"/>
-              <a:t>Configration</a:t>
-            </a:r>
-            <a:r>
               <a:rPr lang="en-US" altLang="zh-CN" dirty="0"/>
-              <a:t>-</a:t>
+              <a:t>Configuration-</a:t>
             </a:r>
             <a:r>
               <a:rPr lang="zh-CN" altLang="en-US" dirty="0"/>
@@ -5828,12 +5824,8 @@
           <a:lstStyle/>
           <a:p>
             <a:r>
-              <a:rPr lang="en-US" altLang="zh-CN" dirty="0" err="1"/>
-              <a:t>Configration</a:t>
-            </a:r>
-            <a:r>
               <a:rPr lang="en-US" altLang="zh-CN" dirty="0"/>
-              <a:t>-</a:t>
+              <a:t>Configuration-</a:t>
             </a:r>
             <a:r>
               <a:rPr lang="zh-CN" altLang="en-US" dirty="0"/>

--- a/aspnetcore3.0course/docs/aspnetcore3.0course.pptx
+++ b/aspnetcore3.0course/docs/aspnetcore3.0course.pptx
@@ -270,7 +270,7 @@
           <a:p>
             <a:fld id="{0CB35010-EDBB-44E1-81B6-E54FF20221CB}" type="datetimeFigureOut">
               <a:rPr lang="zh-CN" altLang="en-US" smtClean="0"/>
-              <a:t>2019/4/10</a:t>
+              <a:t>2019/4/15</a:t>
             </a:fld>
             <a:endParaRPr lang="zh-CN" altLang="en-US"/>
           </a:p>
@@ -468,7 +468,7 @@
           <a:p>
             <a:fld id="{0CB35010-EDBB-44E1-81B6-E54FF20221CB}" type="datetimeFigureOut">
               <a:rPr lang="zh-CN" altLang="en-US" smtClean="0"/>
-              <a:t>2019/4/10</a:t>
+              <a:t>2019/4/15</a:t>
             </a:fld>
             <a:endParaRPr lang="zh-CN" altLang="en-US"/>
           </a:p>
@@ -676,7 +676,7 @@
           <a:p>
             <a:fld id="{0CB35010-EDBB-44E1-81B6-E54FF20221CB}" type="datetimeFigureOut">
               <a:rPr lang="zh-CN" altLang="en-US" smtClean="0"/>
-              <a:t>2019/4/10</a:t>
+              <a:t>2019/4/15</a:t>
             </a:fld>
             <a:endParaRPr lang="zh-CN" altLang="en-US"/>
           </a:p>
@@ -874,7 +874,7 @@
           <a:p>
             <a:fld id="{0CB35010-EDBB-44E1-81B6-E54FF20221CB}" type="datetimeFigureOut">
               <a:rPr lang="zh-CN" altLang="en-US" smtClean="0"/>
-              <a:t>2019/4/10</a:t>
+              <a:t>2019/4/15</a:t>
             </a:fld>
             <a:endParaRPr lang="zh-CN" altLang="en-US"/>
           </a:p>
@@ -1149,7 +1149,7 @@
           <a:p>
             <a:fld id="{0CB35010-EDBB-44E1-81B6-E54FF20221CB}" type="datetimeFigureOut">
               <a:rPr lang="zh-CN" altLang="en-US" smtClean="0"/>
-              <a:t>2019/4/10</a:t>
+              <a:t>2019/4/15</a:t>
             </a:fld>
             <a:endParaRPr lang="zh-CN" altLang="en-US"/>
           </a:p>
@@ -1414,7 +1414,7 @@
           <a:p>
             <a:fld id="{0CB35010-EDBB-44E1-81B6-E54FF20221CB}" type="datetimeFigureOut">
               <a:rPr lang="zh-CN" altLang="en-US" smtClean="0"/>
-              <a:t>2019/4/10</a:t>
+              <a:t>2019/4/15</a:t>
             </a:fld>
             <a:endParaRPr lang="zh-CN" altLang="en-US"/>
           </a:p>
@@ -1826,7 +1826,7 @@
           <a:p>
             <a:fld id="{0CB35010-EDBB-44E1-81B6-E54FF20221CB}" type="datetimeFigureOut">
               <a:rPr lang="zh-CN" altLang="en-US" smtClean="0"/>
-              <a:t>2019/4/10</a:t>
+              <a:t>2019/4/15</a:t>
             </a:fld>
             <a:endParaRPr lang="zh-CN" altLang="en-US"/>
           </a:p>
@@ -1967,7 +1967,7 @@
           <a:p>
             <a:fld id="{0CB35010-EDBB-44E1-81B6-E54FF20221CB}" type="datetimeFigureOut">
               <a:rPr lang="zh-CN" altLang="en-US" smtClean="0"/>
-              <a:t>2019/4/10</a:t>
+              <a:t>2019/4/15</a:t>
             </a:fld>
             <a:endParaRPr lang="zh-CN" altLang="en-US"/>
           </a:p>
@@ -2080,7 +2080,7 @@
           <a:p>
             <a:fld id="{0CB35010-EDBB-44E1-81B6-E54FF20221CB}" type="datetimeFigureOut">
               <a:rPr lang="zh-CN" altLang="en-US" smtClean="0"/>
-              <a:t>2019/4/10</a:t>
+              <a:t>2019/4/15</a:t>
             </a:fld>
             <a:endParaRPr lang="zh-CN" altLang="en-US"/>
           </a:p>
@@ -2391,7 +2391,7 @@
           <a:p>
             <a:fld id="{0CB35010-EDBB-44E1-81B6-E54FF20221CB}" type="datetimeFigureOut">
               <a:rPr lang="zh-CN" altLang="en-US" smtClean="0"/>
-              <a:t>2019/4/10</a:t>
+              <a:t>2019/4/15</a:t>
             </a:fld>
             <a:endParaRPr lang="zh-CN" altLang="en-US"/>
           </a:p>
@@ -2679,7 +2679,7 @@
           <a:p>
             <a:fld id="{0CB35010-EDBB-44E1-81B6-E54FF20221CB}" type="datetimeFigureOut">
               <a:rPr lang="zh-CN" altLang="en-US" smtClean="0"/>
-              <a:t>2019/4/10</a:t>
+              <a:t>2019/4/15</a:t>
             </a:fld>
             <a:endParaRPr lang="zh-CN" altLang="en-US"/>
           </a:p>
@@ -2920,7 +2920,7 @@
           <a:p>
             <a:fld id="{0CB35010-EDBB-44E1-81B6-E54FF20221CB}" type="datetimeFigureOut">
               <a:rPr lang="zh-CN" altLang="en-US" smtClean="0"/>
-              <a:t>2019/4/10</a:t>
+              <a:t>2019/4/15</a:t>
             </a:fld>
             <a:endParaRPr lang="zh-CN" altLang="en-US"/>
           </a:p>
@@ -3886,6 +3886,13 @@
           </a:p>
           <a:p>
             <a:r>
+              <a:rPr lang="zh-CN" altLang="en-US" sz="1400"/>
+              <a:t>缓存</a:t>
+            </a:r>
+            <a:endParaRPr lang="en-US" altLang="zh-CN" sz="1400" dirty="0"/>
+          </a:p>
+          <a:p>
+            <a:r>
               <a:rPr lang="en-US" altLang="zh-CN" sz="1400" dirty="0"/>
               <a:t>Dapper</a:t>
             </a:r>
@@ -3995,13 +4002,6 @@
             <a:r>
               <a:rPr lang="zh-CN" altLang="en-US" sz="1400" dirty="0"/>
               <a:t>持续集成和环境配置</a:t>
-            </a:r>
-            <a:endParaRPr lang="en-US" altLang="zh-CN" sz="1400" dirty="0"/>
-          </a:p>
-          <a:p>
-            <a:r>
-              <a:rPr lang="zh-CN" altLang="en-US" sz="1400" dirty="0"/>
-              <a:t>缓存</a:t>
             </a:r>
             <a:endParaRPr lang="en-US" altLang="zh-CN" sz="1400" dirty="0"/>
           </a:p>

--- a/aspnetcore3.0course/docs/aspnetcore3.0course.pptx
+++ b/aspnetcore3.0course/docs/aspnetcore3.0course.pptx
@@ -7,16 +7,15 @@
   <p:sldIdLst>
     <p:sldId id="256" r:id="rId2"/>
     <p:sldId id="257" r:id="rId3"/>
-    <p:sldId id="267" r:id="rId4"/>
-    <p:sldId id="262" r:id="rId5"/>
-    <p:sldId id="258" r:id="rId6"/>
-    <p:sldId id="260" r:id="rId7"/>
-    <p:sldId id="259" r:id="rId8"/>
-    <p:sldId id="261" r:id="rId9"/>
-    <p:sldId id="263" r:id="rId10"/>
-    <p:sldId id="265" r:id="rId11"/>
-    <p:sldId id="266" r:id="rId12"/>
-    <p:sldId id="264" r:id="rId13"/>
+    <p:sldId id="262" r:id="rId4"/>
+    <p:sldId id="258" r:id="rId5"/>
+    <p:sldId id="260" r:id="rId6"/>
+    <p:sldId id="259" r:id="rId7"/>
+    <p:sldId id="261" r:id="rId8"/>
+    <p:sldId id="263" r:id="rId9"/>
+    <p:sldId id="265" r:id="rId10"/>
+    <p:sldId id="266" r:id="rId11"/>
+    <p:sldId id="264" r:id="rId12"/>
   </p:sldIdLst>
   <p:sldSz cx="12192000" cy="6858000"/>
   <p:notesSz cx="6858000" cy="9144000"/>
@@ -270,7 +269,7 @@
           <a:p>
             <a:fld id="{0CB35010-EDBB-44E1-81B6-E54FF20221CB}" type="datetimeFigureOut">
               <a:rPr lang="zh-CN" altLang="en-US" smtClean="0"/>
-              <a:t>2019/4/15</a:t>
+              <a:t>2019/4/16</a:t>
             </a:fld>
             <a:endParaRPr lang="zh-CN" altLang="en-US"/>
           </a:p>
@@ -468,7 +467,7 @@
           <a:p>
             <a:fld id="{0CB35010-EDBB-44E1-81B6-E54FF20221CB}" type="datetimeFigureOut">
               <a:rPr lang="zh-CN" altLang="en-US" smtClean="0"/>
-              <a:t>2019/4/15</a:t>
+              <a:t>2019/4/16</a:t>
             </a:fld>
             <a:endParaRPr lang="zh-CN" altLang="en-US"/>
           </a:p>
@@ -676,7 +675,7 @@
           <a:p>
             <a:fld id="{0CB35010-EDBB-44E1-81B6-E54FF20221CB}" type="datetimeFigureOut">
               <a:rPr lang="zh-CN" altLang="en-US" smtClean="0"/>
-              <a:t>2019/4/15</a:t>
+              <a:t>2019/4/16</a:t>
             </a:fld>
             <a:endParaRPr lang="zh-CN" altLang="en-US"/>
           </a:p>
@@ -874,7 +873,7 @@
           <a:p>
             <a:fld id="{0CB35010-EDBB-44E1-81B6-E54FF20221CB}" type="datetimeFigureOut">
               <a:rPr lang="zh-CN" altLang="en-US" smtClean="0"/>
-              <a:t>2019/4/15</a:t>
+              <a:t>2019/4/16</a:t>
             </a:fld>
             <a:endParaRPr lang="zh-CN" altLang="en-US"/>
           </a:p>
@@ -1149,7 +1148,7 @@
           <a:p>
             <a:fld id="{0CB35010-EDBB-44E1-81B6-E54FF20221CB}" type="datetimeFigureOut">
               <a:rPr lang="zh-CN" altLang="en-US" smtClean="0"/>
-              <a:t>2019/4/15</a:t>
+              <a:t>2019/4/16</a:t>
             </a:fld>
             <a:endParaRPr lang="zh-CN" altLang="en-US"/>
           </a:p>
@@ -1414,7 +1413,7 @@
           <a:p>
             <a:fld id="{0CB35010-EDBB-44E1-81B6-E54FF20221CB}" type="datetimeFigureOut">
               <a:rPr lang="zh-CN" altLang="en-US" smtClean="0"/>
-              <a:t>2019/4/15</a:t>
+              <a:t>2019/4/16</a:t>
             </a:fld>
             <a:endParaRPr lang="zh-CN" altLang="en-US"/>
           </a:p>
@@ -1826,7 +1825,7 @@
           <a:p>
             <a:fld id="{0CB35010-EDBB-44E1-81B6-E54FF20221CB}" type="datetimeFigureOut">
               <a:rPr lang="zh-CN" altLang="en-US" smtClean="0"/>
-              <a:t>2019/4/15</a:t>
+              <a:t>2019/4/16</a:t>
             </a:fld>
             <a:endParaRPr lang="zh-CN" altLang="en-US"/>
           </a:p>
@@ -1967,7 +1966,7 @@
           <a:p>
             <a:fld id="{0CB35010-EDBB-44E1-81B6-E54FF20221CB}" type="datetimeFigureOut">
               <a:rPr lang="zh-CN" altLang="en-US" smtClean="0"/>
-              <a:t>2019/4/15</a:t>
+              <a:t>2019/4/16</a:t>
             </a:fld>
             <a:endParaRPr lang="zh-CN" altLang="en-US"/>
           </a:p>
@@ -2080,7 +2079,7 @@
           <a:p>
             <a:fld id="{0CB35010-EDBB-44E1-81B6-E54FF20221CB}" type="datetimeFigureOut">
               <a:rPr lang="zh-CN" altLang="en-US" smtClean="0"/>
-              <a:t>2019/4/15</a:t>
+              <a:t>2019/4/16</a:t>
             </a:fld>
             <a:endParaRPr lang="zh-CN" altLang="en-US"/>
           </a:p>
@@ -2391,7 +2390,7 @@
           <a:p>
             <a:fld id="{0CB35010-EDBB-44E1-81B6-E54FF20221CB}" type="datetimeFigureOut">
               <a:rPr lang="zh-CN" altLang="en-US" smtClean="0"/>
-              <a:t>2019/4/15</a:t>
+              <a:t>2019/4/16</a:t>
             </a:fld>
             <a:endParaRPr lang="zh-CN" altLang="en-US"/>
           </a:p>
@@ -2679,7 +2678,7 @@
           <a:p>
             <a:fld id="{0CB35010-EDBB-44E1-81B6-E54FF20221CB}" type="datetimeFigureOut">
               <a:rPr lang="zh-CN" altLang="en-US" smtClean="0"/>
-              <a:t>2019/4/15</a:t>
+              <a:t>2019/4/16</a:t>
             </a:fld>
             <a:endParaRPr lang="zh-CN" altLang="en-US"/>
           </a:p>
@@ -2920,7 +2919,7 @@
           <a:p>
             <a:fld id="{0CB35010-EDBB-44E1-81B6-E54FF20221CB}" type="datetimeFigureOut">
               <a:rPr lang="zh-CN" altLang="en-US" smtClean="0"/>
-              <a:t>2019/4/15</a:t>
+              <a:t>2019/4/16</a:t>
             </a:fld>
             <a:endParaRPr lang="zh-CN" altLang="en-US"/>
           </a:p>
@@ -3463,134 +3462,6 @@
           <a:p>
             <a:r>
               <a:rPr lang="en-US" altLang="zh-CN" dirty="0" err="1"/>
-              <a:t>HttpClient</a:t>
-            </a:r>
-            <a:endParaRPr lang="zh-CN" altLang="en-US" dirty="0"/>
-          </a:p>
-        </p:txBody>
-      </p:sp>
-      <p:sp>
-        <p:nvSpPr>
-          <p:cNvPr id="15" name="内容占位符 2">
-            <a:extLst>
-              <a:ext uri="{FF2B5EF4-FFF2-40B4-BE49-F238E27FC236}">
-                <a16:creationId xmlns:a16="http://schemas.microsoft.com/office/drawing/2014/main" id="{00DFF36C-FF32-4635-B471-3925665516F8}"/>
-              </a:ext>
-            </a:extLst>
-          </p:cNvPr>
-          <p:cNvSpPr>
-            <a:spLocks noGrp="1"/>
-          </p:cNvSpPr>
-          <p:nvPr>
-            <p:ph idx="1"/>
-          </p:nvPr>
-        </p:nvSpPr>
-        <p:spPr>
-          <a:xfrm>
-            <a:off x="838200" y="1690687"/>
-            <a:ext cx="10515600" cy="4887665"/>
-          </a:xfrm>
-        </p:spPr>
-        <p:txBody>
-          <a:bodyPr>
-            <a:normAutofit/>
-          </a:bodyPr>
-          <a:lstStyle/>
-          <a:p>
-            <a:r>
-              <a:rPr lang="zh-CN" altLang="en-US" sz="1400" dirty="0"/>
-              <a:t>基本用法</a:t>
-            </a:r>
-            <a:endParaRPr lang="en-US" altLang="zh-CN" sz="1400" dirty="0"/>
-          </a:p>
-          <a:p>
-            <a:r>
-              <a:rPr lang="zh-CN" altLang="en-US" sz="1400" dirty="0"/>
-              <a:t>命名</a:t>
-            </a:r>
-            <a:r>
-              <a:rPr lang="en-US" altLang="zh-CN" sz="1400" dirty="0" err="1"/>
-              <a:t>HttpClient</a:t>
-            </a:r>
-            <a:endParaRPr lang="en-US" altLang="zh-CN" sz="1400" dirty="0"/>
-          </a:p>
-          <a:p>
-            <a:r>
-              <a:rPr lang="zh-CN" altLang="en-US" sz="1400" dirty="0"/>
-              <a:t>类型化</a:t>
-            </a:r>
-            <a:r>
-              <a:rPr lang="en-US" altLang="zh-CN" sz="1400" dirty="0" err="1"/>
-              <a:t>HttpClient</a:t>
-            </a:r>
-            <a:endParaRPr lang="en-US" altLang="zh-CN" sz="1400" dirty="0"/>
-          </a:p>
-          <a:p>
-            <a:r>
-              <a:rPr lang="zh-CN" altLang="en-US" sz="1400" dirty="0"/>
-              <a:t>容错</a:t>
-            </a:r>
-            <a:r>
-              <a:rPr lang="en-US" altLang="zh-CN" sz="1400" dirty="0" err="1"/>
-              <a:t>HttpClient</a:t>
-            </a:r>
-            <a:endParaRPr lang="en-US" altLang="zh-CN" sz="1400" dirty="0"/>
-          </a:p>
-        </p:txBody>
-      </p:sp>
-    </p:spTree>
-    <p:extLst>
-      <p:ext uri="{BB962C8B-B14F-4D97-AF65-F5344CB8AC3E}">
-        <p14:creationId xmlns:p14="http://schemas.microsoft.com/office/powerpoint/2010/main" val="814465082"/>
-      </p:ext>
-    </p:extLst>
-  </p:cSld>
-  <p:clrMapOvr>
-    <a:masterClrMapping/>
-  </p:clrMapOvr>
-</p:sld>
-</file>
-
-<file path=ppt/slides/slide11.xml><?xml version="1.0" encoding="utf-8"?>
-<p:sld xmlns:a="http://schemas.openxmlformats.org/drawingml/2006/main" xmlns:r="http://schemas.openxmlformats.org/officeDocument/2006/relationships" xmlns:p="http://schemas.openxmlformats.org/presentationml/2006/main">
-  <p:cSld>
-    <p:spTree>
-      <p:nvGrpSpPr>
-        <p:cNvPr id="1" name=""/>
-        <p:cNvGrpSpPr/>
-        <p:nvPr/>
-      </p:nvGrpSpPr>
-      <p:grpSpPr>
-        <a:xfrm>
-          <a:off x="0" y="0"/>
-          <a:ext cx="0" cy="0"/>
-          <a:chOff x="0" y="0"/>
-          <a:chExt cx="0" cy="0"/>
-        </a:xfrm>
-      </p:grpSpPr>
-      <p:sp>
-        <p:nvSpPr>
-          <p:cNvPr id="2" name="标题 1">
-            <a:extLst>
-              <a:ext uri="{FF2B5EF4-FFF2-40B4-BE49-F238E27FC236}">
-                <a16:creationId xmlns:a16="http://schemas.microsoft.com/office/drawing/2014/main" id="{D93F5457-E33E-4DFB-A0C6-F3B921696286}"/>
-              </a:ext>
-            </a:extLst>
-          </p:cNvPr>
-          <p:cNvSpPr>
-            <a:spLocks noGrp="1"/>
-          </p:cNvSpPr>
-          <p:nvPr>
-            <p:ph type="title"/>
-          </p:nvPr>
-        </p:nvSpPr>
-        <p:spPr/>
-        <p:txBody>
-          <a:bodyPr/>
-          <a:lstStyle/>
-          <a:p>
-            <a:r>
-              <a:rPr lang="en-US" altLang="zh-CN" dirty="0" err="1"/>
               <a:t>GlobalizationLocalization</a:t>
             </a:r>
             <a:endParaRPr lang="zh-CN" altLang="en-US" dirty="0"/>
@@ -3679,7 +3550,7 @@
 </p:sld>
 </file>
 
-<file path=ppt/slides/slide12.xml><?xml version="1.0" encoding="utf-8"?>
+<file path=ppt/slides/slide11.xml><?xml version="1.0" encoding="utf-8"?>
 <p:sld xmlns:a="http://schemas.openxmlformats.org/drawingml/2006/main" xmlns:r="http://schemas.openxmlformats.org/officeDocument/2006/relationships" xmlns:p="http://schemas.openxmlformats.org/presentationml/2006/main">
   <p:cSld>
     <p:spTree>
@@ -3886,7 +3757,7 @@
           </a:p>
           <a:p>
             <a:r>
-              <a:rPr lang="zh-CN" altLang="en-US" sz="1400"/>
+              <a:rPr lang="zh-CN" altLang="en-US" sz="1400" dirty="0"/>
               <a:t>缓存</a:t>
             </a:r>
             <a:endParaRPr lang="en-US" altLang="zh-CN" sz="1400" dirty="0"/>
@@ -4055,276 +3926,6 @@
       </p:grpSpPr>
       <p:sp>
         <p:nvSpPr>
-          <p:cNvPr id="2" name="内容占位符 2">
-            <a:extLst>
-              <a:ext uri="{FF2B5EF4-FFF2-40B4-BE49-F238E27FC236}">
-                <a16:creationId xmlns:a16="http://schemas.microsoft.com/office/drawing/2014/main" id="{CAB87FA1-01A2-45EB-B868-7A5C48E2BB63}"/>
-              </a:ext>
-            </a:extLst>
-          </p:cNvPr>
-          <p:cNvSpPr txBox="1">
-            <a:spLocks/>
-          </p:cNvSpPr>
-          <p:nvPr/>
-        </p:nvSpPr>
-        <p:spPr>
-          <a:xfrm>
-            <a:off x="838200" y="1690687"/>
-            <a:ext cx="10515600" cy="4887665"/>
-          </a:xfrm>
-          <a:prstGeom prst="rect">
-            <a:avLst/>
-          </a:prstGeom>
-        </p:spPr>
-        <p:txBody>
-          <a:bodyPr>
-            <a:normAutofit/>
-          </a:bodyPr>
-          <a:lstStyle>
-            <a:lvl1pPr marL="228600" indent="-228600" algn="l" defTabSz="914400" rtl="0" eaLnBrk="1" latinLnBrk="0" hangingPunct="1">
-              <a:lnSpc>
-                <a:spcPct val="90000"/>
-              </a:lnSpc>
-              <a:spcBef>
-                <a:spcPts val="1000"/>
-              </a:spcBef>
-              <a:buFont typeface="Arial" panose="020B0604020202020204" pitchFamily="34" charset="0"/>
-              <a:buChar char="•"/>
-              <a:defRPr sz="2800" kern="1200">
-                <a:solidFill>
-                  <a:schemeClr val="tx1"/>
-                </a:solidFill>
-                <a:latin typeface="+mn-lt"/>
-                <a:ea typeface="+mn-ea"/>
-                <a:cs typeface="+mn-cs"/>
-              </a:defRPr>
-            </a:lvl1pPr>
-            <a:lvl2pPr marL="685800" indent="-228600" algn="l" defTabSz="914400" rtl="0" eaLnBrk="1" latinLnBrk="0" hangingPunct="1">
-              <a:lnSpc>
-                <a:spcPct val="90000"/>
-              </a:lnSpc>
-              <a:spcBef>
-                <a:spcPts val="500"/>
-              </a:spcBef>
-              <a:buFont typeface="Arial" panose="020B0604020202020204" pitchFamily="34" charset="0"/>
-              <a:buChar char="•"/>
-              <a:defRPr sz="2400" kern="1200">
-                <a:solidFill>
-                  <a:schemeClr val="tx1"/>
-                </a:solidFill>
-                <a:latin typeface="+mn-lt"/>
-                <a:ea typeface="+mn-ea"/>
-                <a:cs typeface="+mn-cs"/>
-              </a:defRPr>
-            </a:lvl2pPr>
-            <a:lvl3pPr marL="1143000" indent="-228600" algn="l" defTabSz="914400" rtl="0" eaLnBrk="1" latinLnBrk="0" hangingPunct="1">
-              <a:lnSpc>
-                <a:spcPct val="90000"/>
-              </a:lnSpc>
-              <a:spcBef>
-                <a:spcPts val="500"/>
-              </a:spcBef>
-              <a:buFont typeface="Arial" panose="020B0604020202020204" pitchFamily="34" charset="0"/>
-              <a:buChar char="•"/>
-              <a:defRPr sz="2000" kern="1200">
-                <a:solidFill>
-                  <a:schemeClr val="tx1"/>
-                </a:solidFill>
-                <a:latin typeface="+mn-lt"/>
-                <a:ea typeface="+mn-ea"/>
-                <a:cs typeface="+mn-cs"/>
-              </a:defRPr>
-            </a:lvl3pPr>
-            <a:lvl4pPr marL="1600200" indent="-228600" algn="l" defTabSz="914400" rtl="0" eaLnBrk="1" latinLnBrk="0" hangingPunct="1">
-              <a:lnSpc>
-                <a:spcPct val="90000"/>
-              </a:lnSpc>
-              <a:spcBef>
-                <a:spcPts val="500"/>
-              </a:spcBef>
-              <a:buFont typeface="Arial" panose="020B0604020202020204" pitchFamily="34" charset="0"/>
-              <a:buChar char="•"/>
-              <a:defRPr sz="1800" kern="1200">
-                <a:solidFill>
-                  <a:schemeClr val="tx1"/>
-                </a:solidFill>
-                <a:latin typeface="+mn-lt"/>
-                <a:ea typeface="+mn-ea"/>
-                <a:cs typeface="+mn-cs"/>
-              </a:defRPr>
-            </a:lvl4pPr>
-            <a:lvl5pPr marL="2057400" indent="-228600" algn="l" defTabSz="914400" rtl="0" eaLnBrk="1" latinLnBrk="0" hangingPunct="1">
-              <a:lnSpc>
-                <a:spcPct val="90000"/>
-              </a:lnSpc>
-              <a:spcBef>
-                <a:spcPts val="500"/>
-              </a:spcBef>
-              <a:buFont typeface="Arial" panose="020B0604020202020204" pitchFamily="34" charset="0"/>
-              <a:buChar char="•"/>
-              <a:defRPr sz="1800" kern="1200">
-                <a:solidFill>
-                  <a:schemeClr val="tx1"/>
-                </a:solidFill>
-                <a:latin typeface="+mn-lt"/>
-                <a:ea typeface="+mn-ea"/>
-                <a:cs typeface="+mn-cs"/>
-              </a:defRPr>
-            </a:lvl5pPr>
-            <a:lvl6pPr marL="2514600" indent="-228600" algn="l" defTabSz="914400" rtl="0" eaLnBrk="1" latinLnBrk="0" hangingPunct="1">
-              <a:lnSpc>
-                <a:spcPct val="90000"/>
-              </a:lnSpc>
-              <a:spcBef>
-                <a:spcPts val="500"/>
-              </a:spcBef>
-              <a:buFont typeface="Arial" panose="020B0604020202020204" pitchFamily="34" charset="0"/>
-              <a:buChar char="•"/>
-              <a:defRPr sz="1800" kern="1200">
-                <a:solidFill>
-                  <a:schemeClr val="tx1"/>
-                </a:solidFill>
-                <a:latin typeface="+mn-lt"/>
-                <a:ea typeface="+mn-ea"/>
-                <a:cs typeface="+mn-cs"/>
-              </a:defRPr>
-            </a:lvl6pPr>
-            <a:lvl7pPr marL="2971800" indent="-228600" algn="l" defTabSz="914400" rtl="0" eaLnBrk="1" latinLnBrk="0" hangingPunct="1">
-              <a:lnSpc>
-                <a:spcPct val="90000"/>
-              </a:lnSpc>
-              <a:spcBef>
-                <a:spcPts val="500"/>
-              </a:spcBef>
-              <a:buFont typeface="Arial" panose="020B0604020202020204" pitchFamily="34" charset="0"/>
-              <a:buChar char="•"/>
-              <a:defRPr sz="1800" kern="1200">
-                <a:solidFill>
-                  <a:schemeClr val="tx1"/>
-                </a:solidFill>
-                <a:latin typeface="+mn-lt"/>
-                <a:ea typeface="+mn-ea"/>
-                <a:cs typeface="+mn-cs"/>
-              </a:defRPr>
-            </a:lvl7pPr>
-            <a:lvl8pPr marL="3429000" indent="-228600" algn="l" defTabSz="914400" rtl="0" eaLnBrk="1" latinLnBrk="0" hangingPunct="1">
-              <a:lnSpc>
-                <a:spcPct val="90000"/>
-              </a:lnSpc>
-              <a:spcBef>
-                <a:spcPts val="500"/>
-              </a:spcBef>
-              <a:buFont typeface="Arial" panose="020B0604020202020204" pitchFamily="34" charset="0"/>
-              <a:buChar char="•"/>
-              <a:defRPr sz="1800" kern="1200">
-                <a:solidFill>
-                  <a:schemeClr val="tx1"/>
-                </a:solidFill>
-                <a:latin typeface="+mn-lt"/>
-                <a:ea typeface="+mn-ea"/>
-                <a:cs typeface="+mn-cs"/>
-              </a:defRPr>
-            </a:lvl8pPr>
-            <a:lvl9pPr marL="3886200" indent="-228600" algn="l" defTabSz="914400" rtl="0" eaLnBrk="1" latinLnBrk="0" hangingPunct="1">
-              <a:lnSpc>
-                <a:spcPct val="90000"/>
-              </a:lnSpc>
-              <a:spcBef>
-                <a:spcPts val="500"/>
-              </a:spcBef>
-              <a:buFont typeface="Arial" panose="020B0604020202020204" pitchFamily="34" charset="0"/>
-              <a:buChar char="•"/>
-              <a:defRPr sz="1800" kern="1200">
-                <a:solidFill>
-                  <a:schemeClr val="tx1"/>
-                </a:solidFill>
-                <a:latin typeface="+mn-lt"/>
-                <a:ea typeface="+mn-ea"/>
-                <a:cs typeface="+mn-cs"/>
-              </a:defRPr>
-            </a:lvl9pPr>
-          </a:lstStyle>
-          <a:p>
-            <a:r>
-              <a:rPr lang="zh-CN" altLang="en-US" sz="1400" dirty="0"/>
-              <a:t>对</a:t>
-            </a:r>
-            <a:r>
-              <a:rPr lang="en-US" altLang="zh-CN" sz="1400" dirty="0"/>
-              <a:t>docker</a:t>
-            </a:r>
-            <a:r>
-              <a:rPr lang="zh-CN" altLang="en-US" sz="1400" dirty="0"/>
-              <a:t>的友好支持</a:t>
-            </a:r>
-            <a:endParaRPr lang="en-US" altLang="zh-CN" sz="1400" dirty="0"/>
-          </a:p>
-          <a:p>
-            <a:r>
-              <a:rPr lang="zh-CN" altLang="en-US" sz="1400" dirty="0"/>
-              <a:t>依赖注入的模式，对接口编程</a:t>
-            </a:r>
-            <a:endParaRPr lang="en-US" altLang="zh-CN" sz="1400" dirty="0"/>
-          </a:p>
-          <a:p>
-            <a:r>
-              <a:rPr lang="zh-CN" altLang="en-US" sz="1400" dirty="0"/>
-              <a:t>配置文件</a:t>
-            </a:r>
-            <a:endParaRPr lang="en-US" altLang="zh-CN" sz="1400" dirty="0"/>
-          </a:p>
-          <a:p>
-            <a:r>
-              <a:rPr lang="zh-CN" altLang="en-US" sz="1400" dirty="0"/>
-              <a:t>分布式缓存</a:t>
-            </a:r>
-            <a:endParaRPr lang="en-US" altLang="zh-CN" sz="1400" dirty="0"/>
-          </a:p>
-          <a:p>
-            <a:r>
-              <a:rPr lang="en-US" altLang="zh-CN" sz="1400" dirty="0" err="1"/>
-              <a:t>HttpClient</a:t>
-            </a:r>
-            <a:r>
-              <a:rPr lang="zh-CN" altLang="en-US" sz="1400" dirty="0"/>
-              <a:t>重试熔断机制</a:t>
-            </a:r>
-            <a:endParaRPr lang="en-US" altLang="zh-CN" sz="1400" dirty="0"/>
-          </a:p>
-        </p:txBody>
-      </p:sp>
-    </p:spTree>
-    <p:extLst>
-      <p:ext uri="{BB962C8B-B14F-4D97-AF65-F5344CB8AC3E}">
-        <p14:creationId xmlns:p14="http://schemas.microsoft.com/office/powerpoint/2010/main" val="3076961392"/>
-      </p:ext>
-    </p:extLst>
-  </p:cSld>
-  <p:clrMapOvr>
-    <a:masterClrMapping/>
-  </p:clrMapOvr>
-</p:sld>
-</file>
-
-<file path=ppt/slides/slide4.xml><?xml version="1.0" encoding="utf-8"?>
-<p:sld xmlns:a="http://schemas.openxmlformats.org/drawingml/2006/main" xmlns:r="http://schemas.openxmlformats.org/officeDocument/2006/relationships" xmlns:p="http://schemas.openxmlformats.org/presentationml/2006/main">
-  <p:cSld>
-    <p:spTree>
-      <p:nvGrpSpPr>
-        <p:cNvPr id="1" name=""/>
-        <p:cNvGrpSpPr/>
-        <p:nvPr/>
-      </p:nvGrpSpPr>
-      <p:grpSpPr>
-        <a:xfrm>
-          <a:off x="0" y="0"/>
-          <a:ext cx="0" cy="0"/>
-          <a:chOff x="0" y="0"/>
-          <a:chExt cx="0" cy="0"/>
-        </a:xfrm>
-      </p:grpSpPr>
-      <p:sp>
-        <p:nvSpPr>
           <p:cNvPr id="2" name="标题 1">
             <a:extLst>
               <a:ext uri="{FF2B5EF4-FFF2-40B4-BE49-F238E27FC236}">
@@ -4403,7 +4004,7 @@
 </p:sld>
 </file>
 
-<file path=ppt/slides/slide5.xml><?xml version="1.0" encoding="utf-8"?>
+<file path=ppt/slides/slide4.xml><?xml version="1.0" encoding="utf-8"?>
 <p:sld xmlns:a="http://schemas.openxmlformats.org/drawingml/2006/main" xmlns:r="http://schemas.openxmlformats.org/officeDocument/2006/relationships" xmlns:p="http://schemas.openxmlformats.org/presentationml/2006/main">
   <p:cSld>
     <p:spTree>
@@ -5278,6 +4879,119 @@
 </p:sld>
 </file>
 
+<file path=ppt/slides/slide5.xml><?xml version="1.0" encoding="utf-8"?>
+<p:sld xmlns:a="http://schemas.openxmlformats.org/drawingml/2006/main" xmlns:r="http://schemas.openxmlformats.org/officeDocument/2006/relationships" xmlns:p="http://schemas.openxmlformats.org/presentationml/2006/main">
+  <p:cSld>
+    <p:spTree>
+      <p:nvGrpSpPr>
+        <p:cNvPr id="1" name=""/>
+        <p:cNvGrpSpPr/>
+        <p:nvPr/>
+      </p:nvGrpSpPr>
+      <p:grpSpPr>
+        <a:xfrm>
+          <a:off x="0" y="0"/>
+          <a:ext cx="0" cy="0"/>
+          <a:chOff x="0" y="0"/>
+          <a:chExt cx="0" cy="0"/>
+        </a:xfrm>
+      </p:grpSpPr>
+      <p:sp>
+        <p:nvSpPr>
+          <p:cNvPr id="2" name="标题 1">
+            <a:extLst>
+              <a:ext uri="{FF2B5EF4-FFF2-40B4-BE49-F238E27FC236}">
+                <a16:creationId xmlns:a16="http://schemas.microsoft.com/office/drawing/2014/main" id="{D93F5457-E33E-4DFB-A0C6-F3B921696286}"/>
+              </a:ext>
+            </a:extLst>
+          </p:cNvPr>
+          <p:cNvSpPr>
+            <a:spLocks noGrp="1"/>
+          </p:cNvSpPr>
+          <p:nvPr>
+            <p:ph type="title"/>
+          </p:nvPr>
+        </p:nvSpPr>
+        <p:spPr/>
+        <p:txBody>
+          <a:bodyPr/>
+          <a:lstStyle/>
+          <a:p>
+            <a:r>
+              <a:rPr lang="en-US" altLang="zh-CN" dirty="0"/>
+              <a:t>Configuration</a:t>
+            </a:r>
+            <a:endParaRPr lang="zh-CN" altLang="en-US" dirty="0"/>
+          </a:p>
+        </p:txBody>
+      </p:sp>
+      <p:sp>
+        <p:nvSpPr>
+          <p:cNvPr id="15" name="内容占位符 2">
+            <a:extLst>
+              <a:ext uri="{FF2B5EF4-FFF2-40B4-BE49-F238E27FC236}">
+                <a16:creationId xmlns:a16="http://schemas.microsoft.com/office/drawing/2014/main" id="{00DFF36C-FF32-4635-B471-3925665516F8}"/>
+              </a:ext>
+            </a:extLst>
+          </p:cNvPr>
+          <p:cNvSpPr>
+            <a:spLocks noGrp="1"/>
+          </p:cNvSpPr>
+          <p:nvPr>
+            <p:ph idx="1"/>
+          </p:nvPr>
+        </p:nvSpPr>
+        <p:spPr>
+          <a:xfrm>
+            <a:off x="838200" y="1690687"/>
+            <a:ext cx="10515600" cy="4887665"/>
+          </a:xfrm>
+        </p:spPr>
+        <p:txBody>
+          <a:bodyPr>
+            <a:normAutofit/>
+          </a:bodyPr>
+          <a:lstStyle/>
+          <a:p>
+            <a:r>
+              <a:rPr lang="zh-CN" altLang="en-US" sz="1400" dirty="0"/>
+              <a:t>配置文件</a:t>
+            </a:r>
+            <a:endParaRPr lang="en-US" altLang="zh-CN" sz="1400" dirty="0"/>
+          </a:p>
+          <a:p>
+            <a:r>
+              <a:rPr lang="zh-CN" altLang="en-US" sz="1400" dirty="0"/>
+              <a:t>热更新</a:t>
+            </a:r>
+            <a:r>
+              <a:rPr lang="en-US" altLang="zh-CN" sz="1400" dirty="0"/>
+              <a:t>(</a:t>
+            </a:r>
+            <a:r>
+              <a:rPr lang="zh-CN" altLang="en-US" sz="1400" dirty="0"/>
+              <a:t>内存会增加</a:t>
+            </a:r>
+            <a:r>
+              <a:rPr lang="en-US" altLang="zh-CN" sz="1400" dirty="0"/>
+              <a:t>)</a:t>
+            </a:r>
+          </a:p>
+        </p:txBody>
+      </p:sp>
+    </p:spTree>
+    <p:extLst>
+      <p:ext uri="{BB962C8B-B14F-4D97-AF65-F5344CB8AC3E}">
+        <p14:creationId xmlns:p14="http://schemas.microsoft.com/office/powerpoint/2010/main" val="1183203262"/>
+      </p:ext>
+    </p:extLst>
+  </p:cSld>
+  <p:clrMapOvr>
+    <a:masterClrMapping/>
+  </p:clrMapOvr>
+</p:sld>
+</file>
+
 <file path=ppt/slides/slide6.xml><?xml version="1.0" encoding="utf-8"?>
 <p:sld xmlns:a="http://schemas.openxmlformats.org/drawingml/2006/main" xmlns:r="http://schemas.openxmlformats.org/officeDocument/2006/relationships" xmlns:p="http://schemas.openxmlformats.org/presentationml/2006/main">
   <p:cSld>
@@ -5318,9 +5032,12 @@
           <a:p>
             <a:r>
               <a:rPr lang="en-US" altLang="zh-CN" dirty="0"/>
-              <a:t>Configuration</a:t>
-            </a:r>
-            <a:endParaRPr lang="zh-CN" altLang="en-US" dirty="0"/>
+              <a:t>Configuration-</a:t>
+            </a:r>
+            <a:r>
+              <a:rPr lang="zh-CN" altLang="en-US" dirty="0"/>
+              <a:t>机密文件</a:t>
+            </a:r>
           </a:p>
         </p:txBody>
       </p:sp>
@@ -5352,36 +5069,314 @@
           </a:bodyPr>
           <a:lstStyle/>
           <a:p>
-            <a:r>
-              <a:rPr lang="zh-CN" altLang="en-US" sz="1400" dirty="0"/>
-              <a:t>配置文件</a:t>
-            </a:r>
-            <a:endParaRPr lang="en-US" altLang="zh-CN" sz="1400" dirty="0"/>
-          </a:p>
-          <a:p>
-            <a:r>
-              <a:rPr lang="zh-CN" altLang="en-US" sz="1400" dirty="0"/>
-              <a:t>热更新</a:t>
-            </a:r>
+            <a:pPr marL="0" indent="0">
+              <a:buNone/>
+            </a:pPr>
             <a:r>
               <a:rPr lang="en-US" altLang="zh-CN" sz="1400" dirty="0"/>
-              <a:t>(</a:t>
-            </a:r>
-            <a:r>
-              <a:rPr lang="zh-CN" altLang="en-US" sz="1400" dirty="0"/>
-              <a:t>内存会增加</a:t>
+              <a:t>1</a:t>
+            </a:r>
+            <a:r>
+              <a:rPr lang="zh-CN" altLang="en-US" sz="1400" dirty="0"/>
+              <a:t>、</a:t>
             </a:r>
             <a:r>
               <a:rPr lang="en-US" altLang="zh-CN" sz="1400" dirty="0"/>
-              <a:t>)</a:t>
-            </a:r>
+              <a:t>.</a:t>
+            </a:r>
+            <a:r>
+              <a:rPr lang="en-US" altLang="zh-CN" sz="1400" dirty="0" err="1"/>
+              <a:t>csproj</a:t>
+            </a:r>
+            <a:r>
+              <a:rPr lang="zh-CN" altLang="en-US" sz="1400" dirty="0"/>
+              <a:t>文件的</a:t>
+            </a:r>
+            <a:r>
+              <a:rPr lang="en-US" altLang="zh-CN" sz="1400" dirty="0"/>
+              <a:t>&lt;</a:t>
+            </a:r>
+            <a:r>
+              <a:rPr lang="en-US" altLang="zh-CN" sz="1400" dirty="0" err="1"/>
+              <a:t>PropertyGroup</a:t>
+            </a:r>
+            <a:r>
+              <a:rPr lang="en-US" altLang="zh-CN" sz="1400" dirty="0"/>
+              <a:t>&gt;&lt;/</a:t>
+            </a:r>
+            <a:r>
+              <a:rPr lang="en-US" altLang="zh-CN" sz="1400" dirty="0" err="1"/>
+              <a:t>PropertyGroup</a:t>
+            </a:r>
+            <a:r>
+              <a:rPr lang="en-US" altLang="zh-CN" sz="1400" dirty="0"/>
+              <a:t>&gt;</a:t>
+            </a:r>
+            <a:r>
+              <a:rPr lang="zh-CN" altLang="en-US" sz="1400" dirty="0"/>
+              <a:t>节点中添加</a:t>
+            </a:r>
+          </a:p>
+          <a:p>
+            <a:pPr marL="0" indent="0">
+              <a:buNone/>
+            </a:pPr>
+            <a:r>
+              <a:rPr lang="en-US" altLang="zh-CN" sz="1400" dirty="0"/>
+              <a:t>  &lt;</a:t>
+            </a:r>
+            <a:r>
+              <a:rPr lang="en-US" altLang="zh-CN" sz="1400" dirty="0" err="1"/>
+              <a:t>UserSecretsId</a:t>
+            </a:r>
+            <a:r>
+              <a:rPr lang="en-US" altLang="zh-CN" sz="1400" dirty="0"/>
+              <a:t>&gt;</a:t>
+            </a:r>
+            <a:r>
+              <a:rPr lang="en-US" altLang="zh-CN" sz="1400" dirty="0" err="1"/>
+              <a:t>d7a40274-87df-43ba-999b-d8719940b7a7</a:t>
+            </a:r>
+            <a:r>
+              <a:rPr lang="en-US" altLang="zh-CN" sz="1400" dirty="0"/>
+              <a:t>&lt;/</a:t>
+            </a:r>
+            <a:r>
+              <a:rPr lang="en-US" altLang="zh-CN" sz="1400" dirty="0" err="1"/>
+              <a:t>UserSecretsId</a:t>
+            </a:r>
+            <a:r>
+              <a:rPr lang="en-US" altLang="zh-CN" sz="1400" dirty="0"/>
+              <a:t>&gt;</a:t>
+            </a:r>
+          </a:p>
+          <a:p>
+            <a:pPr marL="0" indent="0">
+              <a:buNone/>
+            </a:pPr>
+            <a:r>
+              <a:rPr lang="en-US" altLang="zh-CN" sz="1400" dirty="0"/>
+              <a:t>2</a:t>
+            </a:r>
+            <a:r>
+              <a:rPr lang="zh-CN" altLang="en-US" sz="1400" dirty="0"/>
+              <a:t>、操作机密文件</a:t>
+            </a:r>
+          </a:p>
+          <a:p>
+            <a:pPr marL="0" indent="0">
+              <a:buNone/>
+            </a:pPr>
+            <a:r>
+              <a:rPr lang="en-US" altLang="zh-CN" sz="1400" dirty="0"/>
+              <a:t>   a</a:t>
+            </a:r>
+            <a:r>
+              <a:rPr lang="zh-CN" altLang="en-US" sz="1400" dirty="0"/>
+              <a:t>、设置机密文件  </a:t>
+            </a:r>
+            <a:r>
+              <a:rPr lang="en-US" altLang="zh-CN" sz="1400" dirty="0"/>
+              <a:t>dotnet user-secrets set "</a:t>
+            </a:r>
+            <a:r>
+              <a:rPr lang="en-US" altLang="zh-CN" sz="1400" dirty="0" err="1"/>
+              <a:t>dbpassword</a:t>
+            </a:r>
+            <a:r>
+              <a:rPr lang="en-US" altLang="zh-CN" sz="1400" dirty="0"/>
+              <a:t>" "123456" --project ".</a:t>
+            </a:r>
+            <a:r>
+              <a:rPr lang="en-US" altLang="zh-CN" sz="1400" dirty="0" err="1"/>
+              <a:t>csproj</a:t>
+            </a:r>
+            <a:r>
+              <a:rPr lang="zh-CN" altLang="en-US" sz="1400" dirty="0"/>
+              <a:t>所在目录</a:t>
+            </a:r>
+            <a:r>
+              <a:rPr lang="en-US" altLang="zh-CN" sz="1400" dirty="0"/>
+              <a:t>"</a:t>
+            </a:r>
+          </a:p>
+          <a:p>
+            <a:pPr marL="0" indent="0">
+              <a:buNone/>
+            </a:pPr>
+            <a:r>
+              <a:rPr lang="en-US" altLang="zh-CN" sz="1400" dirty="0"/>
+              <a:t>   b</a:t>
+            </a:r>
+            <a:r>
+              <a:rPr lang="zh-CN" altLang="en-US" sz="1400" dirty="0"/>
+              <a:t>、设置多个机密文件  </a:t>
+            </a:r>
+            <a:r>
+              <a:rPr lang="en-US" altLang="zh-CN" sz="1400" dirty="0"/>
+              <a:t>type .\</a:t>
+            </a:r>
+            <a:r>
+              <a:rPr lang="en-US" altLang="zh-CN" sz="1400" dirty="0" err="1"/>
+              <a:t>input.json</a:t>
+            </a:r>
+            <a:r>
+              <a:rPr lang="en-US" altLang="zh-CN" sz="1400" dirty="0"/>
+              <a:t> | dotnet user-secrets set --project ".</a:t>
+            </a:r>
+            <a:r>
+              <a:rPr lang="en-US" altLang="zh-CN" sz="1400" dirty="0" err="1"/>
+              <a:t>csproj</a:t>
+            </a:r>
+            <a:r>
+              <a:rPr lang="zh-CN" altLang="en-US" sz="1400" dirty="0"/>
+              <a:t>所在目录</a:t>
+            </a:r>
+            <a:r>
+              <a:rPr lang="en-US" altLang="zh-CN" sz="1400" dirty="0"/>
+              <a:t>"</a:t>
+            </a:r>
+          </a:p>
+          <a:p>
+            <a:pPr marL="0" indent="0">
+              <a:buNone/>
+            </a:pPr>
+            <a:r>
+              <a:rPr lang="en-US" altLang="zh-CN" sz="1400" dirty="0"/>
+              <a:t>   c</a:t>
+            </a:r>
+            <a:r>
+              <a:rPr lang="zh-CN" altLang="en-US" sz="1400" dirty="0"/>
+              <a:t>、查看机密文件  </a:t>
+            </a:r>
+            <a:r>
+              <a:rPr lang="en-US" altLang="zh-CN" sz="1400" dirty="0"/>
+              <a:t>dotnet user-secrets list --project ".</a:t>
+            </a:r>
+            <a:r>
+              <a:rPr lang="en-US" altLang="zh-CN" sz="1400" dirty="0" err="1"/>
+              <a:t>csproj</a:t>
+            </a:r>
+            <a:r>
+              <a:rPr lang="zh-CN" altLang="en-US" sz="1400" dirty="0"/>
+              <a:t>所在目录</a:t>
+            </a:r>
+            <a:r>
+              <a:rPr lang="en-US" altLang="zh-CN" sz="1400" dirty="0"/>
+              <a:t>"</a:t>
+            </a:r>
+          </a:p>
+          <a:p>
+            <a:pPr marL="0" indent="0">
+              <a:buNone/>
+            </a:pPr>
+            <a:r>
+              <a:rPr lang="en-US" altLang="zh-CN" sz="1400" dirty="0"/>
+              <a:t>   d</a:t>
+            </a:r>
+            <a:r>
+              <a:rPr lang="zh-CN" altLang="en-US" sz="1400" dirty="0"/>
+              <a:t>、删除机密文件  </a:t>
+            </a:r>
+            <a:r>
+              <a:rPr lang="en-US" altLang="zh-CN" sz="1400" dirty="0"/>
+              <a:t>dotnet user-secrets remove "</a:t>
+            </a:r>
+            <a:r>
+              <a:rPr lang="en-US" altLang="zh-CN" sz="1400" dirty="0" err="1"/>
+              <a:t>dbpassword</a:t>
+            </a:r>
+            <a:r>
+              <a:rPr lang="en-US" altLang="zh-CN" sz="1400" dirty="0"/>
+              <a:t>"  --project ".</a:t>
+            </a:r>
+            <a:r>
+              <a:rPr lang="en-US" altLang="zh-CN" sz="1400" dirty="0" err="1"/>
+              <a:t>csproj</a:t>
+            </a:r>
+            <a:r>
+              <a:rPr lang="zh-CN" altLang="en-US" sz="1400" dirty="0"/>
+              <a:t>所在目录</a:t>
+            </a:r>
+            <a:r>
+              <a:rPr lang="en-US" altLang="zh-CN" sz="1400" dirty="0"/>
+              <a:t>"</a:t>
+            </a:r>
+          </a:p>
+          <a:p>
+            <a:pPr marL="0" indent="0">
+              <a:buNone/>
+            </a:pPr>
+            <a:r>
+              <a:rPr lang="en-US" altLang="zh-CN" sz="1400" dirty="0"/>
+              <a:t>   e</a:t>
+            </a:r>
+            <a:r>
+              <a:rPr lang="zh-CN" altLang="en-US" sz="1400" dirty="0"/>
+              <a:t>、删除所有机密文件 </a:t>
+            </a:r>
+            <a:r>
+              <a:rPr lang="en-US" altLang="zh-CN" sz="1400" dirty="0"/>
+              <a:t>dotnet user-secrets clear --project ".</a:t>
+            </a:r>
+            <a:r>
+              <a:rPr lang="en-US" altLang="zh-CN" sz="1400" dirty="0" err="1"/>
+              <a:t>csproj</a:t>
+            </a:r>
+            <a:r>
+              <a:rPr lang="zh-CN" altLang="en-US" sz="1400" dirty="0"/>
+              <a:t>所在目录</a:t>
+            </a:r>
+            <a:r>
+              <a:rPr lang="en-US" altLang="zh-CN" sz="1400" dirty="0"/>
+              <a:t>"</a:t>
+            </a:r>
+          </a:p>
+          <a:p>
+            <a:pPr marL="0" indent="0">
+              <a:buNone/>
+            </a:pPr>
+            <a:r>
+              <a:rPr lang="en-US" altLang="zh-CN" sz="1400" dirty="0"/>
+              <a:t>3</a:t>
+            </a:r>
+            <a:r>
+              <a:rPr lang="zh-CN" altLang="en-US" sz="1400" dirty="0"/>
+              <a:t>、</a:t>
+            </a:r>
+            <a:r>
+              <a:rPr lang="en-US" altLang="zh-CN" sz="1400" dirty="0" err="1"/>
+              <a:t>ConfigureServices</a:t>
+            </a:r>
+            <a:r>
+              <a:rPr lang="zh-CN" altLang="en-US" sz="1400" dirty="0"/>
+              <a:t>中读取</a:t>
+            </a:r>
+          </a:p>
+          <a:p>
+            <a:pPr marL="0" indent="0">
+              <a:buNone/>
+            </a:pPr>
+            <a:r>
+              <a:rPr lang="en-US" altLang="zh-CN" sz="1400" dirty="0"/>
+              <a:t>   var password = Configuration["</a:t>
+            </a:r>
+            <a:r>
+              <a:rPr lang="en-US" altLang="zh-CN" sz="1400" dirty="0" err="1"/>
+              <a:t>dbpassword</a:t>
+            </a:r>
+            <a:r>
+              <a:rPr lang="en-US" altLang="zh-CN" sz="1400" dirty="0"/>
+              <a:t>"];</a:t>
+            </a:r>
+            <a:endParaRPr lang="zh-CN" altLang="en-US" sz="1400" dirty="0"/>
           </a:p>
         </p:txBody>
       </p:sp>
     </p:spTree>
     <p:extLst>
       <p:ext uri="{BB962C8B-B14F-4D97-AF65-F5344CB8AC3E}">
-        <p14:creationId xmlns:p14="http://schemas.microsoft.com/office/powerpoint/2010/main" val="1183203262"/>
+        <p14:creationId xmlns:p14="http://schemas.microsoft.com/office/powerpoint/2010/main" val="731180852"/>
       </p:ext>
     </p:extLst>
   </p:cSld>
@@ -5435,7 +5430,7 @@
             </a:r>
             <a:r>
               <a:rPr lang="zh-CN" altLang="en-US" dirty="0"/>
-              <a:t>机密文件</a:t>
+              <a:t>自定义</a:t>
             </a:r>
           </a:p>
         </p:txBody>
@@ -5472,40 +5467,153 @@
               <a:buNone/>
             </a:pPr>
             <a:r>
+              <a:rPr lang="en-US" altLang="zh-CN" sz="1400" dirty="0" err="1"/>
+              <a:t>Asp.net</a:t>
+            </a:r>
+            <a:r>
+              <a:rPr lang="zh-CN" altLang="en-US" sz="1400" dirty="0"/>
+              <a:t> </a:t>
+            </a:r>
+            <a:r>
               <a:rPr lang="en-US" altLang="zh-CN" sz="1400" dirty="0"/>
-              <a:t>1</a:t>
-            </a:r>
-            <a:r>
-              <a:rPr lang="zh-CN" altLang="en-US" sz="1400" dirty="0"/>
-              <a:t>、</a:t>
+              <a:t>core</a:t>
+            </a:r>
+            <a:r>
+              <a:rPr lang="zh-CN" altLang="en-US" sz="1400" dirty="0"/>
+              <a:t>中的配置文件是基于生成器模式（</a:t>
+            </a:r>
+            <a:r>
+              <a:rPr lang="zh-CN" altLang="en-US" sz="1400" i="1" u="sng" dirty="0"/>
+              <a:t>将复杂对象的建造过程抽象出来（抽象类别），使这个抽象过程的不同实现方法可以构造出不同表现（属性）的对象</a:t>
+            </a:r>
+            <a:r>
+              <a:rPr lang="zh-CN" altLang="en-US" sz="1400" dirty="0"/>
+              <a:t>）</a:t>
             </a:r>
             <a:r>
               <a:rPr lang="en-US" altLang="zh-CN" sz="1400" dirty="0"/>
-              <a:t>.</a:t>
+              <a:t>,</a:t>
             </a:r>
             <a:r>
               <a:rPr lang="en-US" altLang="zh-CN" sz="1400" dirty="0" err="1"/>
-              <a:t>csproj</a:t>
-            </a:r>
-            <a:r>
-              <a:rPr lang="zh-CN" altLang="en-US" sz="1400" dirty="0"/>
-              <a:t>文件的</a:t>
+              <a:t>asp.net</a:t>
             </a:r>
             <a:r>
               <a:rPr lang="en-US" altLang="zh-CN" sz="1400" dirty="0"/>
-              <a:t>&lt;</a:t>
-            </a:r>
+              <a:t> core</a:t>
+            </a:r>
+            <a:r>
+              <a:rPr lang="zh-CN" altLang="en-US" sz="1400" dirty="0"/>
+              <a:t>中有两个生成器，一个是主机</a:t>
+            </a:r>
+            <a:r>
+              <a:rPr lang="en-US" altLang="zh-CN" sz="1400" dirty="0"/>
+              <a:t>(host)</a:t>
+            </a:r>
+            <a:r>
+              <a:rPr lang="zh-CN" altLang="en-US" sz="1400" dirty="0"/>
+              <a:t>的，一个应用程序</a:t>
+            </a:r>
+            <a:r>
+              <a:rPr lang="en-US" altLang="zh-CN" sz="1400" dirty="0"/>
+              <a:t>(application)</a:t>
+            </a:r>
+            <a:r>
+              <a:rPr lang="zh-CN" altLang="en-US" sz="1400" dirty="0"/>
+              <a:t>的</a:t>
+            </a:r>
+            <a:endParaRPr lang="en-US" altLang="zh-CN" sz="1400" dirty="0"/>
+          </a:p>
+          <a:p>
+            <a:pPr marL="0" indent="0">
+              <a:buNone/>
+            </a:pPr>
+            <a:endParaRPr lang="en-US" altLang="zh-CN" sz="1400" dirty="0"/>
+          </a:p>
+          <a:p>
             <a:r>
               <a:rPr lang="en-US" altLang="zh-CN" sz="1400" dirty="0" err="1"/>
-              <a:t>PropertyGroup</a:t>
-            </a:r>
+              <a:t>ConfigurationSource</a:t>
+            </a:r>
+            <a:endParaRPr lang="en-US" altLang="zh-CN" sz="1400" dirty="0"/>
+          </a:p>
+          <a:p>
+            <a:pPr marL="0" indent="0">
+              <a:buNone/>
+            </a:pPr>
             <a:r>
               <a:rPr lang="en-US" altLang="zh-CN" sz="1400" dirty="0"/>
-              <a:t>&gt;&lt;/</a:t>
+              <a:t>     </a:t>
+            </a:r>
+            <a:r>
+              <a:rPr lang="zh-CN" altLang="en-US" sz="1400" dirty="0"/>
+              <a:t>在建造过程中需要各种参数信息，</a:t>
             </a:r>
             <a:r>
               <a:rPr lang="en-US" altLang="zh-CN" sz="1400" dirty="0" err="1"/>
-              <a:t>PropertyGroup</a:t>
+              <a:t>ConfigurationSource</a:t>
+            </a:r>
+            <a:r>
+              <a:rPr lang="zh-CN" altLang="en-US" sz="1400" dirty="0"/>
+              <a:t>是为获取这些参数而提供来源，比如文件源，内存源等</a:t>
+            </a:r>
+            <a:endParaRPr lang="en-US" altLang="zh-CN" sz="1400" dirty="0"/>
+          </a:p>
+          <a:p>
+            <a:endParaRPr lang="en-US" altLang="zh-CN" sz="1400" dirty="0"/>
+          </a:p>
+          <a:p>
+            <a:r>
+              <a:rPr lang="en-US" altLang="zh-CN" sz="1400" dirty="0" err="1"/>
+              <a:t>ConfigurationProvider</a:t>
+            </a:r>
+            <a:endParaRPr lang="en-US" altLang="zh-CN" sz="1400" dirty="0"/>
+          </a:p>
+          <a:p>
+            <a:pPr marL="0" indent="0">
+              <a:buNone/>
+            </a:pPr>
+            <a:r>
+              <a:rPr lang="en-US" altLang="zh-CN" sz="1400" dirty="0"/>
+              <a:t>     </a:t>
+            </a:r>
+            <a:r>
+              <a:rPr lang="zh-CN" altLang="en-US" sz="1400" dirty="0"/>
+              <a:t>建造所需参数的提供者，依据</a:t>
+            </a:r>
+            <a:r>
+              <a:rPr lang="en-US" altLang="zh-CN" sz="1400" dirty="0" err="1"/>
+              <a:t>ConfigurationSource</a:t>
+            </a:r>
+            <a:r>
+              <a:rPr lang="zh-CN" altLang="en-US" sz="1400" dirty="0"/>
+              <a:t>来完成提供</a:t>
+            </a:r>
+            <a:endParaRPr lang="en-US" altLang="zh-CN" sz="1400" dirty="0"/>
+          </a:p>
+          <a:p>
+            <a:endParaRPr lang="en-US" altLang="zh-CN" sz="1400" dirty="0"/>
+          </a:p>
+          <a:p>
+            <a:r>
+              <a:rPr lang="zh-CN" altLang="en-US" sz="1400" dirty="0"/>
+              <a:t>需要把</a:t>
+            </a:r>
+            <a:r>
+              <a:rPr lang="en-US" altLang="zh-CN" sz="1400" dirty="0" err="1"/>
+              <a:t>ConfigurationSource</a:t>
+            </a:r>
+            <a:r>
+              <a:rPr lang="zh-CN" altLang="en-US" sz="1400" dirty="0"/>
+              <a:t>或</a:t>
+            </a:r>
+            <a:r>
+              <a:rPr lang="en-US" altLang="zh-CN" sz="1400" dirty="0"/>
+              <a:t>Action&lt;</a:t>
+            </a:r>
+            <a:r>
+              <a:rPr lang="en-US" altLang="zh-CN" sz="1400" dirty="0" err="1"/>
+              <a:t>ConfigurationSource</a:t>
             </a:r>
             <a:r>
               <a:rPr lang="en-US" altLang="zh-CN" sz="1400" dirty="0"/>
@@ -5513,261 +5621,91 @@
             </a:r>
             <a:r>
               <a:rPr lang="zh-CN" altLang="en-US" sz="1400" dirty="0"/>
-              <a:t>节点中添加</a:t>
-            </a:r>
-          </a:p>
-          <a:p>
-            <a:pPr marL="0" indent="0">
-              <a:buNone/>
-            </a:pPr>
+              <a:t>添加到</a:t>
+            </a:r>
+            <a:r>
+              <a:rPr lang="zh-CN" altLang="en-US" sz="1400" b="1" dirty="0"/>
+              <a:t>应用配置</a:t>
+            </a:r>
+            <a:r>
+              <a:rPr lang="zh-CN" altLang="en-US" sz="1400" dirty="0"/>
+              <a:t>构建对象中，在</a:t>
+            </a:r>
+            <a:r>
+              <a:rPr lang="zh-CN" altLang="en-US" sz="1400" b="1" dirty="0"/>
+              <a:t>主机构建时</a:t>
+            </a:r>
+            <a:r>
+              <a:rPr lang="zh-CN" altLang="en-US" sz="1400" dirty="0"/>
+              <a:t>会调用</a:t>
+            </a:r>
             <a:r>
               <a:rPr lang="en-US" altLang="zh-CN" sz="1400" dirty="0"/>
-              <a:t>  &lt;</a:t>
+              <a:t>Configuration</a:t>
+            </a:r>
+            <a:r>
+              <a:rPr lang="zh-CN" altLang="en-US" sz="1400" dirty="0"/>
+              <a:t>的</a:t>
+            </a:r>
+            <a:r>
+              <a:rPr lang="en-US" altLang="zh-CN" sz="1400" dirty="0"/>
+              <a:t>Build</a:t>
+            </a:r>
+            <a:r>
+              <a:rPr lang="zh-CN" altLang="en-US" sz="1400" dirty="0"/>
+              <a:t>，然后调用</a:t>
             </a:r>
             <a:r>
               <a:rPr lang="en-US" altLang="zh-CN" sz="1400" dirty="0" err="1"/>
-              <a:t>UserSecretsId</a:t>
+              <a:t>ConfigurationSource</a:t>
+            </a:r>
+            <a:r>
+              <a:rPr lang="zh-CN" altLang="en-US" sz="1400" dirty="0"/>
+              <a:t>的</a:t>
             </a:r>
             <a:r>
               <a:rPr lang="en-US" altLang="zh-CN" sz="1400" dirty="0"/>
-              <a:t>&gt;</a:t>
+              <a:t>Build</a:t>
+            </a:r>
+            <a:r>
+              <a:rPr lang="zh-CN" altLang="en-US" sz="1400" dirty="0"/>
+              <a:t>，然后调用</a:t>
             </a:r>
             <a:r>
               <a:rPr lang="en-US" altLang="zh-CN" sz="1400" dirty="0" err="1"/>
-              <a:t>d7a40274-87df-43ba-999b-d8719940b7a7</a:t>
+              <a:t>ConfigurationProvider</a:t>
+            </a:r>
+            <a:r>
+              <a:rPr lang="zh-CN" altLang="en-US" sz="1400" dirty="0"/>
+              <a:t>的</a:t>
             </a:r>
             <a:r>
               <a:rPr lang="en-US" altLang="zh-CN" sz="1400" dirty="0"/>
-              <a:t>&lt;/</a:t>
+              <a:t>Load</a:t>
+            </a:r>
+            <a:r>
+              <a:rPr lang="zh-CN" altLang="en-US" sz="1400" dirty="0"/>
+              <a:t>，来填充</a:t>
             </a:r>
             <a:r>
               <a:rPr lang="en-US" altLang="zh-CN" sz="1400" dirty="0" err="1"/>
-              <a:t>UserSecretsId</a:t>
+              <a:t>ConfigurationProvider</a:t>
+            </a:r>
+            <a:r>
+              <a:rPr lang="zh-CN" altLang="en-US" sz="1400" dirty="0"/>
+              <a:t>中的</a:t>
             </a:r>
             <a:r>
               <a:rPr lang="en-US" altLang="zh-CN" sz="1400" dirty="0"/>
-              <a:t>&gt;</a:t>
-            </a:r>
-          </a:p>
-          <a:p>
-            <a:pPr marL="0" indent="0">
-              <a:buNone/>
-            </a:pPr>
-            <a:r>
-              <a:rPr lang="en-US" altLang="zh-CN" sz="1400" dirty="0"/>
-              <a:t>2</a:t>
-            </a:r>
-            <a:r>
-              <a:rPr lang="zh-CN" altLang="en-US" sz="1400" dirty="0"/>
-              <a:t>、操作机密文件</a:t>
-            </a:r>
-          </a:p>
-          <a:p>
-            <a:pPr marL="0" indent="0">
-              <a:buNone/>
-            </a:pPr>
-            <a:r>
-              <a:rPr lang="en-US" altLang="zh-CN" sz="1400" dirty="0"/>
-              <a:t>   a</a:t>
-            </a:r>
-            <a:r>
-              <a:rPr lang="zh-CN" altLang="en-US" sz="1400" dirty="0"/>
-              <a:t>、设置机密文件  </a:t>
-            </a:r>
-            <a:r>
-              <a:rPr lang="en-US" altLang="zh-CN" sz="1400" dirty="0"/>
-              <a:t>dotnet user-secrets set "</a:t>
-            </a:r>
-            <a:r>
-              <a:rPr lang="en-US" altLang="zh-CN" sz="1400" dirty="0" err="1"/>
-              <a:t>dbpassword</a:t>
-            </a:r>
-            <a:r>
-              <a:rPr lang="en-US" altLang="zh-CN" sz="1400" dirty="0"/>
-              <a:t>" "123456" --project ".</a:t>
-            </a:r>
-            <a:r>
-              <a:rPr lang="en-US" altLang="zh-CN" sz="1400" dirty="0" err="1"/>
-              <a:t>csproj</a:t>
-            </a:r>
-            <a:r>
-              <a:rPr lang="zh-CN" altLang="en-US" sz="1400" dirty="0"/>
-              <a:t>所在目录</a:t>
-            </a:r>
-            <a:r>
-              <a:rPr lang="en-US" altLang="zh-CN" sz="1400" dirty="0"/>
-              <a:t>"</a:t>
-            </a:r>
-          </a:p>
-          <a:p>
-            <a:pPr marL="0" indent="0">
-              <a:buNone/>
-            </a:pPr>
-            <a:r>
-              <a:rPr lang="en-US" altLang="zh-CN" sz="1400" dirty="0"/>
-              <a:t>   b</a:t>
-            </a:r>
-            <a:r>
-              <a:rPr lang="zh-CN" altLang="en-US" sz="1400" dirty="0"/>
-              <a:t>、设置多个机密文件  </a:t>
-            </a:r>
-            <a:r>
-              <a:rPr lang="en-US" altLang="zh-CN" sz="1400" dirty="0"/>
-              <a:t>type .\</a:t>
-            </a:r>
-            <a:r>
-              <a:rPr lang="en-US" altLang="zh-CN" sz="1400" dirty="0" err="1"/>
-              <a:t>input.json</a:t>
-            </a:r>
-            <a:r>
-              <a:rPr lang="en-US" altLang="zh-CN" sz="1400" dirty="0"/>
-              <a:t> | dotnet user-secrets set --project ".</a:t>
-            </a:r>
-            <a:r>
-              <a:rPr lang="en-US" altLang="zh-CN" sz="1400" dirty="0" err="1"/>
-              <a:t>csproj</a:t>
-            </a:r>
-            <a:r>
-              <a:rPr lang="zh-CN" altLang="en-US" sz="1400" dirty="0"/>
-              <a:t>所在目录</a:t>
-            </a:r>
-            <a:r>
-              <a:rPr lang="en-US" altLang="zh-CN" sz="1400" dirty="0"/>
-              <a:t>"</a:t>
-            </a:r>
-          </a:p>
-          <a:p>
-            <a:pPr marL="0" indent="0">
-              <a:buNone/>
-            </a:pPr>
-            <a:r>
-              <a:rPr lang="en-US" altLang="zh-CN" sz="1400" dirty="0"/>
-              <a:t>   c</a:t>
-            </a:r>
-            <a:r>
-              <a:rPr lang="zh-CN" altLang="en-US" sz="1400" dirty="0"/>
-              <a:t>、查看机密文件  </a:t>
-            </a:r>
-            <a:r>
-              <a:rPr lang="en-US" altLang="zh-CN" sz="1400" dirty="0"/>
-              <a:t>dotnet user-secrets list --project ".</a:t>
-            </a:r>
-            <a:r>
-              <a:rPr lang="en-US" altLang="zh-CN" sz="1400" dirty="0" err="1"/>
-              <a:t>csproj</a:t>
-            </a:r>
-            <a:r>
-              <a:rPr lang="zh-CN" altLang="en-US" sz="1400" dirty="0"/>
-              <a:t>所在目录</a:t>
-            </a:r>
-            <a:r>
-              <a:rPr lang="en-US" altLang="zh-CN" sz="1400" dirty="0"/>
-              <a:t>"</a:t>
-            </a:r>
-          </a:p>
-          <a:p>
-            <a:pPr marL="0" indent="0">
-              <a:buNone/>
-            </a:pPr>
-            <a:r>
-              <a:rPr lang="en-US" altLang="zh-CN" sz="1400" dirty="0"/>
-              <a:t>   d</a:t>
-            </a:r>
-            <a:r>
-              <a:rPr lang="zh-CN" altLang="en-US" sz="1400" dirty="0"/>
-              <a:t>、删除机密文件  </a:t>
-            </a:r>
-            <a:r>
-              <a:rPr lang="en-US" altLang="zh-CN" sz="1400" dirty="0"/>
-              <a:t>dotnet user-secrets remove "</a:t>
-            </a:r>
-            <a:r>
-              <a:rPr lang="en-US" altLang="zh-CN" sz="1400" dirty="0" err="1"/>
-              <a:t>dbpassword</a:t>
-            </a:r>
-            <a:r>
-              <a:rPr lang="en-US" altLang="zh-CN" sz="1400" dirty="0"/>
-              <a:t>"  --project ".</a:t>
-            </a:r>
-            <a:r>
-              <a:rPr lang="en-US" altLang="zh-CN" sz="1400" dirty="0" err="1"/>
-              <a:t>csproj</a:t>
-            </a:r>
-            <a:r>
-              <a:rPr lang="zh-CN" altLang="en-US" sz="1400" dirty="0"/>
-              <a:t>所在目录</a:t>
-            </a:r>
-            <a:r>
-              <a:rPr lang="en-US" altLang="zh-CN" sz="1400" dirty="0"/>
-              <a:t>"</a:t>
-            </a:r>
-          </a:p>
-          <a:p>
-            <a:pPr marL="0" indent="0">
-              <a:buNone/>
-            </a:pPr>
-            <a:r>
-              <a:rPr lang="en-US" altLang="zh-CN" sz="1400" dirty="0"/>
-              <a:t>   e</a:t>
-            </a:r>
-            <a:r>
-              <a:rPr lang="zh-CN" altLang="en-US" sz="1400" dirty="0"/>
-              <a:t>、删除所有机密文件 </a:t>
-            </a:r>
-            <a:r>
-              <a:rPr lang="en-US" altLang="zh-CN" sz="1400" dirty="0"/>
-              <a:t>dotnet user-secrets clear --project ".</a:t>
-            </a:r>
-            <a:r>
-              <a:rPr lang="en-US" altLang="zh-CN" sz="1400" dirty="0" err="1"/>
-              <a:t>csproj</a:t>
-            </a:r>
-            <a:r>
-              <a:rPr lang="zh-CN" altLang="en-US" sz="1400" dirty="0"/>
-              <a:t>所在目录</a:t>
-            </a:r>
-            <a:r>
-              <a:rPr lang="en-US" altLang="zh-CN" sz="1400" dirty="0"/>
-              <a:t>"</a:t>
-            </a:r>
-          </a:p>
-          <a:p>
-            <a:pPr marL="0" indent="0">
-              <a:buNone/>
-            </a:pPr>
-            <a:r>
-              <a:rPr lang="en-US" altLang="zh-CN" sz="1400" dirty="0"/>
-              <a:t>3</a:t>
-            </a:r>
-            <a:r>
-              <a:rPr lang="zh-CN" altLang="en-US" sz="1400" dirty="0"/>
-              <a:t>、</a:t>
-            </a:r>
-            <a:r>
-              <a:rPr lang="en-US" altLang="zh-CN" sz="1400" dirty="0" err="1"/>
-              <a:t>ConfigureServices</a:t>
-            </a:r>
-            <a:r>
-              <a:rPr lang="zh-CN" altLang="en-US" sz="1400" dirty="0"/>
-              <a:t>中读取</a:t>
-            </a:r>
-          </a:p>
-          <a:p>
-            <a:pPr marL="0" indent="0">
-              <a:buNone/>
-            </a:pPr>
-            <a:r>
-              <a:rPr lang="en-US" altLang="zh-CN" sz="1400" dirty="0"/>
-              <a:t>   var password = Configuration["</a:t>
-            </a:r>
-            <a:r>
-              <a:rPr lang="en-US" altLang="zh-CN" sz="1400" dirty="0" err="1"/>
-              <a:t>dbpassword</a:t>
-            </a:r>
-            <a:r>
-              <a:rPr lang="en-US" altLang="zh-CN" sz="1400" dirty="0"/>
-              <a:t>"];</a:t>
-            </a:r>
+              <a:t>Data</a:t>
+            </a:r>
+            <a:r>
+              <a:rPr lang="zh-CN" altLang="en-US" sz="1400" dirty="0"/>
+              <a:t>字典。</a:t>
+            </a:r>
+            <a:endParaRPr lang="en-US" altLang="zh-CN" sz="1400" dirty="0"/>
+          </a:p>
+          <a:p>
             <a:endParaRPr lang="zh-CN" altLang="en-US" sz="1400" dirty="0"/>
           </a:p>
         </p:txBody>
@@ -5775,7 +5713,7 @@
     </p:spTree>
     <p:extLst>
       <p:ext uri="{BB962C8B-B14F-4D97-AF65-F5344CB8AC3E}">
-        <p14:creationId xmlns:p14="http://schemas.microsoft.com/office/powerpoint/2010/main" val="731180852"/>
+        <p14:creationId xmlns:p14="http://schemas.microsoft.com/office/powerpoint/2010/main" val="4209516520"/>
       </p:ext>
     </p:extLst>
   </p:cSld>
@@ -5824,13 +5762,10 @@
           <a:lstStyle/>
           <a:p>
             <a:r>
-              <a:rPr lang="en-US" altLang="zh-CN" dirty="0"/>
-              <a:t>Configuration-</a:t>
-            </a:r>
-            <a:r>
-              <a:rPr lang="zh-CN" altLang="en-US" dirty="0"/>
-              <a:t>自定义</a:t>
-            </a:r>
+              <a:rPr lang="en-US" altLang="zh-CN" dirty="0" err="1"/>
+              <a:t>Authentication&amp;Authorization</a:t>
+            </a:r>
+            <a:endParaRPr lang="zh-CN" altLang="en-US" dirty="0"/>
           </a:p>
         </p:txBody>
       </p:sp>
@@ -5862,257 +5797,56 @@
           </a:bodyPr>
           <a:lstStyle/>
           <a:p>
-            <a:pPr marL="0" indent="0">
-              <a:buNone/>
-            </a:pPr>
+            <a:r>
+              <a:rPr lang="zh-CN" altLang="en-US" sz="1400" dirty="0"/>
+              <a:t>基于</a:t>
+            </a:r>
+            <a:r>
+              <a:rPr lang="en-US" altLang="zh-CN" sz="1400" dirty="0"/>
+              <a:t>cookie</a:t>
+            </a:r>
+            <a:r>
+              <a:rPr lang="zh-CN" altLang="en-US" sz="1400" dirty="0"/>
+              <a:t>固定角度授权验证</a:t>
+            </a:r>
+            <a:endParaRPr lang="en-US" altLang="zh-CN" sz="1400" dirty="0"/>
+          </a:p>
+          <a:p>
+            <a:r>
+              <a:rPr lang="zh-CN" altLang="en-US" sz="1400" dirty="0"/>
+              <a:t>基于</a:t>
+            </a:r>
+            <a:r>
+              <a:rPr lang="en-US" altLang="zh-CN" sz="1400" dirty="0"/>
+              <a:t>cookie</a:t>
+            </a:r>
+            <a:r>
+              <a:rPr lang="zh-CN" altLang="en-US" sz="1400" dirty="0"/>
+              <a:t>自定义策略授权验证</a:t>
+            </a:r>
+            <a:endParaRPr lang="en-US" altLang="zh-CN" sz="1400" dirty="0"/>
+          </a:p>
+          <a:p>
+            <a:r>
+              <a:rPr lang="zh-CN" altLang="en-US" sz="1400" dirty="0"/>
+              <a:t>基于</a:t>
+            </a:r>
             <a:r>
               <a:rPr lang="en-US" altLang="zh-CN" sz="1400" dirty="0" err="1"/>
-              <a:t>Asp.net</a:t>
-            </a:r>
-            <a:r>
-              <a:rPr lang="zh-CN" altLang="en-US" sz="1400" dirty="0"/>
-              <a:t> </a:t>
-            </a:r>
-            <a:r>
-              <a:rPr lang="en-US" altLang="zh-CN" sz="1400" dirty="0"/>
-              <a:t>core</a:t>
-            </a:r>
-            <a:r>
-              <a:rPr lang="zh-CN" altLang="en-US" sz="1400" dirty="0"/>
-              <a:t>中的配置文件是基于生成器模式（</a:t>
-            </a:r>
-            <a:r>
-              <a:rPr lang="zh-CN" altLang="en-US" sz="1400" i="1" u="sng" dirty="0"/>
-              <a:t>将复杂对象的建造过程抽象出来（抽象类别），使这个抽象过程的不同实现方法可以构造出不同表现（属性）的对象</a:t>
-            </a:r>
-            <a:r>
-              <a:rPr lang="zh-CN" altLang="en-US" sz="1400" dirty="0"/>
-              <a:t>）</a:t>
-            </a:r>
-            <a:r>
-              <a:rPr lang="en-US" altLang="zh-CN" sz="1400" dirty="0"/>
-              <a:t>,</a:t>
-            </a:r>
-            <a:r>
-              <a:rPr lang="en-US" altLang="zh-CN" sz="1400" dirty="0" err="1"/>
-              <a:t>asp.net</a:t>
-            </a:r>
-            <a:r>
-              <a:rPr lang="en-US" altLang="zh-CN" sz="1400" dirty="0"/>
-              <a:t> core</a:t>
-            </a:r>
-            <a:r>
-              <a:rPr lang="zh-CN" altLang="en-US" sz="1400" dirty="0"/>
-              <a:t>中有两个生成器，一个是主机</a:t>
-            </a:r>
-            <a:r>
-              <a:rPr lang="en-US" altLang="zh-CN" sz="1400" dirty="0"/>
-              <a:t>(host)</a:t>
-            </a:r>
-            <a:r>
-              <a:rPr lang="zh-CN" altLang="en-US" sz="1400" dirty="0"/>
-              <a:t>的，一个应用程序</a:t>
-            </a:r>
-            <a:r>
-              <a:rPr lang="en-US" altLang="zh-CN" sz="1400" dirty="0"/>
-              <a:t>(application)</a:t>
-            </a:r>
-            <a:r>
-              <a:rPr lang="zh-CN" altLang="en-US" sz="1400" dirty="0"/>
-              <a:t>的</a:t>
+              <a:t>jwt</a:t>
+            </a:r>
+            <a:r>
+              <a:rPr lang="zh-CN" altLang="en-US" sz="1400" dirty="0"/>
+              <a:t>自定义策略授权验证</a:t>
             </a:r>
             <a:endParaRPr lang="en-US" altLang="zh-CN" sz="1400" dirty="0"/>
-          </a:p>
-          <a:p>
-            <a:pPr marL="0" indent="0">
-              <a:buNone/>
-            </a:pPr>
-            <a:endParaRPr lang="en-US" altLang="zh-CN" sz="1400" dirty="0"/>
-          </a:p>
-          <a:p>
-            <a:r>
-              <a:rPr lang="en-US" altLang="zh-CN" sz="1400" dirty="0" err="1"/>
-              <a:t>ConfigurationSource</a:t>
-            </a:r>
-            <a:endParaRPr lang="en-US" altLang="zh-CN" sz="1400" dirty="0"/>
-          </a:p>
-          <a:p>
-            <a:pPr marL="0" indent="0">
-              <a:buNone/>
-            </a:pPr>
-            <a:r>
-              <a:rPr lang="en-US" altLang="zh-CN" sz="1400" dirty="0"/>
-              <a:t>     </a:t>
-            </a:r>
-            <a:r>
-              <a:rPr lang="zh-CN" altLang="en-US" sz="1400" dirty="0"/>
-              <a:t>在建造过程中需要各种参数信息，</a:t>
-            </a:r>
-            <a:r>
-              <a:rPr lang="en-US" altLang="zh-CN" sz="1400" dirty="0" err="1"/>
-              <a:t>ConfigurationSource</a:t>
-            </a:r>
-            <a:r>
-              <a:rPr lang="zh-CN" altLang="en-US" sz="1400" dirty="0"/>
-              <a:t>是为获取这些参数而提供来源，比如文件源，内存源等</a:t>
-            </a:r>
-            <a:endParaRPr lang="en-US" altLang="zh-CN" sz="1400" dirty="0"/>
-          </a:p>
-          <a:p>
-            <a:endParaRPr lang="en-US" altLang="zh-CN" sz="1400" dirty="0"/>
-          </a:p>
-          <a:p>
-            <a:r>
-              <a:rPr lang="en-US" altLang="zh-CN" sz="1400" dirty="0" err="1"/>
-              <a:t>ConfigurationProvider</a:t>
-            </a:r>
-            <a:endParaRPr lang="en-US" altLang="zh-CN" sz="1400" dirty="0"/>
-          </a:p>
-          <a:p>
-            <a:pPr marL="0" indent="0">
-              <a:buNone/>
-            </a:pPr>
-            <a:r>
-              <a:rPr lang="en-US" altLang="zh-CN" sz="1400" dirty="0"/>
-              <a:t>     </a:t>
-            </a:r>
-            <a:r>
-              <a:rPr lang="zh-CN" altLang="en-US" sz="1400" dirty="0"/>
-              <a:t>建造所需参数的提供者，依据</a:t>
-            </a:r>
-            <a:r>
-              <a:rPr lang="en-US" altLang="zh-CN" sz="1400" dirty="0" err="1"/>
-              <a:t>ConfigurationSource</a:t>
-            </a:r>
-            <a:r>
-              <a:rPr lang="zh-CN" altLang="en-US" sz="1400" dirty="0"/>
-              <a:t>来完成提供</a:t>
-            </a:r>
-            <a:endParaRPr lang="en-US" altLang="zh-CN" sz="1400" dirty="0"/>
-          </a:p>
-          <a:p>
-            <a:endParaRPr lang="en-US" altLang="zh-CN" sz="1400" dirty="0"/>
-          </a:p>
-          <a:p>
-            <a:r>
-              <a:rPr lang="zh-CN" altLang="en-US" sz="1400" dirty="0"/>
-              <a:t>需要把</a:t>
-            </a:r>
-            <a:r>
-              <a:rPr lang="en-US" altLang="zh-CN" sz="1400" dirty="0" err="1"/>
-              <a:t>ConfigurationSource</a:t>
-            </a:r>
-            <a:r>
-              <a:rPr lang="zh-CN" altLang="en-US" sz="1400" dirty="0"/>
-              <a:t>或</a:t>
-            </a:r>
-            <a:r>
-              <a:rPr lang="en-US" altLang="zh-CN" sz="1400" dirty="0"/>
-              <a:t>Action&lt;</a:t>
-            </a:r>
-            <a:r>
-              <a:rPr lang="en-US" altLang="zh-CN" sz="1400" dirty="0" err="1"/>
-              <a:t>ConfigurationSource</a:t>
-            </a:r>
-            <a:r>
-              <a:rPr lang="en-US" altLang="zh-CN" sz="1400" dirty="0"/>
-              <a:t>&gt;</a:t>
-            </a:r>
-            <a:r>
-              <a:rPr lang="zh-CN" altLang="en-US" sz="1400" dirty="0"/>
-              <a:t>添加到</a:t>
-            </a:r>
-            <a:r>
-              <a:rPr lang="zh-CN" altLang="en-US" sz="1400" b="1" dirty="0"/>
-              <a:t>应用配置</a:t>
-            </a:r>
-            <a:r>
-              <a:rPr lang="zh-CN" altLang="en-US" sz="1400" dirty="0"/>
-              <a:t>构建对象中，在</a:t>
-            </a:r>
-            <a:r>
-              <a:rPr lang="zh-CN" altLang="en-US" sz="1400" b="1" dirty="0"/>
-              <a:t>主机构建时</a:t>
-            </a:r>
-            <a:r>
-              <a:rPr lang="zh-CN" altLang="en-US" sz="1400" dirty="0"/>
-              <a:t>会调用</a:t>
-            </a:r>
-            <a:r>
-              <a:rPr lang="en-US" altLang="zh-CN" sz="1400" dirty="0"/>
-              <a:t>Configuration</a:t>
-            </a:r>
-            <a:r>
-              <a:rPr lang="zh-CN" altLang="en-US" sz="1400" dirty="0"/>
-              <a:t>的</a:t>
-            </a:r>
-            <a:r>
-              <a:rPr lang="en-US" altLang="zh-CN" sz="1400" dirty="0"/>
-              <a:t>Build</a:t>
-            </a:r>
-            <a:r>
-              <a:rPr lang="zh-CN" altLang="en-US" sz="1400" dirty="0"/>
-              <a:t>，然后调用</a:t>
-            </a:r>
-            <a:r>
-              <a:rPr lang="en-US" altLang="zh-CN" sz="1400" dirty="0" err="1"/>
-              <a:t>ConfigurationSource</a:t>
-            </a:r>
-            <a:r>
-              <a:rPr lang="zh-CN" altLang="en-US" sz="1400" dirty="0"/>
-              <a:t>的</a:t>
-            </a:r>
-            <a:r>
-              <a:rPr lang="en-US" altLang="zh-CN" sz="1400" dirty="0"/>
-              <a:t>Build</a:t>
-            </a:r>
-            <a:r>
-              <a:rPr lang="zh-CN" altLang="en-US" sz="1400" dirty="0"/>
-              <a:t>，然后调用</a:t>
-            </a:r>
-            <a:r>
-              <a:rPr lang="en-US" altLang="zh-CN" sz="1400" dirty="0" err="1"/>
-              <a:t>ConfigurationProvider</a:t>
-            </a:r>
-            <a:r>
-              <a:rPr lang="zh-CN" altLang="en-US" sz="1400" dirty="0"/>
-              <a:t>的</a:t>
-            </a:r>
-            <a:r>
-              <a:rPr lang="en-US" altLang="zh-CN" sz="1400" dirty="0"/>
-              <a:t>Load</a:t>
-            </a:r>
-            <a:r>
-              <a:rPr lang="zh-CN" altLang="en-US" sz="1400" dirty="0"/>
-              <a:t>，来填充</a:t>
-            </a:r>
-            <a:r>
-              <a:rPr lang="en-US" altLang="zh-CN" sz="1400" dirty="0" err="1"/>
-              <a:t>ConfigurationProvider</a:t>
-            </a:r>
-            <a:r>
-              <a:rPr lang="zh-CN" altLang="en-US" sz="1400" dirty="0"/>
-              <a:t>中的</a:t>
-            </a:r>
-            <a:r>
-              <a:rPr lang="en-US" altLang="zh-CN" sz="1400" dirty="0"/>
-              <a:t>Data</a:t>
-            </a:r>
-            <a:r>
-              <a:rPr lang="zh-CN" altLang="en-US" sz="1400" dirty="0"/>
-              <a:t>字典。</a:t>
-            </a:r>
-            <a:endParaRPr lang="en-US" altLang="zh-CN" sz="1400" dirty="0"/>
-          </a:p>
-          <a:p>
-            <a:endParaRPr lang="zh-CN" altLang="en-US" sz="1400" dirty="0"/>
           </a:p>
         </p:txBody>
       </p:sp>
     </p:spTree>
     <p:extLst>
       <p:ext uri="{BB962C8B-B14F-4D97-AF65-F5344CB8AC3E}">
-        <p14:creationId xmlns:p14="http://schemas.microsoft.com/office/powerpoint/2010/main" val="4209516520"/>
+        <p14:creationId xmlns:p14="http://schemas.microsoft.com/office/powerpoint/2010/main" val="3489913332"/>
       </p:ext>
     </p:extLst>
   </p:cSld>
@@ -6162,7 +5896,7 @@
           <a:p>
             <a:r>
               <a:rPr lang="en-US" altLang="zh-CN" dirty="0" err="1"/>
-              <a:t>Authentication&amp;Authorization</a:t>
+              <a:t>HttpClient</a:t>
             </a:r>
             <a:endParaRPr lang="zh-CN" altLang="en-US" dirty="0"/>
           </a:p>
@@ -6198,45 +5932,40 @@
           <a:p>
             <a:r>
               <a:rPr lang="zh-CN" altLang="en-US" sz="1400" dirty="0"/>
-              <a:t>基于</a:t>
-            </a:r>
-            <a:r>
-              <a:rPr lang="en-US" altLang="zh-CN" sz="1400" dirty="0"/>
-              <a:t>cookie</a:t>
-            </a:r>
-            <a:r>
-              <a:rPr lang="zh-CN" altLang="en-US" sz="1400" dirty="0"/>
-              <a:t>固定角度授权验证</a:t>
+              <a:t>基本用法</a:t>
             </a:r>
             <a:endParaRPr lang="en-US" altLang="zh-CN" sz="1400" dirty="0"/>
           </a:p>
           <a:p>
             <a:r>
               <a:rPr lang="zh-CN" altLang="en-US" sz="1400" dirty="0"/>
-              <a:t>基于</a:t>
-            </a:r>
-            <a:r>
-              <a:rPr lang="en-US" altLang="zh-CN" sz="1400" dirty="0"/>
-              <a:t>cookie</a:t>
-            </a:r>
-            <a:r>
-              <a:rPr lang="zh-CN" altLang="en-US" sz="1400" dirty="0"/>
-              <a:t>自定义策略授权验证</a:t>
+              <a:t>命名</a:t>
+            </a:r>
+            <a:r>
+              <a:rPr lang="en-US" altLang="zh-CN" sz="1400" dirty="0" err="1"/>
+              <a:t>HttpClient</a:t>
             </a:r>
             <a:endParaRPr lang="en-US" altLang="zh-CN" sz="1400" dirty="0"/>
           </a:p>
           <a:p>
             <a:r>
               <a:rPr lang="zh-CN" altLang="en-US" sz="1400" dirty="0"/>
-              <a:t>基于</a:t>
+              <a:t>类型化</a:t>
             </a:r>
             <a:r>
               <a:rPr lang="en-US" altLang="zh-CN" sz="1400" dirty="0" err="1"/>
-              <a:t>jwt</a:t>
-            </a:r>
-            <a:r>
-              <a:rPr lang="zh-CN" altLang="en-US" sz="1400" dirty="0"/>
-              <a:t>自定义策略授权验证</a:t>
+              <a:t>HttpClient</a:t>
+            </a:r>
+            <a:endParaRPr lang="en-US" altLang="zh-CN" sz="1400" dirty="0"/>
+          </a:p>
+          <a:p>
+            <a:r>
+              <a:rPr lang="zh-CN" altLang="en-US" sz="1400" dirty="0"/>
+              <a:t>容错</a:t>
+            </a:r>
+            <a:r>
+              <a:rPr lang="en-US" altLang="zh-CN" sz="1400" dirty="0" err="1"/>
+              <a:t>HttpClient</a:t>
             </a:r>
             <a:endParaRPr lang="en-US" altLang="zh-CN" sz="1400" dirty="0"/>
           </a:p>
@@ -6245,7 +5974,7 @@
     </p:spTree>
     <p:extLst>
       <p:ext uri="{BB962C8B-B14F-4D97-AF65-F5344CB8AC3E}">
-        <p14:creationId xmlns:p14="http://schemas.microsoft.com/office/powerpoint/2010/main" val="3489913332"/>
+        <p14:creationId xmlns:p14="http://schemas.microsoft.com/office/powerpoint/2010/main" val="814465082"/>
       </p:ext>
     </p:extLst>
   </p:cSld>

--- a/aspnetcore3.0course/docs/aspnetcore3.0course.pptx
+++ b/aspnetcore3.0course/docs/aspnetcore3.0course.pptx
@@ -269,7 +269,7 @@
           <a:p>
             <a:fld id="{0CB35010-EDBB-44E1-81B6-E54FF20221CB}" type="datetimeFigureOut">
               <a:rPr lang="zh-CN" altLang="en-US" smtClean="0"/>
-              <a:t>2019/4/16</a:t>
+              <a:t>2019/4/21</a:t>
             </a:fld>
             <a:endParaRPr lang="zh-CN" altLang="en-US"/>
           </a:p>
@@ -467,7 +467,7 @@
           <a:p>
             <a:fld id="{0CB35010-EDBB-44E1-81B6-E54FF20221CB}" type="datetimeFigureOut">
               <a:rPr lang="zh-CN" altLang="en-US" smtClean="0"/>
-              <a:t>2019/4/16</a:t>
+              <a:t>2019/4/21</a:t>
             </a:fld>
             <a:endParaRPr lang="zh-CN" altLang="en-US"/>
           </a:p>
@@ -675,7 +675,7 @@
           <a:p>
             <a:fld id="{0CB35010-EDBB-44E1-81B6-E54FF20221CB}" type="datetimeFigureOut">
               <a:rPr lang="zh-CN" altLang="en-US" smtClean="0"/>
-              <a:t>2019/4/16</a:t>
+              <a:t>2019/4/21</a:t>
             </a:fld>
             <a:endParaRPr lang="zh-CN" altLang="en-US"/>
           </a:p>
@@ -873,7 +873,7 @@
           <a:p>
             <a:fld id="{0CB35010-EDBB-44E1-81B6-E54FF20221CB}" type="datetimeFigureOut">
               <a:rPr lang="zh-CN" altLang="en-US" smtClean="0"/>
-              <a:t>2019/4/16</a:t>
+              <a:t>2019/4/21</a:t>
             </a:fld>
             <a:endParaRPr lang="zh-CN" altLang="en-US"/>
           </a:p>
@@ -1148,7 +1148,7 @@
           <a:p>
             <a:fld id="{0CB35010-EDBB-44E1-81B6-E54FF20221CB}" type="datetimeFigureOut">
               <a:rPr lang="zh-CN" altLang="en-US" smtClean="0"/>
-              <a:t>2019/4/16</a:t>
+              <a:t>2019/4/21</a:t>
             </a:fld>
             <a:endParaRPr lang="zh-CN" altLang="en-US"/>
           </a:p>
@@ -1413,7 +1413,7 @@
           <a:p>
             <a:fld id="{0CB35010-EDBB-44E1-81B6-E54FF20221CB}" type="datetimeFigureOut">
               <a:rPr lang="zh-CN" altLang="en-US" smtClean="0"/>
-              <a:t>2019/4/16</a:t>
+              <a:t>2019/4/21</a:t>
             </a:fld>
             <a:endParaRPr lang="zh-CN" altLang="en-US"/>
           </a:p>
@@ -1825,7 +1825,7 @@
           <a:p>
             <a:fld id="{0CB35010-EDBB-44E1-81B6-E54FF20221CB}" type="datetimeFigureOut">
               <a:rPr lang="zh-CN" altLang="en-US" smtClean="0"/>
-              <a:t>2019/4/16</a:t>
+              <a:t>2019/4/21</a:t>
             </a:fld>
             <a:endParaRPr lang="zh-CN" altLang="en-US"/>
           </a:p>
@@ -1966,7 +1966,7 @@
           <a:p>
             <a:fld id="{0CB35010-EDBB-44E1-81B6-E54FF20221CB}" type="datetimeFigureOut">
               <a:rPr lang="zh-CN" altLang="en-US" smtClean="0"/>
-              <a:t>2019/4/16</a:t>
+              <a:t>2019/4/21</a:t>
             </a:fld>
             <a:endParaRPr lang="zh-CN" altLang="en-US"/>
           </a:p>
@@ -2079,7 +2079,7 @@
           <a:p>
             <a:fld id="{0CB35010-EDBB-44E1-81B6-E54FF20221CB}" type="datetimeFigureOut">
               <a:rPr lang="zh-CN" altLang="en-US" smtClean="0"/>
-              <a:t>2019/4/16</a:t>
+              <a:t>2019/4/21</a:t>
             </a:fld>
             <a:endParaRPr lang="zh-CN" altLang="en-US"/>
           </a:p>
@@ -2390,7 +2390,7 @@
           <a:p>
             <a:fld id="{0CB35010-EDBB-44E1-81B6-E54FF20221CB}" type="datetimeFigureOut">
               <a:rPr lang="zh-CN" altLang="en-US" smtClean="0"/>
-              <a:t>2019/4/16</a:t>
+              <a:t>2019/4/21</a:t>
             </a:fld>
             <a:endParaRPr lang="zh-CN" altLang="en-US"/>
           </a:p>
@@ -2678,7 +2678,7 @@
           <a:p>
             <a:fld id="{0CB35010-EDBB-44E1-81B6-E54FF20221CB}" type="datetimeFigureOut">
               <a:rPr lang="zh-CN" altLang="en-US" smtClean="0"/>
-              <a:t>2019/4/16</a:t>
+              <a:t>2019/4/21</a:t>
             </a:fld>
             <a:endParaRPr lang="zh-CN" altLang="en-US"/>
           </a:p>
@@ -2919,7 +2919,7 @@
           <a:p>
             <a:fld id="{0CB35010-EDBB-44E1-81B6-E54FF20221CB}" type="datetimeFigureOut">
               <a:rPr lang="zh-CN" altLang="en-US" smtClean="0"/>
-              <a:t>2019/4/16</a:t>
+              <a:t>2019/4/21</a:t>
             </a:fld>
             <a:endParaRPr lang="zh-CN" altLang="en-US"/>
           </a:p>
@@ -3717,7 +3717,7 @@
         </p:spPr>
         <p:txBody>
           <a:bodyPr>
-            <a:normAutofit/>
+            <a:normAutofit fontScale="92500" lnSpcReduction="10000"/>
           </a:bodyPr>
           <a:lstStyle/>
           <a:p>
@@ -3732,6 +3732,23 @@
               <a:rPr lang="zh-CN" altLang="en-US" sz="1400" dirty="0"/>
               <a:t>配置文件</a:t>
             </a:r>
+            <a:endParaRPr lang="en-US" altLang="zh-CN" sz="1400" dirty="0"/>
+          </a:p>
+          <a:p>
+            <a:r>
+              <a:rPr lang="zh-CN" altLang="en-US" sz="1400" dirty="0"/>
+              <a:t>路由</a:t>
+            </a:r>
+            <a:endParaRPr lang="en-US" altLang="zh-CN" sz="1400" dirty="0"/>
+          </a:p>
+          <a:p>
+            <a:r>
+              <a:rPr lang="zh-CN" altLang="en-US" sz="1400" dirty="0"/>
+              <a:t>过滤器</a:t>
+            </a:r>
+            <a:endParaRPr lang="en-US" altLang="zh-CN" sz="1400" dirty="0"/>
+          </a:p>
+          <a:p>
             <a:endParaRPr lang="en-US" altLang="zh-CN" sz="1400" dirty="0"/>
           </a:p>
           <a:p>

--- a/aspnetcore3.0course/docs/aspnetcore3.0course.pptx
+++ b/aspnetcore3.0course/docs/aspnetcore3.0course.pptx
@@ -9,13 +9,14 @@
     <p:sldId id="257" r:id="rId3"/>
     <p:sldId id="262" r:id="rId4"/>
     <p:sldId id="258" r:id="rId5"/>
-    <p:sldId id="260" r:id="rId6"/>
-    <p:sldId id="259" r:id="rId7"/>
-    <p:sldId id="261" r:id="rId8"/>
-    <p:sldId id="263" r:id="rId9"/>
-    <p:sldId id="265" r:id="rId10"/>
-    <p:sldId id="266" r:id="rId11"/>
-    <p:sldId id="264" r:id="rId12"/>
+    <p:sldId id="267" r:id="rId6"/>
+    <p:sldId id="260" r:id="rId7"/>
+    <p:sldId id="259" r:id="rId8"/>
+    <p:sldId id="261" r:id="rId9"/>
+    <p:sldId id="263" r:id="rId10"/>
+    <p:sldId id="265" r:id="rId11"/>
+    <p:sldId id="266" r:id="rId12"/>
+    <p:sldId id="264" r:id="rId13"/>
   </p:sldIdLst>
   <p:sldSz cx="12192000" cy="6858000"/>
   <p:notesSz cx="6858000" cy="9144000"/>
@@ -269,7 +270,7 @@
           <a:p>
             <a:fld id="{0CB35010-EDBB-44E1-81B6-E54FF20221CB}" type="datetimeFigureOut">
               <a:rPr lang="zh-CN" altLang="en-US" smtClean="0"/>
-              <a:t>2019/4/21</a:t>
+              <a:t>2019/5/4</a:t>
             </a:fld>
             <a:endParaRPr lang="zh-CN" altLang="en-US"/>
           </a:p>
@@ -467,7 +468,7 @@
           <a:p>
             <a:fld id="{0CB35010-EDBB-44E1-81B6-E54FF20221CB}" type="datetimeFigureOut">
               <a:rPr lang="zh-CN" altLang="en-US" smtClean="0"/>
-              <a:t>2019/4/21</a:t>
+              <a:t>2019/5/4</a:t>
             </a:fld>
             <a:endParaRPr lang="zh-CN" altLang="en-US"/>
           </a:p>
@@ -675,7 +676,7 @@
           <a:p>
             <a:fld id="{0CB35010-EDBB-44E1-81B6-E54FF20221CB}" type="datetimeFigureOut">
               <a:rPr lang="zh-CN" altLang="en-US" smtClean="0"/>
-              <a:t>2019/4/21</a:t>
+              <a:t>2019/5/4</a:t>
             </a:fld>
             <a:endParaRPr lang="zh-CN" altLang="en-US"/>
           </a:p>
@@ -873,7 +874,7 @@
           <a:p>
             <a:fld id="{0CB35010-EDBB-44E1-81B6-E54FF20221CB}" type="datetimeFigureOut">
               <a:rPr lang="zh-CN" altLang="en-US" smtClean="0"/>
-              <a:t>2019/4/21</a:t>
+              <a:t>2019/5/4</a:t>
             </a:fld>
             <a:endParaRPr lang="zh-CN" altLang="en-US"/>
           </a:p>
@@ -1148,7 +1149,7 @@
           <a:p>
             <a:fld id="{0CB35010-EDBB-44E1-81B6-E54FF20221CB}" type="datetimeFigureOut">
               <a:rPr lang="zh-CN" altLang="en-US" smtClean="0"/>
-              <a:t>2019/4/21</a:t>
+              <a:t>2019/5/4</a:t>
             </a:fld>
             <a:endParaRPr lang="zh-CN" altLang="en-US"/>
           </a:p>
@@ -1413,7 +1414,7 @@
           <a:p>
             <a:fld id="{0CB35010-EDBB-44E1-81B6-E54FF20221CB}" type="datetimeFigureOut">
               <a:rPr lang="zh-CN" altLang="en-US" smtClean="0"/>
-              <a:t>2019/4/21</a:t>
+              <a:t>2019/5/4</a:t>
             </a:fld>
             <a:endParaRPr lang="zh-CN" altLang="en-US"/>
           </a:p>
@@ -1825,7 +1826,7 @@
           <a:p>
             <a:fld id="{0CB35010-EDBB-44E1-81B6-E54FF20221CB}" type="datetimeFigureOut">
               <a:rPr lang="zh-CN" altLang="en-US" smtClean="0"/>
-              <a:t>2019/4/21</a:t>
+              <a:t>2019/5/4</a:t>
             </a:fld>
             <a:endParaRPr lang="zh-CN" altLang="en-US"/>
           </a:p>
@@ -1966,7 +1967,7 @@
           <a:p>
             <a:fld id="{0CB35010-EDBB-44E1-81B6-E54FF20221CB}" type="datetimeFigureOut">
               <a:rPr lang="zh-CN" altLang="en-US" smtClean="0"/>
-              <a:t>2019/4/21</a:t>
+              <a:t>2019/5/4</a:t>
             </a:fld>
             <a:endParaRPr lang="zh-CN" altLang="en-US"/>
           </a:p>
@@ -2079,7 +2080,7 @@
           <a:p>
             <a:fld id="{0CB35010-EDBB-44E1-81B6-E54FF20221CB}" type="datetimeFigureOut">
               <a:rPr lang="zh-CN" altLang="en-US" smtClean="0"/>
-              <a:t>2019/4/21</a:t>
+              <a:t>2019/5/4</a:t>
             </a:fld>
             <a:endParaRPr lang="zh-CN" altLang="en-US"/>
           </a:p>
@@ -2390,7 +2391,7 @@
           <a:p>
             <a:fld id="{0CB35010-EDBB-44E1-81B6-E54FF20221CB}" type="datetimeFigureOut">
               <a:rPr lang="zh-CN" altLang="en-US" smtClean="0"/>
-              <a:t>2019/4/21</a:t>
+              <a:t>2019/5/4</a:t>
             </a:fld>
             <a:endParaRPr lang="zh-CN" altLang="en-US"/>
           </a:p>
@@ -2678,7 +2679,7 @@
           <a:p>
             <a:fld id="{0CB35010-EDBB-44E1-81B6-E54FF20221CB}" type="datetimeFigureOut">
               <a:rPr lang="zh-CN" altLang="en-US" smtClean="0"/>
-              <a:t>2019/4/21</a:t>
+              <a:t>2019/5/4</a:t>
             </a:fld>
             <a:endParaRPr lang="zh-CN" altLang="en-US"/>
           </a:p>
@@ -2919,7 +2920,7 @@
           <a:p>
             <a:fld id="{0CB35010-EDBB-44E1-81B6-E54FF20221CB}" type="datetimeFigureOut">
               <a:rPr lang="zh-CN" altLang="en-US" smtClean="0"/>
-              <a:t>2019/4/21</a:t>
+              <a:t>2019/5/4</a:t>
             </a:fld>
             <a:endParaRPr lang="zh-CN" altLang="en-US"/>
           </a:p>
@@ -3462,6 +3463,134 @@
           <a:p>
             <a:r>
               <a:rPr lang="en-US" altLang="zh-CN" dirty="0" err="1"/>
+              <a:t>HttpClient</a:t>
+            </a:r>
+            <a:endParaRPr lang="zh-CN" altLang="en-US" dirty="0"/>
+          </a:p>
+        </p:txBody>
+      </p:sp>
+      <p:sp>
+        <p:nvSpPr>
+          <p:cNvPr id="15" name="内容占位符 2">
+            <a:extLst>
+              <a:ext uri="{FF2B5EF4-FFF2-40B4-BE49-F238E27FC236}">
+                <a16:creationId xmlns:a16="http://schemas.microsoft.com/office/drawing/2014/main" id="{00DFF36C-FF32-4635-B471-3925665516F8}"/>
+              </a:ext>
+            </a:extLst>
+          </p:cNvPr>
+          <p:cNvSpPr>
+            <a:spLocks noGrp="1"/>
+          </p:cNvSpPr>
+          <p:nvPr>
+            <p:ph idx="1"/>
+          </p:nvPr>
+        </p:nvSpPr>
+        <p:spPr>
+          <a:xfrm>
+            <a:off x="838200" y="1690687"/>
+            <a:ext cx="10515600" cy="4887665"/>
+          </a:xfrm>
+        </p:spPr>
+        <p:txBody>
+          <a:bodyPr>
+            <a:normAutofit/>
+          </a:bodyPr>
+          <a:lstStyle/>
+          <a:p>
+            <a:r>
+              <a:rPr lang="zh-CN" altLang="en-US" sz="1400" dirty="0"/>
+              <a:t>基本用法</a:t>
+            </a:r>
+            <a:endParaRPr lang="en-US" altLang="zh-CN" sz="1400" dirty="0"/>
+          </a:p>
+          <a:p>
+            <a:r>
+              <a:rPr lang="zh-CN" altLang="en-US" sz="1400" dirty="0"/>
+              <a:t>命名</a:t>
+            </a:r>
+            <a:r>
+              <a:rPr lang="en-US" altLang="zh-CN" sz="1400" dirty="0" err="1"/>
+              <a:t>HttpClient</a:t>
+            </a:r>
+            <a:endParaRPr lang="en-US" altLang="zh-CN" sz="1400" dirty="0"/>
+          </a:p>
+          <a:p>
+            <a:r>
+              <a:rPr lang="zh-CN" altLang="en-US" sz="1400" dirty="0"/>
+              <a:t>类型化</a:t>
+            </a:r>
+            <a:r>
+              <a:rPr lang="en-US" altLang="zh-CN" sz="1400" dirty="0" err="1"/>
+              <a:t>HttpClient</a:t>
+            </a:r>
+            <a:endParaRPr lang="en-US" altLang="zh-CN" sz="1400" dirty="0"/>
+          </a:p>
+          <a:p>
+            <a:r>
+              <a:rPr lang="zh-CN" altLang="en-US" sz="1400" dirty="0"/>
+              <a:t>容错</a:t>
+            </a:r>
+            <a:r>
+              <a:rPr lang="en-US" altLang="zh-CN" sz="1400" dirty="0" err="1"/>
+              <a:t>HttpClient</a:t>
+            </a:r>
+            <a:endParaRPr lang="en-US" altLang="zh-CN" sz="1400" dirty="0"/>
+          </a:p>
+        </p:txBody>
+      </p:sp>
+    </p:spTree>
+    <p:extLst>
+      <p:ext uri="{BB962C8B-B14F-4D97-AF65-F5344CB8AC3E}">
+        <p14:creationId xmlns:p14="http://schemas.microsoft.com/office/powerpoint/2010/main" val="814465082"/>
+      </p:ext>
+    </p:extLst>
+  </p:cSld>
+  <p:clrMapOvr>
+    <a:masterClrMapping/>
+  </p:clrMapOvr>
+</p:sld>
+</file>
+
+<file path=ppt/slides/slide11.xml><?xml version="1.0" encoding="utf-8"?>
+<p:sld xmlns:a="http://schemas.openxmlformats.org/drawingml/2006/main" xmlns:r="http://schemas.openxmlformats.org/officeDocument/2006/relationships" xmlns:p="http://schemas.openxmlformats.org/presentationml/2006/main">
+  <p:cSld>
+    <p:spTree>
+      <p:nvGrpSpPr>
+        <p:cNvPr id="1" name=""/>
+        <p:cNvGrpSpPr/>
+        <p:nvPr/>
+      </p:nvGrpSpPr>
+      <p:grpSpPr>
+        <a:xfrm>
+          <a:off x="0" y="0"/>
+          <a:ext cx="0" cy="0"/>
+          <a:chOff x="0" y="0"/>
+          <a:chExt cx="0" cy="0"/>
+        </a:xfrm>
+      </p:grpSpPr>
+      <p:sp>
+        <p:nvSpPr>
+          <p:cNvPr id="2" name="标题 1">
+            <a:extLst>
+              <a:ext uri="{FF2B5EF4-FFF2-40B4-BE49-F238E27FC236}">
+                <a16:creationId xmlns:a16="http://schemas.microsoft.com/office/drawing/2014/main" id="{D93F5457-E33E-4DFB-A0C6-F3B921696286}"/>
+              </a:ext>
+            </a:extLst>
+          </p:cNvPr>
+          <p:cNvSpPr>
+            <a:spLocks noGrp="1"/>
+          </p:cNvSpPr>
+          <p:nvPr>
+            <p:ph type="title"/>
+          </p:nvPr>
+        </p:nvSpPr>
+        <p:spPr/>
+        <p:txBody>
+          <a:bodyPr/>
+          <a:lstStyle/>
+          <a:p>
+            <a:r>
+              <a:rPr lang="en-US" altLang="zh-CN" dirty="0" err="1"/>
               <a:t>GlobalizationLocalization</a:t>
             </a:r>
             <a:endParaRPr lang="zh-CN" altLang="en-US" dirty="0"/>
@@ -3550,7 +3679,7 @@
 </p:sld>
 </file>
 
-<file path=ppt/slides/slide11.xml><?xml version="1.0" encoding="utf-8"?>
+<file path=ppt/slides/slide12.xml><?xml version="1.0" encoding="utf-8"?>
 <p:sld xmlns:a="http://schemas.openxmlformats.org/drawingml/2006/main" xmlns:r="http://schemas.openxmlformats.org/officeDocument/2006/relationships" xmlns:p="http://schemas.openxmlformats.org/presentationml/2006/main">
   <p:cSld>
     <p:spTree>
@@ -4936,7 +5065,11 @@
           <a:p>
             <a:r>
               <a:rPr lang="en-US" altLang="zh-CN" dirty="0"/>
-              <a:t>Configuration</a:t>
+              <a:t>asp.net core </a:t>
+            </a:r>
+            <a:r>
+              <a:rPr lang="en-US" altLang="zh-CN" dirty="0" err="1"/>
+              <a:t>mvc</a:t>
             </a:r>
             <a:endParaRPr lang="zh-CN" altLang="en-US" dirty="0"/>
           </a:p>
@@ -4970,36 +5103,46 @@
           </a:bodyPr>
           <a:lstStyle/>
           <a:p>
-            <a:r>
-              <a:rPr lang="zh-CN" altLang="en-US" sz="1400" dirty="0"/>
-              <a:t>配置文件</a:t>
+            <a:pPr marL="0" indent="0">
+              <a:buNone/>
+            </a:pPr>
+            <a:r>
+              <a:rPr lang="zh-CN" altLang="en-US" sz="1400" dirty="0"/>
+              <a:t>模型绑定</a:t>
             </a:r>
             <a:endParaRPr lang="en-US" altLang="zh-CN" sz="1400" dirty="0"/>
           </a:p>
           <a:p>
-            <a:r>
-              <a:rPr lang="zh-CN" altLang="en-US" sz="1400" dirty="0"/>
-              <a:t>热更新</a:t>
-            </a:r>
+            <a:pPr marL="0" indent="0">
+              <a:buNone/>
+            </a:pPr>
             <a:r>
               <a:rPr lang="en-US" altLang="zh-CN" sz="1400" dirty="0"/>
-              <a:t>(</a:t>
-            </a:r>
-            <a:r>
-              <a:rPr lang="zh-CN" altLang="en-US" sz="1400" dirty="0"/>
-              <a:t>内存会增加</a:t>
-            </a:r>
-            <a:r>
-              <a:rPr lang="en-US" altLang="zh-CN" sz="1400" dirty="0"/>
-              <a:t>)</a:t>
-            </a:r>
+              <a:t>Areas</a:t>
+            </a:r>
+          </a:p>
+          <a:p>
+            <a:pPr marL="0" indent="0">
+              <a:buNone/>
+            </a:pPr>
+            <a:r>
+              <a:rPr lang="zh-CN" altLang="en-US" sz="1400" dirty="0"/>
+              <a:t>布局</a:t>
+            </a:r>
+            <a:endParaRPr lang="en-US" altLang="zh-CN" sz="1400"/>
+          </a:p>
+          <a:p>
+            <a:pPr marL="0" indent="0">
+              <a:buNone/>
+            </a:pPr>
+            <a:endParaRPr lang="en-US" altLang="zh-CN" sz="1400" dirty="0"/>
           </a:p>
         </p:txBody>
       </p:sp>
     </p:spTree>
     <p:extLst>
       <p:ext uri="{BB962C8B-B14F-4D97-AF65-F5344CB8AC3E}">
-        <p14:creationId xmlns:p14="http://schemas.microsoft.com/office/powerpoint/2010/main" val="1183203262"/>
+        <p14:creationId xmlns:p14="http://schemas.microsoft.com/office/powerpoint/2010/main" val="3338494352"/>
       </p:ext>
     </p:extLst>
   </p:cSld>
@@ -5049,12 +5192,9 @@
           <a:p>
             <a:r>
               <a:rPr lang="en-US" altLang="zh-CN" dirty="0"/>
-              <a:t>Configuration-</a:t>
-            </a:r>
-            <a:r>
-              <a:rPr lang="zh-CN" altLang="en-US" dirty="0"/>
-              <a:t>机密文件</a:t>
-            </a:r>
+              <a:t>Configuration</a:t>
+            </a:r>
+            <a:endParaRPr lang="zh-CN" altLang="en-US" dirty="0"/>
           </a:p>
         </p:txBody>
       </p:sp>
@@ -5086,314 +5226,36 @@
           </a:bodyPr>
           <a:lstStyle/>
           <a:p>
-            <a:pPr marL="0" indent="0">
-              <a:buNone/>
-            </a:pPr>
+            <a:r>
+              <a:rPr lang="zh-CN" altLang="en-US" sz="1400" dirty="0"/>
+              <a:t>配置文件</a:t>
+            </a:r>
+            <a:endParaRPr lang="en-US" altLang="zh-CN" sz="1400" dirty="0"/>
+          </a:p>
+          <a:p>
+            <a:r>
+              <a:rPr lang="zh-CN" altLang="en-US" sz="1400" dirty="0"/>
+              <a:t>热更新</a:t>
+            </a:r>
             <a:r>
               <a:rPr lang="en-US" altLang="zh-CN" sz="1400" dirty="0"/>
-              <a:t>1</a:t>
-            </a:r>
-            <a:r>
-              <a:rPr lang="zh-CN" altLang="en-US" sz="1400" dirty="0"/>
-              <a:t>、</a:t>
+              <a:t>(</a:t>
+            </a:r>
+            <a:r>
+              <a:rPr lang="zh-CN" altLang="en-US" sz="1400" dirty="0"/>
+              <a:t>内存会增加</a:t>
             </a:r>
             <a:r>
               <a:rPr lang="en-US" altLang="zh-CN" sz="1400" dirty="0"/>
-              <a:t>.</a:t>
-            </a:r>
-            <a:r>
-              <a:rPr lang="en-US" altLang="zh-CN" sz="1400" dirty="0" err="1"/>
-              <a:t>csproj</a:t>
-            </a:r>
-            <a:r>
-              <a:rPr lang="zh-CN" altLang="en-US" sz="1400" dirty="0"/>
-              <a:t>文件的</a:t>
-            </a:r>
-            <a:r>
-              <a:rPr lang="en-US" altLang="zh-CN" sz="1400" dirty="0"/>
-              <a:t>&lt;</a:t>
-            </a:r>
-            <a:r>
-              <a:rPr lang="en-US" altLang="zh-CN" sz="1400" dirty="0" err="1"/>
-              <a:t>PropertyGroup</a:t>
-            </a:r>
-            <a:r>
-              <a:rPr lang="en-US" altLang="zh-CN" sz="1400" dirty="0"/>
-              <a:t>&gt;&lt;/</a:t>
-            </a:r>
-            <a:r>
-              <a:rPr lang="en-US" altLang="zh-CN" sz="1400" dirty="0" err="1"/>
-              <a:t>PropertyGroup</a:t>
-            </a:r>
-            <a:r>
-              <a:rPr lang="en-US" altLang="zh-CN" sz="1400" dirty="0"/>
-              <a:t>&gt;</a:t>
-            </a:r>
-            <a:r>
-              <a:rPr lang="zh-CN" altLang="en-US" sz="1400" dirty="0"/>
-              <a:t>节点中添加</a:t>
-            </a:r>
-          </a:p>
-          <a:p>
-            <a:pPr marL="0" indent="0">
-              <a:buNone/>
-            </a:pPr>
-            <a:r>
-              <a:rPr lang="en-US" altLang="zh-CN" sz="1400" dirty="0"/>
-              <a:t>  &lt;</a:t>
-            </a:r>
-            <a:r>
-              <a:rPr lang="en-US" altLang="zh-CN" sz="1400" dirty="0" err="1"/>
-              <a:t>UserSecretsId</a:t>
-            </a:r>
-            <a:r>
-              <a:rPr lang="en-US" altLang="zh-CN" sz="1400" dirty="0"/>
-              <a:t>&gt;</a:t>
-            </a:r>
-            <a:r>
-              <a:rPr lang="en-US" altLang="zh-CN" sz="1400" dirty="0" err="1"/>
-              <a:t>d7a40274-87df-43ba-999b-d8719940b7a7</a:t>
-            </a:r>
-            <a:r>
-              <a:rPr lang="en-US" altLang="zh-CN" sz="1400" dirty="0"/>
-              <a:t>&lt;/</a:t>
-            </a:r>
-            <a:r>
-              <a:rPr lang="en-US" altLang="zh-CN" sz="1400" dirty="0" err="1"/>
-              <a:t>UserSecretsId</a:t>
-            </a:r>
-            <a:r>
-              <a:rPr lang="en-US" altLang="zh-CN" sz="1400" dirty="0"/>
-              <a:t>&gt;</a:t>
-            </a:r>
-          </a:p>
-          <a:p>
-            <a:pPr marL="0" indent="0">
-              <a:buNone/>
-            </a:pPr>
-            <a:r>
-              <a:rPr lang="en-US" altLang="zh-CN" sz="1400" dirty="0"/>
-              <a:t>2</a:t>
-            </a:r>
-            <a:r>
-              <a:rPr lang="zh-CN" altLang="en-US" sz="1400" dirty="0"/>
-              <a:t>、操作机密文件</a:t>
-            </a:r>
-          </a:p>
-          <a:p>
-            <a:pPr marL="0" indent="0">
-              <a:buNone/>
-            </a:pPr>
-            <a:r>
-              <a:rPr lang="en-US" altLang="zh-CN" sz="1400" dirty="0"/>
-              <a:t>   a</a:t>
-            </a:r>
-            <a:r>
-              <a:rPr lang="zh-CN" altLang="en-US" sz="1400" dirty="0"/>
-              <a:t>、设置机密文件  </a:t>
-            </a:r>
-            <a:r>
-              <a:rPr lang="en-US" altLang="zh-CN" sz="1400" dirty="0"/>
-              <a:t>dotnet user-secrets set "</a:t>
-            </a:r>
-            <a:r>
-              <a:rPr lang="en-US" altLang="zh-CN" sz="1400" dirty="0" err="1"/>
-              <a:t>dbpassword</a:t>
-            </a:r>
-            <a:r>
-              <a:rPr lang="en-US" altLang="zh-CN" sz="1400" dirty="0"/>
-              <a:t>" "123456" --project ".</a:t>
-            </a:r>
-            <a:r>
-              <a:rPr lang="en-US" altLang="zh-CN" sz="1400" dirty="0" err="1"/>
-              <a:t>csproj</a:t>
-            </a:r>
-            <a:r>
-              <a:rPr lang="zh-CN" altLang="en-US" sz="1400" dirty="0"/>
-              <a:t>所在目录</a:t>
-            </a:r>
-            <a:r>
-              <a:rPr lang="en-US" altLang="zh-CN" sz="1400" dirty="0"/>
-              <a:t>"</a:t>
-            </a:r>
-          </a:p>
-          <a:p>
-            <a:pPr marL="0" indent="0">
-              <a:buNone/>
-            </a:pPr>
-            <a:r>
-              <a:rPr lang="en-US" altLang="zh-CN" sz="1400" dirty="0"/>
-              <a:t>   b</a:t>
-            </a:r>
-            <a:r>
-              <a:rPr lang="zh-CN" altLang="en-US" sz="1400" dirty="0"/>
-              <a:t>、设置多个机密文件  </a:t>
-            </a:r>
-            <a:r>
-              <a:rPr lang="en-US" altLang="zh-CN" sz="1400" dirty="0"/>
-              <a:t>type .\</a:t>
-            </a:r>
-            <a:r>
-              <a:rPr lang="en-US" altLang="zh-CN" sz="1400" dirty="0" err="1"/>
-              <a:t>input.json</a:t>
-            </a:r>
-            <a:r>
-              <a:rPr lang="en-US" altLang="zh-CN" sz="1400" dirty="0"/>
-              <a:t> | dotnet user-secrets set --project ".</a:t>
-            </a:r>
-            <a:r>
-              <a:rPr lang="en-US" altLang="zh-CN" sz="1400" dirty="0" err="1"/>
-              <a:t>csproj</a:t>
-            </a:r>
-            <a:r>
-              <a:rPr lang="zh-CN" altLang="en-US" sz="1400" dirty="0"/>
-              <a:t>所在目录</a:t>
-            </a:r>
-            <a:r>
-              <a:rPr lang="en-US" altLang="zh-CN" sz="1400" dirty="0"/>
-              <a:t>"</a:t>
-            </a:r>
-          </a:p>
-          <a:p>
-            <a:pPr marL="0" indent="0">
-              <a:buNone/>
-            </a:pPr>
-            <a:r>
-              <a:rPr lang="en-US" altLang="zh-CN" sz="1400" dirty="0"/>
-              <a:t>   c</a:t>
-            </a:r>
-            <a:r>
-              <a:rPr lang="zh-CN" altLang="en-US" sz="1400" dirty="0"/>
-              <a:t>、查看机密文件  </a:t>
-            </a:r>
-            <a:r>
-              <a:rPr lang="en-US" altLang="zh-CN" sz="1400" dirty="0"/>
-              <a:t>dotnet user-secrets list --project ".</a:t>
-            </a:r>
-            <a:r>
-              <a:rPr lang="en-US" altLang="zh-CN" sz="1400" dirty="0" err="1"/>
-              <a:t>csproj</a:t>
-            </a:r>
-            <a:r>
-              <a:rPr lang="zh-CN" altLang="en-US" sz="1400" dirty="0"/>
-              <a:t>所在目录</a:t>
-            </a:r>
-            <a:r>
-              <a:rPr lang="en-US" altLang="zh-CN" sz="1400" dirty="0"/>
-              <a:t>"</a:t>
-            </a:r>
-          </a:p>
-          <a:p>
-            <a:pPr marL="0" indent="0">
-              <a:buNone/>
-            </a:pPr>
-            <a:r>
-              <a:rPr lang="en-US" altLang="zh-CN" sz="1400" dirty="0"/>
-              <a:t>   d</a:t>
-            </a:r>
-            <a:r>
-              <a:rPr lang="zh-CN" altLang="en-US" sz="1400" dirty="0"/>
-              <a:t>、删除机密文件  </a:t>
-            </a:r>
-            <a:r>
-              <a:rPr lang="en-US" altLang="zh-CN" sz="1400" dirty="0"/>
-              <a:t>dotnet user-secrets remove "</a:t>
-            </a:r>
-            <a:r>
-              <a:rPr lang="en-US" altLang="zh-CN" sz="1400" dirty="0" err="1"/>
-              <a:t>dbpassword</a:t>
-            </a:r>
-            <a:r>
-              <a:rPr lang="en-US" altLang="zh-CN" sz="1400" dirty="0"/>
-              <a:t>"  --project ".</a:t>
-            </a:r>
-            <a:r>
-              <a:rPr lang="en-US" altLang="zh-CN" sz="1400" dirty="0" err="1"/>
-              <a:t>csproj</a:t>
-            </a:r>
-            <a:r>
-              <a:rPr lang="zh-CN" altLang="en-US" sz="1400" dirty="0"/>
-              <a:t>所在目录</a:t>
-            </a:r>
-            <a:r>
-              <a:rPr lang="en-US" altLang="zh-CN" sz="1400" dirty="0"/>
-              <a:t>"</a:t>
-            </a:r>
-          </a:p>
-          <a:p>
-            <a:pPr marL="0" indent="0">
-              <a:buNone/>
-            </a:pPr>
-            <a:r>
-              <a:rPr lang="en-US" altLang="zh-CN" sz="1400" dirty="0"/>
-              <a:t>   e</a:t>
-            </a:r>
-            <a:r>
-              <a:rPr lang="zh-CN" altLang="en-US" sz="1400" dirty="0"/>
-              <a:t>、删除所有机密文件 </a:t>
-            </a:r>
-            <a:r>
-              <a:rPr lang="en-US" altLang="zh-CN" sz="1400" dirty="0"/>
-              <a:t>dotnet user-secrets clear --project ".</a:t>
-            </a:r>
-            <a:r>
-              <a:rPr lang="en-US" altLang="zh-CN" sz="1400" dirty="0" err="1"/>
-              <a:t>csproj</a:t>
-            </a:r>
-            <a:r>
-              <a:rPr lang="zh-CN" altLang="en-US" sz="1400" dirty="0"/>
-              <a:t>所在目录</a:t>
-            </a:r>
-            <a:r>
-              <a:rPr lang="en-US" altLang="zh-CN" sz="1400" dirty="0"/>
-              <a:t>"</a:t>
-            </a:r>
-          </a:p>
-          <a:p>
-            <a:pPr marL="0" indent="0">
-              <a:buNone/>
-            </a:pPr>
-            <a:r>
-              <a:rPr lang="en-US" altLang="zh-CN" sz="1400" dirty="0"/>
-              <a:t>3</a:t>
-            </a:r>
-            <a:r>
-              <a:rPr lang="zh-CN" altLang="en-US" sz="1400" dirty="0"/>
-              <a:t>、</a:t>
-            </a:r>
-            <a:r>
-              <a:rPr lang="en-US" altLang="zh-CN" sz="1400" dirty="0" err="1"/>
-              <a:t>ConfigureServices</a:t>
-            </a:r>
-            <a:r>
-              <a:rPr lang="zh-CN" altLang="en-US" sz="1400" dirty="0"/>
-              <a:t>中读取</a:t>
-            </a:r>
-          </a:p>
-          <a:p>
-            <a:pPr marL="0" indent="0">
-              <a:buNone/>
-            </a:pPr>
-            <a:r>
-              <a:rPr lang="en-US" altLang="zh-CN" sz="1400" dirty="0"/>
-              <a:t>   var password = Configuration["</a:t>
-            </a:r>
-            <a:r>
-              <a:rPr lang="en-US" altLang="zh-CN" sz="1400" dirty="0" err="1"/>
-              <a:t>dbpassword</a:t>
-            </a:r>
-            <a:r>
-              <a:rPr lang="en-US" altLang="zh-CN" sz="1400" dirty="0"/>
-              <a:t>"];</a:t>
-            </a:r>
-            <a:endParaRPr lang="zh-CN" altLang="en-US" sz="1400" dirty="0"/>
+              <a:t>)</a:t>
+            </a:r>
           </a:p>
         </p:txBody>
       </p:sp>
     </p:spTree>
     <p:extLst>
       <p:ext uri="{BB962C8B-B14F-4D97-AF65-F5344CB8AC3E}">
-        <p14:creationId xmlns:p14="http://schemas.microsoft.com/office/powerpoint/2010/main" val="731180852"/>
+        <p14:creationId xmlns:p14="http://schemas.microsoft.com/office/powerpoint/2010/main" val="1183203262"/>
       </p:ext>
     </p:extLst>
   </p:cSld>
@@ -5447,7 +5309,7 @@
             </a:r>
             <a:r>
               <a:rPr lang="zh-CN" altLang="en-US" dirty="0"/>
-              <a:t>自定义</a:t>
+              <a:t>机密文件</a:t>
             </a:r>
           </a:p>
         </p:txBody>
@@ -5484,153 +5346,40 @@
               <a:buNone/>
             </a:pPr>
             <a:r>
+              <a:rPr lang="en-US" altLang="zh-CN" sz="1400" dirty="0"/>
+              <a:t>1</a:t>
+            </a:r>
+            <a:r>
+              <a:rPr lang="zh-CN" altLang="en-US" sz="1400" dirty="0"/>
+              <a:t>、</a:t>
+            </a:r>
+            <a:r>
+              <a:rPr lang="en-US" altLang="zh-CN" sz="1400" dirty="0"/>
+              <a:t>.</a:t>
+            </a:r>
+            <a:r>
               <a:rPr lang="en-US" altLang="zh-CN" sz="1400" dirty="0" err="1"/>
-              <a:t>Asp.net</a:t>
-            </a:r>
-            <a:r>
-              <a:rPr lang="zh-CN" altLang="en-US" sz="1400" dirty="0"/>
-              <a:t> </a:t>
+              <a:t>csproj</a:t>
+            </a:r>
+            <a:r>
+              <a:rPr lang="zh-CN" altLang="en-US" sz="1400" dirty="0"/>
+              <a:t>文件的</a:t>
             </a:r>
             <a:r>
               <a:rPr lang="en-US" altLang="zh-CN" sz="1400" dirty="0"/>
-              <a:t>core</a:t>
-            </a:r>
-            <a:r>
-              <a:rPr lang="zh-CN" altLang="en-US" sz="1400" dirty="0"/>
-              <a:t>中的配置文件是基于生成器模式（</a:t>
-            </a:r>
-            <a:r>
-              <a:rPr lang="zh-CN" altLang="en-US" sz="1400" i="1" u="sng" dirty="0"/>
-              <a:t>将复杂对象的建造过程抽象出来（抽象类别），使这个抽象过程的不同实现方法可以构造出不同表现（属性）的对象</a:t>
-            </a:r>
-            <a:r>
-              <a:rPr lang="zh-CN" altLang="en-US" sz="1400" dirty="0"/>
-              <a:t>）</a:t>
+              <a:t>&lt;</a:t>
+            </a:r>
+            <a:r>
+              <a:rPr lang="en-US" altLang="zh-CN" sz="1400" dirty="0" err="1"/>
+              <a:t>PropertyGroup</a:t>
             </a:r>
             <a:r>
               <a:rPr lang="en-US" altLang="zh-CN" sz="1400" dirty="0"/>
-              <a:t>,</a:t>
+              <a:t>&gt;&lt;/</a:t>
             </a:r>
             <a:r>
               <a:rPr lang="en-US" altLang="zh-CN" sz="1400" dirty="0" err="1"/>
-              <a:t>asp.net</a:t>
-            </a:r>
-            <a:r>
-              <a:rPr lang="en-US" altLang="zh-CN" sz="1400" dirty="0"/>
-              <a:t> core</a:t>
-            </a:r>
-            <a:r>
-              <a:rPr lang="zh-CN" altLang="en-US" sz="1400" dirty="0"/>
-              <a:t>中有两个生成器，一个是主机</a:t>
-            </a:r>
-            <a:r>
-              <a:rPr lang="en-US" altLang="zh-CN" sz="1400" dirty="0"/>
-              <a:t>(host)</a:t>
-            </a:r>
-            <a:r>
-              <a:rPr lang="zh-CN" altLang="en-US" sz="1400" dirty="0"/>
-              <a:t>的，一个应用程序</a:t>
-            </a:r>
-            <a:r>
-              <a:rPr lang="en-US" altLang="zh-CN" sz="1400" dirty="0"/>
-              <a:t>(application)</a:t>
-            </a:r>
-            <a:r>
-              <a:rPr lang="zh-CN" altLang="en-US" sz="1400" dirty="0"/>
-              <a:t>的</a:t>
-            </a:r>
-            <a:endParaRPr lang="en-US" altLang="zh-CN" sz="1400" dirty="0"/>
-          </a:p>
-          <a:p>
-            <a:pPr marL="0" indent="0">
-              <a:buNone/>
-            </a:pPr>
-            <a:endParaRPr lang="en-US" altLang="zh-CN" sz="1400" dirty="0"/>
-          </a:p>
-          <a:p>
-            <a:r>
-              <a:rPr lang="en-US" altLang="zh-CN" sz="1400" dirty="0" err="1"/>
-              <a:t>ConfigurationSource</a:t>
-            </a:r>
-            <a:endParaRPr lang="en-US" altLang="zh-CN" sz="1400" dirty="0"/>
-          </a:p>
-          <a:p>
-            <a:pPr marL="0" indent="0">
-              <a:buNone/>
-            </a:pPr>
-            <a:r>
-              <a:rPr lang="en-US" altLang="zh-CN" sz="1400" dirty="0"/>
-              <a:t>     </a:t>
-            </a:r>
-            <a:r>
-              <a:rPr lang="zh-CN" altLang="en-US" sz="1400" dirty="0"/>
-              <a:t>在建造过程中需要各种参数信息，</a:t>
-            </a:r>
-            <a:r>
-              <a:rPr lang="en-US" altLang="zh-CN" sz="1400" dirty="0" err="1"/>
-              <a:t>ConfigurationSource</a:t>
-            </a:r>
-            <a:r>
-              <a:rPr lang="zh-CN" altLang="en-US" sz="1400" dirty="0"/>
-              <a:t>是为获取这些参数而提供来源，比如文件源，内存源等</a:t>
-            </a:r>
-            <a:endParaRPr lang="en-US" altLang="zh-CN" sz="1400" dirty="0"/>
-          </a:p>
-          <a:p>
-            <a:endParaRPr lang="en-US" altLang="zh-CN" sz="1400" dirty="0"/>
-          </a:p>
-          <a:p>
-            <a:r>
-              <a:rPr lang="en-US" altLang="zh-CN" sz="1400" dirty="0" err="1"/>
-              <a:t>ConfigurationProvider</a:t>
-            </a:r>
-            <a:endParaRPr lang="en-US" altLang="zh-CN" sz="1400" dirty="0"/>
-          </a:p>
-          <a:p>
-            <a:pPr marL="0" indent="0">
-              <a:buNone/>
-            </a:pPr>
-            <a:r>
-              <a:rPr lang="en-US" altLang="zh-CN" sz="1400" dirty="0"/>
-              <a:t>     </a:t>
-            </a:r>
-            <a:r>
-              <a:rPr lang="zh-CN" altLang="en-US" sz="1400" dirty="0"/>
-              <a:t>建造所需参数的提供者，依据</a:t>
-            </a:r>
-            <a:r>
-              <a:rPr lang="en-US" altLang="zh-CN" sz="1400" dirty="0" err="1"/>
-              <a:t>ConfigurationSource</a:t>
-            </a:r>
-            <a:r>
-              <a:rPr lang="zh-CN" altLang="en-US" sz="1400" dirty="0"/>
-              <a:t>来完成提供</a:t>
-            </a:r>
-            <a:endParaRPr lang="en-US" altLang="zh-CN" sz="1400" dirty="0"/>
-          </a:p>
-          <a:p>
-            <a:endParaRPr lang="en-US" altLang="zh-CN" sz="1400" dirty="0"/>
-          </a:p>
-          <a:p>
-            <a:r>
-              <a:rPr lang="zh-CN" altLang="en-US" sz="1400" dirty="0"/>
-              <a:t>需要把</a:t>
-            </a:r>
-            <a:r>
-              <a:rPr lang="en-US" altLang="zh-CN" sz="1400" dirty="0" err="1"/>
-              <a:t>ConfigurationSource</a:t>
-            </a:r>
-            <a:r>
-              <a:rPr lang="zh-CN" altLang="en-US" sz="1400" dirty="0"/>
-              <a:t>或</a:t>
-            </a:r>
-            <a:r>
-              <a:rPr lang="en-US" altLang="zh-CN" sz="1400" dirty="0"/>
-              <a:t>Action&lt;</a:t>
-            </a:r>
-            <a:r>
-              <a:rPr lang="en-US" altLang="zh-CN" sz="1400" dirty="0" err="1"/>
-              <a:t>ConfigurationSource</a:t>
+              <a:t>PropertyGroup</a:t>
             </a:r>
             <a:r>
               <a:rPr lang="en-US" altLang="zh-CN" sz="1400" dirty="0"/>
@@ -5638,91 +5387,261 @@
             </a:r>
             <a:r>
               <a:rPr lang="zh-CN" altLang="en-US" sz="1400" dirty="0"/>
-              <a:t>添加到</a:t>
-            </a:r>
-            <a:r>
-              <a:rPr lang="zh-CN" altLang="en-US" sz="1400" b="1" dirty="0"/>
-              <a:t>应用配置</a:t>
-            </a:r>
-            <a:r>
-              <a:rPr lang="zh-CN" altLang="en-US" sz="1400" dirty="0"/>
-              <a:t>构建对象中，在</a:t>
-            </a:r>
-            <a:r>
-              <a:rPr lang="zh-CN" altLang="en-US" sz="1400" b="1" dirty="0"/>
-              <a:t>主机构建时</a:t>
-            </a:r>
-            <a:r>
-              <a:rPr lang="zh-CN" altLang="en-US" sz="1400" dirty="0"/>
-              <a:t>会调用</a:t>
-            </a:r>
+              <a:t>节点中添加</a:t>
+            </a:r>
+          </a:p>
+          <a:p>
+            <a:pPr marL="0" indent="0">
+              <a:buNone/>
+            </a:pPr>
             <a:r>
               <a:rPr lang="en-US" altLang="zh-CN" sz="1400" dirty="0"/>
-              <a:t>Configuration</a:t>
-            </a:r>
-            <a:r>
-              <a:rPr lang="zh-CN" altLang="en-US" sz="1400" dirty="0"/>
-              <a:t>的</a:t>
+              <a:t>  &lt;</a:t>
+            </a:r>
+            <a:r>
+              <a:rPr lang="en-US" altLang="zh-CN" sz="1400" dirty="0" err="1"/>
+              <a:t>UserSecretsId</a:t>
             </a:r>
             <a:r>
               <a:rPr lang="en-US" altLang="zh-CN" sz="1400" dirty="0"/>
-              <a:t>Build</a:t>
-            </a:r>
-            <a:r>
-              <a:rPr lang="zh-CN" altLang="en-US" sz="1400" dirty="0"/>
-              <a:t>，然后调用</a:t>
+              <a:t>&gt;</a:t>
             </a:r>
             <a:r>
               <a:rPr lang="en-US" altLang="zh-CN" sz="1400" dirty="0" err="1"/>
-              <a:t>ConfigurationSource</a:t>
-            </a:r>
-            <a:r>
-              <a:rPr lang="zh-CN" altLang="en-US" sz="1400" dirty="0"/>
-              <a:t>的</a:t>
+              <a:t>d7a40274-87df-43ba-999b-d8719940b7a7</a:t>
             </a:r>
             <a:r>
               <a:rPr lang="en-US" altLang="zh-CN" sz="1400" dirty="0"/>
-              <a:t>Build</a:t>
-            </a:r>
-            <a:r>
-              <a:rPr lang="zh-CN" altLang="en-US" sz="1400" dirty="0"/>
-              <a:t>，然后调用</a:t>
+              <a:t>&lt;/</a:t>
             </a:r>
             <a:r>
               <a:rPr lang="en-US" altLang="zh-CN" sz="1400" dirty="0" err="1"/>
-              <a:t>ConfigurationProvider</a:t>
-            </a:r>
-            <a:r>
-              <a:rPr lang="zh-CN" altLang="en-US" sz="1400" dirty="0"/>
-              <a:t>的</a:t>
+              <a:t>UserSecretsId</a:t>
             </a:r>
             <a:r>
               <a:rPr lang="en-US" altLang="zh-CN" sz="1400" dirty="0"/>
-              <a:t>Load</a:t>
-            </a:r>
-            <a:r>
-              <a:rPr lang="zh-CN" altLang="en-US" sz="1400" dirty="0"/>
-              <a:t>，来填充</a:t>
+              <a:t>&gt;</a:t>
+            </a:r>
+          </a:p>
+          <a:p>
+            <a:pPr marL="0" indent="0">
+              <a:buNone/>
+            </a:pPr>
+            <a:r>
+              <a:rPr lang="en-US" altLang="zh-CN" sz="1400" dirty="0"/>
+              <a:t>2</a:t>
+            </a:r>
+            <a:r>
+              <a:rPr lang="zh-CN" altLang="en-US" sz="1400" dirty="0"/>
+              <a:t>、操作机密文件</a:t>
+            </a:r>
+          </a:p>
+          <a:p>
+            <a:pPr marL="0" indent="0">
+              <a:buNone/>
+            </a:pPr>
+            <a:r>
+              <a:rPr lang="en-US" altLang="zh-CN" sz="1400" dirty="0"/>
+              <a:t>   a</a:t>
+            </a:r>
+            <a:r>
+              <a:rPr lang="zh-CN" altLang="en-US" sz="1400" dirty="0"/>
+              <a:t>、设置机密文件  </a:t>
+            </a:r>
+            <a:r>
+              <a:rPr lang="en-US" altLang="zh-CN" sz="1400" dirty="0"/>
+              <a:t>dotnet user-secrets set "</a:t>
             </a:r>
             <a:r>
               <a:rPr lang="en-US" altLang="zh-CN" sz="1400" dirty="0" err="1"/>
-              <a:t>ConfigurationProvider</a:t>
-            </a:r>
-            <a:r>
-              <a:rPr lang="zh-CN" altLang="en-US" sz="1400" dirty="0"/>
-              <a:t>中的</a:t>
+              <a:t>dbpassword</a:t>
             </a:r>
             <a:r>
               <a:rPr lang="en-US" altLang="zh-CN" sz="1400" dirty="0"/>
-              <a:t>Data</a:t>
-            </a:r>
-            <a:r>
-              <a:rPr lang="zh-CN" altLang="en-US" sz="1400" dirty="0"/>
-              <a:t>字典。</a:t>
-            </a:r>
-            <a:endParaRPr lang="en-US" altLang="zh-CN" sz="1400" dirty="0"/>
-          </a:p>
-          <a:p>
+              <a:t>" "123456" --project ".</a:t>
+            </a:r>
+            <a:r>
+              <a:rPr lang="en-US" altLang="zh-CN" sz="1400" dirty="0" err="1"/>
+              <a:t>csproj</a:t>
+            </a:r>
+            <a:r>
+              <a:rPr lang="zh-CN" altLang="en-US" sz="1400" dirty="0"/>
+              <a:t>所在目录</a:t>
+            </a:r>
+            <a:r>
+              <a:rPr lang="en-US" altLang="zh-CN" sz="1400" dirty="0"/>
+              <a:t>"</a:t>
+            </a:r>
+          </a:p>
+          <a:p>
+            <a:pPr marL="0" indent="0">
+              <a:buNone/>
+            </a:pPr>
+            <a:r>
+              <a:rPr lang="en-US" altLang="zh-CN" sz="1400" dirty="0"/>
+              <a:t>   b</a:t>
+            </a:r>
+            <a:r>
+              <a:rPr lang="zh-CN" altLang="en-US" sz="1400" dirty="0"/>
+              <a:t>、设置多个机密文件  </a:t>
+            </a:r>
+            <a:r>
+              <a:rPr lang="en-US" altLang="zh-CN" sz="1400" dirty="0"/>
+              <a:t>type .\</a:t>
+            </a:r>
+            <a:r>
+              <a:rPr lang="en-US" altLang="zh-CN" sz="1400" dirty="0" err="1"/>
+              <a:t>input.json</a:t>
+            </a:r>
+            <a:r>
+              <a:rPr lang="en-US" altLang="zh-CN" sz="1400" dirty="0"/>
+              <a:t> | dotnet user-secrets set --project ".</a:t>
+            </a:r>
+            <a:r>
+              <a:rPr lang="en-US" altLang="zh-CN" sz="1400" dirty="0" err="1"/>
+              <a:t>csproj</a:t>
+            </a:r>
+            <a:r>
+              <a:rPr lang="zh-CN" altLang="en-US" sz="1400" dirty="0"/>
+              <a:t>所在目录</a:t>
+            </a:r>
+            <a:r>
+              <a:rPr lang="en-US" altLang="zh-CN" sz="1400" dirty="0"/>
+              <a:t>"</a:t>
+            </a:r>
+          </a:p>
+          <a:p>
+            <a:pPr marL="0" indent="0">
+              <a:buNone/>
+            </a:pPr>
+            <a:r>
+              <a:rPr lang="en-US" altLang="zh-CN" sz="1400" dirty="0"/>
+              <a:t>   c</a:t>
+            </a:r>
+            <a:r>
+              <a:rPr lang="zh-CN" altLang="en-US" sz="1400" dirty="0"/>
+              <a:t>、查看机密文件  </a:t>
+            </a:r>
+            <a:r>
+              <a:rPr lang="en-US" altLang="zh-CN" sz="1400" dirty="0"/>
+              <a:t>dotnet user-secrets list --project ".</a:t>
+            </a:r>
+            <a:r>
+              <a:rPr lang="en-US" altLang="zh-CN" sz="1400" dirty="0" err="1"/>
+              <a:t>csproj</a:t>
+            </a:r>
+            <a:r>
+              <a:rPr lang="zh-CN" altLang="en-US" sz="1400" dirty="0"/>
+              <a:t>所在目录</a:t>
+            </a:r>
+            <a:r>
+              <a:rPr lang="en-US" altLang="zh-CN" sz="1400" dirty="0"/>
+              <a:t>"</a:t>
+            </a:r>
+          </a:p>
+          <a:p>
+            <a:pPr marL="0" indent="0">
+              <a:buNone/>
+            </a:pPr>
+            <a:r>
+              <a:rPr lang="en-US" altLang="zh-CN" sz="1400" dirty="0"/>
+              <a:t>   d</a:t>
+            </a:r>
+            <a:r>
+              <a:rPr lang="zh-CN" altLang="en-US" sz="1400" dirty="0"/>
+              <a:t>、删除机密文件  </a:t>
+            </a:r>
+            <a:r>
+              <a:rPr lang="en-US" altLang="zh-CN" sz="1400" dirty="0"/>
+              <a:t>dotnet user-secrets remove "</a:t>
+            </a:r>
+            <a:r>
+              <a:rPr lang="en-US" altLang="zh-CN" sz="1400" dirty="0" err="1"/>
+              <a:t>dbpassword</a:t>
+            </a:r>
+            <a:r>
+              <a:rPr lang="en-US" altLang="zh-CN" sz="1400" dirty="0"/>
+              <a:t>"  --project ".</a:t>
+            </a:r>
+            <a:r>
+              <a:rPr lang="en-US" altLang="zh-CN" sz="1400" dirty="0" err="1"/>
+              <a:t>csproj</a:t>
+            </a:r>
+            <a:r>
+              <a:rPr lang="zh-CN" altLang="en-US" sz="1400" dirty="0"/>
+              <a:t>所在目录</a:t>
+            </a:r>
+            <a:r>
+              <a:rPr lang="en-US" altLang="zh-CN" sz="1400" dirty="0"/>
+              <a:t>"</a:t>
+            </a:r>
+          </a:p>
+          <a:p>
+            <a:pPr marL="0" indent="0">
+              <a:buNone/>
+            </a:pPr>
+            <a:r>
+              <a:rPr lang="en-US" altLang="zh-CN" sz="1400" dirty="0"/>
+              <a:t>   e</a:t>
+            </a:r>
+            <a:r>
+              <a:rPr lang="zh-CN" altLang="en-US" sz="1400" dirty="0"/>
+              <a:t>、删除所有机密文件 </a:t>
+            </a:r>
+            <a:r>
+              <a:rPr lang="en-US" altLang="zh-CN" sz="1400" dirty="0"/>
+              <a:t>dotnet user-secrets clear --project ".</a:t>
+            </a:r>
+            <a:r>
+              <a:rPr lang="en-US" altLang="zh-CN" sz="1400" dirty="0" err="1"/>
+              <a:t>csproj</a:t>
+            </a:r>
+            <a:r>
+              <a:rPr lang="zh-CN" altLang="en-US" sz="1400" dirty="0"/>
+              <a:t>所在目录</a:t>
+            </a:r>
+            <a:r>
+              <a:rPr lang="en-US" altLang="zh-CN" sz="1400" dirty="0"/>
+              <a:t>"</a:t>
+            </a:r>
+          </a:p>
+          <a:p>
+            <a:pPr marL="0" indent="0">
+              <a:buNone/>
+            </a:pPr>
+            <a:r>
+              <a:rPr lang="en-US" altLang="zh-CN" sz="1400" dirty="0"/>
+              <a:t>3</a:t>
+            </a:r>
+            <a:r>
+              <a:rPr lang="zh-CN" altLang="en-US" sz="1400" dirty="0"/>
+              <a:t>、</a:t>
+            </a:r>
+            <a:r>
+              <a:rPr lang="en-US" altLang="zh-CN" sz="1400" dirty="0" err="1"/>
+              <a:t>ConfigureServices</a:t>
+            </a:r>
+            <a:r>
+              <a:rPr lang="zh-CN" altLang="en-US" sz="1400" dirty="0"/>
+              <a:t>中读取</a:t>
+            </a:r>
+          </a:p>
+          <a:p>
+            <a:pPr marL="0" indent="0">
+              <a:buNone/>
+            </a:pPr>
+            <a:r>
+              <a:rPr lang="en-US" altLang="zh-CN" sz="1400" dirty="0"/>
+              <a:t>   var password = Configuration["</a:t>
+            </a:r>
+            <a:r>
+              <a:rPr lang="en-US" altLang="zh-CN" sz="1400" dirty="0" err="1"/>
+              <a:t>dbpassword</a:t>
+            </a:r>
+            <a:r>
+              <a:rPr lang="en-US" altLang="zh-CN" sz="1400" dirty="0"/>
+              <a:t>"];</a:t>
+            </a:r>
             <a:endParaRPr lang="zh-CN" altLang="en-US" sz="1400" dirty="0"/>
           </a:p>
         </p:txBody>
@@ -5730,7 +5649,7 @@
     </p:spTree>
     <p:extLst>
       <p:ext uri="{BB962C8B-B14F-4D97-AF65-F5344CB8AC3E}">
-        <p14:creationId xmlns:p14="http://schemas.microsoft.com/office/powerpoint/2010/main" val="4209516520"/>
+        <p14:creationId xmlns:p14="http://schemas.microsoft.com/office/powerpoint/2010/main" val="731180852"/>
       </p:ext>
     </p:extLst>
   </p:cSld>
@@ -5779,10 +5698,13 @@
           <a:lstStyle/>
           <a:p>
             <a:r>
-              <a:rPr lang="en-US" altLang="zh-CN" dirty="0" err="1"/>
-              <a:t>Authentication&amp;Authorization</a:t>
-            </a:r>
-            <a:endParaRPr lang="zh-CN" altLang="en-US" dirty="0"/>
+              <a:rPr lang="en-US" altLang="zh-CN" dirty="0"/>
+              <a:t>Configuration-</a:t>
+            </a:r>
+            <a:r>
+              <a:rPr lang="zh-CN" altLang="en-US" dirty="0"/>
+              <a:t>自定义</a:t>
+            </a:r>
           </a:p>
         </p:txBody>
       </p:sp>
@@ -5814,56 +5736,257 @@
           </a:bodyPr>
           <a:lstStyle/>
           <a:p>
-            <a:r>
-              <a:rPr lang="zh-CN" altLang="en-US" sz="1400" dirty="0"/>
-              <a:t>基于</a:t>
+            <a:pPr marL="0" indent="0">
+              <a:buNone/>
+            </a:pPr>
+            <a:r>
+              <a:rPr lang="en-US" altLang="zh-CN" sz="1400" dirty="0" err="1"/>
+              <a:t>Asp.net</a:t>
+            </a:r>
+            <a:r>
+              <a:rPr lang="zh-CN" altLang="en-US" sz="1400" dirty="0"/>
+              <a:t> </a:t>
             </a:r>
             <a:r>
               <a:rPr lang="en-US" altLang="zh-CN" sz="1400" dirty="0"/>
-              <a:t>cookie</a:t>
-            </a:r>
-            <a:r>
-              <a:rPr lang="zh-CN" altLang="en-US" sz="1400" dirty="0"/>
-              <a:t>固定角度授权验证</a:t>
+              <a:t>core</a:t>
+            </a:r>
+            <a:r>
+              <a:rPr lang="zh-CN" altLang="en-US" sz="1400" dirty="0"/>
+              <a:t>中的配置文件是基于生成器模式（</a:t>
+            </a:r>
+            <a:r>
+              <a:rPr lang="zh-CN" altLang="en-US" sz="1400" i="1" u="sng" dirty="0"/>
+              <a:t>将复杂对象的建造过程抽象出来（抽象类别），使这个抽象过程的不同实现方法可以构造出不同表现（属性）的对象</a:t>
+            </a:r>
+            <a:r>
+              <a:rPr lang="zh-CN" altLang="en-US" sz="1400" dirty="0"/>
+              <a:t>）</a:t>
+            </a:r>
+            <a:r>
+              <a:rPr lang="en-US" altLang="zh-CN" sz="1400" dirty="0"/>
+              <a:t>,</a:t>
+            </a:r>
+            <a:r>
+              <a:rPr lang="en-US" altLang="zh-CN" sz="1400" dirty="0" err="1"/>
+              <a:t>asp.net</a:t>
+            </a:r>
+            <a:r>
+              <a:rPr lang="en-US" altLang="zh-CN" sz="1400" dirty="0"/>
+              <a:t> core</a:t>
+            </a:r>
+            <a:r>
+              <a:rPr lang="zh-CN" altLang="en-US" sz="1400" dirty="0"/>
+              <a:t>中有两个生成器，一个是主机</a:t>
+            </a:r>
+            <a:r>
+              <a:rPr lang="en-US" altLang="zh-CN" sz="1400" dirty="0"/>
+              <a:t>(host)</a:t>
+            </a:r>
+            <a:r>
+              <a:rPr lang="zh-CN" altLang="en-US" sz="1400" dirty="0"/>
+              <a:t>的，一个应用程序</a:t>
+            </a:r>
+            <a:r>
+              <a:rPr lang="en-US" altLang="zh-CN" sz="1400" dirty="0"/>
+              <a:t>(application)</a:t>
+            </a:r>
+            <a:r>
+              <a:rPr lang="zh-CN" altLang="en-US" sz="1400" dirty="0"/>
+              <a:t>的</a:t>
             </a:r>
             <a:endParaRPr lang="en-US" altLang="zh-CN" sz="1400" dirty="0"/>
           </a:p>
           <a:p>
-            <a:r>
-              <a:rPr lang="zh-CN" altLang="en-US" sz="1400" dirty="0"/>
-              <a:t>基于</a:t>
-            </a:r>
+            <a:pPr marL="0" indent="0">
+              <a:buNone/>
+            </a:pPr>
+            <a:endParaRPr lang="en-US" altLang="zh-CN" sz="1400" dirty="0"/>
+          </a:p>
+          <a:p>
+            <a:r>
+              <a:rPr lang="en-US" altLang="zh-CN" sz="1400" dirty="0" err="1"/>
+              <a:t>ConfigurationSource</a:t>
+            </a:r>
+            <a:endParaRPr lang="en-US" altLang="zh-CN" sz="1400" dirty="0"/>
+          </a:p>
+          <a:p>
+            <a:pPr marL="0" indent="0">
+              <a:buNone/>
+            </a:pPr>
             <a:r>
               <a:rPr lang="en-US" altLang="zh-CN" sz="1400" dirty="0"/>
-              <a:t>cookie</a:t>
-            </a:r>
-            <a:r>
-              <a:rPr lang="zh-CN" altLang="en-US" sz="1400" dirty="0"/>
-              <a:t>自定义策略授权验证</a:t>
+              <a:t>     </a:t>
+            </a:r>
+            <a:r>
+              <a:rPr lang="zh-CN" altLang="en-US" sz="1400" dirty="0"/>
+              <a:t>在建造过程中需要各种参数信息，</a:t>
+            </a:r>
+            <a:r>
+              <a:rPr lang="en-US" altLang="zh-CN" sz="1400" dirty="0" err="1"/>
+              <a:t>ConfigurationSource</a:t>
+            </a:r>
+            <a:r>
+              <a:rPr lang="zh-CN" altLang="en-US" sz="1400" dirty="0"/>
+              <a:t>是为获取这些参数而提供来源，比如文件源，内存源等</a:t>
             </a:r>
             <a:endParaRPr lang="en-US" altLang="zh-CN" sz="1400" dirty="0"/>
           </a:p>
           <a:p>
-            <a:r>
-              <a:rPr lang="zh-CN" altLang="en-US" sz="1400" dirty="0"/>
-              <a:t>基于</a:t>
-            </a:r>
+            <a:endParaRPr lang="en-US" altLang="zh-CN" sz="1400" dirty="0"/>
+          </a:p>
+          <a:p>
             <a:r>
               <a:rPr lang="en-US" altLang="zh-CN" sz="1400" dirty="0" err="1"/>
-              <a:t>jwt</a:t>
-            </a:r>
-            <a:r>
-              <a:rPr lang="zh-CN" altLang="en-US" sz="1400" dirty="0"/>
-              <a:t>自定义策略授权验证</a:t>
+              <a:t>ConfigurationProvider</a:t>
             </a:r>
             <a:endParaRPr lang="en-US" altLang="zh-CN" sz="1400" dirty="0"/>
+          </a:p>
+          <a:p>
+            <a:pPr marL="0" indent="0">
+              <a:buNone/>
+            </a:pPr>
+            <a:r>
+              <a:rPr lang="en-US" altLang="zh-CN" sz="1400" dirty="0"/>
+              <a:t>     </a:t>
+            </a:r>
+            <a:r>
+              <a:rPr lang="zh-CN" altLang="en-US" sz="1400" dirty="0"/>
+              <a:t>建造所需参数的提供者，依据</a:t>
+            </a:r>
+            <a:r>
+              <a:rPr lang="en-US" altLang="zh-CN" sz="1400" dirty="0" err="1"/>
+              <a:t>ConfigurationSource</a:t>
+            </a:r>
+            <a:r>
+              <a:rPr lang="zh-CN" altLang="en-US" sz="1400" dirty="0"/>
+              <a:t>来完成提供</a:t>
+            </a:r>
+            <a:endParaRPr lang="en-US" altLang="zh-CN" sz="1400" dirty="0"/>
+          </a:p>
+          <a:p>
+            <a:endParaRPr lang="en-US" altLang="zh-CN" sz="1400" dirty="0"/>
+          </a:p>
+          <a:p>
+            <a:r>
+              <a:rPr lang="zh-CN" altLang="en-US" sz="1400" dirty="0"/>
+              <a:t>需要把</a:t>
+            </a:r>
+            <a:r>
+              <a:rPr lang="en-US" altLang="zh-CN" sz="1400" dirty="0" err="1"/>
+              <a:t>ConfigurationSource</a:t>
+            </a:r>
+            <a:r>
+              <a:rPr lang="zh-CN" altLang="en-US" sz="1400" dirty="0"/>
+              <a:t>或</a:t>
+            </a:r>
+            <a:r>
+              <a:rPr lang="en-US" altLang="zh-CN" sz="1400" dirty="0"/>
+              <a:t>Action&lt;</a:t>
+            </a:r>
+            <a:r>
+              <a:rPr lang="en-US" altLang="zh-CN" sz="1400" dirty="0" err="1"/>
+              <a:t>ConfigurationSource</a:t>
+            </a:r>
+            <a:r>
+              <a:rPr lang="en-US" altLang="zh-CN" sz="1400" dirty="0"/>
+              <a:t>&gt;</a:t>
+            </a:r>
+            <a:r>
+              <a:rPr lang="zh-CN" altLang="en-US" sz="1400" dirty="0"/>
+              <a:t>添加到</a:t>
+            </a:r>
+            <a:r>
+              <a:rPr lang="zh-CN" altLang="en-US" sz="1400" b="1" dirty="0"/>
+              <a:t>应用配置</a:t>
+            </a:r>
+            <a:r>
+              <a:rPr lang="zh-CN" altLang="en-US" sz="1400" dirty="0"/>
+              <a:t>构建对象中，在</a:t>
+            </a:r>
+            <a:r>
+              <a:rPr lang="zh-CN" altLang="en-US" sz="1400" b="1" dirty="0"/>
+              <a:t>主机构建时</a:t>
+            </a:r>
+            <a:r>
+              <a:rPr lang="zh-CN" altLang="en-US" sz="1400" dirty="0"/>
+              <a:t>会调用</a:t>
+            </a:r>
+            <a:r>
+              <a:rPr lang="en-US" altLang="zh-CN" sz="1400" dirty="0"/>
+              <a:t>Configuration</a:t>
+            </a:r>
+            <a:r>
+              <a:rPr lang="zh-CN" altLang="en-US" sz="1400" dirty="0"/>
+              <a:t>的</a:t>
+            </a:r>
+            <a:r>
+              <a:rPr lang="en-US" altLang="zh-CN" sz="1400" dirty="0"/>
+              <a:t>Build</a:t>
+            </a:r>
+            <a:r>
+              <a:rPr lang="zh-CN" altLang="en-US" sz="1400" dirty="0"/>
+              <a:t>，然后调用</a:t>
+            </a:r>
+            <a:r>
+              <a:rPr lang="en-US" altLang="zh-CN" sz="1400" dirty="0" err="1"/>
+              <a:t>ConfigurationSource</a:t>
+            </a:r>
+            <a:r>
+              <a:rPr lang="zh-CN" altLang="en-US" sz="1400" dirty="0"/>
+              <a:t>的</a:t>
+            </a:r>
+            <a:r>
+              <a:rPr lang="en-US" altLang="zh-CN" sz="1400" dirty="0"/>
+              <a:t>Build</a:t>
+            </a:r>
+            <a:r>
+              <a:rPr lang="zh-CN" altLang="en-US" sz="1400" dirty="0"/>
+              <a:t>，然后调用</a:t>
+            </a:r>
+            <a:r>
+              <a:rPr lang="en-US" altLang="zh-CN" sz="1400" dirty="0" err="1"/>
+              <a:t>ConfigurationProvider</a:t>
+            </a:r>
+            <a:r>
+              <a:rPr lang="zh-CN" altLang="en-US" sz="1400" dirty="0"/>
+              <a:t>的</a:t>
+            </a:r>
+            <a:r>
+              <a:rPr lang="en-US" altLang="zh-CN" sz="1400" dirty="0"/>
+              <a:t>Load</a:t>
+            </a:r>
+            <a:r>
+              <a:rPr lang="zh-CN" altLang="en-US" sz="1400" dirty="0"/>
+              <a:t>，来填充</a:t>
+            </a:r>
+            <a:r>
+              <a:rPr lang="en-US" altLang="zh-CN" sz="1400" dirty="0" err="1"/>
+              <a:t>ConfigurationProvider</a:t>
+            </a:r>
+            <a:r>
+              <a:rPr lang="zh-CN" altLang="en-US" sz="1400" dirty="0"/>
+              <a:t>中的</a:t>
+            </a:r>
+            <a:r>
+              <a:rPr lang="en-US" altLang="zh-CN" sz="1400" dirty="0"/>
+              <a:t>Data</a:t>
+            </a:r>
+            <a:r>
+              <a:rPr lang="zh-CN" altLang="en-US" sz="1400" dirty="0"/>
+              <a:t>字典。</a:t>
+            </a:r>
+            <a:endParaRPr lang="en-US" altLang="zh-CN" sz="1400" dirty="0"/>
+          </a:p>
+          <a:p>
+            <a:endParaRPr lang="zh-CN" altLang="en-US" sz="1400" dirty="0"/>
           </a:p>
         </p:txBody>
       </p:sp>
     </p:spTree>
     <p:extLst>
       <p:ext uri="{BB962C8B-B14F-4D97-AF65-F5344CB8AC3E}">
-        <p14:creationId xmlns:p14="http://schemas.microsoft.com/office/powerpoint/2010/main" val="3489913332"/>
+        <p14:creationId xmlns:p14="http://schemas.microsoft.com/office/powerpoint/2010/main" val="4209516520"/>
       </p:ext>
     </p:extLst>
   </p:cSld>
@@ -5913,7 +6036,7 @@
           <a:p>
             <a:r>
               <a:rPr lang="en-US" altLang="zh-CN" dirty="0" err="1"/>
-              <a:t>HttpClient</a:t>
+              <a:t>Authentication&amp;Authorization</a:t>
             </a:r>
             <a:endParaRPr lang="zh-CN" altLang="en-US" dirty="0"/>
           </a:p>
@@ -5949,40 +6072,45 @@
           <a:p>
             <a:r>
               <a:rPr lang="zh-CN" altLang="en-US" sz="1400" dirty="0"/>
-              <a:t>基本用法</a:t>
+              <a:t>基于</a:t>
+            </a:r>
+            <a:r>
+              <a:rPr lang="en-US" altLang="zh-CN" sz="1400" dirty="0"/>
+              <a:t>cookie</a:t>
+            </a:r>
+            <a:r>
+              <a:rPr lang="zh-CN" altLang="en-US" sz="1400" dirty="0"/>
+              <a:t>固定角度授权验证</a:t>
             </a:r>
             <a:endParaRPr lang="en-US" altLang="zh-CN" sz="1400" dirty="0"/>
           </a:p>
           <a:p>
             <a:r>
               <a:rPr lang="zh-CN" altLang="en-US" sz="1400" dirty="0"/>
-              <a:t>命名</a:t>
+              <a:t>基于</a:t>
+            </a:r>
+            <a:r>
+              <a:rPr lang="en-US" altLang="zh-CN" sz="1400" dirty="0"/>
+              <a:t>cookie</a:t>
+            </a:r>
+            <a:r>
+              <a:rPr lang="zh-CN" altLang="en-US" sz="1400" dirty="0"/>
+              <a:t>自定义策略授权验证</a:t>
+            </a:r>
+            <a:endParaRPr lang="en-US" altLang="zh-CN" sz="1400" dirty="0"/>
+          </a:p>
+          <a:p>
+            <a:r>
+              <a:rPr lang="zh-CN" altLang="en-US" sz="1400" dirty="0"/>
+              <a:t>基于</a:t>
             </a:r>
             <a:r>
               <a:rPr lang="en-US" altLang="zh-CN" sz="1400" dirty="0" err="1"/>
-              <a:t>HttpClient</a:t>
-            </a:r>
-            <a:endParaRPr lang="en-US" altLang="zh-CN" sz="1400" dirty="0"/>
-          </a:p>
-          <a:p>
-            <a:r>
-              <a:rPr lang="zh-CN" altLang="en-US" sz="1400" dirty="0"/>
-              <a:t>类型化</a:t>
-            </a:r>
-            <a:r>
-              <a:rPr lang="en-US" altLang="zh-CN" sz="1400" dirty="0" err="1"/>
-              <a:t>HttpClient</a:t>
-            </a:r>
-            <a:endParaRPr lang="en-US" altLang="zh-CN" sz="1400" dirty="0"/>
-          </a:p>
-          <a:p>
-            <a:r>
-              <a:rPr lang="zh-CN" altLang="en-US" sz="1400" dirty="0"/>
-              <a:t>容错</a:t>
-            </a:r>
-            <a:r>
-              <a:rPr lang="en-US" altLang="zh-CN" sz="1400" dirty="0" err="1"/>
-              <a:t>HttpClient</a:t>
+              <a:t>jwt</a:t>
+            </a:r>
+            <a:r>
+              <a:rPr lang="zh-CN" altLang="en-US" sz="1400" dirty="0"/>
+              <a:t>自定义策略授权验证</a:t>
             </a:r>
             <a:endParaRPr lang="en-US" altLang="zh-CN" sz="1400" dirty="0"/>
           </a:p>
@@ -5991,7 +6119,7 @@
     </p:spTree>
     <p:extLst>
       <p:ext uri="{BB962C8B-B14F-4D97-AF65-F5344CB8AC3E}">
-        <p14:creationId xmlns:p14="http://schemas.microsoft.com/office/powerpoint/2010/main" val="814465082"/>
+        <p14:creationId xmlns:p14="http://schemas.microsoft.com/office/powerpoint/2010/main" val="3489913332"/>
       </p:ext>
     </p:extLst>
   </p:cSld>

--- a/aspnetcore3.0course/docs/aspnetcore3.0course.pptx
+++ b/aspnetcore3.0course/docs/aspnetcore3.0course.pptx
@@ -10,13 +10,14 @@
     <p:sldId id="262" r:id="rId4"/>
     <p:sldId id="258" r:id="rId5"/>
     <p:sldId id="267" r:id="rId6"/>
-    <p:sldId id="260" r:id="rId7"/>
-    <p:sldId id="259" r:id="rId8"/>
-    <p:sldId id="261" r:id="rId9"/>
-    <p:sldId id="263" r:id="rId10"/>
-    <p:sldId id="265" r:id="rId11"/>
-    <p:sldId id="266" r:id="rId12"/>
-    <p:sldId id="264" r:id="rId13"/>
+    <p:sldId id="268" r:id="rId7"/>
+    <p:sldId id="260" r:id="rId8"/>
+    <p:sldId id="259" r:id="rId9"/>
+    <p:sldId id="261" r:id="rId10"/>
+    <p:sldId id="263" r:id="rId11"/>
+    <p:sldId id="265" r:id="rId12"/>
+    <p:sldId id="266" r:id="rId13"/>
+    <p:sldId id="264" r:id="rId14"/>
   </p:sldIdLst>
   <p:sldSz cx="12192000" cy="6858000"/>
   <p:notesSz cx="6858000" cy="9144000"/>
@@ -270,7 +271,7 @@
           <a:p>
             <a:fld id="{0CB35010-EDBB-44E1-81B6-E54FF20221CB}" type="datetimeFigureOut">
               <a:rPr lang="zh-CN" altLang="en-US" smtClean="0"/>
-              <a:t>2019/5/4</a:t>
+              <a:t>2019/5/9</a:t>
             </a:fld>
             <a:endParaRPr lang="zh-CN" altLang="en-US"/>
           </a:p>
@@ -468,7 +469,7 @@
           <a:p>
             <a:fld id="{0CB35010-EDBB-44E1-81B6-E54FF20221CB}" type="datetimeFigureOut">
               <a:rPr lang="zh-CN" altLang="en-US" smtClean="0"/>
-              <a:t>2019/5/4</a:t>
+              <a:t>2019/5/9</a:t>
             </a:fld>
             <a:endParaRPr lang="zh-CN" altLang="en-US"/>
           </a:p>
@@ -676,7 +677,7 @@
           <a:p>
             <a:fld id="{0CB35010-EDBB-44E1-81B6-E54FF20221CB}" type="datetimeFigureOut">
               <a:rPr lang="zh-CN" altLang="en-US" smtClean="0"/>
-              <a:t>2019/5/4</a:t>
+              <a:t>2019/5/9</a:t>
             </a:fld>
             <a:endParaRPr lang="zh-CN" altLang="en-US"/>
           </a:p>
@@ -874,7 +875,7 @@
           <a:p>
             <a:fld id="{0CB35010-EDBB-44E1-81B6-E54FF20221CB}" type="datetimeFigureOut">
               <a:rPr lang="zh-CN" altLang="en-US" smtClean="0"/>
-              <a:t>2019/5/4</a:t>
+              <a:t>2019/5/9</a:t>
             </a:fld>
             <a:endParaRPr lang="zh-CN" altLang="en-US"/>
           </a:p>
@@ -1149,7 +1150,7 @@
           <a:p>
             <a:fld id="{0CB35010-EDBB-44E1-81B6-E54FF20221CB}" type="datetimeFigureOut">
               <a:rPr lang="zh-CN" altLang="en-US" smtClean="0"/>
-              <a:t>2019/5/4</a:t>
+              <a:t>2019/5/9</a:t>
             </a:fld>
             <a:endParaRPr lang="zh-CN" altLang="en-US"/>
           </a:p>
@@ -1414,7 +1415,7 @@
           <a:p>
             <a:fld id="{0CB35010-EDBB-44E1-81B6-E54FF20221CB}" type="datetimeFigureOut">
               <a:rPr lang="zh-CN" altLang="en-US" smtClean="0"/>
-              <a:t>2019/5/4</a:t>
+              <a:t>2019/5/9</a:t>
             </a:fld>
             <a:endParaRPr lang="zh-CN" altLang="en-US"/>
           </a:p>
@@ -1826,7 +1827,7 @@
           <a:p>
             <a:fld id="{0CB35010-EDBB-44E1-81B6-E54FF20221CB}" type="datetimeFigureOut">
               <a:rPr lang="zh-CN" altLang="en-US" smtClean="0"/>
-              <a:t>2019/5/4</a:t>
+              <a:t>2019/5/9</a:t>
             </a:fld>
             <a:endParaRPr lang="zh-CN" altLang="en-US"/>
           </a:p>
@@ -1967,7 +1968,7 @@
           <a:p>
             <a:fld id="{0CB35010-EDBB-44E1-81B6-E54FF20221CB}" type="datetimeFigureOut">
               <a:rPr lang="zh-CN" altLang="en-US" smtClean="0"/>
-              <a:t>2019/5/4</a:t>
+              <a:t>2019/5/9</a:t>
             </a:fld>
             <a:endParaRPr lang="zh-CN" altLang="en-US"/>
           </a:p>
@@ -2080,7 +2081,7 @@
           <a:p>
             <a:fld id="{0CB35010-EDBB-44E1-81B6-E54FF20221CB}" type="datetimeFigureOut">
               <a:rPr lang="zh-CN" altLang="en-US" smtClean="0"/>
-              <a:t>2019/5/4</a:t>
+              <a:t>2019/5/9</a:t>
             </a:fld>
             <a:endParaRPr lang="zh-CN" altLang="en-US"/>
           </a:p>
@@ -2391,7 +2392,7 @@
           <a:p>
             <a:fld id="{0CB35010-EDBB-44E1-81B6-E54FF20221CB}" type="datetimeFigureOut">
               <a:rPr lang="zh-CN" altLang="en-US" smtClean="0"/>
-              <a:t>2019/5/4</a:t>
+              <a:t>2019/5/9</a:t>
             </a:fld>
             <a:endParaRPr lang="zh-CN" altLang="en-US"/>
           </a:p>
@@ -2679,7 +2680,7 @@
           <a:p>
             <a:fld id="{0CB35010-EDBB-44E1-81B6-E54FF20221CB}" type="datetimeFigureOut">
               <a:rPr lang="zh-CN" altLang="en-US" smtClean="0"/>
-              <a:t>2019/5/4</a:t>
+              <a:t>2019/5/9</a:t>
             </a:fld>
             <a:endParaRPr lang="zh-CN" altLang="en-US"/>
           </a:p>
@@ -2920,7 +2921,7 @@
           <a:p>
             <a:fld id="{0CB35010-EDBB-44E1-81B6-E54FF20221CB}" type="datetimeFigureOut">
               <a:rPr lang="zh-CN" altLang="en-US" smtClean="0"/>
-              <a:t>2019/5/4</a:t>
+              <a:t>2019/5/9</a:t>
             </a:fld>
             <a:endParaRPr lang="zh-CN" altLang="en-US"/>
           </a:p>
@@ -3463,7 +3464,7 @@
           <a:p>
             <a:r>
               <a:rPr lang="en-US" altLang="zh-CN" dirty="0" err="1"/>
-              <a:t>HttpClient</a:t>
+              <a:t>Authentication&amp;Authorization</a:t>
             </a:r>
             <a:endParaRPr lang="zh-CN" altLang="en-US" dirty="0"/>
           </a:p>
@@ -3499,40 +3500,45 @@
           <a:p>
             <a:r>
               <a:rPr lang="zh-CN" altLang="en-US" sz="1400" dirty="0"/>
-              <a:t>基本用法</a:t>
+              <a:t>基于</a:t>
+            </a:r>
+            <a:r>
+              <a:rPr lang="en-US" altLang="zh-CN" sz="1400" dirty="0"/>
+              <a:t>cookie</a:t>
+            </a:r>
+            <a:r>
+              <a:rPr lang="zh-CN" altLang="en-US" sz="1400" dirty="0"/>
+              <a:t>固定角度授权验证</a:t>
             </a:r>
             <a:endParaRPr lang="en-US" altLang="zh-CN" sz="1400" dirty="0"/>
           </a:p>
           <a:p>
             <a:r>
               <a:rPr lang="zh-CN" altLang="en-US" sz="1400" dirty="0"/>
-              <a:t>命名</a:t>
+              <a:t>基于</a:t>
+            </a:r>
+            <a:r>
+              <a:rPr lang="en-US" altLang="zh-CN" sz="1400" dirty="0"/>
+              <a:t>cookie</a:t>
+            </a:r>
+            <a:r>
+              <a:rPr lang="zh-CN" altLang="en-US" sz="1400" dirty="0"/>
+              <a:t>自定义策略授权验证</a:t>
+            </a:r>
+            <a:endParaRPr lang="en-US" altLang="zh-CN" sz="1400" dirty="0"/>
+          </a:p>
+          <a:p>
+            <a:r>
+              <a:rPr lang="zh-CN" altLang="en-US" sz="1400" dirty="0"/>
+              <a:t>基于</a:t>
             </a:r>
             <a:r>
               <a:rPr lang="en-US" altLang="zh-CN" sz="1400" dirty="0" err="1"/>
-              <a:t>HttpClient</a:t>
-            </a:r>
-            <a:endParaRPr lang="en-US" altLang="zh-CN" sz="1400" dirty="0"/>
-          </a:p>
-          <a:p>
-            <a:r>
-              <a:rPr lang="zh-CN" altLang="en-US" sz="1400" dirty="0"/>
-              <a:t>类型化</a:t>
-            </a:r>
-            <a:r>
-              <a:rPr lang="en-US" altLang="zh-CN" sz="1400" dirty="0" err="1"/>
-              <a:t>HttpClient</a:t>
-            </a:r>
-            <a:endParaRPr lang="en-US" altLang="zh-CN" sz="1400" dirty="0"/>
-          </a:p>
-          <a:p>
-            <a:r>
-              <a:rPr lang="zh-CN" altLang="en-US" sz="1400" dirty="0"/>
-              <a:t>容错</a:t>
-            </a:r>
-            <a:r>
-              <a:rPr lang="en-US" altLang="zh-CN" sz="1400" dirty="0" err="1"/>
-              <a:t>HttpClient</a:t>
+              <a:t>jwt</a:t>
+            </a:r>
+            <a:r>
+              <a:rPr lang="zh-CN" altLang="en-US" sz="1400" dirty="0"/>
+              <a:t>自定义策略授权验证</a:t>
             </a:r>
             <a:endParaRPr lang="en-US" altLang="zh-CN" sz="1400" dirty="0"/>
           </a:p>
@@ -3541,7 +3547,7 @@
     </p:spTree>
     <p:extLst>
       <p:ext uri="{BB962C8B-B14F-4D97-AF65-F5344CB8AC3E}">
-        <p14:creationId xmlns:p14="http://schemas.microsoft.com/office/powerpoint/2010/main" val="814465082"/>
+        <p14:creationId xmlns:p14="http://schemas.microsoft.com/office/powerpoint/2010/main" val="3489913332"/>
       </p:ext>
     </p:extLst>
   </p:cSld>
@@ -3591,6 +3597,134 @@
           <a:p>
             <a:r>
               <a:rPr lang="en-US" altLang="zh-CN" dirty="0" err="1"/>
+              <a:t>HttpClient</a:t>
+            </a:r>
+            <a:endParaRPr lang="zh-CN" altLang="en-US" dirty="0"/>
+          </a:p>
+        </p:txBody>
+      </p:sp>
+      <p:sp>
+        <p:nvSpPr>
+          <p:cNvPr id="15" name="内容占位符 2">
+            <a:extLst>
+              <a:ext uri="{FF2B5EF4-FFF2-40B4-BE49-F238E27FC236}">
+                <a16:creationId xmlns:a16="http://schemas.microsoft.com/office/drawing/2014/main" id="{00DFF36C-FF32-4635-B471-3925665516F8}"/>
+              </a:ext>
+            </a:extLst>
+          </p:cNvPr>
+          <p:cNvSpPr>
+            <a:spLocks noGrp="1"/>
+          </p:cNvSpPr>
+          <p:nvPr>
+            <p:ph idx="1"/>
+          </p:nvPr>
+        </p:nvSpPr>
+        <p:spPr>
+          <a:xfrm>
+            <a:off x="838200" y="1690687"/>
+            <a:ext cx="10515600" cy="4887665"/>
+          </a:xfrm>
+        </p:spPr>
+        <p:txBody>
+          <a:bodyPr>
+            <a:normAutofit/>
+          </a:bodyPr>
+          <a:lstStyle/>
+          <a:p>
+            <a:r>
+              <a:rPr lang="zh-CN" altLang="en-US" sz="1400" dirty="0"/>
+              <a:t>基本用法</a:t>
+            </a:r>
+            <a:endParaRPr lang="en-US" altLang="zh-CN" sz="1400" dirty="0"/>
+          </a:p>
+          <a:p>
+            <a:r>
+              <a:rPr lang="zh-CN" altLang="en-US" sz="1400" dirty="0"/>
+              <a:t>命名</a:t>
+            </a:r>
+            <a:r>
+              <a:rPr lang="en-US" altLang="zh-CN" sz="1400" dirty="0" err="1"/>
+              <a:t>HttpClient</a:t>
+            </a:r>
+            <a:endParaRPr lang="en-US" altLang="zh-CN" sz="1400" dirty="0"/>
+          </a:p>
+          <a:p>
+            <a:r>
+              <a:rPr lang="zh-CN" altLang="en-US" sz="1400" dirty="0"/>
+              <a:t>类型化</a:t>
+            </a:r>
+            <a:r>
+              <a:rPr lang="en-US" altLang="zh-CN" sz="1400" dirty="0" err="1"/>
+              <a:t>HttpClient</a:t>
+            </a:r>
+            <a:endParaRPr lang="en-US" altLang="zh-CN" sz="1400" dirty="0"/>
+          </a:p>
+          <a:p>
+            <a:r>
+              <a:rPr lang="zh-CN" altLang="en-US" sz="1400" dirty="0"/>
+              <a:t>容错</a:t>
+            </a:r>
+            <a:r>
+              <a:rPr lang="en-US" altLang="zh-CN" sz="1400" dirty="0" err="1"/>
+              <a:t>HttpClient</a:t>
+            </a:r>
+            <a:endParaRPr lang="en-US" altLang="zh-CN" sz="1400" dirty="0"/>
+          </a:p>
+        </p:txBody>
+      </p:sp>
+    </p:spTree>
+    <p:extLst>
+      <p:ext uri="{BB962C8B-B14F-4D97-AF65-F5344CB8AC3E}">
+        <p14:creationId xmlns:p14="http://schemas.microsoft.com/office/powerpoint/2010/main" val="814465082"/>
+      </p:ext>
+    </p:extLst>
+  </p:cSld>
+  <p:clrMapOvr>
+    <a:masterClrMapping/>
+  </p:clrMapOvr>
+</p:sld>
+</file>
+
+<file path=ppt/slides/slide12.xml><?xml version="1.0" encoding="utf-8"?>
+<p:sld xmlns:a="http://schemas.openxmlformats.org/drawingml/2006/main" xmlns:r="http://schemas.openxmlformats.org/officeDocument/2006/relationships" xmlns:p="http://schemas.openxmlformats.org/presentationml/2006/main">
+  <p:cSld>
+    <p:spTree>
+      <p:nvGrpSpPr>
+        <p:cNvPr id="1" name=""/>
+        <p:cNvGrpSpPr/>
+        <p:nvPr/>
+      </p:nvGrpSpPr>
+      <p:grpSpPr>
+        <a:xfrm>
+          <a:off x="0" y="0"/>
+          <a:ext cx="0" cy="0"/>
+          <a:chOff x="0" y="0"/>
+          <a:chExt cx="0" cy="0"/>
+        </a:xfrm>
+      </p:grpSpPr>
+      <p:sp>
+        <p:nvSpPr>
+          <p:cNvPr id="2" name="标题 1">
+            <a:extLst>
+              <a:ext uri="{FF2B5EF4-FFF2-40B4-BE49-F238E27FC236}">
+                <a16:creationId xmlns:a16="http://schemas.microsoft.com/office/drawing/2014/main" id="{D93F5457-E33E-4DFB-A0C6-F3B921696286}"/>
+              </a:ext>
+            </a:extLst>
+          </p:cNvPr>
+          <p:cNvSpPr>
+            <a:spLocks noGrp="1"/>
+          </p:cNvSpPr>
+          <p:nvPr>
+            <p:ph type="title"/>
+          </p:nvPr>
+        </p:nvSpPr>
+        <p:spPr/>
+        <p:txBody>
+          <a:bodyPr/>
+          <a:lstStyle/>
+          <a:p>
+            <a:r>
+              <a:rPr lang="en-US" altLang="zh-CN" dirty="0" err="1"/>
               <a:t>GlobalizationLocalization</a:t>
             </a:r>
             <a:endParaRPr lang="zh-CN" altLang="en-US" dirty="0"/>
@@ -3679,7 +3813,7 @@
 </p:sld>
 </file>
 
-<file path=ppt/slides/slide12.xml><?xml version="1.0" encoding="utf-8"?>
+<file path=ppt/slides/slide13.xml><?xml version="1.0" encoding="utf-8"?>
 <p:sld xmlns:a="http://schemas.openxmlformats.org/drawingml/2006/main" xmlns:r="http://schemas.openxmlformats.org/officeDocument/2006/relationships" xmlns:p="http://schemas.openxmlformats.org/presentationml/2006/main">
   <p:cSld>
     <p:spTree>
@@ -3865,8 +3999,8 @@
           </a:p>
           <a:p>
             <a:r>
-              <a:rPr lang="zh-CN" altLang="en-US" sz="1400" dirty="0"/>
-              <a:t>路由</a:t>
+              <a:rPr lang="en-US" altLang="zh-CN" sz="1400" dirty="0" err="1"/>
+              <a:t>MVC</a:t>
             </a:r>
             <a:endParaRPr lang="en-US" altLang="zh-CN" sz="1400" dirty="0"/>
           </a:p>
@@ -3875,9 +4009,6 @@
               <a:rPr lang="zh-CN" altLang="en-US" sz="1400" dirty="0"/>
               <a:t>过滤器</a:t>
             </a:r>
-            <a:endParaRPr lang="en-US" altLang="zh-CN" sz="1400" dirty="0"/>
-          </a:p>
-          <a:p>
             <a:endParaRPr lang="en-US" altLang="zh-CN" sz="1400" dirty="0"/>
           </a:p>
           <a:p>
@@ -3946,26 +4077,32 @@
           <a:p>
             <a:r>
               <a:rPr lang="zh-CN" altLang="en-US" sz="1400" dirty="0"/>
+              <a:t>后台任务（</a:t>
+            </a:r>
+            <a:r>
+              <a:rPr lang="en-US" altLang="zh-CN" sz="1400" dirty="0" err="1"/>
+              <a:t>Quartz.net</a:t>
+            </a:r>
+            <a:r>
+              <a:rPr lang="zh-CN" altLang="en-US" sz="1400" dirty="0"/>
+              <a:t>）</a:t>
+            </a:r>
+            <a:endParaRPr lang="en-US" altLang="zh-CN" sz="1400" dirty="0"/>
+          </a:p>
+          <a:p>
+            <a:r>
+              <a:rPr lang="en-US" altLang="zh-CN" sz="1400" dirty="0"/>
+              <a:t>-----------------------</a:t>
+            </a:r>
+          </a:p>
+          <a:p>
+            <a:r>
+              <a:rPr lang="zh-CN" altLang="en-US" sz="1400" dirty="0"/>
               <a:t>单元测试（</a:t>
             </a:r>
             <a:r>
               <a:rPr lang="en-US" altLang="zh-CN" sz="1400" dirty="0" err="1"/>
               <a:t>XUnit</a:t>
-            </a:r>
-            <a:r>
-              <a:rPr lang="zh-CN" altLang="en-US" sz="1400" dirty="0"/>
-              <a:t>）</a:t>
-            </a:r>
-            <a:endParaRPr lang="en-US" altLang="zh-CN" sz="1400" dirty="0"/>
-          </a:p>
-          <a:p>
-            <a:r>
-              <a:rPr lang="zh-CN" altLang="en-US" sz="1400" dirty="0"/>
-              <a:t>后台任务（</a:t>
-            </a:r>
-            <a:r>
-              <a:rPr lang="en-US" altLang="zh-CN" sz="1400" dirty="0" err="1"/>
-              <a:t>Quartz.net</a:t>
             </a:r>
             <a:r>
               <a:rPr lang="zh-CN" altLang="en-US" sz="1400" dirty="0"/>
@@ -5192,62 +5329,95 @@
           <a:p>
             <a:r>
               <a:rPr lang="en-US" altLang="zh-CN" dirty="0"/>
-              <a:t>Configuration</a:t>
+              <a:t>filters</a:t>
             </a:r>
             <a:endParaRPr lang="zh-CN" altLang="en-US" dirty="0"/>
           </a:p>
         </p:txBody>
       </p:sp>
-      <p:sp>
-        <p:nvSpPr>
-          <p:cNvPr id="15" name="内容占位符 2">
-            <a:extLst>
-              <a:ext uri="{FF2B5EF4-FFF2-40B4-BE49-F238E27FC236}">
-                <a16:creationId xmlns:a16="http://schemas.microsoft.com/office/drawing/2014/main" id="{00DFF36C-FF32-4635-B471-3925665516F8}"/>
-              </a:ext>
-            </a:extLst>
-          </p:cNvPr>
-          <p:cNvSpPr>
-            <a:spLocks noGrp="1"/>
-          </p:cNvSpPr>
+      <p:pic>
+        <p:nvPicPr>
+          <p:cNvPr id="7" name="内容占位符 6" descr="图片包含 文字, 标牌&#10;&#10;描述已自动生成">
+            <a:extLst>
+              <a:ext uri="{FF2B5EF4-FFF2-40B4-BE49-F238E27FC236}">
+                <a16:creationId xmlns:a16="http://schemas.microsoft.com/office/drawing/2014/main" id="{2DAFA85C-74CD-45D1-B7D2-5068BA268FE3}"/>
+              </a:ext>
+            </a:extLst>
+          </p:cNvPr>
+          <p:cNvPicPr>
+            <a:picLocks noGrp="1" noChangeAspect="1"/>
+          </p:cNvPicPr>
           <p:nvPr>
             <p:ph idx="1"/>
           </p:nvPr>
-        </p:nvSpPr>
+        </p:nvPicPr>
+        <p:blipFill>
+          <a:blip r:embed="rId2">
+            <a:extLst>
+              <a:ext uri="{28A0092B-C50C-407E-A947-70E740481C1C}">
+                <a14:useLocalDpi xmlns:a14="http://schemas.microsoft.com/office/drawing/2010/main" val="0"/>
+              </a:ext>
+            </a:extLst>
+          </a:blip>
+          <a:stretch>
+            <a:fillRect/>
+          </a:stretch>
+        </p:blipFill>
         <p:spPr>
           <a:xfrm>
-            <a:off x="838200" y="1690687"/>
-            <a:ext cx="10515600" cy="4887665"/>
+            <a:off x="964771" y="1815057"/>
+            <a:ext cx="1728096" cy="4355269"/>
           </a:xfrm>
         </p:spPr>
-        <p:txBody>
-          <a:bodyPr>
-            <a:normAutofit/>
+      </p:pic>
+      <p:sp>
+        <p:nvSpPr>
+          <p:cNvPr id="8" name="文本框 7">
+            <a:extLst>
+              <a:ext uri="{FF2B5EF4-FFF2-40B4-BE49-F238E27FC236}">
+                <a16:creationId xmlns:a16="http://schemas.microsoft.com/office/drawing/2014/main" id="{43E07749-7485-4989-81A2-FC204197F844}"/>
+              </a:ext>
+            </a:extLst>
+          </p:cNvPr>
+          <p:cNvSpPr txBox="1"/>
+          <p:nvPr/>
+        </p:nvSpPr>
+        <p:spPr>
+          <a:xfrm>
+            <a:off x="4328719" y="2508308"/>
+            <a:ext cx="1800493" cy="923330"/>
+          </a:xfrm>
+          <a:prstGeom prst="rect">
+            <a:avLst/>
+          </a:prstGeom>
+          <a:noFill/>
+        </p:spPr>
+        <p:txBody>
+          <a:bodyPr wrap="none" rtlCol="0">
+            <a:spAutoFit/>
           </a:bodyPr>
           <a:lstStyle/>
           <a:p>
             <a:r>
-              <a:rPr lang="zh-CN" altLang="en-US" sz="1400" dirty="0"/>
-              <a:t>配置文件</a:t>
-            </a:r>
-            <a:endParaRPr lang="en-US" altLang="zh-CN" sz="1400" dirty="0"/>
-          </a:p>
-          <a:p>
-            <a:r>
-              <a:rPr lang="zh-CN" altLang="en-US" sz="1400" dirty="0"/>
-              <a:t>热更新</a:t>
-            </a:r>
-            <a:r>
-              <a:rPr lang="en-US" altLang="zh-CN" sz="1400" dirty="0"/>
-              <a:t>(</a:t>
-            </a:r>
-            <a:r>
-              <a:rPr lang="zh-CN" altLang="en-US" sz="1400" dirty="0"/>
-              <a:t>内存会增加</a:t>
-            </a:r>
-            <a:r>
-              <a:rPr lang="en-US" altLang="zh-CN" sz="1400" dirty="0"/>
-              <a:t>)</a:t>
+              <a:rPr lang="en-US" altLang="zh-CN" dirty="0"/>
+              <a:t>DI</a:t>
+            </a:r>
+          </a:p>
+          <a:p>
+            <a:r>
+              <a:rPr lang="zh-CN" altLang="en-US" dirty="0"/>
+              <a:t>特性或工厂特性</a:t>
+            </a:r>
+            <a:endParaRPr lang="en-US" altLang="zh-CN" dirty="0"/>
+          </a:p>
+          <a:p>
+            <a:r>
+              <a:rPr lang="zh-CN" altLang="en-US"/>
+              <a:t>全局</a:t>
+            </a:r>
+            <a:r>
+              <a:rPr lang="zh-CN" altLang="en-US" dirty="0"/>
+              <a:t>筛选器</a:t>
             </a:r>
           </a:p>
         </p:txBody>
@@ -5255,7 +5425,7 @@
     </p:spTree>
     <p:extLst>
       <p:ext uri="{BB962C8B-B14F-4D97-AF65-F5344CB8AC3E}">
-        <p14:creationId xmlns:p14="http://schemas.microsoft.com/office/powerpoint/2010/main" val="1183203262"/>
+        <p14:creationId xmlns:p14="http://schemas.microsoft.com/office/powerpoint/2010/main" val="860166398"/>
       </p:ext>
     </p:extLst>
   </p:cSld>
@@ -5305,12 +5475,9 @@
           <a:p>
             <a:r>
               <a:rPr lang="en-US" altLang="zh-CN" dirty="0"/>
-              <a:t>Configuration-</a:t>
-            </a:r>
-            <a:r>
-              <a:rPr lang="zh-CN" altLang="en-US" dirty="0"/>
-              <a:t>机密文件</a:t>
-            </a:r>
+              <a:t>Configuration</a:t>
+            </a:r>
+            <a:endParaRPr lang="zh-CN" altLang="en-US" dirty="0"/>
           </a:p>
         </p:txBody>
       </p:sp>
@@ -5342,314 +5509,36 @@
           </a:bodyPr>
           <a:lstStyle/>
           <a:p>
-            <a:pPr marL="0" indent="0">
-              <a:buNone/>
-            </a:pPr>
+            <a:r>
+              <a:rPr lang="zh-CN" altLang="en-US" sz="1400" dirty="0"/>
+              <a:t>配置文件</a:t>
+            </a:r>
+            <a:endParaRPr lang="en-US" altLang="zh-CN" sz="1400" dirty="0"/>
+          </a:p>
+          <a:p>
+            <a:r>
+              <a:rPr lang="zh-CN" altLang="en-US" sz="1400" dirty="0"/>
+              <a:t>热更新</a:t>
+            </a:r>
             <a:r>
               <a:rPr lang="en-US" altLang="zh-CN" sz="1400" dirty="0"/>
-              <a:t>1</a:t>
-            </a:r>
-            <a:r>
-              <a:rPr lang="zh-CN" altLang="en-US" sz="1400" dirty="0"/>
-              <a:t>、</a:t>
+              <a:t>(</a:t>
+            </a:r>
+            <a:r>
+              <a:rPr lang="zh-CN" altLang="en-US" sz="1400" dirty="0"/>
+              <a:t>内存会增加</a:t>
             </a:r>
             <a:r>
               <a:rPr lang="en-US" altLang="zh-CN" sz="1400" dirty="0"/>
-              <a:t>.</a:t>
-            </a:r>
-            <a:r>
-              <a:rPr lang="en-US" altLang="zh-CN" sz="1400" dirty="0" err="1"/>
-              <a:t>csproj</a:t>
-            </a:r>
-            <a:r>
-              <a:rPr lang="zh-CN" altLang="en-US" sz="1400" dirty="0"/>
-              <a:t>文件的</a:t>
-            </a:r>
-            <a:r>
-              <a:rPr lang="en-US" altLang="zh-CN" sz="1400" dirty="0"/>
-              <a:t>&lt;</a:t>
-            </a:r>
-            <a:r>
-              <a:rPr lang="en-US" altLang="zh-CN" sz="1400" dirty="0" err="1"/>
-              <a:t>PropertyGroup</a:t>
-            </a:r>
-            <a:r>
-              <a:rPr lang="en-US" altLang="zh-CN" sz="1400" dirty="0"/>
-              <a:t>&gt;&lt;/</a:t>
-            </a:r>
-            <a:r>
-              <a:rPr lang="en-US" altLang="zh-CN" sz="1400" dirty="0" err="1"/>
-              <a:t>PropertyGroup</a:t>
-            </a:r>
-            <a:r>
-              <a:rPr lang="en-US" altLang="zh-CN" sz="1400" dirty="0"/>
-              <a:t>&gt;</a:t>
-            </a:r>
-            <a:r>
-              <a:rPr lang="zh-CN" altLang="en-US" sz="1400" dirty="0"/>
-              <a:t>节点中添加</a:t>
-            </a:r>
-          </a:p>
-          <a:p>
-            <a:pPr marL="0" indent="0">
-              <a:buNone/>
-            </a:pPr>
-            <a:r>
-              <a:rPr lang="en-US" altLang="zh-CN" sz="1400" dirty="0"/>
-              <a:t>  &lt;</a:t>
-            </a:r>
-            <a:r>
-              <a:rPr lang="en-US" altLang="zh-CN" sz="1400" dirty="0" err="1"/>
-              <a:t>UserSecretsId</a:t>
-            </a:r>
-            <a:r>
-              <a:rPr lang="en-US" altLang="zh-CN" sz="1400" dirty="0"/>
-              <a:t>&gt;</a:t>
-            </a:r>
-            <a:r>
-              <a:rPr lang="en-US" altLang="zh-CN" sz="1400" dirty="0" err="1"/>
-              <a:t>d7a40274-87df-43ba-999b-d8719940b7a7</a:t>
-            </a:r>
-            <a:r>
-              <a:rPr lang="en-US" altLang="zh-CN" sz="1400" dirty="0"/>
-              <a:t>&lt;/</a:t>
-            </a:r>
-            <a:r>
-              <a:rPr lang="en-US" altLang="zh-CN" sz="1400" dirty="0" err="1"/>
-              <a:t>UserSecretsId</a:t>
-            </a:r>
-            <a:r>
-              <a:rPr lang="en-US" altLang="zh-CN" sz="1400" dirty="0"/>
-              <a:t>&gt;</a:t>
-            </a:r>
-          </a:p>
-          <a:p>
-            <a:pPr marL="0" indent="0">
-              <a:buNone/>
-            </a:pPr>
-            <a:r>
-              <a:rPr lang="en-US" altLang="zh-CN" sz="1400" dirty="0"/>
-              <a:t>2</a:t>
-            </a:r>
-            <a:r>
-              <a:rPr lang="zh-CN" altLang="en-US" sz="1400" dirty="0"/>
-              <a:t>、操作机密文件</a:t>
-            </a:r>
-          </a:p>
-          <a:p>
-            <a:pPr marL="0" indent="0">
-              <a:buNone/>
-            </a:pPr>
-            <a:r>
-              <a:rPr lang="en-US" altLang="zh-CN" sz="1400" dirty="0"/>
-              <a:t>   a</a:t>
-            </a:r>
-            <a:r>
-              <a:rPr lang="zh-CN" altLang="en-US" sz="1400" dirty="0"/>
-              <a:t>、设置机密文件  </a:t>
-            </a:r>
-            <a:r>
-              <a:rPr lang="en-US" altLang="zh-CN" sz="1400" dirty="0"/>
-              <a:t>dotnet user-secrets set "</a:t>
-            </a:r>
-            <a:r>
-              <a:rPr lang="en-US" altLang="zh-CN" sz="1400" dirty="0" err="1"/>
-              <a:t>dbpassword</a:t>
-            </a:r>
-            <a:r>
-              <a:rPr lang="en-US" altLang="zh-CN" sz="1400" dirty="0"/>
-              <a:t>" "123456" --project ".</a:t>
-            </a:r>
-            <a:r>
-              <a:rPr lang="en-US" altLang="zh-CN" sz="1400" dirty="0" err="1"/>
-              <a:t>csproj</a:t>
-            </a:r>
-            <a:r>
-              <a:rPr lang="zh-CN" altLang="en-US" sz="1400" dirty="0"/>
-              <a:t>所在目录</a:t>
-            </a:r>
-            <a:r>
-              <a:rPr lang="en-US" altLang="zh-CN" sz="1400" dirty="0"/>
-              <a:t>"</a:t>
-            </a:r>
-          </a:p>
-          <a:p>
-            <a:pPr marL="0" indent="0">
-              <a:buNone/>
-            </a:pPr>
-            <a:r>
-              <a:rPr lang="en-US" altLang="zh-CN" sz="1400" dirty="0"/>
-              <a:t>   b</a:t>
-            </a:r>
-            <a:r>
-              <a:rPr lang="zh-CN" altLang="en-US" sz="1400" dirty="0"/>
-              <a:t>、设置多个机密文件  </a:t>
-            </a:r>
-            <a:r>
-              <a:rPr lang="en-US" altLang="zh-CN" sz="1400" dirty="0"/>
-              <a:t>type .\</a:t>
-            </a:r>
-            <a:r>
-              <a:rPr lang="en-US" altLang="zh-CN" sz="1400" dirty="0" err="1"/>
-              <a:t>input.json</a:t>
-            </a:r>
-            <a:r>
-              <a:rPr lang="en-US" altLang="zh-CN" sz="1400" dirty="0"/>
-              <a:t> | dotnet user-secrets set --project ".</a:t>
-            </a:r>
-            <a:r>
-              <a:rPr lang="en-US" altLang="zh-CN" sz="1400" dirty="0" err="1"/>
-              <a:t>csproj</a:t>
-            </a:r>
-            <a:r>
-              <a:rPr lang="zh-CN" altLang="en-US" sz="1400" dirty="0"/>
-              <a:t>所在目录</a:t>
-            </a:r>
-            <a:r>
-              <a:rPr lang="en-US" altLang="zh-CN" sz="1400" dirty="0"/>
-              <a:t>"</a:t>
-            </a:r>
-          </a:p>
-          <a:p>
-            <a:pPr marL="0" indent="0">
-              <a:buNone/>
-            </a:pPr>
-            <a:r>
-              <a:rPr lang="en-US" altLang="zh-CN" sz="1400" dirty="0"/>
-              <a:t>   c</a:t>
-            </a:r>
-            <a:r>
-              <a:rPr lang="zh-CN" altLang="en-US" sz="1400" dirty="0"/>
-              <a:t>、查看机密文件  </a:t>
-            </a:r>
-            <a:r>
-              <a:rPr lang="en-US" altLang="zh-CN" sz="1400" dirty="0"/>
-              <a:t>dotnet user-secrets list --project ".</a:t>
-            </a:r>
-            <a:r>
-              <a:rPr lang="en-US" altLang="zh-CN" sz="1400" dirty="0" err="1"/>
-              <a:t>csproj</a:t>
-            </a:r>
-            <a:r>
-              <a:rPr lang="zh-CN" altLang="en-US" sz="1400" dirty="0"/>
-              <a:t>所在目录</a:t>
-            </a:r>
-            <a:r>
-              <a:rPr lang="en-US" altLang="zh-CN" sz="1400" dirty="0"/>
-              <a:t>"</a:t>
-            </a:r>
-          </a:p>
-          <a:p>
-            <a:pPr marL="0" indent="0">
-              <a:buNone/>
-            </a:pPr>
-            <a:r>
-              <a:rPr lang="en-US" altLang="zh-CN" sz="1400" dirty="0"/>
-              <a:t>   d</a:t>
-            </a:r>
-            <a:r>
-              <a:rPr lang="zh-CN" altLang="en-US" sz="1400" dirty="0"/>
-              <a:t>、删除机密文件  </a:t>
-            </a:r>
-            <a:r>
-              <a:rPr lang="en-US" altLang="zh-CN" sz="1400" dirty="0"/>
-              <a:t>dotnet user-secrets remove "</a:t>
-            </a:r>
-            <a:r>
-              <a:rPr lang="en-US" altLang="zh-CN" sz="1400" dirty="0" err="1"/>
-              <a:t>dbpassword</a:t>
-            </a:r>
-            <a:r>
-              <a:rPr lang="en-US" altLang="zh-CN" sz="1400" dirty="0"/>
-              <a:t>"  --project ".</a:t>
-            </a:r>
-            <a:r>
-              <a:rPr lang="en-US" altLang="zh-CN" sz="1400" dirty="0" err="1"/>
-              <a:t>csproj</a:t>
-            </a:r>
-            <a:r>
-              <a:rPr lang="zh-CN" altLang="en-US" sz="1400" dirty="0"/>
-              <a:t>所在目录</a:t>
-            </a:r>
-            <a:r>
-              <a:rPr lang="en-US" altLang="zh-CN" sz="1400" dirty="0"/>
-              <a:t>"</a:t>
-            </a:r>
-          </a:p>
-          <a:p>
-            <a:pPr marL="0" indent="0">
-              <a:buNone/>
-            </a:pPr>
-            <a:r>
-              <a:rPr lang="en-US" altLang="zh-CN" sz="1400" dirty="0"/>
-              <a:t>   e</a:t>
-            </a:r>
-            <a:r>
-              <a:rPr lang="zh-CN" altLang="en-US" sz="1400" dirty="0"/>
-              <a:t>、删除所有机密文件 </a:t>
-            </a:r>
-            <a:r>
-              <a:rPr lang="en-US" altLang="zh-CN" sz="1400" dirty="0"/>
-              <a:t>dotnet user-secrets clear --project ".</a:t>
-            </a:r>
-            <a:r>
-              <a:rPr lang="en-US" altLang="zh-CN" sz="1400" dirty="0" err="1"/>
-              <a:t>csproj</a:t>
-            </a:r>
-            <a:r>
-              <a:rPr lang="zh-CN" altLang="en-US" sz="1400" dirty="0"/>
-              <a:t>所在目录</a:t>
-            </a:r>
-            <a:r>
-              <a:rPr lang="en-US" altLang="zh-CN" sz="1400" dirty="0"/>
-              <a:t>"</a:t>
-            </a:r>
-          </a:p>
-          <a:p>
-            <a:pPr marL="0" indent="0">
-              <a:buNone/>
-            </a:pPr>
-            <a:r>
-              <a:rPr lang="en-US" altLang="zh-CN" sz="1400" dirty="0"/>
-              <a:t>3</a:t>
-            </a:r>
-            <a:r>
-              <a:rPr lang="zh-CN" altLang="en-US" sz="1400" dirty="0"/>
-              <a:t>、</a:t>
-            </a:r>
-            <a:r>
-              <a:rPr lang="en-US" altLang="zh-CN" sz="1400" dirty="0" err="1"/>
-              <a:t>ConfigureServices</a:t>
-            </a:r>
-            <a:r>
-              <a:rPr lang="zh-CN" altLang="en-US" sz="1400" dirty="0"/>
-              <a:t>中读取</a:t>
-            </a:r>
-          </a:p>
-          <a:p>
-            <a:pPr marL="0" indent="0">
-              <a:buNone/>
-            </a:pPr>
-            <a:r>
-              <a:rPr lang="en-US" altLang="zh-CN" sz="1400" dirty="0"/>
-              <a:t>   var password = Configuration["</a:t>
-            </a:r>
-            <a:r>
-              <a:rPr lang="en-US" altLang="zh-CN" sz="1400" dirty="0" err="1"/>
-              <a:t>dbpassword</a:t>
-            </a:r>
-            <a:r>
-              <a:rPr lang="en-US" altLang="zh-CN" sz="1400" dirty="0"/>
-              <a:t>"];</a:t>
-            </a:r>
-            <a:endParaRPr lang="zh-CN" altLang="en-US" sz="1400" dirty="0"/>
+              <a:t>)</a:t>
+            </a:r>
           </a:p>
         </p:txBody>
       </p:sp>
     </p:spTree>
     <p:extLst>
       <p:ext uri="{BB962C8B-B14F-4D97-AF65-F5344CB8AC3E}">
-        <p14:creationId xmlns:p14="http://schemas.microsoft.com/office/powerpoint/2010/main" val="731180852"/>
+        <p14:creationId xmlns:p14="http://schemas.microsoft.com/office/powerpoint/2010/main" val="1183203262"/>
       </p:ext>
     </p:extLst>
   </p:cSld>
@@ -5703,7 +5592,7 @@
             </a:r>
             <a:r>
               <a:rPr lang="zh-CN" altLang="en-US" dirty="0"/>
-              <a:t>自定义</a:t>
+              <a:t>机密文件</a:t>
             </a:r>
           </a:p>
         </p:txBody>
@@ -5740,153 +5629,40 @@
               <a:buNone/>
             </a:pPr>
             <a:r>
+              <a:rPr lang="en-US" altLang="zh-CN" sz="1400" dirty="0"/>
+              <a:t>1</a:t>
+            </a:r>
+            <a:r>
+              <a:rPr lang="zh-CN" altLang="en-US" sz="1400" dirty="0"/>
+              <a:t>、</a:t>
+            </a:r>
+            <a:r>
+              <a:rPr lang="en-US" altLang="zh-CN" sz="1400" dirty="0"/>
+              <a:t>.</a:t>
+            </a:r>
+            <a:r>
               <a:rPr lang="en-US" altLang="zh-CN" sz="1400" dirty="0" err="1"/>
-              <a:t>Asp.net</a:t>
-            </a:r>
-            <a:r>
-              <a:rPr lang="zh-CN" altLang="en-US" sz="1400" dirty="0"/>
-              <a:t> </a:t>
+              <a:t>csproj</a:t>
+            </a:r>
+            <a:r>
+              <a:rPr lang="zh-CN" altLang="en-US" sz="1400" dirty="0"/>
+              <a:t>文件的</a:t>
             </a:r>
             <a:r>
               <a:rPr lang="en-US" altLang="zh-CN" sz="1400" dirty="0"/>
-              <a:t>core</a:t>
-            </a:r>
-            <a:r>
-              <a:rPr lang="zh-CN" altLang="en-US" sz="1400" dirty="0"/>
-              <a:t>中的配置文件是基于生成器模式（</a:t>
-            </a:r>
-            <a:r>
-              <a:rPr lang="zh-CN" altLang="en-US" sz="1400" i="1" u="sng" dirty="0"/>
-              <a:t>将复杂对象的建造过程抽象出来（抽象类别），使这个抽象过程的不同实现方法可以构造出不同表现（属性）的对象</a:t>
-            </a:r>
-            <a:r>
-              <a:rPr lang="zh-CN" altLang="en-US" sz="1400" dirty="0"/>
-              <a:t>）</a:t>
+              <a:t>&lt;</a:t>
+            </a:r>
+            <a:r>
+              <a:rPr lang="en-US" altLang="zh-CN" sz="1400" dirty="0" err="1"/>
+              <a:t>PropertyGroup</a:t>
             </a:r>
             <a:r>
               <a:rPr lang="en-US" altLang="zh-CN" sz="1400" dirty="0"/>
-              <a:t>,</a:t>
+              <a:t>&gt;&lt;/</a:t>
             </a:r>
             <a:r>
               <a:rPr lang="en-US" altLang="zh-CN" sz="1400" dirty="0" err="1"/>
-              <a:t>asp.net</a:t>
-            </a:r>
-            <a:r>
-              <a:rPr lang="en-US" altLang="zh-CN" sz="1400" dirty="0"/>
-              <a:t> core</a:t>
-            </a:r>
-            <a:r>
-              <a:rPr lang="zh-CN" altLang="en-US" sz="1400" dirty="0"/>
-              <a:t>中有两个生成器，一个是主机</a:t>
-            </a:r>
-            <a:r>
-              <a:rPr lang="en-US" altLang="zh-CN" sz="1400" dirty="0"/>
-              <a:t>(host)</a:t>
-            </a:r>
-            <a:r>
-              <a:rPr lang="zh-CN" altLang="en-US" sz="1400" dirty="0"/>
-              <a:t>的，一个应用程序</a:t>
-            </a:r>
-            <a:r>
-              <a:rPr lang="en-US" altLang="zh-CN" sz="1400" dirty="0"/>
-              <a:t>(application)</a:t>
-            </a:r>
-            <a:r>
-              <a:rPr lang="zh-CN" altLang="en-US" sz="1400" dirty="0"/>
-              <a:t>的</a:t>
-            </a:r>
-            <a:endParaRPr lang="en-US" altLang="zh-CN" sz="1400" dirty="0"/>
-          </a:p>
-          <a:p>
-            <a:pPr marL="0" indent="0">
-              <a:buNone/>
-            </a:pPr>
-            <a:endParaRPr lang="en-US" altLang="zh-CN" sz="1400" dirty="0"/>
-          </a:p>
-          <a:p>
-            <a:r>
-              <a:rPr lang="en-US" altLang="zh-CN" sz="1400" dirty="0" err="1"/>
-              <a:t>ConfigurationSource</a:t>
-            </a:r>
-            <a:endParaRPr lang="en-US" altLang="zh-CN" sz="1400" dirty="0"/>
-          </a:p>
-          <a:p>
-            <a:pPr marL="0" indent="0">
-              <a:buNone/>
-            </a:pPr>
-            <a:r>
-              <a:rPr lang="en-US" altLang="zh-CN" sz="1400" dirty="0"/>
-              <a:t>     </a:t>
-            </a:r>
-            <a:r>
-              <a:rPr lang="zh-CN" altLang="en-US" sz="1400" dirty="0"/>
-              <a:t>在建造过程中需要各种参数信息，</a:t>
-            </a:r>
-            <a:r>
-              <a:rPr lang="en-US" altLang="zh-CN" sz="1400" dirty="0" err="1"/>
-              <a:t>ConfigurationSource</a:t>
-            </a:r>
-            <a:r>
-              <a:rPr lang="zh-CN" altLang="en-US" sz="1400" dirty="0"/>
-              <a:t>是为获取这些参数而提供来源，比如文件源，内存源等</a:t>
-            </a:r>
-            <a:endParaRPr lang="en-US" altLang="zh-CN" sz="1400" dirty="0"/>
-          </a:p>
-          <a:p>
-            <a:endParaRPr lang="en-US" altLang="zh-CN" sz="1400" dirty="0"/>
-          </a:p>
-          <a:p>
-            <a:r>
-              <a:rPr lang="en-US" altLang="zh-CN" sz="1400" dirty="0" err="1"/>
-              <a:t>ConfigurationProvider</a:t>
-            </a:r>
-            <a:endParaRPr lang="en-US" altLang="zh-CN" sz="1400" dirty="0"/>
-          </a:p>
-          <a:p>
-            <a:pPr marL="0" indent="0">
-              <a:buNone/>
-            </a:pPr>
-            <a:r>
-              <a:rPr lang="en-US" altLang="zh-CN" sz="1400" dirty="0"/>
-              <a:t>     </a:t>
-            </a:r>
-            <a:r>
-              <a:rPr lang="zh-CN" altLang="en-US" sz="1400" dirty="0"/>
-              <a:t>建造所需参数的提供者，依据</a:t>
-            </a:r>
-            <a:r>
-              <a:rPr lang="en-US" altLang="zh-CN" sz="1400" dirty="0" err="1"/>
-              <a:t>ConfigurationSource</a:t>
-            </a:r>
-            <a:r>
-              <a:rPr lang="zh-CN" altLang="en-US" sz="1400" dirty="0"/>
-              <a:t>来完成提供</a:t>
-            </a:r>
-            <a:endParaRPr lang="en-US" altLang="zh-CN" sz="1400" dirty="0"/>
-          </a:p>
-          <a:p>
-            <a:endParaRPr lang="en-US" altLang="zh-CN" sz="1400" dirty="0"/>
-          </a:p>
-          <a:p>
-            <a:r>
-              <a:rPr lang="zh-CN" altLang="en-US" sz="1400" dirty="0"/>
-              <a:t>需要把</a:t>
-            </a:r>
-            <a:r>
-              <a:rPr lang="en-US" altLang="zh-CN" sz="1400" dirty="0" err="1"/>
-              <a:t>ConfigurationSource</a:t>
-            </a:r>
-            <a:r>
-              <a:rPr lang="zh-CN" altLang="en-US" sz="1400" dirty="0"/>
-              <a:t>或</a:t>
-            </a:r>
-            <a:r>
-              <a:rPr lang="en-US" altLang="zh-CN" sz="1400" dirty="0"/>
-              <a:t>Action&lt;</a:t>
-            </a:r>
-            <a:r>
-              <a:rPr lang="en-US" altLang="zh-CN" sz="1400" dirty="0" err="1"/>
-              <a:t>ConfigurationSource</a:t>
+              <a:t>PropertyGroup</a:t>
             </a:r>
             <a:r>
               <a:rPr lang="en-US" altLang="zh-CN" sz="1400" dirty="0"/>
@@ -5894,91 +5670,261 @@
             </a:r>
             <a:r>
               <a:rPr lang="zh-CN" altLang="en-US" sz="1400" dirty="0"/>
-              <a:t>添加到</a:t>
-            </a:r>
-            <a:r>
-              <a:rPr lang="zh-CN" altLang="en-US" sz="1400" b="1" dirty="0"/>
-              <a:t>应用配置</a:t>
-            </a:r>
-            <a:r>
-              <a:rPr lang="zh-CN" altLang="en-US" sz="1400" dirty="0"/>
-              <a:t>构建对象中，在</a:t>
-            </a:r>
-            <a:r>
-              <a:rPr lang="zh-CN" altLang="en-US" sz="1400" b="1" dirty="0"/>
-              <a:t>主机构建时</a:t>
-            </a:r>
-            <a:r>
-              <a:rPr lang="zh-CN" altLang="en-US" sz="1400" dirty="0"/>
-              <a:t>会调用</a:t>
-            </a:r>
+              <a:t>节点中添加</a:t>
+            </a:r>
+          </a:p>
+          <a:p>
+            <a:pPr marL="0" indent="0">
+              <a:buNone/>
+            </a:pPr>
             <a:r>
               <a:rPr lang="en-US" altLang="zh-CN" sz="1400" dirty="0"/>
-              <a:t>Configuration</a:t>
-            </a:r>
-            <a:r>
-              <a:rPr lang="zh-CN" altLang="en-US" sz="1400" dirty="0"/>
-              <a:t>的</a:t>
+              <a:t>  &lt;</a:t>
+            </a:r>
+            <a:r>
+              <a:rPr lang="en-US" altLang="zh-CN" sz="1400" dirty="0" err="1"/>
+              <a:t>UserSecretsId</a:t>
             </a:r>
             <a:r>
               <a:rPr lang="en-US" altLang="zh-CN" sz="1400" dirty="0"/>
-              <a:t>Build</a:t>
-            </a:r>
-            <a:r>
-              <a:rPr lang="zh-CN" altLang="en-US" sz="1400" dirty="0"/>
-              <a:t>，然后调用</a:t>
+              <a:t>&gt;</a:t>
             </a:r>
             <a:r>
               <a:rPr lang="en-US" altLang="zh-CN" sz="1400" dirty="0" err="1"/>
-              <a:t>ConfigurationSource</a:t>
-            </a:r>
-            <a:r>
-              <a:rPr lang="zh-CN" altLang="en-US" sz="1400" dirty="0"/>
-              <a:t>的</a:t>
+              <a:t>d7a40274-87df-43ba-999b-d8719940b7a7</a:t>
             </a:r>
             <a:r>
               <a:rPr lang="en-US" altLang="zh-CN" sz="1400" dirty="0"/>
-              <a:t>Build</a:t>
-            </a:r>
-            <a:r>
-              <a:rPr lang="zh-CN" altLang="en-US" sz="1400" dirty="0"/>
-              <a:t>，然后调用</a:t>
+              <a:t>&lt;/</a:t>
             </a:r>
             <a:r>
               <a:rPr lang="en-US" altLang="zh-CN" sz="1400" dirty="0" err="1"/>
-              <a:t>ConfigurationProvider</a:t>
-            </a:r>
-            <a:r>
-              <a:rPr lang="zh-CN" altLang="en-US" sz="1400" dirty="0"/>
-              <a:t>的</a:t>
+              <a:t>UserSecretsId</a:t>
             </a:r>
             <a:r>
               <a:rPr lang="en-US" altLang="zh-CN" sz="1400" dirty="0"/>
-              <a:t>Load</a:t>
-            </a:r>
-            <a:r>
-              <a:rPr lang="zh-CN" altLang="en-US" sz="1400" dirty="0"/>
-              <a:t>，来填充</a:t>
+              <a:t>&gt;</a:t>
+            </a:r>
+          </a:p>
+          <a:p>
+            <a:pPr marL="0" indent="0">
+              <a:buNone/>
+            </a:pPr>
+            <a:r>
+              <a:rPr lang="en-US" altLang="zh-CN" sz="1400" dirty="0"/>
+              <a:t>2</a:t>
+            </a:r>
+            <a:r>
+              <a:rPr lang="zh-CN" altLang="en-US" sz="1400" dirty="0"/>
+              <a:t>、操作机密文件</a:t>
+            </a:r>
+          </a:p>
+          <a:p>
+            <a:pPr marL="0" indent="0">
+              <a:buNone/>
+            </a:pPr>
+            <a:r>
+              <a:rPr lang="en-US" altLang="zh-CN" sz="1400" dirty="0"/>
+              <a:t>   a</a:t>
+            </a:r>
+            <a:r>
+              <a:rPr lang="zh-CN" altLang="en-US" sz="1400" dirty="0"/>
+              <a:t>、设置机密文件  </a:t>
+            </a:r>
+            <a:r>
+              <a:rPr lang="en-US" altLang="zh-CN" sz="1400" dirty="0"/>
+              <a:t>dotnet user-secrets set "</a:t>
             </a:r>
             <a:r>
               <a:rPr lang="en-US" altLang="zh-CN" sz="1400" dirty="0" err="1"/>
-              <a:t>ConfigurationProvider</a:t>
-            </a:r>
-            <a:r>
-              <a:rPr lang="zh-CN" altLang="en-US" sz="1400" dirty="0"/>
-              <a:t>中的</a:t>
+              <a:t>dbpassword</a:t>
             </a:r>
             <a:r>
               <a:rPr lang="en-US" altLang="zh-CN" sz="1400" dirty="0"/>
-              <a:t>Data</a:t>
-            </a:r>
-            <a:r>
-              <a:rPr lang="zh-CN" altLang="en-US" sz="1400" dirty="0"/>
-              <a:t>字典。</a:t>
-            </a:r>
-            <a:endParaRPr lang="en-US" altLang="zh-CN" sz="1400" dirty="0"/>
-          </a:p>
-          <a:p>
+              <a:t>" "123456" --project ".</a:t>
+            </a:r>
+            <a:r>
+              <a:rPr lang="en-US" altLang="zh-CN" sz="1400" dirty="0" err="1"/>
+              <a:t>csproj</a:t>
+            </a:r>
+            <a:r>
+              <a:rPr lang="zh-CN" altLang="en-US" sz="1400" dirty="0"/>
+              <a:t>所在目录</a:t>
+            </a:r>
+            <a:r>
+              <a:rPr lang="en-US" altLang="zh-CN" sz="1400" dirty="0"/>
+              <a:t>"</a:t>
+            </a:r>
+          </a:p>
+          <a:p>
+            <a:pPr marL="0" indent="0">
+              <a:buNone/>
+            </a:pPr>
+            <a:r>
+              <a:rPr lang="en-US" altLang="zh-CN" sz="1400" dirty="0"/>
+              <a:t>   b</a:t>
+            </a:r>
+            <a:r>
+              <a:rPr lang="zh-CN" altLang="en-US" sz="1400" dirty="0"/>
+              <a:t>、设置多个机密文件  </a:t>
+            </a:r>
+            <a:r>
+              <a:rPr lang="en-US" altLang="zh-CN" sz="1400" dirty="0"/>
+              <a:t>type .\</a:t>
+            </a:r>
+            <a:r>
+              <a:rPr lang="en-US" altLang="zh-CN" sz="1400" dirty="0" err="1"/>
+              <a:t>input.json</a:t>
+            </a:r>
+            <a:r>
+              <a:rPr lang="en-US" altLang="zh-CN" sz="1400" dirty="0"/>
+              <a:t> | dotnet user-secrets set --project ".</a:t>
+            </a:r>
+            <a:r>
+              <a:rPr lang="en-US" altLang="zh-CN" sz="1400" dirty="0" err="1"/>
+              <a:t>csproj</a:t>
+            </a:r>
+            <a:r>
+              <a:rPr lang="zh-CN" altLang="en-US" sz="1400" dirty="0"/>
+              <a:t>所在目录</a:t>
+            </a:r>
+            <a:r>
+              <a:rPr lang="en-US" altLang="zh-CN" sz="1400" dirty="0"/>
+              <a:t>"</a:t>
+            </a:r>
+          </a:p>
+          <a:p>
+            <a:pPr marL="0" indent="0">
+              <a:buNone/>
+            </a:pPr>
+            <a:r>
+              <a:rPr lang="en-US" altLang="zh-CN" sz="1400" dirty="0"/>
+              <a:t>   c</a:t>
+            </a:r>
+            <a:r>
+              <a:rPr lang="zh-CN" altLang="en-US" sz="1400" dirty="0"/>
+              <a:t>、查看机密文件  </a:t>
+            </a:r>
+            <a:r>
+              <a:rPr lang="en-US" altLang="zh-CN" sz="1400" dirty="0"/>
+              <a:t>dotnet user-secrets list --project ".</a:t>
+            </a:r>
+            <a:r>
+              <a:rPr lang="en-US" altLang="zh-CN" sz="1400" dirty="0" err="1"/>
+              <a:t>csproj</a:t>
+            </a:r>
+            <a:r>
+              <a:rPr lang="zh-CN" altLang="en-US" sz="1400" dirty="0"/>
+              <a:t>所在目录</a:t>
+            </a:r>
+            <a:r>
+              <a:rPr lang="en-US" altLang="zh-CN" sz="1400" dirty="0"/>
+              <a:t>"</a:t>
+            </a:r>
+          </a:p>
+          <a:p>
+            <a:pPr marL="0" indent="0">
+              <a:buNone/>
+            </a:pPr>
+            <a:r>
+              <a:rPr lang="en-US" altLang="zh-CN" sz="1400" dirty="0"/>
+              <a:t>   d</a:t>
+            </a:r>
+            <a:r>
+              <a:rPr lang="zh-CN" altLang="en-US" sz="1400" dirty="0"/>
+              <a:t>、删除机密文件  </a:t>
+            </a:r>
+            <a:r>
+              <a:rPr lang="en-US" altLang="zh-CN" sz="1400" dirty="0"/>
+              <a:t>dotnet user-secrets remove "</a:t>
+            </a:r>
+            <a:r>
+              <a:rPr lang="en-US" altLang="zh-CN" sz="1400" dirty="0" err="1"/>
+              <a:t>dbpassword</a:t>
+            </a:r>
+            <a:r>
+              <a:rPr lang="en-US" altLang="zh-CN" sz="1400" dirty="0"/>
+              <a:t>"  --project ".</a:t>
+            </a:r>
+            <a:r>
+              <a:rPr lang="en-US" altLang="zh-CN" sz="1400" dirty="0" err="1"/>
+              <a:t>csproj</a:t>
+            </a:r>
+            <a:r>
+              <a:rPr lang="zh-CN" altLang="en-US" sz="1400" dirty="0"/>
+              <a:t>所在目录</a:t>
+            </a:r>
+            <a:r>
+              <a:rPr lang="en-US" altLang="zh-CN" sz="1400" dirty="0"/>
+              <a:t>"</a:t>
+            </a:r>
+          </a:p>
+          <a:p>
+            <a:pPr marL="0" indent="0">
+              <a:buNone/>
+            </a:pPr>
+            <a:r>
+              <a:rPr lang="en-US" altLang="zh-CN" sz="1400" dirty="0"/>
+              <a:t>   e</a:t>
+            </a:r>
+            <a:r>
+              <a:rPr lang="zh-CN" altLang="en-US" sz="1400" dirty="0"/>
+              <a:t>、删除所有机密文件 </a:t>
+            </a:r>
+            <a:r>
+              <a:rPr lang="en-US" altLang="zh-CN" sz="1400" dirty="0"/>
+              <a:t>dotnet user-secrets clear --project ".</a:t>
+            </a:r>
+            <a:r>
+              <a:rPr lang="en-US" altLang="zh-CN" sz="1400" dirty="0" err="1"/>
+              <a:t>csproj</a:t>
+            </a:r>
+            <a:r>
+              <a:rPr lang="zh-CN" altLang="en-US" sz="1400" dirty="0"/>
+              <a:t>所在目录</a:t>
+            </a:r>
+            <a:r>
+              <a:rPr lang="en-US" altLang="zh-CN" sz="1400" dirty="0"/>
+              <a:t>"</a:t>
+            </a:r>
+          </a:p>
+          <a:p>
+            <a:pPr marL="0" indent="0">
+              <a:buNone/>
+            </a:pPr>
+            <a:r>
+              <a:rPr lang="en-US" altLang="zh-CN" sz="1400" dirty="0"/>
+              <a:t>3</a:t>
+            </a:r>
+            <a:r>
+              <a:rPr lang="zh-CN" altLang="en-US" sz="1400" dirty="0"/>
+              <a:t>、</a:t>
+            </a:r>
+            <a:r>
+              <a:rPr lang="en-US" altLang="zh-CN" sz="1400" dirty="0" err="1"/>
+              <a:t>ConfigureServices</a:t>
+            </a:r>
+            <a:r>
+              <a:rPr lang="zh-CN" altLang="en-US" sz="1400" dirty="0"/>
+              <a:t>中读取</a:t>
+            </a:r>
+          </a:p>
+          <a:p>
+            <a:pPr marL="0" indent="0">
+              <a:buNone/>
+            </a:pPr>
+            <a:r>
+              <a:rPr lang="en-US" altLang="zh-CN" sz="1400" dirty="0"/>
+              <a:t>   var password = Configuration["</a:t>
+            </a:r>
+            <a:r>
+              <a:rPr lang="en-US" altLang="zh-CN" sz="1400" dirty="0" err="1"/>
+              <a:t>dbpassword</a:t>
+            </a:r>
+            <a:r>
+              <a:rPr lang="en-US" altLang="zh-CN" sz="1400" dirty="0"/>
+              <a:t>"];</a:t>
+            </a:r>
             <a:endParaRPr lang="zh-CN" altLang="en-US" sz="1400" dirty="0"/>
           </a:p>
         </p:txBody>
@@ -5986,7 +5932,7 @@
     </p:spTree>
     <p:extLst>
       <p:ext uri="{BB962C8B-B14F-4D97-AF65-F5344CB8AC3E}">
-        <p14:creationId xmlns:p14="http://schemas.microsoft.com/office/powerpoint/2010/main" val="4209516520"/>
+        <p14:creationId xmlns:p14="http://schemas.microsoft.com/office/powerpoint/2010/main" val="731180852"/>
       </p:ext>
     </p:extLst>
   </p:cSld>
@@ -6035,10 +5981,13 @@
           <a:lstStyle/>
           <a:p>
             <a:r>
-              <a:rPr lang="en-US" altLang="zh-CN" dirty="0" err="1"/>
-              <a:t>Authentication&amp;Authorization</a:t>
-            </a:r>
-            <a:endParaRPr lang="zh-CN" altLang="en-US" dirty="0"/>
+              <a:rPr lang="en-US" altLang="zh-CN" dirty="0"/>
+              <a:t>Configuration-</a:t>
+            </a:r>
+            <a:r>
+              <a:rPr lang="zh-CN" altLang="en-US" dirty="0"/>
+              <a:t>自定义</a:t>
+            </a:r>
           </a:p>
         </p:txBody>
       </p:sp>
@@ -6070,56 +6019,257 @@
           </a:bodyPr>
           <a:lstStyle/>
           <a:p>
-            <a:r>
-              <a:rPr lang="zh-CN" altLang="en-US" sz="1400" dirty="0"/>
-              <a:t>基于</a:t>
+            <a:pPr marL="0" indent="0">
+              <a:buNone/>
+            </a:pPr>
+            <a:r>
+              <a:rPr lang="en-US" altLang="zh-CN" sz="1400" dirty="0" err="1"/>
+              <a:t>Asp.net</a:t>
+            </a:r>
+            <a:r>
+              <a:rPr lang="zh-CN" altLang="en-US" sz="1400" dirty="0"/>
+              <a:t> </a:t>
             </a:r>
             <a:r>
               <a:rPr lang="en-US" altLang="zh-CN" sz="1400" dirty="0"/>
-              <a:t>cookie</a:t>
-            </a:r>
-            <a:r>
-              <a:rPr lang="zh-CN" altLang="en-US" sz="1400" dirty="0"/>
-              <a:t>固定角度授权验证</a:t>
+              <a:t>core</a:t>
+            </a:r>
+            <a:r>
+              <a:rPr lang="zh-CN" altLang="en-US" sz="1400" dirty="0"/>
+              <a:t>中的配置文件是基于生成器模式（</a:t>
+            </a:r>
+            <a:r>
+              <a:rPr lang="zh-CN" altLang="en-US" sz="1400" i="1" u="sng" dirty="0"/>
+              <a:t>将复杂对象的建造过程抽象出来（抽象类别），使这个抽象过程的不同实现方法可以构造出不同表现（属性）的对象</a:t>
+            </a:r>
+            <a:r>
+              <a:rPr lang="zh-CN" altLang="en-US" sz="1400" dirty="0"/>
+              <a:t>）</a:t>
+            </a:r>
+            <a:r>
+              <a:rPr lang="en-US" altLang="zh-CN" sz="1400" dirty="0"/>
+              <a:t>,</a:t>
+            </a:r>
+            <a:r>
+              <a:rPr lang="en-US" altLang="zh-CN" sz="1400" dirty="0" err="1"/>
+              <a:t>asp.net</a:t>
+            </a:r>
+            <a:r>
+              <a:rPr lang="en-US" altLang="zh-CN" sz="1400" dirty="0"/>
+              <a:t> core</a:t>
+            </a:r>
+            <a:r>
+              <a:rPr lang="zh-CN" altLang="en-US" sz="1400" dirty="0"/>
+              <a:t>中有两个生成器，一个是主机</a:t>
+            </a:r>
+            <a:r>
+              <a:rPr lang="en-US" altLang="zh-CN" sz="1400" dirty="0"/>
+              <a:t>(host)</a:t>
+            </a:r>
+            <a:r>
+              <a:rPr lang="zh-CN" altLang="en-US" sz="1400" dirty="0"/>
+              <a:t>的，一个应用程序</a:t>
+            </a:r>
+            <a:r>
+              <a:rPr lang="en-US" altLang="zh-CN" sz="1400" dirty="0"/>
+              <a:t>(application)</a:t>
+            </a:r>
+            <a:r>
+              <a:rPr lang="zh-CN" altLang="en-US" sz="1400" dirty="0"/>
+              <a:t>的</a:t>
             </a:r>
             <a:endParaRPr lang="en-US" altLang="zh-CN" sz="1400" dirty="0"/>
           </a:p>
           <a:p>
-            <a:r>
-              <a:rPr lang="zh-CN" altLang="en-US" sz="1400" dirty="0"/>
-              <a:t>基于</a:t>
-            </a:r>
+            <a:pPr marL="0" indent="0">
+              <a:buNone/>
+            </a:pPr>
+            <a:endParaRPr lang="en-US" altLang="zh-CN" sz="1400" dirty="0"/>
+          </a:p>
+          <a:p>
+            <a:r>
+              <a:rPr lang="en-US" altLang="zh-CN" sz="1400" dirty="0" err="1"/>
+              <a:t>ConfigurationSource</a:t>
+            </a:r>
+            <a:endParaRPr lang="en-US" altLang="zh-CN" sz="1400" dirty="0"/>
+          </a:p>
+          <a:p>
+            <a:pPr marL="0" indent="0">
+              <a:buNone/>
+            </a:pPr>
             <a:r>
               <a:rPr lang="en-US" altLang="zh-CN" sz="1400" dirty="0"/>
-              <a:t>cookie</a:t>
-            </a:r>
-            <a:r>
-              <a:rPr lang="zh-CN" altLang="en-US" sz="1400" dirty="0"/>
-              <a:t>自定义策略授权验证</a:t>
+              <a:t>     </a:t>
+            </a:r>
+            <a:r>
+              <a:rPr lang="zh-CN" altLang="en-US" sz="1400" dirty="0"/>
+              <a:t>在建造过程中需要各种参数信息，</a:t>
+            </a:r>
+            <a:r>
+              <a:rPr lang="en-US" altLang="zh-CN" sz="1400" dirty="0" err="1"/>
+              <a:t>ConfigurationSource</a:t>
+            </a:r>
+            <a:r>
+              <a:rPr lang="zh-CN" altLang="en-US" sz="1400" dirty="0"/>
+              <a:t>是为获取这些参数而提供来源，比如文件源，内存源等</a:t>
             </a:r>
             <a:endParaRPr lang="en-US" altLang="zh-CN" sz="1400" dirty="0"/>
           </a:p>
           <a:p>
-            <a:r>
-              <a:rPr lang="zh-CN" altLang="en-US" sz="1400" dirty="0"/>
-              <a:t>基于</a:t>
-            </a:r>
+            <a:endParaRPr lang="en-US" altLang="zh-CN" sz="1400" dirty="0"/>
+          </a:p>
+          <a:p>
             <a:r>
               <a:rPr lang="en-US" altLang="zh-CN" sz="1400" dirty="0" err="1"/>
-              <a:t>jwt</a:t>
-            </a:r>
-            <a:r>
-              <a:rPr lang="zh-CN" altLang="en-US" sz="1400" dirty="0"/>
-              <a:t>自定义策略授权验证</a:t>
+              <a:t>ConfigurationProvider</a:t>
             </a:r>
             <a:endParaRPr lang="en-US" altLang="zh-CN" sz="1400" dirty="0"/>
+          </a:p>
+          <a:p>
+            <a:pPr marL="0" indent="0">
+              <a:buNone/>
+            </a:pPr>
+            <a:r>
+              <a:rPr lang="en-US" altLang="zh-CN" sz="1400" dirty="0"/>
+              <a:t>     </a:t>
+            </a:r>
+            <a:r>
+              <a:rPr lang="zh-CN" altLang="en-US" sz="1400" dirty="0"/>
+              <a:t>建造所需参数的提供者，依据</a:t>
+            </a:r>
+            <a:r>
+              <a:rPr lang="en-US" altLang="zh-CN" sz="1400" dirty="0" err="1"/>
+              <a:t>ConfigurationSource</a:t>
+            </a:r>
+            <a:r>
+              <a:rPr lang="zh-CN" altLang="en-US" sz="1400" dirty="0"/>
+              <a:t>来完成提供</a:t>
+            </a:r>
+            <a:endParaRPr lang="en-US" altLang="zh-CN" sz="1400" dirty="0"/>
+          </a:p>
+          <a:p>
+            <a:endParaRPr lang="en-US" altLang="zh-CN" sz="1400" dirty="0"/>
+          </a:p>
+          <a:p>
+            <a:r>
+              <a:rPr lang="zh-CN" altLang="en-US" sz="1400" dirty="0"/>
+              <a:t>需要把</a:t>
+            </a:r>
+            <a:r>
+              <a:rPr lang="en-US" altLang="zh-CN" sz="1400" dirty="0" err="1"/>
+              <a:t>ConfigurationSource</a:t>
+            </a:r>
+            <a:r>
+              <a:rPr lang="zh-CN" altLang="en-US" sz="1400" dirty="0"/>
+              <a:t>或</a:t>
+            </a:r>
+            <a:r>
+              <a:rPr lang="en-US" altLang="zh-CN" sz="1400" dirty="0"/>
+              <a:t>Action&lt;</a:t>
+            </a:r>
+            <a:r>
+              <a:rPr lang="en-US" altLang="zh-CN" sz="1400" dirty="0" err="1"/>
+              <a:t>ConfigurationSource</a:t>
+            </a:r>
+            <a:r>
+              <a:rPr lang="en-US" altLang="zh-CN" sz="1400" dirty="0"/>
+              <a:t>&gt;</a:t>
+            </a:r>
+            <a:r>
+              <a:rPr lang="zh-CN" altLang="en-US" sz="1400" dirty="0"/>
+              <a:t>添加到</a:t>
+            </a:r>
+            <a:r>
+              <a:rPr lang="zh-CN" altLang="en-US" sz="1400" b="1" dirty="0"/>
+              <a:t>应用配置</a:t>
+            </a:r>
+            <a:r>
+              <a:rPr lang="zh-CN" altLang="en-US" sz="1400" dirty="0"/>
+              <a:t>构建对象中，在</a:t>
+            </a:r>
+            <a:r>
+              <a:rPr lang="zh-CN" altLang="en-US" sz="1400" b="1" dirty="0"/>
+              <a:t>主机构建时</a:t>
+            </a:r>
+            <a:r>
+              <a:rPr lang="zh-CN" altLang="en-US" sz="1400" dirty="0"/>
+              <a:t>会调用</a:t>
+            </a:r>
+            <a:r>
+              <a:rPr lang="en-US" altLang="zh-CN" sz="1400" dirty="0"/>
+              <a:t>Configuration</a:t>
+            </a:r>
+            <a:r>
+              <a:rPr lang="zh-CN" altLang="en-US" sz="1400" dirty="0"/>
+              <a:t>的</a:t>
+            </a:r>
+            <a:r>
+              <a:rPr lang="en-US" altLang="zh-CN" sz="1400" dirty="0"/>
+              <a:t>Build</a:t>
+            </a:r>
+            <a:r>
+              <a:rPr lang="zh-CN" altLang="en-US" sz="1400" dirty="0"/>
+              <a:t>，然后调用</a:t>
+            </a:r>
+            <a:r>
+              <a:rPr lang="en-US" altLang="zh-CN" sz="1400" dirty="0" err="1"/>
+              <a:t>ConfigurationSource</a:t>
+            </a:r>
+            <a:r>
+              <a:rPr lang="zh-CN" altLang="en-US" sz="1400" dirty="0"/>
+              <a:t>的</a:t>
+            </a:r>
+            <a:r>
+              <a:rPr lang="en-US" altLang="zh-CN" sz="1400" dirty="0"/>
+              <a:t>Build</a:t>
+            </a:r>
+            <a:r>
+              <a:rPr lang="zh-CN" altLang="en-US" sz="1400" dirty="0"/>
+              <a:t>，然后调用</a:t>
+            </a:r>
+            <a:r>
+              <a:rPr lang="en-US" altLang="zh-CN" sz="1400" dirty="0" err="1"/>
+              <a:t>ConfigurationProvider</a:t>
+            </a:r>
+            <a:r>
+              <a:rPr lang="zh-CN" altLang="en-US" sz="1400" dirty="0"/>
+              <a:t>的</a:t>
+            </a:r>
+            <a:r>
+              <a:rPr lang="en-US" altLang="zh-CN" sz="1400" dirty="0"/>
+              <a:t>Load</a:t>
+            </a:r>
+            <a:r>
+              <a:rPr lang="zh-CN" altLang="en-US" sz="1400" dirty="0"/>
+              <a:t>，来填充</a:t>
+            </a:r>
+            <a:r>
+              <a:rPr lang="en-US" altLang="zh-CN" sz="1400" dirty="0" err="1"/>
+              <a:t>ConfigurationProvider</a:t>
+            </a:r>
+            <a:r>
+              <a:rPr lang="zh-CN" altLang="en-US" sz="1400" dirty="0"/>
+              <a:t>中的</a:t>
+            </a:r>
+            <a:r>
+              <a:rPr lang="en-US" altLang="zh-CN" sz="1400" dirty="0"/>
+              <a:t>Data</a:t>
+            </a:r>
+            <a:r>
+              <a:rPr lang="zh-CN" altLang="en-US" sz="1400" dirty="0"/>
+              <a:t>字典。</a:t>
+            </a:r>
+            <a:endParaRPr lang="en-US" altLang="zh-CN" sz="1400" dirty="0"/>
+          </a:p>
+          <a:p>
+            <a:endParaRPr lang="zh-CN" altLang="en-US" sz="1400" dirty="0"/>
           </a:p>
         </p:txBody>
       </p:sp>
     </p:spTree>
     <p:extLst>
       <p:ext uri="{BB962C8B-B14F-4D97-AF65-F5344CB8AC3E}">
-        <p14:creationId xmlns:p14="http://schemas.microsoft.com/office/powerpoint/2010/main" val="3489913332"/>
+        <p14:creationId xmlns:p14="http://schemas.microsoft.com/office/powerpoint/2010/main" val="4209516520"/>
       </p:ext>
     </p:extLst>
   </p:cSld>

--- a/aspnetcore3.0course/docs/aspnetcore3.0course.pptx
+++ b/aspnetcore3.0course/docs/aspnetcore3.0course.pptx
@@ -271,7 +271,7 @@
           <a:p>
             <a:fld id="{0CB35010-EDBB-44E1-81B6-E54FF20221CB}" type="datetimeFigureOut">
               <a:rPr lang="zh-CN" altLang="en-US" smtClean="0"/>
-              <a:t>2019/5/9</a:t>
+              <a:t>2019/5/10</a:t>
             </a:fld>
             <a:endParaRPr lang="zh-CN" altLang="en-US"/>
           </a:p>
@@ -469,7 +469,7 @@
           <a:p>
             <a:fld id="{0CB35010-EDBB-44E1-81B6-E54FF20221CB}" type="datetimeFigureOut">
               <a:rPr lang="zh-CN" altLang="en-US" smtClean="0"/>
-              <a:t>2019/5/9</a:t>
+              <a:t>2019/5/10</a:t>
             </a:fld>
             <a:endParaRPr lang="zh-CN" altLang="en-US"/>
           </a:p>
@@ -677,7 +677,7 @@
           <a:p>
             <a:fld id="{0CB35010-EDBB-44E1-81B6-E54FF20221CB}" type="datetimeFigureOut">
               <a:rPr lang="zh-CN" altLang="en-US" smtClean="0"/>
-              <a:t>2019/5/9</a:t>
+              <a:t>2019/5/10</a:t>
             </a:fld>
             <a:endParaRPr lang="zh-CN" altLang="en-US"/>
           </a:p>
@@ -875,7 +875,7 @@
           <a:p>
             <a:fld id="{0CB35010-EDBB-44E1-81B6-E54FF20221CB}" type="datetimeFigureOut">
               <a:rPr lang="zh-CN" altLang="en-US" smtClean="0"/>
-              <a:t>2019/5/9</a:t>
+              <a:t>2019/5/10</a:t>
             </a:fld>
             <a:endParaRPr lang="zh-CN" altLang="en-US"/>
           </a:p>
@@ -1150,7 +1150,7 @@
           <a:p>
             <a:fld id="{0CB35010-EDBB-44E1-81B6-E54FF20221CB}" type="datetimeFigureOut">
               <a:rPr lang="zh-CN" altLang="en-US" smtClean="0"/>
-              <a:t>2019/5/9</a:t>
+              <a:t>2019/5/10</a:t>
             </a:fld>
             <a:endParaRPr lang="zh-CN" altLang="en-US"/>
           </a:p>
@@ -1415,7 +1415,7 @@
           <a:p>
             <a:fld id="{0CB35010-EDBB-44E1-81B6-E54FF20221CB}" type="datetimeFigureOut">
               <a:rPr lang="zh-CN" altLang="en-US" smtClean="0"/>
-              <a:t>2019/5/9</a:t>
+              <a:t>2019/5/10</a:t>
             </a:fld>
             <a:endParaRPr lang="zh-CN" altLang="en-US"/>
           </a:p>
@@ -1827,7 +1827,7 @@
           <a:p>
             <a:fld id="{0CB35010-EDBB-44E1-81B6-E54FF20221CB}" type="datetimeFigureOut">
               <a:rPr lang="zh-CN" altLang="en-US" smtClean="0"/>
-              <a:t>2019/5/9</a:t>
+              <a:t>2019/5/10</a:t>
             </a:fld>
             <a:endParaRPr lang="zh-CN" altLang="en-US"/>
           </a:p>
@@ -1968,7 +1968,7 @@
           <a:p>
             <a:fld id="{0CB35010-EDBB-44E1-81B6-E54FF20221CB}" type="datetimeFigureOut">
               <a:rPr lang="zh-CN" altLang="en-US" smtClean="0"/>
-              <a:t>2019/5/9</a:t>
+              <a:t>2019/5/10</a:t>
             </a:fld>
             <a:endParaRPr lang="zh-CN" altLang="en-US"/>
           </a:p>
@@ -2081,7 +2081,7 @@
           <a:p>
             <a:fld id="{0CB35010-EDBB-44E1-81B6-E54FF20221CB}" type="datetimeFigureOut">
               <a:rPr lang="zh-CN" altLang="en-US" smtClean="0"/>
-              <a:t>2019/5/9</a:t>
+              <a:t>2019/5/10</a:t>
             </a:fld>
             <a:endParaRPr lang="zh-CN" altLang="en-US"/>
           </a:p>
@@ -2392,7 +2392,7 @@
           <a:p>
             <a:fld id="{0CB35010-EDBB-44E1-81B6-E54FF20221CB}" type="datetimeFigureOut">
               <a:rPr lang="zh-CN" altLang="en-US" smtClean="0"/>
-              <a:t>2019/5/9</a:t>
+              <a:t>2019/5/10</a:t>
             </a:fld>
             <a:endParaRPr lang="zh-CN" altLang="en-US"/>
           </a:p>
@@ -2680,7 +2680,7 @@
           <a:p>
             <a:fld id="{0CB35010-EDBB-44E1-81B6-E54FF20221CB}" type="datetimeFigureOut">
               <a:rPr lang="zh-CN" altLang="en-US" smtClean="0"/>
-              <a:t>2019/5/9</a:t>
+              <a:t>2019/5/10</a:t>
             </a:fld>
             <a:endParaRPr lang="zh-CN" altLang="en-US"/>
           </a:p>
@@ -2921,7 +2921,7 @@
           <a:p>
             <a:fld id="{0CB35010-EDBB-44E1-81B6-E54FF20221CB}" type="datetimeFigureOut">
               <a:rPr lang="zh-CN" altLang="en-US" smtClean="0"/>
-              <a:t>2019/5/9</a:t>
+              <a:t>2019/5/10</a:t>
             </a:fld>
             <a:endParaRPr lang="zh-CN" altLang="en-US"/>
           </a:p>
@@ -4238,42 +4238,1646 @@
       </p:sp>
       <p:sp>
         <p:nvSpPr>
-          <p:cNvPr id="15" name="内容占位符 2">
-            <a:extLst>
-              <a:ext uri="{FF2B5EF4-FFF2-40B4-BE49-F238E27FC236}">
-                <a16:creationId xmlns:a16="http://schemas.microsoft.com/office/drawing/2014/main" id="{00DFF36C-FF32-4635-B471-3925665516F8}"/>
-              </a:ext>
-            </a:extLst>
-          </p:cNvPr>
-          <p:cNvSpPr>
-            <a:spLocks noGrp="1"/>
-          </p:cNvSpPr>
-          <p:nvPr>
-            <p:ph idx="1"/>
-          </p:nvPr>
-        </p:nvSpPr>
+          <p:cNvPr id="3" name="Rectangle 1">
+            <a:extLst>
+              <a:ext uri="{FF2B5EF4-FFF2-40B4-BE49-F238E27FC236}">
+                <a16:creationId xmlns:a16="http://schemas.microsoft.com/office/drawing/2014/main" id="{963C137C-3B87-49CC-8CCD-800880E0BDF3}"/>
+              </a:ext>
+            </a:extLst>
+          </p:cNvPr>
+          <p:cNvSpPr>
+            <a:spLocks noChangeArrowheads="1"/>
+          </p:cNvSpPr>
+          <p:nvPr/>
+        </p:nvSpPr>
+        <p:spPr bwMode="auto">
+          <a:xfrm>
+            <a:off x="1526797" y="2105429"/>
+            <a:ext cx="9430787" cy="3108543"/>
+          </a:xfrm>
+          <a:prstGeom prst="rect">
+            <a:avLst/>
+          </a:prstGeom>
+          <a:solidFill>
+            <a:srgbClr val="1E1E1E"/>
+          </a:solidFill>
+          <a:ln>
+            <a:noFill/>
+          </a:ln>
+          <a:effectLst/>
+          <a:extLst>
+            <a:ext uri="{91240B29-F687-4F45-9708-019B960494DF}">
+              <a14:hiddenLine xmlns:a14="http://schemas.microsoft.com/office/drawing/2010/main" w="9525">
+                <a:solidFill>
+                  <a:schemeClr val="tx1"/>
+                </a:solidFill>
+                <a:miter lim="800000"/>
+                <a:headEnd/>
+                <a:tailEnd/>
+              </a14:hiddenLine>
+            </a:ext>
+            <a:ext uri="{AF507438-7753-43E0-B8FC-AC1667EBCBE1}">
+              <a14:hiddenEffects xmlns:a14="http://schemas.microsoft.com/office/drawing/2010/main">
+                <a:effectLst>
+                  <a:outerShdw dist="35921" dir="2700000" algn="ctr" rotWithShape="0">
+                    <a:schemeClr val="bg2"/>
+                  </a:outerShdw>
+                </a:effectLst>
+              </a14:hiddenEffects>
+            </a:ext>
+          </a:extLst>
+        </p:spPr>
+        <p:txBody>
+          <a:bodyPr vert="horz" wrap="none" lIns="91440" tIns="45720" rIns="91440" bIns="45720" numCol="1" anchor="ctr" anchorCtr="0" compatLnSpc="1">
+            <a:prstTxWarp prst="textNoShape">
+              <a:avLst/>
+            </a:prstTxWarp>
+            <a:spAutoFit/>
+          </a:bodyPr>
+          <a:lstStyle/>
+          <a:p>
+            <a:pPr marL="0" marR="0" lvl="0" indent="0" algn="l" defTabSz="914400" rtl="0" eaLnBrk="0" fontAlgn="base" latinLnBrk="0" hangingPunct="0">
+              <a:lnSpc>
+                <a:spcPct val="100000"/>
+              </a:lnSpc>
+              <a:spcBef>
+                <a:spcPct val="0"/>
+              </a:spcBef>
+              <a:spcAft>
+                <a:spcPct val="0"/>
+              </a:spcAft>
+              <a:buClrTx/>
+              <a:buSzTx/>
+              <a:buFontTx/>
+              <a:buNone/>
+              <a:tabLst/>
+            </a:pPr>
+            <a:r>
+              <a:rPr kumimoji="0" lang="zh-CN" altLang="zh-CN" sz="1400" b="0" i="0" u="none" strike="noStrike" cap="none" normalizeH="0" baseline="0" dirty="0">
+                <a:ln>
+                  <a:noFill/>
+                </a:ln>
+                <a:solidFill>
+                  <a:srgbClr val="569CD6"/>
+                </a:solidFill>
+                <a:effectLst/>
+                <a:latin typeface="新宋体" panose="02010609030101010101" pitchFamily="49" charset="-122"/>
+                <a:ea typeface="新宋体" panose="02010609030101010101" pitchFamily="49" charset="-122"/>
+              </a:rPr>
+              <a:t>public</a:t>
+            </a:r>
+            <a:r>
+              <a:rPr kumimoji="0" lang="zh-CN" altLang="zh-CN" sz="1400" b="0" i="0" u="none" strike="noStrike" cap="none" normalizeH="0" baseline="0" dirty="0">
+                <a:ln>
+                  <a:noFill/>
+                </a:ln>
+                <a:solidFill>
+                  <a:srgbClr val="DCDCDC"/>
+                </a:solidFill>
+                <a:effectLst/>
+                <a:latin typeface="新宋体" panose="02010609030101010101" pitchFamily="49" charset="-122"/>
+                <a:ea typeface="新宋体" panose="02010609030101010101" pitchFamily="49" charset="-122"/>
+              </a:rPr>
+              <a:t> </a:t>
+            </a:r>
+            <a:r>
+              <a:rPr kumimoji="0" lang="zh-CN" altLang="zh-CN" sz="1400" b="0" i="0" u="none" strike="noStrike" cap="none" normalizeH="0" baseline="0" dirty="0">
+                <a:ln>
+                  <a:noFill/>
+                </a:ln>
+                <a:solidFill>
+                  <a:srgbClr val="569CD6"/>
+                </a:solidFill>
+                <a:effectLst/>
+                <a:latin typeface="新宋体" panose="02010609030101010101" pitchFamily="49" charset="-122"/>
+                <a:ea typeface="新宋体" panose="02010609030101010101" pitchFamily="49" charset="-122"/>
+              </a:rPr>
+              <a:t>class</a:t>
+            </a:r>
+            <a:r>
+              <a:rPr kumimoji="0" lang="zh-CN" altLang="zh-CN" sz="1400" b="0" i="0" u="none" strike="noStrike" cap="none" normalizeH="0" baseline="0" dirty="0">
+                <a:ln>
+                  <a:noFill/>
+                </a:ln>
+                <a:solidFill>
+                  <a:srgbClr val="DCDCDC"/>
+                </a:solidFill>
+                <a:effectLst/>
+                <a:latin typeface="新宋体" panose="02010609030101010101" pitchFamily="49" charset="-122"/>
+                <a:ea typeface="新宋体" panose="02010609030101010101" pitchFamily="49" charset="-122"/>
+              </a:rPr>
+              <a:t> </a:t>
+            </a:r>
+            <a:r>
+              <a:rPr kumimoji="0" lang="zh-CN" altLang="zh-CN" sz="1400" b="0" i="0" u="none" strike="noStrike" cap="none" normalizeH="0" baseline="0" dirty="0">
+                <a:ln>
+                  <a:noFill/>
+                </a:ln>
+                <a:solidFill>
+                  <a:srgbClr val="4EC9B0"/>
+                </a:solidFill>
+                <a:effectLst/>
+                <a:latin typeface="新宋体" panose="02010609030101010101" pitchFamily="49" charset="-122"/>
+                <a:ea typeface="新宋体" panose="02010609030101010101" pitchFamily="49" charset="-122"/>
+              </a:rPr>
+              <a:t>RequestCenterMiddleware</a:t>
+            </a:r>
+            <a:r>
+              <a:rPr kumimoji="0" lang="zh-CN" altLang="zh-CN" sz="1400" b="0" i="0" u="none" strike="noStrike" cap="none" normalizeH="0" baseline="0" dirty="0">
+                <a:ln>
+                  <a:noFill/>
+                </a:ln>
+                <a:solidFill>
+                  <a:srgbClr val="DCDCDC"/>
+                </a:solidFill>
+                <a:effectLst/>
+                <a:latin typeface="新宋体" panose="02010609030101010101" pitchFamily="49" charset="-122"/>
+                <a:ea typeface="新宋体" panose="02010609030101010101" pitchFamily="49" charset="-122"/>
+              </a:rPr>
+              <a:t> </a:t>
+            </a:r>
+            <a:endParaRPr kumimoji="0" lang="en-US" altLang="zh-CN" sz="1400" b="0" i="0" u="none" strike="noStrike" cap="none" normalizeH="0" baseline="0" dirty="0">
+              <a:ln>
+                <a:noFill/>
+              </a:ln>
+              <a:solidFill>
+                <a:srgbClr val="DCDCDC"/>
+              </a:solidFill>
+              <a:effectLst/>
+              <a:latin typeface="新宋体" panose="02010609030101010101" pitchFamily="49" charset="-122"/>
+              <a:ea typeface="新宋体" panose="02010609030101010101" pitchFamily="49" charset="-122"/>
+            </a:endParaRPr>
+          </a:p>
+          <a:p>
+            <a:pPr marL="0" marR="0" lvl="0" indent="0" algn="l" defTabSz="914400" rtl="0" eaLnBrk="0" fontAlgn="base" latinLnBrk="0" hangingPunct="0">
+              <a:lnSpc>
+                <a:spcPct val="100000"/>
+              </a:lnSpc>
+              <a:spcBef>
+                <a:spcPct val="0"/>
+              </a:spcBef>
+              <a:spcAft>
+                <a:spcPct val="0"/>
+              </a:spcAft>
+              <a:buClrTx/>
+              <a:buSzTx/>
+              <a:buFontTx/>
+              <a:buNone/>
+              <a:tabLst/>
+            </a:pPr>
+            <a:r>
+              <a:rPr kumimoji="0" lang="zh-CN" altLang="zh-CN" sz="1400" b="0" i="0" u="none" strike="noStrike" cap="none" normalizeH="0" baseline="0" dirty="0">
+                <a:ln>
+                  <a:noFill/>
+                </a:ln>
+                <a:solidFill>
+                  <a:srgbClr val="DCDCDC"/>
+                </a:solidFill>
+                <a:effectLst/>
+                <a:latin typeface="新宋体" panose="02010609030101010101" pitchFamily="49" charset="-122"/>
+                <a:ea typeface="新宋体" panose="02010609030101010101" pitchFamily="49" charset="-122"/>
+              </a:rPr>
+              <a:t>{</a:t>
+            </a:r>
+            <a:endParaRPr kumimoji="0" lang="en-US" altLang="zh-CN" sz="1400" b="0" i="0" u="none" strike="noStrike" cap="none" normalizeH="0" baseline="0" dirty="0">
+              <a:ln>
+                <a:noFill/>
+              </a:ln>
+              <a:solidFill>
+                <a:srgbClr val="DCDCDC"/>
+              </a:solidFill>
+              <a:effectLst/>
+              <a:latin typeface="新宋体" panose="02010609030101010101" pitchFamily="49" charset="-122"/>
+              <a:ea typeface="新宋体" panose="02010609030101010101" pitchFamily="49" charset="-122"/>
+            </a:endParaRPr>
+          </a:p>
+          <a:p>
+            <a:pPr marL="0" marR="0" lvl="0" indent="0" algn="l" defTabSz="914400" rtl="0" eaLnBrk="0" fontAlgn="base" latinLnBrk="0" hangingPunct="0">
+              <a:lnSpc>
+                <a:spcPct val="100000"/>
+              </a:lnSpc>
+              <a:spcBef>
+                <a:spcPct val="0"/>
+              </a:spcBef>
+              <a:spcAft>
+                <a:spcPct val="0"/>
+              </a:spcAft>
+              <a:buClrTx/>
+              <a:buSzTx/>
+              <a:buFontTx/>
+              <a:buNone/>
+              <a:tabLst/>
+            </a:pPr>
+            <a:r>
+              <a:rPr kumimoji="0" lang="zh-CN" altLang="zh-CN" sz="1400" b="0" i="0" u="none" strike="noStrike" cap="none" normalizeH="0" baseline="0" dirty="0">
+                <a:ln>
+                  <a:noFill/>
+                </a:ln>
+                <a:solidFill>
+                  <a:srgbClr val="DCDCDC"/>
+                </a:solidFill>
+                <a:effectLst/>
+                <a:latin typeface="新宋体" panose="02010609030101010101" pitchFamily="49" charset="-122"/>
+                <a:ea typeface="新宋体" panose="02010609030101010101" pitchFamily="49" charset="-122"/>
+              </a:rPr>
+              <a:t>     </a:t>
+            </a:r>
+            <a:r>
+              <a:rPr kumimoji="0" lang="zh-CN" altLang="zh-CN" sz="1400" b="0" i="0" u="none" strike="noStrike" cap="none" normalizeH="0" baseline="0" dirty="0">
+                <a:ln>
+                  <a:noFill/>
+                </a:ln>
+                <a:solidFill>
+                  <a:srgbClr val="569CD6"/>
+                </a:solidFill>
+                <a:effectLst/>
+                <a:latin typeface="新宋体" panose="02010609030101010101" pitchFamily="49" charset="-122"/>
+                <a:ea typeface="新宋体" panose="02010609030101010101" pitchFamily="49" charset="-122"/>
+              </a:rPr>
+              <a:t>private</a:t>
+            </a:r>
+            <a:r>
+              <a:rPr kumimoji="0" lang="zh-CN" altLang="zh-CN" sz="1400" b="0" i="0" u="none" strike="noStrike" cap="none" normalizeH="0" baseline="0" dirty="0">
+                <a:ln>
+                  <a:noFill/>
+                </a:ln>
+                <a:solidFill>
+                  <a:srgbClr val="DCDCDC"/>
+                </a:solidFill>
+                <a:effectLst/>
+                <a:latin typeface="新宋体" panose="02010609030101010101" pitchFamily="49" charset="-122"/>
+                <a:ea typeface="新宋体" panose="02010609030101010101" pitchFamily="49" charset="-122"/>
+              </a:rPr>
+              <a:t> </a:t>
+            </a:r>
+            <a:r>
+              <a:rPr kumimoji="0" lang="zh-CN" altLang="zh-CN" sz="1400" b="0" i="0" u="none" strike="noStrike" cap="none" normalizeH="0" baseline="0" dirty="0">
+                <a:ln>
+                  <a:noFill/>
+                </a:ln>
+                <a:solidFill>
+                  <a:srgbClr val="569CD6"/>
+                </a:solidFill>
+                <a:effectLst/>
+                <a:latin typeface="新宋体" panose="02010609030101010101" pitchFamily="49" charset="-122"/>
+                <a:ea typeface="新宋体" panose="02010609030101010101" pitchFamily="49" charset="-122"/>
+              </a:rPr>
+              <a:t>readonly</a:t>
+            </a:r>
+            <a:r>
+              <a:rPr kumimoji="0" lang="zh-CN" altLang="zh-CN" sz="1400" b="0" i="0" u="none" strike="noStrike" cap="none" normalizeH="0" baseline="0" dirty="0">
+                <a:ln>
+                  <a:noFill/>
+                </a:ln>
+                <a:solidFill>
+                  <a:srgbClr val="DCDCDC"/>
+                </a:solidFill>
+                <a:effectLst/>
+                <a:latin typeface="新宋体" panose="02010609030101010101" pitchFamily="49" charset="-122"/>
+                <a:ea typeface="新宋体" panose="02010609030101010101" pitchFamily="49" charset="-122"/>
+              </a:rPr>
+              <a:t> </a:t>
+            </a:r>
+            <a:r>
+              <a:rPr kumimoji="0" lang="zh-CN" altLang="zh-CN" sz="1400" b="0" i="0" u="none" strike="noStrike" cap="none" normalizeH="0" baseline="0" dirty="0">
+                <a:ln>
+                  <a:noFill/>
+                </a:ln>
+                <a:solidFill>
+                  <a:srgbClr val="4EC9B0"/>
+                </a:solidFill>
+                <a:effectLst/>
+                <a:latin typeface="新宋体" panose="02010609030101010101" pitchFamily="49" charset="-122"/>
+                <a:ea typeface="新宋体" panose="02010609030101010101" pitchFamily="49" charset="-122"/>
+              </a:rPr>
+              <a:t>RequestDelegate</a:t>
+            </a:r>
+            <a:r>
+              <a:rPr kumimoji="0" lang="zh-CN" altLang="zh-CN" sz="1400" b="0" i="0" u="none" strike="noStrike" cap="none" normalizeH="0" baseline="0" dirty="0">
+                <a:ln>
+                  <a:noFill/>
+                </a:ln>
+                <a:solidFill>
+                  <a:srgbClr val="DCDCDC"/>
+                </a:solidFill>
+                <a:effectLst/>
+                <a:latin typeface="新宋体" panose="02010609030101010101" pitchFamily="49" charset="-122"/>
+                <a:ea typeface="新宋体" panose="02010609030101010101" pitchFamily="49" charset="-122"/>
+              </a:rPr>
+              <a:t> _next;</a:t>
+            </a:r>
+            <a:endParaRPr kumimoji="0" lang="en-US" altLang="zh-CN" sz="1400" b="0" i="0" u="none" strike="noStrike" cap="none" normalizeH="0" baseline="0" dirty="0">
+              <a:ln>
+                <a:noFill/>
+              </a:ln>
+              <a:solidFill>
+                <a:srgbClr val="DCDCDC"/>
+              </a:solidFill>
+              <a:effectLst/>
+              <a:latin typeface="新宋体" panose="02010609030101010101" pitchFamily="49" charset="-122"/>
+              <a:ea typeface="新宋体" panose="02010609030101010101" pitchFamily="49" charset="-122"/>
+            </a:endParaRPr>
+          </a:p>
+          <a:p>
+            <a:pPr marL="0" marR="0" lvl="0" indent="0" algn="l" defTabSz="914400" rtl="0" eaLnBrk="0" fontAlgn="base" latinLnBrk="0" hangingPunct="0">
+              <a:lnSpc>
+                <a:spcPct val="100000"/>
+              </a:lnSpc>
+              <a:spcBef>
+                <a:spcPct val="0"/>
+              </a:spcBef>
+              <a:spcAft>
+                <a:spcPct val="0"/>
+              </a:spcAft>
+              <a:buClrTx/>
+              <a:buSzTx/>
+              <a:buFontTx/>
+              <a:buNone/>
+              <a:tabLst/>
+            </a:pPr>
+            <a:r>
+              <a:rPr kumimoji="0" lang="zh-CN" altLang="zh-CN" sz="1400" b="0" i="0" u="none" strike="noStrike" cap="none" normalizeH="0" baseline="0" dirty="0">
+                <a:ln>
+                  <a:noFill/>
+                </a:ln>
+                <a:solidFill>
+                  <a:srgbClr val="DCDCDC"/>
+                </a:solidFill>
+                <a:effectLst/>
+                <a:latin typeface="新宋体" panose="02010609030101010101" pitchFamily="49" charset="-122"/>
+                <a:ea typeface="新宋体" panose="02010609030101010101" pitchFamily="49" charset="-122"/>
+              </a:rPr>
+              <a:t>     </a:t>
+            </a:r>
+            <a:r>
+              <a:rPr kumimoji="0" lang="zh-CN" altLang="zh-CN" sz="1400" b="0" i="0" u="none" strike="noStrike" cap="none" normalizeH="0" baseline="0" dirty="0">
+                <a:ln>
+                  <a:noFill/>
+                </a:ln>
+                <a:solidFill>
+                  <a:srgbClr val="569CD6"/>
+                </a:solidFill>
+                <a:effectLst/>
+                <a:latin typeface="新宋体" panose="02010609030101010101" pitchFamily="49" charset="-122"/>
+                <a:ea typeface="新宋体" panose="02010609030101010101" pitchFamily="49" charset="-122"/>
+              </a:rPr>
+              <a:t>public</a:t>
+            </a:r>
+            <a:r>
+              <a:rPr kumimoji="0" lang="zh-CN" altLang="zh-CN" sz="1400" b="0" i="0" u="none" strike="noStrike" cap="none" normalizeH="0" baseline="0" dirty="0">
+                <a:ln>
+                  <a:noFill/>
+                </a:ln>
+                <a:solidFill>
+                  <a:srgbClr val="DCDCDC"/>
+                </a:solidFill>
+                <a:effectLst/>
+                <a:latin typeface="新宋体" panose="02010609030101010101" pitchFamily="49" charset="-122"/>
+                <a:ea typeface="新宋体" panose="02010609030101010101" pitchFamily="49" charset="-122"/>
+              </a:rPr>
+              <a:t> </a:t>
+            </a:r>
+            <a:r>
+              <a:rPr kumimoji="0" lang="zh-CN" altLang="zh-CN" sz="1400" b="0" i="0" u="none" strike="noStrike" cap="none" normalizeH="0" baseline="0" dirty="0">
+                <a:ln>
+                  <a:noFill/>
+                </a:ln>
+                <a:solidFill>
+                  <a:srgbClr val="4EC9B0"/>
+                </a:solidFill>
+                <a:effectLst/>
+                <a:latin typeface="新宋体" panose="02010609030101010101" pitchFamily="49" charset="-122"/>
+                <a:ea typeface="新宋体" panose="02010609030101010101" pitchFamily="49" charset="-122"/>
+              </a:rPr>
+              <a:t>RequestCenterMiddleware</a:t>
+            </a:r>
+            <a:r>
+              <a:rPr kumimoji="0" lang="zh-CN" altLang="zh-CN" sz="1400" b="0" i="0" u="none" strike="noStrike" cap="none" normalizeH="0" baseline="0" dirty="0">
+                <a:ln>
+                  <a:noFill/>
+                </a:ln>
+                <a:solidFill>
+                  <a:srgbClr val="DCDCDC"/>
+                </a:solidFill>
+                <a:effectLst/>
+                <a:latin typeface="新宋体" panose="02010609030101010101" pitchFamily="49" charset="-122"/>
+                <a:ea typeface="新宋体" panose="02010609030101010101" pitchFamily="49" charset="-122"/>
+              </a:rPr>
+              <a:t>(</a:t>
+            </a:r>
+            <a:r>
+              <a:rPr kumimoji="0" lang="zh-CN" altLang="zh-CN" sz="1400" b="0" i="0" u="none" strike="noStrike" cap="none" normalizeH="0" baseline="0" dirty="0">
+                <a:ln>
+                  <a:noFill/>
+                </a:ln>
+                <a:solidFill>
+                  <a:srgbClr val="4EC9B0"/>
+                </a:solidFill>
+                <a:effectLst/>
+                <a:latin typeface="新宋体" panose="02010609030101010101" pitchFamily="49" charset="-122"/>
+                <a:ea typeface="新宋体" panose="02010609030101010101" pitchFamily="49" charset="-122"/>
+              </a:rPr>
+              <a:t>RequestDelegate</a:t>
+            </a:r>
+            <a:r>
+              <a:rPr kumimoji="0" lang="zh-CN" altLang="zh-CN" sz="1400" b="0" i="0" u="none" strike="noStrike" cap="none" normalizeH="0" baseline="0" dirty="0">
+                <a:ln>
+                  <a:noFill/>
+                </a:ln>
+                <a:solidFill>
+                  <a:srgbClr val="DCDCDC"/>
+                </a:solidFill>
+                <a:effectLst/>
+                <a:latin typeface="新宋体" panose="02010609030101010101" pitchFamily="49" charset="-122"/>
+                <a:ea typeface="新宋体" panose="02010609030101010101" pitchFamily="49" charset="-122"/>
+              </a:rPr>
+              <a:t> </a:t>
+            </a:r>
+            <a:r>
+              <a:rPr kumimoji="0" lang="zh-CN" altLang="zh-CN" sz="1400" b="0" i="0" u="none" strike="noStrike" cap="none" normalizeH="0" baseline="0" dirty="0">
+                <a:ln>
+                  <a:noFill/>
+                </a:ln>
+                <a:solidFill>
+                  <a:srgbClr val="9CDCFE"/>
+                </a:solidFill>
+                <a:effectLst/>
+                <a:latin typeface="新宋体" panose="02010609030101010101" pitchFamily="49" charset="-122"/>
+                <a:ea typeface="新宋体" panose="02010609030101010101" pitchFamily="49" charset="-122"/>
+              </a:rPr>
+              <a:t>next</a:t>
+            </a:r>
+            <a:r>
+              <a:rPr kumimoji="0" lang="zh-CN" altLang="zh-CN" sz="1400" b="0" i="0" u="none" strike="noStrike" cap="none" normalizeH="0" baseline="0" dirty="0">
+                <a:ln>
+                  <a:noFill/>
+                </a:ln>
+                <a:solidFill>
+                  <a:srgbClr val="DCDCDC"/>
+                </a:solidFill>
+                <a:effectLst/>
+                <a:latin typeface="新宋体" panose="02010609030101010101" pitchFamily="49" charset="-122"/>
+                <a:ea typeface="新宋体" panose="02010609030101010101" pitchFamily="49" charset="-122"/>
+              </a:rPr>
+              <a:t>)</a:t>
+            </a:r>
+            <a:endParaRPr kumimoji="0" lang="en-US" altLang="zh-CN" sz="1400" b="0" i="0" u="none" strike="noStrike" cap="none" normalizeH="0" baseline="0" dirty="0">
+              <a:ln>
+                <a:noFill/>
+              </a:ln>
+              <a:solidFill>
+                <a:srgbClr val="DCDCDC"/>
+              </a:solidFill>
+              <a:effectLst/>
+              <a:latin typeface="新宋体" panose="02010609030101010101" pitchFamily="49" charset="-122"/>
+              <a:ea typeface="新宋体" panose="02010609030101010101" pitchFamily="49" charset="-122"/>
+            </a:endParaRPr>
+          </a:p>
+          <a:p>
+            <a:pPr marL="0" marR="0" lvl="0" indent="0" algn="l" defTabSz="914400" rtl="0" eaLnBrk="0" fontAlgn="base" latinLnBrk="0" hangingPunct="0">
+              <a:lnSpc>
+                <a:spcPct val="100000"/>
+              </a:lnSpc>
+              <a:spcBef>
+                <a:spcPct val="0"/>
+              </a:spcBef>
+              <a:spcAft>
+                <a:spcPct val="0"/>
+              </a:spcAft>
+              <a:buClrTx/>
+              <a:buSzTx/>
+              <a:buFontTx/>
+              <a:buNone/>
+              <a:tabLst/>
+            </a:pPr>
+            <a:r>
+              <a:rPr kumimoji="0" lang="zh-CN" altLang="zh-CN" sz="1400" b="0" i="0" u="none" strike="noStrike" cap="none" normalizeH="0" baseline="0" dirty="0">
+                <a:ln>
+                  <a:noFill/>
+                </a:ln>
+                <a:solidFill>
+                  <a:srgbClr val="DCDCDC"/>
+                </a:solidFill>
+                <a:effectLst/>
+                <a:latin typeface="新宋体" panose="02010609030101010101" pitchFamily="49" charset="-122"/>
+                <a:ea typeface="新宋体" panose="02010609030101010101" pitchFamily="49" charset="-122"/>
+              </a:rPr>
+              <a:t>     {</a:t>
+            </a:r>
+            <a:endParaRPr kumimoji="0" lang="en-US" altLang="zh-CN" sz="1400" b="0" i="0" u="none" strike="noStrike" cap="none" normalizeH="0" baseline="0" dirty="0">
+              <a:ln>
+                <a:noFill/>
+              </a:ln>
+              <a:solidFill>
+                <a:srgbClr val="DCDCDC"/>
+              </a:solidFill>
+              <a:effectLst/>
+              <a:latin typeface="新宋体" panose="02010609030101010101" pitchFamily="49" charset="-122"/>
+              <a:ea typeface="新宋体" panose="02010609030101010101" pitchFamily="49" charset="-122"/>
+            </a:endParaRPr>
+          </a:p>
+          <a:p>
+            <a:pPr marL="0" marR="0" lvl="0" indent="0" algn="l" defTabSz="914400" rtl="0" eaLnBrk="0" fontAlgn="base" latinLnBrk="0" hangingPunct="0">
+              <a:lnSpc>
+                <a:spcPct val="100000"/>
+              </a:lnSpc>
+              <a:spcBef>
+                <a:spcPct val="0"/>
+              </a:spcBef>
+              <a:spcAft>
+                <a:spcPct val="0"/>
+              </a:spcAft>
+              <a:buClrTx/>
+              <a:buSzTx/>
+              <a:buFontTx/>
+              <a:buNone/>
+              <a:tabLst/>
+            </a:pPr>
+            <a:r>
+              <a:rPr kumimoji="0" lang="zh-CN" altLang="zh-CN" sz="1400" b="0" i="0" u="none" strike="noStrike" cap="none" normalizeH="0" baseline="0" dirty="0">
+                <a:ln>
+                  <a:noFill/>
+                </a:ln>
+                <a:solidFill>
+                  <a:srgbClr val="DCDCDC"/>
+                </a:solidFill>
+                <a:effectLst/>
+                <a:latin typeface="新宋体" panose="02010609030101010101" pitchFamily="49" charset="-122"/>
+                <a:ea typeface="新宋体" panose="02010609030101010101" pitchFamily="49" charset="-122"/>
+              </a:rPr>
+              <a:t>         _next </a:t>
+            </a:r>
+            <a:r>
+              <a:rPr kumimoji="0" lang="zh-CN" altLang="zh-CN" sz="1400" b="0" i="0" u="none" strike="noStrike" cap="none" normalizeH="0" baseline="0" dirty="0">
+                <a:ln>
+                  <a:noFill/>
+                </a:ln>
+                <a:solidFill>
+                  <a:srgbClr val="B4B4B4"/>
+                </a:solidFill>
+                <a:effectLst/>
+                <a:latin typeface="新宋体" panose="02010609030101010101" pitchFamily="49" charset="-122"/>
+                <a:ea typeface="新宋体" panose="02010609030101010101" pitchFamily="49" charset="-122"/>
+              </a:rPr>
+              <a:t>=</a:t>
+            </a:r>
+            <a:r>
+              <a:rPr kumimoji="0" lang="zh-CN" altLang="zh-CN" sz="1400" b="0" i="0" u="none" strike="noStrike" cap="none" normalizeH="0" baseline="0" dirty="0">
+                <a:ln>
+                  <a:noFill/>
+                </a:ln>
+                <a:solidFill>
+                  <a:srgbClr val="DCDCDC"/>
+                </a:solidFill>
+                <a:effectLst/>
+                <a:latin typeface="新宋体" panose="02010609030101010101" pitchFamily="49" charset="-122"/>
+                <a:ea typeface="新宋体" panose="02010609030101010101" pitchFamily="49" charset="-122"/>
+              </a:rPr>
+              <a:t> </a:t>
+            </a:r>
+            <a:r>
+              <a:rPr kumimoji="0" lang="zh-CN" altLang="zh-CN" sz="1400" b="0" i="0" u="none" strike="noStrike" cap="none" normalizeH="0" baseline="0" dirty="0">
+                <a:ln>
+                  <a:noFill/>
+                </a:ln>
+                <a:solidFill>
+                  <a:srgbClr val="9CDCFE"/>
+                </a:solidFill>
+                <a:effectLst/>
+                <a:latin typeface="新宋体" panose="02010609030101010101" pitchFamily="49" charset="-122"/>
+                <a:ea typeface="新宋体" panose="02010609030101010101" pitchFamily="49" charset="-122"/>
+              </a:rPr>
+              <a:t>next</a:t>
+            </a:r>
+            <a:r>
+              <a:rPr kumimoji="0" lang="zh-CN" altLang="zh-CN" sz="1400" b="0" i="0" u="none" strike="noStrike" cap="none" normalizeH="0" baseline="0" dirty="0">
+                <a:ln>
+                  <a:noFill/>
+                </a:ln>
+                <a:solidFill>
+                  <a:srgbClr val="DCDCDC"/>
+                </a:solidFill>
+                <a:effectLst/>
+                <a:latin typeface="新宋体" panose="02010609030101010101" pitchFamily="49" charset="-122"/>
+                <a:ea typeface="新宋体" panose="02010609030101010101" pitchFamily="49" charset="-122"/>
+              </a:rPr>
+              <a:t>;</a:t>
+            </a:r>
+            <a:endParaRPr kumimoji="0" lang="en-US" altLang="zh-CN" sz="1400" b="0" i="0" u="none" strike="noStrike" cap="none" normalizeH="0" baseline="0" dirty="0">
+              <a:ln>
+                <a:noFill/>
+              </a:ln>
+              <a:solidFill>
+                <a:srgbClr val="DCDCDC"/>
+              </a:solidFill>
+              <a:effectLst/>
+              <a:latin typeface="新宋体" panose="02010609030101010101" pitchFamily="49" charset="-122"/>
+              <a:ea typeface="新宋体" panose="02010609030101010101" pitchFamily="49" charset="-122"/>
+            </a:endParaRPr>
+          </a:p>
+          <a:p>
+            <a:pPr marL="0" marR="0" lvl="0" indent="0" algn="l" defTabSz="914400" rtl="0" eaLnBrk="0" fontAlgn="base" latinLnBrk="0" hangingPunct="0">
+              <a:lnSpc>
+                <a:spcPct val="100000"/>
+              </a:lnSpc>
+              <a:spcBef>
+                <a:spcPct val="0"/>
+              </a:spcBef>
+              <a:spcAft>
+                <a:spcPct val="0"/>
+              </a:spcAft>
+              <a:buClrTx/>
+              <a:buSzTx/>
+              <a:buFontTx/>
+              <a:buNone/>
+              <a:tabLst/>
+            </a:pPr>
+            <a:r>
+              <a:rPr kumimoji="0" lang="zh-CN" altLang="zh-CN" sz="1400" b="0" i="0" u="none" strike="noStrike" cap="none" normalizeH="0" baseline="0" dirty="0">
+                <a:ln>
+                  <a:noFill/>
+                </a:ln>
+                <a:solidFill>
+                  <a:srgbClr val="DCDCDC"/>
+                </a:solidFill>
+                <a:effectLst/>
+                <a:latin typeface="新宋体" panose="02010609030101010101" pitchFamily="49" charset="-122"/>
+                <a:ea typeface="新宋体" panose="02010609030101010101" pitchFamily="49" charset="-122"/>
+              </a:rPr>
+              <a:t>     }</a:t>
+            </a:r>
+            <a:endParaRPr kumimoji="0" lang="en-US" altLang="zh-CN" sz="1400" b="0" i="0" u="none" strike="noStrike" cap="none" normalizeH="0" baseline="0" dirty="0">
+              <a:ln>
+                <a:noFill/>
+              </a:ln>
+              <a:solidFill>
+                <a:srgbClr val="DCDCDC"/>
+              </a:solidFill>
+              <a:effectLst/>
+              <a:latin typeface="新宋体" panose="02010609030101010101" pitchFamily="49" charset="-122"/>
+              <a:ea typeface="新宋体" panose="02010609030101010101" pitchFamily="49" charset="-122"/>
+            </a:endParaRPr>
+          </a:p>
+          <a:p>
+            <a:pPr marL="0" marR="0" lvl="0" indent="0" algn="l" defTabSz="914400" rtl="0" eaLnBrk="0" fontAlgn="base" latinLnBrk="0" hangingPunct="0">
+              <a:lnSpc>
+                <a:spcPct val="100000"/>
+              </a:lnSpc>
+              <a:spcBef>
+                <a:spcPct val="0"/>
+              </a:spcBef>
+              <a:spcAft>
+                <a:spcPct val="0"/>
+              </a:spcAft>
+              <a:buClrTx/>
+              <a:buSzTx/>
+              <a:buFontTx/>
+              <a:buNone/>
+              <a:tabLst/>
+            </a:pPr>
+            <a:r>
+              <a:rPr kumimoji="0" lang="zh-CN" altLang="zh-CN" sz="1400" b="0" i="0" u="none" strike="noStrike" cap="none" normalizeH="0" baseline="0" dirty="0">
+                <a:ln>
+                  <a:noFill/>
+                </a:ln>
+                <a:solidFill>
+                  <a:srgbClr val="DCDCDC"/>
+                </a:solidFill>
+                <a:effectLst/>
+                <a:latin typeface="新宋体" panose="02010609030101010101" pitchFamily="49" charset="-122"/>
+                <a:ea typeface="新宋体" panose="02010609030101010101" pitchFamily="49" charset="-122"/>
+              </a:rPr>
+              <a:t>     </a:t>
+            </a:r>
+            <a:r>
+              <a:rPr kumimoji="0" lang="zh-CN" altLang="zh-CN" sz="1400" b="0" i="0" u="none" strike="noStrike" cap="none" normalizeH="0" baseline="0" dirty="0">
+                <a:ln>
+                  <a:noFill/>
+                </a:ln>
+                <a:solidFill>
+                  <a:srgbClr val="569CD6"/>
+                </a:solidFill>
+                <a:effectLst/>
+                <a:latin typeface="新宋体" panose="02010609030101010101" pitchFamily="49" charset="-122"/>
+                <a:ea typeface="新宋体" panose="02010609030101010101" pitchFamily="49" charset="-122"/>
+              </a:rPr>
+              <a:t>public</a:t>
+            </a:r>
+            <a:r>
+              <a:rPr kumimoji="0" lang="zh-CN" altLang="zh-CN" sz="1400" b="0" i="0" u="none" strike="noStrike" cap="none" normalizeH="0" baseline="0" dirty="0">
+                <a:ln>
+                  <a:noFill/>
+                </a:ln>
+                <a:solidFill>
+                  <a:srgbClr val="DCDCDC"/>
+                </a:solidFill>
+                <a:effectLst/>
+                <a:latin typeface="新宋体" panose="02010609030101010101" pitchFamily="49" charset="-122"/>
+                <a:ea typeface="新宋体" panose="02010609030101010101" pitchFamily="49" charset="-122"/>
+              </a:rPr>
+              <a:t> </a:t>
+            </a:r>
+            <a:r>
+              <a:rPr kumimoji="0" lang="zh-CN" altLang="zh-CN" sz="1400" b="0" i="0" u="none" strike="noStrike" cap="none" normalizeH="0" baseline="0" dirty="0">
+                <a:ln>
+                  <a:noFill/>
+                </a:ln>
+                <a:solidFill>
+                  <a:srgbClr val="569CD6"/>
+                </a:solidFill>
+                <a:effectLst/>
+                <a:latin typeface="新宋体" panose="02010609030101010101" pitchFamily="49" charset="-122"/>
+                <a:ea typeface="新宋体" panose="02010609030101010101" pitchFamily="49" charset="-122"/>
+              </a:rPr>
+              <a:t>async</a:t>
+            </a:r>
+            <a:r>
+              <a:rPr kumimoji="0" lang="zh-CN" altLang="zh-CN" sz="1400" b="0" i="0" u="none" strike="noStrike" cap="none" normalizeH="0" baseline="0" dirty="0">
+                <a:ln>
+                  <a:noFill/>
+                </a:ln>
+                <a:solidFill>
+                  <a:srgbClr val="DCDCDC"/>
+                </a:solidFill>
+                <a:effectLst/>
+                <a:latin typeface="新宋体" panose="02010609030101010101" pitchFamily="49" charset="-122"/>
+                <a:ea typeface="新宋体" panose="02010609030101010101" pitchFamily="49" charset="-122"/>
+              </a:rPr>
+              <a:t> </a:t>
+            </a:r>
+            <a:r>
+              <a:rPr kumimoji="0" lang="zh-CN" altLang="zh-CN" sz="1400" b="0" i="0" u="none" strike="noStrike" cap="none" normalizeH="0" baseline="0" dirty="0">
+                <a:ln>
+                  <a:noFill/>
+                </a:ln>
+                <a:solidFill>
+                  <a:srgbClr val="4EC9B0"/>
+                </a:solidFill>
+                <a:effectLst/>
+                <a:latin typeface="新宋体" panose="02010609030101010101" pitchFamily="49" charset="-122"/>
+                <a:ea typeface="新宋体" panose="02010609030101010101" pitchFamily="49" charset="-122"/>
+              </a:rPr>
+              <a:t>Task</a:t>
+            </a:r>
+            <a:r>
+              <a:rPr kumimoji="0" lang="zh-CN" altLang="zh-CN" sz="1400" b="0" i="0" u="none" strike="noStrike" cap="none" normalizeH="0" baseline="0" dirty="0">
+                <a:ln>
+                  <a:noFill/>
+                </a:ln>
+                <a:solidFill>
+                  <a:srgbClr val="DCDCDC"/>
+                </a:solidFill>
+                <a:effectLst/>
+                <a:latin typeface="新宋体" panose="02010609030101010101" pitchFamily="49" charset="-122"/>
+                <a:ea typeface="新宋体" panose="02010609030101010101" pitchFamily="49" charset="-122"/>
+              </a:rPr>
+              <a:t> </a:t>
+            </a:r>
+            <a:r>
+              <a:rPr kumimoji="0" lang="zh-CN" altLang="zh-CN" sz="1400" b="0" i="0" u="none" strike="noStrike" cap="none" normalizeH="0" baseline="0" dirty="0">
+                <a:ln>
+                  <a:noFill/>
+                </a:ln>
+                <a:solidFill>
+                  <a:srgbClr val="DCDCAA"/>
+                </a:solidFill>
+                <a:effectLst/>
+                <a:latin typeface="新宋体" panose="02010609030101010101" pitchFamily="49" charset="-122"/>
+                <a:ea typeface="新宋体" panose="02010609030101010101" pitchFamily="49" charset="-122"/>
+              </a:rPr>
+              <a:t>InvokeAsync</a:t>
+            </a:r>
+            <a:r>
+              <a:rPr kumimoji="0" lang="zh-CN" altLang="zh-CN" sz="1400" b="0" i="0" u="none" strike="noStrike" cap="none" normalizeH="0" baseline="0" dirty="0">
+                <a:ln>
+                  <a:noFill/>
+                </a:ln>
+                <a:solidFill>
+                  <a:srgbClr val="DCDCDC"/>
+                </a:solidFill>
+                <a:effectLst/>
+                <a:latin typeface="新宋体" panose="02010609030101010101" pitchFamily="49" charset="-122"/>
+                <a:ea typeface="新宋体" panose="02010609030101010101" pitchFamily="49" charset="-122"/>
+              </a:rPr>
+              <a:t>(</a:t>
+            </a:r>
+            <a:r>
+              <a:rPr kumimoji="0" lang="zh-CN" altLang="zh-CN" sz="1400" b="0" i="0" u="none" strike="noStrike" cap="none" normalizeH="0" baseline="0" dirty="0">
+                <a:ln>
+                  <a:noFill/>
+                </a:ln>
+                <a:solidFill>
+                  <a:srgbClr val="4EC9B0"/>
+                </a:solidFill>
+                <a:effectLst/>
+                <a:latin typeface="新宋体" panose="02010609030101010101" pitchFamily="49" charset="-122"/>
+                <a:ea typeface="新宋体" panose="02010609030101010101" pitchFamily="49" charset="-122"/>
+              </a:rPr>
+              <a:t>HttpContext</a:t>
+            </a:r>
+            <a:r>
+              <a:rPr kumimoji="0" lang="zh-CN" altLang="zh-CN" sz="1400" b="0" i="0" u="none" strike="noStrike" cap="none" normalizeH="0" baseline="0" dirty="0">
+                <a:ln>
+                  <a:noFill/>
+                </a:ln>
+                <a:solidFill>
+                  <a:srgbClr val="DCDCDC"/>
+                </a:solidFill>
+                <a:effectLst/>
+                <a:latin typeface="新宋体" panose="02010609030101010101" pitchFamily="49" charset="-122"/>
+                <a:ea typeface="新宋体" panose="02010609030101010101" pitchFamily="49" charset="-122"/>
+              </a:rPr>
+              <a:t> </a:t>
+            </a:r>
+            <a:r>
+              <a:rPr kumimoji="0" lang="zh-CN" altLang="zh-CN" sz="1400" b="0" i="0" u="none" strike="noStrike" cap="none" normalizeH="0" baseline="0" dirty="0">
+                <a:ln>
+                  <a:noFill/>
+                </a:ln>
+                <a:solidFill>
+                  <a:srgbClr val="9CDCFE"/>
+                </a:solidFill>
+                <a:effectLst/>
+                <a:latin typeface="新宋体" panose="02010609030101010101" pitchFamily="49" charset="-122"/>
+                <a:ea typeface="新宋体" panose="02010609030101010101" pitchFamily="49" charset="-122"/>
+              </a:rPr>
+              <a:t>context</a:t>
+            </a:r>
+            <a:r>
+              <a:rPr kumimoji="0" lang="zh-CN" altLang="zh-CN" sz="1400" b="0" i="0" u="none" strike="noStrike" cap="none" normalizeH="0" baseline="0" dirty="0">
+                <a:ln>
+                  <a:noFill/>
+                </a:ln>
+                <a:solidFill>
+                  <a:srgbClr val="DCDCDC"/>
+                </a:solidFill>
+                <a:effectLst/>
+                <a:latin typeface="新宋体" panose="02010609030101010101" pitchFamily="49" charset="-122"/>
+                <a:ea typeface="新宋体" panose="02010609030101010101" pitchFamily="49" charset="-122"/>
+              </a:rPr>
+              <a:t>, </a:t>
+            </a:r>
+            <a:r>
+              <a:rPr kumimoji="0" lang="zh-CN" altLang="zh-CN" sz="1400" b="0" i="0" u="none" strike="noStrike" cap="none" normalizeH="0" baseline="0" dirty="0">
+                <a:ln>
+                  <a:noFill/>
+                </a:ln>
+                <a:solidFill>
+                  <a:srgbClr val="B8D7A3"/>
+                </a:solidFill>
+                <a:effectLst/>
+                <a:latin typeface="新宋体" panose="02010609030101010101" pitchFamily="49" charset="-122"/>
+                <a:ea typeface="新宋体" panose="02010609030101010101" pitchFamily="49" charset="-122"/>
+              </a:rPr>
+              <a:t>IRequeryCountRepository</a:t>
+            </a:r>
+            <a:r>
+              <a:rPr kumimoji="0" lang="zh-CN" altLang="zh-CN" sz="1400" b="0" i="0" u="none" strike="noStrike" cap="none" normalizeH="0" baseline="0" dirty="0">
+                <a:ln>
+                  <a:noFill/>
+                </a:ln>
+                <a:solidFill>
+                  <a:srgbClr val="DCDCDC"/>
+                </a:solidFill>
+                <a:effectLst/>
+                <a:latin typeface="新宋体" panose="02010609030101010101" pitchFamily="49" charset="-122"/>
+                <a:ea typeface="新宋体" panose="02010609030101010101" pitchFamily="49" charset="-122"/>
+              </a:rPr>
+              <a:t> </a:t>
+            </a:r>
+            <a:r>
+              <a:rPr kumimoji="0" lang="zh-CN" altLang="zh-CN" sz="1400" b="0" i="0" u="none" strike="noStrike" cap="none" normalizeH="0" baseline="0" dirty="0">
+                <a:ln>
+                  <a:noFill/>
+                </a:ln>
+                <a:solidFill>
+                  <a:srgbClr val="9CDCFE"/>
+                </a:solidFill>
+                <a:effectLst/>
+                <a:latin typeface="新宋体" panose="02010609030101010101" pitchFamily="49" charset="-122"/>
+                <a:ea typeface="新宋体" panose="02010609030101010101" pitchFamily="49" charset="-122"/>
+              </a:rPr>
+              <a:t>requeryCountRepository</a:t>
+            </a:r>
+            <a:r>
+              <a:rPr kumimoji="0" lang="zh-CN" altLang="zh-CN" sz="1400" b="0" i="0" u="none" strike="noStrike" cap="none" normalizeH="0" baseline="0" dirty="0">
+                <a:ln>
+                  <a:noFill/>
+                </a:ln>
+                <a:solidFill>
+                  <a:srgbClr val="DCDCDC"/>
+                </a:solidFill>
+                <a:effectLst/>
+                <a:latin typeface="新宋体" panose="02010609030101010101" pitchFamily="49" charset="-122"/>
+                <a:ea typeface="新宋体" panose="02010609030101010101" pitchFamily="49" charset="-122"/>
+              </a:rPr>
+              <a:t>)</a:t>
+            </a:r>
+            <a:endParaRPr kumimoji="0" lang="en-US" altLang="zh-CN" sz="1400" b="0" i="0" u="none" strike="noStrike" cap="none" normalizeH="0" baseline="0" dirty="0">
+              <a:ln>
+                <a:noFill/>
+              </a:ln>
+              <a:solidFill>
+                <a:srgbClr val="DCDCDC"/>
+              </a:solidFill>
+              <a:effectLst/>
+              <a:latin typeface="新宋体" panose="02010609030101010101" pitchFamily="49" charset="-122"/>
+              <a:ea typeface="新宋体" panose="02010609030101010101" pitchFamily="49" charset="-122"/>
+            </a:endParaRPr>
+          </a:p>
+          <a:p>
+            <a:pPr marL="0" marR="0" lvl="0" indent="0" algn="l" defTabSz="914400" rtl="0" eaLnBrk="0" fontAlgn="base" latinLnBrk="0" hangingPunct="0">
+              <a:lnSpc>
+                <a:spcPct val="100000"/>
+              </a:lnSpc>
+              <a:spcBef>
+                <a:spcPct val="0"/>
+              </a:spcBef>
+              <a:spcAft>
+                <a:spcPct val="0"/>
+              </a:spcAft>
+              <a:buClrTx/>
+              <a:buSzTx/>
+              <a:buFontTx/>
+              <a:buNone/>
+              <a:tabLst/>
+            </a:pPr>
+            <a:r>
+              <a:rPr kumimoji="0" lang="zh-CN" altLang="zh-CN" sz="1400" b="0" i="0" u="none" strike="noStrike" cap="none" normalizeH="0" baseline="0" dirty="0">
+                <a:ln>
+                  <a:noFill/>
+                </a:ln>
+                <a:solidFill>
+                  <a:srgbClr val="DCDCDC"/>
+                </a:solidFill>
+                <a:effectLst/>
+                <a:latin typeface="新宋体" panose="02010609030101010101" pitchFamily="49" charset="-122"/>
+                <a:ea typeface="新宋体" panose="02010609030101010101" pitchFamily="49" charset="-122"/>
+              </a:rPr>
+              <a:t>     {</a:t>
+            </a:r>
+            <a:endParaRPr kumimoji="0" lang="en-US" altLang="zh-CN" sz="1400" b="0" i="0" u="none" strike="noStrike" cap="none" normalizeH="0" baseline="0" dirty="0">
+              <a:ln>
+                <a:noFill/>
+              </a:ln>
+              <a:solidFill>
+                <a:srgbClr val="DCDCDC"/>
+              </a:solidFill>
+              <a:effectLst/>
+              <a:latin typeface="新宋体" panose="02010609030101010101" pitchFamily="49" charset="-122"/>
+              <a:ea typeface="新宋体" panose="02010609030101010101" pitchFamily="49" charset="-122"/>
+            </a:endParaRPr>
+          </a:p>
+          <a:p>
+            <a:pPr marL="0" marR="0" lvl="0" indent="0" algn="l" defTabSz="914400" rtl="0" eaLnBrk="0" fontAlgn="base" latinLnBrk="0" hangingPunct="0">
+              <a:lnSpc>
+                <a:spcPct val="100000"/>
+              </a:lnSpc>
+              <a:spcBef>
+                <a:spcPct val="0"/>
+              </a:spcBef>
+              <a:spcAft>
+                <a:spcPct val="0"/>
+              </a:spcAft>
+              <a:buClrTx/>
+              <a:buSzTx/>
+              <a:buFontTx/>
+              <a:buNone/>
+              <a:tabLst/>
+            </a:pPr>
+            <a:r>
+              <a:rPr kumimoji="0" lang="zh-CN" altLang="zh-CN" sz="1400" b="0" i="0" u="none" strike="noStrike" cap="none" normalizeH="0" baseline="0" dirty="0">
+                <a:ln>
+                  <a:noFill/>
+                </a:ln>
+                <a:solidFill>
+                  <a:srgbClr val="DCDCDC"/>
+                </a:solidFill>
+                <a:effectLst/>
+                <a:latin typeface="新宋体" panose="02010609030101010101" pitchFamily="49" charset="-122"/>
+                <a:ea typeface="新宋体" panose="02010609030101010101" pitchFamily="49" charset="-122"/>
+              </a:rPr>
+              <a:t>         </a:t>
+            </a:r>
+            <a:r>
+              <a:rPr kumimoji="0" lang="zh-CN" altLang="zh-CN" sz="1400" b="0" i="0" u="none" strike="noStrike" cap="none" normalizeH="0" baseline="0" dirty="0">
+                <a:ln>
+                  <a:noFill/>
+                </a:ln>
+                <a:solidFill>
+                  <a:srgbClr val="9CDCFE"/>
+                </a:solidFill>
+                <a:effectLst/>
+                <a:latin typeface="新宋体" panose="02010609030101010101" pitchFamily="49" charset="-122"/>
+                <a:ea typeface="新宋体" panose="02010609030101010101" pitchFamily="49" charset="-122"/>
+              </a:rPr>
+              <a:t>requeryCountRepository</a:t>
+            </a:r>
+            <a:r>
+              <a:rPr kumimoji="0" lang="zh-CN" altLang="zh-CN" sz="1400" b="0" i="0" u="none" strike="noStrike" cap="none" normalizeH="0" baseline="0" dirty="0">
+                <a:ln>
+                  <a:noFill/>
+                </a:ln>
+                <a:solidFill>
+                  <a:srgbClr val="B4B4B4"/>
+                </a:solidFill>
+                <a:effectLst/>
+                <a:latin typeface="新宋体" panose="02010609030101010101" pitchFamily="49" charset="-122"/>
+                <a:ea typeface="新宋体" panose="02010609030101010101" pitchFamily="49" charset="-122"/>
+              </a:rPr>
+              <a:t>.</a:t>
+            </a:r>
+            <a:r>
+              <a:rPr kumimoji="0" lang="zh-CN" altLang="zh-CN" sz="1400" b="0" i="0" u="none" strike="noStrike" cap="none" normalizeH="0" baseline="0" dirty="0">
+                <a:ln>
+                  <a:noFill/>
+                </a:ln>
+                <a:solidFill>
+                  <a:srgbClr val="DCDCDC"/>
+                </a:solidFill>
+                <a:effectLst/>
+                <a:latin typeface="新宋体" panose="02010609030101010101" pitchFamily="49" charset="-122"/>
+                <a:ea typeface="新宋体" panose="02010609030101010101" pitchFamily="49" charset="-122"/>
+              </a:rPr>
+              <a:t>RequestCount</a:t>
+            </a:r>
+            <a:r>
+              <a:rPr kumimoji="0" lang="zh-CN" altLang="zh-CN" sz="1400" b="0" i="0" u="none" strike="noStrike" cap="none" normalizeH="0" baseline="0" dirty="0">
+                <a:ln>
+                  <a:noFill/>
+                </a:ln>
+                <a:solidFill>
+                  <a:srgbClr val="B4B4B4"/>
+                </a:solidFill>
+                <a:effectLst/>
+                <a:latin typeface="新宋体" panose="02010609030101010101" pitchFamily="49" charset="-122"/>
+                <a:ea typeface="新宋体" panose="02010609030101010101" pitchFamily="49" charset="-122"/>
+              </a:rPr>
+              <a:t>.</a:t>
+            </a:r>
+            <a:r>
+              <a:rPr kumimoji="0" lang="zh-CN" altLang="zh-CN" sz="1400" b="0" i="0" u="none" strike="noStrike" cap="none" normalizeH="0" baseline="0" dirty="0">
+                <a:ln>
+                  <a:noFill/>
+                </a:ln>
+                <a:solidFill>
+                  <a:srgbClr val="DCDCAA"/>
+                </a:solidFill>
+                <a:effectLst/>
+                <a:latin typeface="新宋体" panose="02010609030101010101" pitchFamily="49" charset="-122"/>
+                <a:ea typeface="新宋体" panose="02010609030101010101" pitchFamily="49" charset="-122"/>
+              </a:rPr>
+              <a:t>Add</a:t>
+            </a:r>
+            <a:r>
+              <a:rPr kumimoji="0" lang="zh-CN" altLang="zh-CN" sz="1400" b="0" i="0" u="none" strike="noStrike" cap="none" normalizeH="0" baseline="0" dirty="0">
+                <a:ln>
+                  <a:noFill/>
+                </a:ln>
+                <a:solidFill>
+                  <a:srgbClr val="DCDCDC"/>
+                </a:solidFill>
+                <a:effectLst/>
+                <a:latin typeface="新宋体" panose="02010609030101010101" pitchFamily="49" charset="-122"/>
+                <a:ea typeface="新宋体" panose="02010609030101010101" pitchFamily="49" charset="-122"/>
+              </a:rPr>
+              <a:t>(</a:t>
+            </a:r>
+            <a:r>
+              <a:rPr kumimoji="0" lang="zh-CN" altLang="zh-CN" sz="1400" b="0" i="0" u="none" strike="noStrike" cap="none" normalizeH="0" baseline="0" dirty="0">
+                <a:ln>
+                  <a:noFill/>
+                </a:ln>
+                <a:solidFill>
+                  <a:srgbClr val="9CDCFE"/>
+                </a:solidFill>
+                <a:effectLst/>
+                <a:latin typeface="新宋体" panose="02010609030101010101" pitchFamily="49" charset="-122"/>
+                <a:ea typeface="新宋体" panose="02010609030101010101" pitchFamily="49" charset="-122"/>
+              </a:rPr>
+              <a:t>context</a:t>
+            </a:r>
+            <a:r>
+              <a:rPr kumimoji="0" lang="zh-CN" altLang="zh-CN" sz="1400" b="0" i="0" u="none" strike="noStrike" cap="none" normalizeH="0" baseline="0" dirty="0">
+                <a:ln>
+                  <a:noFill/>
+                </a:ln>
+                <a:solidFill>
+                  <a:srgbClr val="B4B4B4"/>
+                </a:solidFill>
+                <a:effectLst/>
+                <a:latin typeface="新宋体" panose="02010609030101010101" pitchFamily="49" charset="-122"/>
+                <a:ea typeface="新宋体" panose="02010609030101010101" pitchFamily="49" charset="-122"/>
+              </a:rPr>
+              <a:t>.</a:t>
+            </a:r>
+            <a:r>
+              <a:rPr kumimoji="0" lang="zh-CN" altLang="zh-CN" sz="1400" b="0" i="0" u="none" strike="noStrike" cap="none" normalizeH="0" baseline="0" dirty="0">
+                <a:ln>
+                  <a:noFill/>
+                </a:ln>
+                <a:solidFill>
+                  <a:srgbClr val="DCDCDC"/>
+                </a:solidFill>
+                <a:effectLst/>
+                <a:latin typeface="新宋体" panose="02010609030101010101" pitchFamily="49" charset="-122"/>
+                <a:ea typeface="新宋体" panose="02010609030101010101" pitchFamily="49" charset="-122"/>
+              </a:rPr>
+              <a:t>TraceIdentifier, </a:t>
+            </a:r>
+            <a:r>
+              <a:rPr kumimoji="0" lang="zh-CN" altLang="zh-CN" sz="1400" b="0" i="0" u="none" strike="noStrike" cap="none" normalizeH="0" baseline="0" dirty="0">
+                <a:ln>
+                  <a:noFill/>
+                </a:ln>
+                <a:solidFill>
+                  <a:srgbClr val="569CD6"/>
+                </a:solidFill>
+                <a:effectLst/>
+                <a:latin typeface="新宋体" panose="02010609030101010101" pitchFamily="49" charset="-122"/>
+                <a:ea typeface="新宋体" panose="02010609030101010101" pitchFamily="49" charset="-122"/>
+              </a:rPr>
+              <a:t>true</a:t>
+            </a:r>
+            <a:r>
+              <a:rPr kumimoji="0" lang="zh-CN" altLang="zh-CN" sz="1400" b="0" i="0" u="none" strike="noStrike" cap="none" normalizeH="0" baseline="0" dirty="0">
+                <a:ln>
+                  <a:noFill/>
+                </a:ln>
+                <a:solidFill>
+                  <a:srgbClr val="DCDCDC"/>
+                </a:solidFill>
+                <a:effectLst/>
+                <a:latin typeface="新宋体" panose="02010609030101010101" pitchFamily="49" charset="-122"/>
+                <a:ea typeface="新宋体" panose="02010609030101010101" pitchFamily="49" charset="-122"/>
+              </a:rPr>
+              <a:t>);</a:t>
+            </a:r>
+            <a:endParaRPr kumimoji="0" lang="en-US" altLang="zh-CN" sz="1400" b="0" i="0" u="none" strike="noStrike" cap="none" normalizeH="0" baseline="0" dirty="0">
+              <a:ln>
+                <a:noFill/>
+              </a:ln>
+              <a:solidFill>
+                <a:srgbClr val="DCDCDC"/>
+              </a:solidFill>
+              <a:effectLst/>
+              <a:latin typeface="新宋体" panose="02010609030101010101" pitchFamily="49" charset="-122"/>
+              <a:ea typeface="新宋体" panose="02010609030101010101" pitchFamily="49" charset="-122"/>
+            </a:endParaRPr>
+          </a:p>
+          <a:p>
+            <a:pPr marL="0" marR="0" lvl="0" indent="0" algn="l" defTabSz="914400" rtl="0" eaLnBrk="0" fontAlgn="base" latinLnBrk="0" hangingPunct="0">
+              <a:lnSpc>
+                <a:spcPct val="100000"/>
+              </a:lnSpc>
+              <a:spcBef>
+                <a:spcPct val="0"/>
+              </a:spcBef>
+              <a:spcAft>
+                <a:spcPct val="0"/>
+              </a:spcAft>
+              <a:buClrTx/>
+              <a:buSzTx/>
+              <a:buFontTx/>
+              <a:buNone/>
+              <a:tabLst/>
+            </a:pPr>
+            <a:r>
+              <a:rPr kumimoji="0" lang="zh-CN" altLang="zh-CN" sz="1400" b="0" i="0" u="none" strike="noStrike" cap="none" normalizeH="0" baseline="0" dirty="0">
+                <a:ln>
+                  <a:noFill/>
+                </a:ln>
+                <a:solidFill>
+                  <a:srgbClr val="DCDCDC"/>
+                </a:solidFill>
+                <a:effectLst/>
+                <a:latin typeface="新宋体" panose="02010609030101010101" pitchFamily="49" charset="-122"/>
+                <a:ea typeface="新宋体" panose="02010609030101010101" pitchFamily="49" charset="-122"/>
+              </a:rPr>
+              <a:t>         </a:t>
+            </a:r>
+            <a:r>
+              <a:rPr kumimoji="0" lang="zh-CN" altLang="zh-CN" sz="1400" b="0" i="0" u="none" strike="noStrike" cap="none" normalizeH="0" baseline="0" dirty="0">
+                <a:ln>
+                  <a:noFill/>
+                </a:ln>
+                <a:solidFill>
+                  <a:srgbClr val="569CD6"/>
+                </a:solidFill>
+                <a:effectLst/>
+                <a:latin typeface="新宋体" panose="02010609030101010101" pitchFamily="49" charset="-122"/>
+                <a:ea typeface="新宋体" panose="02010609030101010101" pitchFamily="49" charset="-122"/>
+              </a:rPr>
+              <a:t>await</a:t>
+            </a:r>
+            <a:r>
+              <a:rPr kumimoji="0" lang="zh-CN" altLang="zh-CN" sz="1400" b="0" i="0" u="none" strike="noStrike" cap="none" normalizeH="0" baseline="0" dirty="0">
+                <a:ln>
+                  <a:noFill/>
+                </a:ln>
+                <a:solidFill>
+                  <a:srgbClr val="DCDCDC"/>
+                </a:solidFill>
+                <a:effectLst/>
+                <a:latin typeface="新宋体" panose="02010609030101010101" pitchFamily="49" charset="-122"/>
+                <a:ea typeface="新宋体" panose="02010609030101010101" pitchFamily="49" charset="-122"/>
+              </a:rPr>
+              <a:t> _next(</a:t>
+            </a:r>
+            <a:r>
+              <a:rPr kumimoji="0" lang="zh-CN" altLang="zh-CN" sz="1400" b="0" i="0" u="none" strike="noStrike" cap="none" normalizeH="0" baseline="0" dirty="0">
+                <a:ln>
+                  <a:noFill/>
+                </a:ln>
+                <a:solidFill>
+                  <a:srgbClr val="9CDCFE"/>
+                </a:solidFill>
+                <a:effectLst/>
+                <a:latin typeface="新宋体" panose="02010609030101010101" pitchFamily="49" charset="-122"/>
+                <a:ea typeface="新宋体" panose="02010609030101010101" pitchFamily="49" charset="-122"/>
+              </a:rPr>
+              <a:t>context</a:t>
+            </a:r>
+            <a:r>
+              <a:rPr kumimoji="0" lang="zh-CN" altLang="zh-CN" sz="1400" b="0" i="0" u="none" strike="noStrike" cap="none" normalizeH="0" baseline="0" dirty="0">
+                <a:ln>
+                  <a:noFill/>
+                </a:ln>
+                <a:solidFill>
+                  <a:srgbClr val="DCDCDC"/>
+                </a:solidFill>
+                <a:effectLst/>
+                <a:latin typeface="新宋体" panose="02010609030101010101" pitchFamily="49" charset="-122"/>
+                <a:ea typeface="新宋体" panose="02010609030101010101" pitchFamily="49" charset="-122"/>
+              </a:rPr>
+              <a:t>);</a:t>
+            </a:r>
+            <a:endParaRPr kumimoji="0" lang="en-US" altLang="zh-CN" sz="1400" b="0" i="0" u="none" strike="noStrike" cap="none" normalizeH="0" baseline="0" dirty="0">
+              <a:ln>
+                <a:noFill/>
+              </a:ln>
+              <a:solidFill>
+                <a:srgbClr val="DCDCDC"/>
+              </a:solidFill>
+              <a:effectLst/>
+              <a:latin typeface="新宋体" panose="02010609030101010101" pitchFamily="49" charset="-122"/>
+              <a:ea typeface="新宋体" panose="02010609030101010101" pitchFamily="49" charset="-122"/>
+            </a:endParaRPr>
+          </a:p>
+          <a:p>
+            <a:pPr marL="0" marR="0" lvl="0" indent="0" algn="l" defTabSz="914400" rtl="0" eaLnBrk="0" fontAlgn="base" latinLnBrk="0" hangingPunct="0">
+              <a:lnSpc>
+                <a:spcPct val="100000"/>
+              </a:lnSpc>
+              <a:spcBef>
+                <a:spcPct val="0"/>
+              </a:spcBef>
+              <a:spcAft>
+                <a:spcPct val="0"/>
+              </a:spcAft>
+              <a:buClrTx/>
+              <a:buSzTx/>
+              <a:buFontTx/>
+              <a:buNone/>
+              <a:tabLst/>
+            </a:pPr>
+            <a:r>
+              <a:rPr kumimoji="0" lang="zh-CN" altLang="zh-CN" sz="1400" b="0" i="0" u="none" strike="noStrike" cap="none" normalizeH="0" baseline="0" dirty="0">
+                <a:ln>
+                  <a:noFill/>
+                </a:ln>
+                <a:solidFill>
+                  <a:srgbClr val="DCDCDC"/>
+                </a:solidFill>
+                <a:effectLst/>
+                <a:latin typeface="新宋体" panose="02010609030101010101" pitchFamily="49" charset="-122"/>
+                <a:ea typeface="新宋体" panose="02010609030101010101" pitchFamily="49" charset="-122"/>
+              </a:rPr>
+              <a:t>         </a:t>
+            </a:r>
+            <a:r>
+              <a:rPr kumimoji="0" lang="zh-CN" altLang="zh-CN" sz="1400" b="0" i="0" u="none" strike="noStrike" cap="none" normalizeH="0" baseline="0" dirty="0">
+                <a:ln>
+                  <a:noFill/>
+                </a:ln>
+                <a:solidFill>
+                  <a:srgbClr val="9CDCFE"/>
+                </a:solidFill>
+                <a:effectLst/>
+                <a:latin typeface="新宋体" panose="02010609030101010101" pitchFamily="49" charset="-122"/>
+                <a:ea typeface="新宋体" panose="02010609030101010101" pitchFamily="49" charset="-122"/>
+              </a:rPr>
+              <a:t>requeryCountRepository</a:t>
+            </a:r>
+            <a:r>
+              <a:rPr kumimoji="0" lang="zh-CN" altLang="zh-CN" sz="1400" b="0" i="0" u="none" strike="noStrike" cap="none" normalizeH="0" baseline="0" dirty="0">
+                <a:ln>
+                  <a:noFill/>
+                </a:ln>
+                <a:solidFill>
+                  <a:srgbClr val="B4B4B4"/>
+                </a:solidFill>
+                <a:effectLst/>
+                <a:latin typeface="新宋体" panose="02010609030101010101" pitchFamily="49" charset="-122"/>
+                <a:ea typeface="新宋体" panose="02010609030101010101" pitchFamily="49" charset="-122"/>
+              </a:rPr>
+              <a:t>.</a:t>
+            </a:r>
+            <a:r>
+              <a:rPr kumimoji="0" lang="zh-CN" altLang="zh-CN" sz="1400" b="0" i="0" u="none" strike="noStrike" cap="none" normalizeH="0" baseline="0" dirty="0">
+                <a:ln>
+                  <a:noFill/>
+                </a:ln>
+                <a:solidFill>
+                  <a:srgbClr val="DCDCDC"/>
+                </a:solidFill>
+                <a:effectLst/>
+                <a:latin typeface="新宋体" panose="02010609030101010101" pitchFamily="49" charset="-122"/>
+                <a:ea typeface="新宋体" panose="02010609030101010101" pitchFamily="49" charset="-122"/>
+              </a:rPr>
+              <a:t>RequestCount[</a:t>
+            </a:r>
+            <a:r>
+              <a:rPr kumimoji="0" lang="zh-CN" altLang="zh-CN" sz="1400" b="0" i="0" u="none" strike="noStrike" cap="none" normalizeH="0" baseline="0" dirty="0">
+                <a:ln>
+                  <a:noFill/>
+                </a:ln>
+                <a:solidFill>
+                  <a:srgbClr val="9CDCFE"/>
+                </a:solidFill>
+                <a:effectLst/>
+                <a:latin typeface="新宋体" panose="02010609030101010101" pitchFamily="49" charset="-122"/>
+                <a:ea typeface="新宋体" panose="02010609030101010101" pitchFamily="49" charset="-122"/>
+              </a:rPr>
+              <a:t>context</a:t>
+            </a:r>
+            <a:r>
+              <a:rPr kumimoji="0" lang="zh-CN" altLang="zh-CN" sz="1400" b="0" i="0" u="none" strike="noStrike" cap="none" normalizeH="0" baseline="0" dirty="0">
+                <a:ln>
+                  <a:noFill/>
+                </a:ln>
+                <a:solidFill>
+                  <a:srgbClr val="B4B4B4"/>
+                </a:solidFill>
+                <a:effectLst/>
+                <a:latin typeface="新宋体" panose="02010609030101010101" pitchFamily="49" charset="-122"/>
+                <a:ea typeface="新宋体" panose="02010609030101010101" pitchFamily="49" charset="-122"/>
+              </a:rPr>
+              <a:t>.</a:t>
+            </a:r>
+            <a:r>
+              <a:rPr kumimoji="0" lang="zh-CN" altLang="zh-CN" sz="1400" b="0" i="0" u="none" strike="noStrike" cap="none" normalizeH="0" baseline="0" dirty="0">
+                <a:ln>
+                  <a:noFill/>
+                </a:ln>
+                <a:solidFill>
+                  <a:srgbClr val="DCDCDC"/>
+                </a:solidFill>
+                <a:effectLst/>
+                <a:latin typeface="新宋体" panose="02010609030101010101" pitchFamily="49" charset="-122"/>
+                <a:ea typeface="新宋体" panose="02010609030101010101" pitchFamily="49" charset="-122"/>
+              </a:rPr>
+              <a:t>TraceIdentifier] </a:t>
+            </a:r>
+            <a:r>
+              <a:rPr kumimoji="0" lang="zh-CN" altLang="zh-CN" sz="1400" b="0" i="0" u="none" strike="noStrike" cap="none" normalizeH="0" baseline="0" dirty="0">
+                <a:ln>
+                  <a:noFill/>
+                </a:ln>
+                <a:solidFill>
+                  <a:srgbClr val="B4B4B4"/>
+                </a:solidFill>
+                <a:effectLst/>
+                <a:latin typeface="新宋体" panose="02010609030101010101" pitchFamily="49" charset="-122"/>
+                <a:ea typeface="新宋体" panose="02010609030101010101" pitchFamily="49" charset="-122"/>
+              </a:rPr>
+              <a:t>=</a:t>
+            </a:r>
+            <a:r>
+              <a:rPr kumimoji="0" lang="zh-CN" altLang="zh-CN" sz="1400" b="0" i="0" u="none" strike="noStrike" cap="none" normalizeH="0" baseline="0" dirty="0">
+                <a:ln>
+                  <a:noFill/>
+                </a:ln>
+                <a:solidFill>
+                  <a:srgbClr val="DCDCDC"/>
+                </a:solidFill>
+                <a:effectLst/>
+                <a:latin typeface="新宋体" panose="02010609030101010101" pitchFamily="49" charset="-122"/>
+                <a:ea typeface="新宋体" panose="02010609030101010101" pitchFamily="49" charset="-122"/>
+              </a:rPr>
+              <a:t> </a:t>
+            </a:r>
+            <a:r>
+              <a:rPr kumimoji="0" lang="zh-CN" altLang="zh-CN" sz="1400" b="0" i="0" u="none" strike="noStrike" cap="none" normalizeH="0" baseline="0" dirty="0">
+                <a:ln>
+                  <a:noFill/>
+                </a:ln>
+                <a:solidFill>
+                  <a:srgbClr val="569CD6"/>
+                </a:solidFill>
+                <a:effectLst/>
+                <a:latin typeface="新宋体" panose="02010609030101010101" pitchFamily="49" charset="-122"/>
+                <a:ea typeface="新宋体" panose="02010609030101010101" pitchFamily="49" charset="-122"/>
+              </a:rPr>
+              <a:t>false</a:t>
+            </a:r>
+            <a:r>
+              <a:rPr kumimoji="0" lang="zh-CN" altLang="zh-CN" sz="1400" b="0" i="0" u="none" strike="noStrike" cap="none" normalizeH="0" baseline="0" dirty="0">
+                <a:ln>
+                  <a:noFill/>
+                </a:ln>
+                <a:solidFill>
+                  <a:srgbClr val="DCDCDC"/>
+                </a:solidFill>
+                <a:effectLst/>
+                <a:latin typeface="新宋体" panose="02010609030101010101" pitchFamily="49" charset="-122"/>
+                <a:ea typeface="新宋体" panose="02010609030101010101" pitchFamily="49" charset="-122"/>
+              </a:rPr>
+              <a:t>;</a:t>
+            </a:r>
+            <a:endParaRPr kumimoji="0" lang="en-US" altLang="zh-CN" sz="1400" b="0" i="0" u="none" strike="noStrike" cap="none" normalizeH="0" baseline="0" dirty="0">
+              <a:ln>
+                <a:noFill/>
+              </a:ln>
+              <a:solidFill>
+                <a:srgbClr val="DCDCDC"/>
+              </a:solidFill>
+              <a:effectLst/>
+              <a:latin typeface="新宋体" panose="02010609030101010101" pitchFamily="49" charset="-122"/>
+              <a:ea typeface="新宋体" panose="02010609030101010101" pitchFamily="49" charset="-122"/>
+            </a:endParaRPr>
+          </a:p>
+          <a:p>
+            <a:pPr marL="0" marR="0" lvl="0" indent="0" algn="l" defTabSz="914400" rtl="0" eaLnBrk="0" fontAlgn="base" latinLnBrk="0" hangingPunct="0">
+              <a:lnSpc>
+                <a:spcPct val="100000"/>
+              </a:lnSpc>
+              <a:spcBef>
+                <a:spcPct val="0"/>
+              </a:spcBef>
+              <a:spcAft>
+                <a:spcPct val="0"/>
+              </a:spcAft>
+              <a:buClrTx/>
+              <a:buSzTx/>
+              <a:buFontTx/>
+              <a:buNone/>
+              <a:tabLst/>
+            </a:pPr>
+            <a:r>
+              <a:rPr kumimoji="0" lang="zh-CN" altLang="zh-CN" sz="1400" b="0" i="0" u="none" strike="noStrike" cap="none" normalizeH="0" baseline="0" dirty="0">
+                <a:ln>
+                  <a:noFill/>
+                </a:ln>
+                <a:solidFill>
+                  <a:srgbClr val="DCDCDC"/>
+                </a:solidFill>
+                <a:effectLst/>
+                <a:latin typeface="新宋体" panose="02010609030101010101" pitchFamily="49" charset="-122"/>
+                <a:ea typeface="新宋体" panose="02010609030101010101" pitchFamily="49" charset="-122"/>
+              </a:rPr>
+              <a:t>     }</a:t>
+            </a:r>
+            <a:endParaRPr kumimoji="0" lang="en-US" altLang="zh-CN" sz="1400" b="0" i="0" u="none" strike="noStrike" cap="none" normalizeH="0" baseline="0" dirty="0">
+              <a:ln>
+                <a:noFill/>
+              </a:ln>
+              <a:solidFill>
+                <a:srgbClr val="DCDCDC"/>
+              </a:solidFill>
+              <a:effectLst/>
+              <a:latin typeface="新宋体" panose="02010609030101010101" pitchFamily="49" charset="-122"/>
+              <a:ea typeface="新宋体" panose="02010609030101010101" pitchFamily="49" charset="-122"/>
+            </a:endParaRPr>
+          </a:p>
+          <a:p>
+            <a:pPr marL="0" marR="0" lvl="0" indent="0" algn="l" defTabSz="914400" rtl="0" eaLnBrk="0" fontAlgn="base" latinLnBrk="0" hangingPunct="0">
+              <a:lnSpc>
+                <a:spcPct val="100000"/>
+              </a:lnSpc>
+              <a:spcBef>
+                <a:spcPct val="0"/>
+              </a:spcBef>
+              <a:spcAft>
+                <a:spcPct val="0"/>
+              </a:spcAft>
+              <a:buClrTx/>
+              <a:buSzTx/>
+              <a:buFontTx/>
+              <a:buNone/>
+              <a:tabLst/>
+            </a:pPr>
+            <a:r>
+              <a:rPr kumimoji="0" lang="zh-CN" altLang="zh-CN" sz="1400" b="0" i="0" u="none" strike="noStrike" cap="none" normalizeH="0" baseline="0" dirty="0">
+                <a:ln>
+                  <a:noFill/>
+                </a:ln>
+                <a:solidFill>
+                  <a:srgbClr val="DCDCDC"/>
+                </a:solidFill>
+                <a:effectLst/>
+                <a:latin typeface="新宋体" panose="02010609030101010101" pitchFamily="49" charset="-122"/>
+                <a:ea typeface="新宋体" panose="02010609030101010101" pitchFamily="49" charset="-122"/>
+              </a:rPr>
+              <a:t> }</a:t>
+            </a:r>
+            <a:endParaRPr kumimoji="0" lang="zh-CN" altLang="zh-CN" sz="1400" b="0" i="0" u="none" strike="noStrike" cap="none" normalizeH="0" baseline="0" dirty="0">
+              <a:ln>
+                <a:noFill/>
+              </a:ln>
+              <a:solidFill>
+                <a:schemeClr val="tx1"/>
+              </a:solidFill>
+              <a:effectLst/>
+              <a:latin typeface="Arial" panose="020B0604020202020204" pitchFamily="34" charset="0"/>
+            </a:endParaRPr>
+          </a:p>
+        </p:txBody>
+      </p:sp>
+      <p:cxnSp>
+        <p:nvCxnSpPr>
+          <p:cNvPr id="7" name="直接连接符 6">
+            <a:extLst>
+              <a:ext uri="{FF2B5EF4-FFF2-40B4-BE49-F238E27FC236}">
+                <a16:creationId xmlns:a16="http://schemas.microsoft.com/office/drawing/2014/main" id="{0CFC4F13-2806-4E28-BA18-E0473CDC1322}"/>
+              </a:ext>
+            </a:extLst>
+          </p:cNvPr>
+          <p:cNvCxnSpPr/>
+          <p:nvPr/>
+        </p:nvCxnSpPr>
         <p:spPr>
           <a:xfrm>
-            <a:off x="838200" y="1690687"/>
-            <a:ext cx="10515600" cy="4887665"/>
+            <a:off x="2718033" y="3036815"/>
+            <a:ext cx="3842158" cy="0"/>
           </a:xfrm>
+          <a:prstGeom prst="line">
+            <a:avLst/>
+          </a:prstGeom>
+          <a:ln w="28575">
+            <a:solidFill>
+              <a:srgbClr val="FFFF00"/>
+            </a:solidFill>
+          </a:ln>
         </p:spPr>
-        <p:txBody>
-          <a:bodyPr>
-            <a:normAutofit/>
-          </a:bodyPr>
-          <a:lstStyle/>
-          <a:p>
-            <a:r>
-              <a:rPr lang="en-US" altLang="zh-CN" sz="1400" dirty="0"/>
-              <a:t>Demo</a:t>
-            </a:r>
-          </a:p>
-          <a:p>
-            <a:endParaRPr lang="en-US" altLang="zh-CN" sz="1400" dirty="0"/>
-          </a:p>
-        </p:txBody>
-      </p:sp>
+        <p:style>
+          <a:lnRef idx="1">
+            <a:schemeClr val="accent1"/>
+          </a:lnRef>
+          <a:fillRef idx="0">
+            <a:schemeClr val="accent1"/>
+          </a:fillRef>
+          <a:effectRef idx="0">
+            <a:schemeClr val="accent1"/>
+          </a:effectRef>
+          <a:fontRef idx="minor">
+            <a:schemeClr val="tx1"/>
+          </a:fontRef>
+        </p:style>
+      </p:cxnSp>
+      <p:cxnSp>
+        <p:nvCxnSpPr>
+          <p:cNvPr id="9" name="直接连接符 8">
+            <a:extLst>
+              <a:ext uri="{FF2B5EF4-FFF2-40B4-BE49-F238E27FC236}">
+                <a16:creationId xmlns:a16="http://schemas.microsoft.com/office/drawing/2014/main" id="{C5A0C740-3E1A-4E18-B769-40CDD0758D29}"/>
+              </a:ext>
+            </a:extLst>
+          </p:cNvPr>
+          <p:cNvCxnSpPr>
+            <a:cxnSpLocks/>
+          </p:cNvCxnSpPr>
+          <p:nvPr/>
+        </p:nvCxnSpPr>
+        <p:spPr>
+          <a:xfrm>
+            <a:off x="3231160" y="3885501"/>
+            <a:ext cx="7422858" cy="0"/>
+          </a:xfrm>
+          <a:prstGeom prst="line">
+            <a:avLst/>
+          </a:prstGeom>
+          <a:ln w="28575">
+            <a:solidFill>
+              <a:srgbClr val="FFFF00"/>
+            </a:solidFill>
+          </a:ln>
+        </p:spPr>
+        <p:style>
+          <a:lnRef idx="1">
+            <a:schemeClr val="accent1"/>
+          </a:lnRef>
+          <a:fillRef idx="0">
+            <a:schemeClr val="accent1"/>
+          </a:fillRef>
+          <a:effectRef idx="0">
+            <a:schemeClr val="accent1"/>
+          </a:effectRef>
+          <a:fontRef idx="minor">
+            <a:schemeClr val="tx1"/>
+          </a:fontRef>
+        </p:style>
+      </p:cxnSp>
     </p:spTree>
     <p:extLst>
       <p:ext uri="{BB962C8B-B14F-4D97-AF65-F5344CB8AC3E}">
@@ -4444,7 +6048,7 @@
           <a:lstStyle/>
           <a:p>
             <a:r>
-              <a:rPr lang="en-US" altLang="zh-CN" dirty="0" err="1"/>
+              <a:rPr lang="en-US" altLang="zh-CN" dirty="0"/>
               <a:t>DependencyInjection</a:t>
             </a:r>
             <a:endParaRPr lang="zh-CN" altLang="en-US" dirty="0"/>
@@ -5244,6 +6848,20 @@
               <a:buNone/>
             </a:pPr>
             <a:r>
+              <a:rPr lang="en-US" altLang="zh-CN" sz="1400" dirty="0" err="1"/>
+              <a:t>MVC</a:t>
+            </a:r>
+            <a:r>
+              <a:rPr lang="zh-CN" altLang="en-US" sz="1400"/>
+              <a:t>结构介绍</a:t>
+            </a:r>
+            <a:endParaRPr lang="en-US" altLang="zh-CN" sz="1400"/>
+          </a:p>
+          <a:p>
+            <a:pPr marL="0" indent="0">
+              <a:buNone/>
+            </a:pPr>
+            <a:r>
               <a:rPr lang="zh-CN" altLang="en-US" sz="1400" dirty="0"/>
               <a:t>模型绑定</a:t>
             </a:r>
@@ -5266,7 +6884,7 @@
               <a:rPr lang="zh-CN" altLang="en-US" sz="1400" dirty="0"/>
               <a:t>布局</a:t>
             </a:r>
-            <a:endParaRPr lang="en-US" altLang="zh-CN" sz="1400"/>
+            <a:endParaRPr lang="en-US" altLang="zh-CN" sz="1400" dirty="0"/>
           </a:p>
           <a:p>
             <a:pPr marL="0" indent="0">

--- a/aspnetcore3.0course/docs/aspnetcore3.0course.pptx
+++ b/aspnetcore3.0course/docs/aspnetcore3.0course.pptx
@@ -6852,10 +6852,10 @@
               <a:t>MVC</a:t>
             </a:r>
             <a:r>
-              <a:rPr lang="zh-CN" altLang="en-US" sz="1400"/>
+              <a:rPr lang="zh-CN" altLang="en-US" sz="1400" dirty="0"/>
               <a:t>结构介绍</a:t>
             </a:r>
-            <a:endParaRPr lang="en-US" altLang="zh-CN" sz="1400"/>
+            <a:endParaRPr lang="en-US" altLang="zh-CN" sz="1400" dirty="0"/>
           </a:p>
           <a:p>
             <a:pPr marL="0" indent="0">

--- a/aspnetcore3.0course/docs/aspnetcore3.0course.pptx
+++ b/aspnetcore3.0course/docs/aspnetcore3.0course.pptx
@@ -7,17 +7,18 @@
   <p:sldIdLst>
     <p:sldId id="256" r:id="rId2"/>
     <p:sldId id="257" r:id="rId3"/>
-    <p:sldId id="262" r:id="rId4"/>
-    <p:sldId id="258" r:id="rId5"/>
-    <p:sldId id="267" r:id="rId6"/>
-    <p:sldId id="268" r:id="rId7"/>
-    <p:sldId id="260" r:id="rId8"/>
-    <p:sldId id="259" r:id="rId9"/>
-    <p:sldId id="261" r:id="rId10"/>
-    <p:sldId id="263" r:id="rId11"/>
-    <p:sldId id="265" r:id="rId12"/>
-    <p:sldId id="266" r:id="rId13"/>
-    <p:sldId id="264" r:id="rId14"/>
+    <p:sldId id="269" r:id="rId4"/>
+    <p:sldId id="262" r:id="rId5"/>
+    <p:sldId id="258" r:id="rId6"/>
+    <p:sldId id="267" r:id="rId7"/>
+    <p:sldId id="268" r:id="rId8"/>
+    <p:sldId id="260" r:id="rId9"/>
+    <p:sldId id="259" r:id="rId10"/>
+    <p:sldId id="261" r:id="rId11"/>
+    <p:sldId id="263" r:id="rId12"/>
+    <p:sldId id="265" r:id="rId13"/>
+    <p:sldId id="266" r:id="rId14"/>
+    <p:sldId id="264" r:id="rId15"/>
   </p:sldIdLst>
   <p:sldSz cx="12192000" cy="6858000"/>
   <p:notesSz cx="6858000" cy="9144000"/>
@@ -271,7 +272,7 @@
           <a:p>
             <a:fld id="{0CB35010-EDBB-44E1-81B6-E54FF20221CB}" type="datetimeFigureOut">
               <a:rPr lang="zh-CN" altLang="en-US" smtClean="0"/>
-              <a:t>2019/5/10</a:t>
+              <a:t>2019/7/4</a:t>
             </a:fld>
             <a:endParaRPr lang="zh-CN" altLang="en-US"/>
           </a:p>
@@ -469,7 +470,7 @@
           <a:p>
             <a:fld id="{0CB35010-EDBB-44E1-81B6-E54FF20221CB}" type="datetimeFigureOut">
               <a:rPr lang="zh-CN" altLang="en-US" smtClean="0"/>
-              <a:t>2019/5/10</a:t>
+              <a:t>2019/7/4</a:t>
             </a:fld>
             <a:endParaRPr lang="zh-CN" altLang="en-US"/>
           </a:p>
@@ -677,7 +678,7 @@
           <a:p>
             <a:fld id="{0CB35010-EDBB-44E1-81B6-E54FF20221CB}" type="datetimeFigureOut">
               <a:rPr lang="zh-CN" altLang="en-US" smtClean="0"/>
-              <a:t>2019/5/10</a:t>
+              <a:t>2019/7/4</a:t>
             </a:fld>
             <a:endParaRPr lang="zh-CN" altLang="en-US"/>
           </a:p>
@@ -875,7 +876,7 @@
           <a:p>
             <a:fld id="{0CB35010-EDBB-44E1-81B6-E54FF20221CB}" type="datetimeFigureOut">
               <a:rPr lang="zh-CN" altLang="en-US" smtClean="0"/>
-              <a:t>2019/5/10</a:t>
+              <a:t>2019/7/4</a:t>
             </a:fld>
             <a:endParaRPr lang="zh-CN" altLang="en-US"/>
           </a:p>
@@ -1150,7 +1151,7 @@
           <a:p>
             <a:fld id="{0CB35010-EDBB-44E1-81B6-E54FF20221CB}" type="datetimeFigureOut">
               <a:rPr lang="zh-CN" altLang="en-US" smtClean="0"/>
-              <a:t>2019/5/10</a:t>
+              <a:t>2019/7/4</a:t>
             </a:fld>
             <a:endParaRPr lang="zh-CN" altLang="en-US"/>
           </a:p>
@@ -1415,7 +1416,7 @@
           <a:p>
             <a:fld id="{0CB35010-EDBB-44E1-81B6-E54FF20221CB}" type="datetimeFigureOut">
               <a:rPr lang="zh-CN" altLang="en-US" smtClean="0"/>
-              <a:t>2019/5/10</a:t>
+              <a:t>2019/7/4</a:t>
             </a:fld>
             <a:endParaRPr lang="zh-CN" altLang="en-US"/>
           </a:p>
@@ -1827,7 +1828,7 @@
           <a:p>
             <a:fld id="{0CB35010-EDBB-44E1-81B6-E54FF20221CB}" type="datetimeFigureOut">
               <a:rPr lang="zh-CN" altLang="en-US" smtClean="0"/>
-              <a:t>2019/5/10</a:t>
+              <a:t>2019/7/4</a:t>
             </a:fld>
             <a:endParaRPr lang="zh-CN" altLang="en-US"/>
           </a:p>
@@ -1968,7 +1969,7 @@
           <a:p>
             <a:fld id="{0CB35010-EDBB-44E1-81B6-E54FF20221CB}" type="datetimeFigureOut">
               <a:rPr lang="zh-CN" altLang="en-US" smtClean="0"/>
-              <a:t>2019/5/10</a:t>
+              <a:t>2019/7/4</a:t>
             </a:fld>
             <a:endParaRPr lang="zh-CN" altLang="en-US"/>
           </a:p>
@@ -2081,7 +2082,7 @@
           <a:p>
             <a:fld id="{0CB35010-EDBB-44E1-81B6-E54FF20221CB}" type="datetimeFigureOut">
               <a:rPr lang="zh-CN" altLang="en-US" smtClean="0"/>
-              <a:t>2019/5/10</a:t>
+              <a:t>2019/7/4</a:t>
             </a:fld>
             <a:endParaRPr lang="zh-CN" altLang="en-US"/>
           </a:p>
@@ -2392,7 +2393,7 @@
           <a:p>
             <a:fld id="{0CB35010-EDBB-44E1-81B6-E54FF20221CB}" type="datetimeFigureOut">
               <a:rPr lang="zh-CN" altLang="en-US" smtClean="0"/>
-              <a:t>2019/5/10</a:t>
+              <a:t>2019/7/4</a:t>
             </a:fld>
             <a:endParaRPr lang="zh-CN" altLang="en-US"/>
           </a:p>
@@ -2680,7 +2681,7 @@
           <a:p>
             <a:fld id="{0CB35010-EDBB-44E1-81B6-E54FF20221CB}" type="datetimeFigureOut">
               <a:rPr lang="zh-CN" altLang="en-US" smtClean="0"/>
-              <a:t>2019/5/10</a:t>
+              <a:t>2019/7/4</a:t>
             </a:fld>
             <a:endParaRPr lang="zh-CN" altLang="en-US"/>
           </a:p>
@@ -2921,7 +2922,7 @@
           <a:p>
             <a:fld id="{0CB35010-EDBB-44E1-81B6-E54FF20221CB}" type="datetimeFigureOut">
               <a:rPr lang="zh-CN" altLang="en-US" smtClean="0"/>
-              <a:t>2019/5/10</a:t>
+              <a:t>2019/7/4</a:t>
             </a:fld>
             <a:endParaRPr lang="zh-CN" altLang="en-US"/>
           </a:p>
@@ -3463,10 +3464,13 @@
           <a:lstStyle/>
           <a:p>
             <a:r>
-              <a:rPr lang="en-US" altLang="zh-CN" dirty="0" err="1"/>
-              <a:t>Authentication&amp;Authorization</a:t>
-            </a:r>
-            <a:endParaRPr lang="zh-CN" altLang="en-US" dirty="0"/>
+              <a:rPr lang="en-US" altLang="zh-CN" dirty="0"/>
+              <a:t>Configuration-</a:t>
+            </a:r>
+            <a:r>
+              <a:rPr lang="zh-CN" altLang="en-US" dirty="0"/>
+              <a:t>自定义</a:t>
+            </a:r>
           </a:p>
         </p:txBody>
       </p:sp>
@@ -3498,56 +3502,257 @@
           </a:bodyPr>
           <a:lstStyle/>
           <a:p>
+            <a:pPr marL="0" indent="0">
+              <a:buNone/>
+            </a:pPr>
+            <a:r>
+              <a:rPr lang="en-US" altLang="zh-CN" sz="1400" dirty="0" err="1"/>
+              <a:t>Asp.net</a:t>
+            </a:r>
             <a:r>
               <a:rPr lang="zh-CN" altLang="en-US" sz="1400" dirty="0"/>
-              <a:t>基于</a:t>
+              <a:t> </a:t>
             </a:r>
             <a:r>
               <a:rPr lang="en-US" altLang="zh-CN" sz="1400" dirty="0"/>
-              <a:t>cookie</a:t>
+              <a:t>core</a:t>
             </a:r>
             <a:r>
               <a:rPr lang="zh-CN" altLang="en-US" sz="1400" dirty="0"/>
-              <a:t>固定角度授权验证</a:t>
+              <a:t>中的配置文件是基于生成器模式（</a:t>
+            </a:r>
+            <a:r>
+              <a:rPr lang="zh-CN" altLang="en-US" sz="1400" i="1" u="sng" dirty="0"/>
+              <a:t>将复杂对象的建造过程抽象出来（抽象类别），使这个抽象过程的不同实现方法可以构造出不同表现（属性）的对象</a:t>
+            </a:r>
+            <a:r>
+              <a:rPr lang="zh-CN" altLang="en-US" sz="1400" dirty="0"/>
+              <a:t>）</a:t>
+            </a:r>
+            <a:r>
+              <a:rPr lang="en-US" altLang="zh-CN" sz="1400" dirty="0"/>
+              <a:t>,</a:t>
+            </a:r>
+            <a:r>
+              <a:rPr lang="en-US" altLang="zh-CN" sz="1400" dirty="0" err="1"/>
+              <a:t>asp.net</a:t>
+            </a:r>
+            <a:r>
+              <a:rPr lang="en-US" altLang="zh-CN" sz="1400" dirty="0"/>
+              <a:t> core</a:t>
+            </a:r>
+            <a:r>
+              <a:rPr lang="zh-CN" altLang="en-US" sz="1400" dirty="0"/>
+              <a:t>中有两个生成器，一个是主机</a:t>
+            </a:r>
+            <a:r>
+              <a:rPr lang="en-US" altLang="zh-CN" sz="1400" dirty="0"/>
+              <a:t>(host)</a:t>
+            </a:r>
+            <a:r>
+              <a:rPr lang="zh-CN" altLang="en-US" sz="1400" dirty="0"/>
+              <a:t>的，一个应用程序</a:t>
+            </a:r>
+            <a:r>
+              <a:rPr lang="en-US" altLang="zh-CN" sz="1400" dirty="0"/>
+              <a:t>(application)</a:t>
+            </a:r>
+            <a:r>
+              <a:rPr lang="zh-CN" altLang="en-US" sz="1400" dirty="0"/>
+              <a:t>的</a:t>
             </a:r>
             <a:endParaRPr lang="en-US" altLang="zh-CN" sz="1400" dirty="0"/>
           </a:p>
           <a:p>
+            <a:pPr marL="0" indent="0">
+              <a:buNone/>
+            </a:pPr>
+            <a:endParaRPr lang="en-US" altLang="zh-CN" sz="1400" dirty="0"/>
+          </a:p>
+          <a:p>
+            <a:r>
+              <a:rPr lang="en-US" altLang="zh-CN" sz="1400" dirty="0" err="1"/>
+              <a:t>ConfigurationSource</a:t>
+            </a:r>
+            <a:endParaRPr lang="en-US" altLang="zh-CN" sz="1400" dirty="0"/>
+          </a:p>
+          <a:p>
+            <a:pPr marL="0" indent="0">
+              <a:buNone/>
+            </a:pPr>
+            <a:r>
+              <a:rPr lang="en-US" altLang="zh-CN" sz="1400" dirty="0"/>
+              <a:t>     </a:t>
+            </a:r>
             <a:r>
               <a:rPr lang="zh-CN" altLang="en-US" sz="1400" dirty="0"/>
-              <a:t>基于</a:t>
-            </a:r>
+              <a:t>在建造过程中需要各种参数信息，</a:t>
+            </a:r>
+            <a:r>
+              <a:rPr lang="en-US" altLang="zh-CN" sz="1400" dirty="0" err="1"/>
+              <a:t>ConfigurationSource</a:t>
+            </a:r>
+            <a:r>
+              <a:rPr lang="zh-CN" altLang="en-US" sz="1400" dirty="0"/>
+              <a:t>是为获取这些参数而提供来源，比如文件源，内存源等</a:t>
+            </a:r>
+            <a:endParaRPr lang="en-US" altLang="zh-CN" sz="1400" dirty="0"/>
+          </a:p>
+          <a:p>
+            <a:endParaRPr lang="en-US" altLang="zh-CN" sz="1400" dirty="0"/>
+          </a:p>
+          <a:p>
+            <a:r>
+              <a:rPr lang="en-US" altLang="zh-CN" sz="1400" dirty="0" err="1"/>
+              <a:t>ConfigurationProvider</a:t>
+            </a:r>
+            <a:endParaRPr lang="en-US" altLang="zh-CN" sz="1400" dirty="0"/>
+          </a:p>
+          <a:p>
+            <a:pPr marL="0" indent="0">
+              <a:buNone/>
+            </a:pPr>
             <a:r>
               <a:rPr lang="en-US" altLang="zh-CN" sz="1400" dirty="0"/>
-              <a:t>cookie</a:t>
+              <a:t>     </a:t>
             </a:r>
             <a:r>
               <a:rPr lang="zh-CN" altLang="en-US" sz="1400" dirty="0"/>
-              <a:t>自定义策略授权验证</a:t>
+              <a:t>建造所需参数的提供者，依据</a:t>
+            </a:r>
+            <a:r>
+              <a:rPr lang="en-US" altLang="zh-CN" sz="1400" dirty="0" err="1"/>
+              <a:t>ConfigurationSource</a:t>
+            </a:r>
+            <a:r>
+              <a:rPr lang="zh-CN" altLang="en-US" sz="1400" dirty="0"/>
+              <a:t>来完成提供</a:t>
             </a:r>
             <a:endParaRPr lang="en-US" altLang="zh-CN" sz="1400" dirty="0"/>
           </a:p>
           <a:p>
+            <a:endParaRPr lang="en-US" altLang="zh-CN" sz="1400" dirty="0"/>
+          </a:p>
+          <a:p>
             <a:r>
               <a:rPr lang="zh-CN" altLang="en-US" sz="1400" dirty="0"/>
-              <a:t>基于</a:t>
+              <a:t>需要把</a:t>
             </a:r>
             <a:r>
               <a:rPr lang="en-US" altLang="zh-CN" sz="1400" dirty="0" err="1"/>
-              <a:t>jwt</a:t>
+              <a:t>ConfigurationSource</a:t>
             </a:r>
             <a:r>
               <a:rPr lang="zh-CN" altLang="en-US" sz="1400" dirty="0"/>
-              <a:t>自定义策略授权验证</a:t>
+              <a:t>或</a:t>
+            </a:r>
+            <a:r>
+              <a:rPr lang="en-US" altLang="zh-CN" sz="1400" dirty="0"/>
+              <a:t>Action&lt;</a:t>
+            </a:r>
+            <a:r>
+              <a:rPr lang="en-US" altLang="zh-CN" sz="1400" dirty="0" err="1"/>
+              <a:t>ConfigurationSource</a:t>
+            </a:r>
+            <a:r>
+              <a:rPr lang="en-US" altLang="zh-CN" sz="1400" dirty="0"/>
+              <a:t>&gt;</a:t>
+            </a:r>
+            <a:r>
+              <a:rPr lang="zh-CN" altLang="en-US" sz="1400" dirty="0"/>
+              <a:t>添加到</a:t>
+            </a:r>
+            <a:r>
+              <a:rPr lang="zh-CN" altLang="en-US" sz="1400" b="1" dirty="0"/>
+              <a:t>应用配置</a:t>
+            </a:r>
+            <a:r>
+              <a:rPr lang="zh-CN" altLang="en-US" sz="1400" dirty="0"/>
+              <a:t>构建对象中，在</a:t>
+            </a:r>
+            <a:r>
+              <a:rPr lang="zh-CN" altLang="en-US" sz="1400" b="1" dirty="0"/>
+              <a:t>主机构建时</a:t>
+            </a:r>
+            <a:r>
+              <a:rPr lang="zh-CN" altLang="en-US" sz="1400" dirty="0"/>
+              <a:t>会调用</a:t>
+            </a:r>
+            <a:r>
+              <a:rPr lang="en-US" altLang="zh-CN" sz="1400" dirty="0"/>
+              <a:t>Configuration</a:t>
+            </a:r>
+            <a:r>
+              <a:rPr lang="zh-CN" altLang="en-US" sz="1400" dirty="0"/>
+              <a:t>的</a:t>
+            </a:r>
+            <a:r>
+              <a:rPr lang="en-US" altLang="zh-CN" sz="1400" dirty="0"/>
+              <a:t>Build</a:t>
+            </a:r>
+            <a:r>
+              <a:rPr lang="zh-CN" altLang="en-US" sz="1400" dirty="0"/>
+              <a:t>，然后调用</a:t>
+            </a:r>
+            <a:r>
+              <a:rPr lang="en-US" altLang="zh-CN" sz="1400" dirty="0" err="1"/>
+              <a:t>ConfigurationSource</a:t>
+            </a:r>
+            <a:r>
+              <a:rPr lang="zh-CN" altLang="en-US" sz="1400" dirty="0"/>
+              <a:t>的</a:t>
+            </a:r>
+            <a:r>
+              <a:rPr lang="en-US" altLang="zh-CN" sz="1400" dirty="0"/>
+              <a:t>Build</a:t>
+            </a:r>
+            <a:r>
+              <a:rPr lang="zh-CN" altLang="en-US" sz="1400" dirty="0"/>
+              <a:t>，然后调用</a:t>
+            </a:r>
+            <a:r>
+              <a:rPr lang="en-US" altLang="zh-CN" sz="1400" dirty="0" err="1"/>
+              <a:t>ConfigurationProvider</a:t>
+            </a:r>
+            <a:r>
+              <a:rPr lang="zh-CN" altLang="en-US" sz="1400" dirty="0"/>
+              <a:t>的</a:t>
+            </a:r>
+            <a:r>
+              <a:rPr lang="en-US" altLang="zh-CN" sz="1400" dirty="0"/>
+              <a:t>Load</a:t>
+            </a:r>
+            <a:r>
+              <a:rPr lang="zh-CN" altLang="en-US" sz="1400" dirty="0"/>
+              <a:t>，来填充</a:t>
+            </a:r>
+            <a:r>
+              <a:rPr lang="en-US" altLang="zh-CN" sz="1400" dirty="0" err="1"/>
+              <a:t>ConfigurationProvider</a:t>
+            </a:r>
+            <a:r>
+              <a:rPr lang="zh-CN" altLang="en-US" sz="1400" dirty="0"/>
+              <a:t>中的</a:t>
+            </a:r>
+            <a:r>
+              <a:rPr lang="en-US" altLang="zh-CN" sz="1400" dirty="0"/>
+              <a:t>Data</a:t>
+            </a:r>
+            <a:r>
+              <a:rPr lang="zh-CN" altLang="en-US" sz="1400" dirty="0"/>
+              <a:t>字典。</a:t>
             </a:r>
             <a:endParaRPr lang="en-US" altLang="zh-CN" sz="1400" dirty="0"/>
+          </a:p>
+          <a:p>
+            <a:endParaRPr lang="zh-CN" altLang="en-US" sz="1400" dirty="0"/>
           </a:p>
         </p:txBody>
       </p:sp>
     </p:spTree>
     <p:extLst>
       <p:ext uri="{BB962C8B-B14F-4D97-AF65-F5344CB8AC3E}">
-        <p14:creationId xmlns:p14="http://schemas.microsoft.com/office/powerpoint/2010/main" val="3489913332"/>
+        <p14:creationId xmlns:p14="http://schemas.microsoft.com/office/powerpoint/2010/main" val="4209516520"/>
       </p:ext>
     </p:extLst>
   </p:cSld>
@@ -3597,7 +3802,7 @@
           <a:p>
             <a:r>
               <a:rPr lang="en-US" altLang="zh-CN" dirty="0" err="1"/>
-              <a:t>HttpClient</a:t>
+              <a:t>Authentication&amp;Authorization</a:t>
             </a:r>
             <a:endParaRPr lang="zh-CN" altLang="en-US" dirty="0"/>
           </a:p>
@@ -3633,40 +3838,45 @@
           <a:p>
             <a:r>
               <a:rPr lang="zh-CN" altLang="en-US" sz="1400" dirty="0"/>
-              <a:t>基本用法</a:t>
+              <a:t>基于</a:t>
+            </a:r>
+            <a:r>
+              <a:rPr lang="en-US" altLang="zh-CN" sz="1400" dirty="0"/>
+              <a:t>cookie</a:t>
+            </a:r>
+            <a:r>
+              <a:rPr lang="zh-CN" altLang="en-US" sz="1400" dirty="0"/>
+              <a:t>固定角度授权验证</a:t>
             </a:r>
             <a:endParaRPr lang="en-US" altLang="zh-CN" sz="1400" dirty="0"/>
           </a:p>
           <a:p>
             <a:r>
               <a:rPr lang="zh-CN" altLang="en-US" sz="1400" dirty="0"/>
-              <a:t>命名</a:t>
+              <a:t>基于</a:t>
+            </a:r>
+            <a:r>
+              <a:rPr lang="en-US" altLang="zh-CN" sz="1400" dirty="0"/>
+              <a:t>cookie</a:t>
+            </a:r>
+            <a:r>
+              <a:rPr lang="zh-CN" altLang="en-US" sz="1400" dirty="0"/>
+              <a:t>自定义策略授权验证</a:t>
+            </a:r>
+            <a:endParaRPr lang="en-US" altLang="zh-CN" sz="1400" dirty="0"/>
+          </a:p>
+          <a:p>
+            <a:r>
+              <a:rPr lang="zh-CN" altLang="en-US" sz="1400" dirty="0"/>
+              <a:t>基于</a:t>
             </a:r>
             <a:r>
               <a:rPr lang="en-US" altLang="zh-CN" sz="1400" dirty="0" err="1"/>
-              <a:t>HttpClient</a:t>
-            </a:r>
-            <a:endParaRPr lang="en-US" altLang="zh-CN" sz="1400" dirty="0"/>
-          </a:p>
-          <a:p>
+              <a:t>jwt</a:t>
+            </a:r>
             <a:r>
               <a:rPr lang="zh-CN" altLang="en-US" sz="1400" dirty="0"/>
-              <a:t>类型化</a:t>
-            </a:r>
-            <a:r>
-              <a:rPr lang="en-US" altLang="zh-CN" sz="1400" dirty="0" err="1"/>
-              <a:t>HttpClient</a:t>
-            </a:r>
-            <a:endParaRPr lang="en-US" altLang="zh-CN" sz="1400" dirty="0"/>
-          </a:p>
-          <a:p>
-            <a:r>
-              <a:rPr lang="zh-CN" altLang="en-US" sz="1400" dirty="0"/>
-              <a:t>容错</a:t>
-            </a:r>
-            <a:r>
-              <a:rPr lang="en-US" altLang="zh-CN" sz="1400" dirty="0" err="1"/>
-              <a:t>HttpClient</a:t>
+              <a:t>自定义策略授权验证</a:t>
             </a:r>
             <a:endParaRPr lang="en-US" altLang="zh-CN" sz="1400" dirty="0"/>
           </a:p>
@@ -3675,7 +3885,7 @@
     </p:spTree>
     <p:extLst>
       <p:ext uri="{BB962C8B-B14F-4D97-AF65-F5344CB8AC3E}">
-        <p14:creationId xmlns:p14="http://schemas.microsoft.com/office/powerpoint/2010/main" val="814465082"/>
+        <p14:creationId xmlns:p14="http://schemas.microsoft.com/office/powerpoint/2010/main" val="3489913332"/>
       </p:ext>
     </p:extLst>
   </p:cSld>
@@ -3725,6 +3935,134 @@
           <a:p>
             <a:r>
               <a:rPr lang="en-US" altLang="zh-CN" dirty="0" err="1"/>
+              <a:t>HttpClient</a:t>
+            </a:r>
+            <a:endParaRPr lang="zh-CN" altLang="en-US" dirty="0"/>
+          </a:p>
+        </p:txBody>
+      </p:sp>
+      <p:sp>
+        <p:nvSpPr>
+          <p:cNvPr id="15" name="内容占位符 2">
+            <a:extLst>
+              <a:ext uri="{FF2B5EF4-FFF2-40B4-BE49-F238E27FC236}">
+                <a16:creationId xmlns:a16="http://schemas.microsoft.com/office/drawing/2014/main" id="{00DFF36C-FF32-4635-B471-3925665516F8}"/>
+              </a:ext>
+            </a:extLst>
+          </p:cNvPr>
+          <p:cNvSpPr>
+            <a:spLocks noGrp="1"/>
+          </p:cNvSpPr>
+          <p:nvPr>
+            <p:ph idx="1"/>
+          </p:nvPr>
+        </p:nvSpPr>
+        <p:spPr>
+          <a:xfrm>
+            <a:off x="838200" y="1690687"/>
+            <a:ext cx="10515600" cy="4887665"/>
+          </a:xfrm>
+        </p:spPr>
+        <p:txBody>
+          <a:bodyPr>
+            <a:normAutofit/>
+          </a:bodyPr>
+          <a:lstStyle/>
+          <a:p>
+            <a:r>
+              <a:rPr lang="zh-CN" altLang="en-US" sz="1400" dirty="0"/>
+              <a:t>基本用法</a:t>
+            </a:r>
+            <a:endParaRPr lang="en-US" altLang="zh-CN" sz="1400" dirty="0"/>
+          </a:p>
+          <a:p>
+            <a:r>
+              <a:rPr lang="zh-CN" altLang="en-US" sz="1400" dirty="0"/>
+              <a:t>命名</a:t>
+            </a:r>
+            <a:r>
+              <a:rPr lang="en-US" altLang="zh-CN" sz="1400" dirty="0" err="1"/>
+              <a:t>HttpClient</a:t>
+            </a:r>
+            <a:endParaRPr lang="en-US" altLang="zh-CN" sz="1400" dirty="0"/>
+          </a:p>
+          <a:p>
+            <a:r>
+              <a:rPr lang="zh-CN" altLang="en-US" sz="1400" dirty="0"/>
+              <a:t>类型化</a:t>
+            </a:r>
+            <a:r>
+              <a:rPr lang="en-US" altLang="zh-CN" sz="1400" dirty="0" err="1"/>
+              <a:t>HttpClient</a:t>
+            </a:r>
+            <a:endParaRPr lang="en-US" altLang="zh-CN" sz="1400" dirty="0"/>
+          </a:p>
+          <a:p>
+            <a:r>
+              <a:rPr lang="zh-CN" altLang="en-US" sz="1400" dirty="0"/>
+              <a:t>容错</a:t>
+            </a:r>
+            <a:r>
+              <a:rPr lang="en-US" altLang="zh-CN" sz="1400" dirty="0" err="1"/>
+              <a:t>HttpClient</a:t>
+            </a:r>
+            <a:endParaRPr lang="en-US" altLang="zh-CN" sz="1400" dirty="0"/>
+          </a:p>
+        </p:txBody>
+      </p:sp>
+    </p:spTree>
+    <p:extLst>
+      <p:ext uri="{BB962C8B-B14F-4D97-AF65-F5344CB8AC3E}">
+        <p14:creationId xmlns:p14="http://schemas.microsoft.com/office/powerpoint/2010/main" val="814465082"/>
+      </p:ext>
+    </p:extLst>
+  </p:cSld>
+  <p:clrMapOvr>
+    <a:masterClrMapping/>
+  </p:clrMapOvr>
+</p:sld>
+</file>
+
+<file path=ppt/slides/slide13.xml><?xml version="1.0" encoding="utf-8"?>
+<p:sld xmlns:a="http://schemas.openxmlformats.org/drawingml/2006/main" xmlns:r="http://schemas.openxmlformats.org/officeDocument/2006/relationships" xmlns:p="http://schemas.openxmlformats.org/presentationml/2006/main">
+  <p:cSld>
+    <p:spTree>
+      <p:nvGrpSpPr>
+        <p:cNvPr id="1" name=""/>
+        <p:cNvGrpSpPr/>
+        <p:nvPr/>
+      </p:nvGrpSpPr>
+      <p:grpSpPr>
+        <a:xfrm>
+          <a:off x="0" y="0"/>
+          <a:ext cx="0" cy="0"/>
+          <a:chOff x="0" y="0"/>
+          <a:chExt cx="0" cy="0"/>
+        </a:xfrm>
+      </p:grpSpPr>
+      <p:sp>
+        <p:nvSpPr>
+          <p:cNvPr id="2" name="标题 1">
+            <a:extLst>
+              <a:ext uri="{FF2B5EF4-FFF2-40B4-BE49-F238E27FC236}">
+                <a16:creationId xmlns:a16="http://schemas.microsoft.com/office/drawing/2014/main" id="{D93F5457-E33E-4DFB-A0C6-F3B921696286}"/>
+              </a:ext>
+            </a:extLst>
+          </p:cNvPr>
+          <p:cNvSpPr>
+            <a:spLocks noGrp="1"/>
+          </p:cNvSpPr>
+          <p:nvPr>
+            <p:ph type="title"/>
+          </p:nvPr>
+        </p:nvSpPr>
+        <p:spPr/>
+        <p:txBody>
+          <a:bodyPr/>
+          <a:lstStyle/>
+          <a:p>
+            <a:r>
+              <a:rPr lang="en-US" altLang="zh-CN" dirty="0" err="1"/>
               <a:t>GlobalizationLocalization</a:t>
             </a:r>
             <a:endParaRPr lang="zh-CN" altLang="en-US" dirty="0"/>
@@ -3813,7 +4151,7 @@
 </p:sld>
 </file>
 
-<file path=ppt/slides/slide13.xml><?xml version="1.0" encoding="utf-8"?>
+<file path=ppt/slides/slide14.xml><?xml version="1.0" encoding="utf-8"?>
 <p:sld xmlns:a="http://schemas.openxmlformats.org/drawingml/2006/main" xmlns:r="http://schemas.openxmlformats.org/officeDocument/2006/relationships" xmlns:p="http://schemas.openxmlformats.org/presentationml/2006/main">
   <p:cSld>
     <p:spTree>
@@ -4191,6 +4529,65 @@
 </file>
 
 <file path=ppt/slides/slide3.xml><?xml version="1.0" encoding="utf-8"?>
+<p:sld xmlns:a="http://schemas.openxmlformats.org/drawingml/2006/main" xmlns:r="http://schemas.openxmlformats.org/officeDocument/2006/relationships" xmlns:p="http://schemas.openxmlformats.org/presentationml/2006/main">
+  <p:cSld>
+    <p:spTree>
+      <p:nvGrpSpPr>
+        <p:cNvPr id="1" name=""/>
+        <p:cNvGrpSpPr/>
+        <p:nvPr/>
+      </p:nvGrpSpPr>
+      <p:grpSpPr>
+        <a:xfrm>
+          <a:off x="0" y="0"/>
+          <a:ext cx="0" cy="0"/>
+          <a:chOff x="0" y="0"/>
+          <a:chExt cx="0" cy="0"/>
+        </a:xfrm>
+      </p:grpSpPr>
+      <p:sp>
+        <p:nvSpPr>
+          <p:cNvPr id="2" name="标题 1">
+            <a:extLst>
+              <a:ext uri="{FF2B5EF4-FFF2-40B4-BE49-F238E27FC236}">
+                <a16:creationId xmlns:a16="http://schemas.microsoft.com/office/drawing/2014/main" id="{D93F5457-E33E-4DFB-A0C6-F3B921696286}"/>
+              </a:ext>
+            </a:extLst>
+          </p:cNvPr>
+          <p:cNvSpPr>
+            <a:spLocks noGrp="1"/>
+          </p:cNvSpPr>
+          <p:nvPr>
+            <p:ph type="title"/>
+          </p:nvPr>
+        </p:nvSpPr>
+        <p:spPr/>
+        <p:txBody>
+          <a:bodyPr/>
+          <a:lstStyle/>
+          <a:p>
+            <a:r>
+              <a:rPr lang="en-US" altLang="zh-CN" dirty="0"/>
+              <a:t>Host</a:t>
+            </a:r>
+            <a:endParaRPr lang="zh-CN" altLang="en-US" dirty="0"/>
+          </a:p>
+        </p:txBody>
+      </p:sp>
+    </p:spTree>
+    <p:extLst>
+      <p:ext uri="{BB962C8B-B14F-4D97-AF65-F5344CB8AC3E}">
+        <p14:creationId xmlns:p14="http://schemas.microsoft.com/office/powerpoint/2010/main" val="3772027950"/>
+      </p:ext>
+    </p:extLst>
+  </p:cSld>
+  <p:clrMapOvr>
+    <a:masterClrMapping/>
+  </p:clrMapOvr>
+</p:sld>
+</file>
+
+<file path=ppt/slides/slide4.xml><?xml version="1.0" encoding="utf-8"?>
 <p:sld xmlns:a="http://schemas.openxmlformats.org/drawingml/2006/main" xmlns:r="http://schemas.openxmlformats.org/officeDocument/2006/relationships" xmlns:p="http://schemas.openxmlformats.org/presentationml/2006/main">
   <p:cSld>
     <p:spTree>
@@ -5891,7 +6288,7 @@
 </p:sld>
 </file>
 
-<file path=ppt/slides/slide4.xml><?xml version="1.0" encoding="utf-8"?>
+<file path=ppt/slides/slide5.xml><?xml version="1.0" encoding="utf-8"?>
 <p:sld xmlns:a="http://schemas.openxmlformats.org/drawingml/2006/main" xmlns:r="http://schemas.openxmlformats.org/officeDocument/2006/relationships" xmlns:p="http://schemas.openxmlformats.org/presentationml/2006/main">
   <p:cSld>
     <p:spTree>
@@ -6766,147 +7163,6 @@
 </p:sld>
 </file>
 
-<file path=ppt/slides/slide5.xml><?xml version="1.0" encoding="utf-8"?>
-<p:sld xmlns:a="http://schemas.openxmlformats.org/drawingml/2006/main" xmlns:r="http://schemas.openxmlformats.org/officeDocument/2006/relationships" xmlns:p="http://schemas.openxmlformats.org/presentationml/2006/main">
-  <p:cSld>
-    <p:spTree>
-      <p:nvGrpSpPr>
-        <p:cNvPr id="1" name=""/>
-        <p:cNvGrpSpPr/>
-        <p:nvPr/>
-      </p:nvGrpSpPr>
-      <p:grpSpPr>
-        <a:xfrm>
-          <a:off x="0" y="0"/>
-          <a:ext cx="0" cy="0"/>
-          <a:chOff x="0" y="0"/>
-          <a:chExt cx="0" cy="0"/>
-        </a:xfrm>
-      </p:grpSpPr>
-      <p:sp>
-        <p:nvSpPr>
-          <p:cNvPr id="2" name="标题 1">
-            <a:extLst>
-              <a:ext uri="{FF2B5EF4-FFF2-40B4-BE49-F238E27FC236}">
-                <a16:creationId xmlns:a16="http://schemas.microsoft.com/office/drawing/2014/main" id="{D93F5457-E33E-4DFB-A0C6-F3B921696286}"/>
-              </a:ext>
-            </a:extLst>
-          </p:cNvPr>
-          <p:cNvSpPr>
-            <a:spLocks noGrp="1"/>
-          </p:cNvSpPr>
-          <p:nvPr>
-            <p:ph type="title"/>
-          </p:nvPr>
-        </p:nvSpPr>
-        <p:spPr/>
-        <p:txBody>
-          <a:bodyPr/>
-          <a:lstStyle/>
-          <a:p>
-            <a:r>
-              <a:rPr lang="en-US" altLang="zh-CN" dirty="0"/>
-              <a:t>asp.net core </a:t>
-            </a:r>
-            <a:r>
-              <a:rPr lang="en-US" altLang="zh-CN" dirty="0" err="1"/>
-              <a:t>mvc</a:t>
-            </a:r>
-            <a:endParaRPr lang="zh-CN" altLang="en-US" dirty="0"/>
-          </a:p>
-        </p:txBody>
-      </p:sp>
-      <p:sp>
-        <p:nvSpPr>
-          <p:cNvPr id="15" name="内容占位符 2">
-            <a:extLst>
-              <a:ext uri="{FF2B5EF4-FFF2-40B4-BE49-F238E27FC236}">
-                <a16:creationId xmlns:a16="http://schemas.microsoft.com/office/drawing/2014/main" id="{00DFF36C-FF32-4635-B471-3925665516F8}"/>
-              </a:ext>
-            </a:extLst>
-          </p:cNvPr>
-          <p:cNvSpPr>
-            <a:spLocks noGrp="1"/>
-          </p:cNvSpPr>
-          <p:nvPr>
-            <p:ph idx="1"/>
-          </p:nvPr>
-        </p:nvSpPr>
-        <p:spPr>
-          <a:xfrm>
-            <a:off x="838200" y="1690687"/>
-            <a:ext cx="10515600" cy="4887665"/>
-          </a:xfrm>
-        </p:spPr>
-        <p:txBody>
-          <a:bodyPr>
-            <a:normAutofit/>
-          </a:bodyPr>
-          <a:lstStyle/>
-          <a:p>
-            <a:pPr marL="0" indent="0">
-              <a:buNone/>
-            </a:pPr>
-            <a:r>
-              <a:rPr lang="en-US" altLang="zh-CN" sz="1400" dirty="0" err="1"/>
-              <a:t>MVC</a:t>
-            </a:r>
-            <a:r>
-              <a:rPr lang="zh-CN" altLang="en-US" sz="1400" dirty="0"/>
-              <a:t>结构介绍</a:t>
-            </a:r>
-            <a:endParaRPr lang="en-US" altLang="zh-CN" sz="1400" dirty="0"/>
-          </a:p>
-          <a:p>
-            <a:pPr marL="0" indent="0">
-              <a:buNone/>
-            </a:pPr>
-            <a:r>
-              <a:rPr lang="zh-CN" altLang="en-US" sz="1400" dirty="0"/>
-              <a:t>模型绑定</a:t>
-            </a:r>
-            <a:endParaRPr lang="en-US" altLang="zh-CN" sz="1400" dirty="0"/>
-          </a:p>
-          <a:p>
-            <a:pPr marL="0" indent="0">
-              <a:buNone/>
-            </a:pPr>
-            <a:r>
-              <a:rPr lang="en-US" altLang="zh-CN" sz="1400" dirty="0"/>
-              <a:t>Areas</a:t>
-            </a:r>
-          </a:p>
-          <a:p>
-            <a:pPr marL="0" indent="0">
-              <a:buNone/>
-            </a:pPr>
-            <a:r>
-              <a:rPr lang="zh-CN" altLang="en-US" sz="1400" dirty="0"/>
-              <a:t>布局</a:t>
-            </a:r>
-            <a:endParaRPr lang="en-US" altLang="zh-CN" sz="1400" dirty="0"/>
-          </a:p>
-          <a:p>
-            <a:pPr marL="0" indent="0">
-              <a:buNone/>
-            </a:pPr>
-            <a:endParaRPr lang="en-US" altLang="zh-CN" sz="1400" dirty="0"/>
-          </a:p>
-        </p:txBody>
-      </p:sp>
-    </p:spTree>
-    <p:extLst>
-      <p:ext uri="{BB962C8B-B14F-4D97-AF65-F5344CB8AC3E}">
-        <p14:creationId xmlns:p14="http://schemas.microsoft.com/office/powerpoint/2010/main" val="3338494352"/>
-      </p:ext>
-    </p:extLst>
-  </p:cSld>
-  <p:clrMapOvr>
-    <a:masterClrMapping/>
-  </p:clrMapOvr>
-</p:sld>
-</file>
-
 <file path=ppt/slides/slide6.xml><?xml version="1.0" encoding="utf-8"?>
 <p:sld xmlns:a="http://schemas.openxmlformats.org/drawingml/2006/main" xmlns:r="http://schemas.openxmlformats.org/officeDocument/2006/relationships" xmlns:p="http://schemas.openxmlformats.org/presentationml/2006/main">
   <p:cSld>
@@ -6947,103 +7203,98 @@
           <a:p>
             <a:r>
               <a:rPr lang="en-US" altLang="zh-CN" dirty="0"/>
-              <a:t>filters</a:t>
+              <a:t>asp.net core </a:t>
+            </a:r>
+            <a:r>
+              <a:rPr lang="en-US" altLang="zh-CN" dirty="0" err="1"/>
+              <a:t>mvc</a:t>
             </a:r>
             <a:endParaRPr lang="zh-CN" altLang="en-US" dirty="0"/>
           </a:p>
         </p:txBody>
       </p:sp>
-      <p:pic>
-        <p:nvPicPr>
-          <p:cNvPr id="7" name="内容占位符 6" descr="图片包含 文字, 标牌&#10;&#10;描述已自动生成">
-            <a:extLst>
-              <a:ext uri="{FF2B5EF4-FFF2-40B4-BE49-F238E27FC236}">
-                <a16:creationId xmlns:a16="http://schemas.microsoft.com/office/drawing/2014/main" id="{2DAFA85C-74CD-45D1-B7D2-5068BA268FE3}"/>
-              </a:ext>
-            </a:extLst>
-          </p:cNvPr>
-          <p:cNvPicPr>
-            <a:picLocks noGrp="1" noChangeAspect="1"/>
-          </p:cNvPicPr>
+      <p:sp>
+        <p:nvSpPr>
+          <p:cNvPr id="15" name="内容占位符 2">
+            <a:extLst>
+              <a:ext uri="{FF2B5EF4-FFF2-40B4-BE49-F238E27FC236}">
+                <a16:creationId xmlns:a16="http://schemas.microsoft.com/office/drawing/2014/main" id="{00DFF36C-FF32-4635-B471-3925665516F8}"/>
+              </a:ext>
+            </a:extLst>
+          </p:cNvPr>
+          <p:cNvSpPr>
+            <a:spLocks noGrp="1"/>
+          </p:cNvSpPr>
           <p:nvPr>
             <p:ph idx="1"/>
           </p:nvPr>
-        </p:nvPicPr>
-        <p:blipFill>
-          <a:blip r:embed="rId2">
-            <a:extLst>
-              <a:ext uri="{28A0092B-C50C-407E-A947-70E740481C1C}">
-                <a14:useLocalDpi xmlns:a14="http://schemas.microsoft.com/office/drawing/2010/main" val="0"/>
-              </a:ext>
-            </a:extLst>
-          </a:blip>
-          <a:stretch>
-            <a:fillRect/>
-          </a:stretch>
-        </p:blipFill>
+        </p:nvSpPr>
         <p:spPr>
           <a:xfrm>
-            <a:off x="964771" y="1815057"/>
-            <a:ext cx="1728096" cy="4355269"/>
+            <a:off x="838200" y="1690687"/>
+            <a:ext cx="10515600" cy="4887665"/>
           </a:xfrm>
         </p:spPr>
-      </p:pic>
-      <p:sp>
-        <p:nvSpPr>
-          <p:cNvPr id="8" name="文本框 7">
-            <a:extLst>
-              <a:ext uri="{FF2B5EF4-FFF2-40B4-BE49-F238E27FC236}">
-                <a16:creationId xmlns:a16="http://schemas.microsoft.com/office/drawing/2014/main" id="{43E07749-7485-4989-81A2-FC204197F844}"/>
-              </a:ext>
-            </a:extLst>
-          </p:cNvPr>
-          <p:cNvSpPr txBox="1"/>
-          <p:nvPr/>
-        </p:nvSpPr>
-        <p:spPr>
-          <a:xfrm>
-            <a:off x="4328719" y="2508308"/>
-            <a:ext cx="1800493" cy="923330"/>
-          </a:xfrm>
-          <a:prstGeom prst="rect">
-            <a:avLst/>
-          </a:prstGeom>
-          <a:noFill/>
-        </p:spPr>
-        <p:txBody>
-          <a:bodyPr wrap="none" rtlCol="0">
-            <a:spAutoFit/>
+        <p:txBody>
+          <a:bodyPr>
+            <a:normAutofit/>
           </a:bodyPr>
           <a:lstStyle/>
           <a:p>
-            <a:r>
-              <a:rPr lang="en-US" altLang="zh-CN" dirty="0"/>
-              <a:t>DI</a:t>
-            </a:r>
-          </a:p>
-          <a:p>
-            <a:r>
-              <a:rPr lang="zh-CN" altLang="en-US" dirty="0"/>
-              <a:t>特性或工厂特性</a:t>
-            </a:r>
-            <a:endParaRPr lang="en-US" altLang="zh-CN" dirty="0"/>
-          </a:p>
-          <a:p>
-            <a:r>
-              <a:rPr lang="zh-CN" altLang="en-US"/>
-              <a:t>全局</a:t>
-            </a:r>
-            <a:r>
-              <a:rPr lang="zh-CN" altLang="en-US" dirty="0"/>
-              <a:t>筛选器</a:t>
-            </a:r>
+            <a:pPr marL="0" indent="0">
+              <a:buNone/>
+            </a:pPr>
+            <a:r>
+              <a:rPr lang="en-US" altLang="zh-CN" sz="1400" dirty="0" err="1"/>
+              <a:t>MVC</a:t>
+            </a:r>
+            <a:r>
+              <a:rPr lang="zh-CN" altLang="en-US" sz="1400" dirty="0"/>
+              <a:t>结构介绍</a:t>
+            </a:r>
+            <a:endParaRPr lang="en-US" altLang="zh-CN" sz="1400" dirty="0"/>
+          </a:p>
+          <a:p>
+            <a:pPr marL="0" indent="0">
+              <a:buNone/>
+            </a:pPr>
+            <a:r>
+              <a:rPr lang="zh-CN" altLang="en-US" sz="1400" dirty="0"/>
+              <a:t>模型绑定</a:t>
+            </a:r>
+            <a:endParaRPr lang="en-US" altLang="zh-CN" sz="1400" dirty="0"/>
+          </a:p>
+          <a:p>
+            <a:pPr marL="0" indent="0">
+              <a:buNone/>
+            </a:pPr>
+            <a:r>
+              <a:rPr lang="en-US" altLang="zh-CN" sz="1400" dirty="0"/>
+              <a:t>Areas</a:t>
+            </a:r>
+          </a:p>
+          <a:p>
+            <a:pPr marL="0" indent="0">
+              <a:buNone/>
+            </a:pPr>
+            <a:r>
+              <a:rPr lang="zh-CN" altLang="en-US" sz="1400" dirty="0"/>
+              <a:t>布局</a:t>
+            </a:r>
+            <a:endParaRPr lang="en-US" altLang="zh-CN" sz="1400" dirty="0"/>
+          </a:p>
+          <a:p>
+            <a:pPr marL="0" indent="0">
+              <a:buNone/>
+            </a:pPr>
+            <a:endParaRPr lang="en-US" altLang="zh-CN" sz="1400" dirty="0"/>
           </a:p>
         </p:txBody>
       </p:sp>
     </p:spTree>
     <p:extLst>
       <p:ext uri="{BB962C8B-B14F-4D97-AF65-F5344CB8AC3E}">
-        <p14:creationId xmlns:p14="http://schemas.microsoft.com/office/powerpoint/2010/main" val="860166398"/>
+        <p14:creationId xmlns:p14="http://schemas.microsoft.com/office/powerpoint/2010/main" val="3338494352"/>
       </p:ext>
     </p:extLst>
   </p:cSld>
@@ -7093,62 +7344,95 @@
           <a:p>
             <a:r>
               <a:rPr lang="en-US" altLang="zh-CN" dirty="0"/>
-              <a:t>Configuration</a:t>
+              <a:t>filters</a:t>
             </a:r>
             <a:endParaRPr lang="zh-CN" altLang="en-US" dirty="0"/>
           </a:p>
         </p:txBody>
       </p:sp>
-      <p:sp>
-        <p:nvSpPr>
-          <p:cNvPr id="15" name="内容占位符 2">
-            <a:extLst>
-              <a:ext uri="{FF2B5EF4-FFF2-40B4-BE49-F238E27FC236}">
-                <a16:creationId xmlns:a16="http://schemas.microsoft.com/office/drawing/2014/main" id="{00DFF36C-FF32-4635-B471-3925665516F8}"/>
-              </a:ext>
-            </a:extLst>
-          </p:cNvPr>
-          <p:cNvSpPr>
-            <a:spLocks noGrp="1"/>
-          </p:cNvSpPr>
+      <p:pic>
+        <p:nvPicPr>
+          <p:cNvPr id="7" name="内容占位符 6" descr="图片包含 文字, 标牌&#10;&#10;描述已自动生成">
+            <a:extLst>
+              <a:ext uri="{FF2B5EF4-FFF2-40B4-BE49-F238E27FC236}">
+                <a16:creationId xmlns:a16="http://schemas.microsoft.com/office/drawing/2014/main" id="{2DAFA85C-74CD-45D1-B7D2-5068BA268FE3}"/>
+              </a:ext>
+            </a:extLst>
+          </p:cNvPr>
+          <p:cNvPicPr>
+            <a:picLocks noGrp="1" noChangeAspect="1"/>
+          </p:cNvPicPr>
           <p:nvPr>
             <p:ph idx="1"/>
           </p:nvPr>
-        </p:nvSpPr>
+        </p:nvPicPr>
+        <p:blipFill>
+          <a:blip r:embed="rId2">
+            <a:extLst>
+              <a:ext uri="{28A0092B-C50C-407E-A947-70E740481C1C}">
+                <a14:useLocalDpi xmlns:a14="http://schemas.microsoft.com/office/drawing/2010/main" val="0"/>
+              </a:ext>
+            </a:extLst>
+          </a:blip>
+          <a:stretch>
+            <a:fillRect/>
+          </a:stretch>
+        </p:blipFill>
         <p:spPr>
           <a:xfrm>
-            <a:off x="838200" y="1690687"/>
-            <a:ext cx="10515600" cy="4887665"/>
+            <a:off x="964771" y="1815057"/>
+            <a:ext cx="1728096" cy="4355269"/>
           </a:xfrm>
         </p:spPr>
-        <p:txBody>
-          <a:bodyPr>
-            <a:normAutofit/>
+      </p:pic>
+      <p:sp>
+        <p:nvSpPr>
+          <p:cNvPr id="8" name="文本框 7">
+            <a:extLst>
+              <a:ext uri="{FF2B5EF4-FFF2-40B4-BE49-F238E27FC236}">
+                <a16:creationId xmlns:a16="http://schemas.microsoft.com/office/drawing/2014/main" id="{43E07749-7485-4989-81A2-FC204197F844}"/>
+              </a:ext>
+            </a:extLst>
+          </p:cNvPr>
+          <p:cNvSpPr txBox="1"/>
+          <p:nvPr/>
+        </p:nvSpPr>
+        <p:spPr>
+          <a:xfrm>
+            <a:off x="4328719" y="2508308"/>
+            <a:ext cx="1800493" cy="923330"/>
+          </a:xfrm>
+          <a:prstGeom prst="rect">
+            <a:avLst/>
+          </a:prstGeom>
+          <a:noFill/>
+        </p:spPr>
+        <p:txBody>
+          <a:bodyPr wrap="none" rtlCol="0">
+            <a:spAutoFit/>
           </a:bodyPr>
           <a:lstStyle/>
           <a:p>
             <a:r>
-              <a:rPr lang="zh-CN" altLang="en-US" sz="1400" dirty="0"/>
-              <a:t>配置文件</a:t>
-            </a:r>
-            <a:endParaRPr lang="en-US" altLang="zh-CN" sz="1400" dirty="0"/>
-          </a:p>
-          <a:p>
-            <a:r>
-              <a:rPr lang="zh-CN" altLang="en-US" sz="1400" dirty="0"/>
-              <a:t>热更新</a:t>
-            </a:r>
-            <a:r>
-              <a:rPr lang="en-US" altLang="zh-CN" sz="1400" dirty="0"/>
-              <a:t>(</a:t>
-            </a:r>
-            <a:r>
-              <a:rPr lang="zh-CN" altLang="en-US" sz="1400" dirty="0"/>
-              <a:t>内存会增加</a:t>
-            </a:r>
-            <a:r>
-              <a:rPr lang="en-US" altLang="zh-CN" sz="1400" dirty="0"/>
-              <a:t>)</a:t>
+              <a:rPr lang="en-US" altLang="zh-CN" dirty="0"/>
+              <a:t>DI</a:t>
+            </a:r>
+          </a:p>
+          <a:p>
+            <a:r>
+              <a:rPr lang="zh-CN" altLang="en-US" dirty="0"/>
+              <a:t>特性或工厂特性</a:t>
+            </a:r>
+            <a:endParaRPr lang="en-US" altLang="zh-CN" dirty="0"/>
+          </a:p>
+          <a:p>
+            <a:r>
+              <a:rPr lang="zh-CN" altLang="en-US"/>
+              <a:t>全局</a:t>
+            </a:r>
+            <a:r>
+              <a:rPr lang="zh-CN" altLang="en-US" dirty="0"/>
+              <a:t>筛选器</a:t>
             </a:r>
           </a:p>
         </p:txBody>
@@ -7156,7 +7440,7 @@
     </p:spTree>
     <p:extLst>
       <p:ext uri="{BB962C8B-B14F-4D97-AF65-F5344CB8AC3E}">
-        <p14:creationId xmlns:p14="http://schemas.microsoft.com/office/powerpoint/2010/main" val="1183203262"/>
+        <p14:creationId xmlns:p14="http://schemas.microsoft.com/office/powerpoint/2010/main" val="860166398"/>
       </p:ext>
     </p:extLst>
   </p:cSld>
@@ -7206,12 +7490,9 @@
           <a:p>
             <a:r>
               <a:rPr lang="en-US" altLang="zh-CN" dirty="0"/>
-              <a:t>Configuration-</a:t>
-            </a:r>
-            <a:r>
-              <a:rPr lang="zh-CN" altLang="en-US" dirty="0"/>
-              <a:t>机密文件</a:t>
-            </a:r>
+              <a:t>Configuration</a:t>
+            </a:r>
+            <a:endParaRPr lang="zh-CN" altLang="en-US" dirty="0"/>
           </a:p>
         </p:txBody>
       </p:sp>
@@ -7243,314 +7524,87 @@
           </a:bodyPr>
           <a:lstStyle/>
           <a:p>
-            <a:pPr marL="0" indent="0">
-              <a:buNone/>
-            </a:pPr>
+            <a:r>
+              <a:rPr lang="zh-CN" altLang="en-US" sz="1400" dirty="0"/>
+              <a:t>配置文件</a:t>
+            </a:r>
+            <a:endParaRPr lang="en-US" altLang="zh-CN" sz="1400" dirty="0"/>
+          </a:p>
+          <a:p>
+            <a:r>
+              <a:rPr lang="zh-CN" altLang="en-US" sz="1400" dirty="0"/>
+              <a:t>热更新</a:t>
+            </a:r>
             <a:r>
               <a:rPr lang="en-US" altLang="zh-CN" sz="1400" dirty="0"/>
-              <a:t>1</a:t>
+              <a:t>(</a:t>
             </a:r>
             <a:r>
               <a:rPr lang="zh-CN" altLang="en-US" sz="1400" dirty="0"/>
-              <a:t>、</a:t>
+              <a:t>内存会增加</a:t>
             </a:r>
             <a:r>
               <a:rPr lang="en-US" altLang="zh-CN" sz="1400" dirty="0"/>
-              <a:t>.</a:t>
-            </a:r>
-            <a:r>
-              <a:rPr lang="en-US" altLang="zh-CN" sz="1400" dirty="0" err="1"/>
-              <a:t>csproj</a:t>
-            </a:r>
+              <a:t>)</a:t>
+            </a:r>
+          </a:p>
+          <a:p>
             <a:r>
               <a:rPr lang="zh-CN" altLang="en-US" sz="1400" dirty="0"/>
-              <a:t>文件的</a:t>
+              <a:t>用</a:t>
             </a:r>
             <a:r>
               <a:rPr lang="en-US" altLang="zh-CN" sz="1400" dirty="0"/>
-              <a:t>&lt;</a:t>
-            </a:r>
-            <a:r>
-              <a:rPr lang="en-US" altLang="zh-CN" sz="1400" dirty="0" err="1"/>
-              <a:t>PropertyGroup</a:t>
-            </a:r>
-            <a:r>
-              <a:rPr lang="en-US" altLang="zh-CN" sz="1400" dirty="0"/>
-              <a:t>&gt;&lt;/</a:t>
-            </a:r>
-            <a:r>
-              <a:rPr lang="en-US" altLang="zh-CN" sz="1400" dirty="0" err="1"/>
-              <a:t>PropertyGroup</a:t>
-            </a:r>
-            <a:r>
-              <a:rPr lang="en-US" altLang="zh-CN" sz="1400" dirty="0"/>
-              <a:t>&gt;</a:t>
+              <a:t>Azure</a:t>
             </a:r>
             <a:r>
               <a:rPr lang="zh-CN" altLang="en-US" sz="1400" dirty="0"/>
-              <a:t>节点中添加</a:t>
-            </a:r>
-          </a:p>
-          <a:p>
-            <a:pPr marL="0" indent="0">
-              <a:buNone/>
-            </a:pPr>
-            <a:r>
-              <a:rPr lang="en-US" altLang="zh-CN" sz="1400" dirty="0"/>
-              <a:t>  &lt;</a:t>
-            </a:r>
-            <a:r>
-              <a:rPr lang="en-US" altLang="zh-CN" sz="1400" dirty="0" err="1"/>
-              <a:t>UserSecretsId</a:t>
-            </a:r>
-            <a:r>
-              <a:rPr lang="en-US" altLang="zh-CN" sz="1400" dirty="0"/>
-              <a:t>&gt;</a:t>
-            </a:r>
-            <a:r>
-              <a:rPr lang="en-US" altLang="zh-CN" sz="1400" dirty="0" err="1"/>
-              <a:t>d7a40274-87df-43ba-999b-d8719940b7a7</a:t>
-            </a:r>
-            <a:r>
-              <a:rPr lang="en-US" altLang="zh-CN" sz="1400" dirty="0"/>
-              <a:t>&lt;/</a:t>
-            </a:r>
-            <a:r>
-              <a:rPr lang="en-US" altLang="zh-CN" sz="1400" dirty="0" err="1"/>
-              <a:t>UserSecretsId</a:t>
-            </a:r>
-            <a:r>
-              <a:rPr lang="en-US" altLang="zh-CN" sz="1400" dirty="0"/>
-              <a:t>&gt;</a:t>
-            </a:r>
-          </a:p>
-          <a:p>
-            <a:pPr marL="0" indent="0">
-              <a:buNone/>
-            </a:pPr>
-            <a:r>
-              <a:rPr lang="en-US" altLang="zh-CN" sz="1400" dirty="0"/>
-              <a:t>2</a:t>
-            </a:r>
-            <a:r>
-              <a:rPr lang="zh-CN" altLang="en-US" sz="1400" dirty="0"/>
-              <a:t>、操作机密文件</a:t>
-            </a:r>
-          </a:p>
-          <a:p>
-            <a:pPr marL="0" indent="0">
-              <a:buNone/>
-            </a:pPr>
-            <a:r>
-              <a:rPr lang="en-US" altLang="zh-CN" sz="1400" dirty="0"/>
-              <a:t>   a</a:t>
-            </a:r>
-            <a:r>
-              <a:rPr lang="zh-CN" altLang="en-US" sz="1400" dirty="0"/>
-              <a:t>、设置机密文件  </a:t>
-            </a:r>
-            <a:r>
-              <a:rPr lang="en-US" altLang="zh-CN" sz="1400" dirty="0"/>
-              <a:t>dotnet user-secrets set "</a:t>
-            </a:r>
-            <a:r>
-              <a:rPr lang="en-US" altLang="zh-CN" sz="1400" dirty="0" err="1"/>
-              <a:t>dbpassword</a:t>
-            </a:r>
-            <a:r>
-              <a:rPr lang="en-US" altLang="zh-CN" sz="1400" dirty="0"/>
-              <a:t>" "123456" --project ".</a:t>
-            </a:r>
-            <a:r>
-              <a:rPr lang="en-US" altLang="zh-CN" sz="1400" dirty="0" err="1"/>
-              <a:t>csproj</a:t>
-            </a:r>
-            <a:r>
-              <a:rPr lang="zh-CN" altLang="en-US" sz="1400" dirty="0"/>
-              <a:t>所在目录</a:t>
-            </a:r>
-            <a:r>
-              <a:rPr lang="en-US" altLang="zh-CN" sz="1400" dirty="0"/>
-              <a:t>"</a:t>
-            </a:r>
-          </a:p>
-          <a:p>
-            <a:pPr marL="0" indent="0">
-              <a:buNone/>
-            </a:pPr>
-            <a:r>
-              <a:rPr lang="en-US" altLang="zh-CN" sz="1400" dirty="0"/>
-              <a:t>   b</a:t>
-            </a:r>
-            <a:r>
-              <a:rPr lang="zh-CN" altLang="en-US" sz="1400" dirty="0"/>
-              <a:t>、设置多个机密文件  </a:t>
-            </a:r>
-            <a:r>
-              <a:rPr lang="en-US" altLang="zh-CN" sz="1400" dirty="0"/>
-              <a:t>type .\</a:t>
-            </a:r>
-            <a:r>
-              <a:rPr lang="en-US" altLang="zh-CN" sz="1400" dirty="0" err="1"/>
-              <a:t>input.json</a:t>
-            </a:r>
-            <a:r>
-              <a:rPr lang="en-US" altLang="zh-CN" sz="1400" dirty="0"/>
-              <a:t> | dotnet user-secrets set --project ".</a:t>
-            </a:r>
-            <a:r>
-              <a:rPr lang="en-US" altLang="zh-CN" sz="1400" dirty="0" err="1"/>
-              <a:t>csproj</a:t>
-            </a:r>
-            <a:r>
-              <a:rPr lang="zh-CN" altLang="en-US" sz="1400" dirty="0"/>
-              <a:t>所在目录</a:t>
-            </a:r>
-            <a:r>
-              <a:rPr lang="en-US" altLang="zh-CN" sz="1400" dirty="0"/>
-              <a:t>"</a:t>
-            </a:r>
-          </a:p>
-          <a:p>
-            <a:pPr marL="0" indent="0">
-              <a:buNone/>
-            </a:pPr>
-            <a:r>
-              <a:rPr lang="en-US" altLang="zh-CN" sz="1400" dirty="0"/>
-              <a:t>   c</a:t>
-            </a:r>
-            <a:r>
-              <a:rPr lang="zh-CN" altLang="en-US" sz="1400" dirty="0"/>
-              <a:t>、查看机密文件  </a:t>
-            </a:r>
-            <a:r>
-              <a:rPr lang="en-US" altLang="zh-CN" sz="1400" dirty="0"/>
-              <a:t>dotnet user-secrets list --project ".</a:t>
-            </a:r>
-            <a:r>
-              <a:rPr lang="en-US" altLang="zh-CN" sz="1400" dirty="0" err="1"/>
-              <a:t>csproj</a:t>
-            </a:r>
-            <a:r>
-              <a:rPr lang="zh-CN" altLang="en-US" sz="1400" dirty="0"/>
-              <a:t>所在目录</a:t>
-            </a:r>
-            <a:r>
-              <a:rPr lang="en-US" altLang="zh-CN" sz="1400" dirty="0"/>
-              <a:t>"</a:t>
-            </a:r>
-          </a:p>
-          <a:p>
-            <a:pPr marL="0" indent="0">
-              <a:buNone/>
-            </a:pPr>
-            <a:r>
-              <a:rPr lang="en-US" altLang="zh-CN" sz="1400" dirty="0"/>
-              <a:t>   d</a:t>
-            </a:r>
-            <a:r>
-              <a:rPr lang="zh-CN" altLang="en-US" sz="1400" dirty="0"/>
-              <a:t>、删除机密文件  </a:t>
-            </a:r>
-            <a:r>
-              <a:rPr lang="en-US" altLang="zh-CN" sz="1400" dirty="0"/>
-              <a:t>dotnet user-secrets remove "</a:t>
-            </a:r>
-            <a:r>
-              <a:rPr lang="en-US" altLang="zh-CN" sz="1400" dirty="0" err="1"/>
-              <a:t>dbpassword</a:t>
-            </a:r>
-            <a:r>
-              <a:rPr lang="en-US" altLang="zh-CN" sz="1400" dirty="0"/>
-              <a:t>"  --project ".</a:t>
-            </a:r>
-            <a:r>
-              <a:rPr lang="en-US" altLang="zh-CN" sz="1400" dirty="0" err="1"/>
-              <a:t>csproj</a:t>
-            </a:r>
-            <a:r>
-              <a:rPr lang="zh-CN" altLang="en-US" sz="1400" dirty="0"/>
-              <a:t>所在目录</a:t>
-            </a:r>
-            <a:r>
-              <a:rPr lang="en-US" altLang="zh-CN" sz="1400" dirty="0"/>
-              <a:t>"</a:t>
-            </a:r>
-          </a:p>
-          <a:p>
-            <a:pPr marL="0" indent="0">
-              <a:buNone/>
-            </a:pPr>
-            <a:r>
-              <a:rPr lang="en-US" altLang="zh-CN" sz="1400" dirty="0"/>
-              <a:t>   e</a:t>
-            </a:r>
-            <a:r>
-              <a:rPr lang="zh-CN" altLang="en-US" sz="1400" dirty="0"/>
-              <a:t>、删除所有机密文件 </a:t>
-            </a:r>
-            <a:r>
-              <a:rPr lang="en-US" altLang="zh-CN" sz="1400" dirty="0"/>
-              <a:t>dotnet user-secrets clear --project ".</a:t>
-            </a:r>
-            <a:r>
-              <a:rPr lang="en-US" altLang="zh-CN" sz="1400" dirty="0" err="1"/>
-              <a:t>csproj</a:t>
-            </a:r>
-            <a:r>
-              <a:rPr lang="zh-CN" altLang="en-US" sz="1400" dirty="0"/>
-              <a:t>所在目录</a:t>
-            </a:r>
-            <a:r>
-              <a:rPr lang="en-US" altLang="zh-CN" sz="1400" dirty="0"/>
-              <a:t>"</a:t>
-            </a:r>
-          </a:p>
-          <a:p>
-            <a:pPr marL="0" indent="0">
-              <a:buNone/>
-            </a:pPr>
-            <a:r>
-              <a:rPr lang="en-US" altLang="zh-CN" sz="1400" dirty="0"/>
-              <a:t>3</a:t>
-            </a:r>
-            <a:r>
-              <a:rPr lang="zh-CN" altLang="en-US" sz="1400" dirty="0"/>
-              <a:t>、</a:t>
-            </a:r>
-            <a:r>
-              <a:rPr lang="en-US" altLang="zh-CN" sz="1400" dirty="0" err="1"/>
-              <a:t>ConfigureServices</a:t>
-            </a:r>
-            <a:r>
-              <a:rPr lang="zh-CN" altLang="en-US" sz="1400" dirty="0"/>
-              <a:t>中读取</a:t>
-            </a:r>
-          </a:p>
-          <a:p>
-            <a:pPr marL="0" indent="0">
-              <a:buNone/>
-            </a:pPr>
-            <a:r>
-              <a:rPr lang="en-US" altLang="zh-CN" sz="1400" dirty="0"/>
-              <a:t>   var password = Configuration["</a:t>
-            </a:r>
-            <a:r>
-              <a:rPr lang="en-US" altLang="zh-CN" sz="1400" dirty="0" err="1"/>
-              <a:t>dbpassword</a:t>
-            </a:r>
-            <a:r>
-              <a:rPr lang="en-US" altLang="zh-CN" sz="1400" dirty="0"/>
-              <a:t>"];</a:t>
-            </a:r>
-            <a:endParaRPr lang="zh-CN" altLang="en-US" sz="1400" dirty="0"/>
-          </a:p>
-        </p:txBody>
-      </p:sp>
+              <a:t>机密保存机密配置文件</a:t>
+            </a:r>
+            <a:endParaRPr lang="en-US" altLang="zh-CN" sz="1400" dirty="0"/>
+          </a:p>
+        </p:txBody>
+      </p:sp>
+      <p:pic>
+        <p:nvPicPr>
+          <p:cNvPr id="4" name="图片 3" descr="图片包含 屏幕截图, 监视器, 屏幕, 黑色&#10;&#10;描述已自动生成">
+            <a:extLst>
+              <a:ext uri="{FF2B5EF4-FFF2-40B4-BE49-F238E27FC236}">
+                <a16:creationId xmlns:a16="http://schemas.microsoft.com/office/drawing/2014/main" id="{9121572A-A81B-4C8D-A7D8-97E17EFF236B}"/>
+              </a:ext>
+            </a:extLst>
+          </p:cNvPr>
+          <p:cNvPicPr>
+            <a:picLocks noChangeAspect="1"/>
+          </p:cNvPicPr>
+          <p:nvPr/>
+        </p:nvPicPr>
+        <p:blipFill>
+          <a:blip r:embed="rId2">
+            <a:extLst>
+              <a:ext uri="{28A0092B-C50C-407E-A947-70E740481C1C}">
+                <a14:useLocalDpi xmlns:a14="http://schemas.microsoft.com/office/drawing/2010/main" val="0"/>
+              </a:ext>
+            </a:extLst>
+          </a:blip>
+          <a:stretch>
+            <a:fillRect/>
+          </a:stretch>
+        </p:blipFill>
+        <p:spPr>
+          <a:xfrm>
+            <a:off x="6538823" y="2533151"/>
+            <a:ext cx="3777688" cy="3005453"/>
+          </a:xfrm>
+          <a:prstGeom prst="rect">
+            <a:avLst/>
+          </a:prstGeom>
+        </p:spPr>
+      </p:pic>
     </p:spTree>
     <p:extLst>
       <p:ext uri="{BB962C8B-B14F-4D97-AF65-F5344CB8AC3E}">
-        <p14:creationId xmlns:p14="http://schemas.microsoft.com/office/powerpoint/2010/main" val="731180852"/>
+        <p14:creationId xmlns:p14="http://schemas.microsoft.com/office/powerpoint/2010/main" val="1183203262"/>
       </p:ext>
     </p:extLst>
   </p:cSld>
@@ -7604,7 +7658,7 @@
             </a:r>
             <a:r>
               <a:rPr lang="zh-CN" altLang="en-US" dirty="0"/>
-              <a:t>自定义</a:t>
+              <a:t>机密文件</a:t>
             </a:r>
           </a:p>
         </p:txBody>
@@ -7641,153 +7695,40 @@
               <a:buNone/>
             </a:pPr>
             <a:r>
+              <a:rPr lang="en-US" altLang="zh-CN" sz="1400" dirty="0"/>
+              <a:t>1</a:t>
+            </a:r>
+            <a:r>
+              <a:rPr lang="zh-CN" altLang="en-US" sz="1400" dirty="0"/>
+              <a:t>、</a:t>
+            </a:r>
+            <a:r>
+              <a:rPr lang="en-US" altLang="zh-CN" sz="1400" dirty="0"/>
+              <a:t>.</a:t>
+            </a:r>
+            <a:r>
               <a:rPr lang="en-US" altLang="zh-CN" sz="1400" dirty="0" err="1"/>
-              <a:t>Asp.net</a:t>
+              <a:t>csproj</a:t>
             </a:r>
             <a:r>
               <a:rPr lang="zh-CN" altLang="en-US" sz="1400" dirty="0"/>
-              <a:t> </a:t>
+              <a:t>文件的</a:t>
             </a:r>
             <a:r>
               <a:rPr lang="en-US" altLang="zh-CN" sz="1400" dirty="0"/>
-              <a:t>core</a:t>
-            </a:r>
-            <a:r>
-              <a:rPr lang="zh-CN" altLang="en-US" sz="1400" dirty="0"/>
-              <a:t>中的配置文件是基于生成器模式（</a:t>
-            </a:r>
-            <a:r>
-              <a:rPr lang="zh-CN" altLang="en-US" sz="1400" i="1" u="sng" dirty="0"/>
-              <a:t>将复杂对象的建造过程抽象出来（抽象类别），使这个抽象过程的不同实现方法可以构造出不同表现（属性）的对象</a:t>
-            </a:r>
-            <a:r>
-              <a:rPr lang="zh-CN" altLang="en-US" sz="1400" dirty="0"/>
-              <a:t>）</a:t>
+              <a:t>&lt;</a:t>
+            </a:r>
+            <a:r>
+              <a:rPr lang="en-US" altLang="zh-CN" sz="1400" dirty="0" err="1"/>
+              <a:t>PropertyGroup</a:t>
             </a:r>
             <a:r>
               <a:rPr lang="en-US" altLang="zh-CN" sz="1400" dirty="0"/>
-              <a:t>,</a:t>
+              <a:t>&gt;&lt;/</a:t>
             </a:r>
             <a:r>
               <a:rPr lang="en-US" altLang="zh-CN" sz="1400" dirty="0" err="1"/>
-              <a:t>asp.net</a:t>
-            </a:r>
-            <a:r>
-              <a:rPr lang="en-US" altLang="zh-CN" sz="1400" dirty="0"/>
-              <a:t> core</a:t>
-            </a:r>
-            <a:r>
-              <a:rPr lang="zh-CN" altLang="en-US" sz="1400" dirty="0"/>
-              <a:t>中有两个生成器，一个是主机</a:t>
-            </a:r>
-            <a:r>
-              <a:rPr lang="en-US" altLang="zh-CN" sz="1400" dirty="0"/>
-              <a:t>(host)</a:t>
-            </a:r>
-            <a:r>
-              <a:rPr lang="zh-CN" altLang="en-US" sz="1400" dirty="0"/>
-              <a:t>的，一个应用程序</a:t>
-            </a:r>
-            <a:r>
-              <a:rPr lang="en-US" altLang="zh-CN" sz="1400" dirty="0"/>
-              <a:t>(application)</a:t>
-            </a:r>
-            <a:r>
-              <a:rPr lang="zh-CN" altLang="en-US" sz="1400" dirty="0"/>
-              <a:t>的</a:t>
-            </a:r>
-            <a:endParaRPr lang="en-US" altLang="zh-CN" sz="1400" dirty="0"/>
-          </a:p>
-          <a:p>
-            <a:pPr marL="0" indent="0">
-              <a:buNone/>
-            </a:pPr>
-            <a:endParaRPr lang="en-US" altLang="zh-CN" sz="1400" dirty="0"/>
-          </a:p>
-          <a:p>
-            <a:r>
-              <a:rPr lang="en-US" altLang="zh-CN" sz="1400" dirty="0" err="1"/>
-              <a:t>ConfigurationSource</a:t>
-            </a:r>
-            <a:endParaRPr lang="en-US" altLang="zh-CN" sz="1400" dirty="0"/>
-          </a:p>
-          <a:p>
-            <a:pPr marL="0" indent="0">
-              <a:buNone/>
-            </a:pPr>
-            <a:r>
-              <a:rPr lang="en-US" altLang="zh-CN" sz="1400" dirty="0"/>
-              <a:t>     </a:t>
-            </a:r>
-            <a:r>
-              <a:rPr lang="zh-CN" altLang="en-US" sz="1400" dirty="0"/>
-              <a:t>在建造过程中需要各种参数信息，</a:t>
-            </a:r>
-            <a:r>
-              <a:rPr lang="en-US" altLang="zh-CN" sz="1400" dirty="0" err="1"/>
-              <a:t>ConfigurationSource</a:t>
-            </a:r>
-            <a:r>
-              <a:rPr lang="zh-CN" altLang="en-US" sz="1400" dirty="0"/>
-              <a:t>是为获取这些参数而提供来源，比如文件源，内存源等</a:t>
-            </a:r>
-            <a:endParaRPr lang="en-US" altLang="zh-CN" sz="1400" dirty="0"/>
-          </a:p>
-          <a:p>
-            <a:endParaRPr lang="en-US" altLang="zh-CN" sz="1400" dirty="0"/>
-          </a:p>
-          <a:p>
-            <a:r>
-              <a:rPr lang="en-US" altLang="zh-CN" sz="1400" dirty="0" err="1"/>
-              <a:t>ConfigurationProvider</a:t>
-            </a:r>
-            <a:endParaRPr lang="en-US" altLang="zh-CN" sz="1400" dirty="0"/>
-          </a:p>
-          <a:p>
-            <a:pPr marL="0" indent="0">
-              <a:buNone/>
-            </a:pPr>
-            <a:r>
-              <a:rPr lang="en-US" altLang="zh-CN" sz="1400" dirty="0"/>
-              <a:t>     </a:t>
-            </a:r>
-            <a:r>
-              <a:rPr lang="zh-CN" altLang="en-US" sz="1400" dirty="0"/>
-              <a:t>建造所需参数的提供者，依据</a:t>
-            </a:r>
-            <a:r>
-              <a:rPr lang="en-US" altLang="zh-CN" sz="1400" dirty="0" err="1"/>
-              <a:t>ConfigurationSource</a:t>
-            </a:r>
-            <a:r>
-              <a:rPr lang="zh-CN" altLang="en-US" sz="1400" dirty="0"/>
-              <a:t>来完成提供</a:t>
-            </a:r>
-            <a:endParaRPr lang="en-US" altLang="zh-CN" sz="1400" dirty="0"/>
-          </a:p>
-          <a:p>
-            <a:endParaRPr lang="en-US" altLang="zh-CN" sz="1400" dirty="0"/>
-          </a:p>
-          <a:p>
-            <a:r>
-              <a:rPr lang="zh-CN" altLang="en-US" sz="1400" dirty="0"/>
-              <a:t>需要把</a:t>
-            </a:r>
-            <a:r>
-              <a:rPr lang="en-US" altLang="zh-CN" sz="1400" dirty="0" err="1"/>
-              <a:t>ConfigurationSource</a:t>
-            </a:r>
-            <a:r>
-              <a:rPr lang="zh-CN" altLang="en-US" sz="1400" dirty="0"/>
-              <a:t>或</a:t>
-            </a:r>
-            <a:r>
-              <a:rPr lang="en-US" altLang="zh-CN" sz="1400" dirty="0"/>
-              <a:t>Action&lt;</a:t>
-            </a:r>
-            <a:r>
-              <a:rPr lang="en-US" altLang="zh-CN" sz="1400" dirty="0" err="1"/>
-              <a:t>ConfigurationSource</a:t>
+              <a:t>PropertyGroup</a:t>
             </a:r>
             <a:r>
               <a:rPr lang="en-US" altLang="zh-CN" sz="1400" dirty="0"/>
@@ -7795,91 +7736,261 @@
             </a:r>
             <a:r>
               <a:rPr lang="zh-CN" altLang="en-US" sz="1400" dirty="0"/>
-              <a:t>添加到</a:t>
-            </a:r>
-            <a:r>
-              <a:rPr lang="zh-CN" altLang="en-US" sz="1400" b="1" dirty="0"/>
-              <a:t>应用配置</a:t>
+              <a:t>节点中添加</a:t>
+            </a:r>
+          </a:p>
+          <a:p>
+            <a:pPr marL="0" indent="0">
+              <a:buNone/>
+            </a:pPr>
+            <a:r>
+              <a:rPr lang="en-US" altLang="zh-CN" sz="1400" dirty="0"/>
+              <a:t>  &lt;</a:t>
+            </a:r>
+            <a:r>
+              <a:rPr lang="en-US" altLang="zh-CN" sz="1400" dirty="0" err="1"/>
+              <a:t>UserSecretsId</a:t>
+            </a:r>
+            <a:r>
+              <a:rPr lang="en-US" altLang="zh-CN" sz="1400" dirty="0"/>
+              <a:t>&gt;</a:t>
+            </a:r>
+            <a:r>
+              <a:rPr lang="en-US" altLang="zh-CN" sz="1400" dirty="0" err="1"/>
+              <a:t>d7a40274-87df-43ba-999b-d8719940b7a7</a:t>
+            </a:r>
+            <a:r>
+              <a:rPr lang="en-US" altLang="zh-CN" sz="1400" dirty="0"/>
+              <a:t>&lt;/</a:t>
+            </a:r>
+            <a:r>
+              <a:rPr lang="en-US" altLang="zh-CN" sz="1400" dirty="0" err="1"/>
+              <a:t>UserSecretsId</a:t>
+            </a:r>
+            <a:r>
+              <a:rPr lang="en-US" altLang="zh-CN" sz="1400" dirty="0"/>
+              <a:t>&gt;</a:t>
+            </a:r>
+          </a:p>
+          <a:p>
+            <a:pPr marL="0" indent="0">
+              <a:buNone/>
+            </a:pPr>
+            <a:r>
+              <a:rPr lang="en-US" altLang="zh-CN" sz="1400" dirty="0"/>
+              <a:t>2</a:t>
             </a:r>
             <a:r>
               <a:rPr lang="zh-CN" altLang="en-US" sz="1400" dirty="0"/>
-              <a:t>构建对象中，在</a:t>
-            </a:r>
-            <a:r>
-              <a:rPr lang="zh-CN" altLang="en-US" sz="1400" b="1" dirty="0"/>
-              <a:t>主机构建时</a:t>
+              <a:t>、操作机密文件</a:t>
+            </a:r>
+          </a:p>
+          <a:p>
+            <a:pPr marL="0" indent="0">
+              <a:buNone/>
+            </a:pPr>
+            <a:r>
+              <a:rPr lang="en-US" altLang="zh-CN" sz="1400" dirty="0"/>
+              <a:t>   a</a:t>
             </a:r>
             <a:r>
               <a:rPr lang="zh-CN" altLang="en-US" sz="1400" dirty="0"/>
-              <a:t>会调用</a:t>
+              <a:t>、设置机密文件  </a:t>
             </a:r>
             <a:r>
               <a:rPr lang="en-US" altLang="zh-CN" sz="1400" dirty="0"/>
-              <a:t>Configuration</a:t>
+              <a:t>dotnet user-secrets set "</a:t>
+            </a:r>
+            <a:r>
+              <a:rPr lang="en-US" altLang="zh-CN" sz="1400" dirty="0" err="1"/>
+              <a:t>dbpassword</a:t>
+            </a:r>
+            <a:r>
+              <a:rPr lang="en-US" altLang="zh-CN" sz="1400" dirty="0"/>
+              <a:t>" "123456" --project ".</a:t>
+            </a:r>
+            <a:r>
+              <a:rPr lang="en-US" altLang="zh-CN" sz="1400" dirty="0" err="1"/>
+              <a:t>csproj</a:t>
             </a:r>
             <a:r>
               <a:rPr lang="zh-CN" altLang="en-US" sz="1400" dirty="0"/>
-              <a:t>的</a:t>
+              <a:t>所在目录</a:t>
             </a:r>
             <a:r>
               <a:rPr lang="en-US" altLang="zh-CN" sz="1400" dirty="0"/>
-              <a:t>Build</a:t>
+              <a:t>"</a:t>
+            </a:r>
+          </a:p>
+          <a:p>
+            <a:pPr marL="0" indent="0">
+              <a:buNone/>
+            </a:pPr>
+            <a:r>
+              <a:rPr lang="en-US" altLang="zh-CN" sz="1400" dirty="0"/>
+              <a:t>   b</a:t>
             </a:r>
             <a:r>
               <a:rPr lang="zh-CN" altLang="en-US" sz="1400" dirty="0"/>
-              <a:t>，然后调用</a:t>
+              <a:t>、设置多个机密文件  </a:t>
+            </a:r>
+            <a:r>
+              <a:rPr lang="en-US" altLang="zh-CN" sz="1400" dirty="0"/>
+              <a:t>type .\</a:t>
             </a:r>
             <a:r>
               <a:rPr lang="en-US" altLang="zh-CN" sz="1400" dirty="0" err="1"/>
-              <a:t>ConfigurationSource</a:t>
+              <a:t>input.json</a:t>
+            </a:r>
+            <a:r>
+              <a:rPr lang="en-US" altLang="zh-CN" sz="1400" dirty="0"/>
+              <a:t> | dotnet user-secrets set --project ".</a:t>
+            </a:r>
+            <a:r>
+              <a:rPr lang="en-US" altLang="zh-CN" sz="1400" dirty="0" err="1"/>
+              <a:t>csproj</a:t>
             </a:r>
             <a:r>
               <a:rPr lang="zh-CN" altLang="en-US" sz="1400" dirty="0"/>
-              <a:t>的</a:t>
+              <a:t>所在目录</a:t>
             </a:r>
             <a:r>
               <a:rPr lang="en-US" altLang="zh-CN" sz="1400" dirty="0"/>
-              <a:t>Build</a:t>
+              <a:t>"</a:t>
+            </a:r>
+          </a:p>
+          <a:p>
+            <a:pPr marL="0" indent="0">
+              <a:buNone/>
+            </a:pPr>
+            <a:r>
+              <a:rPr lang="en-US" altLang="zh-CN" sz="1400" dirty="0"/>
+              <a:t>   c</a:t>
             </a:r>
             <a:r>
               <a:rPr lang="zh-CN" altLang="en-US" sz="1400" dirty="0"/>
-              <a:t>，然后调用</a:t>
+              <a:t>、查看机密文件  </a:t>
+            </a:r>
+            <a:r>
+              <a:rPr lang="en-US" altLang="zh-CN" sz="1400" dirty="0"/>
+              <a:t>dotnet user-secrets list --project ".</a:t>
             </a:r>
             <a:r>
               <a:rPr lang="en-US" altLang="zh-CN" sz="1400" dirty="0" err="1"/>
-              <a:t>ConfigurationProvider</a:t>
+              <a:t>csproj</a:t>
             </a:r>
             <a:r>
               <a:rPr lang="zh-CN" altLang="en-US" sz="1400" dirty="0"/>
-              <a:t>的</a:t>
+              <a:t>所在目录</a:t>
             </a:r>
             <a:r>
               <a:rPr lang="en-US" altLang="zh-CN" sz="1400" dirty="0"/>
-              <a:t>Load</a:t>
+              <a:t>"</a:t>
+            </a:r>
+          </a:p>
+          <a:p>
+            <a:pPr marL="0" indent="0">
+              <a:buNone/>
+            </a:pPr>
+            <a:r>
+              <a:rPr lang="en-US" altLang="zh-CN" sz="1400" dirty="0"/>
+              <a:t>   d</a:t>
             </a:r>
             <a:r>
               <a:rPr lang="zh-CN" altLang="en-US" sz="1400" dirty="0"/>
-              <a:t>，来填充</a:t>
+              <a:t>、删除机密文件  </a:t>
+            </a:r>
+            <a:r>
+              <a:rPr lang="en-US" altLang="zh-CN" sz="1400" dirty="0"/>
+              <a:t>dotnet user-secrets remove "</a:t>
             </a:r>
             <a:r>
               <a:rPr lang="en-US" altLang="zh-CN" sz="1400" dirty="0" err="1"/>
-              <a:t>ConfigurationProvider</a:t>
+              <a:t>dbpassword</a:t>
+            </a:r>
+            <a:r>
+              <a:rPr lang="en-US" altLang="zh-CN" sz="1400" dirty="0"/>
+              <a:t>"  --project ".</a:t>
+            </a:r>
+            <a:r>
+              <a:rPr lang="en-US" altLang="zh-CN" sz="1400" dirty="0" err="1"/>
+              <a:t>csproj</a:t>
             </a:r>
             <a:r>
               <a:rPr lang="zh-CN" altLang="en-US" sz="1400" dirty="0"/>
-              <a:t>中的</a:t>
+              <a:t>所在目录</a:t>
             </a:r>
             <a:r>
               <a:rPr lang="en-US" altLang="zh-CN" sz="1400" dirty="0"/>
-              <a:t>Data</a:t>
+              <a:t>"</a:t>
+            </a:r>
+          </a:p>
+          <a:p>
+            <a:pPr marL="0" indent="0">
+              <a:buNone/>
+            </a:pPr>
+            <a:r>
+              <a:rPr lang="en-US" altLang="zh-CN" sz="1400" dirty="0"/>
+              <a:t>   e</a:t>
             </a:r>
             <a:r>
               <a:rPr lang="zh-CN" altLang="en-US" sz="1400" dirty="0"/>
-              <a:t>字典。</a:t>
-            </a:r>
-            <a:endParaRPr lang="en-US" altLang="zh-CN" sz="1400" dirty="0"/>
-          </a:p>
-          <a:p>
+              <a:t>、删除所有机密文件 </a:t>
+            </a:r>
+            <a:r>
+              <a:rPr lang="en-US" altLang="zh-CN" sz="1400" dirty="0"/>
+              <a:t>dotnet user-secrets clear --project ".</a:t>
+            </a:r>
+            <a:r>
+              <a:rPr lang="en-US" altLang="zh-CN" sz="1400" dirty="0" err="1"/>
+              <a:t>csproj</a:t>
+            </a:r>
+            <a:r>
+              <a:rPr lang="zh-CN" altLang="en-US" sz="1400" dirty="0"/>
+              <a:t>所在目录</a:t>
+            </a:r>
+            <a:r>
+              <a:rPr lang="en-US" altLang="zh-CN" sz="1400" dirty="0"/>
+              <a:t>"</a:t>
+            </a:r>
+          </a:p>
+          <a:p>
+            <a:pPr marL="0" indent="0">
+              <a:buNone/>
+            </a:pPr>
+            <a:r>
+              <a:rPr lang="en-US" altLang="zh-CN" sz="1400" dirty="0"/>
+              <a:t>3</a:t>
+            </a:r>
+            <a:r>
+              <a:rPr lang="zh-CN" altLang="en-US" sz="1400" dirty="0"/>
+              <a:t>、</a:t>
+            </a:r>
+            <a:r>
+              <a:rPr lang="en-US" altLang="zh-CN" sz="1400" dirty="0" err="1"/>
+              <a:t>ConfigureServices</a:t>
+            </a:r>
+            <a:r>
+              <a:rPr lang="zh-CN" altLang="en-US" sz="1400" dirty="0"/>
+              <a:t>中读取</a:t>
+            </a:r>
+          </a:p>
+          <a:p>
+            <a:pPr marL="0" indent="0">
+              <a:buNone/>
+            </a:pPr>
+            <a:r>
+              <a:rPr lang="en-US" altLang="zh-CN" sz="1400" dirty="0"/>
+              <a:t>   var password = Configuration["</a:t>
+            </a:r>
+            <a:r>
+              <a:rPr lang="en-US" altLang="zh-CN" sz="1400" dirty="0" err="1"/>
+              <a:t>dbpassword</a:t>
+            </a:r>
+            <a:r>
+              <a:rPr lang="en-US" altLang="zh-CN" sz="1400" dirty="0"/>
+              <a:t>"];</a:t>
+            </a:r>
             <a:endParaRPr lang="zh-CN" altLang="en-US" sz="1400" dirty="0"/>
           </a:p>
         </p:txBody>
@@ -7887,7 +7998,7 @@
     </p:spTree>
     <p:extLst>
       <p:ext uri="{BB962C8B-B14F-4D97-AF65-F5344CB8AC3E}">
-        <p14:creationId xmlns:p14="http://schemas.microsoft.com/office/powerpoint/2010/main" val="4209516520"/>
+        <p14:creationId xmlns:p14="http://schemas.microsoft.com/office/powerpoint/2010/main" val="731180852"/>
       </p:ext>
     </p:extLst>
   </p:cSld>

--- a/aspnetcore3.0course/docs/aspnetcore3.0course.pptx
+++ b/aspnetcore3.0course/docs/aspnetcore3.0course.pptx
@@ -4574,6 +4574,54 @@
           </a:p>
         </p:txBody>
       </p:sp>
+      <p:sp>
+        <p:nvSpPr>
+          <p:cNvPr id="3" name="内容占位符 2">
+            <a:extLst>
+              <a:ext uri="{FF2B5EF4-FFF2-40B4-BE49-F238E27FC236}">
+                <a16:creationId xmlns:a16="http://schemas.microsoft.com/office/drawing/2014/main" id="{67DA0846-5AF3-4C60-9843-76A621C21E27}"/>
+              </a:ext>
+            </a:extLst>
+          </p:cNvPr>
+          <p:cNvSpPr>
+            <a:spLocks noGrp="1"/>
+          </p:cNvSpPr>
+          <p:nvPr>
+            <p:ph idx="1"/>
+          </p:nvPr>
+        </p:nvSpPr>
+        <p:spPr>
+          <a:xfrm>
+            <a:off x="838200" y="1690687"/>
+            <a:ext cx="10515600" cy="4887665"/>
+          </a:xfrm>
+        </p:spPr>
+        <p:txBody>
+          <a:bodyPr>
+            <a:normAutofit/>
+          </a:bodyPr>
+          <a:lstStyle/>
+          <a:p>
+            <a:pPr marL="0" indent="0">
+              <a:buNone/>
+            </a:pPr>
+            <a:r>
+              <a:rPr lang="en-US" altLang="zh-CN" sz="1400" dirty="0"/>
+              <a:t>Host</a:t>
+            </a:r>
+          </a:p>
+          <a:p>
+            <a:pPr marL="0" indent="0">
+              <a:buNone/>
+            </a:pPr>
+            <a:r>
+              <a:rPr lang="en-US" altLang="zh-CN" sz="1400" dirty="0" err="1"/>
+              <a:t>WebHost</a:t>
+            </a:r>
+            <a:endParaRPr lang="en-US" altLang="zh-CN" sz="1400" dirty="0"/>
+          </a:p>
+        </p:txBody>
+      </p:sp>
     </p:spTree>
     <p:extLst>
       <p:ext uri="{BB962C8B-B14F-4D97-AF65-F5344CB8AC3E}">

--- a/aspnetcore3.0course/docs/aspnetcore3.0course.pptx
+++ b/aspnetcore3.0course/docs/aspnetcore3.0course.pptx
@@ -12,13 +12,14 @@
     <p:sldId id="258" r:id="rId6"/>
     <p:sldId id="267" r:id="rId7"/>
     <p:sldId id="268" r:id="rId8"/>
-    <p:sldId id="260" r:id="rId9"/>
-    <p:sldId id="259" r:id="rId10"/>
-    <p:sldId id="261" r:id="rId11"/>
-    <p:sldId id="263" r:id="rId12"/>
-    <p:sldId id="265" r:id="rId13"/>
-    <p:sldId id="266" r:id="rId14"/>
-    <p:sldId id="264" r:id="rId15"/>
+    <p:sldId id="270" r:id="rId9"/>
+    <p:sldId id="260" r:id="rId10"/>
+    <p:sldId id="259" r:id="rId11"/>
+    <p:sldId id="261" r:id="rId12"/>
+    <p:sldId id="263" r:id="rId13"/>
+    <p:sldId id="265" r:id="rId14"/>
+    <p:sldId id="266" r:id="rId15"/>
+    <p:sldId id="264" r:id="rId16"/>
   </p:sldIdLst>
   <p:sldSz cx="12192000" cy="6858000"/>
   <p:notesSz cx="6858000" cy="9144000"/>
@@ -272,7 +273,7 @@
           <a:p>
             <a:fld id="{0CB35010-EDBB-44E1-81B6-E54FF20221CB}" type="datetimeFigureOut">
               <a:rPr lang="zh-CN" altLang="en-US" smtClean="0"/>
-              <a:t>2019/7/4</a:t>
+              <a:t>2019/7/10</a:t>
             </a:fld>
             <a:endParaRPr lang="zh-CN" altLang="en-US"/>
           </a:p>
@@ -470,7 +471,7 @@
           <a:p>
             <a:fld id="{0CB35010-EDBB-44E1-81B6-E54FF20221CB}" type="datetimeFigureOut">
               <a:rPr lang="zh-CN" altLang="en-US" smtClean="0"/>
-              <a:t>2019/7/4</a:t>
+              <a:t>2019/7/10</a:t>
             </a:fld>
             <a:endParaRPr lang="zh-CN" altLang="en-US"/>
           </a:p>
@@ -678,7 +679,7 @@
           <a:p>
             <a:fld id="{0CB35010-EDBB-44E1-81B6-E54FF20221CB}" type="datetimeFigureOut">
               <a:rPr lang="zh-CN" altLang="en-US" smtClean="0"/>
-              <a:t>2019/7/4</a:t>
+              <a:t>2019/7/10</a:t>
             </a:fld>
             <a:endParaRPr lang="zh-CN" altLang="en-US"/>
           </a:p>
@@ -876,7 +877,7 @@
           <a:p>
             <a:fld id="{0CB35010-EDBB-44E1-81B6-E54FF20221CB}" type="datetimeFigureOut">
               <a:rPr lang="zh-CN" altLang="en-US" smtClean="0"/>
-              <a:t>2019/7/4</a:t>
+              <a:t>2019/7/10</a:t>
             </a:fld>
             <a:endParaRPr lang="zh-CN" altLang="en-US"/>
           </a:p>
@@ -1151,7 +1152,7 @@
           <a:p>
             <a:fld id="{0CB35010-EDBB-44E1-81B6-E54FF20221CB}" type="datetimeFigureOut">
               <a:rPr lang="zh-CN" altLang="en-US" smtClean="0"/>
-              <a:t>2019/7/4</a:t>
+              <a:t>2019/7/10</a:t>
             </a:fld>
             <a:endParaRPr lang="zh-CN" altLang="en-US"/>
           </a:p>
@@ -1416,7 +1417,7 @@
           <a:p>
             <a:fld id="{0CB35010-EDBB-44E1-81B6-E54FF20221CB}" type="datetimeFigureOut">
               <a:rPr lang="zh-CN" altLang="en-US" smtClean="0"/>
-              <a:t>2019/7/4</a:t>
+              <a:t>2019/7/10</a:t>
             </a:fld>
             <a:endParaRPr lang="zh-CN" altLang="en-US"/>
           </a:p>
@@ -1828,7 +1829,7 @@
           <a:p>
             <a:fld id="{0CB35010-EDBB-44E1-81B6-E54FF20221CB}" type="datetimeFigureOut">
               <a:rPr lang="zh-CN" altLang="en-US" smtClean="0"/>
-              <a:t>2019/7/4</a:t>
+              <a:t>2019/7/10</a:t>
             </a:fld>
             <a:endParaRPr lang="zh-CN" altLang="en-US"/>
           </a:p>
@@ -1969,7 +1970,7 @@
           <a:p>
             <a:fld id="{0CB35010-EDBB-44E1-81B6-E54FF20221CB}" type="datetimeFigureOut">
               <a:rPr lang="zh-CN" altLang="en-US" smtClean="0"/>
-              <a:t>2019/7/4</a:t>
+              <a:t>2019/7/10</a:t>
             </a:fld>
             <a:endParaRPr lang="zh-CN" altLang="en-US"/>
           </a:p>
@@ -2082,7 +2083,7 @@
           <a:p>
             <a:fld id="{0CB35010-EDBB-44E1-81B6-E54FF20221CB}" type="datetimeFigureOut">
               <a:rPr lang="zh-CN" altLang="en-US" smtClean="0"/>
-              <a:t>2019/7/4</a:t>
+              <a:t>2019/7/10</a:t>
             </a:fld>
             <a:endParaRPr lang="zh-CN" altLang="en-US"/>
           </a:p>
@@ -2393,7 +2394,7 @@
           <a:p>
             <a:fld id="{0CB35010-EDBB-44E1-81B6-E54FF20221CB}" type="datetimeFigureOut">
               <a:rPr lang="zh-CN" altLang="en-US" smtClean="0"/>
-              <a:t>2019/7/4</a:t>
+              <a:t>2019/7/10</a:t>
             </a:fld>
             <a:endParaRPr lang="zh-CN" altLang="en-US"/>
           </a:p>
@@ -2681,7 +2682,7 @@
           <a:p>
             <a:fld id="{0CB35010-EDBB-44E1-81B6-E54FF20221CB}" type="datetimeFigureOut">
               <a:rPr lang="zh-CN" altLang="en-US" smtClean="0"/>
-              <a:t>2019/7/4</a:t>
+              <a:t>2019/7/10</a:t>
             </a:fld>
             <a:endParaRPr lang="zh-CN" altLang="en-US"/>
           </a:p>
@@ -2922,7 +2923,7 @@
           <a:p>
             <a:fld id="{0CB35010-EDBB-44E1-81B6-E54FF20221CB}" type="datetimeFigureOut">
               <a:rPr lang="zh-CN" altLang="en-US" smtClean="0"/>
-              <a:t>2019/7/4</a:t>
+              <a:t>2019/7/10</a:t>
             </a:fld>
             <a:endParaRPr lang="zh-CN" altLang="en-US"/>
           </a:p>
@@ -3469,7 +3470,7 @@
             </a:r>
             <a:r>
               <a:rPr lang="zh-CN" altLang="en-US" dirty="0"/>
-              <a:t>自定义</a:t>
+              <a:t>机密文件</a:t>
             </a:r>
           </a:p>
         </p:txBody>
@@ -3506,153 +3507,40 @@
               <a:buNone/>
             </a:pPr>
             <a:r>
+              <a:rPr lang="en-US" altLang="zh-CN" sz="1400" dirty="0"/>
+              <a:t>1</a:t>
+            </a:r>
+            <a:r>
+              <a:rPr lang="zh-CN" altLang="en-US" sz="1400" dirty="0"/>
+              <a:t>、</a:t>
+            </a:r>
+            <a:r>
+              <a:rPr lang="en-US" altLang="zh-CN" sz="1400" dirty="0"/>
+              <a:t>.</a:t>
+            </a:r>
+            <a:r>
               <a:rPr lang="en-US" altLang="zh-CN" sz="1400" dirty="0" err="1"/>
-              <a:t>Asp.net</a:t>
+              <a:t>csproj</a:t>
             </a:r>
             <a:r>
               <a:rPr lang="zh-CN" altLang="en-US" sz="1400" dirty="0"/>
-              <a:t> </a:t>
+              <a:t>文件的</a:t>
             </a:r>
             <a:r>
               <a:rPr lang="en-US" altLang="zh-CN" sz="1400" dirty="0"/>
-              <a:t>core</a:t>
-            </a:r>
-            <a:r>
-              <a:rPr lang="zh-CN" altLang="en-US" sz="1400" dirty="0"/>
-              <a:t>中的配置文件是基于生成器模式（</a:t>
-            </a:r>
-            <a:r>
-              <a:rPr lang="zh-CN" altLang="en-US" sz="1400" i="1" u="sng" dirty="0"/>
-              <a:t>将复杂对象的建造过程抽象出来（抽象类别），使这个抽象过程的不同实现方法可以构造出不同表现（属性）的对象</a:t>
-            </a:r>
-            <a:r>
-              <a:rPr lang="zh-CN" altLang="en-US" sz="1400" dirty="0"/>
-              <a:t>）</a:t>
+              <a:t>&lt;</a:t>
+            </a:r>
+            <a:r>
+              <a:rPr lang="en-US" altLang="zh-CN" sz="1400" dirty="0" err="1"/>
+              <a:t>PropertyGroup</a:t>
             </a:r>
             <a:r>
               <a:rPr lang="en-US" altLang="zh-CN" sz="1400" dirty="0"/>
-              <a:t>,</a:t>
+              <a:t>&gt;&lt;/</a:t>
             </a:r>
             <a:r>
               <a:rPr lang="en-US" altLang="zh-CN" sz="1400" dirty="0" err="1"/>
-              <a:t>asp.net</a:t>
-            </a:r>
-            <a:r>
-              <a:rPr lang="en-US" altLang="zh-CN" sz="1400" dirty="0"/>
-              <a:t> core</a:t>
-            </a:r>
-            <a:r>
-              <a:rPr lang="zh-CN" altLang="en-US" sz="1400" dirty="0"/>
-              <a:t>中有两个生成器，一个是主机</a:t>
-            </a:r>
-            <a:r>
-              <a:rPr lang="en-US" altLang="zh-CN" sz="1400" dirty="0"/>
-              <a:t>(host)</a:t>
-            </a:r>
-            <a:r>
-              <a:rPr lang="zh-CN" altLang="en-US" sz="1400" dirty="0"/>
-              <a:t>的，一个应用程序</a:t>
-            </a:r>
-            <a:r>
-              <a:rPr lang="en-US" altLang="zh-CN" sz="1400" dirty="0"/>
-              <a:t>(application)</a:t>
-            </a:r>
-            <a:r>
-              <a:rPr lang="zh-CN" altLang="en-US" sz="1400" dirty="0"/>
-              <a:t>的</a:t>
-            </a:r>
-            <a:endParaRPr lang="en-US" altLang="zh-CN" sz="1400" dirty="0"/>
-          </a:p>
-          <a:p>
-            <a:pPr marL="0" indent="0">
-              <a:buNone/>
-            </a:pPr>
-            <a:endParaRPr lang="en-US" altLang="zh-CN" sz="1400" dirty="0"/>
-          </a:p>
-          <a:p>
-            <a:r>
-              <a:rPr lang="en-US" altLang="zh-CN" sz="1400" dirty="0" err="1"/>
-              <a:t>ConfigurationSource</a:t>
-            </a:r>
-            <a:endParaRPr lang="en-US" altLang="zh-CN" sz="1400" dirty="0"/>
-          </a:p>
-          <a:p>
-            <a:pPr marL="0" indent="0">
-              <a:buNone/>
-            </a:pPr>
-            <a:r>
-              <a:rPr lang="en-US" altLang="zh-CN" sz="1400" dirty="0"/>
-              <a:t>     </a:t>
-            </a:r>
-            <a:r>
-              <a:rPr lang="zh-CN" altLang="en-US" sz="1400" dirty="0"/>
-              <a:t>在建造过程中需要各种参数信息，</a:t>
-            </a:r>
-            <a:r>
-              <a:rPr lang="en-US" altLang="zh-CN" sz="1400" dirty="0" err="1"/>
-              <a:t>ConfigurationSource</a:t>
-            </a:r>
-            <a:r>
-              <a:rPr lang="zh-CN" altLang="en-US" sz="1400" dirty="0"/>
-              <a:t>是为获取这些参数而提供来源，比如文件源，内存源等</a:t>
-            </a:r>
-            <a:endParaRPr lang="en-US" altLang="zh-CN" sz="1400" dirty="0"/>
-          </a:p>
-          <a:p>
-            <a:endParaRPr lang="en-US" altLang="zh-CN" sz="1400" dirty="0"/>
-          </a:p>
-          <a:p>
-            <a:r>
-              <a:rPr lang="en-US" altLang="zh-CN" sz="1400" dirty="0" err="1"/>
-              <a:t>ConfigurationProvider</a:t>
-            </a:r>
-            <a:endParaRPr lang="en-US" altLang="zh-CN" sz="1400" dirty="0"/>
-          </a:p>
-          <a:p>
-            <a:pPr marL="0" indent="0">
-              <a:buNone/>
-            </a:pPr>
-            <a:r>
-              <a:rPr lang="en-US" altLang="zh-CN" sz="1400" dirty="0"/>
-              <a:t>     </a:t>
-            </a:r>
-            <a:r>
-              <a:rPr lang="zh-CN" altLang="en-US" sz="1400" dirty="0"/>
-              <a:t>建造所需参数的提供者，依据</a:t>
-            </a:r>
-            <a:r>
-              <a:rPr lang="en-US" altLang="zh-CN" sz="1400" dirty="0" err="1"/>
-              <a:t>ConfigurationSource</a:t>
-            </a:r>
-            <a:r>
-              <a:rPr lang="zh-CN" altLang="en-US" sz="1400" dirty="0"/>
-              <a:t>来完成提供</a:t>
-            </a:r>
-            <a:endParaRPr lang="en-US" altLang="zh-CN" sz="1400" dirty="0"/>
-          </a:p>
-          <a:p>
-            <a:endParaRPr lang="en-US" altLang="zh-CN" sz="1400" dirty="0"/>
-          </a:p>
-          <a:p>
-            <a:r>
-              <a:rPr lang="zh-CN" altLang="en-US" sz="1400" dirty="0"/>
-              <a:t>需要把</a:t>
-            </a:r>
-            <a:r>
-              <a:rPr lang="en-US" altLang="zh-CN" sz="1400" dirty="0" err="1"/>
-              <a:t>ConfigurationSource</a:t>
-            </a:r>
-            <a:r>
-              <a:rPr lang="zh-CN" altLang="en-US" sz="1400" dirty="0"/>
-              <a:t>或</a:t>
-            </a:r>
-            <a:r>
-              <a:rPr lang="en-US" altLang="zh-CN" sz="1400" dirty="0"/>
-              <a:t>Action&lt;</a:t>
-            </a:r>
-            <a:r>
-              <a:rPr lang="en-US" altLang="zh-CN" sz="1400" dirty="0" err="1"/>
-              <a:t>ConfigurationSource</a:t>
+              <a:t>PropertyGroup</a:t>
             </a:r>
             <a:r>
               <a:rPr lang="en-US" altLang="zh-CN" sz="1400" dirty="0"/>
@@ -3660,91 +3548,261 @@
             </a:r>
             <a:r>
               <a:rPr lang="zh-CN" altLang="en-US" sz="1400" dirty="0"/>
-              <a:t>添加到</a:t>
-            </a:r>
-            <a:r>
-              <a:rPr lang="zh-CN" altLang="en-US" sz="1400" b="1" dirty="0"/>
-              <a:t>应用配置</a:t>
+              <a:t>节点中添加</a:t>
+            </a:r>
+          </a:p>
+          <a:p>
+            <a:pPr marL="0" indent="0">
+              <a:buNone/>
+            </a:pPr>
+            <a:r>
+              <a:rPr lang="en-US" altLang="zh-CN" sz="1400" dirty="0"/>
+              <a:t>  &lt;</a:t>
+            </a:r>
+            <a:r>
+              <a:rPr lang="en-US" altLang="zh-CN" sz="1400" dirty="0" err="1"/>
+              <a:t>UserSecretsId</a:t>
+            </a:r>
+            <a:r>
+              <a:rPr lang="en-US" altLang="zh-CN" sz="1400" dirty="0"/>
+              <a:t>&gt;</a:t>
+            </a:r>
+            <a:r>
+              <a:rPr lang="en-US" altLang="zh-CN" sz="1400" dirty="0" err="1"/>
+              <a:t>d7a40274-87df-43ba-999b-d8719940b7a7</a:t>
+            </a:r>
+            <a:r>
+              <a:rPr lang="en-US" altLang="zh-CN" sz="1400" dirty="0"/>
+              <a:t>&lt;/</a:t>
+            </a:r>
+            <a:r>
+              <a:rPr lang="en-US" altLang="zh-CN" sz="1400" dirty="0" err="1"/>
+              <a:t>UserSecretsId</a:t>
+            </a:r>
+            <a:r>
+              <a:rPr lang="en-US" altLang="zh-CN" sz="1400" dirty="0"/>
+              <a:t>&gt;</a:t>
+            </a:r>
+          </a:p>
+          <a:p>
+            <a:pPr marL="0" indent="0">
+              <a:buNone/>
+            </a:pPr>
+            <a:r>
+              <a:rPr lang="en-US" altLang="zh-CN" sz="1400" dirty="0"/>
+              <a:t>2</a:t>
             </a:r>
             <a:r>
               <a:rPr lang="zh-CN" altLang="en-US" sz="1400" dirty="0"/>
-              <a:t>构建对象中，在</a:t>
-            </a:r>
-            <a:r>
-              <a:rPr lang="zh-CN" altLang="en-US" sz="1400" b="1" dirty="0"/>
-              <a:t>主机构建时</a:t>
+              <a:t>、操作机密文件</a:t>
+            </a:r>
+          </a:p>
+          <a:p>
+            <a:pPr marL="0" indent="0">
+              <a:buNone/>
+            </a:pPr>
+            <a:r>
+              <a:rPr lang="en-US" altLang="zh-CN" sz="1400" dirty="0"/>
+              <a:t>   a</a:t>
             </a:r>
             <a:r>
               <a:rPr lang="zh-CN" altLang="en-US" sz="1400" dirty="0"/>
-              <a:t>会调用</a:t>
+              <a:t>、设置机密文件  </a:t>
             </a:r>
             <a:r>
               <a:rPr lang="en-US" altLang="zh-CN" sz="1400" dirty="0"/>
-              <a:t>Configuration</a:t>
+              <a:t>dotnet user-secrets set "</a:t>
+            </a:r>
+            <a:r>
+              <a:rPr lang="en-US" altLang="zh-CN" sz="1400" dirty="0" err="1"/>
+              <a:t>dbpassword</a:t>
+            </a:r>
+            <a:r>
+              <a:rPr lang="en-US" altLang="zh-CN" sz="1400" dirty="0"/>
+              <a:t>" "123456" --project ".</a:t>
+            </a:r>
+            <a:r>
+              <a:rPr lang="en-US" altLang="zh-CN" sz="1400" dirty="0" err="1"/>
+              <a:t>csproj</a:t>
             </a:r>
             <a:r>
               <a:rPr lang="zh-CN" altLang="en-US" sz="1400" dirty="0"/>
-              <a:t>的</a:t>
+              <a:t>所在目录</a:t>
             </a:r>
             <a:r>
               <a:rPr lang="en-US" altLang="zh-CN" sz="1400" dirty="0"/>
-              <a:t>Build</a:t>
+              <a:t>"</a:t>
+            </a:r>
+          </a:p>
+          <a:p>
+            <a:pPr marL="0" indent="0">
+              <a:buNone/>
+            </a:pPr>
+            <a:r>
+              <a:rPr lang="en-US" altLang="zh-CN" sz="1400" dirty="0"/>
+              <a:t>   b</a:t>
             </a:r>
             <a:r>
               <a:rPr lang="zh-CN" altLang="en-US" sz="1400" dirty="0"/>
-              <a:t>，然后调用</a:t>
+              <a:t>、设置多个机密文件  </a:t>
+            </a:r>
+            <a:r>
+              <a:rPr lang="en-US" altLang="zh-CN" sz="1400" dirty="0"/>
+              <a:t>type .\</a:t>
             </a:r>
             <a:r>
               <a:rPr lang="en-US" altLang="zh-CN" sz="1400" dirty="0" err="1"/>
-              <a:t>ConfigurationSource</a:t>
+              <a:t>input.json</a:t>
+            </a:r>
+            <a:r>
+              <a:rPr lang="en-US" altLang="zh-CN" sz="1400" dirty="0"/>
+              <a:t> | dotnet user-secrets set --project ".</a:t>
+            </a:r>
+            <a:r>
+              <a:rPr lang="en-US" altLang="zh-CN" sz="1400" dirty="0" err="1"/>
+              <a:t>csproj</a:t>
             </a:r>
             <a:r>
               <a:rPr lang="zh-CN" altLang="en-US" sz="1400" dirty="0"/>
-              <a:t>的</a:t>
+              <a:t>所在目录</a:t>
             </a:r>
             <a:r>
               <a:rPr lang="en-US" altLang="zh-CN" sz="1400" dirty="0"/>
-              <a:t>Build</a:t>
+              <a:t>"</a:t>
+            </a:r>
+          </a:p>
+          <a:p>
+            <a:pPr marL="0" indent="0">
+              <a:buNone/>
+            </a:pPr>
+            <a:r>
+              <a:rPr lang="en-US" altLang="zh-CN" sz="1400" dirty="0"/>
+              <a:t>   c</a:t>
             </a:r>
             <a:r>
               <a:rPr lang="zh-CN" altLang="en-US" sz="1400" dirty="0"/>
-              <a:t>，然后调用</a:t>
+              <a:t>、查看机密文件  </a:t>
+            </a:r>
+            <a:r>
+              <a:rPr lang="en-US" altLang="zh-CN" sz="1400" dirty="0"/>
+              <a:t>dotnet user-secrets list --project ".</a:t>
             </a:r>
             <a:r>
               <a:rPr lang="en-US" altLang="zh-CN" sz="1400" dirty="0" err="1"/>
-              <a:t>ConfigurationProvider</a:t>
+              <a:t>csproj</a:t>
             </a:r>
             <a:r>
               <a:rPr lang="zh-CN" altLang="en-US" sz="1400" dirty="0"/>
-              <a:t>的</a:t>
+              <a:t>所在目录</a:t>
             </a:r>
             <a:r>
               <a:rPr lang="en-US" altLang="zh-CN" sz="1400" dirty="0"/>
-              <a:t>Load</a:t>
+              <a:t>"</a:t>
+            </a:r>
+          </a:p>
+          <a:p>
+            <a:pPr marL="0" indent="0">
+              <a:buNone/>
+            </a:pPr>
+            <a:r>
+              <a:rPr lang="en-US" altLang="zh-CN" sz="1400" dirty="0"/>
+              <a:t>   d</a:t>
             </a:r>
             <a:r>
               <a:rPr lang="zh-CN" altLang="en-US" sz="1400" dirty="0"/>
-              <a:t>，来填充</a:t>
+              <a:t>、删除机密文件  </a:t>
+            </a:r>
+            <a:r>
+              <a:rPr lang="en-US" altLang="zh-CN" sz="1400" dirty="0"/>
+              <a:t>dotnet user-secrets remove "</a:t>
             </a:r>
             <a:r>
               <a:rPr lang="en-US" altLang="zh-CN" sz="1400" dirty="0" err="1"/>
-              <a:t>ConfigurationProvider</a:t>
+              <a:t>dbpassword</a:t>
+            </a:r>
+            <a:r>
+              <a:rPr lang="en-US" altLang="zh-CN" sz="1400" dirty="0"/>
+              <a:t>"  --project ".</a:t>
+            </a:r>
+            <a:r>
+              <a:rPr lang="en-US" altLang="zh-CN" sz="1400" dirty="0" err="1"/>
+              <a:t>csproj</a:t>
             </a:r>
             <a:r>
               <a:rPr lang="zh-CN" altLang="en-US" sz="1400" dirty="0"/>
-              <a:t>中的</a:t>
+              <a:t>所在目录</a:t>
             </a:r>
             <a:r>
               <a:rPr lang="en-US" altLang="zh-CN" sz="1400" dirty="0"/>
-              <a:t>Data</a:t>
+              <a:t>"</a:t>
+            </a:r>
+          </a:p>
+          <a:p>
+            <a:pPr marL="0" indent="0">
+              <a:buNone/>
+            </a:pPr>
+            <a:r>
+              <a:rPr lang="en-US" altLang="zh-CN" sz="1400" dirty="0"/>
+              <a:t>   e</a:t>
             </a:r>
             <a:r>
               <a:rPr lang="zh-CN" altLang="en-US" sz="1400" dirty="0"/>
-              <a:t>字典。</a:t>
-            </a:r>
-            <a:endParaRPr lang="en-US" altLang="zh-CN" sz="1400" dirty="0"/>
-          </a:p>
-          <a:p>
+              <a:t>、删除所有机密文件 </a:t>
+            </a:r>
+            <a:r>
+              <a:rPr lang="en-US" altLang="zh-CN" sz="1400" dirty="0"/>
+              <a:t>dotnet user-secrets clear --project ".</a:t>
+            </a:r>
+            <a:r>
+              <a:rPr lang="en-US" altLang="zh-CN" sz="1400" dirty="0" err="1"/>
+              <a:t>csproj</a:t>
+            </a:r>
+            <a:r>
+              <a:rPr lang="zh-CN" altLang="en-US" sz="1400" dirty="0"/>
+              <a:t>所在目录</a:t>
+            </a:r>
+            <a:r>
+              <a:rPr lang="en-US" altLang="zh-CN" sz="1400" dirty="0"/>
+              <a:t>"</a:t>
+            </a:r>
+          </a:p>
+          <a:p>
+            <a:pPr marL="0" indent="0">
+              <a:buNone/>
+            </a:pPr>
+            <a:r>
+              <a:rPr lang="en-US" altLang="zh-CN" sz="1400" dirty="0"/>
+              <a:t>3</a:t>
+            </a:r>
+            <a:r>
+              <a:rPr lang="zh-CN" altLang="en-US" sz="1400" dirty="0"/>
+              <a:t>、</a:t>
+            </a:r>
+            <a:r>
+              <a:rPr lang="en-US" altLang="zh-CN" sz="1400" dirty="0" err="1"/>
+              <a:t>ConfigureServices</a:t>
+            </a:r>
+            <a:r>
+              <a:rPr lang="zh-CN" altLang="en-US" sz="1400" dirty="0"/>
+              <a:t>中读取</a:t>
+            </a:r>
+          </a:p>
+          <a:p>
+            <a:pPr marL="0" indent="0">
+              <a:buNone/>
+            </a:pPr>
+            <a:r>
+              <a:rPr lang="en-US" altLang="zh-CN" sz="1400" dirty="0"/>
+              <a:t>   var password = Configuration["</a:t>
+            </a:r>
+            <a:r>
+              <a:rPr lang="en-US" altLang="zh-CN" sz="1400" dirty="0" err="1"/>
+              <a:t>dbpassword</a:t>
+            </a:r>
+            <a:r>
+              <a:rPr lang="en-US" altLang="zh-CN" sz="1400" dirty="0"/>
+              <a:t>"];</a:t>
+            </a:r>
             <a:endParaRPr lang="zh-CN" altLang="en-US" sz="1400" dirty="0"/>
           </a:p>
         </p:txBody>
@@ -3752,7 +3810,7 @@
     </p:spTree>
     <p:extLst>
       <p:ext uri="{BB962C8B-B14F-4D97-AF65-F5344CB8AC3E}">
-        <p14:creationId xmlns:p14="http://schemas.microsoft.com/office/powerpoint/2010/main" val="4209516520"/>
+        <p14:creationId xmlns:p14="http://schemas.microsoft.com/office/powerpoint/2010/main" val="731180852"/>
       </p:ext>
     </p:extLst>
   </p:cSld>
@@ -3801,10 +3859,13 @@
           <a:lstStyle/>
           <a:p>
             <a:r>
-              <a:rPr lang="en-US" altLang="zh-CN" dirty="0" err="1"/>
-              <a:t>Authentication&amp;Authorization</a:t>
-            </a:r>
-            <a:endParaRPr lang="zh-CN" altLang="en-US" dirty="0"/>
+              <a:rPr lang="en-US" altLang="zh-CN" dirty="0"/>
+              <a:t>Configuration-</a:t>
+            </a:r>
+            <a:r>
+              <a:rPr lang="zh-CN" altLang="en-US" dirty="0"/>
+              <a:t>自定义</a:t>
+            </a:r>
           </a:p>
         </p:txBody>
       </p:sp>
@@ -3836,56 +3897,257 @@
           </a:bodyPr>
           <a:lstStyle/>
           <a:p>
+            <a:pPr marL="0" indent="0">
+              <a:buNone/>
+            </a:pPr>
+            <a:r>
+              <a:rPr lang="en-US" altLang="zh-CN" sz="1400" dirty="0" err="1"/>
+              <a:t>Asp.net</a:t>
+            </a:r>
             <a:r>
               <a:rPr lang="zh-CN" altLang="en-US" sz="1400" dirty="0"/>
-              <a:t>基于</a:t>
+              <a:t> </a:t>
             </a:r>
             <a:r>
               <a:rPr lang="en-US" altLang="zh-CN" sz="1400" dirty="0"/>
-              <a:t>cookie</a:t>
+              <a:t>core</a:t>
             </a:r>
             <a:r>
               <a:rPr lang="zh-CN" altLang="en-US" sz="1400" dirty="0"/>
-              <a:t>固定角度授权验证</a:t>
+              <a:t>中的配置文件是基于生成器模式（</a:t>
+            </a:r>
+            <a:r>
+              <a:rPr lang="zh-CN" altLang="en-US" sz="1400" i="1" u="sng" dirty="0"/>
+              <a:t>将复杂对象的建造过程抽象出来（抽象类别），使这个抽象过程的不同实现方法可以构造出不同表现（属性）的对象</a:t>
+            </a:r>
+            <a:r>
+              <a:rPr lang="zh-CN" altLang="en-US" sz="1400" dirty="0"/>
+              <a:t>）</a:t>
+            </a:r>
+            <a:r>
+              <a:rPr lang="en-US" altLang="zh-CN" sz="1400" dirty="0"/>
+              <a:t>,</a:t>
+            </a:r>
+            <a:r>
+              <a:rPr lang="en-US" altLang="zh-CN" sz="1400" dirty="0" err="1"/>
+              <a:t>asp.net</a:t>
+            </a:r>
+            <a:r>
+              <a:rPr lang="en-US" altLang="zh-CN" sz="1400" dirty="0"/>
+              <a:t> core</a:t>
+            </a:r>
+            <a:r>
+              <a:rPr lang="zh-CN" altLang="en-US" sz="1400" dirty="0"/>
+              <a:t>中有两个生成器，一个是主机</a:t>
+            </a:r>
+            <a:r>
+              <a:rPr lang="en-US" altLang="zh-CN" sz="1400" dirty="0"/>
+              <a:t>(host)</a:t>
+            </a:r>
+            <a:r>
+              <a:rPr lang="zh-CN" altLang="en-US" sz="1400" dirty="0"/>
+              <a:t>的，一个应用程序</a:t>
+            </a:r>
+            <a:r>
+              <a:rPr lang="en-US" altLang="zh-CN" sz="1400" dirty="0"/>
+              <a:t>(application)</a:t>
+            </a:r>
+            <a:r>
+              <a:rPr lang="zh-CN" altLang="en-US" sz="1400" dirty="0"/>
+              <a:t>的</a:t>
             </a:r>
             <a:endParaRPr lang="en-US" altLang="zh-CN" sz="1400" dirty="0"/>
           </a:p>
           <a:p>
+            <a:pPr marL="0" indent="0">
+              <a:buNone/>
+            </a:pPr>
+            <a:endParaRPr lang="en-US" altLang="zh-CN" sz="1400" dirty="0"/>
+          </a:p>
+          <a:p>
+            <a:r>
+              <a:rPr lang="en-US" altLang="zh-CN" sz="1400" dirty="0" err="1"/>
+              <a:t>ConfigurationSource</a:t>
+            </a:r>
+            <a:endParaRPr lang="en-US" altLang="zh-CN" sz="1400" dirty="0"/>
+          </a:p>
+          <a:p>
+            <a:pPr marL="0" indent="0">
+              <a:buNone/>
+            </a:pPr>
+            <a:r>
+              <a:rPr lang="en-US" altLang="zh-CN" sz="1400" dirty="0"/>
+              <a:t>     </a:t>
+            </a:r>
             <a:r>
               <a:rPr lang="zh-CN" altLang="en-US" sz="1400" dirty="0"/>
-              <a:t>基于</a:t>
-            </a:r>
+              <a:t>在建造过程中需要各种参数信息，</a:t>
+            </a:r>
+            <a:r>
+              <a:rPr lang="en-US" altLang="zh-CN" sz="1400" dirty="0" err="1"/>
+              <a:t>ConfigurationSource</a:t>
+            </a:r>
+            <a:r>
+              <a:rPr lang="zh-CN" altLang="en-US" sz="1400" dirty="0"/>
+              <a:t>是为获取这些参数而提供来源，比如文件源，内存源等</a:t>
+            </a:r>
+            <a:endParaRPr lang="en-US" altLang="zh-CN" sz="1400" dirty="0"/>
+          </a:p>
+          <a:p>
+            <a:endParaRPr lang="en-US" altLang="zh-CN" sz="1400" dirty="0"/>
+          </a:p>
+          <a:p>
+            <a:r>
+              <a:rPr lang="en-US" altLang="zh-CN" sz="1400" dirty="0" err="1"/>
+              <a:t>ConfigurationProvider</a:t>
+            </a:r>
+            <a:endParaRPr lang="en-US" altLang="zh-CN" sz="1400" dirty="0"/>
+          </a:p>
+          <a:p>
+            <a:pPr marL="0" indent="0">
+              <a:buNone/>
+            </a:pPr>
             <a:r>
               <a:rPr lang="en-US" altLang="zh-CN" sz="1400" dirty="0"/>
-              <a:t>cookie</a:t>
+              <a:t>     </a:t>
             </a:r>
             <a:r>
               <a:rPr lang="zh-CN" altLang="en-US" sz="1400" dirty="0"/>
-              <a:t>自定义策略授权验证</a:t>
+              <a:t>建造所需参数的提供者，依据</a:t>
+            </a:r>
+            <a:r>
+              <a:rPr lang="en-US" altLang="zh-CN" sz="1400" dirty="0" err="1"/>
+              <a:t>ConfigurationSource</a:t>
+            </a:r>
+            <a:r>
+              <a:rPr lang="zh-CN" altLang="en-US" sz="1400" dirty="0"/>
+              <a:t>来完成提供</a:t>
             </a:r>
             <a:endParaRPr lang="en-US" altLang="zh-CN" sz="1400" dirty="0"/>
           </a:p>
           <a:p>
+            <a:endParaRPr lang="en-US" altLang="zh-CN" sz="1400" dirty="0"/>
+          </a:p>
+          <a:p>
             <a:r>
               <a:rPr lang="zh-CN" altLang="en-US" sz="1400" dirty="0"/>
-              <a:t>基于</a:t>
+              <a:t>需要把</a:t>
             </a:r>
             <a:r>
               <a:rPr lang="en-US" altLang="zh-CN" sz="1400" dirty="0" err="1"/>
-              <a:t>jwt</a:t>
+              <a:t>ConfigurationSource</a:t>
             </a:r>
             <a:r>
               <a:rPr lang="zh-CN" altLang="en-US" sz="1400" dirty="0"/>
-              <a:t>自定义策略授权验证</a:t>
+              <a:t>或</a:t>
+            </a:r>
+            <a:r>
+              <a:rPr lang="en-US" altLang="zh-CN" sz="1400" dirty="0"/>
+              <a:t>Action&lt;</a:t>
+            </a:r>
+            <a:r>
+              <a:rPr lang="en-US" altLang="zh-CN" sz="1400" dirty="0" err="1"/>
+              <a:t>ConfigurationSource</a:t>
+            </a:r>
+            <a:r>
+              <a:rPr lang="en-US" altLang="zh-CN" sz="1400" dirty="0"/>
+              <a:t>&gt;</a:t>
+            </a:r>
+            <a:r>
+              <a:rPr lang="zh-CN" altLang="en-US" sz="1400" dirty="0"/>
+              <a:t>添加到</a:t>
+            </a:r>
+            <a:r>
+              <a:rPr lang="zh-CN" altLang="en-US" sz="1400" b="1" dirty="0"/>
+              <a:t>应用配置</a:t>
+            </a:r>
+            <a:r>
+              <a:rPr lang="zh-CN" altLang="en-US" sz="1400" dirty="0"/>
+              <a:t>构建对象中，在</a:t>
+            </a:r>
+            <a:r>
+              <a:rPr lang="zh-CN" altLang="en-US" sz="1400" b="1" dirty="0"/>
+              <a:t>主机构建时</a:t>
+            </a:r>
+            <a:r>
+              <a:rPr lang="zh-CN" altLang="en-US" sz="1400" dirty="0"/>
+              <a:t>会调用</a:t>
+            </a:r>
+            <a:r>
+              <a:rPr lang="en-US" altLang="zh-CN" sz="1400" dirty="0"/>
+              <a:t>Configuration</a:t>
+            </a:r>
+            <a:r>
+              <a:rPr lang="zh-CN" altLang="en-US" sz="1400" dirty="0"/>
+              <a:t>的</a:t>
+            </a:r>
+            <a:r>
+              <a:rPr lang="en-US" altLang="zh-CN" sz="1400" dirty="0"/>
+              <a:t>Build</a:t>
+            </a:r>
+            <a:r>
+              <a:rPr lang="zh-CN" altLang="en-US" sz="1400" dirty="0"/>
+              <a:t>，然后调用</a:t>
+            </a:r>
+            <a:r>
+              <a:rPr lang="en-US" altLang="zh-CN" sz="1400" dirty="0" err="1"/>
+              <a:t>ConfigurationSource</a:t>
+            </a:r>
+            <a:r>
+              <a:rPr lang="zh-CN" altLang="en-US" sz="1400" dirty="0"/>
+              <a:t>的</a:t>
+            </a:r>
+            <a:r>
+              <a:rPr lang="en-US" altLang="zh-CN" sz="1400" dirty="0"/>
+              <a:t>Build</a:t>
+            </a:r>
+            <a:r>
+              <a:rPr lang="zh-CN" altLang="en-US" sz="1400" dirty="0"/>
+              <a:t>，然后调用</a:t>
+            </a:r>
+            <a:r>
+              <a:rPr lang="en-US" altLang="zh-CN" sz="1400" dirty="0" err="1"/>
+              <a:t>ConfigurationProvider</a:t>
+            </a:r>
+            <a:r>
+              <a:rPr lang="zh-CN" altLang="en-US" sz="1400" dirty="0"/>
+              <a:t>的</a:t>
+            </a:r>
+            <a:r>
+              <a:rPr lang="en-US" altLang="zh-CN" sz="1400" dirty="0"/>
+              <a:t>Load</a:t>
+            </a:r>
+            <a:r>
+              <a:rPr lang="zh-CN" altLang="en-US" sz="1400" dirty="0"/>
+              <a:t>，来填充</a:t>
+            </a:r>
+            <a:r>
+              <a:rPr lang="en-US" altLang="zh-CN" sz="1400" dirty="0" err="1"/>
+              <a:t>ConfigurationProvider</a:t>
+            </a:r>
+            <a:r>
+              <a:rPr lang="zh-CN" altLang="en-US" sz="1400" dirty="0"/>
+              <a:t>中的</a:t>
+            </a:r>
+            <a:r>
+              <a:rPr lang="en-US" altLang="zh-CN" sz="1400" dirty="0"/>
+              <a:t>Data</a:t>
+            </a:r>
+            <a:r>
+              <a:rPr lang="zh-CN" altLang="en-US" sz="1400" dirty="0"/>
+              <a:t>字典。</a:t>
             </a:r>
             <a:endParaRPr lang="en-US" altLang="zh-CN" sz="1400" dirty="0"/>
+          </a:p>
+          <a:p>
+            <a:endParaRPr lang="zh-CN" altLang="en-US" sz="1400" dirty="0"/>
           </a:p>
         </p:txBody>
       </p:sp>
     </p:spTree>
     <p:extLst>
       <p:ext uri="{BB962C8B-B14F-4D97-AF65-F5344CB8AC3E}">
-        <p14:creationId xmlns:p14="http://schemas.microsoft.com/office/powerpoint/2010/main" val="3489913332"/>
+        <p14:creationId xmlns:p14="http://schemas.microsoft.com/office/powerpoint/2010/main" val="4209516520"/>
       </p:ext>
     </p:extLst>
   </p:cSld>
@@ -3935,7 +4197,7 @@
           <a:p>
             <a:r>
               <a:rPr lang="en-US" altLang="zh-CN" dirty="0" err="1"/>
-              <a:t>HttpClient</a:t>
+              <a:t>Authentication&amp;Authorization</a:t>
             </a:r>
             <a:endParaRPr lang="zh-CN" altLang="en-US" dirty="0"/>
           </a:p>
@@ -3971,40 +4233,45 @@
           <a:p>
             <a:r>
               <a:rPr lang="zh-CN" altLang="en-US" sz="1400" dirty="0"/>
-              <a:t>基本用法</a:t>
+              <a:t>基于</a:t>
+            </a:r>
+            <a:r>
+              <a:rPr lang="en-US" altLang="zh-CN" sz="1400" dirty="0"/>
+              <a:t>cookie</a:t>
+            </a:r>
+            <a:r>
+              <a:rPr lang="zh-CN" altLang="en-US" sz="1400" dirty="0"/>
+              <a:t>固定角度授权验证</a:t>
             </a:r>
             <a:endParaRPr lang="en-US" altLang="zh-CN" sz="1400" dirty="0"/>
           </a:p>
           <a:p>
             <a:r>
               <a:rPr lang="zh-CN" altLang="en-US" sz="1400" dirty="0"/>
-              <a:t>命名</a:t>
+              <a:t>基于</a:t>
+            </a:r>
+            <a:r>
+              <a:rPr lang="en-US" altLang="zh-CN" sz="1400" dirty="0"/>
+              <a:t>cookie</a:t>
+            </a:r>
+            <a:r>
+              <a:rPr lang="zh-CN" altLang="en-US" sz="1400" dirty="0"/>
+              <a:t>自定义策略授权验证</a:t>
+            </a:r>
+            <a:endParaRPr lang="en-US" altLang="zh-CN" sz="1400" dirty="0"/>
+          </a:p>
+          <a:p>
+            <a:r>
+              <a:rPr lang="zh-CN" altLang="en-US" sz="1400" dirty="0"/>
+              <a:t>基于</a:t>
             </a:r>
             <a:r>
               <a:rPr lang="en-US" altLang="zh-CN" sz="1400" dirty="0" err="1"/>
-              <a:t>HttpClient</a:t>
-            </a:r>
-            <a:endParaRPr lang="en-US" altLang="zh-CN" sz="1400" dirty="0"/>
-          </a:p>
-          <a:p>
+              <a:t>jwt</a:t>
+            </a:r>
             <a:r>
               <a:rPr lang="zh-CN" altLang="en-US" sz="1400" dirty="0"/>
-              <a:t>类型化</a:t>
-            </a:r>
-            <a:r>
-              <a:rPr lang="en-US" altLang="zh-CN" sz="1400" dirty="0" err="1"/>
-              <a:t>HttpClient</a:t>
-            </a:r>
-            <a:endParaRPr lang="en-US" altLang="zh-CN" sz="1400" dirty="0"/>
-          </a:p>
-          <a:p>
-            <a:r>
-              <a:rPr lang="zh-CN" altLang="en-US" sz="1400" dirty="0"/>
-              <a:t>容错</a:t>
-            </a:r>
-            <a:r>
-              <a:rPr lang="en-US" altLang="zh-CN" sz="1400" dirty="0" err="1"/>
-              <a:t>HttpClient</a:t>
+              <a:t>自定义策略授权验证</a:t>
             </a:r>
             <a:endParaRPr lang="en-US" altLang="zh-CN" sz="1400" dirty="0"/>
           </a:p>
@@ -4013,7 +4280,7 @@
     </p:spTree>
     <p:extLst>
       <p:ext uri="{BB962C8B-B14F-4D97-AF65-F5344CB8AC3E}">
-        <p14:creationId xmlns:p14="http://schemas.microsoft.com/office/powerpoint/2010/main" val="814465082"/>
+        <p14:creationId xmlns:p14="http://schemas.microsoft.com/office/powerpoint/2010/main" val="3489913332"/>
       </p:ext>
     </p:extLst>
   </p:cSld>
@@ -4063,6 +4330,134 @@
           <a:p>
             <a:r>
               <a:rPr lang="en-US" altLang="zh-CN" dirty="0" err="1"/>
+              <a:t>HttpClient</a:t>
+            </a:r>
+            <a:endParaRPr lang="zh-CN" altLang="en-US" dirty="0"/>
+          </a:p>
+        </p:txBody>
+      </p:sp>
+      <p:sp>
+        <p:nvSpPr>
+          <p:cNvPr id="15" name="内容占位符 2">
+            <a:extLst>
+              <a:ext uri="{FF2B5EF4-FFF2-40B4-BE49-F238E27FC236}">
+                <a16:creationId xmlns:a16="http://schemas.microsoft.com/office/drawing/2014/main" id="{00DFF36C-FF32-4635-B471-3925665516F8}"/>
+              </a:ext>
+            </a:extLst>
+          </p:cNvPr>
+          <p:cNvSpPr>
+            <a:spLocks noGrp="1"/>
+          </p:cNvSpPr>
+          <p:nvPr>
+            <p:ph idx="1"/>
+          </p:nvPr>
+        </p:nvSpPr>
+        <p:spPr>
+          <a:xfrm>
+            <a:off x="838200" y="1690687"/>
+            <a:ext cx="10515600" cy="4887665"/>
+          </a:xfrm>
+        </p:spPr>
+        <p:txBody>
+          <a:bodyPr>
+            <a:normAutofit/>
+          </a:bodyPr>
+          <a:lstStyle/>
+          <a:p>
+            <a:r>
+              <a:rPr lang="zh-CN" altLang="en-US" sz="1400" dirty="0"/>
+              <a:t>基本用法</a:t>
+            </a:r>
+            <a:endParaRPr lang="en-US" altLang="zh-CN" sz="1400" dirty="0"/>
+          </a:p>
+          <a:p>
+            <a:r>
+              <a:rPr lang="zh-CN" altLang="en-US" sz="1400" dirty="0"/>
+              <a:t>命名</a:t>
+            </a:r>
+            <a:r>
+              <a:rPr lang="en-US" altLang="zh-CN" sz="1400" dirty="0" err="1"/>
+              <a:t>HttpClient</a:t>
+            </a:r>
+            <a:endParaRPr lang="en-US" altLang="zh-CN" sz="1400" dirty="0"/>
+          </a:p>
+          <a:p>
+            <a:r>
+              <a:rPr lang="zh-CN" altLang="en-US" sz="1400" dirty="0"/>
+              <a:t>类型化</a:t>
+            </a:r>
+            <a:r>
+              <a:rPr lang="en-US" altLang="zh-CN" sz="1400" dirty="0" err="1"/>
+              <a:t>HttpClient</a:t>
+            </a:r>
+            <a:endParaRPr lang="en-US" altLang="zh-CN" sz="1400" dirty="0"/>
+          </a:p>
+          <a:p>
+            <a:r>
+              <a:rPr lang="zh-CN" altLang="en-US" sz="1400" dirty="0"/>
+              <a:t>容错</a:t>
+            </a:r>
+            <a:r>
+              <a:rPr lang="en-US" altLang="zh-CN" sz="1400" dirty="0" err="1"/>
+              <a:t>HttpClient</a:t>
+            </a:r>
+            <a:endParaRPr lang="en-US" altLang="zh-CN" sz="1400" dirty="0"/>
+          </a:p>
+        </p:txBody>
+      </p:sp>
+    </p:spTree>
+    <p:extLst>
+      <p:ext uri="{BB962C8B-B14F-4D97-AF65-F5344CB8AC3E}">
+        <p14:creationId xmlns:p14="http://schemas.microsoft.com/office/powerpoint/2010/main" val="814465082"/>
+      </p:ext>
+    </p:extLst>
+  </p:cSld>
+  <p:clrMapOvr>
+    <a:masterClrMapping/>
+  </p:clrMapOvr>
+</p:sld>
+</file>
+
+<file path=ppt/slides/slide14.xml><?xml version="1.0" encoding="utf-8"?>
+<p:sld xmlns:a="http://schemas.openxmlformats.org/drawingml/2006/main" xmlns:r="http://schemas.openxmlformats.org/officeDocument/2006/relationships" xmlns:p="http://schemas.openxmlformats.org/presentationml/2006/main">
+  <p:cSld>
+    <p:spTree>
+      <p:nvGrpSpPr>
+        <p:cNvPr id="1" name=""/>
+        <p:cNvGrpSpPr/>
+        <p:nvPr/>
+      </p:nvGrpSpPr>
+      <p:grpSpPr>
+        <a:xfrm>
+          <a:off x="0" y="0"/>
+          <a:ext cx="0" cy="0"/>
+          <a:chOff x="0" y="0"/>
+          <a:chExt cx="0" cy="0"/>
+        </a:xfrm>
+      </p:grpSpPr>
+      <p:sp>
+        <p:nvSpPr>
+          <p:cNvPr id="2" name="标题 1">
+            <a:extLst>
+              <a:ext uri="{FF2B5EF4-FFF2-40B4-BE49-F238E27FC236}">
+                <a16:creationId xmlns:a16="http://schemas.microsoft.com/office/drawing/2014/main" id="{D93F5457-E33E-4DFB-A0C6-F3B921696286}"/>
+              </a:ext>
+            </a:extLst>
+          </p:cNvPr>
+          <p:cNvSpPr>
+            <a:spLocks noGrp="1"/>
+          </p:cNvSpPr>
+          <p:nvPr>
+            <p:ph type="title"/>
+          </p:nvPr>
+        </p:nvSpPr>
+        <p:spPr/>
+        <p:txBody>
+          <a:bodyPr/>
+          <a:lstStyle/>
+          <a:p>
+            <a:r>
+              <a:rPr lang="en-US" altLang="zh-CN" dirty="0" err="1"/>
               <a:t>GlobalizationLocalization</a:t>
             </a:r>
             <a:endParaRPr lang="zh-CN" altLang="en-US" dirty="0"/>
@@ -4151,7 +4546,7 @@
 </p:sld>
 </file>
 
-<file path=ppt/slides/slide14.xml><?xml version="1.0" encoding="utf-8"?>
+<file path=ppt/slides/slide15.xml><?xml version="1.0" encoding="utf-8"?>
 <p:sld xmlns:a="http://schemas.openxmlformats.org/drawingml/2006/main" xmlns:r="http://schemas.openxmlformats.org/officeDocument/2006/relationships" xmlns:p="http://schemas.openxmlformats.org/presentationml/2006/main">
   <p:cSld>
     <p:spTree>
@@ -7652,7 +8047,7 @@
     </p:spTree>
     <p:extLst>
       <p:ext uri="{BB962C8B-B14F-4D97-AF65-F5344CB8AC3E}">
-        <p14:creationId xmlns:p14="http://schemas.microsoft.com/office/powerpoint/2010/main" val="1183203262"/>
+        <p14:creationId xmlns:p14="http://schemas.microsoft.com/office/powerpoint/2010/main" val="3737659612"/>
       </p:ext>
     </p:extLst>
   </p:cSld>
@@ -7702,12 +8097,9 @@
           <a:p>
             <a:r>
               <a:rPr lang="en-US" altLang="zh-CN" dirty="0"/>
-              <a:t>Configuration-</a:t>
-            </a:r>
-            <a:r>
-              <a:rPr lang="zh-CN" altLang="en-US" dirty="0"/>
-              <a:t>机密文件</a:t>
-            </a:r>
+              <a:t>Configuration</a:t>
+            </a:r>
+            <a:endParaRPr lang="zh-CN" altLang="en-US" dirty="0"/>
           </a:p>
         </p:txBody>
       </p:sp>
@@ -7739,314 +8131,77 @@
           </a:bodyPr>
           <a:lstStyle/>
           <a:p>
-            <a:pPr marL="0" indent="0">
-              <a:buNone/>
-            </a:pPr>
+            <a:r>
+              <a:rPr lang="zh-CN" altLang="en-US" sz="1400" dirty="0"/>
+              <a:t>下载</a:t>
+            </a:r>
             <a:r>
               <a:rPr lang="en-US" altLang="zh-CN" sz="1400" dirty="0"/>
-              <a:t>1</a:t>
-            </a:r>
+              <a:t>Azure CLI  </a:t>
+            </a:r>
+            <a:r>
+              <a:rPr lang="en-US" altLang="zh-CN" sz="1400" dirty="0">
+                <a:hlinkClick r:id="rId2"/>
+              </a:rPr>
+              <a:t>https://docs.microsoft.com/zh-cn/cli/azure/install-azure-cli-windows?view=azure-cli-latest</a:t>
+            </a:r>
+            <a:endParaRPr lang="en-US" altLang="zh-CN" sz="1400" dirty="0"/>
+          </a:p>
+          <a:p>
             <a:r>
               <a:rPr lang="zh-CN" altLang="en-US" sz="1400" dirty="0"/>
-              <a:t>、</a:t>
+              <a:t>安装并运行</a:t>
+            </a:r>
+            <a:r>
+              <a:rPr lang="en-US" altLang="zh-CN" sz="1400" dirty="0" err="1"/>
+              <a:t>az</a:t>
             </a:r>
             <a:r>
               <a:rPr lang="en-US" altLang="zh-CN" sz="1400" dirty="0"/>
-              <a:t>.</a:t>
-            </a:r>
-            <a:r>
-              <a:rPr lang="en-US" altLang="zh-CN" sz="1400" dirty="0" err="1"/>
-              <a:t>csproj</a:t>
+              <a:t> login</a:t>
             </a:r>
             <a:r>
               <a:rPr lang="zh-CN" altLang="en-US" sz="1400" dirty="0"/>
-              <a:t>文件的</a:t>
-            </a:r>
-            <a:r>
-              <a:rPr lang="en-US" altLang="zh-CN" sz="1400" dirty="0"/>
-              <a:t>&lt;</a:t>
-            </a:r>
-            <a:r>
-              <a:rPr lang="en-US" altLang="zh-CN" sz="1400" dirty="0" err="1"/>
-              <a:t>PropertyGroup</a:t>
-            </a:r>
-            <a:r>
-              <a:rPr lang="en-US" altLang="zh-CN" sz="1400" dirty="0"/>
-              <a:t>&gt;&lt;/</a:t>
-            </a:r>
-            <a:r>
-              <a:rPr lang="en-US" altLang="zh-CN" sz="1400" dirty="0" err="1"/>
-              <a:t>PropertyGroup</a:t>
-            </a:r>
-            <a:r>
-              <a:rPr lang="en-US" altLang="zh-CN" sz="1400" dirty="0"/>
-              <a:t>&gt;</a:t>
-            </a:r>
-            <a:r>
-              <a:rPr lang="zh-CN" altLang="en-US" sz="1400" dirty="0"/>
-              <a:t>节点中添加</a:t>
-            </a:r>
-          </a:p>
-          <a:p>
-            <a:pPr marL="0" indent="0">
-              <a:buNone/>
-            </a:pPr>
-            <a:r>
-              <a:rPr lang="en-US" altLang="zh-CN" sz="1400" dirty="0"/>
-              <a:t>  &lt;</a:t>
-            </a:r>
-            <a:r>
-              <a:rPr lang="en-US" altLang="zh-CN" sz="1400" dirty="0" err="1"/>
-              <a:t>UserSecretsId</a:t>
-            </a:r>
-            <a:r>
-              <a:rPr lang="en-US" altLang="zh-CN" sz="1400" dirty="0"/>
-              <a:t>&gt;</a:t>
-            </a:r>
-            <a:r>
-              <a:rPr lang="en-US" altLang="zh-CN" sz="1400" dirty="0" err="1"/>
-              <a:t>d7a40274-87df-43ba-999b-d8719940b7a7</a:t>
-            </a:r>
-            <a:r>
-              <a:rPr lang="en-US" altLang="zh-CN" sz="1400" dirty="0"/>
-              <a:t>&lt;/</a:t>
-            </a:r>
-            <a:r>
-              <a:rPr lang="en-US" altLang="zh-CN" sz="1400" dirty="0" err="1"/>
-              <a:t>UserSecretsId</a:t>
-            </a:r>
-            <a:r>
-              <a:rPr lang="en-US" altLang="zh-CN" sz="1400" dirty="0"/>
-              <a:t>&gt;</a:t>
-            </a:r>
-          </a:p>
-          <a:p>
-            <a:pPr marL="0" indent="0">
-              <a:buNone/>
-            </a:pPr>
-            <a:r>
-              <a:rPr lang="en-US" altLang="zh-CN" sz="1400" dirty="0"/>
-              <a:t>2</a:t>
-            </a:r>
-            <a:r>
-              <a:rPr lang="zh-CN" altLang="en-US" sz="1400" dirty="0"/>
-              <a:t>、操作机密文件</a:t>
-            </a:r>
-          </a:p>
-          <a:p>
-            <a:pPr marL="0" indent="0">
-              <a:buNone/>
-            </a:pPr>
-            <a:r>
-              <a:rPr lang="en-US" altLang="zh-CN" sz="1400" dirty="0"/>
-              <a:t>   a</a:t>
-            </a:r>
-            <a:r>
-              <a:rPr lang="zh-CN" altLang="en-US" sz="1400" dirty="0"/>
-              <a:t>、设置机密文件  </a:t>
-            </a:r>
-            <a:r>
-              <a:rPr lang="en-US" altLang="zh-CN" sz="1400" dirty="0"/>
-              <a:t>dotnet user-secrets set "</a:t>
-            </a:r>
-            <a:r>
-              <a:rPr lang="en-US" altLang="zh-CN" sz="1400" dirty="0" err="1"/>
-              <a:t>dbpassword</a:t>
-            </a:r>
-            <a:r>
-              <a:rPr lang="en-US" altLang="zh-CN" sz="1400" dirty="0"/>
-              <a:t>" "123456" --project ".</a:t>
-            </a:r>
-            <a:r>
-              <a:rPr lang="en-US" altLang="zh-CN" sz="1400" dirty="0" err="1"/>
-              <a:t>csproj</a:t>
-            </a:r>
-            <a:r>
-              <a:rPr lang="zh-CN" altLang="en-US" sz="1400" dirty="0"/>
-              <a:t>所在目录</a:t>
-            </a:r>
-            <a:r>
-              <a:rPr lang="en-US" altLang="zh-CN" sz="1400" dirty="0"/>
-              <a:t>"</a:t>
-            </a:r>
-          </a:p>
-          <a:p>
-            <a:pPr marL="0" indent="0">
-              <a:buNone/>
-            </a:pPr>
-            <a:r>
-              <a:rPr lang="en-US" altLang="zh-CN" sz="1400" dirty="0"/>
-              <a:t>   b</a:t>
-            </a:r>
-            <a:r>
-              <a:rPr lang="zh-CN" altLang="en-US" sz="1400" dirty="0"/>
-              <a:t>、设置多个机密文件  </a:t>
-            </a:r>
-            <a:r>
-              <a:rPr lang="en-US" altLang="zh-CN" sz="1400" dirty="0"/>
-              <a:t>type .\</a:t>
-            </a:r>
-            <a:r>
-              <a:rPr lang="en-US" altLang="zh-CN" sz="1400" dirty="0" err="1"/>
-              <a:t>input.json</a:t>
-            </a:r>
-            <a:r>
-              <a:rPr lang="en-US" altLang="zh-CN" sz="1400" dirty="0"/>
-              <a:t> | dotnet user-secrets set --project ".</a:t>
-            </a:r>
-            <a:r>
-              <a:rPr lang="en-US" altLang="zh-CN" sz="1400" dirty="0" err="1"/>
-              <a:t>csproj</a:t>
-            </a:r>
-            <a:r>
-              <a:rPr lang="zh-CN" altLang="en-US" sz="1400" dirty="0"/>
-              <a:t>所在目录</a:t>
-            </a:r>
-            <a:r>
-              <a:rPr lang="en-US" altLang="zh-CN" sz="1400" dirty="0"/>
-              <a:t>"</a:t>
-            </a:r>
-          </a:p>
-          <a:p>
-            <a:pPr marL="0" indent="0">
-              <a:buNone/>
-            </a:pPr>
-            <a:r>
-              <a:rPr lang="en-US" altLang="zh-CN" sz="1400" dirty="0"/>
-              <a:t>   c</a:t>
-            </a:r>
-            <a:r>
-              <a:rPr lang="zh-CN" altLang="en-US" sz="1400" dirty="0"/>
-              <a:t>、查看机密文件  </a:t>
-            </a:r>
-            <a:r>
-              <a:rPr lang="en-US" altLang="zh-CN" sz="1400" dirty="0"/>
-              <a:t>dotnet user-secrets list --project ".</a:t>
-            </a:r>
-            <a:r>
-              <a:rPr lang="en-US" altLang="zh-CN" sz="1400" dirty="0" err="1"/>
-              <a:t>csproj</a:t>
-            </a:r>
-            <a:r>
-              <a:rPr lang="zh-CN" altLang="en-US" sz="1400" dirty="0"/>
-              <a:t>所在目录</a:t>
-            </a:r>
-            <a:r>
-              <a:rPr lang="en-US" altLang="zh-CN" sz="1400" dirty="0"/>
-              <a:t>"</a:t>
-            </a:r>
-          </a:p>
-          <a:p>
-            <a:pPr marL="0" indent="0">
-              <a:buNone/>
-            </a:pPr>
-            <a:r>
-              <a:rPr lang="en-US" altLang="zh-CN" sz="1400" dirty="0"/>
-              <a:t>   d</a:t>
-            </a:r>
-            <a:r>
-              <a:rPr lang="zh-CN" altLang="en-US" sz="1400" dirty="0"/>
-              <a:t>、删除机密文件  </a:t>
-            </a:r>
-            <a:r>
-              <a:rPr lang="en-US" altLang="zh-CN" sz="1400" dirty="0"/>
-              <a:t>dotnet user-secrets remove "</a:t>
-            </a:r>
-            <a:r>
-              <a:rPr lang="en-US" altLang="zh-CN" sz="1400" dirty="0" err="1"/>
-              <a:t>dbpassword</a:t>
-            </a:r>
-            <a:r>
-              <a:rPr lang="en-US" altLang="zh-CN" sz="1400" dirty="0"/>
-              <a:t>"  --project ".</a:t>
-            </a:r>
-            <a:r>
-              <a:rPr lang="en-US" altLang="zh-CN" sz="1400" dirty="0" err="1"/>
-              <a:t>csproj</a:t>
-            </a:r>
-            <a:r>
-              <a:rPr lang="zh-CN" altLang="en-US" sz="1400" dirty="0"/>
-              <a:t>所在目录</a:t>
-            </a:r>
-            <a:r>
-              <a:rPr lang="en-US" altLang="zh-CN" sz="1400" dirty="0"/>
-              <a:t>"</a:t>
-            </a:r>
-          </a:p>
-          <a:p>
-            <a:pPr marL="0" indent="0">
-              <a:buNone/>
-            </a:pPr>
-            <a:r>
-              <a:rPr lang="en-US" altLang="zh-CN" sz="1400" dirty="0"/>
-              <a:t>   e</a:t>
-            </a:r>
-            <a:r>
-              <a:rPr lang="zh-CN" altLang="en-US" sz="1400" dirty="0"/>
-              <a:t>、删除所有机密文件 </a:t>
-            </a:r>
-            <a:r>
-              <a:rPr lang="en-US" altLang="zh-CN" sz="1400" dirty="0"/>
-              <a:t>dotnet user-secrets clear --project ".</a:t>
-            </a:r>
-            <a:r>
-              <a:rPr lang="en-US" altLang="zh-CN" sz="1400" dirty="0" err="1"/>
-              <a:t>csproj</a:t>
-            </a:r>
-            <a:r>
-              <a:rPr lang="zh-CN" altLang="en-US" sz="1400" dirty="0"/>
-              <a:t>所在目录</a:t>
-            </a:r>
-            <a:r>
-              <a:rPr lang="en-US" altLang="zh-CN" sz="1400" dirty="0"/>
-              <a:t>"</a:t>
-            </a:r>
-          </a:p>
-          <a:p>
-            <a:pPr marL="0" indent="0">
-              <a:buNone/>
-            </a:pPr>
-            <a:r>
-              <a:rPr lang="en-US" altLang="zh-CN" sz="1400" dirty="0"/>
-              <a:t>3</a:t>
-            </a:r>
-            <a:r>
-              <a:rPr lang="zh-CN" altLang="en-US" sz="1400" dirty="0"/>
-              <a:t>、</a:t>
-            </a:r>
-            <a:r>
-              <a:rPr lang="en-US" altLang="zh-CN" sz="1400" dirty="0" err="1"/>
-              <a:t>ConfigureServices</a:t>
-            </a:r>
-            <a:r>
-              <a:rPr lang="zh-CN" altLang="en-US" sz="1400" dirty="0"/>
-              <a:t>中读取</a:t>
-            </a:r>
-          </a:p>
-          <a:p>
-            <a:pPr marL="0" indent="0">
-              <a:buNone/>
-            </a:pPr>
-            <a:r>
-              <a:rPr lang="en-US" altLang="zh-CN" sz="1400" dirty="0"/>
-              <a:t>   var password = Configuration["</a:t>
-            </a:r>
-            <a:r>
-              <a:rPr lang="en-US" altLang="zh-CN" sz="1400" dirty="0" err="1"/>
-              <a:t>dbpassword</a:t>
-            </a:r>
-            <a:r>
-              <a:rPr lang="en-US" altLang="zh-CN" sz="1400" dirty="0"/>
-              <a:t>"];</a:t>
-            </a:r>
-            <a:endParaRPr lang="zh-CN" altLang="en-US" sz="1400" dirty="0"/>
-          </a:p>
-        </p:txBody>
-      </p:sp>
+              <a:t>进行登录</a:t>
+            </a:r>
+            <a:endParaRPr lang="en-US" altLang="zh-CN" sz="1400" dirty="0"/>
+          </a:p>
+        </p:txBody>
+      </p:sp>
+      <p:pic>
+        <p:nvPicPr>
+          <p:cNvPr id="5" name="图片 4">
+            <a:extLst>
+              <a:ext uri="{FF2B5EF4-FFF2-40B4-BE49-F238E27FC236}">
+                <a16:creationId xmlns:a16="http://schemas.microsoft.com/office/drawing/2014/main" id="{38653F5B-A6F8-45B4-B576-AAD23FCE1F80}"/>
+              </a:ext>
+            </a:extLst>
+          </p:cNvPr>
+          <p:cNvPicPr>
+            <a:picLocks noChangeAspect="1"/>
+          </p:cNvPicPr>
+          <p:nvPr/>
+        </p:nvPicPr>
+        <p:blipFill>
+          <a:blip r:embed="rId3"/>
+          <a:stretch>
+            <a:fillRect/>
+          </a:stretch>
+        </p:blipFill>
+        <p:spPr>
+          <a:xfrm>
+            <a:off x="1173512" y="2827148"/>
+            <a:ext cx="9173855" cy="2915057"/>
+          </a:xfrm>
+          <a:prstGeom prst="rect">
+            <a:avLst/>
+          </a:prstGeom>
+        </p:spPr>
+      </p:pic>
     </p:spTree>
     <p:extLst>
       <p:ext uri="{BB962C8B-B14F-4D97-AF65-F5344CB8AC3E}">
-        <p14:creationId xmlns:p14="http://schemas.microsoft.com/office/powerpoint/2010/main" val="731180852"/>
+        <p14:creationId xmlns:p14="http://schemas.microsoft.com/office/powerpoint/2010/main" val="1183203262"/>
       </p:ext>
     </p:extLst>
   </p:cSld>

--- a/aspnetcore3.0course/docs/aspnetcore3.0course.pptx
+++ b/aspnetcore3.0course/docs/aspnetcore3.0course.pptx
@@ -273,7 +273,7 @@
           <a:p>
             <a:fld id="{0CB35010-EDBB-44E1-81B6-E54FF20221CB}" type="datetimeFigureOut">
               <a:rPr lang="zh-CN" altLang="en-US" smtClean="0"/>
-              <a:t>2019/7/10</a:t>
+              <a:t>2019/7/14</a:t>
             </a:fld>
             <a:endParaRPr lang="zh-CN" altLang="en-US"/>
           </a:p>
@@ -471,7 +471,7 @@
           <a:p>
             <a:fld id="{0CB35010-EDBB-44E1-81B6-E54FF20221CB}" type="datetimeFigureOut">
               <a:rPr lang="zh-CN" altLang="en-US" smtClean="0"/>
-              <a:t>2019/7/10</a:t>
+              <a:t>2019/7/14</a:t>
             </a:fld>
             <a:endParaRPr lang="zh-CN" altLang="en-US"/>
           </a:p>
@@ -679,7 +679,7 @@
           <a:p>
             <a:fld id="{0CB35010-EDBB-44E1-81B6-E54FF20221CB}" type="datetimeFigureOut">
               <a:rPr lang="zh-CN" altLang="en-US" smtClean="0"/>
-              <a:t>2019/7/10</a:t>
+              <a:t>2019/7/14</a:t>
             </a:fld>
             <a:endParaRPr lang="zh-CN" altLang="en-US"/>
           </a:p>
@@ -877,7 +877,7 @@
           <a:p>
             <a:fld id="{0CB35010-EDBB-44E1-81B6-E54FF20221CB}" type="datetimeFigureOut">
               <a:rPr lang="zh-CN" altLang="en-US" smtClean="0"/>
-              <a:t>2019/7/10</a:t>
+              <a:t>2019/7/14</a:t>
             </a:fld>
             <a:endParaRPr lang="zh-CN" altLang="en-US"/>
           </a:p>
@@ -1152,7 +1152,7 @@
           <a:p>
             <a:fld id="{0CB35010-EDBB-44E1-81B6-E54FF20221CB}" type="datetimeFigureOut">
               <a:rPr lang="zh-CN" altLang="en-US" smtClean="0"/>
-              <a:t>2019/7/10</a:t>
+              <a:t>2019/7/14</a:t>
             </a:fld>
             <a:endParaRPr lang="zh-CN" altLang="en-US"/>
           </a:p>
@@ -1417,7 +1417,7 @@
           <a:p>
             <a:fld id="{0CB35010-EDBB-44E1-81B6-E54FF20221CB}" type="datetimeFigureOut">
               <a:rPr lang="zh-CN" altLang="en-US" smtClean="0"/>
-              <a:t>2019/7/10</a:t>
+              <a:t>2019/7/14</a:t>
             </a:fld>
             <a:endParaRPr lang="zh-CN" altLang="en-US"/>
           </a:p>
@@ -1829,7 +1829,7 @@
           <a:p>
             <a:fld id="{0CB35010-EDBB-44E1-81B6-E54FF20221CB}" type="datetimeFigureOut">
               <a:rPr lang="zh-CN" altLang="en-US" smtClean="0"/>
-              <a:t>2019/7/10</a:t>
+              <a:t>2019/7/14</a:t>
             </a:fld>
             <a:endParaRPr lang="zh-CN" altLang="en-US"/>
           </a:p>
@@ -1970,7 +1970,7 @@
           <a:p>
             <a:fld id="{0CB35010-EDBB-44E1-81B6-E54FF20221CB}" type="datetimeFigureOut">
               <a:rPr lang="zh-CN" altLang="en-US" smtClean="0"/>
-              <a:t>2019/7/10</a:t>
+              <a:t>2019/7/14</a:t>
             </a:fld>
             <a:endParaRPr lang="zh-CN" altLang="en-US"/>
           </a:p>
@@ -2083,7 +2083,7 @@
           <a:p>
             <a:fld id="{0CB35010-EDBB-44E1-81B6-E54FF20221CB}" type="datetimeFigureOut">
               <a:rPr lang="zh-CN" altLang="en-US" smtClean="0"/>
-              <a:t>2019/7/10</a:t>
+              <a:t>2019/7/14</a:t>
             </a:fld>
             <a:endParaRPr lang="zh-CN" altLang="en-US"/>
           </a:p>
@@ -2394,7 +2394,7 @@
           <a:p>
             <a:fld id="{0CB35010-EDBB-44E1-81B6-E54FF20221CB}" type="datetimeFigureOut">
               <a:rPr lang="zh-CN" altLang="en-US" smtClean="0"/>
-              <a:t>2019/7/10</a:t>
+              <a:t>2019/7/14</a:t>
             </a:fld>
             <a:endParaRPr lang="zh-CN" altLang="en-US"/>
           </a:p>
@@ -2682,7 +2682,7 @@
           <a:p>
             <a:fld id="{0CB35010-EDBB-44E1-81B6-E54FF20221CB}" type="datetimeFigureOut">
               <a:rPr lang="zh-CN" altLang="en-US" smtClean="0"/>
-              <a:t>2019/7/10</a:t>
+              <a:t>2019/7/14</a:t>
             </a:fld>
             <a:endParaRPr lang="zh-CN" altLang="en-US"/>
           </a:p>
@@ -2923,7 +2923,7 @@
           <a:p>
             <a:fld id="{0CB35010-EDBB-44E1-81B6-E54FF20221CB}" type="datetimeFigureOut">
               <a:rPr lang="zh-CN" altLang="en-US" smtClean="0"/>
-              <a:t>2019/7/10</a:t>
+              <a:t>2019/7/14</a:t>
             </a:fld>
             <a:endParaRPr lang="zh-CN" altLang="en-US"/>
           </a:p>
@@ -4620,7 +4620,33 @@
           </a:bodyPr>
           <a:lstStyle/>
           <a:p>
-            <a:endParaRPr lang="en-US" altLang="zh-CN" sz="1400" dirty="0"/>
+            <a:r>
+              <a:rPr lang="en-US" altLang="zh-CN" dirty="0"/>
+              <a:t>Dapper</a:t>
+            </a:r>
+            <a:r>
+              <a:rPr lang="zh-CN" altLang="en-US" dirty="0"/>
+              <a:t>基本操作</a:t>
+            </a:r>
+            <a:endParaRPr lang="en-US" altLang="zh-CN" dirty="0"/>
+          </a:p>
+          <a:p>
+            <a:r>
+              <a:rPr lang="zh-CN" altLang="en-US" dirty="0"/>
+              <a:t>封闭一个</a:t>
+            </a:r>
+            <a:r>
+              <a:rPr lang="en-US" altLang="zh-CN" dirty="0"/>
+              <a:t>Dapper</a:t>
+            </a:r>
+            <a:r>
+              <a:rPr lang="zh-CN" altLang="en-US" dirty="0"/>
+              <a:t>的作用</a:t>
+            </a:r>
+            <a:endParaRPr lang="en-US" altLang="zh-CN" dirty="0"/>
+          </a:p>
+          <a:p>
+            <a:endParaRPr lang="en-US" altLang="zh-CN" dirty="0"/>
           </a:p>
         </p:txBody>
       </p:sp>
@@ -4763,6 +4789,18 @@
               <a:rPr lang="en-US" altLang="zh-CN" sz="1400" dirty="0" err="1"/>
               <a:t>Httpclient</a:t>
             </a:r>
+            <a:r>
+              <a:rPr lang="zh-CN" altLang="en-US" sz="1400" dirty="0"/>
+              <a:t>（重试（</a:t>
+            </a:r>
+            <a:r>
+              <a:rPr lang="en-US" altLang="zh-CN" sz="1400" dirty="0"/>
+              <a:t>Polly</a:t>
+            </a:r>
+            <a:r>
+              <a:rPr lang="zh-CN" altLang="en-US" sz="1400" dirty="0"/>
+              <a:t>））</a:t>
+            </a:r>
             <a:endParaRPr lang="en-US" altLang="zh-CN" sz="1400" dirty="0"/>
           </a:p>
           <a:p>
@@ -4781,7 +4819,64 @@
           <a:p>
             <a:r>
               <a:rPr lang="zh-CN" altLang="en-US" sz="1400" dirty="0"/>
-              <a:t>日志和监控（</a:t>
+              <a:t>日志</a:t>
+            </a:r>
+            <a:endParaRPr lang="en-US" altLang="zh-CN" sz="1400" dirty="0"/>
+          </a:p>
+          <a:p>
+            <a:r>
+              <a:rPr lang="en-US" altLang="zh-CN" sz="1400" dirty="0"/>
+              <a:t>API</a:t>
+            </a:r>
+            <a:r>
+              <a:rPr lang="zh-CN" altLang="en-US" sz="1400" dirty="0"/>
+              <a:t>文档</a:t>
+            </a:r>
+            <a:r>
+              <a:rPr lang="en-US" altLang="zh-CN" sz="1400" dirty="0"/>
+              <a:t>Swagger</a:t>
+            </a:r>
+          </a:p>
+          <a:p>
+            <a:r>
+              <a:rPr lang="zh-CN" altLang="en-US" sz="1400" dirty="0"/>
+              <a:t>后台任务（</a:t>
+            </a:r>
+            <a:r>
+              <a:rPr lang="en-US" altLang="zh-CN" sz="1400" dirty="0" err="1"/>
+              <a:t>Quartz.net</a:t>
+            </a:r>
+            <a:r>
+              <a:rPr lang="zh-CN" altLang="en-US" sz="1400" dirty="0"/>
+              <a:t>）</a:t>
+            </a:r>
+            <a:endParaRPr lang="en-US" altLang="zh-CN" sz="1400" dirty="0"/>
+          </a:p>
+          <a:p>
+            <a:r>
+              <a:rPr lang="zh-CN" altLang="en-US" sz="1400" dirty="0"/>
+              <a:t>单元测试（</a:t>
+            </a:r>
+            <a:r>
+              <a:rPr lang="en-US" altLang="zh-CN" sz="1400" dirty="0" err="1"/>
+              <a:t>XUnit</a:t>
+            </a:r>
+            <a:r>
+              <a:rPr lang="zh-CN" altLang="en-US" sz="1400" dirty="0"/>
+              <a:t>）</a:t>
+            </a:r>
+            <a:endParaRPr lang="en-US" altLang="zh-CN" sz="1400" dirty="0"/>
+          </a:p>
+          <a:p>
+            <a:r>
+              <a:rPr lang="en-US" altLang="zh-CN" sz="1400" dirty="0"/>
+              <a:t>-----------------------</a:t>
+            </a:r>
+          </a:p>
+          <a:p>
+            <a:r>
+              <a:rPr lang="zh-CN" altLang="en-US" sz="1400" dirty="0"/>
+              <a:t>监控（</a:t>
             </a:r>
             <a:r>
               <a:rPr lang="en-US" altLang="zh-CN" sz="1400" dirty="0" err="1"/>
@@ -4796,71 +4891,6 @@
           <a:p>
             <a:r>
               <a:rPr lang="en-US" altLang="zh-CN" sz="1400" dirty="0"/>
-              <a:t>API</a:t>
-            </a:r>
-            <a:r>
-              <a:rPr lang="zh-CN" altLang="en-US" sz="1400" dirty="0"/>
-              <a:t>文档</a:t>
-            </a:r>
-            <a:r>
-              <a:rPr lang="en-US" altLang="zh-CN" sz="1400" dirty="0"/>
-              <a:t>Swagger</a:t>
-            </a:r>
-          </a:p>
-          <a:p>
-            <a:r>
-              <a:rPr lang="zh-CN" altLang="en-US" sz="1400" dirty="0"/>
-              <a:t>后台任务（</a:t>
-            </a:r>
-            <a:r>
-              <a:rPr lang="en-US" altLang="zh-CN" sz="1400" dirty="0" err="1"/>
-              <a:t>Quartz.net</a:t>
-            </a:r>
-            <a:r>
-              <a:rPr lang="zh-CN" altLang="en-US" sz="1400" dirty="0"/>
-              <a:t>）</a:t>
-            </a:r>
-            <a:endParaRPr lang="en-US" altLang="zh-CN" sz="1400" dirty="0"/>
-          </a:p>
-          <a:p>
-            <a:r>
-              <a:rPr lang="en-US" altLang="zh-CN" sz="1400" dirty="0"/>
-              <a:t>-----------------------</a:t>
-            </a:r>
-          </a:p>
-          <a:p>
-            <a:r>
-              <a:rPr lang="zh-CN" altLang="en-US" sz="1400" dirty="0"/>
-              <a:t>单元测试（</a:t>
-            </a:r>
-            <a:r>
-              <a:rPr lang="en-US" altLang="zh-CN" sz="1400" dirty="0" err="1"/>
-              <a:t>XUnit</a:t>
-            </a:r>
-            <a:r>
-              <a:rPr lang="zh-CN" altLang="en-US" sz="1400" dirty="0"/>
-              <a:t>）</a:t>
-            </a:r>
-            <a:endParaRPr lang="en-US" altLang="zh-CN" sz="1400" dirty="0"/>
-          </a:p>
-          <a:p>
-            <a:r>
-              <a:rPr lang="zh-CN" altLang="en-US" sz="1400" dirty="0"/>
-              <a:t>重试（</a:t>
-            </a:r>
-            <a:r>
-              <a:rPr lang="en-US" altLang="zh-CN" sz="1400" dirty="0"/>
-              <a:t>Polly</a:t>
-            </a:r>
-            <a:r>
-              <a:rPr lang="zh-CN" altLang="en-US" sz="1400" dirty="0"/>
-              <a:t>）</a:t>
-            </a:r>
-            <a:endParaRPr lang="en-US" altLang="zh-CN" sz="1400" dirty="0"/>
-          </a:p>
-          <a:p>
-            <a:r>
-              <a:rPr lang="en-US" altLang="zh-CN" sz="1400" dirty="0" err="1"/>
               <a:t>MQ</a:t>
             </a:r>
             <a:r>
@@ -5001,18 +5031,73 @@
               <a:buNone/>
             </a:pPr>
             <a:r>
-              <a:rPr lang="en-US" altLang="zh-CN" sz="1400" dirty="0"/>
-              <a:t>Host</a:t>
-            </a:r>
-          </a:p>
-          <a:p>
-            <a:pPr marL="0" indent="0">
+              <a:rPr lang="en-US" altLang="zh-CN" sz="3200" dirty="0" err="1"/>
+              <a:t>Host&amp;WebHost</a:t>
+            </a:r>
+            <a:endParaRPr lang="en-US" altLang="zh-CN" sz="3200" dirty="0"/>
+          </a:p>
+          <a:p>
+            <a:pPr marL="0" indent="457200">
               <a:buNone/>
             </a:pPr>
             <a:r>
-              <a:rPr lang="en-US" altLang="zh-CN" sz="1400" dirty="0" err="1"/>
-              <a:t>WebHost</a:t>
-            </a:r>
+              <a:rPr lang="zh-CN" altLang="en-US" dirty="0"/>
+              <a:t>泛型主机与 </a:t>
+            </a:r>
+            <a:r>
+              <a:rPr lang="en-US" altLang="zh-CN" dirty="0"/>
+              <a:t>Web </a:t>
+            </a:r>
+            <a:r>
+              <a:rPr lang="zh-CN" altLang="en-US" dirty="0"/>
+              <a:t>主机的不同之处在于它将 </a:t>
+            </a:r>
+            <a:r>
+              <a:rPr lang="en-US" altLang="zh-CN" dirty="0"/>
+              <a:t>HTTP </a:t>
+            </a:r>
+            <a:r>
+              <a:rPr lang="zh-CN" altLang="en-US" dirty="0"/>
+              <a:t>管道与 </a:t>
+            </a:r>
+            <a:r>
+              <a:rPr lang="en-US" altLang="zh-CN" dirty="0"/>
+              <a:t>Web </a:t>
+            </a:r>
+            <a:r>
+              <a:rPr lang="zh-CN" altLang="en-US" dirty="0"/>
+              <a:t>主机 </a:t>
+            </a:r>
+            <a:r>
+              <a:rPr lang="en-US" altLang="zh-CN" dirty="0"/>
+              <a:t>API </a:t>
+            </a:r>
+            <a:r>
+              <a:rPr lang="zh-CN" altLang="en-US" dirty="0"/>
+              <a:t>分离，以启用更广泛的主机方案。 消息、后台任务和其他非 </a:t>
+            </a:r>
+            <a:r>
+              <a:rPr lang="en-US" altLang="zh-CN" dirty="0"/>
+              <a:t>HTTP </a:t>
+            </a:r>
+            <a:r>
+              <a:rPr lang="zh-CN" altLang="en-US" dirty="0"/>
+              <a:t>工作负载可以使用泛型主机并从横切功能（如配置、依赖关系注入 </a:t>
+            </a:r>
+            <a:r>
+              <a:rPr lang="en-US" altLang="zh-CN" dirty="0"/>
+              <a:t>[DI] </a:t>
+            </a:r>
+            <a:r>
+              <a:rPr lang="zh-CN" altLang="en-US" dirty="0"/>
+              <a:t>和日志记录）中受益</a:t>
+            </a:r>
+            <a:endParaRPr lang="en-US" altLang="zh-CN" dirty="0"/>
+          </a:p>
+          <a:p>
+            <a:pPr marL="0" indent="457200">
+              <a:buNone/>
+            </a:pPr>
             <a:endParaRPr lang="en-US" altLang="zh-CN" sz="1400" dirty="0"/>
           </a:p>
         </p:txBody>

--- a/aspnetcore3.0course/docs/aspnetcore3.0course.pptx
+++ b/aspnetcore3.0course/docs/aspnetcore3.0course.pptx
@@ -7,19 +7,25 @@
   <p:sldIdLst>
     <p:sldId id="256" r:id="rId2"/>
     <p:sldId id="257" r:id="rId3"/>
-    <p:sldId id="269" r:id="rId4"/>
-    <p:sldId id="262" r:id="rId5"/>
-    <p:sldId id="258" r:id="rId6"/>
-    <p:sldId id="267" r:id="rId7"/>
-    <p:sldId id="268" r:id="rId8"/>
-    <p:sldId id="270" r:id="rId9"/>
-    <p:sldId id="260" r:id="rId10"/>
-    <p:sldId id="259" r:id="rId11"/>
-    <p:sldId id="261" r:id="rId12"/>
-    <p:sldId id="263" r:id="rId13"/>
-    <p:sldId id="265" r:id="rId14"/>
+    <p:sldId id="271" r:id="rId4"/>
+    <p:sldId id="269" r:id="rId5"/>
+    <p:sldId id="262" r:id="rId6"/>
+    <p:sldId id="258" r:id="rId7"/>
+    <p:sldId id="267" r:id="rId8"/>
+    <p:sldId id="268" r:id="rId9"/>
+    <p:sldId id="270" r:id="rId10"/>
+    <p:sldId id="260" r:id="rId11"/>
+    <p:sldId id="259" r:id="rId12"/>
+    <p:sldId id="261" r:id="rId13"/>
+    <p:sldId id="263" r:id="rId14"/>
     <p:sldId id="266" r:id="rId15"/>
-    <p:sldId id="264" r:id="rId16"/>
+    <p:sldId id="265" r:id="rId16"/>
+    <p:sldId id="272" r:id="rId17"/>
+    <p:sldId id="264" r:id="rId18"/>
+    <p:sldId id="273" r:id="rId19"/>
+    <p:sldId id="274" r:id="rId20"/>
+    <p:sldId id="275" r:id="rId21"/>
+    <p:sldId id="276" r:id="rId22"/>
   </p:sldIdLst>
   <p:sldSz cx="12192000" cy="6858000"/>
   <p:notesSz cx="6858000" cy="9144000"/>
@@ -273,7 +279,7 @@
           <a:p>
             <a:fld id="{0CB35010-EDBB-44E1-81B6-E54FF20221CB}" type="datetimeFigureOut">
               <a:rPr lang="zh-CN" altLang="en-US" smtClean="0"/>
-              <a:t>2019/7/14</a:t>
+              <a:t>2019/7/15</a:t>
             </a:fld>
             <a:endParaRPr lang="zh-CN" altLang="en-US"/>
           </a:p>
@@ -471,7 +477,7 @@
           <a:p>
             <a:fld id="{0CB35010-EDBB-44E1-81B6-E54FF20221CB}" type="datetimeFigureOut">
               <a:rPr lang="zh-CN" altLang="en-US" smtClean="0"/>
-              <a:t>2019/7/14</a:t>
+              <a:t>2019/7/15</a:t>
             </a:fld>
             <a:endParaRPr lang="zh-CN" altLang="en-US"/>
           </a:p>
@@ -679,7 +685,7 @@
           <a:p>
             <a:fld id="{0CB35010-EDBB-44E1-81B6-E54FF20221CB}" type="datetimeFigureOut">
               <a:rPr lang="zh-CN" altLang="en-US" smtClean="0"/>
-              <a:t>2019/7/14</a:t>
+              <a:t>2019/7/15</a:t>
             </a:fld>
             <a:endParaRPr lang="zh-CN" altLang="en-US"/>
           </a:p>
@@ -877,7 +883,7 @@
           <a:p>
             <a:fld id="{0CB35010-EDBB-44E1-81B6-E54FF20221CB}" type="datetimeFigureOut">
               <a:rPr lang="zh-CN" altLang="en-US" smtClean="0"/>
-              <a:t>2019/7/14</a:t>
+              <a:t>2019/7/15</a:t>
             </a:fld>
             <a:endParaRPr lang="zh-CN" altLang="en-US"/>
           </a:p>
@@ -1152,7 +1158,7 @@
           <a:p>
             <a:fld id="{0CB35010-EDBB-44E1-81B6-E54FF20221CB}" type="datetimeFigureOut">
               <a:rPr lang="zh-CN" altLang="en-US" smtClean="0"/>
-              <a:t>2019/7/14</a:t>
+              <a:t>2019/7/15</a:t>
             </a:fld>
             <a:endParaRPr lang="zh-CN" altLang="en-US"/>
           </a:p>
@@ -1417,7 +1423,7 @@
           <a:p>
             <a:fld id="{0CB35010-EDBB-44E1-81B6-E54FF20221CB}" type="datetimeFigureOut">
               <a:rPr lang="zh-CN" altLang="en-US" smtClean="0"/>
-              <a:t>2019/7/14</a:t>
+              <a:t>2019/7/15</a:t>
             </a:fld>
             <a:endParaRPr lang="zh-CN" altLang="en-US"/>
           </a:p>
@@ -1829,7 +1835,7 @@
           <a:p>
             <a:fld id="{0CB35010-EDBB-44E1-81B6-E54FF20221CB}" type="datetimeFigureOut">
               <a:rPr lang="zh-CN" altLang="en-US" smtClean="0"/>
-              <a:t>2019/7/14</a:t>
+              <a:t>2019/7/15</a:t>
             </a:fld>
             <a:endParaRPr lang="zh-CN" altLang="en-US"/>
           </a:p>
@@ -1970,7 +1976,7 @@
           <a:p>
             <a:fld id="{0CB35010-EDBB-44E1-81B6-E54FF20221CB}" type="datetimeFigureOut">
               <a:rPr lang="zh-CN" altLang="en-US" smtClean="0"/>
-              <a:t>2019/7/14</a:t>
+              <a:t>2019/7/15</a:t>
             </a:fld>
             <a:endParaRPr lang="zh-CN" altLang="en-US"/>
           </a:p>
@@ -2083,7 +2089,7 @@
           <a:p>
             <a:fld id="{0CB35010-EDBB-44E1-81B6-E54FF20221CB}" type="datetimeFigureOut">
               <a:rPr lang="zh-CN" altLang="en-US" smtClean="0"/>
-              <a:t>2019/7/14</a:t>
+              <a:t>2019/7/15</a:t>
             </a:fld>
             <a:endParaRPr lang="zh-CN" altLang="en-US"/>
           </a:p>
@@ -2394,7 +2400,7 @@
           <a:p>
             <a:fld id="{0CB35010-EDBB-44E1-81B6-E54FF20221CB}" type="datetimeFigureOut">
               <a:rPr lang="zh-CN" altLang="en-US" smtClean="0"/>
-              <a:t>2019/7/14</a:t>
+              <a:t>2019/7/15</a:t>
             </a:fld>
             <a:endParaRPr lang="zh-CN" altLang="en-US"/>
           </a:p>
@@ -2682,7 +2688,7 @@
           <a:p>
             <a:fld id="{0CB35010-EDBB-44E1-81B6-E54FF20221CB}" type="datetimeFigureOut">
               <a:rPr lang="zh-CN" altLang="en-US" smtClean="0"/>
-              <a:t>2019/7/14</a:t>
+              <a:t>2019/7/15</a:t>
             </a:fld>
             <a:endParaRPr lang="zh-CN" altLang="en-US"/>
           </a:p>
@@ -2923,7 +2929,7 @@
           <a:p>
             <a:fld id="{0CB35010-EDBB-44E1-81B6-E54FF20221CB}" type="datetimeFigureOut">
               <a:rPr lang="zh-CN" altLang="en-US" smtClean="0"/>
-              <a:t>2019/7/14</a:t>
+              <a:t>2019/7/15</a:t>
             </a:fld>
             <a:endParaRPr lang="zh-CN" altLang="en-US"/>
           </a:p>
@@ -3466,12 +3472,9 @@
           <a:p>
             <a:r>
               <a:rPr lang="en-US" altLang="zh-CN" dirty="0"/>
-              <a:t>Configuration-</a:t>
-            </a:r>
-            <a:r>
-              <a:rPr lang="zh-CN" altLang="en-US" dirty="0"/>
-              <a:t>机密文件</a:t>
-            </a:r>
+              <a:t>Configuration</a:t>
+            </a:r>
+            <a:endParaRPr lang="zh-CN" altLang="en-US" dirty="0"/>
           </a:p>
         </p:txBody>
       </p:sp>
@@ -3503,314 +3506,77 @@
           </a:bodyPr>
           <a:lstStyle/>
           <a:p>
-            <a:pPr marL="0" indent="0">
-              <a:buNone/>
-            </a:pPr>
+            <a:r>
+              <a:rPr lang="zh-CN" altLang="en-US" sz="1400" dirty="0"/>
+              <a:t>下载</a:t>
+            </a:r>
             <a:r>
               <a:rPr lang="en-US" altLang="zh-CN" sz="1400" dirty="0"/>
-              <a:t>1</a:t>
-            </a:r>
+              <a:t>Azure CLI  </a:t>
+            </a:r>
+            <a:r>
+              <a:rPr lang="en-US" altLang="zh-CN" sz="1400" dirty="0">
+                <a:hlinkClick r:id="rId2"/>
+              </a:rPr>
+              <a:t>https://docs.microsoft.com/zh-cn/cli/azure/install-azure-cli-windows?view=azure-cli-latest</a:t>
+            </a:r>
+            <a:endParaRPr lang="en-US" altLang="zh-CN" sz="1400" dirty="0"/>
+          </a:p>
+          <a:p>
             <a:r>
               <a:rPr lang="zh-CN" altLang="en-US" sz="1400" dirty="0"/>
-              <a:t>、</a:t>
+              <a:t>安装并运行</a:t>
+            </a:r>
+            <a:r>
+              <a:rPr lang="en-US" altLang="zh-CN" sz="1400" dirty="0" err="1"/>
+              <a:t>az</a:t>
             </a:r>
             <a:r>
               <a:rPr lang="en-US" altLang="zh-CN" sz="1400" dirty="0"/>
-              <a:t>.</a:t>
-            </a:r>
-            <a:r>
-              <a:rPr lang="en-US" altLang="zh-CN" sz="1400" dirty="0" err="1"/>
-              <a:t>csproj</a:t>
+              <a:t> login</a:t>
             </a:r>
             <a:r>
               <a:rPr lang="zh-CN" altLang="en-US" sz="1400" dirty="0"/>
-              <a:t>文件的</a:t>
-            </a:r>
-            <a:r>
-              <a:rPr lang="en-US" altLang="zh-CN" sz="1400" dirty="0"/>
-              <a:t>&lt;</a:t>
-            </a:r>
-            <a:r>
-              <a:rPr lang="en-US" altLang="zh-CN" sz="1400" dirty="0" err="1"/>
-              <a:t>PropertyGroup</a:t>
-            </a:r>
-            <a:r>
-              <a:rPr lang="en-US" altLang="zh-CN" sz="1400" dirty="0"/>
-              <a:t>&gt;&lt;/</a:t>
-            </a:r>
-            <a:r>
-              <a:rPr lang="en-US" altLang="zh-CN" sz="1400" dirty="0" err="1"/>
-              <a:t>PropertyGroup</a:t>
-            </a:r>
-            <a:r>
-              <a:rPr lang="en-US" altLang="zh-CN" sz="1400" dirty="0"/>
-              <a:t>&gt;</a:t>
-            </a:r>
-            <a:r>
-              <a:rPr lang="zh-CN" altLang="en-US" sz="1400" dirty="0"/>
-              <a:t>节点中添加</a:t>
-            </a:r>
-          </a:p>
-          <a:p>
-            <a:pPr marL="0" indent="0">
-              <a:buNone/>
-            </a:pPr>
-            <a:r>
-              <a:rPr lang="en-US" altLang="zh-CN" sz="1400" dirty="0"/>
-              <a:t>  &lt;</a:t>
-            </a:r>
-            <a:r>
-              <a:rPr lang="en-US" altLang="zh-CN" sz="1400" dirty="0" err="1"/>
-              <a:t>UserSecretsId</a:t>
-            </a:r>
-            <a:r>
-              <a:rPr lang="en-US" altLang="zh-CN" sz="1400" dirty="0"/>
-              <a:t>&gt;</a:t>
-            </a:r>
-            <a:r>
-              <a:rPr lang="en-US" altLang="zh-CN" sz="1400" dirty="0" err="1"/>
-              <a:t>d7a40274-87df-43ba-999b-d8719940b7a7</a:t>
-            </a:r>
-            <a:r>
-              <a:rPr lang="en-US" altLang="zh-CN" sz="1400" dirty="0"/>
-              <a:t>&lt;/</a:t>
-            </a:r>
-            <a:r>
-              <a:rPr lang="en-US" altLang="zh-CN" sz="1400" dirty="0" err="1"/>
-              <a:t>UserSecretsId</a:t>
-            </a:r>
-            <a:r>
-              <a:rPr lang="en-US" altLang="zh-CN" sz="1400" dirty="0"/>
-              <a:t>&gt;</a:t>
-            </a:r>
-          </a:p>
-          <a:p>
-            <a:pPr marL="0" indent="0">
-              <a:buNone/>
-            </a:pPr>
-            <a:r>
-              <a:rPr lang="en-US" altLang="zh-CN" sz="1400" dirty="0"/>
-              <a:t>2</a:t>
-            </a:r>
-            <a:r>
-              <a:rPr lang="zh-CN" altLang="en-US" sz="1400" dirty="0"/>
-              <a:t>、操作机密文件</a:t>
-            </a:r>
-          </a:p>
-          <a:p>
-            <a:pPr marL="0" indent="0">
-              <a:buNone/>
-            </a:pPr>
-            <a:r>
-              <a:rPr lang="en-US" altLang="zh-CN" sz="1400" dirty="0"/>
-              <a:t>   a</a:t>
-            </a:r>
-            <a:r>
-              <a:rPr lang="zh-CN" altLang="en-US" sz="1400" dirty="0"/>
-              <a:t>、设置机密文件  </a:t>
-            </a:r>
-            <a:r>
-              <a:rPr lang="en-US" altLang="zh-CN" sz="1400" dirty="0"/>
-              <a:t>dotnet user-secrets set "</a:t>
-            </a:r>
-            <a:r>
-              <a:rPr lang="en-US" altLang="zh-CN" sz="1400" dirty="0" err="1"/>
-              <a:t>dbpassword</a:t>
-            </a:r>
-            <a:r>
-              <a:rPr lang="en-US" altLang="zh-CN" sz="1400" dirty="0"/>
-              <a:t>" "123456" --project ".</a:t>
-            </a:r>
-            <a:r>
-              <a:rPr lang="en-US" altLang="zh-CN" sz="1400" dirty="0" err="1"/>
-              <a:t>csproj</a:t>
-            </a:r>
-            <a:r>
-              <a:rPr lang="zh-CN" altLang="en-US" sz="1400" dirty="0"/>
-              <a:t>所在目录</a:t>
-            </a:r>
-            <a:r>
-              <a:rPr lang="en-US" altLang="zh-CN" sz="1400" dirty="0"/>
-              <a:t>"</a:t>
-            </a:r>
-          </a:p>
-          <a:p>
-            <a:pPr marL="0" indent="0">
-              <a:buNone/>
-            </a:pPr>
-            <a:r>
-              <a:rPr lang="en-US" altLang="zh-CN" sz="1400" dirty="0"/>
-              <a:t>   b</a:t>
-            </a:r>
-            <a:r>
-              <a:rPr lang="zh-CN" altLang="en-US" sz="1400" dirty="0"/>
-              <a:t>、设置多个机密文件  </a:t>
-            </a:r>
-            <a:r>
-              <a:rPr lang="en-US" altLang="zh-CN" sz="1400" dirty="0"/>
-              <a:t>type .\</a:t>
-            </a:r>
-            <a:r>
-              <a:rPr lang="en-US" altLang="zh-CN" sz="1400" dirty="0" err="1"/>
-              <a:t>input.json</a:t>
-            </a:r>
-            <a:r>
-              <a:rPr lang="en-US" altLang="zh-CN" sz="1400" dirty="0"/>
-              <a:t> | dotnet user-secrets set --project ".</a:t>
-            </a:r>
-            <a:r>
-              <a:rPr lang="en-US" altLang="zh-CN" sz="1400" dirty="0" err="1"/>
-              <a:t>csproj</a:t>
-            </a:r>
-            <a:r>
-              <a:rPr lang="zh-CN" altLang="en-US" sz="1400" dirty="0"/>
-              <a:t>所在目录</a:t>
-            </a:r>
-            <a:r>
-              <a:rPr lang="en-US" altLang="zh-CN" sz="1400" dirty="0"/>
-              <a:t>"</a:t>
-            </a:r>
-          </a:p>
-          <a:p>
-            <a:pPr marL="0" indent="0">
-              <a:buNone/>
-            </a:pPr>
-            <a:r>
-              <a:rPr lang="en-US" altLang="zh-CN" sz="1400" dirty="0"/>
-              <a:t>   c</a:t>
-            </a:r>
-            <a:r>
-              <a:rPr lang="zh-CN" altLang="en-US" sz="1400" dirty="0"/>
-              <a:t>、查看机密文件  </a:t>
-            </a:r>
-            <a:r>
-              <a:rPr lang="en-US" altLang="zh-CN" sz="1400" dirty="0"/>
-              <a:t>dotnet user-secrets list --project ".</a:t>
-            </a:r>
-            <a:r>
-              <a:rPr lang="en-US" altLang="zh-CN" sz="1400" dirty="0" err="1"/>
-              <a:t>csproj</a:t>
-            </a:r>
-            <a:r>
-              <a:rPr lang="zh-CN" altLang="en-US" sz="1400" dirty="0"/>
-              <a:t>所在目录</a:t>
-            </a:r>
-            <a:r>
-              <a:rPr lang="en-US" altLang="zh-CN" sz="1400" dirty="0"/>
-              <a:t>"</a:t>
-            </a:r>
-          </a:p>
-          <a:p>
-            <a:pPr marL="0" indent="0">
-              <a:buNone/>
-            </a:pPr>
-            <a:r>
-              <a:rPr lang="en-US" altLang="zh-CN" sz="1400" dirty="0"/>
-              <a:t>   d</a:t>
-            </a:r>
-            <a:r>
-              <a:rPr lang="zh-CN" altLang="en-US" sz="1400" dirty="0"/>
-              <a:t>、删除机密文件  </a:t>
-            </a:r>
-            <a:r>
-              <a:rPr lang="en-US" altLang="zh-CN" sz="1400" dirty="0"/>
-              <a:t>dotnet user-secrets remove "</a:t>
-            </a:r>
-            <a:r>
-              <a:rPr lang="en-US" altLang="zh-CN" sz="1400" dirty="0" err="1"/>
-              <a:t>dbpassword</a:t>
-            </a:r>
-            <a:r>
-              <a:rPr lang="en-US" altLang="zh-CN" sz="1400" dirty="0"/>
-              <a:t>"  --project ".</a:t>
-            </a:r>
-            <a:r>
-              <a:rPr lang="en-US" altLang="zh-CN" sz="1400" dirty="0" err="1"/>
-              <a:t>csproj</a:t>
-            </a:r>
-            <a:r>
-              <a:rPr lang="zh-CN" altLang="en-US" sz="1400" dirty="0"/>
-              <a:t>所在目录</a:t>
-            </a:r>
-            <a:r>
-              <a:rPr lang="en-US" altLang="zh-CN" sz="1400" dirty="0"/>
-              <a:t>"</a:t>
-            </a:r>
-          </a:p>
-          <a:p>
-            <a:pPr marL="0" indent="0">
-              <a:buNone/>
-            </a:pPr>
-            <a:r>
-              <a:rPr lang="en-US" altLang="zh-CN" sz="1400" dirty="0"/>
-              <a:t>   e</a:t>
-            </a:r>
-            <a:r>
-              <a:rPr lang="zh-CN" altLang="en-US" sz="1400" dirty="0"/>
-              <a:t>、删除所有机密文件 </a:t>
-            </a:r>
-            <a:r>
-              <a:rPr lang="en-US" altLang="zh-CN" sz="1400" dirty="0"/>
-              <a:t>dotnet user-secrets clear --project ".</a:t>
-            </a:r>
-            <a:r>
-              <a:rPr lang="en-US" altLang="zh-CN" sz="1400" dirty="0" err="1"/>
-              <a:t>csproj</a:t>
-            </a:r>
-            <a:r>
-              <a:rPr lang="zh-CN" altLang="en-US" sz="1400" dirty="0"/>
-              <a:t>所在目录</a:t>
-            </a:r>
-            <a:r>
-              <a:rPr lang="en-US" altLang="zh-CN" sz="1400" dirty="0"/>
-              <a:t>"</a:t>
-            </a:r>
-          </a:p>
-          <a:p>
-            <a:pPr marL="0" indent="0">
-              <a:buNone/>
-            </a:pPr>
-            <a:r>
-              <a:rPr lang="en-US" altLang="zh-CN" sz="1400" dirty="0"/>
-              <a:t>3</a:t>
-            </a:r>
-            <a:r>
-              <a:rPr lang="zh-CN" altLang="en-US" sz="1400" dirty="0"/>
-              <a:t>、</a:t>
-            </a:r>
-            <a:r>
-              <a:rPr lang="en-US" altLang="zh-CN" sz="1400" dirty="0" err="1"/>
-              <a:t>ConfigureServices</a:t>
-            </a:r>
-            <a:r>
-              <a:rPr lang="zh-CN" altLang="en-US" sz="1400" dirty="0"/>
-              <a:t>中读取</a:t>
-            </a:r>
-          </a:p>
-          <a:p>
-            <a:pPr marL="0" indent="0">
-              <a:buNone/>
-            </a:pPr>
-            <a:r>
-              <a:rPr lang="en-US" altLang="zh-CN" sz="1400" dirty="0"/>
-              <a:t>   var password = Configuration["</a:t>
-            </a:r>
-            <a:r>
-              <a:rPr lang="en-US" altLang="zh-CN" sz="1400" dirty="0" err="1"/>
-              <a:t>dbpassword</a:t>
-            </a:r>
-            <a:r>
-              <a:rPr lang="en-US" altLang="zh-CN" sz="1400" dirty="0"/>
-              <a:t>"];</a:t>
-            </a:r>
-            <a:endParaRPr lang="zh-CN" altLang="en-US" sz="1400" dirty="0"/>
-          </a:p>
-        </p:txBody>
-      </p:sp>
+              <a:t>进行登录</a:t>
+            </a:r>
+            <a:endParaRPr lang="en-US" altLang="zh-CN" sz="1400" dirty="0"/>
+          </a:p>
+        </p:txBody>
+      </p:sp>
+      <p:pic>
+        <p:nvPicPr>
+          <p:cNvPr id="5" name="图片 4">
+            <a:extLst>
+              <a:ext uri="{FF2B5EF4-FFF2-40B4-BE49-F238E27FC236}">
+                <a16:creationId xmlns:a16="http://schemas.microsoft.com/office/drawing/2014/main" id="{38653F5B-A6F8-45B4-B576-AAD23FCE1F80}"/>
+              </a:ext>
+            </a:extLst>
+          </p:cNvPr>
+          <p:cNvPicPr>
+            <a:picLocks noChangeAspect="1"/>
+          </p:cNvPicPr>
+          <p:nvPr/>
+        </p:nvPicPr>
+        <p:blipFill>
+          <a:blip r:embed="rId3"/>
+          <a:stretch>
+            <a:fillRect/>
+          </a:stretch>
+        </p:blipFill>
+        <p:spPr>
+          <a:xfrm>
+            <a:off x="1173512" y="2827148"/>
+            <a:ext cx="9173855" cy="2915057"/>
+          </a:xfrm>
+          <a:prstGeom prst="rect">
+            <a:avLst/>
+          </a:prstGeom>
+        </p:spPr>
+      </p:pic>
     </p:spTree>
     <p:extLst>
       <p:ext uri="{BB962C8B-B14F-4D97-AF65-F5344CB8AC3E}">
-        <p14:creationId xmlns:p14="http://schemas.microsoft.com/office/powerpoint/2010/main" val="731180852"/>
+        <p14:creationId xmlns:p14="http://schemas.microsoft.com/office/powerpoint/2010/main" val="1183203262"/>
       </p:ext>
     </p:extLst>
   </p:cSld>
@@ -3864,7 +3630,7 @@
             </a:r>
             <a:r>
               <a:rPr lang="zh-CN" altLang="en-US" dirty="0"/>
-              <a:t>自定义</a:t>
+              <a:t>机密文件</a:t>
             </a:r>
           </a:p>
         </p:txBody>
@@ -3901,153 +3667,40 @@
               <a:buNone/>
             </a:pPr>
             <a:r>
+              <a:rPr lang="en-US" altLang="zh-CN" sz="1400" dirty="0"/>
+              <a:t>1</a:t>
+            </a:r>
+            <a:r>
+              <a:rPr lang="zh-CN" altLang="en-US" sz="1400" dirty="0"/>
+              <a:t>、</a:t>
+            </a:r>
+            <a:r>
+              <a:rPr lang="en-US" altLang="zh-CN" sz="1400" dirty="0"/>
+              <a:t>.</a:t>
+            </a:r>
+            <a:r>
               <a:rPr lang="en-US" altLang="zh-CN" sz="1400" dirty="0" err="1"/>
-              <a:t>Asp.net</a:t>
+              <a:t>csproj</a:t>
             </a:r>
             <a:r>
               <a:rPr lang="zh-CN" altLang="en-US" sz="1400" dirty="0"/>
-              <a:t> </a:t>
+              <a:t>文件的</a:t>
             </a:r>
             <a:r>
               <a:rPr lang="en-US" altLang="zh-CN" sz="1400" dirty="0"/>
-              <a:t>core</a:t>
-            </a:r>
-            <a:r>
-              <a:rPr lang="zh-CN" altLang="en-US" sz="1400" dirty="0"/>
-              <a:t>中的配置文件是基于生成器模式（</a:t>
-            </a:r>
-            <a:r>
-              <a:rPr lang="zh-CN" altLang="en-US" sz="1400" i="1" u="sng" dirty="0"/>
-              <a:t>将复杂对象的建造过程抽象出来（抽象类别），使这个抽象过程的不同实现方法可以构造出不同表现（属性）的对象</a:t>
-            </a:r>
-            <a:r>
-              <a:rPr lang="zh-CN" altLang="en-US" sz="1400" dirty="0"/>
-              <a:t>）</a:t>
+              <a:t>&lt;</a:t>
+            </a:r>
+            <a:r>
+              <a:rPr lang="en-US" altLang="zh-CN" sz="1400" dirty="0" err="1"/>
+              <a:t>PropertyGroup</a:t>
             </a:r>
             <a:r>
               <a:rPr lang="en-US" altLang="zh-CN" sz="1400" dirty="0"/>
-              <a:t>,</a:t>
+              <a:t>&gt;&lt;/</a:t>
             </a:r>
             <a:r>
               <a:rPr lang="en-US" altLang="zh-CN" sz="1400" dirty="0" err="1"/>
-              <a:t>asp.net</a:t>
-            </a:r>
-            <a:r>
-              <a:rPr lang="en-US" altLang="zh-CN" sz="1400" dirty="0"/>
-              <a:t> core</a:t>
-            </a:r>
-            <a:r>
-              <a:rPr lang="zh-CN" altLang="en-US" sz="1400" dirty="0"/>
-              <a:t>中有两个生成器，一个是主机</a:t>
-            </a:r>
-            <a:r>
-              <a:rPr lang="en-US" altLang="zh-CN" sz="1400" dirty="0"/>
-              <a:t>(host)</a:t>
-            </a:r>
-            <a:r>
-              <a:rPr lang="zh-CN" altLang="en-US" sz="1400" dirty="0"/>
-              <a:t>的，一个应用程序</a:t>
-            </a:r>
-            <a:r>
-              <a:rPr lang="en-US" altLang="zh-CN" sz="1400" dirty="0"/>
-              <a:t>(application)</a:t>
-            </a:r>
-            <a:r>
-              <a:rPr lang="zh-CN" altLang="en-US" sz="1400" dirty="0"/>
-              <a:t>的</a:t>
-            </a:r>
-            <a:endParaRPr lang="en-US" altLang="zh-CN" sz="1400" dirty="0"/>
-          </a:p>
-          <a:p>
-            <a:pPr marL="0" indent="0">
-              <a:buNone/>
-            </a:pPr>
-            <a:endParaRPr lang="en-US" altLang="zh-CN" sz="1400" dirty="0"/>
-          </a:p>
-          <a:p>
-            <a:r>
-              <a:rPr lang="en-US" altLang="zh-CN" sz="1400" dirty="0" err="1"/>
-              <a:t>ConfigurationSource</a:t>
-            </a:r>
-            <a:endParaRPr lang="en-US" altLang="zh-CN" sz="1400" dirty="0"/>
-          </a:p>
-          <a:p>
-            <a:pPr marL="0" indent="0">
-              <a:buNone/>
-            </a:pPr>
-            <a:r>
-              <a:rPr lang="en-US" altLang="zh-CN" sz="1400" dirty="0"/>
-              <a:t>     </a:t>
-            </a:r>
-            <a:r>
-              <a:rPr lang="zh-CN" altLang="en-US" sz="1400" dirty="0"/>
-              <a:t>在建造过程中需要各种参数信息，</a:t>
-            </a:r>
-            <a:r>
-              <a:rPr lang="en-US" altLang="zh-CN" sz="1400" dirty="0" err="1"/>
-              <a:t>ConfigurationSource</a:t>
-            </a:r>
-            <a:r>
-              <a:rPr lang="zh-CN" altLang="en-US" sz="1400" dirty="0"/>
-              <a:t>是为获取这些参数而提供来源，比如文件源，内存源等</a:t>
-            </a:r>
-            <a:endParaRPr lang="en-US" altLang="zh-CN" sz="1400" dirty="0"/>
-          </a:p>
-          <a:p>
-            <a:endParaRPr lang="en-US" altLang="zh-CN" sz="1400" dirty="0"/>
-          </a:p>
-          <a:p>
-            <a:r>
-              <a:rPr lang="en-US" altLang="zh-CN" sz="1400" dirty="0" err="1"/>
-              <a:t>ConfigurationProvider</a:t>
-            </a:r>
-            <a:endParaRPr lang="en-US" altLang="zh-CN" sz="1400" dirty="0"/>
-          </a:p>
-          <a:p>
-            <a:pPr marL="0" indent="0">
-              <a:buNone/>
-            </a:pPr>
-            <a:r>
-              <a:rPr lang="en-US" altLang="zh-CN" sz="1400" dirty="0"/>
-              <a:t>     </a:t>
-            </a:r>
-            <a:r>
-              <a:rPr lang="zh-CN" altLang="en-US" sz="1400" dirty="0"/>
-              <a:t>建造所需参数的提供者，依据</a:t>
-            </a:r>
-            <a:r>
-              <a:rPr lang="en-US" altLang="zh-CN" sz="1400" dirty="0" err="1"/>
-              <a:t>ConfigurationSource</a:t>
-            </a:r>
-            <a:r>
-              <a:rPr lang="zh-CN" altLang="en-US" sz="1400" dirty="0"/>
-              <a:t>来完成提供</a:t>
-            </a:r>
-            <a:endParaRPr lang="en-US" altLang="zh-CN" sz="1400" dirty="0"/>
-          </a:p>
-          <a:p>
-            <a:endParaRPr lang="en-US" altLang="zh-CN" sz="1400" dirty="0"/>
-          </a:p>
-          <a:p>
-            <a:r>
-              <a:rPr lang="zh-CN" altLang="en-US" sz="1400" dirty="0"/>
-              <a:t>需要把</a:t>
-            </a:r>
-            <a:r>
-              <a:rPr lang="en-US" altLang="zh-CN" sz="1400" dirty="0" err="1"/>
-              <a:t>ConfigurationSource</a:t>
-            </a:r>
-            <a:r>
-              <a:rPr lang="zh-CN" altLang="en-US" sz="1400" dirty="0"/>
-              <a:t>或</a:t>
-            </a:r>
-            <a:r>
-              <a:rPr lang="en-US" altLang="zh-CN" sz="1400" dirty="0"/>
-              <a:t>Action&lt;</a:t>
-            </a:r>
-            <a:r>
-              <a:rPr lang="en-US" altLang="zh-CN" sz="1400" dirty="0" err="1"/>
-              <a:t>ConfigurationSource</a:t>
+              <a:t>PropertyGroup</a:t>
             </a:r>
             <a:r>
               <a:rPr lang="en-US" altLang="zh-CN" sz="1400" dirty="0"/>
@@ -4055,91 +3708,261 @@
             </a:r>
             <a:r>
               <a:rPr lang="zh-CN" altLang="en-US" sz="1400" dirty="0"/>
-              <a:t>添加到</a:t>
-            </a:r>
-            <a:r>
-              <a:rPr lang="zh-CN" altLang="en-US" sz="1400" b="1" dirty="0"/>
-              <a:t>应用配置</a:t>
+              <a:t>节点中添加</a:t>
+            </a:r>
+          </a:p>
+          <a:p>
+            <a:pPr marL="0" indent="0">
+              <a:buNone/>
+            </a:pPr>
+            <a:r>
+              <a:rPr lang="en-US" altLang="zh-CN" sz="1400" dirty="0"/>
+              <a:t>  &lt;</a:t>
+            </a:r>
+            <a:r>
+              <a:rPr lang="en-US" altLang="zh-CN" sz="1400" dirty="0" err="1"/>
+              <a:t>UserSecretsId</a:t>
+            </a:r>
+            <a:r>
+              <a:rPr lang="en-US" altLang="zh-CN" sz="1400" dirty="0"/>
+              <a:t>&gt;</a:t>
+            </a:r>
+            <a:r>
+              <a:rPr lang="en-US" altLang="zh-CN" sz="1400" dirty="0" err="1"/>
+              <a:t>d7a40274-87df-43ba-999b-d8719940b7a7</a:t>
+            </a:r>
+            <a:r>
+              <a:rPr lang="en-US" altLang="zh-CN" sz="1400" dirty="0"/>
+              <a:t>&lt;/</a:t>
+            </a:r>
+            <a:r>
+              <a:rPr lang="en-US" altLang="zh-CN" sz="1400" dirty="0" err="1"/>
+              <a:t>UserSecretsId</a:t>
+            </a:r>
+            <a:r>
+              <a:rPr lang="en-US" altLang="zh-CN" sz="1400" dirty="0"/>
+              <a:t>&gt;</a:t>
+            </a:r>
+          </a:p>
+          <a:p>
+            <a:pPr marL="0" indent="0">
+              <a:buNone/>
+            </a:pPr>
+            <a:r>
+              <a:rPr lang="en-US" altLang="zh-CN" sz="1400" dirty="0"/>
+              <a:t>2</a:t>
             </a:r>
             <a:r>
               <a:rPr lang="zh-CN" altLang="en-US" sz="1400" dirty="0"/>
-              <a:t>构建对象中，在</a:t>
-            </a:r>
-            <a:r>
-              <a:rPr lang="zh-CN" altLang="en-US" sz="1400" b="1" dirty="0"/>
-              <a:t>主机构建时</a:t>
+              <a:t>、操作机密文件</a:t>
+            </a:r>
+          </a:p>
+          <a:p>
+            <a:pPr marL="0" indent="0">
+              <a:buNone/>
+            </a:pPr>
+            <a:r>
+              <a:rPr lang="en-US" altLang="zh-CN" sz="1400" dirty="0"/>
+              <a:t>   a</a:t>
             </a:r>
             <a:r>
               <a:rPr lang="zh-CN" altLang="en-US" sz="1400" dirty="0"/>
-              <a:t>会调用</a:t>
+              <a:t>、设置机密文件  </a:t>
             </a:r>
             <a:r>
               <a:rPr lang="en-US" altLang="zh-CN" sz="1400" dirty="0"/>
-              <a:t>Configuration</a:t>
+              <a:t>dotnet user-secrets set "</a:t>
+            </a:r>
+            <a:r>
+              <a:rPr lang="en-US" altLang="zh-CN" sz="1400" dirty="0" err="1"/>
+              <a:t>dbpassword</a:t>
+            </a:r>
+            <a:r>
+              <a:rPr lang="en-US" altLang="zh-CN" sz="1400" dirty="0"/>
+              <a:t>" "123456" --project ".</a:t>
+            </a:r>
+            <a:r>
+              <a:rPr lang="en-US" altLang="zh-CN" sz="1400" dirty="0" err="1"/>
+              <a:t>csproj</a:t>
             </a:r>
             <a:r>
               <a:rPr lang="zh-CN" altLang="en-US" sz="1400" dirty="0"/>
-              <a:t>的</a:t>
+              <a:t>所在目录</a:t>
             </a:r>
             <a:r>
               <a:rPr lang="en-US" altLang="zh-CN" sz="1400" dirty="0"/>
-              <a:t>Build</a:t>
+              <a:t>"</a:t>
+            </a:r>
+          </a:p>
+          <a:p>
+            <a:pPr marL="0" indent="0">
+              <a:buNone/>
+            </a:pPr>
+            <a:r>
+              <a:rPr lang="en-US" altLang="zh-CN" sz="1400" dirty="0"/>
+              <a:t>   b</a:t>
             </a:r>
             <a:r>
               <a:rPr lang="zh-CN" altLang="en-US" sz="1400" dirty="0"/>
-              <a:t>，然后调用</a:t>
+              <a:t>、设置多个机密文件  </a:t>
+            </a:r>
+            <a:r>
+              <a:rPr lang="en-US" altLang="zh-CN" sz="1400" dirty="0"/>
+              <a:t>type .\</a:t>
             </a:r>
             <a:r>
               <a:rPr lang="en-US" altLang="zh-CN" sz="1400" dirty="0" err="1"/>
-              <a:t>ConfigurationSource</a:t>
+              <a:t>input.json</a:t>
+            </a:r>
+            <a:r>
+              <a:rPr lang="en-US" altLang="zh-CN" sz="1400" dirty="0"/>
+              <a:t> | dotnet user-secrets set --project ".</a:t>
+            </a:r>
+            <a:r>
+              <a:rPr lang="en-US" altLang="zh-CN" sz="1400" dirty="0" err="1"/>
+              <a:t>csproj</a:t>
             </a:r>
             <a:r>
               <a:rPr lang="zh-CN" altLang="en-US" sz="1400" dirty="0"/>
-              <a:t>的</a:t>
+              <a:t>所在目录</a:t>
             </a:r>
             <a:r>
               <a:rPr lang="en-US" altLang="zh-CN" sz="1400" dirty="0"/>
-              <a:t>Build</a:t>
+              <a:t>"</a:t>
+            </a:r>
+          </a:p>
+          <a:p>
+            <a:pPr marL="0" indent="0">
+              <a:buNone/>
+            </a:pPr>
+            <a:r>
+              <a:rPr lang="en-US" altLang="zh-CN" sz="1400" dirty="0"/>
+              <a:t>   c</a:t>
             </a:r>
             <a:r>
               <a:rPr lang="zh-CN" altLang="en-US" sz="1400" dirty="0"/>
-              <a:t>，然后调用</a:t>
+              <a:t>、查看机密文件  </a:t>
+            </a:r>
+            <a:r>
+              <a:rPr lang="en-US" altLang="zh-CN" sz="1400" dirty="0"/>
+              <a:t>dotnet user-secrets list --project ".</a:t>
             </a:r>
             <a:r>
               <a:rPr lang="en-US" altLang="zh-CN" sz="1400" dirty="0" err="1"/>
-              <a:t>ConfigurationProvider</a:t>
+              <a:t>csproj</a:t>
             </a:r>
             <a:r>
               <a:rPr lang="zh-CN" altLang="en-US" sz="1400" dirty="0"/>
-              <a:t>的</a:t>
+              <a:t>所在目录</a:t>
             </a:r>
             <a:r>
               <a:rPr lang="en-US" altLang="zh-CN" sz="1400" dirty="0"/>
-              <a:t>Load</a:t>
+              <a:t>"</a:t>
+            </a:r>
+          </a:p>
+          <a:p>
+            <a:pPr marL="0" indent="0">
+              <a:buNone/>
+            </a:pPr>
+            <a:r>
+              <a:rPr lang="en-US" altLang="zh-CN" sz="1400" dirty="0"/>
+              <a:t>   d</a:t>
             </a:r>
             <a:r>
               <a:rPr lang="zh-CN" altLang="en-US" sz="1400" dirty="0"/>
-              <a:t>，来填充</a:t>
+              <a:t>、删除机密文件  </a:t>
+            </a:r>
+            <a:r>
+              <a:rPr lang="en-US" altLang="zh-CN" sz="1400" dirty="0"/>
+              <a:t>dotnet user-secrets remove "</a:t>
             </a:r>
             <a:r>
               <a:rPr lang="en-US" altLang="zh-CN" sz="1400" dirty="0" err="1"/>
-              <a:t>ConfigurationProvider</a:t>
+              <a:t>dbpassword</a:t>
+            </a:r>
+            <a:r>
+              <a:rPr lang="en-US" altLang="zh-CN" sz="1400" dirty="0"/>
+              <a:t>"  --project ".</a:t>
+            </a:r>
+            <a:r>
+              <a:rPr lang="en-US" altLang="zh-CN" sz="1400" dirty="0" err="1"/>
+              <a:t>csproj</a:t>
             </a:r>
             <a:r>
               <a:rPr lang="zh-CN" altLang="en-US" sz="1400" dirty="0"/>
-              <a:t>中的</a:t>
+              <a:t>所在目录</a:t>
             </a:r>
             <a:r>
               <a:rPr lang="en-US" altLang="zh-CN" sz="1400" dirty="0"/>
-              <a:t>Data</a:t>
+              <a:t>"</a:t>
+            </a:r>
+          </a:p>
+          <a:p>
+            <a:pPr marL="0" indent="0">
+              <a:buNone/>
+            </a:pPr>
+            <a:r>
+              <a:rPr lang="en-US" altLang="zh-CN" sz="1400" dirty="0"/>
+              <a:t>   e</a:t>
             </a:r>
             <a:r>
               <a:rPr lang="zh-CN" altLang="en-US" sz="1400" dirty="0"/>
-              <a:t>字典。</a:t>
-            </a:r>
-            <a:endParaRPr lang="en-US" altLang="zh-CN" sz="1400" dirty="0"/>
-          </a:p>
-          <a:p>
+              <a:t>、删除所有机密文件 </a:t>
+            </a:r>
+            <a:r>
+              <a:rPr lang="en-US" altLang="zh-CN" sz="1400" dirty="0"/>
+              <a:t>dotnet user-secrets clear --project ".</a:t>
+            </a:r>
+            <a:r>
+              <a:rPr lang="en-US" altLang="zh-CN" sz="1400" dirty="0" err="1"/>
+              <a:t>csproj</a:t>
+            </a:r>
+            <a:r>
+              <a:rPr lang="zh-CN" altLang="en-US" sz="1400" dirty="0"/>
+              <a:t>所在目录</a:t>
+            </a:r>
+            <a:r>
+              <a:rPr lang="en-US" altLang="zh-CN" sz="1400" dirty="0"/>
+              <a:t>"</a:t>
+            </a:r>
+          </a:p>
+          <a:p>
+            <a:pPr marL="0" indent="0">
+              <a:buNone/>
+            </a:pPr>
+            <a:r>
+              <a:rPr lang="en-US" altLang="zh-CN" sz="1400" dirty="0"/>
+              <a:t>3</a:t>
+            </a:r>
+            <a:r>
+              <a:rPr lang="zh-CN" altLang="en-US" sz="1400" dirty="0"/>
+              <a:t>、</a:t>
+            </a:r>
+            <a:r>
+              <a:rPr lang="en-US" altLang="zh-CN" sz="1400" dirty="0" err="1"/>
+              <a:t>ConfigureServices</a:t>
+            </a:r>
+            <a:r>
+              <a:rPr lang="zh-CN" altLang="en-US" sz="1400" dirty="0"/>
+              <a:t>中读取</a:t>
+            </a:r>
+          </a:p>
+          <a:p>
+            <a:pPr marL="0" indent="0">
+              <a:buNone/>
+            </a:pPr>
+            <a:r>
+              <a:rPr lang="en-US" altLang="zh-CN" sz="1400" dirty="0"/>
+              <a:t>   var password = Configuration["</a:t>
+            </a:r>
+            <a:r>
+              <a:rPr lang="en-US" altLang="zh-CN" sz="1400" dirty="0" err="1"/>
+              <a:t>dbpassword</a:t>
+            </a:r>
+            <a:r>
+              <a:rPr lang="en-US" altLang="zh-CN" sz="1400" dirty="0"/>
+              <a:t>"];</a:t>
+            </a:r>
             <a:endParaRPr lang="zh-CN" altLang="en-US" sz="1400" dirty="0"/>
           </a:p>
         </p:txBody>
@@ -4147,7 +3970,7 @@
     </p:spTree>
     <p:extLst>
       <p:ext uri="{BB962C8B-B14F-4D97-AF65-F5344CB8AC3E}">
-        <p14:creationId xmlns:p14="http://schemas.microsoft.com/office/powerpoint/2010/main" val="4209516520"/>
+        <p14:creationId xmlns:p14="http://schemas.microsoft.com/office/powerpoint/2010/main" val="731180852"/>
       </p:ext>
     </p:extLst>
   </p:cSld>
@@ -4196,10 +4019,13 @@
           <a:lstStyle/>
           <a:p>
             <a:r>
-              <a:rPr lang="en-US" altLang="zh-CN" dirty="0" err="1"/>
-              <a:t>Authentication&amp;Authorization</a:t>
-            </a:r>
-            <a:endParaRPr lang="zh-CN" altLang="en-US" dirty="0"/>
+              <a:rPr lang="en-US" altLang="zh-CN" dirty="0"/>
+              <a:t>Configuration-</a:t>
+            </a:r>
+            <a:r>
+              <a:rPr lang="zh-CN" altLang="en-US" dirty="0"/>
+              <a:t>自定义</a:t>
+            </a:r>
           </a:p>
         </p:txBody>
       </p:sp>
@@ -4231,56 +4057,257 @@
           </a:bodyPr>
           <a:lstStyle/>
           <a:p>
+            <a:pPr marL="0" indent="0">
+              <a:buNone/>
+            </a:pPr>
+            <a:r>
+              <a:rPr lang="en-US" altLang="zh-CN" sz="1400" dirty="0" err="1"/>
+              <a:t>Asp.net</a:t>
+            </a:r>
             <a:r>
               <a:rPr lang="zh-CN" altLang="en-US" sz="1400" dirty="0"/>
-              <a:t>基于</a:t>
+              <a:t> </a:t>
             </a:r>
             <a:r>
               <a:rPr lang="en-US" altLang="zh-CN" sz="1400" dirty="0"/>
-              <a:t>cookie</a:t>
+              <a:t>core</a:t>
             </a:r>
             <a:r>
               <a:rPr lang="zh-CN" altLang="en-US" sz="1400" dirty="0"/>
-              <a:t>固定角度授权验证</a:t>
+              <a:t>中的配置文件是基于生成器模式（</a:t>
+            </a:r>
+            <a:r>
+              <a:rPr lang="zh-CN" altLang="en-US" sz="1400" i="1" u="sng" dirty="0"/>
+              <a:t>将复杂对象的建造过程抽象出来（抽象类别），使这个抽象过程的不同实现方法可以构造出不同表现（属性）的对象</a:t>
+            </a:r>
+            <a:r>
+              <a:rPr lang="zh-CN" altLang="en-US" sz="1400" dirty="0"/>
+              <a:t>）</a:t>
+            </a:r>
+            <a:r>
+              <a:rPr lang="en-US" altLang="zh-CN" sz="1400" dirty="0"/>
+              <a:t>,</a:t>
+            </a:r>
+            <a:r>
+              <a:rPr lang="en-US" altLang="zh-CN" sz="1400" dirty="0" err="1"/>
+              <a:t>asp.net</a:t>
+            </a:r>
+            <a:r>
+              <a:rPr lang="en-US" altLang="zh-CN" sz="1400" dirty="0"/>
+              <a:t> core</a:t>
+            </a:r>
+            <a:r>
+              <a:rPr lang="zh-CN" altLang="en-US" sz="1400" dirty="0"/>
+              <a:t>中有两个生成器，一个是主机</a:t>
+            </a:r>
+            <a:r>
+              <a:rPr lang="en-US" altLang="zh-CN" sz="1400" dirty="0"/>
+              <a:t>(host)</a:t>
+            </a:r>
+            <a:r>
+              <a:rPr lang="zh-CN" altLang="en-US" sz="1400" dirty="0"/>
+              <a:t>的，一个应用程序</a:t>
+            </a:r>
+            <a:r>
+              <a:rPr lang="en-US" altLang="zh-CN" sz="1400" dirty="0"/>
+              <a:t>(application)</a:t>
+            </a:r>
+            <a:r>
+              <a:rPr lang="zh-CN" altLang="en-US" sz="1400" dirty="0"/>
+              <a:t>的</a:t>
             </a:r>
             <a:endParaRPr lang="en-US" altLang="zh-CN" sz="1400" dirty="0"/>
           </a:p>
           <a:p>
+            <a:pPr marL="0" indent="0">
+              <a:buNone/>
+            </a:pPr>
+            <a:endParaRPr lang="en-US" altLang="zh-CN" sz="1400" dirty="0"/>
+          </a:p>
+          <a:p>
+            <a:r>
+              <a:rPr lang="en-US" altLang="zh-CN" sz="1400" dirty="0" err="1"/>
+              <a:t>ConfigurationSource</a:t>
+            </a:r>
+            <a:endParaRPr lang="en-US" altLang="zh-CN" sz="1400" dirty="0"/>
+          </a:p>
+          <a:p>
+            <a:pPr marL="0" indent="0">
+              <a:buNone/>
+            </a:pPr>
+            <a:r>
+              <a:rPr lang="en-US" altLang="zh-CN" sz="1400" dirty="0"/>
+              <a:t>     </a:t>
+            </a:r>
             <a:r>
               <a:rPr lang="zh-CN" altLang="en-US" sz="1400" dirty="0"/>
-              <a:t>基于</a:t>
-            </a:r>
+              <a:t>在建造过程中需要各种参数信息，</a:t>
+            </a:r>
+            <a:r>
+              <a:rPr lang="en-US" altLang="zh-CN" sz="1400" dirty="0" err="1"/>
+              <a:t>ConfigurationSource</a:t>
+            </a:r>
+            <a:r>
+              <a:rPr lang="zh-CN" altLang="en-US" sz="1400" dirty="0"/>
+              <a:t>是为获取这些参数而提供来源，比如文件源，内存源等</a:t>
+            </a:r>
+            <a:endParaRPr lang="en-US" altLang="zh-CN" sz="1400" dirty="0"/>
+          </a:p>
+          <a:p>
+            <a:endParaRPr lang="en-US" altLang="zh-CN" sz="1400" dirty="0"/>
+          </a:p>
+          <a:p>
+            <a:r>
+              <a:rPr lang="en-US" altLang="zh-CN" sz="1400" dirty="0" err="1"/>
+              <a:t>ConfigurationProvider</a:t>
+            </a:r>
+            <a:endParaRPr lang="en-US" altLang="zh-CN" sz="1400" dirty="0"/>
+          </a:p>
+          <a:p>
+            <a:pPr marL="0" indent="0">
+              <a:buNone/>
+            </a:pPr>
             <a:r>
               <a:rPr lang="en-US" altLang="zh-CN" sz="1400" dirty="0"/>
-              <a:t>cookie</a:t>
+              <a:t>     </a:t>
             </a:r>
             <a:r>
               <a:rPr lang="zh-CN" altLang="en-US" sz="1400" dirty="0"/>
-              <a:t>自定义策略授权验证</a:t>
+              <a:t>建造所需参数的提供者，依据</a:t>
+            </a:r>
+            <a:r>
+              <a:rPr lang="en-US" altLang="zh-CN" sz="1400" dirty="0" err="1"/>
+              <a:t>ConfigurationSource</a:t>
+            </a:r>
+            <a:r>
+              <a:rPr lang="zh-CN" altLang="en-US" sz="1400" dirty="0"/>
+              <a:t>来完成提供</a:t>
             </a:r>
             <a:endParaRPr lang="en-US" altLang="zh-CN" sz="1400" dirty="0"/>
           </a:p>
           <a:p>
+            <a:endParaRPr lang="en-US" altLang="zh-CN" sz="1400" dirty="0"/>
+          </a:p>
+          <a:p>
             <a:r>
               <a:rPr lang="zh-CN" altLang="en-US" sz="1400" dirty="0"/>
-              <a:t>基于</a:t>
+              <a:t>需要把</a:t>
             </a:r>
             <a:r>
               <a:rPr lang="en-US" altLang="zh-CN" sz="1400" dirty="0" err="1"/>
-              <a:t>jwt</a:t>
+              <a:t>ConfigurationSource</a:t>
             </a:r>
             <a:r>
               <a:rPr lang="zh-CN" altLang="en-US" sz="1400" dirty="0"/>
-              <a:t>自定义策略授权验证</a:t>
+              <a:t>或</a:t>
+            </a:r>
+            <a:r>
+              <a:rPr lang="en-US" altLang="zh-CN" sz="1400" dirty="0"/>
+              <a:t>Action&lt;</a:t>
+            </a:r>
+            <a:r>
+              <a:rPr lang="en-US" altLang="zh-CN" sz="1400" dirty="0" err="1"/>
+              <a:t>ConfigurationSource</a:t>
+            </a:r>
+            <a:r>
+              <a:rPr lang="en-US" altLang="zh-CN" sz="1400" dirty="0"/>
+              <a:t>&gt;</a:t>
+            </a:r>
+            <a:r>
+              <a:rPr lang="zh-CN" altLang="en-US" sz="1400" dirty="0"/>
+              <a:t>添加到</a:t>
+            </a:r>
+            <a:r>
+              <a:rPr lang="zh-CN" altLang="en-US" sz="1400" b="1" dirty="0"/>
+              <a:t>应用配置</a:t>
+            </a:r>
+            <a:r>
+              <a:rPr lang="zh-CN" altLang="en-US" sz="1400" dirty="0"/>
+              <a:t>构建对象中，在</a:t>
+            </a:r>
+            <a:r>
+              <a:rPr lang="zh-CN" altLang="en-US" sz="1400" b="1" dirty="0"/>
+              <a:t>主机构建时</a:t>
+            </a:r>
+            <a:r>
+              <a:rPr lang="zh-CN" altLang="en-US" sz="1400" dirty="0"/>
+              <a:t>会调用</a:t>
+            </a:r>
+            <a:r>
+              <a:rPr lang="en-US" altLang="zh-CN" sz="1400" dirty="0"/>
+              <a:t>Configuration</a:t>
+            </a:r>
+            <a:r>
+              <a:rPr lang="zh-CN" altLang="en-US" sz="1400" dirty="0"/>
+              <a:t>的</a:t>
+            </a:r>
+            <a:r>
+              <a:rPr lang="en-US" altLang="zh-CN" sz="1400" dirty="0"/>
+              <a:t>Build</a:t>
+            </a:r>
+            <a:r>
+              <a:rPr lang="zh-CN" altLang="en-US" sz="1400" dirty="0"/>
+              <a:t>，然后调用</a:t>
+            </a:r>
+            <a:r>
+              <a:rPr lang="en-US" altLang="zh-CN" sz="1400" dirty="0" err="1"/>
+              <a:t>ConfigurationSource</a:t>
+            </a:r>
+            <a:r>
+              <a:rPr lang="zh-CN" altLang="en-US" sz="1400" dirty="0"/>
+              <a:t>的</a:t>
+            </a:r>
+            <a:r>
+              <a:rPr lang="en-US" altLang="zh-CN" sz="1400" dirty="0"/>
+              <a:t>Build</a:t>
+            </a:r>
+            <a:r>
+              <a:rPr lang="zh-CN" altLang="en-US" sz="1400" dirty="0"/>
+              <a:t>，然后调用</a:t>
+            </a:r>
+            <a:r>
+              <a:rPr lang="en-US" altLang="zh-CN" sz="1400" dirty="0" err="1"/>
+              <a:t>ConfigurationProvider</a:t>
+            </a:r>
+            <a:r>
+              <a:rPr lang="zh-CN" altLang="en-US" sz="1400" dirty="0"/>
+              <a:t>的</a:t>
+            </a:r>
+            <a:r>
+              <a:rPr lang="en-US" altLang="zh-CN" sz="1400" dirty="0"/>
+              <a:t>Load</a:t>
+            </a:r>
+            <a:r>
+              <a:rPr lang="zh-CN" altLang="en-US" sz="1400" dirty="0"/>
+              <a:t>，来填充</a:t>
+            </a:r>
+            <a:r>
+              <a:rPr lang="en-US" altLang="zh-CN" sz="1400" dirty="0" err="1"/>
+              <a:t>ConfigurationProvider</a:t>
+            </a:r>
+            <a:r>
+              <a:rPr lang="zh-CN" altLang="en-US" sz="1400" dirty="0"/>
+              <a:t>中的</a:t>
+            </a:r>
+            <a:r>
+              <a:rPr lang="en-US" altLang="zh-CN" sz="1400" dirty="0"/>
+              <a:t>Data</a:t>
+            </a:r>
+            <a:r>
+              <a:rPr lang="zh-CN" altLang="en-US" sz="1400" dirty="0"/>
+              <a:t>字典。</a:t>
             </a:r>
             <a:endParaRPr lang="en-US" altLang="zh-CN" sz="1400" dirty="0"/>
+          </a:p>
+          <a:p>
+            <a:endParaRPr lang="zh-CN" altLang="en-US" sz="1400" dirty="0"/>
           </a:p>
         </p:txBody>
       </p:sp>
     </p:spTree>
     <p:extLst>
       <p:ext uri="{BB962C8B-B14F-4D97-AF65-F5344CB8AC3E}">
-        <p14:creationId xmlns:p14="http://schemas.microsoft.com/office/powerpoint/2010/main" val="3489913332"/>
+        <p14:creationId xmlns:p14="http://schemas.microsoft.com/office/powerpoint/2010/main" val="4209516520"/>
       </p:ext>
     </p:extLst>
   </p:cSld>
@@ -4330,7 +4357,7 @@
           <a:p>
             <a:r>
               <a:rPr lang="en-US" altLang="zh-CN" dirty="0" err="1"/>
-              <a:t>HttpClient</a:t>
+              <a:t>Authentication&amp;Authorization</a:t>
             </a:r>
             <a:endParaRPr lang="zh-CN" altLang="en-US" dirty="0"/>
           </a:p>
@@ -4365,50 +4392,55 @@
           <a:lstStyle/>
           <a:p>
             <a:r>
-              <a:rPr lang="zh-CN" altLang="en-US" sz="1400" dirty="0"/>
-              <a:t>基本用法</a:t>
-            </a:r>
-            <a:endParaRPr lang="en-US" altLang="zh-CN" sz="1400" dirty="0"/>
-          </a:p>
-          <a:p>
-            <a:r>
-              <a:rPr lang="zh-CN" altLang="en-US" sz="1400" dirty="0"/>
-              <a:t>命名</a:t>
-            </a:r>
-            <a:r>
-              <a:rPr lang="en-US" altLang="zh-CN" sz="1400" dirty="0" err="1"/>
-              <a:t>HttpClient</a:t>
-            </a:r>
-            <a:endParaRPr lang="en-US" altLang="zh-CN" sz="1400" dirty="0"/>
-          </a:p>
-          <a:p>
-            <a:r>
-              <a:rPr lang="zh-CN" altLang="en-US" sz="1400" dirty="0"/>
-              <a:t>类型化</a:t>
-            </a:r>
-            <a:r>
-              <a:rPr lang="en-US" altLang="zh-CN" sz="1400" dirty="0" err="1"/>
-              <a:t>HttpClient</a:t>
-            </a:r>
-            <a:endParaRPr lang="en-US" altLang="zh-CN" sz="1400" dirty="0"/>
-          </a:p>
-          <a:p>
-            <a:r>
-              <a:rPr lang="zh-CN" altLang="en-US" sz="1400" dirty="0"/>
-              <a:t>容错</a:t>
-            </a:r>
-            <a:r>
-              <a:rPr lang="en-US" altLang="zh-CN" sz="1400" dirty="0" err="1"/>
-              <a:t>HttpClient</a:t>
-            </a:r>
-            <a:endParaRPr lang="en-US" altLang="zh-CN" sz="1400" dirty="0"/>
+              <a:rPr lang="zh-CN" altLang="en-US" sz="1600" dirty="0"/>
+              <a:t>基于</a:t>
+            </a:r>
+            <a:r>
+              <a:rPr lang="en-US" altLang="zh-CN" sz="1600" dirty="0"/>
+              <a:t>cookie</a:t>
+            </a:r>
+            <a:r>
+              <a:rPr lang="zh-CN" altLang="en-US" sz="1600" dirty="0"/>
+              <a:t>固定角度授权验证</a:t>
+            </a:r>
+            <a:endParaRPr lang="en-US" altLang="zh-CN" sz="1600" dirty="0"/>
+          </a:p>
+          <a:p>
+            <a:r>
+              <a:rPr lang="zh-CN" altLang="en-US" sz="1600" dirty="0"/>
+              <a:t>基于</a:t>
+            </a:r>
+            <a:r>
+              <a:rPr lang="en-US" altLang="zh-CN" sz="1600" dirty="0"/>
+              <a:t>cookie</a:t>
+            </a:r>
+            <a:r>
+              <a:rPr lang="zh-CN" altLang="en-US" sz="1600" dirty="0"/>
+              <a:t>自定义策略授权验证</a:t>
+            </a:r>
+            <a:endParaRPr lang="en-US" altLang="zh-CN" sz="1600" dirty="0"/>
+          </a:p>
+          <a:p>
+            <a:r>
+              <a:rPr lang="zh-CN" altLang="en-US" sz="1600" dirty="0"/>
+              <a:t>基于</a:t>
+            </a:r>
+            <a:r>
+              <a:rPr lang="en-US" altLang="zh-CN" sz="1600" dirty="0" err="1"/>
+              <a:t>jwt</a:t>
+            </a:r>
+            <a:r>
+              <a:rPr lang="zh-CN" altLang="en-US" sz="1600" dirty="0"/>
+              <a:t>自定义策略授权验证</a:t>
+            </a:r>
+            <a:endParaRPr lang="en-US" altLang="zh-CN" sz="1600" dirty="0"/>
           </a:p>
         </p:txBody>
       </p:sp>
     </p:spTree>
     <p:extLst>
       <p:ext uri="{BB962C8B-B14F-4D97-AF65-F5344CB8AC3E}">
-        <p14:creationId xmlns:p14="http://schemas.microsoft.com/office/powerpoint/2010/main" val="814465082"/>
+        <p14:creationId xmlns:p14="http://schemas.microsoft.com/office/powerpoint/2010/main" val="3489913332"/>
       </p:ext>
     </p:extLst>
   </p:cSld>
@@ -4493,43 +4525,43 @@
           <a:lstStyle/>
           <a:p>
             <a:r>
-              <a:rPr lang="zh-CN" altLang="en-US" sz="1400" dirty="0"/>
+              <a:rPr lang="zh-CN" altLang="en-US" sz="1600" dirty="0"/>
               <a:t>全局资源</a:t>
             </a:r>
-            <a:endParaRPr lang="en-US" altLang="zh-CN" sz="1400" dirty="0"/>
-          </a:p>
-          <a:p>
-            <a:r>
-              <a:rPr lang="en-US" altLang="zh-CN" sz="1400" dirty="0"/>
+            <a:endParaRPr lang="en-US" altLang="zh-CN" sz="1600" dirty="0"/>
+          </a:p>
+          <a:p>
+            <a:r>
+              <a:rPr lang="en-US" altLang="zh-CN" sz="1600" dirty="0"/>
               <a:t>Controller</a:t>
             </a:r>
             <a:r>
-              <a:rPr lang="zh-CN" altLang="en-US" sz="1400" dirty="0"/>
+              <a:rPr lang="zh-CN" altLang="en-US" sz="1600" dirty="0"/>
               <a:t>资源</a:t>
             </a:r>
-            <a:endParaRPr lang="en-US" altLang="zh-CN" sz="1400" dirty="0"/>
-          </a:p>
-          <a:p>
-            <a:r>
-              <a:rPr lang="en-US" altLang="zh-CN" sz="1400" dirty="0"/>
+            <a:endParaRPr lang="en-US" altLang="zh-CN" sz="1600" dirty="0"/>
+          </a:p>
+          <a:p>
+            <a:r>
+              <a:rPr lang="en-US" altLang="zh-CN" sz="1600" dirty="0"/>
               <a:t>View</a:t>
             </a:r>
             <a:r>
-              <a:rPr lang="zh-CN" altLang="en-US" sz="1400" dirty="0"/>
+              <a:rPr lang="zh-CN" altLang="en-US" sz="1600" dirty="0"/>
               <a:t>资源</a:t>
             </a:r>
-            <a:endParaRPr lang="en-US" altLang="zh-CN" sz="1400" dirty="0"/>
-          </a:p>
-          <a:p>
-            <a:r>
-              <a:rPr lang="en-US" altLang="zh-CN" sz="1400" dirty="0"/>
+            <a:endParaRPr lang="en-US" altLang="zh-CN" sz="1600" dirty="0"/>
+          </a:p>
+          <a:p>
+            <a:r>
+              <a:rPr lang="en-US" altLang="zh-CN" sz="1600" dirty="0"/>
               <a:t>Data Annotations</a:t>
             </a:r>
             <a:r>
-              <a:rPr lang="zh-CN" altLang="en-US" sz="1400" dirty="0"/>
+              <a:rPr lang="zh-CN" altLang="en-US" sz="1600" dirty="0"/>
               <a:t>（数据注释）</a:t>
             </a:r>
-            <a:endParaRPr lang="en-US" altLang="zh-CN" sz="1400" dirty="0"/>
+            <a:endParaRPr lang="en-US" altLang="zh-CN" sz="1600" dirty="0"/>
           </a:p>
         </p:txBody>
       </p:sp>
@@ -4585,8 +4617,8 @@
           <a:lstStyle/>
           <a:p>
             <a:r>
-              <a:rPr lang="en-US" altLang="zh-CN" dirty="0"/>
-              <a:t>Dapper</a:t>
+              <a:rPr lang="en-US" altLang="zh-CN" dirty="0" err="1"/>
+              <a:t>HttpClient</a:t>
             </a:r>
             <a:endParaRPr lang="zh-CN" altLang="en-US" dirty="0"/>
           </a:p>
@@ -4621,29 +4653,266 @@
           <a:lstStyle/>
           <a:p>
             <a:r>
+              <a:rPr lang="zh-CN" altLang="en-US" sz="1600" dirty="0"/>
+              <a:t>基本用法</a:t>
+            </a:r>
+            <a:endParaRPr lang="en-US" altLang="zh-CN" sz="1600" dirty="0"/>
+          </a:p>
+          <a:p>
+            <a:r>
+              <a:rPr lang="zh-CN" altLang="en-US" sz="1600" dirty="0"/>
+              <a:t>命名</a:t>
+            </a:r>
+            <a:r>
+              <a:rPr lang="en-US" altLang="zh-CN" sz="1600" dirty="0" err="1"/>
+              <a:t>HttpClient</a:t>
+            </a:r>
+            <a:endParaRPr lang="en-US" altLang="zh-CN" sz="1600" dirty="0"/>
+          </a:p>
+          <a:p>
+            <a:r>
+              <a:rPr lang="zh-CN" altLang="en-US" sz="1600" dirty="0"/>
+              <a:t>类型化</a:t>
+            </a:r>
+            <a:r>
+              <a:rPr lang="en-US" altLang="zh-CN" sz="1600" dirty="0" err="1"/>
+              <a:t>HttpClient</a:t>
+            </a:r>
+            <a:endParaRPr lang="en-US" altLang="zh-CN" sz="1600" dirty="0"/>
+          </a:p>
+          <a:p>
+            <a:r>
+              <a:rPr lang="zh-CN" altLang="en-US" sz="1600" dirty="0"/>
+              <a:t>容错</a:t>
+            </a:r>
+            <a:r>
+              <a:rPr lang="en-US" altLang="zh-CN" sz="1600" dirty="0" err="1"/>
+              <a:t>HttpClient</a:t>
+            </a:r>
+            <a:endParaRPr lang="en-US" altLang="zh-CN" sz="1600" dirty="0"/>
+          </a:p>
+        </p:txBody>
+      </p:sp>
+    </p:spTree>
+    <p:extLst>
+      <p:ext uri="{BB962C8B-B14F-4D97-AF65-F5344CB8AC3E}">
+        <p14:creationId xmlns:p14="http://schemas.microsoft.com/office/powerpoint/2010/main" val="814465082"/>
+      </p:ext>
+    </p:extLst>
+  </p:cSld>
+  <p:clrMapOvr>
+    <a:masterClrMapping/>
+  </p:clrMapOvr>
+</p:sld>
+</file>
+
+<file path=ppt/slides/slide16.xml><?xml version="1.0" encoding="utf-8"?>
+<p:sld xmlns:a="http://schemas.openxmlformats.org/drawingml/2006/main" xmlns:r="http://schemas.openxmlformats.org/officeDocument/2006/relationships" xmlns:p="http://schemas.openxmlformats.org/presentationml/2006/main">
+  <p:cSld>
+    <p:spTree>
+      <p:nvGrpSpPr>
+        <p:cNvPr id="1" name=""/>
+        <p:cNvGrpSpPr/>
+        <p:nvPr/>
+      </p:nvGrpSpPr>
+      <p:grpSpPr>
+        <a:xfrm>
+          <a:off x="0" y="0"/>
+          <a:ext cx="0" cy="0"/>
+          <a:chOff x="0" y="0"/>
+          <a:chExt cx="0" cy="0"/>
+        </a:xfrm>
+      </p:grpSpPr>
+      <p:sp>
+        <p:nvSpPr>
+          <p:cNvPr id="2" name="标题 1">
+            <a:extLst>
+              <a:ext uri="{FF2B5EF4-FFF2-40B4-BE49-F238E27FC236}">
+                <a16:creationId xmlns:a16="http://schemas.microsoft.com/office/drawing/2014/main" id="{D93F5457-E33E-4DFB-A0C6-F3B921696286}"/>
+              </a:ext>
+            </a:extLst>
+          </p:cNvPr>
+          <p:cNvSpPr>
+            <a:spLocks noGrp="1"/>
+          </p:cNvSpPr>
+          <p:nvPr>
+            <p:ph type="title"/>
+          </p:nvPr>
+        </p:nvSpPr>
+        <p:spPr/>
+        <p:txBody>
+          <a:bodyPr/>
+          <a:lstStyle/>
+          <a:p>
+            <a:r>
+              <a:rPr lang="en-US" altLang="zh-CN" dirty="0"/>
+              <a:t>Cache</a:t>
+            </a:r>
+            <a:endParaRPr lang="zh-CN" altLang="en-US" dirty="0"/>
+          </a:p>
+        </p:txBody>
+      </p:sp>
+      <p:sp>
+        <p:nvSpPr>
+          <p:cNvPr id="15" name="内容占位符 2">
+            <a:extLst>
+              <a:ext uri="{FF2B5EF4-FFF2-40B4-BE49-F238E27FC236}">
+                <a16:creationId xmlns:a16="http://schemas.microsoft.com/office/drawing/2014/main" id="{00DFF36C-FF32-4635-B471-3925665516F8}"/>
+              </a:ext>
+            </a:extLst>
+          </p:cNvPr>
+          <p:cNvSpPr>
+            <a:spLocks noGrp="1"/>
+          </p:cNvSpPr>
+          <p:nvPr>
+            <p:ph idx="1"/>
+          </p:nvPr>
+        </p:nvSpPr>
+        <p:spPr>
+          <a:xfrm>
+            <a:off x="838200" y="1690687"/>
+            <a:ext cx="10515600" cy="4887665"/>
+          </a:xfrm>
+        </p:spPr>
+        <p:txBody>
+          <a:bodyPr>
+            <a:normAutofit/>
+          </a:bodyPr>
+          <a:lstStyle/>
+          <a:p>
+            <a:r>
+              <a:rPr lang="zh-CN" altLang="en-US" sz="1600" dirty="0"/>
+              <a:t>本地缓存</a:t>
+            </a:r>
+            <a:endParaRPr lang="en-US" altLang="zh-CN" sz="1600" dirty="0"/>
+          </a:p>
+          <a:p>
+            <a:r>
+              <a:rPr lang="zh-CN" altLang="en-US" sz="1600" dirty="0"/>
+              <a:t>分布式缓存</a:t>
+            </a:r>
+            <a:endParaRPr lang="en-US" altLang="zh-CN" sz="1600" dirty="0"/>
+          </a:p>
+          <a:p>
+            <a:r>
+              <a:rPr lang="zh-CN" altLang="en-US" sz="1600" dirty="0"/>
+              <a:t>自定义分布式缓存</a:t>
+            </a:r>
+            <a:endParaRPr lang="en-US" altLang="zh-CN" sz="1600" dirty="0"/>
+          </a:p>
+        </p:txBody>
+      </p:sp>
+    </p:spTree>
+    <p:extLst>
+      <p:ext uri="{BB962C8B-B14F-4D97-AF65-F5344CB8AC3E}">
+        <p14:creationId xmlns:p14="http://schemas.microsoft.com/office/powerpoint/2010/main" val="2444451097"/>
+      </p:ext>
+    </p:extLst>
+  </p:cSld>
+  <p:clrMapOvr>
+    <a:masterClrMapping/>
+  </p:clrMapOvr>
+</p:sld>
+</file>
+
+<file path=ppt/slides/slide17.xml><?xml version="1.0" encoding="utf-8"?>
+<p:sld xmlns:a="http://schemas.openxmlformats.org/drawingml/2006/main" xmlns:r="http://schemas.openxmlformats.org/officeDocument/2006/relationships" xmlns:p="http://schemas.openxmlformats.org/presentationml/2006/main">
+  <p:cSld>
+    <p:spTree>
+      <p:nvGrpSpPr>
+        <p:cNvPr id="1" name=""/>
+        <p:cNvGrpSpPr/>
+        <p:nvPr/>
+      </p:nvGrpSpPr>
+      <p:grpSpPr>
+        <a:xfrm>
+          <a:off x="0" y="0"/>
+          <a:ext cx="0" cy="0"/>
+          <a:chOff x="0" y="0"/>
+          <a:chExt cx="0" cy="0"/>
+        </a:xfrm>
+      </p:grpSpPr>
+      <p:sp>
+        <p:nvSpPr>
+          <p:cNvPr id="2" name="标题 1">
+            <a:extLst>
+              <a:ext uri="{FF2B5EF4-FFF2-40B4-BE49-F238E27FC236}">
+                <a16:creationId xmlns:a16="http://schemas.microsoft.com/office/drawing/2014/main" id="{D93F5457-E33E-4DFB-A0C6-F3B921696286}"/>
+              </a:ext>
+            </a:extLst>
+          </p:cNvPr>
+          <p:cNvSpPr>
+            <a:spLocks noGrp="1"/>
+          </p:cNvSpPr>
+          <p:nvPr>
+            <p:ph type="title"/>
+          </p:nvPr>
+        </p:nvSpPr>
+        <p:spPr/>
+        <p:txBody>
+          <a:bodyPr/>
+          <a:lstStyle/>
+          <a:p>
+            <a:r>
               <a:rPr lang="en-US" altLang="zh-CN" dirty="0"/>
               <a:t>Dapper</a:t>
             </a:r>
-            <a:r>
-              <a:rPr lang="zh-CN" altLang="en-US" dirty="0"/>
+            <a:endParaRPr lang="zh-CN" altLang="en-US" dirty="0"/>
+          </a:p>
+        </p:txBody>
+      </p:sp>
+      <p:sp>
+        <p:nvSpPr>
+          <p:cNvPr id="15" name="内容占位符 2">
+            <a:extLst>
+              <a:ext uri="{FF2B5EF4-FFF2-40B4-BE49-F238E27FC236}">
+                <a16:creationId xmlns:a16="http://schemas.microsoft.com/office/drawing/2014/main" id="{00DFF36C-FF32-4635-B471-3925665516F8}"/>
+              </a:ext>
+            </a:extLst>
+          </p:cNvPr>
+          <p:cNvSpPr>
+            <a:spLocks noGrp="1"/>
+          </p:cNvSpPr>
+          <p:nvPr>
+            <p:ph idx="1"/>
+          </p:nvPr>
+        </p:nvSpPr>
+        <p:spPr>
+          <a:xfrm>
+            <a:off x="838200" y="1690687"/>
+            <a:ext cx="10515600" cy="4887665"/>
+          </a:xfrm>
+        </p:spPr>
+        <p:txBody>
+          <a:bodyPr>
+            <a:normAutofit/>
+          </a:bodyPr>
+          <a:lstStyle/>
+          <a:p>
+            <a:r>
+              <a:rPr lang="en-US" altLang="zh-CN" sz="1600" dirty="0"/>
+              <a:t>Dapper</a:t>
+            </a:r>
+            <a:r>
+              <a:rPr lang="zh-CN" altLang="en-US" sz="1600" dirty="0"/>
               <a:t>基本操作</a:t>
             </a:r>
-            <a:endParaRPr lang="en-US" altLang="zh-CN" dirty="0"/>
-          </a:p>
-          <a:p>
-            <a:r>
-              <a:rPr lang="zh-CN" altLang="en-US" dirty="0"/>
-              <a:t>封闭一个</a:t>
-            </a:r>
-            <a:r>
-              <a:rPr lang="en-US" altLang="zh-CN" dirty="0"/>
+            <a:endParaRPr lang="en-US" altLang="zh-CN" sz="1600" dirty="0"/>
+          </a:p>
+          <a:p>
+            <a:r>
+              <a:rPr lang="zh-CN" altLang="en-US" sz="1600" dirty="0"/>
+              <a:t>封装一个</a:t>
+            </a:r>
+            <a:r>
+              <a:rPr lang="en-US" altLang="zh-CN" sz="1600" dirty="0"/>
               <a:t>Dapper</a:t>
             </a:r>
             <a:r>
-              <a:rPr lang="zh-CN" altLang="en-US" dirty="0"/>
+              <a:rPr lang="zh-CN" altLang="en-US" sz="1600" dirty="0"/>
               <a:t>的作用</a:t>
             </a:r>
-            <a:endParaRPr lang="en-US" altLang="zh-CN" dirty="0"/>
+            <a:endParaRPr lang="en-US" altLang="zh-CN" sz="1600" dirty="0"/>
           </a:p>
           <a:p>
             <a:endParaRPr lang="en-US" altLang="zh-CN" dirty="0"/>
@@ -4654,6 +4923,236 @@
     <p:extLst>
       <p:ext uri="{BB962C8B-B14F-4D97-AF65-F5344CB8AC3E}">
         <p14:creationId xmlns:p14="http://schemas.microsoft.com/office/powerpoint/2010/main" val="3093372791"/>
+      </p:ext>
+    </p:extLst>
+  </p:cSld>
+  <p:clrMapOvr>
+    <a:masterClrMapping/>
+  </p:clrMapOvr>
+</p:sld>
+</file>
+
+<file path=ppt/slides/slide18.xml><?xml version="1.0" encoding="utf-8"?>
+<p:sld xmlns:a="http://schemas.openxmlformats.org/drawingml/2006/main" xmlns:r="http://schemas.openxmlformats.org/officeDocument/2006/relationships" xmlns:p="http://schemas.openxmlformats.org/presentationml/2006/main">
+  <p:cSld>
+    <p:spTree>
+      <p:nvGrpSpPr>
+        <p:cNvPr id="1" name=""/>
+        <p:cNvGrpSpPr/>
+        <p:nvPr/>
+      </p:nvGrpSpPr>
+      <p:grpSpPr>
+        <a:xfrm>
+          <a:off x="0" y="0"/>
+          <a:ext cx="0" cy="0"/>
+          <a:chOff x="0" y="0"/>
+          <a:chExt cx="0" cy="0"/>
+        </a:xfrm>
+      </p:grpSpPr>
+      <p:sp>
+        <p:nvSpPr>
+          <p:cNvPr id="2" name="标题 1">
+            <a:extLst>
+              <a:ext uri="{FF2B5EF4-FFF2-40B4-BE49-F238E27FC236}">
+                <a16:creationId xmlns:a16="http://schemas.microsoft.com/office/drawing/2014/main" id="{D93F5457-E33E-4DFB-A0C6-F3B921696286}"/>
+              </a:ext>
+            </a:extLst>
+          </p:cNvPr>
+          <p:cNvSpPr>
+            <a:spLocks noGrp="1"/>
+          </p:cNvSpPr>
+          <p:nvPr>
+            <p:ph type="title"/>
+          </p:nvPr>
+        </p:nvSpPr>
+        <p:spPr/>
+        <p:txBody>
+          <a:bodyPr/>
+          <a:lstStyle/>
+          <a:p>
+            <a:r>
+              <a:rPr lang="en-US" altLang="zh-CN" dirty="0"/>
+              <a:t>Log</a:t>
+            </a:r>
+            <a:endParaRPr lang="zh-CN" altLang="en-US" dirty="0"/>
+          </a:p>
+        </p:txBody>
+      </p:sp>
+      <p:sp>
+        <p:nvSpPr>
+          <p:cNvPr id="15" name="内容占位符 2">
+            <a:extLst>
+              <a:ext uri="{FF2B5EF4-FFF2-40B4-BE49-F238E27FC236}">
+                <a16:creationId xmlns:a16="http://schemas.microsoft.com/office/drawing/2014/main" id="{00DFF36C-FF32-4635-B471-3925665516F8}"/>
+              </a:ext>
+            </a:extLst>
+          </p:cNvPr>
+          <p:cNvSpPr>
+            <a:spLocks noGrp="1"/>
+          </p:cNvSpPr>
+          <p:nvPr>
+            <p:ph idx="1"/>
+          </p:nvPr>
+        </p:nvSpPr>
+        <p:spPr>
+          <a:xfrm>
+            <a:off x="838200" y="1690687"/>
+            <a:ext cx="10515600" cy="4887665"/>
+          </a:xfrm>
+        </p:spPr>
+        <p:txBody>
+          <a:bodyPr>
+            <a:normAutofit/>
+          </a:bodyPr>
+          <a:lstStyle/>
+          <a:p>
+            <a:r>
+              <a:rPr lang="en-US" altLang="zh-CN" sz="1600" dirty="0" err="1"/>
+              <a:t>asp.net</a:t>
+            </a:r>
+            <a:r>
+              <a:rPr lang="en-US" altLang="zh-CN" sz="1600" dirty="0"/>
+              <a:t> core</a:t>
+            </a:r>
+            <a:r>
+              <a:rPr lang="zh-CN" altLang="en-US" sz="1600" dirty="0"/>
+              <a:t>中的日志</a:t>
+            </a:r>
+            <a:endParaRPr lang="en-US" altLang="zh-CN" sz="1600" dirty="0"/>
+          </a:p>
+          <a:p>
+            <a:r>
+              <a:rPr lang="en-US" altLang="zh-CN" sz="1600" dirty="0" err="1"/>
+              <a:t>Nlog</a:t>
+            </a:r>
+            <a:endParaRPr lang="en-US" altLang="zh-CN" sz="1600" dirty="0"/>
+          </a:p>
+          <a:p>
+            <a:r>
+              <a:rPr lang="zh-CN" altLang="en-US" sz="1600" dirty="0"/>
+              <a:t>扩展</a:t>
+            </a:r>
+            <a:r>
+              <a:rPr lang="en-US" altLang="zh-CN" sz="1600" dirty="0"/>
+              <a:t>Log</a:t>
+            </a:r>
+          </a:p>
+          <a:p>
+            <a:endParaRPr lang="en-US" altLang="zh-CN" dirty="0"/>
+          </a:p>
+        </p:txBody>
+      </p:sp>
+    </p:spTree>
+    <p:extLst>
+      <p:ext uri="{BB962C8B-B14F-4D97-AF65-F5344CB8AC3E}">
+        <p14:creationId xmlns:p14="http://schemas.microsoft.com/office/powerpoint/2010/main" val="235075693"/>
+      </p:ext>
+    </p:extLst>
+  </p:cSld>
+  <p:clrMapOvr>
+    <a:masterClrMapping/>
+  </p:clrMapOvr>
+</p:sld>
+</file>
+
+<file path=ppt/slides/slide19.xml><?xml version="1.0" encoding="utf-8"?>
+<p:sld xmlns:a="http://schemas.openxmlformats.org/drawingml/2006/main" xmlns:r="http://schemas.openxmlformats.org/officeDocument/2006/relationships" xmlns:p="http://schemas.openxmlformats.org/presentationml/2006/main">
+  <p:cSld>
+    <p:spTree>
+      <p:nvGrpSpPr>
+        <p:cNvPr id="1" name=""/>
+        <p:cNvGrpSpPr/>
+        <p:nvPr/>
+      </p:nvGrpSpPr>
+      <p:grpSpPr>
+        <a:xfrm>
+          <a:off x="0" y="0"/>
+          <a:ext cx="0" cy="0"/>
+          <a:chOff x="0" y="0"/>
+          <a:chExt cx="0" cy="0"/>
+        </a:xfrm>
+      </p:grpSpPr>
+      <p:sp>
+        <p:nvSpPr>
+          <p:cNvPr id="2" name="标题 1">
+            <a:extLst>
+              <a:ext uri="{FF2B5EF4-FFF2-40B4-BE49-F238E27FC236}">
+                <a16:creationId xmlns:a16="http://schemas.microsoft.com/office/drawing/2014/main" id="{D93F5457-E33E-4DFB-A0C6-F3B921696286}"/>
+              </a:ext>
+            </a:extLst>
+          </p:cNvPr>
+          <p:cNvSpPr>
+            <a:spLocks noGrp="1"/>
+          </p:cNvSpPr>
+          <p:nvPr>
+            <p:ph type="title"/>
+          </p:nvPr>
+        </p:nvSpPr>
+        <p:spPr/>
+        <p:txBody>
+          <a:bodyPr/>
+          <a:lstStyle/>
+          <a:p>
+            <a:r>
+              <a:rPr lang="en-US" altLang="zh-CN" dirty="0"/>
+              <a:t>Web API</a:t>
+            </a:r>
+            <a:endParaRPr lang="zh-CN" altLang="en-US" dirty="0"/>
+          </a:p>
+        </p:txBody>
+      </p:sp>
+      <p:sp>
+        <p:nvSpPr>
+          <p:cNvPr id="15" name="内容占位符 2">
+            <a:extLst>
+              <a:ext uri="{FF2B5EF4-FFF2-40B4-BE49-F238E27FC236}">
+                <a16:creationId xmlns:a16="http://schemas.microsoft.com/office/drawing/2014/main" id="{00DFF36C-FF32-4635-B471-3925665516F8}"/>
+              </a:ext>
+            </a:extLst>
+          </p:cNvPr>
+          <p:cNvSpPr>
+            <a:spLocks noGrp="1"/>
+          </p:cNvSpPr>
+          <p:nvPr>
+            <p:ph idx="1"/>
+          </p:nvPr>
+        </p:nvSpPr>
+        <p:spPr>
+          <a:xfrm>
+            <a:off x="838200" y="1690687"/>
+            <a:ext cx="10515600" cy="4887665"/>
+          </a:xfrm>
+        </p:spPr>
+        <p:txBody>
+          <a:bodyPr>
+            <a:normAutofit/>
+          </a:bodyPr>
+          <a:lstStyle/>
+          <a:p>
+            <a:r>
+              <a:rPr lang="en-US" altLang="zh-CN" sz="1600" dirty="0"/>
+              <a:t>Swagger</a:t>
+            </a:r>
+          </a:p>
+          <a:p>
+            <a:r>
+              <a:rPr lang="zh-CN" altLang="en-US" sz="1600" dirty="0"/>
+              <a:t>验证</a:t>
+            </a:r>
+            <a:r>
+              <a:rPr lang="en-US" altLang="zh-CN" sz="1600" dirty="0"/>
+              <a:t>swagger</a:t>
+            </a:r>
+          </a:p>
+          <a:p>
+            <a:endParaRPr lang="en-US" altLang="zh-CN" dirty="0"/>
+          </a:p>
+        </p:txBody>
+      </p:sp>
+    </p:spTree>
+    <p:extLst>
+      <p:ext uri="{BB962C8B-B14F-4D97-AF65-F5344CB8AC3E}">
+        <p14:creationId xmlns:p14="http://schemas.microsoft.com/office/powerpoint/2010/main" val="3228082840"/>
       </p:ext>
     </p:extLst>
   </p:cSld>
@@ -4710,7 +5209,7 @@
           <a:p>
             <a:r>
               <a:rPr lang="zh-CN" altLang="en-US" sz="2400" dirty="0"/>
-              <a:t>知识点</a:t>
+              <a:t>知识块</a:t>
             </a:r>
           </a:p>
         </p:txBody>
@@ -4944,6 +5443,273 @@
     <p:extLst>
       <p:ext uri="{BB962C8B-B14F-4D97-AF65-F5344CB8AC3E}">
         <p14:creationId xmlns:p14="http://schemas.microsoft.com/office/powerpoint/2010/main" val="2212921269"/>
+      </p:ext>
+    </p:extLst>
+  </p:cSld>
+  <p:clrMapOvr>
+    <a:masterClrMapping/>
+  </p:clrMapOvr>
+</p:sld>
+</file>
+
+<file path=ppt/slides/slide20.xml><?xml version="1.0" encoding="utf-8"?>
+<p:sld xmlns:a="http://schemas.openxmlformats.org/drawingml/2006/main" xmlns:r="http://schemas.openxmlformats.org/officeDocument/2006/relationships" xmlns:p="http://schemas.openxmlformats.org/presentationml/2006/main">
+  <p:cSld>
+    <p:spTree>
+      <p:nvGrpSpPr>
+        <p:cNvPr id="1" name=""/>
+        <p:cNvGrpSpPr/>
+        <p:nvPr/>
+      </p:nvGrpSpPr>
+      <p:grpSpPr>
+        <a:xfrm>
+          <a:off x="0" y="0"/>
+          <a:ext cx="0" cy="0"/>
+          <a:chOff x="0" y="0"/>
+          <a:chExt cx="0" cy="0"/>
+        </a:xfrm>
+      </p:grpSpPr>
+      <p:sp>
+        <p:nvSpPr>
+          <p:cNvPr id="2" name="标题 1">
+            <a:extLst>
+              <a:ext uri="{FF2B5EF4-FFF2-40B4-BE49-F238E27FC236}">
+                <a16:creationId xmlns:a16="http://schemas.microsoft.com/office/drawing/2014/main" id="{D93F5457-E33E-4DFB-A0C6-F3B921696286}"/>
+              </a:ext>
+            </a:extLst>
+          </p:cNvPr>
+          <p:cNvSpPr>
+            <a:spLocks noGrp="1"/>
+          </p:cNvSpPr>
+          <p:nvPr>
+            <p:ph type="title"/>
+          </p:nvPr>
+        </p:nvSpPr>
+        <p:spPr/>
+        <p:txBody>
+          <a:bodyPr/>
+          <a:lstStyle/>
+          <a:p>
+            <a:r>
+              <a:rPr lang="en-US" altLang="zh-CN" dirty="0"/>
+              <a:t>Quartz</a:t>
+            </a:r>
+            <a:endParaRPr lang="zh-CN" altLang="en-US" dirty="0"/>
+          </a:p>
+        </p:txBody>
+      </p:sp>
+      <p:sp>
+        <p:nvSpPr>
+          <p:cNvPr id="15" name="内容占位符 2">
+            <a:extLst>
+              <a:ext uri="{FF2B5EF4-FFF2-40B4-BE49-F238E27FC236}">
+                <a16:creationId xmlns:a16="http://schemas.microsoft.com/office/drawing/2014/main" id="{00DFF36C-FF32-4635-B471-3925665516F8}"/>
+              </a:ext>
+            </a:extLst>
+          </p:cNvPr>
+          <p:cNvSpPr>
+            <a:spLocks noGrp="1"/>
+          </p:cNvSpPr>
+          <p:nvPr>
+            <p:ph idx="1"/>
+          </p:nvPr>
+        </p:nvSpPr>
+        <p:spPr>
+          <a:xfrm>
+            <a:off x="838200" y="1690687"/>
+            <a:ext cx="10515600" cy="4887665"/>
+          </a:xfrm>
+        </p:spPr>
+        <p:txBody>
+          <a:bodyPr>
+            <a:normAutofit/>
+          </a:bodyPr>
+          <a:lstStyle/>
+          <a:p>
+            <a:r>
+              <a:rPr lang="en-US" altLang="zh-CN" sz="1600" dirty="0" err="1"/>
+              <a:t>asp.net</a:t>
+            </a:r>
+            <a:r>
+              <a:rPr lang="en-US" altLang="zh-CN" sz="1600" dirty="0"/>
+              <a:t> core</a:t>
+            </a:r>
+            <a:r>
+              <a:rPr lang="zh-CN" altLang="en-US" sz="1600" dirty="0"/>
+              <a:t>下的</a:t>
+            </a:r>
+            <a:r>
+              <a:rPr lang="en-US" altLang="zh-CN" sz="1600" dirty="0"/>
+              <a:t>quartz</a:t>
+            </a:r>
+          </a:p>
+          <a:p>
+            <a:endParaRPr lang="en-US" altLang="zh-CN" sz="1600" dirty="0"/>
+          </a:p>
+          <a:p>
+            <a:endParaRPr lang="en-US" altLang="zh-CN" dirty="0"/>
+          </a:p>
+        </p:txBody>
+      </p:sp>
+    </p:spTree>
+    <p:extLst>
+      <p:ext uri="{BB962C8B-B14F-4D97-AF65-F5344CB8AC3E}">
+        <p14:creationId xmlns:p14="http://schemas.microsoft.com/office/powerpoint/2010/main" val="2887437590"/>
+      </p:ext>
+    </p:extLst>
+  </p:cSld>
+  <p:clrMapOvr>
+    <a:masterClrMapping/>
+  </p:clrMapOvr>
+</p:sld>
+</file>
+
+<file path=ppt/slides/slide21.xml><?xml version="1.0" encoding="utf-8"?>
+<p:sld xmlns:a="http://schemas.openxmlformats.org/drawingml/2006/main" xmlns:r="http://schemas.openxmlformats.org/officeDocument/2006/relationships" xmlns:p="http://schemas.openxmlformats.org/presentationml/2006/main">
+  <p:cSld>
+    <p:spTree>
+      <p:nvGrpSpPr>
+        <p:cNvPr id="1" name=""/>
+        <p:cNvGrpSpPr/>
+        <p:nvPr/>
+      </p:nvGrpSpPr>
+      <p:grpSpPr>
+        <a:xfrm>
+          <a:off x="0" y="0"/>
+          <a:ext cx="0" cy="0"/>
+          <a:chOff x="0" y="0"/>
+          <a:chExt cx="0" cy="0"/>
+        </a:xfrm>
+      </p:grpSpPr>
+      <p:sp>
+        <p:nvSpPr>
+          <p:cNvPr id="2" name="标题 1">
+            <a:extLst>
+              <a:ext uri="{FF2B5EF4-FFF2-40B4-BE49-F238E27FC236}">
+                <a16:creationId xmlns:a16="http://schemas.microsoft.com/office/drawing/2014/main" id="{D93F5457-E33E-4DFB-A0C6-F3B921696286}"/>
+              </a:ext>
+            </a:extLst>
+          </p:cNvPr>
+          <p:cNvSpPr>
+            <a:spLocks noGrp="1"/>
+          </p:cNvSpPr>
+          <p:nvPr>
+            <p:ph type="title"/>
+          </p:nvPr>
+        </p:nvSpPr>
+        <p:spPr/>
+        <p:txBody>
+          <a:bodyPr/>
+          <a:lstStyle/>
+          <a:p>
+            <a:r>
+              <a:rPr lang="zh-CN" altLang="en-US" dirty="0"/>
+              <a:t>单元测试</a:t>
+            </a:r>
+          </a:p>
+        </p:txBody>
+      </p:sp>
+      <p:sp>
+        <p:nvSpPr>
+          <p:cNvPr id="15" name="内容占位符 2">
+            <a:extLst>
+              <a:ext uri="{FF2B5EF4-FFF2-40B4-BE49-F238E27FC236}">
+                <a16:creationId xmlns:a16="http://schemas.microsoft.com/office/drawing/2014/main" id="{00DFF36C-FF32-4635-B471-3925665516F8}"/>
+              </a:ext>
+            </a:extLst>
+          </p:cNvPr>
+          <p:cNvSpPr>
+            <a:spLocks noGrp="1"/>
+          </p:cNvSpPr>
+          <p:nvPr>
+            <p:ph idx="1"/>
+          </p:nvPr>
+        </p:nvSpPr>
+        <p:spPr>
+          <a:xfrm>
+            <a:off x="838200" y="1690687"/>
+            <a:ext cx="10515600" cy="4887665"/>
+          </a:xfrm>
+        </p:spPr>
+        <p:txBody>
+          <a:bodyPr>
+            <a:normAutofit/>
+          </a:bodyPr>
+          <a:lstStyle/>
+          <a:p>
+            <a:r>
+              <a:rPr lang="en-US" altLang="zh-CN" sz="1600" dirty="0" err="1"/>
+              <a:t>Xunit</a:t>
+            </a:r>
+            <a:r>
+              <a:rPr lang="en-US" altLang="zh-CN" sz="1600" dirty="0"/>
+              <a:t> Test</a:t>
+            </a:r>
+            <a:r>
+              <a:rPr lang="zh-CN" altLang="en-US" sz="1600" dirty="0"/>
+              <a:t>框架</a:t>
+            </a:r>
+            <a:endParaRPr lang="en-US" altLang="zh-CN" sz="1600" dirty="0"/>
+          </a:p>
+          <a:p>
+            <a:r>
+              <a:rPr lang="en-US" altLang="zh-CN" sz="1600" dirty="0" err="1"/>
+              <a:t>Moq</a:t>
+            </a:r>
+            <a:r>
+              <a:rPr lang="en-US" altLang="zh-CN" sz="1600" dirty="0"/>
+              <a:t> mock</a:t>
+            </a:r>
+          </a:p>
+          <a:p>
+            <a:r>
+              <a:rPr lang="zh-CN" altLang="en-US" sz="1600" dirty="0"/>
+              <a:t>基于</a:t>
+            </a:r>
+            <a:r>
+              <a:rPr lang="en-US" altLang="zh-CN" sz="1600" dirty="0"/>
+              <a:t>Repository</a:t>
+            </a:r>
+            <a:r>
+              <a:rPr lang="zh-CN" altLang="en-US" sz="1600" dirty="0"/>
+              <a:t>测试</a:t>
+            </a:r>
+            <a:endParaRPr lang="en-US" altLang="zh-CN" sz="1600" dirty="0"/>
+          </a:p>
+          <a:p>
+            <a:r>
+              <a:rPr lang="zh-CN" altLang="en-US" sz="1600" dirty="0"/>
+              <a:t>基于</a:t>
+            </a:r>
+            <a:r>
+              <a:rPr lang="en-US" altLang="zh-CN" sz="1600" dirty="0"/>
+              <a:t>Controller</a:t>
+            </a:r>
+            <a:r>
+              <a:rPr lang="zh-CN" altLang="en-US" sz="1600" dirty="0"/>
+              <a:t>测试</a:t>
+            </a:r>
+            <a:endParaRPr lang="en-US" altLang="zh-CN" sz="1600" dirty="0"/>
+          </a:p>
+          <a:p>
+            <a:r>
+              <a:rPr lang="zh-CN" altLang="en-US" sz="1600" dirty="0"/>
+              <a:t>集成测试</a:t>
+            </a:r>
+            <a:endParaRPr lang="en-US" altLang="zh-CN" sz="1600" dirty="0"/>
+          </a:p>
+          <a:p>
+            <a:endParaRPr lang="en-US" altLang="zh-CN" sz="1600" dirty="0"/>
+          </a:p>
+          <a:p>
+            <a:endParaRPr lang="en-US" altLang="zh-CN" dirty="0"/>
+          </a:p>
+        </p:txBody>
+      </p:sp>
+    </p:spTree>
+    <p:extLst>
+      <p:ext uri="{BB962C8B-B14F-4D97-AF65-F5344CB8AC3E}">
+        <p14:creationId xmlns:p14="http://schemas.microsoft.com/office/powerpoint/2010/main" val="1165989208"/>
       </p:ext>
     </p:extLst>
   </p:cSld>
@@ -4975,7 +5741,7 @@
           <p:cNvPr id="2" name="标题 1">
             <a:extLst>
               <a:ext uri="{FF2B5EF4-FFF2-40B4-BE49-F238E27FC236}">
-                <a16:creationId xmlns:a16="http://schemas.microsoft.com/office/drawing/2014/main" id="{D93F5457-E33E-4DFB-A0C6-F3B921696286}"/>
+                <a16:creationId xmlns:a16="http://schemas.microsoft.com/office/drawing/2014/main" id="{3ABF5280-3631-4AF9-8CD2-B3E1DCD7B12A}"/>
               </a:ext>
             </a:extLst>
           </p:cNvPr>
@@ -4992,8 +5758,12 @@
           <a:lstStyle/>
           <a:p>
             <a:r>
+              <a:rPr lang="en-US" altLang="zh-CN" dirty="0" err="1"/>
+              <a:t>asp.net</a:t>
+            </a:r>
+            <a:r>
               <a:rPr lang="en-US" altLang="zh-CN" dirty="0"/>
-              <a:t>Host</a:t>
+              <a:t> core</a:t>
             </a:r>
             <a:endParaRPr lang="zh-CN" altLang="en-US" dirty="0"/>
           </a:p>
@@ -5004,7 +5774,7 @@
           <p:cNvPr id="3" name="内容占位符 2">
             <a:extLst>
               <a:ext uri="{FF2B5EF4-FFF2-40B4-BE49-F238E27FC236}">
-                <a16:creationId xmlns:a16="http://schemas.microsoft.com/office/drawing/2014/main" id="{67DA0846-5AF3-4C60-9843-76A621C21E27}"/>
+                <a16:creationId xmlns:a16="http://schemas.microsoft.com/office/drawing/2014/main" id="{7A8B9361-D350-4C7D-BCDC-CFFA0DB41D09}"/>
               </a:ext>
             </a:extLst>
           </p:cNvPr>
@@ -5015,97 +5785,293 @@
             <p:ph idx="1"/>
           </p:nvPr>
         </p:nvSpPr>
+        <p:spPr/>
+        <p:txBody>
+          <a:bodyPr>
+            <a:normAutofit fontScale="62500" lnSpcReduction="20000"/>
+          </a:bodyPr>
+          <a:lstStyle/>
+          <a:p>
+            <a:pPr marL="0" indent="0">
+              <a:buNone/>
+            </a:pPr>
+            <a:r>
+              <a:rPr lang="en-US" altLang="zh-CN" sz="2600" dirty="0" err="1"/>
+              <a:t>ASP.NET</a:t>
+            </a:r>
+            <a:r>
+              <a:rPr lang="en-US" altLang="zh-CN" sz="2600" dirty="0"/>
+              <a:t> Core </a:t>
+            </a:r>
+            <a:r>
+              <a:rPr lang="zh-CN" altLang="en-US" sz="2600" dirty="0"/>
+              <a:t>是一个跨平台的高性能开源框架，用于生成基于云且连接 </a:t>
+            </a:r>
+            <a:r>
+              <a:rPr lang="en-US" altLang="zh-CN" sz="2600" dirty="0"/>
+              <a:t>Internet </a:t>
+            </a:r>
+            <a:r>
+              <a:rPr lang="zh-CN" altLang="en-US" sz="2600" dirty="0"/>
+              <a:t>的新式应用程序。 </a:t>
+            </a:r>
+            <a:endParaRPr lang="en-US" altLang="zh-CN" sz="2600" dirty="0"/>
+          </a:p>
+          <a:p>
+            <a:pPr marL="0" indent="0">
+              <a:buNone/>
+            </a:pPr>
+            <a:endParaRPr lang="en-US" altLang="zh-CN" dirty="0"/>
+          </a:p>
+          <a:p>
+            <a:pPr marL="0" indent="0">
+              <a:buNone/>
+            </a:pPr>
+            <a:r>
+              <a:rPr lang="en-US" altLang="zh-CN" sz="2200" dirty="0" err="1"/>
+              <a:t>ASP.NET</a:t>
+            </a:r>
+            <a:r>
+              <a:rPr lang="en-US" altLang="zh-CN" sz="2200" dirty="0"/>
+              <a:t> Core </a:t>
+            </a:r>
+            <a:r>
+              <a:rPr lang="zh-CN" altLang="en-US" sz="2200" dirty="0"/>
+              <a:t>具有如下优点：</a:t>
+            </a:r>
+          </a:p>
+          <a:p>
+            <a:r>
+              <a:rPr lang="zh-CN" altLang="en-US" sz="2200" dirty="0"/>
+              <a:t>生成 </a:t>
+            </a:r>
+            <a:r>
+              <a:rPr lang="en-US" altLang="zh-CN" sz="2200" dirty="0"/>
+              <a:t>Web UI </a:t>
+            </a:r>
+            <a:r>
+              <a:rPr lang="zh-CN" altLang="en-US" sz="2200" dirty="0"/>
+              <a:t>和 </a:t>
+            </a:r>
+            <a:r>
+              <a:rPr lang="en-US" altLang="zh-CN" sz="2200" dirty="0"/>
+              <a:t>Web API </a:t>
+            </a:r>
+            <a:r>
+              <a:rPr lang="zh-CN" altLang="en-US" sz="2200" dirty="0"/>
+              <a:t>的统一场景。</a:t>
+            </a:r>
+          </a:p>
+          <a:p>
+            <a:r>
+              <a:rPr lang="zh-CN" altLang="en-US" sz="2200" dirty="0"/>
+              <a:t>针对可测试性进行构建。</a:t>
+            </a:r>
+          </a:p>
+          <a:p>
+            <a:r>
+              <a:rPr lang="en-US" altLang="zh-CN" sz="2200" dirty="0"/>
+              <a:t>Razor Pages</a:t>
+            </a:r>
+            <a:r>
+              <a:rPr lang="zh-CN" altLang="en-US" sz="2200" dirty="0"/>
+              <a:t> 可以使基于页面的编码方式更简单高效。</a:t>
+            </a:r>
+          </a:p>
+          <a:p>
+            <a:r>
+              <a:rPr lang="zh-CN" altLang="en-US" sz="2200" dirty="0"/>
+              <a:t>能够在 </a:t>
+            </a:r>
+            <a:r>
+              <a:rPr lang="en-US" altLang="zh-CN" sz="2200" dirty="0"/>
+              <a:t>Windows</a:t>
+            </a:r>
+            <a:r>
+              <a:rPr lang="zh-CN" altLang="en-US" sz="2200" dirty="0"/>
+              <a:t>、</a:t>
+            </a:r>
+            <a:r>
+              <a:rPr lang="en-US" altLang="zh-CN" sz="2200" dirty="0"/>
+              <a:t>macOS </a:t>
+            </a:r>
+            <a:r>
+              <a:rPr lang="zh-CN" altLang="en-US" sz="2200" dirty="0"/>
+              <a:t>和 </a:t>
+            </a:r>
+            <a:r>
+              <a:rPr lang="en-US" altLang="zh-CN" sz="2200" dirty="0"/>
+              <a:t>Linux </a:t>
+            </a:r>
+            <a:r>
+              <a:rPr lang="zh-CN" altLang="en-US" sz="2200" dirty="0"/>
+              <a:t>上进行开发和运行。</a:t>
+            </a:r>
+          </a:p>
+          <a:p>
+            <a:r>
+              <a:rPr lang="zh-CN" altLang="en-US" sz="2200" dirty="0"/>
+              <a:t>开放源代码和以社区为中心。</a:t>
+            </a:r>
+          </a:p>
+          <a:p>
+            <a:r>
+              <a:rPr lang="zh-CN" altLang="en-US" sz="2200" dirty="0"/>
+              <a:t>集成新式客户端框架和开发工作流。</a:t>
+            </a:r>
+          </a:p>
+          <a:p>
+            <a:r>
+              <a:rPr lang="zh-CN" altLang="en-US" sz="2200" dirty="0"/>
+              <a:t>基于环境的云就绪配置系统。</a:t>
+            </a:r>
+          </a:p>
+          <a:p>
+            <a:r>
+              <a:rPr lang="zh-CN" altLang="en-US" sz="2200" dirty="0"/>
+              <a:t>内置依赖项注入。</a:t>
+            </a:r>
+          </a:p>
+          <a:p>
+            <a:r>
+              <a:rPr lang="zh-CN" altLang="en-US" sz="2200" dirty="0"/>
+              <a:t>轻型的高性能模块化 </a:t>
+            </a:r>
+            <a:r>
+              <a:rPr lang="en-US" altLang="zh-CN" sz="2200" dirty="0"/>
+              <a:t>HTTP </a:t>
+            </a:r>
+            <a:r>
+              <a:rPr lang="zh-CN" altLang="en-US" sz="2200" dirty="0"/>
+              <a:t>请求管道。</a:t>
+            </a:r>
+          </a:p>
+          <a:p>
+            <a:r>
+              <a:rPr lang="zh-CN" altLang="en-US" sz="2200" dirty="0"/>
+              <a:t>能够在 </a:t>
+            </a:r>
+            <a:r>
+              <a:rPr lang="en-US" altLang="zh-CN" sz="2200" dirty="0"/>
+              <a:t>IIS</a:t>
+            </a:r>
+            <a:r>
+              <a:rPr lang="zh-CN" altLang="en-US" sz="2200" dirty="0"/>
+              <a:t>、</a:t>
+            </a:r>
+            <a:r>
+              <a:rPr lang="en-US" altLang="zh-CN" sz="2200" dirty="0"/>
+              <a:t>Nginx</a:t>
+            </a:r>
+            <a:r>
+              <a:rPr lang="zh-CN" altLang="en-US" sz="2200" dirty="0"/>
+              <a:t>、</a:t>
+            </a:r>
+            <a:r>
+              <a:rPr lang="en-US" altLang="zh-CN" sz="2200" dirty="0"/>
+              <a:t>Apache</a:t>
+            </a:r>
+            <a:r>
+              <a:rPr lang="zh-CN" altLang="en-US" sz="2200" dirty="0"/>
+              <a:t>、</a:t>
+            </a:r>
+            <a:r>
+              <a:rPr lang="en-US" altLang="zh-CN" sz="2200" dirty="0"/>
+              <a:t>Docker</a:t>
+            </a:r>
+            <a:r>
+              <a:rPr lang="zh-CN" altLang="en-US" sz="2200" dirty="0"/>
+              <a:t> 上进行托管或在</a:t>
+            </a:r>
+            <a:r>
+              <a:rPr lang="en-US" altLang="zh-CN" sz="2200" dirty="0"/>
+              <a:t>selfhost</a:t>
+            </a:r>
+            <a:r>
+              <a:rPr lang="zh-CN" altLang="en-US" sz="2200" dirty="0"/>
+              <a:t>进行自托管。</a:t>
+            </a:r>
+          </a:p>
+          <a:p>
+            <a:r>
+              <a:rPr lang="zh-CN" altLang="en-US" sz="2200" dirty="0"/>
+              <a:t>定目标到 </a:t>
+            </a:r>
+            <a:r>
+              <a:rPr lang="en-US" altLang="zh-CN" sz="2200" dirty="0"/>
+              <a:t>.NET Core</a:t>
+            </a:r>
+            <a:r>
+              <a:rPr lang="zh-CN" altLang="en-US" sz="2200" dirty="0"/>
+              <a:t> 时，可以使用并行应用版本控制。</a:t>
+            </a:r>
+          </a:p>
+          <a:p>
+            <a:r>
+              <a:rPr lang="zh-CN" altLang="en-US" sz="2200" dirty="0"/>
+              <a:t>简化新式 </a:t>
+            </a:r>
+            <a:r>
+              <a:rPr lang="en-US" altLang="zh-CN" sz="2200" dirty="0"/>
+              <a:t>Web </a:t>
+            </a:r>
+            <a:r>
+              <a:rPr lang="zh-CN" altLang="en-US" sz="2200" dirty="0"/>
+              <a:t>开发的工具。</a:t>
+            </a:r>
+          </a:p>
+          <a:p>
+            <a:pPr marL="0" indent="0">
+              <a:buNone/>
+            </a:pPr>
+            <a:endParaRPr lang="zh-CN" altLang="en-US" sz="2000" dirty="0"/>
+          </a:p>
+        </p:txBody>
+      </p:sp>
+      <p:pic>
+        <p:nvPicPr>
+          <p:cNvPr id="4" name="图片 3">
+            <a:extLst>
+              <a:ext uri="{FF2B5EF4-FFF2-40B4-BE49-F238E27FC236}">
+                <a16:creationId xmlns:a16="http://schemas.microsoft.com/office/drawing/2014/main" id="{DE8CD431-91C6-4C63-A27F-4E3DA230D41E}"/>
+              </a:ext>
+            </a:extLst>
+          </p:cNvPr>
+          <p:cNvPicPr>
+            <a:picLocks noChangeAspect="1"/>
+          </p:cNvPicPr>
+          <p:nvPr/>
+        </p:nvPicPr>
+        <p:blipFill>
+          <a:blip r:embed="rId2"/>
+          <a:stretch>
+            <a:fillRect/>
+          </a:stretch>
+        </p:blipFill>
         <p:spPr>
           <a:xfrm>
-            <a:off x="838200" y="1690687"/>
-            <a:ext cx="10515600" cy="4887665"/>
+            <a:off x="6912865" y="2186702"/>
+            <a:ext cx="5158537" cy="4207494"/>
           </a:xfrm>
+          <a:prstGeom prst="rect">
+            <a:avLst/>
+          </a:prstGeom>
+          <a:ln>
+            <a:noFill/>
+          </a:ln>
+          <a:effectLst>
+            <a:outerShdw blurRad="292100" dist="139700" dir="2700000" algn="tl" rotWithShape="0">
+              <a:srgbClr val="333333">
+                <a:alpha val="65000"/>
+              </a:srgbClr>
+            </a:outerShdw>
+          </a:effectLst>
         </p:spPr>
-        <p:txBody>
-          <a:bodyPr>
-            <a:normAutofit/>
-          </a:bodyPr>
-          <a:lstStyle/>
-          <a:p>
-            <a:pPr marL="0" indent="0">
-              <a:buNone/>
-            </a:pPr>
-            <a:r>
-              <a:rPr lang="en-US" altLang="zh-CN" sz="3200" dirty="0" err="1"/>
-              <a:t>Host&amp;WebHost</a:t>
-            </a:r>
-            <a:endParaRPr lang="en-US" altLang="zh-CN" sz="3200" dirty="0"/>
-          </a:p>
-          <a:p>
-            <a:pPr marL="0" indent="457200">
-              <a:buNone/>
-            </a:pPr>
-            <a:r>
-              <a:rPr lang="zh-CN" altLang="en-US" dirty="0"/>
-              <a:t>泛型主机与 </a:t>
-            </a:r>
-            <a:r>
-              <a:rPr lang="en-US" altLang="zh-CN" dirty="0"/>
-              <a:t>Web </a:t>
-            </a:r>
-            <a:r>
-              <a:rPr lang="zh-CN" altLang="en-US" dirty="0"/>
-              <a:t>主机的不同之处在于它将 </a:t>
-            </a:r>
-            <a:r>
-              <a:rPr lang="en-US" altLang="zh-CN" dirty="0"/>
-              <a:t>HTTP </a:t>
-            </a:r>
-            <a:r>
-              <a:rPr lang="zh-CN" altLang="en-US" dirty="0"/>
-              <a:t>管道与 </a:t>
-            </a:r>
-            <a:r>
-              <a:rPr lang="en-US" altLang="zh-CN" dirty="0"/>
-              <a:t>Web </a:t>
-            </a:r>
-            <a:r>
-              <a:rPr lang="zh-CN" altLang="en-US" dirty="0"/>
-              <a:t>主机 </a:t>
-            </a:r>
-            <a:r>
-              <a:rPr lang="en-US" altLang="zh-CN" dirty="0"/>
-              <a:t>API </a:t>
-            </a:r>
-            <a:r>
-              <a:rPr lang="zh-CN" altLang="en-US" dirty="0"/>
-              <a:t>分离，以启用更广泛的主机方案。 消息、后台任务和其他非 </a:t>
-            </a:r>
-            <a:r>
-              <a:rPr lang="en-US" altLang="zh-CN" dirty="0"/>
-              <a:t>HTTP </a:t>
-            </a:r>
-            <a:r>
-              <a:rPr lang="zh-CN" altLang="en-US" dirty="0"/>
-              <a:t>工作负载可以使用泛型主机并从横切功能（如配置、依赖关系注入 </a:t>
-            </a:r>
-            <a:r>
-              <a:rPr lang="en-US" altLang="zh-CN" dirty="0"/>
-              <a:t>[DI] </a:t>
-            </a:r>
-            <a:r>
-              <a:rPr lang="zh-CN" altLang="en-US" dirty="0"/>
-              <a:t>和日志记录）中受益</a:t>
-            </a:r>
-            <a:endParaRPr lang="en-US" altLang="zh-CN" dirty="0"/>
-          </a:p>
-          <a:p>
-            <a:pPr marL="0" indent="457200">
-              <a:buNone/>
-            </a:pPr>
-            <a:endParaRPr lang="en-US" altLang="zh-CN" sz="1400" dirty="0"/>
-          </a:p>
-        </p:txBody>
-      </p:sp>
+      </p:pic>
     </p:spTree>
     <p:extLst>
       <p:ext uri="{BB962C8B-B14F-4D97-AF65-F5344CB8AC3E}">
-        <p14:creationId xmlns:p14="http://schemas.microsoft.com/office/powerpoint/2010/main" val="3772027950"/>
+        <p14:creationId xmlns:p14="http://schemas.microsoft.com/office/powerpoint/2010/main" val="4254994627"/>
       </p:ext>
     </p:extLst>
   </p:cSld>
@@ -5155,7 +6121,173 @@
           <a:p>
             <a:r>
               <a:rPr lang="en-US" altLang="zh-CN" dirty="0"/>
-              <a:t>Middleware</a:t>
+              <a:t>Host</a:t>
+            </a:r>
+            <a:endParaRPr lang="zh-CN" altLang="en-US" dirty="0"/>
+          </a:p>
+        </p:txBody>
+      </p:sp>
+      <p:sp>
+        <p:nvSpPr>
+          <p:cNvPr id="3" name="内容占位符 2">
+            <a:extLst>
+              <a:ext uri="{FF2B5EF4-FFF2-40B4-BE49-F238E27FC236}">
+                <a16:creationId xmlns:a16="http://schemas.microsoft.com/office/drawing/2014/main" id="{67DA0846-5AF3-4C60-9843-76A621C21E27}"/>
+              </a:ext>
+            </a:extLst>
+          </p:cNvPr>
+          <p:cNvSpPr>
+            <a:spLocks noGrp="1"/>
+          </p:cNvSpPr>
+          <p:nvPr>
+            <p:ph idx="1"/>
+          </p:nvPr>
+        </p:nvSpPr>
+        <p:spPr>
+          <a:xfrm>
+            <a:off x="838200" y="1690687"/>
+            <a:ext cx="10515600" cy="4887665"/>
+          </a:xfrm>
+        </p:spPr>
+        <p:txBody>
+          <a:bodyPr>
+            <a:normAutofit/>
+          </a:bodyPr>
+          <a:lstStyle/>
+          <a:p>
+            <a:pPr marL="0" indent="0">
+              <a:buNone/>
+            </a:pPr>
+            <a:r>
+              <a:rPr lang="en-US" altLang="zh-CN" sz="3200" dirty="0" err="1"/>
+              <a:t>Host&amp;WebHost</a:t>
+            </a:r>
+            <a:endParaRPr lang="en-US" altLang="zh-CN" sz="3200" dirty="0"/>
+          </a:p>
+          <a:p>
+            <a:pPr marL="0" indent="457200">
+              <a:buNone/>
+            </a:pPr>
+            <a:r>
+              <a:rPr lang="zh-CN" altLang="en-US" dirty="0"/>
+              <a:t>泛型主机与 </a:t>
+            </a:r>
+            <a:r>
+              <a:rPr lang="en-US" altLang="zh-CN" dirty="0"/>
+              <a:t>Web </a:t>
+            </a:r>
+            <a:r>
+              <a:rPr lang="zh-CN" altLang="en-US" dirty="0"/>
+              <a:t>主机的不同之处在于它将 </a:t>
+            </a:r>
+            <a:r>
+              <a:rPr lang="en-US" altLang="zh-CN" dirty="0"/>
+              <a:t>HTTP </a:t>
+            </a:r>
+            <a:r>
+              <a:rPr lang="zh-CN" altLang="en-US" dirty="0"/>
+              <a:t>管道与 </a:t>
+            </a:r>
+            <a:r>
+              <a:rPr lang="en-US" altLang="zh-CN" dirty="0"/>
+              <a:t>Web </a:t>
+            </a:r>
+            <a:r>
+              <a:rPr lang="zh-CN" altLang="en-US" dirty="0"/>
+              <a:t>主机 </a:t>
+            </a:r>
+            <a:r>
+              <a:rPr lang="en-US" altLang="zh-CN" dirty="0"/>
+              <a:t>API </a:t>
+            </a:r>
+            <a:r>
+              <a:rPr lang="zh-CN" altLang="en-US" dirty="0"/>
+              <a:t>分离，以启用更广泛的主机方案。 消息、后台任务和其他非 </a:t>
+            </a:r>
+            <a:r>
+              <a:rPr lang="en-US" altLang="zh-CN" dirty="0"/>
+              <a:t>HTTP </a:t>
+            </a:r>
+            <a:r>
+              <a:rPr lang="zh-CN" altLang="en-US" dirty="0"/>
+              <a:t>工作负载可以使用泛型主机并从横切功能（如配置、依赖关系注入 </a:t>
+            </a:r>
+            <a:r>
+              <a:rPr lang="en-US" altLang="zh-CN" dirty="0"/>
+              <a:t>[DI] </a:t>
+            </a:r>
+            <a:r>
+              <a:rPr lang="zh-CN" altLang="en-US" dirty="0"/>
+              <a:t>和日志记录）中受益</a:t>
+            </a:r>
+            <a:endParaRPr lang="en-US" altLang="zh-CN" dirty="0"/>
+          </a:p>
+          <a:p>
+            <a:pPr marL="0" indent="457200">
+              <a:buNone/>
+            </a:pPr>
+            <a:endParaRPr lang="en-US" altLang="zh-CN" sz="1400" dirty="0"/>
+          </a:p>
+        </p:txBody>
+      </p:sp>
+    </p:spTree>
+    <p:extLst>
+      <p:ext uri="{BB962C8B-B14F-4D97-AF65-F5344CB8AC3E}">
+        <p14:creationId xmlns:p14="http://schemas.microsoft.com/office/powerpoint/2010/main" val="3772027950"/>
+      </p:ext>
+    </p:extLst>
+  </p:cSld>
+  <p:clrMapOvr>
+    <a:masterClrMapping/>
+  </p:clrMapOvr>
+</p:sld>
+</file>
+
+<file path=ppt/slides/slide5.xml><?xml version="1.0" encoding="utf-8"?>
+<p:sld xmlns:a="http://schemas.openxmlformats.org/drawingml/2006/main" xmlns:r="http://schemas.openxmlformats.org/officeDocument/2006/relationships" xmlns:p="http://schemas.openxmlformats.org/presentationml/2006/main">
+  <p:cSld>
+    <p:spTree>
+      <p:nvGrpSpPr>
+        <p:cNvPr id="1" name=""/>
+        <p:cNvGrpSpPr/>
+        <p:nvPr/>
+      </p:nvGrpSpPr>
+      <p:grpSpPr>
+        <a:xfrm>
+          <a:off x="0" y="0"/>
+          <a:ext cx="0" cy="0"/>
+          <a:chOff x="0" y="0"/>
+          <a:chExt cx="0" cy="0"/>
+        </a:xfrm>
+      </p:grpSpPr>
+      <p:sp>
+        <p:nvSpPr>
+          <p:cNvPr id="2" name="标题 1">
+            <a:extLst>
+              <a:ext uri="{FF2B5EF4-FFF2-40B4-BE49-F238E27FC236}">
+                <a16:creationId xmlns:a16="http://schemas.microsoft.com/office/drawing/2014/main" id="{D93F5457-E33E-4DFB-A0C6-F3B921696286}"/>
+              </a:ext>
+            </a:extLst>
+          </p:cNvPr>
+          <p:cNvSpPr>
+            <a:spLocks noGrp="1"/>
+          </p:cNvSpPr>
+          <p:nvPr>
+            <p:ph type="title"/>
+          </p:nvPr>
+        </p:nvSpPr>
+        <p:spPr/>
+        <p:txBody>
+          <a:bodyPr/>
+          <a:lstStyle/>
+          <a:p>
+            <a:r>
+              <a:rPr lang="zh-CN" altLang="en-US" dirty="0"/>
+              <a:t>依赖注入和中间件</a:t>
+            </a:r>
+            <a:r>
+              <a:rPr lang="en-US" altLang="zh-CN" dirty="0"/>
+              <a:t>——Middleware</a:t>
             </a:r>
             <a:endParaRPr lang="zh-CN" altLang="en-US" dirty="0"/>
           </a:p>
@@ -6816,7 +7948,7 @@
 </p:sld>
 </file>
 
-<file path=ppt/slides/slide5.xml><?xml version="1.0" encoding="utf-8"?>
+<file path=ppt/slides/slide6.xml><?xml version="1.0" encoding="utf-8"?>
 <p:sld xmlns:a="http://schemas.openxmlformats.org/drawingml/2006/main" xmlns:r="http://schemas.openxmlformats.org/officeDocument/2006/relationships" xmlns:p="http://schemas.openxmlformats.org/presentationml/2006/main">
   <p:cSld>
     <p:spTree>
@@ -6967,13 +8099,26 @@
             <p:ph type="title"/>
           </p:nvPr>
         </p:nvSpPr>
-        <p:spPr/>
+        <p:spPr>
+          <a:xfrm>
+            <a:off x="838200" y="365125"/>
+            <a:ext cx="10920984" cy="1325563"/>
+          </a:xfrm>
+        </p:spPr>
         <p:txBody>
           <a:bodyPr/>
           <a:lstStyle/>
           <a:p>
             <a:r>
+              <a:rPr lang="zh-CN" altLang="en-US" dirty="0"/>
+              <a:t>依赖注入和中间件</a:t>
+            </a:r>
+            <a:r>
               <a:rPr lang="en-US" altLang="zh-CN" dirty="0"/>
+              <a:t>—— </a:t>
+            </a:r>
+            <a:r>
+              <a:rPr lang="en-US" altLang="zh-CN" dirty="0" err="1"/>
               <a:t>DependencyInjection</a:t>
             </a:r>
             <a:endParaRPr lang="zh-CN" altLang="en-US" dirty="0"/>
@@ -7691,147 +8836,6 @@
 </p:sld>
 </file>
 
-<file path=ppt/slides/slide6.xml><?xml version="1.0" encoding="utf-8"?>
-<p:sld xmlns:a="http://schemas.openxmlformats.org/drawingml/2006/main" xmlns:r="http://schemas.openxmlformats.org/officeDocument/2006/relationships" xmlns:p="http://schemas.openxmlformats.org/presentationml/2006/main">
-  <p:cSld>
-    <p:spTree>
-      <p:nvGrpSpPr>
-        <p:cNvPr id="1" name=""/>
-        <p:cNvGrpSpPr/>
-        <p:nvPr/>
-      </p:nvGrpSpPr>
-      <p:grpSpPr>
-        <a:xfrm>
-          <a:off x="0" y="0"/>
-          <a:ext cx="0" cy="0"/>
-          <a:chOff x="0" y="0"/>
-          <a:chExt cx="0" cy="0"/>
-        </a:xfrm>
-      </p:grpSpPr>
-      <p:sp>
-        <p:nvSpPr>
-          <p:cNvPr id="2" name="标题 1">
-            <a:extLst>
-              <a:ext uri="{FF2B5EF4-FFF2-40B4-BE49-F238E27FC236}">
-                <a16:creationId xmlns:a16="http://schemas.microsoft.com/office/drawing/2014/main" id="{D93F5457-E33E-4DFB-A0C6-F3B921696286}"/>
-              </a:ext>
-            </a:extLst>
-          </p:cNvPr>
-          <p:cNvSpPr>
-            <a:spLocks noGrp="1"/>
-          </p:cNvSpPr>
-          <p:nvPr>
-            <p:ph type="title"/>
-          </p:nvPr>
-        </p:nvSpPr>
-        <p:spPr/>
-        <p:txBody>
-          <a:bodyPr/>
-          <a:lstStyle/>
-          <a:p>
-            <a:r>
-              <a:rPr lang="en-US" altLang="zh-CN" dirty="0"/>
-              <a:t>asp.net core </a:t>
-            </a:r>
-            <a:r>
-              <a:rPr lang="en-US" altLang="zh-CN" dirty="0" err="1"/>
-              <a:t>mvc</a:t>
-            </a:r>
-            <a:endParaRPr lang="zh-CN" altLang="en-US" dirty="0"/>
-          </a:p>
-        </p:txBody>
-      </p:sp>
-      <p:sp>
-        <p:nvSpPr>
-          <p:cNvPr id="15" name="内容占位符 2">
-            <a:extLst>
-              <a:ext uri="{FF2B5EF4-FFF2-40B4-BE49-F238E27FC236}">
-                <a16:creationId xmlns:a16="http://schemas.microsoft.com/office/drawing/2014/main" id="{00DFF36C-FF32-4635-B471-3925665516F8}"/>
-              </a:ext>
-            </a:extLst>
-          </p:cNvPr>
-          <p:cNvSpPr>
-            <a:spLocks noGrp="1"/>
-          </p:cNvSpPr>
-          <p:nvPr>
-            <p:ph idx="1"/>
-          </p:nvPr>
-        </p:nvSpPr>
-        <p:spPr>
-          <a:xfrm>
-            <a:off x="838200" y="1690687"/>
-            <a:ext cx="10515600" cy="4887665"/>
-          </a:xfrm>
-        </p:spPr>
-        <p:txBody>
-          <a:bodyPr>
-            <a:normAutofit/>
-          </a:bodyPr>
-          <a:lstStyle/>
-          <a:p>
-            <a:pPr marL="0" indent="0">
-              <a:buNone/>
-            </a:pPr>
-            <a:r>
-              <a:rPr lang="en-US" altLang="zh-CN" sz="1400" dirty="0" err="1"/>
-              <a:t>MVC</a:t>
-            </a:r>
-            <a:r>
-              <a:rPr lang="zh-CN" altLang="en-US" sz="1400" dirty="0"/>
-              <a:t>结构介绍</a:t>
-            </a:r>
-            <a:endParaRPr lang="en-US" altLang="zh-CN" sz="1400" dirty="0"/>
-          </a:p>
-          <a:p>
-            <a:pPr marL="0" indent="0">
-              <a:buNone/>
-            </a:pPr>
-            <a:r>
-              <a:rPr lang="zh-CN" altLang="en-US" sz="1400" dirty="0"/>
-              <a:t>模型绑定</a:t>
-            </a:r>
-            <a:endParaRPr lang="en-US" altLang="zh-CN" sz="1400" dirty="0"/>
-          </a:p>
-          <a:p>
-            <a:pPr marL="0" indent="0">
-              <a:buNone/>
-            </a:pPr>
-            <a:r>
-              <a:rPr lang="en-US" altLang="zh-CN" sz="1400" dirty="0"/>
-              <a:t>Areas</a:t>
-            </a:r>
-          </a:p>
-          <a:p>
-            <a:pPr marL="0" indent="0">
-              <a:buNone/>
-            </a:pPr>
-            <a:r>
-              <a:rPr lang="zh-CN" altLang="en-US" sz="1400" dirty="0"/>
-              <a:t>布局</a:t>
-            </a:r>
-            <a:endParaRPr lang="en-US" altLang="zh-CN" sz="1400" dirty="0"/>
-          </a:p>
-          <a:p>
-            <a:pPr marL="0" indent="0">
-              <a:buNone/>
-            </a:pPr>
-            <a:endParaRPr lang="en-US" altLang="zh-CN" sz="1400" dirty="0"/>
-          </a:p>
-        </p:txBody>
-      </p:sp>
-    </p:spTree>
-    <p:extLst>
-      <p:ext uri="{BB962C8B-B14F-4D97-AF65-F5344CB8AC3E}">
-        <p14:creationId xmlns:p14="http://schemas.microsoft.com/office/powerpoint/2010/main" val="3338494352"/>
-      </p:ext>
-    </p:extLst>
-  </p:cSld>
-  <p:clrMapOvr>
-    <a:masterClrMapping/>
-  </p:clrMapOvr>
-</p:sld>
-</file>
-
 <file path=ppt/slides/slide7.xml><?xml version="1.0" encoding="utf-8"?>
 <p:sld xmlns:a="http://schemas.openxmlformats.org/drawingml/2006/main" xmlns:r="http://schemas.openxmlformats.org/officeDocument/2006/relationships" xmlns:p="http://schemas.openxmlformats.org/presentationml/2006/main">
   <p:cSld>
@@ -7872,103 +8876,113 @@
           <a:p>
             <a:r>
               <a:rPr lang="en-US" altLang="zh-CN" dirty="0"/>
-              <a:t>filters</a:t>
+              <a:t>asp.net core </a:t>
+            </a:r>
+            <a:r>
+              <a:rPr lang="en-US" altLang="zh-CN" dirty="0" err="1"/>
+              <a:t>mvc</a:t>
             </a:r>
             <a:endParaRPr lang="zh-CN" altLang="en-US" dirty="0"/>
           </a:p>
         </p:txBody>
       </p:sp>
-      <p:pic>
-        <p:nvPicPr>
-          <p:cNvPr id="7" name="内容占位符 6" descr="图片包含 文字, 标牌&#10;&#10;描述已自动生成">
-            <a:extLst>
-              <a:ext uri="{FF2B5EF4-FFF2-40B4-BE49-F238E27FC236}">
-                <a16:creationId xmlns:a16="http://schemas.microsoft.com/office/drawing/2014/main" id="{2DAFA85C-74CD-45D1-B7D2-5068BA268FE3}"/>
-              </a:ext>
-            </a:extLst>
-          </p:cNvPr>
-          <p:cNvPicPr>
-            <a:picLocks noGrp="1" noChangeAspect="1"/>
-          </p:cNvPicPr>
+      <p:sp>
+        <p:nvSpPr>
+          <p:cNvPr id="15" name="内容占位符 2">
+            <a:extLst>
+              <a:ext uri="{FF2B5EF4-FFF2-40B4-BE49-F238E27FC236}">
+                <a16:creationId xmlns:a16="http://schemas.microsoft.com/office/drawing/2014/main" id="{00DFF36C-FF32-4635-B471-3925665516F8}"/>
+              </a:ext>
+            </a:extLst>
+          </p:cNvPr>
+          <p:cNvSpPr>
+            <a:spLocks noGrp="1"/>
+          </p:cNvSpPr>
           <p:nvPr>
             <p:ph idx="1"/>
           </p:nvPr>
-        </p:nvPicPr>
-        <p:blipFill>
-          <a:blip r:embed="rId2">
-            <a:extLst>
-              <a:ext uri="{28A0092B-C50C-407E-A947-70E740481C1C}">
-                <a14:useLocalDpi xmlns:a14="http://schemas.microsoft.com/office/drawing/2010/main" val="0"/>
-              </a:ext>
-            </a:extLst>
-          </a:blip>
-          <a:stretch>
-            <a:fillRect/>
-          </a:stretch>
-        </p:blipFill>
+        </p:nvSpPr>
         <p:spPr>
           <a:xfrm>
-            <a:off x="964771" y="1815057"/>
-            <a:ext cx="1728096" cy="4355269"/>
+            <a:off x="838200" y="1690687"/>
+            <a:ext cx="10515600" cy="4887665"/>
           </a:xfrm>
         </p:spPr>
-      </p:pic>
-      <p:sp>
-        <p:nvSpPr>
-          <p:cNvPr id="8" name="文本框 7">
-            <a:extLst>
-              <a:ext uri="{FF2B5EF4-FFF2-40B4-BE49-F238E27FC236}">
-                <a16:creationId xmlns:a16="http://schemas.microsoft.com/office/drawing/2014/main" id="{43E07749-7485-4989-81A2-FC204197F844}"/>
-              </a:ext>
-            </a:extLst>
-          </p:cNvPr>
-          <p:cNvSpPr txBox="1"/>
-          <p:nvPr/>
-        </p:nvSpPr>
-        <p:spPr>
-          <a:xfrm>
-            <a:off x="4328719" y="2508308"/>
-            <a:ext cx="1800493" cy="923330"/>
-          </a:xfrm>
-          <a:prstGeom prst="rect">
-            <a:avLst/>
-          </a:prstGeom>
-          <a:noFill/>
-        </p:spPr>
-        <p:txBody>
-          <a:bodyPr wrap="none" rtlCol="0">
-            <a:spAutoFit/>
+        <p:txBody>
+          <a:bodyPr>
+            <a:normAutofit/>
           </a:bodyPr>
           <a:lstStyle/>
           <a:p>
             <a:r>
-              <a:rPr lang="en-US" altLang="zh-CN" dirty="0"/>
-              <a:t>DI</a:t>
-            </a:r>
-          </a:p>
-          <a:p>
-            <a:r>
-              <a:rPr lang="zh-CN" altLang="en-US" dirty="0"/>
-              <a:t>特性或工厂特性</a:t>
-            </a:r>
-            <a:endParaRPr lang="en-US" altLang="zh-CN" dirty="0"/>
-          </a:p>
-          <a:p>
-            <a:r>
-              <a:rPr lang="zh-CN" altLang="en-US"/>
-              <a:t>全局</a:t>
-            </a:r>
-            <a:r>
-              <a:rPr lang="zh-CN" altLang="en-US" dirty="0"/>
-              <a:t>筛选器</a:t>
-            </a:r>
+              <a:rPr lang="en-US" altLang="zh-CN" sz="1600" dirty="0" err="1"/>
+              <a:t>MVC</a:t>
+            </a:r>
+            <a:r>
+              <a:rPr lang="zh-CN" altLang="en-US" sz="1600" dirty="0"/>
+              <a:t>结构介绍</a:t>
+            </a:r>
+            <a:r>
+              <a:rPr lang="en-US" altLang="zh-CN" sz="1600" dirty="0"/>
+              <a:t>-model</a:t>
+            </a:r>
+            <a:r>
+              <a:rPr lang="zh-CN" altLang="en-US" sz="1600" dirty="0"/>
+              <a:t>，</a:t>
+            </a:r>
+            <a:r>
+              <a:rPr lang="en-US" altLang="zh-CN" sz="1600" dirty="0"/>
+              <a:t>view</a:t>
+            </a:r>
+            <a:r>
+              <a:rPr lang="zh-CN" altLang="en-US" sz="1600" dirty="0"/>
+              <a:t>，</a:t>
+            </a:r>
+            <a:r>
+              <a:rPr lang="en-US" altLang="zh-CN" sz="1600" dirty="0"/>
+              <a:t>controller</a:t>
+            </a:r>
+          </a:p>
+          <a:p>
+            <a:r>
+              <a:rPr lang="zh-CN" altLang="en-US" sz="1600" dirty="0"/>
+              <a:t>模型绑定</a:t>
+            </a:r>
+            <a:r>
+              <a:rPr lang="en-US" altLang="zh-CN" sz="1600" dirty="0"/>
+              <a:t>-</a:t>
+            </a:r>
+            <a:r>
+              <a:rPr lang="zh-CN" altLang="en-US" sz="1600" dirty="0"/>
+              <a:t>自动生成，验证，前端生成</a:t>
+            </a:r>
+            <a:endParaRPr lang="en-US" altLang="zh-CN" sz="1600" dirty="0"/>
+          </a:p>
+          <a:p>
+            <a:r>
+              <a:rPr lang="en-US" altLang="zh-CN" sz="1600" dirty="0"/>
+              <a:t>Areas</a:t>
+            </a:r>
+          </a:p>
+          <a:p>
+            <a:r>
+              <a:rPr lang="zh-CN" altLang="en-US" sz="1600" dirty="0"/>
+              <a:t>布局</a:t>
+            </a:r>
+            <a:endParaRPr lang="en-US" altLang="zh-CN" sz="1600" dirty="0"/>
+          </a:p>
+          <a:p>
+            <a:pPr marL="0" indent="0">
+              <a:buNone/>
+            </a:pPr>
+            <a:endParaRPr lang="en-US" altLang="zh-CN" sz="1400" dirty="0"/>
           </a:p>
         </p:txBody>
       </p:sp>
     </p:spTree>
     <p:extLst>
       <p:ext uri="{BB962C8B-B14F-4D97-AF65-F5344CB8AC3E}">
-        <p14:creationId xmlns:p14="http://schemas.microsoft.com/office/powerpoint/2010/main" val="860166398"/>
+        <p14:creationId xmlns:p14="http://schemas.microsoft.com/office/powerpoint/2010/main" val="3338494352"/>
       </p:ext>
     </p:extLst>
   </p:cSld>
@@ -8018,94 +9032,27 @@
           <a:p>
             <a:r>
               <a:rPr lang="en-US" altLang="zh-CN" dirty="0"/>
-              <a:t>Configuration</a:t>
+              <a:t>filters</a:t>
             </a:r>
             <a:endParaRPr lang="zh-CN" altLang="en-US" dirty="0"/>
-          </a:p>
-        </p:txBody>
-      </p:sp>
-      <p:sp>
-        <p:nvSpPr>
-          <p:cNvPr id="15" name="内容占位符 2">
-            <a:extLst>
-              <a:ext uri="{FF2B5EF4-FFF2-40B4-BE49-F238E27FC236}">
-                <a16:creationId xmlns:a16="http://schemas.microsoft.com/office/drawing/2014/main" id="{00DFF36C-FF32-4635-B471-3925665516F8}"/>
-              </a:ext>
-            </a:extLst>
-          </p:cNvPr>
-          <p:cNvSpPr>
-            <a:spLocks noGrp="1"/>
-          </p:cNvSpPr>
-          <p:nvPr>
-            <p:ph idx="1"/>
-          </p:nvPr>
-        </p:nvSpPr>
-        <p:spPr>
-          <a:xfrm>
-            <a:off x="838200" y="1690687"/>
-            <a:ext cx="10515600" cy="4887665"/>
-          </a:xfrm>
-        </p:spPr>
-        <p:txBody>
-          <a:bodyPr>
-            <a:normAutofit/>
-          </a:bodyPr>
-          <a:lstStyle/>
-          <a:p>
-            <a:r>
-              <a:rPr lang="zh-CN" altLang="en-US" sz="1400" dirty="0"/>
-              <a:t>配置文件</a:t>
-            </a:r>
-            <a:endParaRPr lang="en-US" altLang="zh-CN" sz="1400" dirty="0"/>
-          </a:p>
-          <a:p>
-            <a:r>
-              <a:rPr lang="zh-CN" altLang="en-US" sz="1400" dirty="0"/>
-              <a:t>热更新</a:t>
-            </a:r>
-            <a:r>
-              <a:rPr lang="en-US" altLang="zh-CN" sz="1400" dirty="0"/>
-              <a:t>(</a:t>
-            </a:r>
-            <a:r>
-              <a:rPr lang="zh-CN" altLang="en-US" sz="1400" dirty="0"/>
-              <a:t>内存会增加</a:t>
-            </a:r>
-            <a:r>
-              <a:rPr lang="en-US" altLang="zh-CN" sz="1400" dirty="0"/>
-              <a:t>)</a:t>
-            </a:r>
-          </a:p>
-          <a:p>
-            <a:r>
-              <a:rPr lang="zh-CN" altLang="en-US" sz="1400" dirty="0"/>
-              <a:t>用</a:t>
-            </a:r>
-            <a:r>
-              <a:rPr lang="en-US" altLang="zh-CN" sz="1400" dirty="0"/>
-              <a:t>Azure</a:t>
-            </a:r>
-            <a:r>
-              <a:rPr lang="zh-CN" altLang="en-US" sz="1400" dirty="0"/>
-              <a:t>机密保存机密配置文件</a:t>
-            </a:r>
-            <a:endParaRPr lang="en-US" altLang="zh-CN" sz="1400" dirty="0"/>
           </a:p>
         </p:txBody>
       </p:sp>
       <p:pic>
         <p:nvPicPr>
-          <p:cNvPr id="4" name="图片 3" descr="图片包含 屏幕截图, 监视器, 屏幕, 黑色&#10;&#10;描述已自动生成">
-            <a:extLst>
-              <a:ext uri="{FF2B5EF4-FFF2-40B4-BE49-F238E27FC236}">
-                <a16:creationId xmlns:a16="http://schemas.microsoft.com/office/drawing/2014/main" id="{9121572A-A81B-4C8D-A7D8-97E17EFF236B}"/>
+          <p:cNvPr id="7" name="内容占位符 6" descr="图片包含 文字, 标牌&#10;&#10;描述已自动生成">
+            <a:extLst>
+              <a:ext uri="{FF2B5EF4-FFF2-40B4-BE49-F238E27FC236}">
+                <a16:creationId xmlns:a16="http://schemas.microsoft.com/office/drawing/2014/main" id="{2DAFA85C-74CD-45D1-B7D2-5068BA268FE3}"/>
               </a:ext>
             </a:extLst>
           </p:cNvPr>
           <p:cNvPicPr>
-            <a:picLocks noChangeAspect="1"/>
+            <a:picLocks noGrp="1" noChangeAspect="1"/>
           </p:cNvPicPr>
-          <p:nvPr/>
+          <p:nvPr>
+            <p:ph idx="1"/>
+          </p:nvPr>
         </p:nvPicPr>
         <p:blipFill>
           <a:blip r:embed="rId2">
@@ -8121,18 +9068,75 @@
         </p:blipFill>
         <p:spPr>
           <a:xfrm>
-            <a:off x="6538823" y="2533151"/>
-            <a:ext cx="3777688" cy="3005453"/>
+            <a:off x="4917030" y="1394433"/>
+            <a:ext cx="2022974" cy="5098442"/>
+          </a:xfrm>
+        </p:spPr>
+      </p:pic>
+      <p:sp>
+        <p:nvSpPr>
+          <p:cNvPr id="8" name="文本框 7">
+            <a:extLst>
+              <a:ext uri="{FF2B5EF4-FFF2-40B4-BE49-F238E27FC236}">
+                <a16:creationId xmlns:a16="http://schemas.microsoft.com/office/drawing/2014/main" id="{43E07749-7485-4989-81A2-FC204197F844}"/>
+              </a:ext>
+            </a:extLst>
+          </p:cNvPr>
+          <p:cNvSpPr txBox="1"/>
+          <p:nvPr/>
+        </p:nvSpPr>
+        <p:spPr>
+          <a:xfrm>
+            <a:off x="1183183" y="1852014"/>
+            <a:ext cx="1909497" cy="830997"/>
           </a:xfrm>
           <a:prstGeom prst="rect">
             <a:avLst/>
           </a:prstGeom>
+          <a:noFill/>
         </p:spPr>
-      </p:pic>
+        <p:txBody>
+          <a:bodyPr wrap="none" rtlCol="0">
+            <a:spAutoFit/>
+          </a:bodyPr>
+          <a:lstStyle/>
+          <a:p>
+            <a:pPr marL="285750" indent="-285750">
+              <a:buFont typeface="Arial" panose="020B0604020202020204" pitchFamily="34" charset="0"/>
+              <a:buChar char="•"/>
+            </a:pPr>
+            <a:r>
+              <a:rPr lang="en-US" altLang="zh-CN" sz="1600" dirty="0"/>
+              <a:t>DI</a:t>
+            </a:r>
+          </a:p>
+          <a:p>
+            <a:pPr marL="285750" indent="-285750">
+              <a:buFont typeface="Arial" panose="020B0604020202020204" pitchFamily="34" charset="0"/>
+              <a:buChar char="•"/>
+            </a:pPr>
+            <a:r>
+              <a:rPr lang="zh-CN" altLang="en-US" sz="1600" dirty="0"/>
+              <a:t>特性或工厂特性</a:t>
+            </a:r>
+            <a:endParaRPr lang="en-US" altLang="zh-CN" sz="1600" dirty="0"/>
+          </a:p>
+          <a:p>
+            <a:pPr marL="285750" indent="-285750">
+              <a:buFont typeface="Arial" panose="020B0604020202020204" pitchFamily="34" charset="0"/>
+              <a:buChar char="•"/>
+            </a:pPr>
+            <a:r>
+              <a:rPr lang="zh-CN" altLang="en-US" sz="1600" dirty="0"/>
+              <a:t>全局筛选器</a:t>
+            </a:r>
+          </a:p>
+        </p:txBody>
+      </p:sp>
     </p:spTree>
     <p:extLst>
       <p:ext uri="{BB962C8B-B14F-4D97-AF65-F5344CB8AC3E}">
-        <p14:creationId xmlns:p14="http://schemas.microsoft.com/office/powerpoint/2010/main" val="3737659612"/>
+        <p14:creationId xmlns:p14="http://schemas.microsoft.com/office/powerpoint/2010/main" val="860166398"/>
       </p:ext>
     </p:extLst>
   </p:cSld>
@@ -8217,48 +9221,52 @@
           <a:lstStyle/>
           <a:p>
             <a:r>
-              <a:rPr lang="zh-CN" altLang="en-US" sz="1400" dirty="0"/>
-              <a:t>下载</a:t>
-            </a:r>
-            <a:r>
-              <a:rPr lang="en-US" altLang="zh-CN" sz="1400" dirty="0"/>
-              <a:t>Azure CLI  </a:t>
-            </a:r>
-            <a:r>
-              <a:rPr lang="en-US" altLang="zh-CN" sz="1400" dirty="0">
-                <a:hlinkClick r:id="rId2"/>
-              </a:rPr>
-              <a:t>https://docs.microsoft.com/zh-cn/cli/azure/install-azure-cli-windows?view=azure-cli-latest</a:t>
-            </a:r>
-            <a:endParaRPr lang="en-US" altLang="zh-CN" sz="1400" dirty="0"/>
-          </a:p>
-          <a:p>
-            <a:r>
-              <a:rPr lang="zh-CN" altLang="en-US" sz="1400" dirty="0"/>
-              <a:t>安装并运行</a:t>
-            </a:r>
-            <a:r>
-              <a:rPr lang="en-US" altLang="zh-CN" sz="1400" dirty="0" err="1"/>
-              <a:t>az</a:t>
-            </a:r>
-            <a:r>
-              <a:rPr lang="en-US" altLang="zh-CN" sz="1400" dirty="0"/>
-              <a:t> login</a:t>
-            </a:r>
-            <a:r>
-              <a:rPr lang="zh-CN" altLang="en-US" sz="1400" dirty="0"/>
-              <a:t>进行登录</a:t>
-            </a:r>
-            <a:endParaRPr lang="en-US" altLang="zh-CN" sz="1400" dirty="0"/>
+              <a:rPr lang="zh-CN" altLang="en-US" sz="1600" dirty="0"/>
+              <a:t>配置文件</a:t>
+            </a:r>
+            <a:endParaRPr lang="en-US" altLang="zh-CN" sz="1600" dirty="0"/>
+          </a:p>
+          <a:p>
+            <a:r>
+              <a:rPr lang="zh-CN" altLang="en-US" sz="1600" dirty="0"/>
+              <a:t>热更新</a:t>
+            </a:r>
+            <a:r>
+              <a:rPr lang="en-US" altLang="zh-CN" sz="1600" dirty="0"/>
+              <a:t>(</a:t>
+            </a:r>
+            <a:r>
+              <a:rPr lang="zh-CN" altLang="en-US" sz="1600" dirty="0"/>
+              <a:t>内存会增加</a:t>
+            </a:r>
+            <a:r>
+              <a:rPr lang="en-US" altLang="zh-CN" sz="1600" dirty="0"/>
+              <a:t>)</a:t>
+            </a:r>
+          </a:p>
+          <a:p>
+            <a:r>
+              <a:rPr lang="zh-CN" altLang="en-US" sz="1600" dirty="0"/>
+              <a:t>用</a:t>
+            </a:r>
+            <a:r>
+              <a:rPr lang="en-US" altLang="zh-CN" sz="1600" dirty="0"/>
+              <a:t>Azure</a:t>
+            </a:r>
+            <a:r>
+              <a:rPr lang="zh-CN" altLang="en-US" sz="1600" dirty="0"/>
+              <a:t>机密保存机密配置文件</a:t>
+            </a:r>
+            <a:endParaRPr lang="en-US" altLang="zh-CN" sz="1600" dirty="0"/>
           </a:p>
         </p:txBody>
       </p:sp>
       <p:pic>
         <p:nvPicPr>
-          <p:cNvPr id="5" name="图片 4">
-            <a:extLst>
-              <a:ext uri="{FF2B5EF4-FFF2-40B4-BE49-F238E27FC236}">
-                <a16:creationId xmlns:a16="http://schemas.microsoft.com/office/drawing/2014/main" id="{38653F5B-A6F8-45B4-B576-AAD23FCE1F80}"/>
+          <p:cNvPr id="4" name="图片 3" descr="图片包含 屏幕截图, 监视器, 屏幕, 黑色&#10;&#10;描述已自动生成">
+            <a:extLst>
+              <a:ext uri="{FF2B5EF4-FFF2-40B4-BE49-F238E27FC236}">
+                <a16:creationId xmlns:a16="http://schemas.microsoft.com/office/drawing/2014/main" id="{9121572A-A81B-4C8D-A7D8-97E17EFF236B}"/>
               </a:ext>
             </a:extLst>
           </p:cNvPr>
@@ -8268,15 +9276,21 @@
           <p:nvPr/>
         </p:nvPicPr>
         <p:blipFill>
-          <a:blip r:embed="rId3"/>
+          <a:blip r:embed="rId2">
+            <a:extLst>
+              <a:ext uri="{28A0092B-C50C-407E-A947-70E740481C1C}">
+                <a14:useLocalDpi xmlns:a14="http://schemas.microsoft.com/office/drawing/2010/main" val="0"/>
+              </a:ext>
+            </a:extLst>
+          </a:blip>
           <a:stretch>
             <a:fillRect/>
           </a:stretch>
         </p:blipFill>
         <p:spPr>
           <a:xfrm>
-            <a:off x="1173512" y="2827148"/>
-            <a:ext cx="9173855" cy="2915057"/>
+            <a:off x="6538823" y="2533151"/>
+            <a:ext cx="3777688" cy="3005453"/>
           </a:xfrm>
           <a:prstGeom prst="rect">
             <a:avLst/>
@@ -8286,7 +9300,7 @@
     </p:spTree>
     <p:extLst>
       <p:ext uri="{BB962C8B-B14F-4D97-AF65-F5344CB8AC3E}">
-        <p14:creationId xmlns:p14="http://schemas.microsoft.com/office/powerpoint/2010/main" val="1183203262"/>
+        <p14:creationId xmlns:p14="http://schemas.microsoft.com/office/powerpoint/2010/main" val="3737659612"/>
       </p:ext>
     </p:extLst>
   </p:cSld>

--- a/aspnetcore3.0course/docs/aspnetcore3.0course.pptx
+++ b/aspnetcore3.0course/docs/aspnetcore3.0course.pptx
@@ -26,6 +26,8 @@
     <p:sldId id="274" r:id="rId20"/>
     <p:sldId id="275" r:id="rId21"/>
     <p:sldId id="276" r:id="rId22"/>
+    <p:sldId id="277" r:id="rId23"/>
+    <p:sldId id="278" r:id="rId24"/>
   </p:sldIdLst>
   <p:sldSz cx="12192000" cy="6858000"/>
   <p:notesSz cx="6858000" cy="9144000"/>
@@ -279,7 +281,7 @@
           <a:p>
             <a:fld id="{0CB35010-EDBB-44E1-81B6-E54FF20221CB}" type="datetimeFigureOut">
               <a:rPr lang="zh-CN" altLang="en-US" smtClean="0"/>
-              <a:t>2019/7/15</a:t>
+              <a:t>2019/7/16</a:t>
             </a:fld>
             <a:endParaRPr lang="zh-CN" altLang="en-US"/>
           </a:p>
@@ -477,7 +479,7 @@
           <a:p>
             <a:fld id="{0CB35010-EDBB-44E1-81B6-E54FF20221CB}" type="datetimeFigureOut">
               <a:rPr lang="zh-CN" altLang="en-US" smtClean="0"/>
-              <a:t>2019/7/15</a:t>
+              <a:t>2019/7/16</a:t>
             </a:fld>
             <a:endParaRPr lang="zh-CN" altLang="en-US"/>
           </a:p>
@@ -685,7 +687,7 @@
           <a:p>
             <a:fld id="{0CB35010-EDBB-44E1-81B6-E54FF20221CB}" type="datetimeFigureOut">
               <a:rPr lang="zh-CN" altLang="en-US" smtClean="0"/>
-              <a:t>2019/7/15</a:t>
+              <a:t>2019/7/16</a:t>
             </a:fld>
             <a:endParaRPr lang="zh-CN" altLang="en-US"/>
           </a:p>
@@ -883,7 +885,7 @@
           <a:p>
             <a:fld id="{0CB35010-EDBB-44E1-81B6-E54FF20221CB}" type="datetimeFigureOut">
               <a:rPr lang="zh-CN" altLang="en-US" smtClean="0"/>
-              <a:t>2019/7/15</a:t>
+              <a:t>2019/7/16</a:t>
             </a:fld>
             <a:endParaRPr lang="zh-CN" altLang="en-US"/>
           </a:p>
@@ -1158,7 +1160,7 @@
           <a:p>
             <a:fld id="{0CB35010-EDBB-44E1-81B6-E54FF20221CB}" type="datetimeFigureOut">
               <a:rPr lang="zh-CN" altLang="en-US" smtClean="0"/>
-              <a:t>2019/7/15</a:t>
+              <a:t>2019/7/16</a:t>
             </a:fld>
             <a:endParaRPr lang="zh-CN" altLang="en-US"/>
           </a:p>
@@ -1423,7 +1425,7 @@
           <a:p>
             <a:fld id="{0CB35010-EDBB-44E1-81B6-E54FF20221CB}" type="datetimeFigureOut">
               <a:rPr lang="zh-CN" altLang="en-US" smtClean="0"/>
-              <a:t>2019/7/15</a:t>
+              <a:t>2019/7/16</a:t>
             </a:fld>
             <a:endParaRPr lang="zh-CN" altLang="en-US"/>
           </a:p>
@@ -1835,7 +1837,7 @@
           <a:p>
             <a:fld id="{0CB35010-EDBB-44E1-81B6-E54FF20221CB}" type="datetimeFigureOut">
               <a:rPr lang="zh-CN" altLang="en-US" smtClean="0"/>
-              <a:t>2019/7/15</a:t>
+              <a:t>2019/7/16</a:t>
             </a:fld>
             <a:endParaRPr lang="zh-CN" altLang="en-US"/>
           </a:p>
@@ -1976,7 +1978,7 @@
           <a:p>
             <a:fld id="{0CB35010-EDBB-44E1-81B6-E54FF20221CB}" type="datetimeFigureOut">
               <a:rPr lang="zh-CN" altLang="en-US" smtClean="0"/>
-              <a:t>2019/7/15</a:t>
+              <a:t>2019/7/16</a:t>
             </a:fld>
             <a:endParaRPr lang="zh-CN" altLang="en-US"/>
           </a:p>
@@ -2089,7 +2091,7 @@
           <a:p>
             <a:fld id="{0CB35010-EDBB-44E1-81B6-E54FF20221CB}" type="datetimeFigureOut">
               <a:rPr lang="zh-CN" altLang="en-US" smtClean="0"/>
-              <a:t>2019/7/15</a:t>
+              <a:t>2019/7/16</a:t>
             </a:fld>
             <a:endParaRPr lang="zh-CN" altLang="en-US"/>
           </a:p>
@@ -2400,7 +2402,7 @@
           <a:p>
             <a:fld id="{0CB35010-EDBB-44E1-81B6-E54FF20221CB}" type="datetimeFigureOut">
               <a:rPr lang="zh-CN" altLang="en-US" smtClean="0"/>
-              <a:t>2019/7/15</a:t>
+              <a:t>2019/7/16</a:t>
             </a:fld>
             <a:endParaRPr lang="zh-CN" altLang="en-US"/>
           </a:p>
@@ -2688,7 +2690,7 @@
           <a:p>
             <a:fld id="{0CB35010-EDBB-44E1-81B6-E54FF20221CB}" type="datetimeFigureOut">
               <a:rPr lang="zh-CN" altLang="en-US" smtClean="0"/>
-              <a:t>2019/7/15</a:t>
+              <a:t>2019/7/16</a:t>
             </a:fld>
             <a:endParaRPr lang="zh-CN" altLang="en-US"/>
           </a:p>
@@ -2929,7 +2931,7 @@
           <a:p>
             <a:fld id="{0CB35010-EDBB-44E1-81B6-E54FF20221CB}" type="datetimeFigureOut">
               <a:rPr lang="zh-CN" altLang="en-US" smtClean="0"/>
-              <a:t>2019/7/15</a:t>
+              <a:t>2019/7/16</a:t>
             </a:fld>
             <a:endParaRPr lang="zh-CN" altLang="en-US"/>
           </a:p>
@@ -5710,6 +5712,877 @@
     <p:extLst>
       <p:ext uri="{BB962C8B-B14F-4D97-AF65-F5344CB8AC3E}">
         <p14:creationId xmlns:p14="http://schemas.microsoft.com/office/powerpoint/2010/main" val="1165989208"/>
+      </p:ext>
+    </p:extLst>
+  </p:cSld>
+  <p:clrMapOvr>
+    <a:masterClrMapping/>
+  </p:clrMapOvr>
+</p:sld>
+</file>
+
+<file path=ppt/slides/slide22.xml><?xml version="1.0" encoding="utf-8"?>
+<p:sld xmlns:a="http://schemas.openxmlformats.org/drawingml/2006/main" xmlns:r="http://schemas.openxmlformats.org/officeDocument/2006/relationships" xmlns:p="http://schemas.openxmlformats.org/presentationml/2006/main">
+  <p:cSld>
+    <p:spTree>
+      <p:nvGrpSpPr>
+        <p:cNvPr id="1" name=""/>
+        <p:cNvGrpSpPr/>
+        <p:nvPr/>
+      </p:nvGrpSpPr>
+      <p:grpSpPr>
+        <a:xfrm>
+          <a:off x="0" y="0"/>
+          <a:ext cx="0" cy="0"/>
+          <a:chOff x="0" y="0"/>
+          <a:chExt cx="0" cy="0"/>
+        </a:xfrm>
+      </p:grpSpPr>
+      <p:sp>
+        <p:nvSpPr>
+          <p:cNvPr id="2" name="标题 1">
+            <a:extLst>
+              <a:ext uri="{FF2B5EF4-FFF2-40B4-BE49-F238E27FC236}">
+                <a16:creationId xmlns:a16="http://schemas.microsoft.com/office/drawing/2014/main" id="{D93F5457-E33E-4DFB-A0C6-F3B921696286}"/>
+              </a:ext>
+            </a:extLst>
+          </p:cNvPr>
+          <p:cNvSpPr>
+            <a:spLocks noGrp="1"/>
+          </p:cNvSpPr>
+          <p:nvPr>
+            <p:ph type="title"/>
+          </p:nvPr>
+        </p:nvSpPr>
+        <p:spPr/>
+        <p:txBody>
+          <a:bodyPr/>
+          <a:lstStyle/>
+          <a:p>
+            <a:r>
+              <a:rPr lang="en-US" altLang="zh-CN" dirty="0"/>
+              <a:t>Restful API</a:t>
+            </a:r>
+            <a:endParaRPr lang="zh-CN" altLang="en-US" dirty="0"/>
+          </a:p>
+        </p:txBody>
+      </p:sp>
+      <p:sp>
+        <p:nvSpPr>
+          <p:cNvPr id="15" name="内容占位符 2">
+            <a:extLst>
+              <a:ext uri="{FF2B5EF4-FFF2-40B4-BE49-F238E27FC236}">
+                <a16:creationId xmlns:a16="http://schemas.microsoft.com/office/drawing/2014/main" id="{00DFF36C-FF32-4635-B471-3925665516F8}"/>
+              </a:ext>
+            </a:extLst>
+          </p:cNvPr>
+          <p:cNvSpPr>
+            <a:spLocks noGrp="1"/>
+          </p:cNvSpPr>
+          <p:nvPr>
+            <p:ph idx="1"/>
+          </p:nvPr>
+        </p:nvSpPr>
+        <p:spPr>
+          <a:xfrm>
+            <a:off x="838200" y="1690687"/>
+            <a:ext cx="10515600" cy="4887665"/>
+          </a:xfrm>
+        </p:spPr>
+        <p:txBody>
+          <a:bodyPr>
+            <a:normAutofit/>
+          </a:bodyPr>
+          <a:lstStyle/>
+          <a:p>
+            <a:pPr marL="0" indent="0">
+              <a:lnSpc>
+                <a:spcPct val="100000"/>
+              </a:lnSpc>
+              <a:buNone/>
+            </a:pPr>
+            <a:r>
+              <a:rPr lang="en-US" altLang="zh-CN" sz="1600" dirty="0"/>
+              <a:t>RESTful API </a:t>
+            </a:r>
+            <a:r>
+              <a:rPr lang="zh-CN" altLang="en-US" sz="1600" dirty="0"/>
+              <a:t>最关心的有这几方面</a:t>
+            </a:r>
+            <a:r>
+              <a:rPr lang="en-US" altLang="zh-CN" sz="1600" dirty="0"/>
+              <a:t>: </a:t>
+            </a:r>
+            <a:r>
+              <a:rPr lang="zh-CN" altLang="en-US" sz="1600" b="1" dirty="0"/>
+              <a:t>性能</a:t>
+            </a:r>
+            <a:r>
+              <a:rPr lang="en-US" altLang="zh-CN" sz="1600" b="1" dirty="0"/>
+              <a:t>, </a:t>
+            </a:r>
+            <a:r>
+              <a:rPr lang="zh-CN" altLang="en-US" sz="1600" b="1" dirty="0"/>
+              <a:t>可扩展性</a:t>
+            </a:r>
+            <a:r>
+              <a:rPr lang="en-US" altLang="zh-CN" sz="1600" b="1" dirty="0"/>
+              <a:t>, </a:t>
+            </a:r>
+            <a:r>
+              <a:rPr lang="zh-CN" altLang="en-US" sz="1600" b="1" dirty="0"/>
+              <a:t>简洁性</a:t>
+            </a:r>
+            <a:r>
+              <a:rPr lang="en-US" altLang="zh-CN" sz="1600" b="1" dirty="0"/>
+              <a:t>, </a:t>
+            </a:r>
+            <a:r>
+              <a:rPr lang="zh-CN" altLang="en-US" sz="1600" b="1" dirty="0"/>
+              <a:t>互操作性</a:t>
+            </a:r>
+            <a:r>
+              <a:rPr lang="en-US" altLang="zh-CN" sz="1600" b="1" dirty="0"/>
+              <a:t>, </a:t>
+            </a:r>
+            <a:r>
+              <a:rPr lang="zh-CN" altLang="en-US" sz="1600" b="1" dirty="0"/>
+              <a:t>通讯可见性</a:t>
+            </a:r>
+            <a:r>
+              <a:rPr lang="en-US" altLang="zh-CN" sz="1600" b="1" dirty="0"/>
+              <a:t>, </a:t>
+            </a:r>
+            <a:r>
+              <a:rPr lang="zh-CN" altLang="en-US" sz="1600" b="1" dirty="0"/>
+              <a:t>组件便携性和可靠性</a:t>
+            </a:r>
+            <a:r>
+              <a:rPr lang="en-US" altLang="zh-CN" sz="1600" dirty="0"/>
+              <a:t>.</a:t>
+            </a:r>
+          </a:p>
+          <a:p>
+            <a:pPr marL="0" indent="0">
+              <a:lnSpc>
+                <a:spcPct val="100000"/>
+              </a:lnSpc>
+              <a:buNone/>
+            </a:pPr>
+            <a:r>
+              <a:rPr lang="zh-CN" altLang="en-US" sz="1600" dirty="0"/>
+              <a:t>这些方面被封装在</a:t>
+            </a:r>
+            <a:r>
+              <a:rPr lang="en-US" altLang="zh-CN" sz="1600" dirty="0"/>
+              <a:t>REST</a:t>
+            </a:r>
+            <a:r>
+              <a:rPr lang="zh-CN" altLang="en-US" sz="1600" dirty="0"/>
+              <a:t>的</a:t>
+            </a:r>
+            <a:r>
+              <a:rPr lang="en-US" altLang="zh-CN" sz="1600" dirty="0"/>
+              <a:t>6</a:t>
+            </a:r>
+            <a:r>
+              <a:rPr lang="zh-CN" altLang="en-US" sz="1600" dirty="0"/>
+              <a:t>个原则里</a:t>
+            </a:r>
+            <a:r>
+              <a:rPr lang="en-US" altLang="zh-CN" sz="1600" dirty="0"/>
+              <a:t>, </a:t>
+            </a:r>
+            <a:r>
+              <a:rPr lang="zh-CN" altLang="en-US" sz="1600" dirty="0"/>
+              <a:t>它们是</a:t>
+            </a:r>
+            <a:r>
+              <a:rPr lang="en-US" altLang="zh-CN" sz="1600" dirty="0"/>
+              <a:t>: </a:t>
+            </a:r>
+          </a:p>
+          <a:p>
+            <a:pPr>
+              <a:lnSpc>
+                <a:spcPct val="100000"/>
+              </a:lnSpc>
+            </a:pPr>
+            <a:r>
+              <a:rPr lang="en-US" altLang="zh-CN" sz="1600" dirty="0"/>
+              <a:t>1. </a:t>
+            </a:r>
+            <a:r>
+              <a:rPr lang="zh-CN" altLang="en-US" sz="1600" b="1" dirty="0"/>
+              <a:t>客服端</a:t>
+            </a:r>
+            <a:r>
+              <a:rPr lang="en-US" altLang="zh-CN" sz="1600" b="1" dirty="0"/>
+              <a:t>-</a:t>
+            </a:r>
+            <a:r>
+              <a:rPr lang="zh-CN" altLang="en-US" sz="1600" b="1" dirty="0"/>
+              <a:t>服务端约束</a:t>
+            </a:r>
+            <a:r>
+              <a:rPr lang="en-US" altLang="zh-CN" sz="1600" dirty="0"/>
+              <a:t>: </a:t>
+            </a:r>
+            <a:r>
+              <a:rPr lang="zh-CN" altLang="en-US" sz="1600" dirty="0"/>
+              <a:t>客户端和服务端是分离的</a:t>
+            </a:r>
+            <a:r>
+              <a:rPr lang="en-US" altLang="zh-CN" sz="1600" dirty="0"/>
+              <a:t>, </a:t>
+            </a:r>
+            <a:r>
+              <a:rPr lang="zh-CN" altLang="en-US" sz="1600" dirty="0"/>
+              <a:t>它们可以独自的进化</a:t>
+            </a:r>
+            <a:r>
+              <a:rPr lang="en-US" altLang="zh-CN" sz="1600" dirty="0"/>
+              <a:t>.</a:t>
+            </a:r>
+          </a:p>
+          <a:p>
+            <a:pPr>
+              <a:lnSpc>
+                <a:spcPct val="100000"/>
+              </a:lnSpc>
+            </a:pPr>
+            <a:r>
+              <a:rPr lang="en-US" altLang="zh-CN" sz="1600" dirty="0"/>
+              <a:t>2. </a:t>
+            </a:r>
+            <a:r>
+              <a:rPr lang="zh-CN" altLang="en-US" sz="1600" b="1" dirty="0"/>
+              <a:t>无状态</a:t>
+            </a:r>
+            <a:r>
+              <a:rPr lang="en-US" altLang="zh-CN" sz="1600" dirty="0"/>
+              <a:t>: </a:t>
+            </a:r>
+            <a:r>
+              <a:rPr lang="zh-CN" altLang="en-US" sz="1600" dirty="0"/>
+              <a:t>客户端和服务段的通信必须是无状态的</a:t>
+            </a:r>
+            <a:r>
+              <a:rPr lang="en-US" altLang="zh-CN" sz="1600" dirty="0"/>
+              <a:t>, </a:t>
+            </a:r>
+            <a:r>
+              <a:rPr lang="zh-CN" altLang="en-US" sz="1600" dirty="0"/>
+              <a:t>状态应包含在请求里的</a:t>
+            </a:r>
+            <a:r>
+              <a:rPr lang="en-US" altLang="zh-CN" sz="1600" dirty="0"/>
+              <a:t>. </a:t>
+            </a:r>
+            <a:r>
+              <a:rPr lang="zh-CN" altLang="en-US" sz="1600" dirty="0"/>
+              <a:t>也就是说请求里要包含服务端需要的所有的信息</a:t>
+            </a:r>
+            <a:r>
+              <a:rPr lang="en-US" altLang="zh-CN" sz="1600" dirty="0"/>
+              <a:t>, </a:t>
+            </a:r>
+            <a:r>
+              <a:rPr lang="zh-CN" altLang="en-US" sz="1600" dirty="0"/>
+              <a:t>以便服务端可以理解请求并可以创造上下文</a:t>
+            </a:r>
+            <a:r>
+              <a:rPr lang="en-US" altLang="zh-CN" sz="1600" dirty="0"/>
+              <a:t>.</a:t>
+            </a:r>
+          </a:p>
+          <a:p>
+            <a:pPr>
+              <a:lnSpc>
+                <a:spcPct val="100000"/>
+              </a:lnSpc>
+            </a:pPr>
+            <a:r>
+              <a:rPr lang="en-US" altLang="zh-CN" sz="1600" dirty="0"/>
+              <a:t>3. </a:t>
+            </a:r>
+            <a:r>
+              <a:rPr lang="zh-CN" altLang="en-US" sz="1600" b="1" dirty="0"/>
+              <a:t>分层系统</a:t>
+            </a:r>
+            <a:r>
+              <a:rPr lang="en-US" altLang="zh-CN" sz="1600" dirty="0"/>
+              <a:t>: </a:t>
+            </a:r>
+            <a:r>
+              <a:rPr lang="zh-CN" altLang="en-US" sz="1600" dirty="0"/>
+              <a:t>就像其它的软件架构一样</a:t>
+            </a:r>
+            <a:r>
+              <a:rPr lang="en-US" altLang="zh-CN" sz="1600" dirty="0"/>
+              <a:t>, REST</a:t>
+            </a:r>
+            <a:r>
+              <a:rPr lang="zh-CN" altLang="en-US" sz="1600" dirty="0"/>
+              <a:t>也需要分层结构</a:t>
+            </a:r>
+            <a:r>
+              <a:rPr lang="en-US" altLang="zh-CN" sz="1600" dirty="0"/>
+              <a:t>, </a:t>
+            </a:r>
+            <a:r>
+              <a:rPr lang="zh-CN" altLang="en-US" sz="1600" dirty="0"/>
+              <a:t>但是不允许某层直接访问不相邻的层</a:t>
+            </a:r>
+            <a:r>
+              <a:rPr lang="en-US" altLang="zh-CN" sz="1600" dirty="0"/>
+              <a:t>. </a:t>
+            </a:r>
+          </a:p>
+          <a:p>
+            <a:pPr>
+              <a:lnSpc>
+                <a:spcPct val="100000"/>
+              </a:lnSpc>
+            </a:pPr>
+            <a:r>
+              <a:rPr lang="en-US" altLang="zh-CN" sz="1600" dirty="0"/>
+              <a:t>4. </a:t>
+            </a:r>
+            <a:r>
+              <a:rPr lang="zh-CN" altLang="en-US" sz="1600" b="1" dirty="0"/>
+              <a:t>统一接口</a:t>
+            </a:r>
+            <a:r>
+              <a:rPr lang="en-US" altLang="zh-CN" sz="1600" dirty="0"/>
+              <a:t>: </a:t>
+            </a:r>
+            <a:r>
+              <a:rPr lang="zh-CN" altLang="en-US" sz="1600" dirty="0"/>
+              <a:t>这里分为</a:t>
+            </a:r>
+            <a:r>
+              <a:rPr lang="en-US" altLang="zh-CN" sz="1600" dirty="0"/>
+              <a:t>4</a:t>
+            </a:r>
+            <a:r>
+              <a:rPr lang="zh-CN" altLang="en-US" sz="1600" dirty="0"/>
+              <a:t>点</a:t>
+            </a:r>
+            <a:r>
+              <a:rPr lang="en-US" altLang="zh-CN" sz="1600" dirty="0"/>
+              <a:t>, </a:t>
+            </a:r>
+            <a:r>
+              <a:rPr lang="zh-CN" altLang="en-US" sz="1600" dirty="0"/>
+              <a:t>他们是</a:t>
+            </a:r>
+            <a:r>
+              <a:rPr lang="en-US" altLang="zh-CN" sz="1600" dirty="0"/>
+              <a:t>: </a:t>
+            </a:r>
+            <a:r>
+              <a:rPr lang="zh-CN" altLang="en-US" sz="1600" dirty="0"/>
+              <a:t>资源标识符</a:t>
+            </a:r>
+            <a:r>
+              <a:rPr lang="en-US" altLang="zh-CN" sz="1600" dirty="0"/>
+              <a:t>(URI), </a:t>
+            </a:r>
+            <a:r>
+              <a:rPr lang="zh-CN" altLang="en-US" sz="1600" dirty="0"/>
+              <a:t>资源的操作</a:t>
+            </a:r>
+            <a:r>
+              <a:rPr lang="en-US" altLang="zh-CN" sz="1600" dirty="0"/>
+              <a:t>(</a:t>
+            </a:r>
+            <a:r>
+              <a:rPr lang="zh-CN" altLang="en-US" sz="1600" dirty="0"/>
+              <a:t>也就是方法</a:t>
+            </a:r>
+            <a:r>
+              <a:rPr lang="en-US" altLang="zh-CN" sz="1600" dirty="0"/>
+              <a:t>Method, HTTP</a:t>
+            </a:r>
+            <a:r>
+              <a:rPr lang="zh-CN" altLang="en-US" sz="1600" dirty="0"/>
+              <a:t>动词</a:t>
+            </a:r>
+            <a:r>
+              <a:rPr lang="en-US" altLang="zh-CN" sz="1600" dirty="0"/>
+              <a:t>), </a:t>
+            </a:r>
+            <a:r>
+              <a:rPr lang="zh-CN" altLang="en-US" sz="1600" dirty="0"/>
+              <a:t>自描述的响应</a:t>
+            </a:r>
+            <a:r>
+              <a:rPr lang="en-US" altLang="zh-CN" sz="1600" dirty="0"/>
+              <a:t>(</a:t>
+            </a:r>
+            <a:r>
+              <a:rPr lang="zh-CN" altLang="en-US" sz="1600" dirty="0"/>
+              <a:t>可以认为是媒体类型</a:t>
+            </a:r>
+            <a:r>
+              <a:rPr lang="en-US" altLang="zh-CN" sz="1600" dirty="0"/>
+              <a:t>Media-Type), </a:t>
+            </a:r>
+            <a:r>
+              <a:rPr lang="zh-CN" altLang="en-US" sz="1600" dirty="0"/>
+              <a:t>以及状态管理</a:t>
+            </a:r>
+            <a:r>
+              <a:rPr lang="en-US" altLang="zh-CN" sz="1600" dirty="0"/>
+              <a:t>(</a:t>
+            </a:r>
+            <a:r>
+              <a:rPr lang="zh-CN" altLang="en-US" sz="1600" b="1" dirty="0"/>
+              <a:t>超媒体作为应用状态的引擎 </a:t>
+            </a:r>
+            <a:r>
+              <a:rPr lang="en-US" altLang="zh-CN" sz="1600" b="1" dirty="0" err="1"/>
+              <a:t>HATEOAS</a:t>
+            </a:r>
+            <a:r>
+              <a:rPr lang="en-US" altLang="zh-CN" sz="1600" dirty="0"/>
+              <a:t>, Hypermedia as the Engine of Application State).</a:t>
+            </a:r>
+          </a:p>
+          <a:p>
+            <a:pPr>
+              <a:lnSpc>
+                <a:spcPct val="100000"/>
+              </a:lnSpc>
+            </a:pPr>
+            <a:r>
+              <a:rPr lang="en-US" altLang="zh-CN" sz="1600" dirty="0"/>
+              <a:t>5. </a:t>
+            </a:r>
+            <a:r>
+              <a:rPr lang="zh-CN" altLang="en-US" sz="1600" b="1" dirty="0"/>
+              <a:t>缓存</a:t>
+            </a:r>
+            <a:r>
+              <a:rPr lang="en-US" altLang="zh-CN" sz="1600" dirty="0"/>
+              <a:t>: </a:t>
+            </a:r>
+            <a:r>
+              <a:rPr lang="zh-CN" altLang="en-US" sz="1600" dirty="0"/>
+              <a:t>缓存约束派生于无状态约束</a:t>
+            </a:r>
+            <a:r>
+              <a:rPr lang="en-US" altLang="zh-CN" sz="1600" dirty="0"/>
+              <a:t>, </a:t>
+            </a:r>
+            <a:r>
+              <a:rPr lang="zh-CN" altLang="en-US" sz="1600" dirty="0"/>
+              <a:t>它要求从服务端返回的响应必须明确表明是可缓存的还是不可缓存的</a:t>
+            </a:r>
+            <a:r>
+              <a:rPr lang="en-US" altLang="zh-CN" sz="1600" dirty="0"/>
+              <a:t>.</a:t>
+            </a:r>
+          </a:p>
+          <a:p>
+            <a:pPr>
+              <a:lnSpc>
+                <a:spcPct val="100000"/>
+              </a:lnSpc>
+            </a:pPr>
+            <a:r>
+              <a:rPr lang="en-US" altLang="zh-CN" sz="1600" dirty="0"/>
+              <a:t>6. </a:t>
+            </a:r>
+            <a:r>
+              <a:rPr lang="zh-CN" altLang="en-US" sz="1600" b="1" dirty="0"/>
+              <a:t>按需编码</a:t>
+            </a:r>
+            <a:r>
+              <a:rPr lang="en-US" altLang="zh-CN" sz="1600" dirty="0"/>
+              <a:t>: </a:t>
+            </a:r>
+            <a:r>
+              <a:rPr lang="zh-CN" altLang="en-US" sz="1600" dirty="0"/>
+              <a:t>这允许客户端可以从服务端访问特定的资源而无须知晓如何处理它们</a:t>
+            </a:r>
+            <a:r>
+              <a:rPr lang="en-US" altLang="zh-CN" sz="1600" dirty="0"/>
+              <a:t>. </a:t>
+            </a:r>
+            <a:r>
+              <a:rPr lang="zh-CN" altLang="en-US" sz="1600" dirty="0"/>
+              <a:t>服务端可以扩展或自定义客户端的功能</a:t>
+            </a:r>
+            <a:r>
+              <a:rPr lang="en-US" altLang="zh-CN" sz="1600" dirty="0"/>
+              <a:t>.</a:t>
+            </a:r>
+          </a:p>
+        </p:txBody>
+      </p:sp>
+    </p:spTree>
+    <p:extLst>
+      <p:ext uri="{BB962C8B-B14F-4D97-AF65-F5344CB8AC3E}">
+        <p14:creationId xmlns:p14="http://schemas.microsoft.com/office/powerpoint/2010/main" val="1152334307"/>
+      </p:ext>
+    </p:extLst>
+  </p:cSld>
+  <p:clrMapOvr>
+    <a:masterClrMapping/>
+  </p:clrMapOvr>
+</p:sld>
+</file>
+
+<file path=ppt/slides/slide23.xml><?xml version="1.0" encoding="utf-8"?>
+<p:sld xmlns:a="http://schemas.openxmlformats.org/drawingml/2006/main" xmlns:r="http://schemas.openxmlformats.org/officeDocument/2006/relationships" xmlns:p="http://schemas.openxmlformats.org/presentationml/2006/main">
+  <p:cSld>
+    <p:spTree>
+      <p:nvGrpSpPr>
+        <p:cNvPr id="1" name=""/>
+        <p:cNvGrpSpPr/>
+        <p:nvPr/>
+      </p:nvGrpSpPr>
+      <p:grpSpPr>
+        <a:xfrm>
+          <a:off x="0" y="0"/>
+          <a:ext cx="0" cy="0"/>
+          <a:chOff x="0" y="0"/>
+          <a:chExt cx="0" cy="0"/>
+        </a:xfrm>
+      </p:grpSpPr>
+      <p:sp>
+        <p:nvSpPr>
+          <p:cNvPr id="2" name="标题 1">
+            <a:extLst>
+              <a:ext uri="{FF2B5EF4-FFF2-40B4-BE49-F238E27FC236}">
+                <a16:creationId xmlns:a16="http://schemas.microsoft.com/office/drawing/2014/main" id="{D93F5457-E33E-4DFB-A0C6-F3B921696286}"/>
+              </a:ext>
+            </a:extLst>
+          </p:cNvPr>
+          <p:cNvSpPr>
+            <a:spLocks noGrp="1"/>
+          </p:cNvSpPr>
+          <p:nvPr>
+            <p:ph type="title"/>
+          </p:nvPr>
+        </p:nvSpPr>
+        <p:spPr/>
+        <p:txBody>
+          <a:bodyPr/>
+          <a:lstStyle/>
+          <a:p>
+            <a:r>
+              <a:rPr lang="en-US" altLang="zh-CN" dirty="0"/>
+              <a:t>Restful API</a:t>
+            </a:r>
+            <a:endParaRPr lang="zh-CN" altLang="en-US" dirty="0"/>
+          </a:p>
+        </p:txBody>
+      </p:sp>
+      <p:sp>
+        <p:nvSpPr>
+          <p:cNvPr id="15" name="内容占位符 2">
+            <a:extLst>
+              <a:ext uri="{FF2B5EF4-FFF2-40B4-BE49-F238E27FC236}">
+                <a16:creationId xmlns:a16="http://schemas.microsoft.com/office/drawing/2014/main" id="{00DFF36C-FF32-4635-B471-3925665516F8}"/>
+              </a:ext>
+            </a:extLst>
+          </p:cNvPr>
+          <p:cNvSpPr>
+            <a:spLocks noGrp="1"/>
+          </p:cNvSpPr>
+          <p:nvPr>
+            <p:ph idx="1"/>
+          </p:nvPr>
+        </p:nvSpPr>
+        <p:spPr>
+          <a:xfrm>
+            <a:off x="838200" y="1690687"/>
+            <a:ext cx="10515600" cy="4887665"/>
+          </a:xfrm>
+        </p:spPr>
+        <p:txBody>
+          <a:bodyPr>
+            <a:normAutofit/>
+          </a:bodyPr>
+          <a:lstStyle/>
+          <a:p>
+            <a:pPr marL="0" indent="0">
+              <a:lnSpc>
+                <a:spcPct val="100000"/>
+              </a:lnSpc>
+              <a:buNone/>
+            </a:pPr>
+            <a:r>
+              <a:rPr lang="en-US" altLang="zh-CN" sz="1600" dirty="0"/>
+              <a:t>RESTful</a:t>
+            </a:r>
+            <a:r>
+              <a:rPr lang="zh-CN" altLang="en-US" sz="1600" dirty="0"/>
+              <a:t>成熟度模型</a:t>
+            </a:r>
+            <a:endParaRPr lang="en-US" altLang="zh-CN" sz="1600" dirty="0"/>
+          </a:p>
+          <a:p>
+            <a:r>
+              <a:rPr lang="en-US" altLang="zh-CN" sz="1600" dirty="0"/>
+              <a:t>Level 0-</a:t>
+            </a:r>
+            <a:r>
+              <a:rPr lang="zh-CN" altLang="en-US" sz="1600" dirty="0"/>
+              <a:t>资源（</a:t>
+            </a:r>
+            <a:r>
+              <a:rPr lang="en-US" altLang="zh-CN" sz="1600" dirty="0"/>
+              <a:t>Resources</a:t>
+            </a:r>
+            <a:r>
+              <a:rPr lang="zh-CN" altLang="en-US" sz="1600" dirty="0"/>
+              <a:t>）</a:t>
+            </a:r>
+          </a:p>
+          <a:p>
+            <a:pPr marL="0" indent="0">
+              <a:buNone/>
+            </a:pPr>
+            <a:r>
+              <a:rPr lang="zh-CN" altLang="en-US" sz="1600" dirty="0"/>
+              <a:t>该模型的出发点是使用</a:t>
+            </a:r>
+            <a:r>
+              <a:rPr lang="en-US" altLang="zh-CN" sz="1600" dirty="0"/>
+              <a:t>HTTP</a:t>
+            </a:r>
+            <a:r>
+              <a:rPr lang="zh-CN" altLang="en-US" sz="1600" dirty="0"/>
+              <a:t>作为远程交互的传输系统，但不使用</a:t>
+            </a:r>
+            <a:r>
+              <a:rPr lang="en-US" altLang="zh-CN" sz="1600" dirty="0"/>
+              <a:t>Web</a:t>
+            </a:r>
+            <a:r>
+              <a:rPr lang="zh-CN" altLang="en-US" sz="1600" dirty="0"/>
+              <a:t>的任何机制。基本上就是使用</a:t>
+            </a:r>
+            <a:r>
+              <a:rPr lang="en-US" altLang="zh-CN" sz="1600" dirty="0"/>
+              <a:t>HTTP</a:t>
+            </a:r>
+            <a:r>
+              <a:rPr lang="zh-CN" altLang="en-US" sz="1600" dirty="0"/>
+              <a:t>作为你远程交互机中的隧道机制，通常基于“远程过程调用“（</a:t>
+            </a:r>
+            <a:r>
+              <a:rPr lang="en-US" altLang="zh-CN" sz="1600" dirty="0"/>
+              <a:t>RPC</a:t>
+            </a:r>
+            <a:r>
+              <a:rPr lang="zh-CN" altLang="en-US" sz="1600" dirty="0"/>
+              <a:t>，</a:t>
+            </a:r>
+            <a:r>
+              <a:rPr lang="en-US" altLang="zh-CN" sz="1600" dirty="0"/>
+              <a:t>Remote Procedure Invocation</a:t>
+            </a:r>
+            <a:r>
+              <a:rPr lang="zh-CN" altLang="en-US" sz="1600" dirty="0"/>
+              <a:t>）。</a:t>
+            </a:r>
+            <a:endParaRPr lang="en-US" altLang="zh-CN" sz="1600" dirty="0"/>
+          </a:p>
+          <a:p>
+            <a:r>
+              <a:rPr lang="en-US" altLang="zh-CN" sz="1600" dirty="0"/>
+              <a:t>Level 1-</a:t>
+            </a:r>
+            <a:r>
+              <a:rPr lang="zh-CN" altLang="en-US" sz="1600" dirty="0"/>
+              <a:t>资源（</a:t>
+            </a:r>
+            <a:r>
+              <a:rPr lang="en-US" altLang="zh-CN" sz="1600" dirty="0"/>
+              <a:t>Resources</a:t>
+            </a:r>
+            <a:r>
+              <a:rPr lang="zh-CN" altLang="en-US" sz="1600" dirty="0"/>
+              <a:t>）</a:t>
+            </a:r>
+          </a:p>
+          <a:p>
+            <a:pPr marL="0" indent="0">
+              <a:buNone/>
+            </a:pPr>
+            <a:r>
+              <a:rPr lang="zh-CN" altLang="en-US" sz="1600" dirty="0"/>
+              <a:t>在成熟度模型中，迈向</a:t>
+            </a:r>
+            <a:r>
+              <a:rPr lang="en-US" altLang="zh-CN" sz="1600" dirty="0"/>
+              <a:t>REST</a:t>
+            </a:r>
+            <a:r>
+              <a:rPr lang="zh-CN" altLang="en-US" sz="1600" dirty="0"/>
+              <a:t>的第一步就是引入资源的概念。接下来，我们所要讨论的是各个资源，而不是将所有请求发送到单一的服务端点。</a:t>
+            </a:r>
+            <a:endParaRPr lang="en-US" altLang="zh-CN" sz="1600" dirty="0"/>
+          </a:p>
+          <a:p>
+            <a:r>
+              <a:rPr lang="en-US" altLang="zh-CN" sz="1600" dirty="0"/>
+              <a:t>Level 2-HTTP</a:t>
+            </a:r>
+            <a:r>
+              <a:rPr lang="zh-CN" altLang="en-US" sz="1600" dirty="0"/>
+              <a:t>动词（</a:t>
+            </a:r>
+            <a:r>
+              <a:rPr lang="en-US" altLang="zh-CN" sz="1600" dirty="0"/>
+              <a:t>HTTP Verbs</a:t>
+            </a:r>
+            <a:r>
+              <a:rPr lang="zh-CN" altLang="en-US" sz="1600" dirty="0"/>
+              <a:t>）</a:t>
+            </a:r>
+          </a:p>
+          <a:p>
+            <a:pPr marL="0" indent="0">
+              <a:buNone/>
+            </a:pPr>
+            <a:r>
+              <a:rPr lang="zh-CN" altLang="en-US" sz="1600" dirty="0"/>
+              <a:t>在</a:t>
+            </a:r>
+            <a:r>
+              <a:rPr lang="en-US" altLang="zh-CN" sz="1600" dirty="0"/>
+              <a:t>Level 0</a:t>
+            </a:r>
+            <a:r>
+              <a:rPr lang="zh-CN" altLang="en-US" sz="1600" dirty="0"/>
+              <a:t>和</a:t>
+            </a:r>
+            <a:r>
+              <a:rPr lang="en-US" altLang="zh-CN" sz="1600" dirty="0"/>
+              <a:t>Level 1</a:t>
+            </a:r>
+            <a:r>
+              <a:rPr lang="zh-CN" altLang="en-US" sz="1600" dirty="0"/>
+              <a:t>中，我们所有的交互都使用了</a:t>
+            </a:r>
+            <a:r>
+              <a:rPr lang="en-US" altLang="zh-CN" sz="1600" dirty="0"/>
+              <a:t>HTTP POST</a:t>
+            </a:r>
+            <a:r>
+              <a:rPr lang="zh-CN" altLang="en-US" sz="1600" dirty="0"/>
+              <a:t>动词，但有些人会使用</a:t>
+            </a:r>
+            <a:r>
+              <a:rPr lang="en-US" altLang="zh-CN" sz="1600" dirty="0"/>
+              <a:t>GET</a:t>
+            </a:r>
+            <a:r>
+              <a:rPr lang="zh-CN" altLang="en-US" sz="1600" dirty="0"/>
+              <a:t>或其它动词来代替。在目前的级别上它们区别并不大，其都是做为“隧道机制”使你可以通过</a:t>
+            </a:r>
+            <a:r>
+              <a:rPr lang="en-US" altLang="zh-CN" sz="1600" dirty="0"/>
+              <a:t>HTTP</a:t>
+            </a:r>
+            <a:r>
+              <a:rPr lang="zh-CN" altLang="en-US" sz="1600" dirty="0"/>
+              <a:t>完成交互。但在</a:t>
+            </a:r>
+            <a:r>
+              <a:rPr lang="en-US" altLang="zh-CN" sz="1600" dirty="0"/>
+              <a:t>Level 2</a:t>
+            </a:r>
+            <a:r>
+              <a:rPr lang="zh-CN" altLang="en-US" sz="1600" dirty="0"/>
+              <a:t>级别中不再这样，而是尽可能的使用</a:t>
+            </a:r>
+            <a:r>
+              <a:rPr lang="en-US" altLang="zh-CN" sz="1600" dirty="0"/>
+              <a:t>HTTP</a:t>
+            </a:r>
+            <a:r>
+              <a:rPr lang="zh-CN" altLang="en-US" sz="1600" dirty="0"/>
+              <a:t>协议中定义的合适的</a:t>
+            </a:r>
+            <a:r>
+              <a:rPr lang="en-US" altLang="zh-CN" sz="1600" dirty="0"/>
+              <a:t>HTTP</a:t>
+            </a:r>
+            <a:r>
+              <a:rPr lang="zh-CN" altLang="en-US" sz="1600" dirty="0"/>
+              <a:t>动词。</a:t>
+            </a:r>
+          </a:p>
+          <a:p>
+            <a:r>
+              <a:rPr lang="en-US" altLang="zh-CN" sz="1700" dirty="0"/>
+              <a:t>Level 3-</a:t>
+            </a:r>
+            <a:r>
+              <a:rPr lang="zh-CN" altLang="en-US" sz="1700" dirty="0"/>
+              <a:t>超媒体控制（</a:t>
+            </a:r>
+            <a:r>
+              <a:rPr lang="en-US" altLang="zh-CN" sz="1700" dirty="0"/>
+              <a:t>Hypermedia Controls</a:t>
+            </a:r>
+            <a:r>
+              <a:rPr lang="zh-CN" altLang="en-US" sz="1700" dirty="0"/>
+              <a:t>）</a:t>
+            </a:r>
+          </a:p>
+          <a:p>
+            <a:pPr marL="0" indent="0">
+              <a:buNone/>
+            </a:pPr>
+            <a:r>
+              <a:rPr lang="zh-CN" altLang="en-US" sz="1700" dirty="0"/>
+              <a:t>在最后一个级别中引入了一些你经常听到的、其缩写并不好看的“</a:t>
+            </a:r>
+            <a:r>
+              <a:rPr lang="en-US" altLang="zh-CN" sz="1700" dirty="0" err="1"/>
+              <a:t>HATEOAS</a:t>
+            </a:r>
+            <a:r>
+              <a:rPr lang="en-US" altLang="zh-CN" sz="1700" dirty="0"/>
+              <a:t>”(Hypertext As The Engine Of Application State)</a:t>
+            </a:r>
+            <a:r>
+              <a:rPr lang="zh-CN" altLang="en-US" sz="1700" dirty="0"/>
+              <a:t>中的一些内容。它解决了如何从列表中获取时间段资源及如何创建预约的问题。</a:t>
+            </a:r>
+          </a:p>
+          <a:p>
+            <a:pPr marL="0" indent="0">
+              <a:buNone/>
+            </a:pPr>
+            <a:endParaRPr lang="zh-CN" altLang="en-US" sz="1600" dirty="0"/>
+          </a:p>
+          <a:p>
+            <a:endParaRPr lang="zh-CN" altLang="en-US" sz="1600" dirty="0"/>
+          </a:p>
+          <a:p>
+            <a:pPr marL="0" indent="0">
+              <a:lnSpc>
+                <a:spcPct val="100000"/>
+              </a:lnSpc>
+              <a:buNone/>
+            </a:pPr>
+            <a:endParaRPr lang="en-US" altLang="zh-CN" sz="1600" dirty="0"/>
+          </a:p>
+        </p:txBody>
+      </p:sp>
+    </p:spTree>
+    <p:extLst>
+      <p:ext uri="{BB962C8B-B14F-4D97-AF65-F5344CB8AC3E}">
+        <p14:creationId xmlns:p14="http://schemas.microsoft.com/office/powerpoint/2010/main" val="1717673306"/>
       </p:ext>
     </p:extLst>
   </p:cSld>

--- a/aspnetcore3.0course/docs/aspnetcore3.0course.pptx
+++ b/aspnetcore3.0course/docs/aspnetcore3.0course.pptx
@@ -24,10 +24,10 @@
     <p:sldId id="264" r:id="rId18"/>
     <p:sldId id="273" r:id="rId19"/>
     <p:sldId id="274" r:id="rId20"/>
-    <p:sldId id="275" r:id="rId21"/>
-    <p:sldId id="276" r:id="rId22"/>
-    <p:sldId id="277" r:id="rId23"/>
-    <p:sldId id="278" r:id="rId24"/>
+    <p:sldId id="277" r:id="rId21"/>
+    <p:sldId id="278" r:id="rId22"/>
+    <p:sldId id="275" r:id="rId23"/>
+    <p:sldId id="276" r:id="rId24"/>
   </p:sldIdLst>
   <p:sldSz cx="12192000" cy="6858000"/>
   <p:notesSz cx="6858000" cy="9144000"/>
@@ -281,7 +281,7 @@
           <a:p>
             <a:fld id="{0CB35010-EDBB-44E1-81B6-E54FF20221CB}" type="datetimeFigureOut">
               <a:rPr lang="zh-CN" altLang="en-US" smtClean="0"/>
-              <a:t>2019/7/16</a:t>
+              <a:t>2019/7/19</a:t>
             </a:fld>
             <a:endParaRPr lang="zh-CN" altLang="en-US"/>
           </a:p>
@@ -479,7 +479,7 @@
           <a:p>
             <a:fld id="{0CB35010-EDBB-44E1-81B6-E54FF20221CB}" type="datetimeFigureOut">
               <a:rPr lang="zh-CN" altLang="en-US" smtClean="0"/>
-              <a:t>2019/7/16</a:t>
+              <a:t>2019/7/19</a:t>
             </a:fld>
             <a:endParaRPr lang="zh-CN" altLang="en-US"/>
           </a:p>
@@ -687,7 +687,7 @@
           <a:p>
             <a:fld id="{0CB35010-EDBB-44E1-81B6-E54FF20221CB}" type="datetimeFigureOut">
               <a:rPr lang="zh-CN" altLang="en-US" smtClean="0"/>
-              <a:t>2019/7/16</a:t>
+              <a:t>2019/7/19</a:t>
             </a:fld>
             <a:endParaRPr lang="zh-CN" altLang="en-US"/>
           </a:p>
@@ -885,7 +885,7 @@
           <a:p>
             <a:fld id="{0CB35010-EDBB-44E1-81B6-E54FF20221CB}" type="datetimeFigureOut">
               <a:rPr lang="zh-CN" altLang="en-US" smtClean="0"/>
-              <a:t>2019/7/16</a:t>
+              <a:t>2019/7/19</a:t>
             </a:fld>
             <a:endParaRPr lang="zh-CN" altLang="en-US"/>
           </a:p>
@@ -1160,7 +1160,7 @@
           <a:p>
             <a:fld id="{0CB35010-EDBB-44E1-81B6-E54FF20221CB}" type="datetimeFigureOut">
               <a:rPr lang="zh-CN" altLang="en-US" smtClean="0"/>
-              <a:t>2019/7/16</a:t>
+              <a:t>2019/7/19</a:t>
             </a:fld>
             <a:endParaRPr lang="zh-CN" altLang="en-US"/>
           </a:p>
@@ -1425,7 +1425,7 @@
           <a:p>
             <a:fld id="{0CB35010-EDBB-44E1-81B6-E54FF20221CB}" type="datetimeFigureOut">
               <a:rPr lang="zh-CN" altLang="en-US" smtClean="0"/>
-              <a:t>2019/7/16</a:t>
+              <a:t>2019/7/19</a:t>
             </a:fld>
             <a:endParaRPr lang="zh-CN" altLang="en-US"/>
           </a:p>
@@ -1837,7 +1837,7 @@
           <a:p>
             <a:fld id="{0CB35010-EDBB-44E1-81B6-E54FF20221CB}" type="datetimeFigureOut">
               <a:rPr lang="zh-CN" altLang="en-US" smtClean="0"/>
-              <a:t>2019/7/16</a:t>
+              <a:t>2019/7/19</a:t>
             </a:fld>
             <a:endParaRPr lang="zh-CN" altLang="en-US"/>
           </a:p>
@@ -1978,7 +1978,7 @@
           <a:p>
             <a:fld id="{0CB35010-EDBB-44E1-81B6-E54FF20221CB}" type="datetimeFigureOut">
               <a:rPr lang="zh-CN" altLang="en-US" smtClean="0"/>
-              <a:t>2019/7/16</a:t>
+              <a:t>2019/7/19</a:t>
             </a:fld>
             <a:endParaRPr lang="zh-CN" altLang="en-US"/>
           </a:p>
@@ -2091,7 +2091,7 @@
           <a:p>
             <a:fld id="{0CB35010-EDBB-44E1-81B6-E54FF20221CB}" type="datetimeFigureOut">
               <a:rPr lang="zh-CN" altLang="en-US" smtClean="0"/>
-              <a:t>2019/7/16</a:t>
+              <a:t>2019/7/19</a:t>
             </a:fld>
             <a:endParaRPr lang="zh-CN" altLang="en-US"/>
           </a:p>
@@ -2402,7 +2402,7 @@
           <a:p>
             <a:fld id="{0CB35010-EDBB-44E1-81B6-E54FF20221CB}" type="datetimeFigureOut">
               <a:rPr lang="zh-CN" altLang="en-US" smtClean="0"/>
-              <a:t>2019/7/16</a:t>
+              <a:t>2019/7/19</a:t>
             </a:fld>
             <a:endParaRPr lang="zh-CN" altLang="en-US"/>
           </a:p>
@@ -2690,7 +2690,7 @@
           <a:p>
             <a:fld id="{0CB35010-EDBB-44E1-81B6-E54FF20221CB}" type="datetimeFigureOut">
               <a:rPr lang="zh-CN" altLang="en-US" smtClean="0"/>
-              <a:t>2019/7/16</a:t>
+              <a:t>2019/7/19</a:t>
             </a:fld>
             <a:endParaRPr lang="zh-CN" altLang="en-US"/>
           </a:p>
@@ -2931,7 +2931,7 @@
           <a:p>
             <a:fld id="{0CB35010-EDBB-44E1-81B6-E54FF20221CB}" type="datetimeFigureOut">
               <a:rPr lang="zh-CN" altLang="en-US" smtClean="0"/>
-              <a:t>2019/7/16</a:t>
+              <a:t>2019/7/19</a:t>
             </a:fld>
             <a:endParaRPr lang="zh-CN" altLang="en-US"/>
           </a:p>
@@ -5494,7 +5494,7 @@
           <a:p>
             <a:r>
               <a:rPr lang="en-US" altLang="zh-CN" dirty="0"/>
-              <a:t>Quartz</a:t>
+              <a:t>Web API-Restful API</a:t>
             </a:r>
             <a:endParaRPr lang="zh-CN" altLang="en-US" dirty="0"/>
           </a:p>
@@ -5528,35 +5528,437 @@
           </a:bodyPr>
           <a:lstStyle/>
           <a:p>
-            <a:r>
-              <a:rPr lang="en-US" altLang="zh-CN" sz="1600" dirty="0" err="1"/>
-              <a:t>asp.net</a:t>
-            </a:r>
+            <a:pPr marL="0" indent="0">
+              <a:lnSpc>
+                <a:spcPct val="100000"/>
+              </a:lnSpc>
+              <a:buNone/>
+            </a:pPr>
             <a:r>
               <a:rPr lang="en-US" altLang="zh-CN" sz="1600" dirty="0"/>
-              <a:t> core</a:t>
+              <a:t>RESTful API </a:t>
             </a:r>
             <a:r>
               <a:rPr lang="zh-CN" altLang="en-US" sz="1600" dirty="0"/>
-              <a:t>下的</a:t>
+              <a:t>最关心的有这几方面</a:t>
             </a:r>
             <a:r>
               <a:rPr lang="en-US" altLang="zh-CN" sz="1600" dirty="0"/>
-              <a:t>quartz</a:t>
-            </a:r>
-          </a:p>
-          <a:p>
-            <a:endParaRPr lang="en-US" altLang="zh-CN" sz="1600" dirty="0"/>
-          </a:p>
-          <a:p>
-            <a:endParaRPr lang="en-US" altLang="zh-CN" dirty="0"/>
+              <a:t>: </a:t>
+            </a:r>
+            <a:r>
+              <a:rPr lang="zh-CN" altLang="en-US" sz="1600" b="1" dirty="0"/>
+              <a:t>性能</a:t>
+            </a:r>
+            <a:r>
+              <a:rPr lang="en-US" altLang="zh-CN" sz="1600" b="1" dirty="0"/>
+              <a:t>, </a:t>
+            </a:r>
+            <a:r>
+              <a:rPr lang="zh-CN" altLang="en-US" sz="1600" b="1" dirty="0"/>
+              <a:t>可扩展性</a:t>
+            </a:r>
+            <a:r>
+              <a:rPr lang="en-US" altLang="zh-CN" sz="1600" b="1" dirty="0"/>
+              <a:t>, </a:t>
+            </a:r>
+            <a:r>
+              <a:rPr lang="zh-CN" altLang="en-US" sz="1600" b="1" dirty="0"/>
+              <a:t>简洁性</a:t>
+            </a:r>
+            <a:r>
+              <a:rPr lang="en-US" altLang="zh-CN" sz="1600" b="1" dirty="0"/>
+              <a:t>, </a:t>
+            </a:r>
+            <a:r>
+              <a:rPr lang="zh-CN" altLang="en-US" sz="1600" b="1" dirty="0"/>
+              <a:t>互操作性</a:t>
+            </a:r>
+            <a:r>
+              <a:rPr lang="en-US" altLang="zh-CN" sz="1600" b="1" dirty="0"/>
+              <a:t>, </a:t>
+            </a:r>
+            <a:r>
+              <a:rPr lang="zh-CN" altLang="en-US" sz="1600" b="1" dirty="0"/>
+              <a:t>通讯可见性</a:t>
+            </a:r>
+            <a:r>
+              <a:rPr lang="en-US" altLang="zh-CN" sz="1600" b="1" dirty="0"/>
+              <a:t>, </a:t>
+            </a:r>
+            <a:r>
+              <a:rPr lang="zh-CN" altLang="en-US" sz="1600" b="1" dirty="0"/>
+              <a:t>组件便携性和可靠性</a:t>
+            </a:r>
+            <a:r>
+              <a:rPr lang="en-US" altLang="zh-CN" sz="1600" dirty="0"/>
+              <a:t>.</a:t>
+            </a:r>
+          </a:p>
+          <a:p>
+            <a:pPr marL="0" indent="0">
+              <a:lnSpc>
+                <a:spcPct val="100000"/>
+              </a:lnSpc>
+              <a:buNone/>
+            </a:pPr>
+            <a:r>
+              <a:rPr lang="zh-CN" altLang="en-US" sz="1600" dirty="0"/>
+              <a:t>这些方面被封装在</a:t>
+            </a:r>
+            <a:r>
+              <a:rPr lang="en-US" altLang="zh-CN" sz="1600" dirty="0"/>
+              <a:t>REST</a:t>
+            </a:r>
+            <a:r>
+              <a:rPr lang="zh-CN" altLang="en-US" sz="1600" dirty="0"/>
+              <a:t>的</a:t>
+            </a:r>
+            <a:r>
+              <a:rPr lang="en-US" altLang="zh-CN" sz="1600" dirty="0"/>
+              <a:t>6</a:t>
+            </a:r>
+            <a:r>
+              <a:rPr lang="zh-CN" altLang="en-US" sz="1600" dirty="0"/>
+              <a:t>个原则里</a:t>
+            </a:r>
+            <a:r>
+              <a:rPr lang="en-US" altLang="zh-CN" sz="1600" dirty="0"/>
+              <a:t>, </a:t>
+            </a:r>
+            <a:r>
+              <a:rPr lang="zh-CN" altLang="en-US" sz="1600" dirty="0"/>
+              <a:t>它们是</a:t>
+            </a:r>
+            <a:r>
+              <a:rPr lang="en-US" altLang="zh-CN" sz="1600" dirty="0"/>
+              <a:t>: </a:t>
+            </a:r>
+          </a:p>
+          <a:p>
+            <a:pPr>
+              <a:lnSpc>
+                <a:spcPct val="100000"/>
+              </a:lnSpc>
+            </a:pPr>
+            <a:r>
+              <a:rPr lang="en-US" altLang="zh-CN" sz="1600" dirty="0"/>
+              <a:t>1. </a:t>
+            </a:r>
+            <a:r>
+              <a:rPr lang="zh-CN" altLang="en-US" sz="1600" b="1" dirty="0"/>
+              <a:t>客服端</a:t>
+            </a:r>
+            <a:r>
+              <a:rPr lang="en-US" altLang="zh-CN" sz="1600" b="1" dirty="0"/>
+              <a:t>-</a:t>
+            </a:r>
+            <a:r>
+              <a:rPr lang="zh-CN" altLang="en-US" sz="1600" b="1" dirty="0"/>
+              <a:t>服务端约束</a:t>
+            </a:r>
+            <a:r>
+              <a:rPr lang="en-US" altLang="zh-CN" sz="1600" dirty="0"/>
+              <a:t>: </a:t>
+            </a:r>
+            <a:r>
+              <a:rPr lang="zh-CN" altLang="en-US" sz="1600" dirty="0"/>
+              <a:t>客户端和服务端是分离的</a:t>
+            </a:r>
+            <a:r>
+              <a:rPr lang="en-US" altLang="zh-CN" sz="1600" dirty="0"/>
+              <a:t>, </a:t>
+            </a:r>
+            <a:r>
+              <a:rPr lang="zh-CN" altLang="en-US" sz="1600" dirty="0"/>
+              <a:t>它们可以独自的进化</a:t>
+            </a:r>
+            <a:r>
+              <a:rPr lang="en-US" altLang="zh-CN" sz="1600" dirty="0"/>
+              <a:t>.</a:t>
+            </a:r>
+          </a:p>
+          <a:p>
+            <a:pPr>
+              <a:lnSpc>
+                <a:spcPct val="100000"/>
+              </a:lnSpc>
+            </a:pPr>
+            <a:r>
+              <a:rPr lang="en-US" altLang="zh-CN" sz="1600" dirty="0"/>
+              <a:t>2. </a:t>
+            </a:r>
+            <a:r>
+              <a:rPr lang="zh-CN" altLang="en-US" sz="1600" b="1" dirty="0"/>
+              <a:t>无状态</a:t>
+            </a:r>
+            <a:r>
+              <a:rPr lang="en-US" altLang="zh-CN" sz="1600" dirty="0"/>
+              <a:t>: </a:t>
+            </a:r>
+            <a:r>
+              <a:rPr lang="zh-CN" altLang="en-US" sz="1600" dirty="0"/>
+              <a:t>客户端和服务段的通信必须是无状态的</a:t>
+            </a:r>
+            <a:r>
+              <a:rPr lang="en-US" altLang="zh-CN" sz="1600" dirty="0"/>
+              <a:t>, </a:t>
+            </a:r>
+            <a:r>
+              <a:rPr lang="zh-CN" altLang="en-US" sz="1600" dirty="0"/>
+              <a:t>状态应包含在请求里的</a:t>
+            </a:r>
+            <a:r>
+              <a:rPr lang="en-US" altLang="zh-CN" sz="1600" dirty="0"/>
+              <a:t>. </a:t>
+            </a:r>
+            <a:r>
+              <a:rPr lang="zh-CN" altLang="en-US" sz="1600" dirty="0"/>
+              <a:t>也就是说请求里要包含服务端需要的所有的信息</a:t>
+            </a:r>
+            <a:r>
+              <a:rPr lang="en-US" altLang="zh-CN" sz="1600" dirty="0"/>
+              <a:t>, </a:t>
+            </a:r>
+            <a:r>
+              <a:rPr lang="zh-CN" altLang="en-US" sz="1600" dirty="0"/>
+              <a:t>以便服务端可以理解请求并可以创造上下文</a:t>
+            </a:r>
+            <a:r>
+              <a:rPr lang="en-US" altLang="zh-CN" sz="1600" dirty="0"/>
+              <a:t>.</a:t>
+            </a:r>
+          </a:p>
+          <a:p>
+            <a:pPr>
+              <a:lnSpc>
+                <a:spcPct val="100000"/>
+              </a:lnSpc>
+            </a:pPr>
+            <a:r>
+              <a:rPr lang="en-US" altLang="zh-CN" sz="1600" dirty="0"/>
+              <a:t>3. </a:t>
+            </a:r>
+            <a:r>
+              <a:rPr lang="zh-CN" altLang="en-US" sz="1600" b="1" dirty="0"/>
+              <a:t>分层系统</a:t>
+            </a:r>
+            <a:r>
+              <a:rPr lang="en-US" altLang="zh-CN" sz="1600" dirty="0"/>
+              <a:t>: </a:t>
+            </a:r>
+            <a:r>
+              <a:rPr lang="zh-CN" altLang="en-US" sz="1600" dirty="0"/>
+              <a:t>就像其它的软件架构一样</a:t>
+            </a:r>
+            <a:r>
+              <a:rPr lang="en-US" altLang="zh-CN" sz="1600" dirty="0"/>
+              <a:t>, REST</a:t>
+            </a:r>
+            <a:r>
+              <a:rPr lang="zh-CN" altLang="en-US" sz="1600" dirty="0"/>
+              <a:t>也需要分层结构</a:t>
+            </a:r>
+            <a:r>
+              <a:rPr lang="en-US" altLang="zh-CN" sz="1600" dirty="0"/>
+              <a:t>, </a:t>
+            </a:r>
+            <a:r>
+              <a:rPr lang="zh-CN" altLang="en-US" sz="1600" dirty="0"/>
+              <a:t>但是不允许某层直接访问不相邻的层</a:t>
+            </a:r>
+            <a:r>
+              <a:rPr lang="en-US" altLang="zh-CN" sz="1600" dirty="0"/>
+              <a:t>. </a:t>
+            </a:r>
+          </a:p>
+          <a:p>
+            <a:pPr>
+              <a:lnSpc>
+                <a:spcPct val="100000"/>
+              </a:lnSpc>
+            </a:pPr>
+            <a:r>
+              <a:rPr lang="en-US" altLang="zh-CN" sz="1600" dirty="0"/>
+              <a:t>4. </a:t>
+            </a:r>
+            <a:r>
+              <a:rPr lang="zh-CN" altLang="en-US" sz="1600" b="1" dirty="0"/>
+              <a:t>统一接口</a:t>
+            </a:r>
+            <a:r>
+              <a:rPr lang="en-US" altLang="zh-CN" sz="1600" dirty="0"/>
+              <a:t>: </a:t>
+            </a:r>
+            <a:r>
+              <a:rPr lang="zh-CN" altLang="en-US" sz="1600" dirty="0"/>
+              <a:t>这里分为</a:t>
+            </a:r>
+            <a:r>
+              <a:rPr lang="en-US" altLang="zh-CN" sz="1600" dirty="0"/>
+              <a:t>4</a:t>
+            </a:r>
+            <a:r>
+              <a:rPr lang="zh-CN" altLang="en-US" sz="1600" dirty="0"/>
+              <a:t>点</a:t>
+            </a:r>
+            <a:r>
+              <a:rPr lang="en-US" altLang="zh-CN" sz="1600" dirty="0"/>
+              <a:t>, </a:t>
+            </a:r>
+            <a:r>
+              <a:rPr lang="zh-CN" altLang="en-US" sz="1600" dirty="0"/>
+              <a:t>他们是</a:t>
+            </a:r>
+            <a:r>
+              <a:rPr lang="en-US" altLang="zh-CN" sz="1600" dirty="0"/>
+              <a:t>: </a:t>
+            </a:r>
+            <a:r>
+              <a:rPr lang="zh-CN" altLang="en-US" sz="1600" dirty="0"/>
+              <a:t>资源标识符</a:t>
+            </a:r>
+            <a:r>
+              <a:rPr lang="en-US" altLang="zh-CN" sz="1600" dirty="0"/>
+              <a:t>(URI), </a:t>
+            </a:r>
+            <a:r>
+              <a:rPr lang="zh-CN" altLang="en-US" sz="1600" dirty="0"/>
+              <a:t>资源的操作</a:t>
+            </a:r>
+            <a:r>
+              <a:rPr lang="en-US" altLang="zh-CN" sz="1600" dirty="0"/>
+              <a:t>(</a:t>
+            </a:r>
+            <a:r>
+              <a:rPr lang="zh-CN" altLang="en-US" sz="1600" dirty="0"/>
+              <a:t>也就是方法</a:t>
+            </a:r>
+            <a:r>
+              <a:rPr lang="en-US" altLang="zh-CN" sz="1600" dirty="0"/>
+              <a:t>Method, HTTP</a:t>
+            </a:r>
+            <a:r>
+              <a:rPr lang="zh-CN" altLang="en-US" sz="1600" dirty="0"/>
+              <a:t>动词</a:t>
+            </a:r>
+            <a:r>
+              <a:rPr lang="en-US" altLang="zh-CN" sz="1600" dirty="0"/>
+              <a:t>), </a:t>
+            </a:r>
+            <a:r>
+              <a:rPr lang="zh-CN" altLang="en-US" sz="1600" dirty="0"/>
+              <a:t>自描述的响应</a:t>
+            </a:r>
+            <a:r>
+              <a:rPr lang="en-US" altLang="zh-CN" sz="1600" dirty="0"/>
+              <a:t>(</a:t>
+            </a:r>
+            <a:r>
+              <a:rPr lang="zh-CN" altLang="en-US" sz="1600" dirty="0"/>
+              <a:t>可以认为是媒体类型</a:t>
+            </a:r>
+            <a:r>
+              <a:rPr lang="en-US" altLang="zh-CN" sz="1600" dirty="0"/>
+              <a:t>Media-Type), </a:t>
+            </a:r>
+            <a:r>
+              <a:rPr lang="zh-CN" altLang="en-US" sz="1600" dirty="0"/>
+              <a:t>以及状态管理</a:t>
+            </a:r>
+            <a:r>
+              <a:rPr lang="en-US" altLang="zh-CN" sz="1600" dirty="0"/>
+              <a:t>(</a:t>
+            </a:r>
+            <a:r>
+              <a:rPr lang="zh-CN" altLang="en-US" sz="1600" b="1" dirty="0"/>
+              <a:t>超媒体作为应用状态的引擎 </a:t>
+            </a:r>
+            <a:r>
+              <a:rPr lang="en-US" altLang="zh-CN" sz="1600" b="1" dirty="0" err="1"/>
+              <a:t>HATEOAS</a:t>
+            </a:r>
+            <a:r>
+              <a:rPr lang="en-US" altLang="zh-CN" sz="1600" dirty="0"/>
+              <a:t>, Hypermedia as the Engine of Application State).</a:t>
+            </a:r>
+          </a:p>
+          <a:p>
+            <a:pPr>
+              <a:lnSpc>
+                <a:spcPct val="100000"/>
+              </a:lnSpc>
+            </a:pPr>
+            <a:r>
+              <a:rPr lang="en-US" altLang="zh-CN" sz="1600" dirty="0"/>
+              <a:t>5. </a:t>
+            </a:r>
+            <a:r>
+              <a:rPr lang="zh-CN" altLang="en-US" sz="1600" b="1" dirty="0"/>
+              <a:t>缓存</a:t>
+            </a:r>
+            <a:r>
+              <a:rPr lang="en-US" altLang="zh-CN" sz="1600" dirty="0"/>
+              <a:t>: </a:t>
+            </a:r>
+            <a:r>
+              <a:rPr lang="zh-CN" altLang="en-US" sz="1600" dirty="0"/>
+              <a:t>缓存约束派生于无状态约束</a:t>
+            </a:r>
+            <a:r>
+              <a:rPr lang="en-US" altLang="zh-CN" sz="1600" dirty="0"/>
+              <a:t>, </a:t>
+            </a:r>
+            <a:r>
+              <a:rPr lang="zh-CN" altLang="en-US" sz="1600" dirty="0"/>
+              <a:t>它要求从服务端返回的响应必须明确表明是可缓存的还是不可缓存的</a:t>
+            </a:r>
+            <a:r>
+              <a:rPr lang="en-US" altLang="zh-CN" sz="1600" dirty="0"/>
+              <a:t>.</a:t>
+            </a:r>
+          </a:p>
+          <a:p>
+            <a:pPr>
+              <a:lnSpc>
+                <a:spcPct val="100000"/>
+              </a:lnSpc>
+            </a:pPr>
+            <a:r>
+              <a:rPr lang="en-US" altLang="zh-CN" sz="1600" dirty="0"/>
+              <a:t>6. </a:t>
+            </a:r>
+            <a:r>
+              <a:rPr lang="zh-CN" altLang="en-US" sz="1600" b="1" dirty="0"/>
+              <a:t>按需编码</a:t>
+            </a:r>
+            <a:r>
+              <a:rPr lang="en-US" altLang="zh-CN" sz="1600" dirty="0"/>
+              <a:t>: </a:t>
+            </a:r>
+            <a:r>
+              <a:rPr lang="zh-CN" altLang="en-US" sz="1600" dirty="0"/>
+              <a:t>这允许客户端可以从服务端访问特定的资源而无须知晓如何处理它们</a:t>
+            </a:r>
+            <a:r>
+              <a:rPr lang="en-US" altLang="zh-CN" sz="1600" dirty="0"/>
+              <a:t>. </a:t>
+            </a:r>
+            <a:r>
+              <a:rPr lang="zh-CN" altLang="en-US" sz="1600" dirty="0"/>
+              <a:t>服务端可以扩展或自定义客户端的功能</a:t>
+            </a:r>
+            <a:r>
+              <a:rPr lang="en-US" altLang="zh-CN" sz="1600" dirty="0"/>
+              <a:t>.</a:t>
+            </a:r>
           </a:p>
         </p:txBody>
       </p:sp>
     </p:spTree>
     <p:extLst>
       <p:ext uri="{BB962C8B-B14F-4D97-AF65-F5344CB8AC3E}">
-        <p14:creationId xmlns:p14="http://schemas.microsoft.com/office/powerpoint/2010/main" val="2887437590"/>
+        <p14:creationId xmlns:p14="http://schemas.microsoft.com/office/powerpoint/2010/main" val="1152334307"/>
       </p:ext>
     </p:extLst>
   </p:cSld>
@@ -5605,9 +6007,10 @@
           <a:lstStyle/>
           <a:p>
             <a:r>
-              <a:rPr lang="zh-CN" altLang="en-US" dirty="0"/>
-              <a:t>单元测试</a:t>
-            </a:r>
+              <a:rPr lang="en-US" altLang="zh-CN" dirty="0"/>
+              <a:t>Web API-Restful API</a:t>
+            </a:r>
+            <a:endParaRPr lang="zh-CN" altLang="en-US" dirty="0"/>
           </a:p>
         </p:txBody>
       </p:sp>
@@ -5639,79 +6042,280 @@
           </a:bodyPr>
           <a:lstStyle/>
           <a:p>
-            <a:r>
-              <a:rPr lang="en-US" altLang="zh-CN" sz="1600" dirty="0" err="1"/>
-              <a:t>Xunit</a:t>
-            </a:r>
+            <a:pPr marL="0" indent="0">
+              <a:lnSpc>
+                <a:spcPct val="100000"/>
+              </a:lnSpc>
+              <a:buNone/>
+            </a:pPr>
             <a:r>
               <a:rPr lang="en-US" altLang="zh-CN" sz="1600" dirty="0"/>
-              <a:t> Test</a:t>
+              <a:t>RESTful</a:t>
             </a:r>
             <a:r>
               <a:rPr lang="zh-CN" altLang="en-US" sz="1600" dirty="0"/>
-              <a:t>框架</a:t>
+              <a:t>成熟度模型</a:t>
             </a:r>
             <a:endParaRPr lang="en-US" altLang="zh-CN" sz="1600" dirty="0"/>
           </a:p>
           <a:p>
             <a:r>
-              <a:rPr lang="en-US" altLang="zh-CN" sz="1600" dirty="0" err="1"/>
-              <a:t>Moq</a:t>
-            </a:r>
-            <a:r>
               <a:rPr lang="en-US" altLang="zh-CN" sz="1600" dirty="0"/>
-              <a:t> mock</a:t>
-            </a:r>
-          </a:p>
-          <a:p>
+              <a:t>Level 0-</a:t>
+            </a:r>
             <a:r>
               <a:rPr lang="zh-CN" altLang="en-US" sz="1600" dirty="0"/>
-              <a:t>基于</a:t>
+              <a:t>资源（</a:t>
             </a:r>
             <a:r>
               <a:rPr lang="en-US" altLang="zh-CN" sz="1600" dirty="0"/>
-              <a:t>Repository</a:t>
+              <a:t>Resources</a:t>
             </a:r>
             <a:r>
               <a:rPr lang="zh-CN" altLang="en-US" sz="1600" dirty="0"/>
-              <a:t>测试</a:t>
+              <a:t>）</a:t>
+            </a:r>
+          </a:p>
+          <a:p>
+            <a:pPr marL="0" indent="0">
+              <a:buNone/>
+            </a:pPr>
+            <a:r>
+              <a:rPr lang="zh-CN" altLang="en-US" sz="1600" dirty="0"/>
+              <a:t>该模型的出发点是使用</a:t>
+            </a:r>
+            <a:r>
+              <a:rPr lang="en-US" altLang="zh-CN" sz="1600" dirty="0"/>
+              <a:t>HTTP</a:t>
+            </a:r>
+            <a:r>
+              <a:rPr lang="zh-CN" altLang="en-US" sz="1600" dirty="0"/>
+              <a:t>作为远程交互的传输系统，但不使用</a:t>
+            </a:r>
+            <a:r>
+              <a:rPr lang="en-US" altLang="zh-CN" sz="1600" dirty="0"/>
+              <a:t>Web</a:t>
+            </a:r>
+            <a:r>
+              <a:rPr lang="zh-CN" altLang="en-US" sz="1600" dirty="0"/>
+              <a:t>的任何机制。基本上就是使用</a:t>
+            </a:r>
+            <a:r>
+              <a:rPr lang="en-US" altLang="zh-CN" sz="1600" dirty="0"/>
+              <a:t>HTTP</a:t>
+            </a:r>
+            <a:r>
+              <a:rPr lang="zh-CN" altLang="en-US" sz="1600" dirty="0"/>
+              <a:t>作为你远程交互机中的隧道机制，通常基于“远程过程调用“（</a:t>
+            </a:r>
+            <a:r>
+              <a:rPr lang="en-US" altLang="zh-CN" sz="1600" dirty="0"/>
+              <a:t>RPC</a:t>
+            </a:r>
+            <a:r>
+              <a:rPr lang="zh-CN" altLang="en-US" sz="1600" dirty="0"/>
+              <a:t>，</a:t>
+            </a:r>
+            <a:r>
+              <a:rPr lang="en-US" altLang="zh-CN" sz="1600" dirty="0"/>
+              <a:t>Remote Procedure Invocation</a:t>
+            </a:r>
+            <a:r>
+              <a:rPr lang="zh-CN" altLang="en-US" sz="1600" dirty="0"/>
+              <a:t>）。</a:t>
             </a:r>
             <a:endParaRPr lang="en-US" altLang="zh-CN" sz="1600" dirty="0"/>
           </a:p>
           <a:p>
             <a:r>
+              <a:rPr lang="en-US" altLang="zh-CN" sz="1600" dirty="0"/>
+              <a:t>Level 1-</a:t>
+            </a:r>
+            <a:r>
               <a:rPr lang="zh-CN" altLang="en-US" sz="1600" dirty="0"/>
-              <a:t>基于</a:t>
+              <a:t>资源（</a:t>
             </a:r>
             <a:r>
               <a:rPr lang="en-US" altLang="zh-CN" sz="1600" dirty="0"/>
-              <a:t>Controller</a:t>
+              <a:t>Resources</a:t>
             </a:r>
             <a:r>
               <a:rPr lang="zh-CN" altLang="en-US" sz="1600" dirty="0"/>
-              <a:t>测试</a:t>
+              <a:t>）</a:t>
+            </a:r>
+          </a:p>
+          <a:p>
+            <a:pPr marL="0" indent="0">
+              <a:buNone/>
+            </a:pPr>
+            <a:r>
+              <a:rPr lang="zh-CN" altLang="en-US" sz="1600" dirty="0"/>
+              <a:t>在成熟度模型中，迈向</a:t>
+            </a:r>
+            <a:r>
+              <a:rPr lang="en-US" altLang="zh-CN" sz="1600" dirty="0"/>
+              <a:t>REST</a:t>
+            </a:r>
+            <a:r>
+              <a:rPr lang="zh-CN" altLang="en-US" sz="1600" dirty="0"/>
+              <a:t>的第一步就是引入资源的概念。接下来，我们所要讨论的是各个资源，而不是将所有请求发送到单一的服务端点。</a:t>
             </a:r>
             <a:endParaRPr lang="en-US" altLang="zh-CN" sz="1600" dirty="0"/>
           </a:p>
           <a:p>
             <a:r>
+              <a:rPr lang="en-US" altLang="zh-CN" sz="1600" dirty="0"/>
+              <a:t>Level 2-HTTP</a:t>
+            </a:r>
+            <a:r>
               <a:rPr lang="zh-CN" altLang="en-US" sz="1600" dirty="0"/>
-              <a:t>集成测试</a:t>
-            </a:r>
+              <a:t>动词（</a:t>
+            </a:r>
+            <a:r>
+              <a:rPr lang="en-US" altLang="zh-CN" sz="1600" dirty="0"/>
+              <a:t>HTTP Verbs</a:t>
+            </a:r>
+            <a:r>
+              <a:rPr lang="zh-CN" altLang="en-US" sz="1600" dirty="0"/>
+              <a:t>）</a:t>
+            </a:r>
+          </a:p>
+          <a:p>
+            <a:pPr marL="0" indent="0">
+              <a:buNone/>
+            </a:pPr>
+            <a:r>
+              <a:rPr lang="zh-CN" altLang="en-US" sz="1600" dirty="0"/>
+              <a:t>在</a:t>
+            </a:r>
+            <a:r>
+              <a:rPr lang="en-US" altLang="zh-CN" sz="1600" dirty="0"/>
+              <a:t>Level 0</a:t>
+            </a:r>
+            <a:r>
+              <a:rPr lang="zh-CN" altLang="en-US" sz="1600" dirty="0"/>
+              <a:t>和</a:t>
+            </a:r>
+            <a:r>
+              <a:rPr lang="en-US" altLang="zh-CN" sz="1600" dirty="0"/>
+              <a:t>Level 1</a:t>
+            </a:r>
+            <a:r>
+              <a:rPr lang="zh-CN" altLang="en-US" sz="1600" dirty="0"/>
+              <a:t>中，我们所有的交互都使用了</a:t>
+            </a:r>
+            <a:r>
+              <a:rPr lang="en-US" altLang="zh-CN" sz="1600" dirty="0"/>
+              <a:t>HTTP POST</a:t>
+            </a:r>
+            <a:r>
+              <a:rPr lang="zh-CN" altLang="en-US" sz="1600" dirty="0"/>
+              <a:t>动词，但有些人会使用</a:t>
+            </a:r>
+            <a:r>
+              <a:rPr lang="en-US" altLang="zh-CN" sz="1600" dirty="0"/>
+              <a:t>GET</a:t>
+            </a:r>
+            <a:r>
+              <a:rPr lang="zh-CN" altLang="en-US" sz="1600" dirty="0"/>
+              <a:t>或其它动词来代替。在目前的级别上它们区别并不大，其都是做为“隧道机制”使你可以通过</a:t>
+            </a:r>
+            <a:r>
+              <a:rPr lang="en-US" altLang="zh-CN" sz="1600" dirty="0"/>
+              <a:t>HTTP</a:t>
+            </a:r>
+            <a:r>
+              <a:rPr lang="zh-CN" altLang="en-US" sz="1600" dirty="0"/>
+              <a:t>完成交互。但在</a:t>
+            </a:r>
+            <a:r>
+              <a:rPr lang="en-US" altLang="zh-CN" sz="1600" dirty="0"/>
+              <a:t>Level 2</a:t>
+            </a:r>
+            <a:r>
+              <a:rPr lang="zh-CN" altLang="en-US" sz="1600" dirty="0"/>
+              <a:t>级别中不再这样，而是尽可能的使用</a:t>
+            </a:r>
+            <a:r>
+              <a:rPr lang="en-US" altLang="zh-CN" sz="1600" dirty="0"/>
+              <a:t>HTTP</a:t>
+            </a:r>
+            <a:r>
+              <a:rPr lang="zh-CN" altLang="en-US" sz="1600" dirty="0"/>
+              <a:t>协议中定义的合适的</a:t>
+            </a:r>
+            <a:r>
+              <a:rPr lang="en-US" altLang="zh-CN" sz="1600" dirty="0"/>
+              <a:t>HTTP</a:t>
+            </a:r>
+            <a:r>
+              <a:rPr lang="zh-CN" altLang="en-US" sz="1600" dirty="0"/>
+              <a:t>动词。</a:t>
+            </a:r>
+          </a:p>
+          <a:p>
+            <a:r>
+              <a:rPr lang="en-US" altLang="zh-CN" sz="1700" dirty="0"/>
+              <a:t>Level 3-</a:t>
+            </a:r>
+            <a:r>
+              <a:rPr lang="zh-CN" altLang="en-US" sz="1700" dirty="0"/>
+              <a:t>超媒体控制（</a:t>
+            </a:r>
+            <a:r>
+              <a:rPr lang="en-US" altLang="zh-CN" sz="1700" dirty="0"/>
+              <a:t>Hypermedia Controls</a:t>
+            </a:r>
+            <a:r>
+              <a:rPr lang="zh-CN" altLang="en-US" sz="1700" dirty="0"/>
+              <a:t>）</a:t>
+            </a:r>
+          </a:p>
+          <a:p>
+            <a:pPr marL="0" indent="0">
+              <a:buNone/>
+            </a:pPr>
+            <a:r>
+              <a:rPr lang="zh-CN" altLang="en-US" sz="1700" dirty="0"/>
+              <a:t>在最后一个级别中引入了一些你经常听到的、其缩写并不好看的“</a:t>
+            </a:r>
+            <a:r>
+              <a:rPr lang="en-US" altLang="zh-CN" sz="1700" dirty="0" err="1"/>
+              <a:t>HATEOAS</a:t>
+            </a:r>
+            <a:r>
+              <a:rPr lang="en-US" altLang="zh-CN" sz="1700" dirty="0"/>
+              <a:t>”(Hypertext As The Engine Of Application State)</a:t>
+            </a:r>
+            <a:r>
+              <a:rPr lang="zh-CN" altLang="en-US" sz="1700" dirty="0"/>
+              <a:t>中的一些内容。它解决了如何从列表中获取时间段资源及如何创建预约的问题。</a:t>
+            </a:r>
+          </a:p>
+          <a:p>
+            <a:pPr marL="0" indent="0">
+              <a:buNone/>
+            </a:pPr>
+            <a:endParaRPr lang="zh-CN" altLang="en-US" sz="1600" dirty="0"/>
+          </a:p>
+          <a:p>
+            <a:endParaRPr lang="zh-CN" altLang="en-US" sz="1600" dirty="0"/>
+          </a:p>
+          <a:p>
+            <a:pPr marL="0" indent="0">
+              <a:lnSpc>
+                <a:spcPct val="100000"/>
+              </a:lnSpc>
+              <a:buNone/>
+            </a:pPr>
             <a:endParaRPr lang="en-US" altLang="zh-CN" sz="1600" dirty="0"/>
-          </a:p>
-          <a:p>
-            <a:endParaRPr lang="en-US" altLang="zh-CN" sz="1600" dirty="0"/>
-          </a:p>
-          <a:p>
-            <a:endParaRPr lang="en-US" altLang="zh-CN" dirty="0"/>
           </a:p>
         </p:txBody>
       </p:sp>
     </p:spTree>
     <p:extLst>
       <p:ext uri="{BB962C8B-B14F-4D97-AF65-F5344CB8AC3E}">
-        <p14:creationId xmlns:p14="http://schemas.microsoft.com/office/powerpoint/2010/main" val="1165989208"/>
+        <p14:creationId xmlns:p14="http://schemas.microsoft.com/office/powerpoint/2010/main" val="1717673306"/>
       </p:ext>
     </p:extLst>
   </p:cSld>
@@ -5761,7 +6365,7 @@
           <a:p>
             <a:r>
               <a:rPr lang="en-US" altLang="zh-CN" dirty="0"/>
-              <a:t>Restful API</a:t>
+              <a:t>Quartz</a:t>
             </a:r>
             <a:endParaRPr lang="zh-CN" altLang="en-US" dirty="0"/>
           </a:p>
@@ -5795,437 +6399,35 @@
           </a:bodyPr>
           <a:lstStyle/>
           <a:p>
-            <a:pPr marL="0" indent="0">
-              <a:lnSpc>
-                <a:spcPct val="100000"/>
-              </a:lnSpc>
-              <a:buNone/>
-            </a:pPr>
+            <a:r>
+              <a:rPr lang="en-US" altLang="zh-CN" sz="1600" dirty="0" err="1"/>
+              <a:t>asp.net</a:t>
+            </a:r>
             <a:r>
               <a:rPr lang="en-US" altLang="zh-CN" sz="1600" dirty="0"/>
-              <a:t>RESTful API </a:t>
+              <a:t> core</a:t>
             </a:r>
             <a:r>
               <a:rPr lang="zh-CN" altLang="en-US" sz="1600" dirty="0"/>
-              <a:t>最关心的有这几方面</a:t>
+              <a:t>下的</a:t>
             </a:r>
             <a:r>
               <a:rPr lang="en-US" altLang="zh-CN" sz="1600" dirty="0"/>
-              <a:t>: </a:t>
-            </a:r>
-            <a:r>
-              <a:rPr lang="zh-CN" altLang="en-US" sz="1600" b="1" dirty="0"/>
-              <a:t>性能</a:t>
-            </a:r>
-            <a:r>
-              <a:rPr lang="en-US" altLang="zh-CN" sz="1600" b="1" dirty="0"/>
-              <a:t>, </a:t>
-            </a:r>
-            <a:r>
-              <a:rPr lang="zh-CN" altLang="en-US" sz="1600" b="1" dirty="0"/>
-              <a:t>可扩展性</a:t>
-            </a:r>
-            <a:r>
-              <a:rPr lang="en-US" altLang="zh-CN" sz="1600" b="1" dirty="0"/>
-              <a:t>, </a:t>
-            </a:r>
-            <a:r>
-              <a:rPr lang="zh-CN" altLang="en-US" sz="1600" b="1" dirty="0"/>
-              <a:t>简洁性</a:t>
-            </a:r>
-            <a:r>
-              <a:rPr lang="en-US" altLang="zh-CN" sz="1600" b="1" dirty="0"/>
-              <a:t>, </a:t>
-            </a:r>
-            <a:r>
-              <a:rPr lang="zh-CN" altLang="en-US" sz="1600" b="1" dirty="0"/>
-              <a:t>互操作性</a:t>
-            </a:r>
-            <a:r>
-              <a:rPr lang="en-US" altLang="zh-CN" sz="1600" b="1" dirty="0"/>
-              <a:t>, </a:t>
-            </a:r>
-            <a:r>
-              <a:rPr lang="zh-CN" altLang="en-US" sz="1600" b="1" dirty="0"/>
-              <a:t>通讯可见性</a:t>
-            </a:r>
-            <a:r>
-              <a:rPr lang="en-US" altLang="zh-CN" sz="1600" b="1" dirty="0"/>
-              <a:t>, </a:t>
-            </a:r>
-            <a:r>
-              <a:rPr lang="zh-CN" altLang="en-US" sz="1600" b="1" dirty="0"/>
-              <a:t>组件便携性和可靠性</a:t>
-            </a:r>
-            <a:r>
-              <a:rPr lang="en-US" altLang="zh-CN" sz="1600" dirty="0"/>
-              <a:t>.</a:t>
-            </a:r>
-          </a:p>
-          <a:p>
-            <a:pPr marL="0" indent="0">
-              <a:lnSpc>
-                <a:spcPct val="100000"/>
-              </a:lnSpc>
-              <a:buNone/>
-            </a:pPr>
-            <a:r>
-              <a:rPr lang="zh-CN" altLang="en-US" sz="1600" dirty="0"/>
-              <a:t>这些方面被封装在</a:t>
-            </a:r>
-            <a:r>
-              <a:rPr lang="en-US" altLang="zh-CN" sz="1600" dirty="0"/>
-              <a:t>REST</a:t>
-            </a:r>
-            <a:r>
-              <a:rPr lang="zh-CN" altLang="en-US" sz="1600" dirty="0"/>
-              <a:t>的</a:t>
-            </a:r>
-            <a:r>
-              <a:rPr lang="en-US" altLang="zh-CN" sz="1600" dirty="0"/>
-              <a:t>6</a:t>
-            </a:r>
-            <a:r>
-              <a:rPr lang="zh-CN" altLang="en-US" sz="1600" dirty="0"/>
-              <a:t>个原则里</a:t>
-            </a:r>
-            <a:r>
-              <a:rPr lang="en-US" altLang="zh-CN" sz="1600" dirty="0"/>
-              <a:t>, </a:t>
-            </a:r>
-            <a:r>
-              <a:rPr lang="zh-CN" altLang="en-US" sz="1600" dirty="0"/>
-              <a:t>它们是</a:t>
-            </a:r>
-            <a:r>
-              <a:rPr lang="en-US" altLang="zh-CN" sz="1600" dirty="0"/>
-              <a:t>: </a:t>
-            </a:r>
-          </a:p>
-          <a:p>
-            <a:pPr>
-              <a:lnSpc>
-                <a:spcPct val="100000"/>
-              </a:lnSpc>
-            </a:pPr>
-            <a:r>
-              <a:rPr lang="en-US" altLang="zh-CN" sz="1600" dirty="0"/>
-              <a:t>1. </a:t>
-            </a:r>
-            <a:r>
-              <a:rPr lang="zh-CN" altLang="en-US" sz="1600" b="1" dirty="0"/>
-              <a:t>客服端</a:t>
-            </a:r>
-            <a:r>
-              <a:rPr lang="en-US" altLang="zh-CN" sz="1600" b="1" dirty="0"/>
-              <a:t>-</a:t>
-            </a:r>
-            <a:r>
-              <a:rPr lang="zh-CN" altLang="en-US" sz="1600" b="1" dirty="0"/>
-              <a:t>服务端约束</a:t>
-            </a:r>
-            <a:r>
-              <a:rPr lang="en-US" altLang="zh-CN" sz="1600" dirty="0"/>
-              <a:t>: </a:t>
-            </a:r>
-            <a:r>
-              <a:rPr lang="zh-CN" altLang="en-US" sz="1600" dirty="0"/>
-              <a:t>客户端和服务端是分离的</a:t>
-            </a:r>
-            <a:r>
-              <a:rPr lang="en-US" altLang="zh-CN" sz="1600" dirty="0"/>
-              <a:t>, </a:t>
-            </a:r>
-            <a:r>
-              <a:rPr lang="zh-CN" altLang="en-US" sz="1600" dirty="0"/>
-              <a:t>它们可以独自的进化</a:t>
-            </a:r>
-            <a:r>
-              <a:rPr lang="en-US" altLang="zh-CN" sz="1600" dirty="0"/>
-              <a:t>.</a:t>
-            </a:r>
-          </a:p>
-          <a:p>
-            <a:pPr>
-              <a:lnSpc>
-                <a:spcPct val="100000"/>
-              </a:lnSpc>
-            </a:pPr>
-            <a:r>
-              <a:rPr lang="en-US" altLang="zh-CN" sz="1600" dirty="0"/>
-              <a:t>2. </a:t>
-            </a:r>
-            <a:r>
-              <a:rPr lang="zh-CN" altLang="en-US" sz="1600" b="1" dirty="0"/>
-              <a:t>无状态</a:t>
-            </a:r>
-            <a:r>
-              <a:rPr lang="en-US" altLang="zh-CN" sz="1600" dirty="0"/>
-              <a:t>: </a:t>
-            </a:r>
-            <a:r>
-              <a:rPr lang="zh-CN" altLang="en-US" sz="1600" dirty="0"/>
-              <a:t>客户端和服务段的通信必须是无状态的</a:t>
-            </a:r>
-            <a:r>
-              <a:rPr lang="en-US" altLang="zh-CN" sz="1600" dirty="0"/>
-              <a:t>, </a:t>
-            </a:r>
-            <a:r>
-              <a:rPr lang="zh-CN" altLang="en-US" sz="1600" dirty="0"/>
-              <a:t>状态应包含在请求里的</a:t>
-            </a:r>
-            <a:r>
-              <a:rPr lang="en-US" altLang="zh-CN" sz="1600" dirty="0"/>
-              <a:t>. </a:t>
-            </a:r>
-            <a:r>
-              <a:rPr lang="zh-CN" altLang="en-US" sz="1600" dirty="0"/>
-              <a:t>也就是说请求里要包含服务端需要的所有的信息</a:t>
-            </a:r>
-            <a:r>
-              <a:rPr lang="en-US" altLang="zh-CN" sz="1600" dirty="0"/>
-              <a:t>, </a:t>
-            </a:r>
-            <a:r>
-              <a:rPr lang="zh-CN" altLang="en-US" sz="1600" dirty="0"/>
-              <a:t>以便服务端可以理解请求并可以创造上下文</a:t>
-            </a:r>
-            <a:r>
-              <a:rPr lang="en-US" altLang="zh-CN" sz="1600" dirty="0"/>
-              <a:t>.</a:t>
-            </a:r>
-          </a:p>
-          <a:p>
-            <a:pPr>
-              <a:lnSpc>
-                <a:spcPct val="100000"/>
-              </a:lnSpc>
-            </a:pPr>
-            <a:r>
-              <a:rPr lang="en-US" altLang="zh-CN" sz="1600" dirty="0"/>
-              <a:t>3. </a:t>
-            </a:r>
-            <a:r>
-              <a:rPr lang="zh-CN" altLang="en-US" sz="1600" b="1" dirty="0"/>
-              <a:t>分层系统</a:t>
-            </a:r>
-            <a:r>
-              <a:rPr lang="en-US" altLang="zh-CN" sz="1600" dirty="0"/>
-              <a:t>: </a:t>
-            </a:r>
-            <a:r>
-              <a:rPr lang="zh-CN" altLang="en-US" sz="1600" dirty="0"/>
-              <a:t>就像其它的软件架构一样</a:t>
-            </a:r>
-            <a:r>
-              <a:rPr lang="en-US" altLang="zh-CN" sz="1600" dirty="0"/>
-              <a:t>, REST</a:t>
-            </a:r>
-            <a:r>
-              <a:rPr lang="zh-CN" altLang="en-US" sz="1600" dirty="0"/>
-              <a:t>也需要分层结构</a:t>
-            </a:r>
-            <a:r>
-              <a:rPr lang="en-US" altLang="zh-CN" sz="1600" dirty="0"/>
-              <a:t>, </a:t>
-            </a:r>
-            <a:r>
-              <a:rPr lang="zh-CN" altLang="en-US" sz="1600" dirty="0"/>
-              <a:t>但是不允许某层直接访问不相邻的层</a:t>
-            </a:r>
-            <a:r>
-              <a:rPr lang="en-US" altLang="zh-CN" sz="1600" dirty="0"/>
-              <a:t>. </a:t>
-            </a:r>
-          </a:p>
-          <a:p>
-            <a:pPr>
-              <a:lnSpc>
-                <a:spcPct val="100000"/>
-              </a:lnSpc>
-            </a:pPr>
-            <a:r>
-              <a:rPr lang="en-US" altLang="zh-CN" sz="1600" dirty="0"/>
-              <a:t>4. </a:t>
-            </a:r>
-            <a:r>
-              <a:rPr lang="zh-CN" altLang="en-US" sz="1600" b="1" dirty="0"/>
-              <a:t>统一接口</a:t>
-            </a:r>
-            <a:r>
-              <a:rPr lang="en-US" altLang="zh-CN" sz="1600" dirty="0"/>
-              <a:t>: </a:t>
-            </a:r>
-            <a:r>
-              <a:rPr lang="zh-CN" altLang="en-US" sz="1600" dirty="0"/>
-              <a:t>这里分为</a:t>
-            </a:r>
-            <a:r>
-              <a:rPr lang="en-US" altLang="zh-CN" sz="1600" dirty="0"/>
-              <a:t>4</a:t>
-            </a:r>
-            <a:r>
-              <a:rPr lang="zh-CN" altLang="en-US" sz="1600" dirty="0"/>
-              <a:t>点</a:t>
-            </a:r>
-            <a:r>
-              <a:rPr lang="en-US" altLang="zh-CN" sz="1600" dirty="0"/>
-              <a:t>, </a:t>
-            </a:r>
-            <a:r>
-              <a:rPr lang="zh-CN" altLang="en-US" sz="1600" dirty="0"/>
-              <a:t>他们是</a:t>
-            </a:r>
-            <a:r>
-              <a:rPr lang="en-US" altLang="zh-CN" sz="1600" dirty="0"/>
-              <a:t>: </a:t>
-            </a:r>
-            <a:r>
-              <a:rPr lang="zh-CN" altLang="en-US" sz="1600" dirty="0"/>
-              <a:t>资源标识符</a:t>
-            </a:r>
-            <a:r>
-              <a:rPr lang="en-US" altLang="zh-CN" sz="1600" dirty="0"/>
-              <a:t>(URI), </a:t>
-            </a:r>
-            <a:r>
-              <a:rPr lang="zh-CN" altLang="en-US" sz="1600" dirty="0"/>
-              <a:t>资源的操作</a:t>
-            </a:r>
-            <a:r>
-              <a:rPr lang="en-US" altLang="zh-CN" sz="1600" dirty="0"/>
-              <a:t>(</a:t>
-            </a:r>
-            <a:r>
-              <a:rPr lang="zh-CN" altLang="en-US" sz="1600" dirty="0"/>
-              <a:t>也就是方法</a:t>
-            </a:r>
-            <a:r>
-              <a:rPr lang="en-US" altLang="zh-CN" sz="1600" dirty="0"/>
-              <a:t>Method, HTTP</a:t>
-            </a:r>
-            <a:r>
-              <a:rPr lang="zh-CN" altLang="en-US" sz="1600" dirty="0"/>
-              <a:t>动词</a:t>
-            </a:r>
-            <a:r>
-              <a:rPr lang="en-US" altLang="zh-CN" sz="1600" dirty="0"/>
-              <a:t>), </a:t>
-            </a:r>
-            <a:r>
-              <a:rPr lang="zh-CN" altLang="en-US" sz="1600" dirty="0"/>
-              <a:t>自描述的响应</a:t>
-            </a:r>
-            <a:r>
-              <a:rPr lang="en-US" altLang="zh-CN" sz="1600" dirty="0"/>
-              <a:t>(</a:t>
-            </a:r>
-            <a:r>
-              <a:rPr lang="zh-CN" altLang="en-US" sz="1600" dirty="0"/>
-              <a:t>可以认为是媒体类型</a:t>
-            </a:r>
-            <a:r>
-              <a:rPr lang="en-US" altLang="zh-CN" sz="1600" dirty="0"/>
-              <a:t>Media-Type), </a:t>
-            </a:r>
-            <a:r>
-              <a:rPr lang="zh-CN" altLang="en-US" sz="1600" dirty="0"/>
-              <a:t>以及状态管理</a:t>
-            </a:r>
-            <a:r>
-              <a:rPr lang="en-US" altLang="zh-CN" sz="1600" dirty="0"/>
-              <a:t>(</a:t>
-            </a:r>
-            <a:r>
-              <a:rPr lang="zh-CN" altLang="en-US" sz="1600" b="1" dirty="0"/>
-              <a:t>超媒体作为应用状态的引擎 </a:t>
-            </a:r>
-            <a:r>
-              <a:rPr lang="en-US" altLang="zh-CN" sz="1600" b="1" dirty="0" err="1"/>
-              <a:t>HATEOAS</a:t>
-            </a:r>
-            <a:r>
-              <a:rPr lang="en-US" altLang="zh-CN" sz="1600" dirty="0"/>
-              <a:t>, Hypermedia as the Engine of Application State).</a:t>
-            </a:r>
-          </a:p>
-          <a:p>
-            <a:pPr>
-              <a:lnSpc>
-                <a:spcPct val="100000"/>
-              </a:lnSpc>
-            </a:pPr>
-            <a:r>
-              <a:rPr lang="en-US" altLang="zh-CN" sz="1600" dirty="0"/>
-              <a:t>5. </a:t>
-            </a:r>
-            <a:r>
-              <a:rPr lang="zh-CN" altLang="en-US" sz="1600" b="1" dirty="0"/>
-              <a:t>缓存</a:t>
-            </a:r>
-            <a:r>
-              <a:rPr lang="en-US" altLang="zh-CN" sz="1600" dirty="0"/>
-              <a:t>: </a:t>
-            </a:r>
-            <a:r>
-              <a:rPr lang="zh-CN" altLang="en-US" sz="1600" dirty="0"/>
-              <a:t>缓存约束派生于无状态约束</a:t>
-            </a:r>
-            <a:r>
-              <a:rPr lang="en-US" altLang="zh-CN" sz="1600" dirty="0"/>
-              <a:t>, </a:t>
-            </a:r>
-            <a:r>
-              <a:rPr lang="zh-CN" altLang="en-US" sz="1600" dirty="0"/>
-              <a:t>它要求从服务端返回的响应必须明确表明是可缓存的还是不可缓存的</a:t>
-            </a:r>
-            <a:r>
-              <a:rPr lang="en-US" altLang="zh-CN" sz="1600" dirty="0"/>
-              <a:t>.</a:t>
-            </a:r>
-          </a:p>
-          <a:p>
-            <a:pPr>
-              <a:lnSpc>
-                <a:spcPct val="100000"/>
-              </a:lnSpc>
-            </a:pPr>
-            <a:r>
-              <a:rPr lang="en-US" altLang="zh-CN" sz="1600" dirty="0"/>
-              <a:t>6. </a:t>
-            </a:r>
-            <a:r>
-              <a:rPr lang="zh-CN" altLang="en-US" sz="1600" b="1" dirty="0"/>
-              <a:t>按需编码</a:t>
-            </a:r>
-            <a:r>
-              <a:rPr lang="en-US" altLang="zh-CN" sz="1600" dirty="0"/>
-              <a:t>: </a:t>
-            </a:r>
-            <a:r>
-              <a:rPr lang="zh-CN" altLang="en-US" sz="1600" dirty="0"/>
-              <a:t>这允许客户端可以从服务端访问特定的资源而无须知晓如何处理它们</a:t>
-            </a:r>
-            <a:r>
-              <a:rPr lang="en-US" altLang="zh-CN" sz="1600" dirty="0"/>
-              <a:t>. </a:t>
-            </a:r>
-            <a:r>
-              <a:rPr lang="zh-CN" altLang="en-US" sz="1600" dirty="0"/>
-              <a:t>服务端可以扩展或自定义客户端的功能</a:t>
-            </a:r>
-            <a:r>
-              <a:rPr lang="en-US" altLang="zh-CN" sz="1600" dirty="0"/>
-              <a:t>.</a:t>
-            </a:r>
+              <a:t>quartz</a:t>
+            </a:r>
+          </a:p>
+          <a:p>
+            <a:endParaRPr lang="en-US" altLang="zh-CN" sz="1600" dirty="0"/>
+          </a:p>
+          <a:p>
+            <a:endParaRPr lang="en-US" altLang="zh-CN" dirty="0"/>
           </a:p>
         </p:txBody>
       </p:sp>
     </p:spTree>
     <p:extLst>
       <p:ext uri="{BB962C8B-B14F-4D97-AF65-F5344CB8AC3E}">
-        <p14:creationId xmlns:p14="http://schemas.microsoft.com/office/powerpoint/2010/main" val="1152334307"/>
+        <p14:creationId xmlns:p14="http://schemas.microsoft.com/office/powerpoint/2010/main" val="2887437590"/>
       </p:ext>
     </p:extLst>
   </p:cSld>
@@ -6274,10 +6476,9 @@
           <a:lstStyle/>
           <a:p>
             <a:r>
-              <a:rPr lang="en-US" altLang="zh-CN" dirty="0"/>
-              <a:t>Restful API</a:t>
-            </a:r>
-            <a:endParaRPr lang="zh-CN" altLang="en-US" dirty="0"/>
+              <a:rPr lang="zh-CN" altLang="en-US" dirty="0"/>
+              <a:t>单元测试</a:t>
+            </a:r>
           </a:p>
         </p:txBody>
       </p:sp>
@@ -6309,280 +6510,79 @@
           </a:bodyPr>
           <a:lstStyle/>
           <a:p>
-            <a:pPr marL="0" indent="0">
-              <a:lnSpc>
-                <a:spcPct val="100000"/>
-              </a:lnSpc>
-              <a:buNone/>
-            </a:pPr>
+            <a:r>
+              <a:rPr lang="en-US" altLang="zh-CN" sz="1600" dirty="0" err="1"/>
+              <a:t>Xunit</a:t>
+            </a:r>
             <a:r>
               <a:rPr lang="en-US" altLang="zh-CN" sz="1600" dirty="0"/>
-              <a:t>RESTful</a:t>
+              <a:t> Test</a:t>
             </a:r>
             <a:r>
               <a:rPr lang="zh-CN" altLang="en-US" sz="1600" dirty="0"/>
-              <a:t>成熟度模型</a:t>
+              <a:t>框架</a:t>
             </a:r>
             <a:endParaRPr lang="en-US" altLang="zh-CN" sz="1600" dirty="0"/>
           </a:p>
           <a:p>
             <a:r>
+              <a:rPr lang="en-US" altLang="zh-CN" sz="1600" dirty="0" err="1"/>
+              <a:t>Moq</a:t>
+            </a:r>
+            <a:r>
               <a:rPr lang="en-US" altLang="zh-CN" sz="1600" dirty="0"/>
-              <a:t>Level 0-</a:t>
-            </a:r>
+              <a:t> mock</a:t>
+            </a:r>
+          </a:p>
+          <a:p>
             <a:r>
               <a:rPr lang="zh-CN" altLang="en-US" sz="1600" dirty="0"/>
-              <a:t>资源（</a:t>
+              <a:t>基于</a:t>
             </a:r>
             <a:r>
               <a:rPr lang="en-US" altLang="zh-CN" sz="1600" dirty="0"/>
-              <a:t>Resources</a:t>
+              <a:t>Repository</a:t>
             </a:r>
             <a:r>
               <a:rPr lang="zh-CN" altLang="en-US" sz="1600" dirty="0"/>
-              <a:t>）</a:t>
-            </a:r>
-          </a:p>
-          <a:p>
-            <a:pPr marL="0" indent="0">
-              <a:buNone/>
-            </a:pPr>
+              <a:t>测试</a:t>
+            </a:r>
+            <a:endParaRPr lang="en-US" altLang="zh-CN" sz="1600" dirty="0"/>
+          </a:p>
+          <a:p>
             <a:r>
               <a:rPr lang="zh-CN" altLang="en-US" sz="1600" dirty="0"/>
-              <a:t>该模型的出发点是使用</a:t>
+              <a:t>基于</a:t>
             </a:r>
             <a:r>
               <a:rPr lang="en-US" altLang="zh-CN" sz="1600" dirty="0"/>
-              <a:t>HTTP</a:t>
+              <a:t>Controller</a:t>
             </a:r>
             <a:r>
               <a:rPr lang="zh-CN" altLang="en-US" sz="1600" dirty="0"/>
-              <a:t>作为远程交互的传输系统，但不使用</a:t>
-            </a:r>
-            <a:r>
-              <a:rPr lang="en-US" altLang="zh-CN" sz="1600" dirty="0"/>
-              <a:t>Web</a:t>
-            </a:r>
+              <a:t>测试</a:t>
+            </a:r>
+            <a:endParaRPr lang="en-US" altLang="zh-CN" sz="1600" dirty="0"/>
+          </a:p>
+          <a:p>
             <a:r>
               <a:rPr lang="zh-CN" altLang="en-US" sz="1600" dirty="0"/>
-              <a:t>的任何机制。基本上就是使用</a:t>
-            </a:r>
-            <a:r>
-              <a:rPr lang="en-US" altLang="zh-CN" sz="1600" dirty="0"/>
-              <a:t>HTTP</a:t>
-            </a:r>
-            <a:r>
-              <a:rPr lang="zh-CN" altLang="en-US" sz="1600" dirty="0"/>
-              <a:t>作为你远程交互机中的隧道机制，通常基于“远程过程调用“（</a:t>
-            </a:r>
-            <a:r>
-              <a:rPr lang="en-US" altLang="zh-CN" sz="1600" dirty="0"/>
-              <a:t>RPC</a:t>
-            </a:r>
-            <a:r>
-              <a:rPr lang="zh-CN" altLang="en-US" sz="1600" dirty="0"/>
-              <a:t>，</a:t>
-            </a:r>
-            <a:r>
-              <a:rPr lang="en-US" altLang="zh-CN" sz="1600" dirty="0"/>
-              <a:t>Remote Procedure Invocation</a:t>
-            </a:r>
-            <a:r>
-              <a:rPr lang="zh-CN" altLang="en-US" sz="1600" dirty="0"/>
-              <a:t>）。</a:t>
+              <a:t>集成测试</a:t>
             </a:r>
             <a:endParaRPr lang="en-US" altLang="zh-CN" sz="1600" dirty="0"/>
           </a:p>
           <a:p>
-            <a:r>
-              <a:rPr lang="en-US" altLang="zh-CN" sz="1600" dirty="0"/>
-              <a:t>Level 1-</a:t>
-            </a:r>
-            <a:r>
-              <a:rPr lang="zh-CN" altLang="en-US" sz="1600" dirty="0"/>
-              <a:t>资源（</a:t>
-            </a:r>
-            <a:r>
-              <a:rPr lang="en-US" altLang="zh-CN" sz="1600" dirty="0"/>
-              <a:t>Resources</a:t>
-            </a:r>
-            <a:r>
-              <a:rPr lang="zh-CN" altLang="en-US" sz="1600" dirty="0"/>
-              <a:t>）</a:t>
-            </a:r>
-          </a:p>
-          <a:p>
-            <a:pPr marL="0" indent="0">
-              <a:buNone/>
-            </a:pPr>
-            <a:r>
-              <a:rPr lang="zh-CN" altLang="en-US" sz="1600" dirty="0"/>
-              <a:t>在成熟度模型中，迈向</a:t>
-            </a:r>
-            <a:r>
-              <a:rPr lang="en-US" altLang="zh-CN" sz="1600" dirty="0"/>
-              <a:t>REST</a:t>
-            </a:r>
-            <a:r>
-              <a:rPr lang="zh-CN" altLang="en-US" sz="1600" dirty="0"/>
-              <a:t>的第一步就是引入资源的概念。接下来，我们所要讨论的是各个资源，而不是将所有请求发送到单一的服务端点。</a:t>
-            </a:r>
             <a:endParaRPr lang="en-US" altLang="zh-CN" sz="1600" dirty="0"/>
           </a:p>
           <a:p>
-            <a:r>
-              <a:rPr lang="en-US" altLang="zh-CN" sz="1600" dirty="0"/>
-              <a:t>Level 2-HTTP</a:t>
-            </a:r>
-            <a:r>
-              <a:rPr lang="zh-CN" altLang="en-US" sz="1600" dirty="0"/>
-              <a:t>动词（</a:t>
-            </a:r>
-            <a:r>
-              <a:rPr lang="en-US" altLang="zh-CN" sz="1600" dirty="0"/>
-              <a:t>HTTP Verbs</a:t>
-            </a:r>
-            <a:r>
-              <a:rPr lang="zh-CN" altLang="en-US" sz="1600" dirty="0"/>
-              <a:t>）</a:t>
-            </a:r>
-          </a:p>
-          <a:p>
-            <a:pPr marL="0" indent="0">
-              <a:buNone/>
-            </a:pPr>
-            <a:r>
-              <a:rPr lang="zh-CN" altLang="en-US" sz="1600" dirty="0"/>
-              <a:t>在</a:t>
-            </a:r>
-            <a:r>
-              <a:rPr lang="en-US" altLang="zh-CN" sz="1600" dirty="0"/>
-              <a:t>Level 0</a:t>
-            </a:r>
-            <a:r>
-              <a:rPr lang="zh-CN" altLang="en-US" sz="1600" dirty="0"/>
-              <a:t>和</a:t>
-            </a:r>
-            <a:r>
-              <a:rPr lang="en-US" altLang="zh-CN" sz="1600" dirty="0"/>
-              <a:t>Level 1</a:t>
-            </a:r>
-            <a:r>
-              <a:rPr lang="zh-CN" altLang="en-US" sz="1600" dirty="0"/>
-              <a:t>中，我们所有的交互都使用了</a:t>
-            </a:r>
-            <a:r>
-              <a:rPr lang="en-US" altLang="zh-CN" sz="1600" dirty="0"/>
-              <a:t>HTTP POST</a:t>
-            </a:r>
-            <a:r>
-              <a:rPr lang="zh-CN" altLang="en-US" sz="1600" dirty="0"/>
-              <a:t>动词，但有些人会使用</a:t>
-            </a:r>
-            <a:r>
-              <a:rPr lang="en-US" altLang="zh-CN" sz="1600" dirty="0"/>
-              <a:t>GET</a:t>
-            </a:r>
-            <a:r>
-              <a:rPr lang="zh-CN" altLang="en-US" sz="1600" dirty="0"/>
-              <a:t>或其它动词来代替。在目前的级别上它们区别并不大，其都是做为“隧道机制”使你可以通过</a:t>
-            </a:r>
-            <a:r>
-              <a:rPr lang="en-US" altLang="zh-CN" sz="1600" dirty="0"/>
-              <a:t>HTTP</a:t>
-            </a:r>
-            <a:r>
-              <a:rPr lang="zh-CN" altLang="en-US" sz="1600" dirty="0"/>
-              <a:t>完成交互。但在</a:t>
-            </a:r>
-            <a:r>
-              <a:rPr lang="en-US" altLang="zh-CN" sz="1600" dirty="0"/>
-              <a:t>Level 2</a:t>
-            </a:r>
-            <a:r>
-              <a:rPr lang="zh-CN" altLang="en-US" sz="1600" dirty="0"/>
-              <a:t>级别中不再这样，而是尽可能的使用</a:t>
-            </a:r>
-            <a:r>
-              <a:rPr lang="en-US" altLang="zh-CN" sz="1600" dirty="0"/>
-              <a:t>HTTP</a:t>
-            </a:r>
-            <a:r>
-              <a:rPr lang="zh-CN" altLang="en-US" sz="1600" dirty="0"/>
-              <a:t>协议中定义的合适的</a:t>
-            </a:r>
-            <a:r>
-              <a:rPr lang="en-US" altLang="zh-CN" sz="1600" dirty="0"/>
-              <a:t>HTTP</a:t>
-            </a:r>
-            <a:r>
-              <a:rPr lang="zh-CN" altLang="en-US" sz="1600" dirty="0"/>
-              <a:t>动词。</a:t>
-            </a:r>
-          </a:p>
-          <a:p>
-            <a:r>
-              <a:rPr lang="en-US" altLang="zh-CN" sz="1700" dirty="0"/>
-              <a:t>Level 3-</a:t>
-            </a:r>
-            <a:r>
-              <a:rPr lang="zh-CN" altLang="en-US" sz="1700" dirty="0"/>
-              <a:t>超媒体控制（</a:t>
-            </a:r>
-            <a:r>
-              <a:rPr lang="en-US" altLang="zh-CN" sz="1700" dirty="0"/>
-              <a:t>Hypermedia Controls</a:t>
-            </a:r>
-            <a:r>
-              <a:rPr lang="zh-CN" altLang="en-US" sz="1700" dirty="0"/>
-              <a:t>）</a:t>
-            </a:r>
-          </a:p>
-          <a:p>
-            <a:pPr marL="0" indent="0">
-              <a:buNone/>
-            </a:pPr>
-            <a:r>
-              <a:rPr lang="zh-CN" altLang="en-US" sz="1700" dirty="0"/>
-              <a:t>在最后一个级别中引入了一些你经常听到的、其缩写并不好看的“</a:t>
-            </a:r>
-            <a:r>
-              <a:rPr lang="en-US" altLang="zh-CN" sz="1700" dirty="0" err="1"/>
-              <a:t>HATEOAS</a:t>
-            </a:r>
-            <a:r>
-              <a:rPr lang="en-US" altLang="zh-CN" sz="1700" dirty="0"/>
-              <a:t>”(Hypertext As The Engine Of Application State)</a:t>
-            </a:r>
-            <a:r>
-              <a:rPr lang="zh-CN" altLang="en-US" sz="1700" dirty="0"/>
-              <a:t>中的一些内容。它解决了如何从列表中获取时间段资源及如何创建预约的问题。</a:t>
-            </a:r>
-          </a:p>
-          <a:p>
-            <a:pPr marL="0" indent="0">
-              <a:buNone/>
-            </a:pPr>
-            <a:endParaRPr lang="zh-CN" altLang="en-US" sz="1600" dirty="0"/>
-          </a:p>
-          <a:p>
-            <a:endParaRPr lang="zh-CN" altLang="en-US" sz="1600" dirty="0"/>
-          </a:p>
-          <a:p>
-            <a:pPr marL="0" indent="0">
-              <a:lnSpc>
-                <a:spcPct val="100000"/>
-              </a:lnSpc>
-              <a:buNone/>
-            </a:pPr>
-            <a:endParaRPr lang="en-US" altLang="zh-CN" sz="1600" dirty="0"/>
+            <a:endParaRPr lang="en-US" altLang="zh-CN" dirty="0"/>
           </a:p>
         </p:txBody>
       </p:sp>
     </p:spTree>
     <p:extLst>
       <p:ext uri="{BB962C8B-B14F-4D97-AF65-F5344CB8AC3E}">
-        <p14:creationId xmlns:p14="http://schemas.microsoft.com/office/powerpoint/2010/main" val="1717673306"/>
+        <p14:creationId xmlns:p14="http://schemas.microsoft.com/office/powerpoint/2010/main" val="1165989208"/>
       </p:ext>
     </p:extLst>
   </p:cSld>

--- a/aspnetcore3.0course/docs/aspnetcore3.0course.pptx
+++ b/aspnetcore3.0course/docs/aspnetcore3.0course.pptx
@@ -281,7 +281,7 @@
           <a:p>
             <a:fld id="{0CB35010-EDBB-44E1-81B6-E54FF20221CB}" type="datetimeFigureOut">
               <a:rPr lang="zh-CN" altLang="en-US" smtClean="0"/>
-              <a:t>2019/7/19</a:t>
+              <a:t>2019/7/21</a:t>
             </a:fld>
             <a:endParaRPr lang="zh-CN" altLang="en-US"/>
           </a:p>
@@ -479,7 +479,7 @@
           <a:p>
             <a:fld id="{0CB35010-EDBB-44E1-81B6-E54FF20221CB}" type="datetimeFigureOut">
               <a:rPr lang="zh-CN" altLang="en-US" smtClean="0"/>
-              <a:t>2019/7/19</a:t>
+              <a:t>2019/7/21</a:t>
             </a:fld>
             <a:endParaRPr lang="zh-CN" altLang="en-US"/>
           </a:p>
@@ -687,7 +687,7 @@
           <a:p>
             <a:fld id="{0CB35010-EDBB-44E1-81B6-E54FF20221CB}" type="datetimeFigureOut">
               <a:rPr lang="zh-CN" altLang="en-US" smtClean="0"/>
-              <a:t>2019/7/19</a:t>
+              <a:t>2019/7/21</a:t>
             </a:fld>
             <a:endParaRPr lang="zh-CN" altLang="en-US"/>
           </a:p>
@@ -885,7 +885,7 @@
           <a:p>
             <a:fld id="{0CB35010-EDBB-44E1-81B6-E54FF20221CB}" type="datetimeFigureOut">
               <a:rPr lang="zh-CN" altLang="en-US" smtClean="0"/>
-              <a:t>2019/7/19</a:t>
+              <a:t>2019/7/21</a:t>
             </a:fld>
             <a:endParaRPr lang="zh-CN" altLang="en-US"/>
           </a:p>
@@ -1160,7 +1160,7 @@
           <a:p>
             <a:fld id="{0CB35010-EDBB-44E1-81B6-E54FF20221CB}" type="datetimeFigureOut">
               <a:rPr lang="zh-CN" altLang="en-US" smtClean="0"/>
-              <a:t>2019/7/19</a:t>
+              <a:t>2019/7/21</a:t>
             </a:fld>
             <a:endParaRPr lang="zh-CN" altLang="en-US"/>
           </a:p>
@@ -1425,7 +1425,7 @@
           <a:p>
             <a:fld id="{0CB35010-EDBB-44E1-81B6-E54FF20221CB}" type="datetimeFigureOut">
               <a:rPr lang="zh-CN" altLang="en-US" smtClean="0"/>
-              <a:t>2019/7/19</a:t>
+              <a:t>2019/7/21</a:t>
             </a:fld>
             <a:endParaRPr lang="zh-CN" altLang="en-US"/>
           </a:p>
@@ -1837,7 +1837,7 @@
           <a:p>
             <a:fld id="{0CB35010-EDBB-44E1-81B6-E54FF20221CB}" type="datetimeFigureOut">
               <a:rPr lang="zh-CN" altLang="en-US" smtClean="0"/>
-              <a:t>2019/7/19</a:t>
+              <a:t>2019/7/21</a:t>
             </a:fld>
             <a:endParaRPr lang="zh-CN" altLang="en-US"/>
           </a:p>
@@ -1978,7 +1978,7 @@
           <a:p>
             <a:fld id="{0CB35010-EDBB-44E1-81B6-E54FF20221CB}" type="datetimeFigureOut">
               <a:rPr lang="zh-CN" altLang="en-US" smtClean="0"/>
-              <a:t>2019/7/19</a:t>
+              <a:t>2019/7/21</a:t>
             </a:fld>
             <a:endParaRPr lang="zh-CN" altLang="en-US"/>
           </a:p>
@@ -2091,7 +2091,7 @@
           <a:p>
             <a:fld id="{0CB35010-EDBB-44E1-81B6-E54FF20221CB}" type="datetimeFigureOut">
               <a:rPr lang="zh-CN" altLang="en-US" smtClean="0"/>
-              <a:t>2019/7/19</a:t>
+              <a:t>2019/7/21</a:t>
             </a:fld>
             <a:endParaRPr lang="zh-CN" altLang="en-US"/>
           </a:p>
@@ -2402,7 +2402,7 @@
           <a:p>
             <a:fld id="{0CB35010-EDBB-44E1-81B6-E54FF20221CB}" type="datetimeFigureOut">
               <a:rPr lang="zh-CN" altLang="en-US" smtClean="0"/>
-              <a:t>2019/7/19</a:t>
+              <a:t>2019/7/21</a:t>
             </a:fld>
             <a:endParaRPr lang="zh-CN" altLang="en-US"/>
           </a:p>
@@ -2690,7 +2690,7 @@
           <a:p>
             <a:fld id="{0CB35010-EDBB-44E1-81B6-E54FF20221CB}" type="datetimeFigureOut">
               <a:rPr lang="zh-CN" altLang="en-US" smtClean="0"/>
-              <a:t>2019/7/19</a:t>
+              <a:t>2019/7/21</a:t>
             </a:fld>
             <a:endParaRPr lang="zh-CN" altLang="en-US"/>
           </a:p>
@@ -2931,7 +2931,7 @@
           <a:p>
             <a:fld id="{0CB35010-EDBB-44E1-81B6-E54FF20221CB}" type="datetimeFigureOut">
               <a:rPr lang="zh-CN" altLang="en-US" smtClean="0"/>
-              <a:t>2019/7/19</a:t>
+              <a:t>2019/7/21</a:t>
             </a:fld>
             <a:endParaRPr lang="zh-CN" altLang="en-US"/>
           </a:p>
@@ -6395,7 +6395,7 @@
         </p:spPr>
         <p:txBody>
           <a:bodyPr>
-            <a:normAutofit/>
+            <a:normAutofit fontScale="85000" lnSpcReduction="10000"/>
           </a:bodyPr>
           <a:lstStyle/>
           <a:p>
@@ -6417,9 +6417,489 @@
             </a:r>
           </a:p>
           <a:p>
+            <a:r>
+              <a:rPr lang="en-US" altLang="zh-CN" sz="1600" dirty="0" err="1"/>
+              <a:t>cron</a:t>
+            </a:r>
             <a:endParaRPr lang="en-US" altLang="zh-CN" sz="1600" dirty="0"/>
           </a:p>
           <a:p>
+            <a:endParaRPr lang="en-US" altLang="zh-CN" sz="1600" dirty="0"/>
+          </a:p>
+          <a:p>
+            <a:pPr marL="0" indent="0">
+              <a:buNone/>
+            </a:pPr>
+            <a:r>
+              <a:rPr lang="en-US" altLang="zh-CN" sz="1400" dirty="0" err="1"/>
+              <a:t>cron</a:t>
+            </a:r>
+            <a:r>
+              <a:rPr lang="zh-CN" altLang="en-US" sz="1400" dirty="0"/>
+              <a:t>的表达式被用来配置</a:t>
+            </a:r>
+            <a:r>
+              <a:rPr lang="en-US" altLang="zh-CN" sz="1400" dirty="0" err="1"/>
+              <a:t>CronTrigger</a:t>
+            </a:r>
+            <a:r>
+              <a:rPr lang="zh-CN" altLang="en-US" sz="1400" dirty="0"/>
+              <a:t>实例。 </a:t>
+            </a:r>
+            <a:r>
+              <a:rPr lang="en-US" altLang="zh-CN" sz="1400" dirty="0" err="1"/>
+              <a:t>cron</a:t>
+            </a:r>
+            <a:r>
+              <a:rPr lang="zh-CN" altLang="en-US" sz="1400" dirty="0"/>
+              <a:t>的表达式是字符串，实际上是由七子表达式，描述个别细节的时间表。这些子表达式是分开的空白，代表：</a:t>
+            </a:r>
+          </a:p>
+          <a:p>
+            <a:r>
+              <a:rPr lang="en-US" altLang="zh-CN" sz="1400" b="1" dirty="0"/>
+              <a:t>Seconds</a:t>
+            </a:r>
+            <a:r>
+              <a:rPr lang="en-US" altLang="zh-CN" sz="1400" dirty="0"/>
+              <a:t> (</a:t>
+            </a:r>
+            <a:r>
+              <a:rPr lang="zh-CN" altLang="en-US" sz="1400" dirty="0"/>
+              <a:t>秒</a:t>
+            </a:r>
+            <a:r>
+              <a:rPr lang="en-US" altLang="zh-CN" sz="1400" dirty="0"/>
+              <a:t>)         </a:t>
+            </a:r>
+            <a:r>
+              <a:rPr lang="zh-CN" altLang="en-US" sz="1400" dirty="0"/>
+              <a:t>：可以用数字</a:t>
+            </a:r>
+            <a:r>
+              <a:rPr lang="en-US" altLang="zh-CN" sz="1400" dirty="0"/>
+              <a:t>0</a:t>
+            </a:r>
+            <a:r>
+              <a:rPr lang="zh-CN" altLang="en-US" sz="1400" dirty="0"/>
+              <a:t>－</a:t>
+            </a:r>
+            <a:r>
+              <a:rPr lang="en-US" altLang="zh-CN" sz="1400" dirty="0"/>
+              <a:t>59 </a:t>
+            </a:r>
+            <a:r>
+              <a:rPr lang="zh-CN" altLang="en-US" sz="1400" dirty="0"/>
+              <a:t>表示，</a:t>
+            </a:r>
+          </a:p>
+          <a:p>
+            <a:r>
+              <a:rPr lang="en-US" altLang="zh-CN" sz="1400" b="1" dirty="0"/>
+              <a:t>Minutes(</a:t>
+            </a:r>
+            <a:r>
+              <a:rPr lang="zh-CN" altLang="en-US" sz="1400" dirty="0"/>
+              <a:t>分</a:t>
+            </a:r>
+            <a:r>
+              <a:rPr lang="en-US" altLang="zh-CN" sz="1400" dirty="0"/>
+              <a:t>)          </a:t>
+            </a:r>
+            <a:r>
+              <a:rPr lang="zh-CN" altLang="en-US" sz="1400" dirty="0"/>
+              <a:t>：可以用数字</a:t>
+            </a:r>
+            <a:r>
+              <a:rPr lang="en-US" altLang="zh-CN" sz="1400" dirty="0"/>
+              <a:t>0</a:t>
+            </a:r>
+            <a:r>
+              <a:rPr lang="zh-CN" altLang="en-US" sz="1400" dirty="0"/>
+              <a:t>－</a:t>
+            </a:r>
+            <a:r>
+              <a:rPr lang="en-US" altLang="zh-CN" sz="1400" dirty="0"/>
+              <a:t>59 </a:t>
+            </a:r>
+            <a:r>
+              <a:rPr lang="zh-CN" altLang="en-US" sz="1400" dirty="0"/>
+              <a:t>表示，</a:t>
+            </a:r>
+          </a:p>
+          <a:p>
+            <a:r>
+              <a:rPr lang="en-US" altLang="zh-CN" sz="1400" b="1" dirty="0"/>
+              <a:t>Hours(</a:t>
+            </a:r>
+            <a:r>
+              <a:rPr lang="zh-CN" altLang="en-US" sz="1400" dirty="0"/>
+              <a:t>时</a:t>
+            </a:r>
+            <a:r>
+              <a:rPr lang="en-US" altLang="zh-CN" sz="1400" dirty="0"/>
+              <a:t>)             </a:t>
+            </a:r>
+            <a:r>
+              <a:rPr lang="zh-CN" altLang="en-US" sz="1400" dirty="0"/>
+              <a:t>：可以用数字</a:t>
+            </a:r>
+            <a:r>
+              <a:rPr lang="en-US" altLang="zh-CN" sz="1400" dirty="0"/>
+              <a:t>0-23</a:t>
+            </a:r>
+            <a:r>
+              <a:rPr lang="zh-CN" altLang="en-US" sz="1400" dirty="0"/>
+              <a:t>表示</a:t>
+            </a:r>
+            <a:r>
+              <a:rPr lang="en-US" altLang="zh-CN" sz="1400" dirty="0"/>
+              <a:t>,</a:t>
+            </a:r>
+          </a:p>
+          <a:p>
+            <a:r>
+              <a:rPr lang="en-US" altLang="zh-CN" sz="1400" b="1" dirty="0"/>
+              <a:t>Day-of-Month(</a:t>
+            </a:r>
+            <a:r>
+              <a:rPr lang="zh-CN" altLang="en-US" sz="1400" dirty="0"/>
+              <a:t>天</a:t>
+            </a:r>
+            <a:r>
+              <a:rPr lang="en-US" altLang="zh-CN" sz="1400" dirty="0"/>
+              <a:t>) </a:t>
+            </a:r>
+            <a:r>
+              <a:rPr lang="zh-CN" altLang="en-US" sz="1400" dirty="0"/>
+              <a:t>：可以用数字</a:t>
+            </a:r>
+            <a:r>
+              <a:rPr lang="en-US" altLang="zh-CN" sz="1400" dirty="0"/>
+              <a:t>1-31 </a:t>
+            </a:r>
+            <a:r>
+              <a:rPr lang="zh-CN" altLang="en-US" sz="1400" dirty="0"/>
+              <a:t>中的任一一个值，但要注意一些特别的月份</a:t>
+            </a:r>
+          </a:p>
+          <a:p>
+            <a:r>
+              <a:rPr lang="en-US" altLang="zh-CN" sz="1400" b="1" dirty="0"/>
+              <a:t>Month(</a:t>
+            </a:r>
+            <a:r>
+              <a:rPr lang="zh-CN" altLang="en-US" sz="1400" dirty="0"/>
+              <a:t>月</a:t>
+            </a:r>
+            <a:r>
+              <a:rPr lang="en-US" altLang="zh-CN" sz="1400" dirty="0"/>
+              <a:t>)            </a:t>
+            </a:r>
+            <a:r>
+              <a:rPr lang="zh-CN" altLang="en-US" sz="1400" dirty="0"/>
+              <a:t>：可以用</a:t>
+            </a:r>
+            <a:r>
+              <a:rPr lang="en-US" altLang="zh-CN" sz="1400" dirty="0"/>
+              <a:t>0-11 </a:t>
+            </a:r>
+            <a:r>
+              <a:rPr lang="zh-CN" altLang="en-US" sz="1400" dirty="0"/>
+              <a:t>或用字符串  “</a:t>
+            </a:r>
+            <a:r>
+              <a:rPr lang="en-US" altLang="zh-CN" sz="1400" dirty="0"/>
+              <a:t>JAN, FEB, MAR, APR, MAY, JUN, JUL, AUG, SEP, OCT, NOV and DEC” </a:t>
+            </a:r>
+            <a:r>
+              <a:rPr lang="zh-CN" altLang="en-US" sz="1400" dirty="0"/>
+              <a:t>表示</a:t>
+            </a:r>
+          </a:p>
+          <a:p>
+            <a:r>
+              <a:rPr lang="en-US" altLang="zh-CN" sz="1400" b="1" dirty="0"/>
+              <a:t>Day-of-Week(</a:t>
+            </a:r>
+            <a:r>
+              <a:rPr lang="zh-CN" altLang="en-US" sz="1400" b="1" dirty="0"/>
+              <a:t>每周</a:t>
+            </a:r>
+            <a:r>
+              <a:rPr lang="en-US" altLang="zh-CN" sz="1400" b="1" dirty="0"/>
+              <a:t>)</a:t>
+            </a:r>
+            <a:r>
+              <a:rPr lang="zh-CN" altLang="en-US" sz="1400" b="1" dirty="0"/>
+              <a:t>：</a:t>
+            </a:r>
+            <a:r>
+              <a:rPr lang="zh-CN" altLang="en-US" sz="1400" dirty="0"/>
+              <a:t>可以用数字</a:t>
+            </a:r>
+            <a:r>
+              <a:rPr lang="en-US" altLang="zh-CN" sz="1400" dirty="0"/>
+              <a:t>1-7</a:t>
+            </a:r>
+            <a:r>
+              <a:rPr lang="zh-CN" altLang="en-US" sz="1400" dirty="0"/>
+              <a:t>表示（</a:t>
+            </a:r>
+            <a:r>
+              <a:rPr lang="en-US" altLang="zh-CN" sz="1400" dirty="0"/>
+              <a:t>1 </a:t>
+            </a:r>
+            <a:r>
+              <a:rPr lang="zh-CN" altLang="en-US" sz="1400" dirty="0"/>
+              <a:t>＝ 星期日）或用字符口串“</a:t>
+            </a:r>
+            <a:r>
+              <a:rPr lang="en-US" altLang="zh-CN" sz="1400" dirty="0"/>
+              <a:t>SUN, MON, TUE, WED, THU, FRI and SAT”</a:t>
+            </a:r>
+            <a:r>
+              <a:rPr lang="zh-CN" altLang="en-US" sz="1400" dirty="0"/>
+              <a:t>表示</a:t>
+            </a:r>
+          </a:p>
+          <a:p>
+            <a:pPr marL="0" indent="0">
+              <a:buNone/>
+            </a:pPr>
+            <a:r>
+              <a:rPr lang="zh-CN" altLang="en-US" sz="1400" dirty="0"/>
+              <a:t>例  </a:t>
+            </a:r>
+            <a:r>
+              <a:rPr lang="en-US" altLang="zh-CN" sz="1400" dirty="0"/>
+              <a:t>"0 0 12 ? * WED" </a:t>
+            </a:r>
+            <a:r>
+              <a:rPr lang="zh-CN" altLang="en-US" sz="1400" dirty="0"/>
+              <a:t>在每星期三下午</a:t>
+            </a:r>
+            <a:r>
+              <a:rPr lang="en-US" altLang="zh-CN" sz="1400" dirty="0"/>
+              <a:t>12:00 </a:t>
+            </a:r>
+            <a:r>
+              <a:rPr lang="zh-CN" altLang="en-US" sz="1400" dirty="0"/>
+              <a:t>执行</a:t>
+            </a:r>
+            <a:r>
+              <a:rPr lang="en-US" altLang="zh-CN" sz="1400" dirty="0"/>
+              <a:t>,</a:t>
+            </a:r>
+          </a:p>
+          <a:p>
+            <a:pPr marL="0" indent="0">
+              <a:buNone/>
+            </a:pPr>
+            <a:endParaRPr lang="en-US" altLang="zh-CN" dirty="0"/>
+          </a:p>
+          <a:p>
+            <a:r>
+              <a:rPr lang="zh-CN" altLang="en-US" sz="1400" dirty="0"/>
+              <a:t>“</a:t>
+            </a:r>
+            <a:r>
+              <a:rPr lang="en-US" altLang="zh-CN" sz="1400" dirty="0"/>
+              <a:t>/”</a:t>
+            </a:r>
+            <a:r>
+              <a:rPr lang="zh-CN" altLang="en-US" sz="1400" dirty="0"/>
+              <a:t>：为特别单位，表示为“每”如“</a:t>
+            </a:r>
+            <a:r>
+              <a:rPr lang="en-US" altLang="zh-CN" sz="1400" dirty="0"/>
+              <a:t>0/15”</a:t>
+            </a:r>
+            <a:r>
+              <a:rPr lang="zh-CN" altLang="en-US" sz="1400" dirty="0"/>
+              <a:t>表示每隔</a:t>
+            </a:r>
+            <a:r>
+              <a:rPr lang="en-US" altLang="zh-CN" sz="1400" dirty="0"/>
+              <a:t>15</a:t>
+            </a:r>
+            <a:r>
+              <a:rPr lang="zh-CN" altLang="en-US" sz="1400" dirty="0"/>
+              <a:t>分钟执行一次</a:t>
+            </a:r>
+            <a:r>
+              <a:rPr lang="en-US" altLang="zh-CN" sz="1400" dirty="0"/>
+              <a:t>,“0”</a:t>
+            </a:r>
+            <a:r>
+              <a:rPr lang="zh-CN" altLang="en-US" sz="1400" dirty="0"/>
+              <a:t>表示为从“</a:t>
+            </a:r>
+            <a:r>
+              <a:rPr lang="en-US" altLang="zh-CN" sz="1400" dirty="0"/>
+              <a:t>0”</a:t>
+            </a:r>
+            <a:r>
+              <a:rPr lang="zh-CN" altLang="en-US" sz="1400" dirty="0"/>
+              <a:t>分开始</a:t>
+            </a:r>
+            <a:r>
+              <a:rPr lang="en-US" altLang="zh-CN" sz="1400" dirty="0"/>
+              <a:t>, “3/20”</a:t>
+            </a:r>
+            <a:r>
+              <a:rPr lang="zh-CN" altLang="en-US" sz="1400" dirty="0"/>
+              <a:t>表示表示每隔</a:t>
+            </a:r>
+            <a:r>
+              <a:rPr lang="en-US" altLang="zh-CN" sz="1400" dirty="0"/>
+              <a:t>20</a:t>
+            </a:r>
+            <a:r>
+              <a:rPr lang="zh-CN" altLang="en-US" sz="1400" dirty="0"/>
+              <a:t>分钟执行一次，“</a:t>
+            </a:r>
+            <a:r>
+              <a:rPr lang="en-US" altLang="zh-CN" sz="1400" dirty="0"/>
+              <a:t>3”</a:t>
+            </a:r>
+            <a:r>
+              <a:rPr lang="zh-CN" altLang="en-US" sz="1400" dirty="0"/>
+              <a:t>表示从第</a:t>
+            </a:r>
+            <a:r>
+              <a:rPr lang="en-US" altLang="zh-CN" sz="1400" dirty="0"/>
+              <a:t>3</a:t>
+            </a:r>
+            <a:r>
+              <a:rPr lang="zh-CN" altLang="en-US" sz="1400" dirty="0"/>
+              <a:t>分钟开始执行</a:t>
+            </a:r>
+          </a:p>
+          <a:p>
+            <a:r>
+              <a:rPr lang="zh-CN" altLang="en-US" sz="1400" dirty="0"/>
+              <a:t>“</a:t>
+            </a:r>
+            <a:r>
+              <a:rPr lang="en-US" altLang="zh-CN" sz="1400" dirty="0"/>
+              <a:t>?”</a:t>
+            </a:r>
+            <a:r>
+              <a:rPr lang="zh-CN" altLang="en-US" sz="1400" dirty="0"/>
+              <a:t>：表示每月的某一天，或第周的某一天</a:t>
+            </a:r>
+          </a:p>
+          <a:p>
+            <a:r>
+              <a:rPr lang="zh-CN" altLang="en-US" sz="1400" dirty="0"/>
+              <a:t>“</a:t>
+            </a:r>
+            <a:r>
+              <a:rPr lang="en-US" altLang="zh-CN" sz="1400" dirty="0"/>
+              <a:t>L”</a:t>
+            </a:r>
+            <a:r>
+              <a:rPr lang="zh-CN" altLang="en-US" sz="1400" dirty="0"/>
+              <a:t>：用于每月，或每周，表示为每月的最后一天，或每个月的最后星期几如“</a:t>
+            </a:r>
+            <a:r>
+              <a:rPr lang="en-US" altLang="zh-CN" sz="1400" dirty="0"/>
+              <a:t>6L”</a:t>
+            </a:r>
+            <a:r>
+              <a:rPr lang="zh-CN" altLang="en-US" sz="1400" dirty="0"/>
+              <a:t>表示“每月的最后一个星期五”</a:t>
+            </a:r>
+          </a:p>
+          <a:p>
+            <a:r>
+              <a:rPr lang="zh-CN" altLang="en-US" sz="1400" dirty="0"/>
+              <a:t>“</a:t>
+            </a:r>
+            <a:r>
+              <a:rPr lang="en-US" altLang="zh-CN" sz="1400" dirty="0"/>
+              <a:t>W”</a:t>
+            </a:r>
+            <a:r>
+              <a:rPr lang="zh-CN" altLang="en-US" sz="1400" dirty="0"/>
+              <a:t>：表示为最近工作日，如“</a:t>
+            </a:r>
+            <a:r>
+              <a:rPr lang="en-US" altLang="zh-CN" sz="1400" dirty="0"/>
+              <a:t>15W”</a:t>
+            </a:r>
+            <a:r>
+              <a:rPr lang="zh-CN" altLang="en-US" sz="1400" dirty="0"/>
+              <a:t>放在每月（</a:t>
+            </a:r>
+            <a:r>
+              <a:rPr lang="en-US" altLang="zh-CN" sz="1400" dirty="0"/>
+              <a:t>day-of-month</a:t>
+            </a:r>
+            <a:r>
+              <a:rPr lang="zh-CN" altLang="en-US" sz="1400" dirty="0"/>
+              <a:t>）字段上表示为“到本月</a:t>
+            </a:r>
+            <a:r>
+              <a:rPr lang="en-US" altLang="zh-CN" sz="1400" dirty="0"/>
+              <a:t>15</a:t>
+            </a:r>
+            <a:r>
+              <a:rPr lang="zh-CN" altLang="en-US" sz="1400" dirty="0"/>
+              <a:t>日最近的工作日”</a:t>
+            </a:r>
+          </a:p>
+          <a:p>
+            <a:r>
+              <a:rPr lang="zh-CN" altLang="en-US" sz="1400" dirty="0"/>
+              <a:t>““</a:t>
+            </a:r>
+            <a:r>
+              <a:rPr lang="en-US" altLang="zh-CN" sz="1400" dirty="0"/>
+              <a:t>#”</a:t>
+            </a:r>
+            <a:r>
+              <a:rPr lang="zh-CN" altLang="en-US" sz="1400" dirty="0"/>
+              <a:t>：是用来指定“的”每月第</a:t>
+            </a:r>
+            <a:r>
+              <a:rPr lang="en-US" altLang="zh-CN" sz="1400" dirty="0"/>
+              <a:t>n</a:t>
+            </a:r>
+            <a:r>
+              <a:rPr lang="zh-CN" altLang="en-US" sz="1400" dirty="0"/>
+              <a:t>个工作日</a:t>
+            </a:r>
+            <a:r>
+              <a:rPr lang="en-US" altLang="zh-CN" sz="1400" dirty="0"/>
+              <a:t>,</a:t>
+            </a:r>
+            <a:r>
+              <a:rPr lang="zh-CN" altLang="en-US" sz="1400" dirty="0"/>
+              <a:t>例 在每周（</a:t>
+            </a:r>
+            <a:r>
+              <a:rPr lang="en-US" altLang="zh-CN" sz="1400" dirty="0"/>
+              <a:t>day-of-week</a:t>
+            </a:r>
+            <a:r>
+              <a:rPr lang="zh-CN" altLang="en-US" sz="1400" dirty="0"/>
+              <a:t>）这个字段中内容为</a:t>
+            </a:r>
+            <a:r>
+              <a:rPr lang="en-US" altLang="zh-CN" sz="1400" dirty="0"/>
+              <a:t>"6#3" or "FRI#3" </a:t>
+            </a:r>
+            <a:r>
+              <a:rPr lang="zh-CN" altLang="en-US" sz="1400" dirty="0"/>
+              <a:t>则表示“每月第三个星期五”</a:t>
+            </a:r>
+          </a:p>
+          <a:p>
+            <a:pPr marL="0" indent="0">
+              <a:buNone/>
+            </a:pPr>
             <a:endParaRPr lang="en-US" altLang="zh-CN" dirty="0"/>
           </a:p>
         </p:txBody>
